--- a/Imperial_College_29-01-2020/Presentation.pptx
+++ b/Imperial_College_29-01-2020/Presentation.pptx
@@ -225,7 +225,7 @@
             <a:fld id="{AF0EBDE4-2F5D-44B8-A009-F3B6D6C08125}" type="datetimeFigureOut">
               <a:rPr lang="en-US" smtClean="0"/>
               <a:pPr/>
-              <a:t>1/23/2020</a:t>
+              <a:t>1/24/2020</a:t>
             </a:fld>
             <a:endParaRPr lang="en-US" dirty="0"/>
           </a:p>
@@ -850,7 +850,7 @@
             <a:fld id="{1D8BD707-D9CF-40AE-B4C6-C98DA3205C09}" type="datetimeFigureOut">
               <a:rPr lang="en-US" smtClean="0"/>
               <a:pPr/>
-              <a:t>1/23/2020</a:t>
+              <a:t>1/24/2020</a:t>
             </a:fld>
             <a:endParaRPr lang="en-US" dirty="0"/>
           </a:p>
@@ -1039,7 +1039,7 @@
             <a:fld id="{1D8BD707-D9CF-40AE-B4C6-C98DA3205C09}" type="datetimeFigureOut">
               <a:rPr lang="en-US" smtClean="0"/>
               <a:pPr/>
-              <a:t>1/23/2020</a:t>
+              <a:t>1/24/2020</a:t>
             </a:fld>
             <a:endParaRPr lang="en-US" dirty="0"/>
           </a:p>
@@ -1238,7 +1238,7 @@
             <a:fld id="{1D8BD707-D9CF-40AE-B4C6-C98DA3205C09}" type="datetimeFigureOut">
               <a:rPr lang="en-US" smtClean="0"/>
               <a:pPr/>
-              <a:t>1/23/2020</a:t>
+              <a:t>1/24/2020</a:t>
             </a:fld>
             <a:endParaRPr lang="en-US" dirty="0"/>
           </a:p>
@@ -1427,7 +1427,7 @@
             <a:fld id="{1D8BD707-D9CF-40AE-B4C6-C98DA3205C09}" type="datetimeFigureOut">
               <a:rPr lang="en-US" smtClean="0"/>
               <a:pPr/>
-              <a:t>1/23/2020</a:t>
+              <a:t>1/24/2020</a:t>
             </a:fld>
             <a:endParaRPr lang="en-US" dirty="0"/>
           </a:p>
@@ -1693,7 +1693,7 @@
             <a:fld id="{1D8BD707-D9CF-40AE-B4C6-C98DA3205C09}" type="datetimeFigureOut">
               <a:rPr lang="en-US" smtClean="0"/>
               <a:pPr/>
-              <a:t>1/23/2020</a:t>
+              <a:t>1/24/2020</a:t>
             </a:fld>
             <a:endParaRPr lang="en-US" dirty="0"/>
           </a:p>
@@ -1999,7 +1999,7 @@
             <a:fld id="{1D8BD707-D9CF-40AE-B4C6-C98DA3205C09}" type="datetimeFigureOut">
               <a:rPr lang="en-US" smtClean="0"/>
               <a:pPr/>
-              <a:t>1/23/2020</a:t>
+              <a:t>1/24/2020</a:t>
             </a:fld>
             <a:endParaRPr lang="en-US" dirty="0"/>
           </a:p>
@@ -2439,7 +2439,7 @@
             <a:fld id="{1D8BD707-D9CF-40AE-B4C6-C98DA3205C09}" type="datetimeFigureOut">
               <a:rPr lang="en-US" smtClean="0"/>
               <a:pPr/>
-              <a:t>1/23/2020</a:t>
+              <a:t>1/24/2020</a:t>
             </a:fld>
             <a:endParaRPr lang="en-US" dirty="0"/>
           </a:p>
@@ -2577,7 +2577,7 @@
             <a:fld id="{1D8BD707-D9CF-40AE-B4C6-C98DA3205C09}" type="datetimeFigureOut">
               <a:rPr lang="en-US" smtClean="0"/>
               <a:pPr/>
-              <a:t>1/23/2020</a:t>
+              <a:t>1/24/2020</a:t>
             </a:fld>
             <a:endParaRPr lang="en-US" dirty="0"/>
           </a:p>
@@ -2693,7 +2693,7 @@
             <a:fld id="{1D8BD707-D9CF-40AE-B4C6-C98DA3205C09}" type="datetimeFigureOut">
               <a:rPr lang="en-US" smtClean="0"/>
               <a:pPr/>
-              <a:t>1/23/2020</a:t>
+              <a:t>1/24/2020</a:t>
             </a:fld>
             <a:endParaRPr lang="en-US" dirty="0"/>
           </a:p>
@@ -2989,7 +2989,7 @@
             <a:fld id="{1D8BD707-D9CF-40AE-B4C6-C98DA3205C09}" type="datetimeFigureOut">
               <a:rPr lang="en-US" smtClean="0"/>
               <a:pPr/>
-              <a:t>1/23/2020</a:t>
+              <a:t>1/24/2020</a:t>
             </a:fld>
             <a:endParaRPr lang="en-US" dirty="0"/>
           </a:p>
@@ -3262,7 +3262,7 @@
             <a:fld id="{1D8BD707-D9CF-40AE-B4C6-C98DA3205C09}" type="datetimeFigureOut">
               <a:rPr lang="en-US" smtClean="0"/>
               <a:pPr/>
-              <a:t>1/23/2020</a:t>
+              <a:t>1/24/2020</a:t>
             </a:fld>
             <a:endParaRPr lang="en-US" dirty="0"/>
           </a:p>
@@ -6776,7 +6776,13 @@
                 <a:solidFill>
                   <a:schemeClr val="bg1"/>
                 </a:solidFill>
-                <a:hlinkClick r:id="rId2"/>
+                <a:hlinkClick r:id="rId2">
+                  <a:extLst>
+                    <a:ext uri="{A12FA001-AC4F-418D-AE19-62706E023703}">
+                      <ahyp:hlinkClr xmlns:ahyp="http://schemas.microsoft.com/office/drawing/2018/hyperlinkcolor" val="tx"/>
+                    </a:ext>
+                  </a:extLst>
+                </a:hlinkClick>
               </a:rPr>
               <a:t>Google Earth </a:t>
             </a:r>
@@ -6796,7 +6802,13 @@
                 <a:solidFill>
                   <a:schemeClr val="bg1"/>
                 </a:solidFill>
-                <a:hlinkClick r:id="rId3"/>
+                <a:hlinkClick r:id="rId3">
+                  <a:extLst>
+                    <a:ext uri="{A12FA001-AC4F-418D-AE19-62706E023703}">
+                      <ahyp:hlinkClr xmlns:ahyp="http://schemas.microsoft.com/office/drawing/2018/hyperlinkcolor" val="tx"/>
+                    </a:ext>
+                  </a:extLst>
+                </a:hlinkClick>
               </a:rPr>
               <a:t>Perspective</a:t>
             </a:r>
@@ -6816,7 +6828,13 @@
                 <a:solidFill>
                   <a:schemeClr val="bg1"/>
                 </a:solidFill>
-                <a:hlinkClick r:id="rId4"/>
+                <a:hlinkClick r:id="rId4">
+                  <a:extLst>
+                    <a:ext uri="{A12FA001-AC4F-418D-AE19-62706E023703}">
+                      <ahyp:hlinkClr xmlns:ahyp="http://schemas.microsoft.com/office/drawing/2018/hyperlinkcolor" val="tx"/>
+                    </a:ext>
+                  </a:extLst>
+                </a:hlinkClick>
               </a:rPr>
               <a:t>D3</a:t>
             </a:r>
@@ -6836,7 +6854,13 @@
                 <a:solidFill>
                   <a:schemeClr val="bg1"/>
                 </a:solidFill>
-                <a:hlinkClick r:id="rId5"/>
+                <a:hlinkClick r:id="rId5">
+                  <a:extLst>
+                    <a:ext uri="{A12FA001-AC4F-418D-AE19-62706E023703}">
+                      <ahyp:hlinkClr xmlns:ahyp="http://schemas.microsoft.com/office/drawing/2018/hyperlinkcolor" val="tx"/>
+                    </a:ext>
+                  </a:extLst>
+                </a:hlinkClick>
               </a:rPr>
               <a:t>PSPDFKit</a:t>
             </a:r>
@@ -9243,16 +9267,17 @@
                 <a:solidFill>
                   <a:schemeClr val="bg1"/>
                 </a:solidFill>
+                <a:hlinkClick r:id="rId2">
+                  <a:extLst>
+                    <a:ext uri="{A12FA001-AC4F-418D-AE19-62706E023703}">
+                      <ahyp:hlinkClr xmlns:ahyp="http://schemas.microsoft.com/office/drawing/2018/hyperlinkcolor" val="tx"/>
+                    </a:ext>
+                  </a:extLst>
+                </a:hlinkClick>
               </a:rPr>
-              <a:t>X86 Emulators </a:t>
+              <a:t>x86 Emulators </a:t>
             </a:r>
-            <a:r>
-              <a:rPr lang="en-GB" sz="1200" dirty="0">
-                <a:hlinkClick r:id="rId2"/>
-              </a:rPr>
-              <a:t>https://copy.sh/v86/?profile=windows98</a:t>
-            </a:r>
-            <a:endParaRPr lang="en-US" sz="1200" dirty="0">
+            <a:endParaRPr lang="en-US" dirty="0">
               <a:solidFill>
                 <a:schemeClr val="bg1"/>
               </a:solidFill>

--- a/Imperial_College_29-01-2020/Presentation.pptx
+++ b/Imperial_College_29-01-2020/Presentation.pptx
@@ -5,7 +5,7 @@
     <p:sldMasterId id="2147483648" r:id="rId1"/>
   </p:sldMasterIdLst>
   <p:notesMasterIdLst>
-    <p:notesMasterId r:id="rId19"/>
+    <p:notesMasterId r:id="rId20"/>
   </p:notesMasterIdLst>
   <p:sldIdLst>
     <p:sldId id="272" r:id="rId2"/>
@@ -13,18 +13,19 @@
     <p:sldId id="336" r:id="rId4"/>
     <p:sldId id="377" r:id="rId5"/>
     <p:sldId id="386" r:id="rId6"/>
-    <p:sldId id="387" r:id="rId7"/>
-    <p:sldId id="378" r:id="rId8"/>
-    <p:sldId id="376" r:id="rId9"/>
-    <p:sldId id="379" r:id="rId10"/>
-    <p:sldId id="380" r:id="rId11"/>
-    <p:sldId id="381" r:id="rId12"/>
-    <p:sldId id="382" r:id="rId13"/>
-    <p:sldId id="383" r:id="rId14"/>
-    <p:sldId id="384" r:id="rId15"/>
-    <p:sldId id="388" r:id="rId16"/>
-    <p:sldId id="385" r:id="rId17"/>
-    <p:sldId id="375" r:id="rId18"/>
+    <p:sldId id="389" r:id="rId7"/>
+    <p:sldId id="387" r:id="rId8"/>
+    <p:sldId id="378" r:id="rId9"/>
+    <p:sldId id="376" r:id="rId10"/>
+    <p:sldId id="379" r:id="rId11"/>
+    <p:sldId id="380" r:id="rId12"/>
+    <p:sldId id="381" r:id="rId13"/>
+    <p:sldId id="382" r:id="rId14"/>
+    <p:sldId id="383" r:id="rId15"/>
+    <p:sldId id="384" r:id="rId16"/>
+    <p:sldId id="388" r:id="rId17"/>
+    <p:sldId id="385" r:id="rId18"/>
+    <p:sldId id="375" r:id="rId19"/>
   </p:sldIdLst>
   <p:sldSz cx="9144000" cy="6858000" type="screen4x3"/>
   <p:notesSz cx="7099300" cy="10234613"/>
@@ -4093,7 +4094,7 @@
                 </a:solidFill>
                 <a:latin typeface="Calibri" pitchFamily="34" charset="0"/>
               </a:rPr>
-              <a:t>#. LLVM (Low Level Virtual Machine)</a:t>
+              <a:t>#. Machine Code</a:t>
             </a:r>
           </a:p>
         </p:txBody>
@@ -4460,7 +4461,7 @@
     </p:spTree>
     <p:extLst>
       <p:ext uri="{BB962C8B-B14F-4D97-AF65-F5344CB8AC3E}">
-        <p14:creationId xmlns:p14="http://schemas.microsoft.com/office/powerpoint/2010/main" val="2951858699"/>
+        <p14:creationId xmlns:p14="http://schemas.microsoft.com/office/powerpoint/2010/main" val="758859454"/>
       </p:ext>
     </p:extLst>
   </p:cSld>
@@ -4522,7 +4523,7 @@
                 </a:solidFill>
                 <a:latin typeface="Calibri" pitchFamily="34" charset="0"/>
               </a:rPr>
-              <a:t>#. JIT Compiler</a:t>
+              <a:t>#. LLVM (Low Level Virtual Machine)</a:t>
             </a:r>
           </a:p>
         </p:txBody>
@@ -4889,7 +4890,7 @@
     </p:spTree>
     <p:extLst>
       <p:ext uri="{BB962C8B-B14F-4D97-AF65-F5344CB8AC3E}">
-        <p14:creationId xmlns:p14="http://schemas.microsoft.com/office/powerpoint/2010/main" val="4021861951"/>
+        <p14:creationId xmlns:p14="http://schemas.microsoft.com/office/powerpoint/2010/main" val="2951858699"/>
       </p:ext>
     </p:extLst>
   </p:cSld>
@@ -4951,7 +4952,7 @@
                 </a:solidFill>
                 <a:latin typeface="Calibri" pitchFamily="34" charset="0"/>
               </a:rPr>
-              <a:t>#. JavaScript (Simplified)</a:t>
+              <a:t>#. JIT Compiler</a:t>
             </a:r>
           </a:p>
         </p:txBody>
@@ -5318,7 +5319,7 @@
     </p:spTree>
     <p:extLst>
       <p:ext uri="{BB962C8B-B14F-4D97-AF65-F5344CB8AC3E}">
-        <p14:creationId xmlns:p14="http://schemas.microsoft.com/office/powerpoint/2010/main" val="2482442259"/>
+        <p14:creationId xmlns:p14="http://schemas.microsoft.com/office/powerpoint/2010/main" val="4021861951"/>
       </p:ext>
     </p:extLst>
   </p:cSld>
@@ -5380,7 +5381,7 @@
                 </a:solidFill>
                 <a:latin typeface="Calibri" pitchFamily="34" charset="0"/>
               </a:rPr>
-              <a:t>#. Performance</a:t>
+              <a:t>#. JavaScript (Simplified)</a:t>
             </a:r>
           </a:p>
         </p:txBody>
@@ -5747,7 +5748,7 @@
     </p:spTree>
     <p:extLst>
       <p:ext uri="{BB962C8B-B14F-4D97-AF65-F5344CB8AC3E}">
-        <p14:creationId xmlns:p14="http://schemas.microsoft.com/office/powerpoint/2010/main" val="1272949033"/>
+        <p14:creationId xmlns:p14="http://schemas.microsoft.com/office/powerpoint/2010/main" val="2482442259"/>
       </p:ext>
     </p:extLst>
   </p:cSld>
@@ -5809,7 +5810,7 @@
                 </a:solidFill>
                 <a:latin typeface="Calibri" pitchFamily="34" charset="0"/>
               </a:rPr>
-              <a:t>#. Limitations</a:t>
+              <a:t>#. Performance</a:t>
             </a:r>
           </a:p>
         </p:txBody>
@@ -6176,7 +6177,7 @@
     </p:spTree>
     <p:extLst>
       <p:ext uri="{BB962C8B-B14F-4D97-AF65-F5344CB8AC3E}">
-        <p14:creationId xmlns:p14="http://schemas.microsoft.com/office/powerpoint/2010/main" val="914059676"/>
+        <p14:creationId xmlns:p14="http://schemas.microsoft.com/office/powerpoint/2010/main" val="1272949033"/>
       </p:ext>
     </p:extLst>
   </p:cSld>
@@ -6238,7 +6239,7 @@
                 </a:solidFill>
                 <a:latin typeface="Calibri" pitchFamily="34" charset="0"/>
               </a:rPr>
-              <a:t>#. Real world examples</a:t>
+              <a:t>#. Limitations</a:t>
             </a:r>
           </a:p>
         </p:txBody>
@@ -6602,280 +6603,10 @@
           </a:p>
         </p:txBody>
       </p:sp>
-      <p:sp>
-        <p:nvSpPr>
-          <p:cNvPr id="7" name="Content Placeholder 2">
-            <a:extLst>
-              <a:ext uri="{FF2B5EF4-FFF2-40B4-BE49-F238E27FC236}">
-                <a16:creationId xmlns:a16="http://schemas.microsoft.com/office/drawing/2014/main" id="{43AA64BF-AFBE-4DB8-9326-7742FF5AE898}"/>
-              </a:ext>
-            </a:extLst>
-          </p:cNvPr>
-          <p:cNvSpPr txBox="1">
-            <a:spLocks/>
-          </p:cNvSpPr>
-          <p:nvPr/>
-        </p:nvSpPr>
-        <p:spPr>
-          <a:xfrm>
-            <a:off x="152400" y="914401"/>
-            <a:ext cx="6553200" cy="5157805"/>
-          </a:xfrm>
-          <a:prstGeom prst="rect">
-            <a:avLst/>
-          </a:prstGeom>
-        </p:spPr>
-        <p:txBody>
-          <a:bodyPr vert="horz" lIns="91440" tIns="45720" rIns="91440" bIns="45720" rtlCol="0">
-            <a:normAutofit/>
-          </a:bodyPr>
-          <a:lstStyle>
-            <a:lvl1pPr marL="0" indent="0" algn="l" defTabSz="914400" rtl="0" eaLnBrk="1" latinLnBrk="0" hangingPunct="1">
-              <a:spcBef>
-                <a:spcPct val="20000"/>
-              </a:spcBef>
-              <a:buFont typeface="Arial" pitchFamily="34" charset="0"/>
-              <a:buNone/>
-              <a:defRPr sz="3200" kern="1200">
-                <a:solidFill>
-                  <a:schemeClr val="tx1"/>
-                </a:solidFill>
-                <a:latin typeface="+mn-lt"/>
-                <a:ea typeface="+mn-ea"/>
-                <a:cs typeface="+mn-cs"/>
-              </a:defRPr>
-            </a:lvl1pPr>
-            <a:lvl2pPr marL="457200" indent="0" algn="l" defTabSz="914400" rtl="0" eaLnBrk="1" latinLnBrk="0" hangingPunct="1">
-              <a:spcBef>
-                <a:spcPct val="20000"/>
-              </a:spcBef>
-              <a:buFont typeface="Arial" pitchFamily="34" charset="0"/>
-              <a:buNone/>
-              <a:defRPr sz="2800" kern="1200">
-                <a:solidFill>
-                  <a:schemeClr val="tx1"/>
-                </a:solidFill>
-                <a:latin typeface="+mn-lt"/>
-                <a:ea typeface="+mn-ea"/>
-                <a:cs typeface="+mn-cs"/>
-              </a:defRPr>
-            </a:lvl2pPr>
-            <a:lvl3pPr marL="914400" indent="0" algn="l" defTabSz="914400" rtl="0" eaLnBrk="1" latinLnBrk="0" hangingPunct="1">
-              <a:spcBef>
-                <a:spcPct val="20000"/>
-              </a:spcBef>
-              <a:buFont typeface="Arial" pitchFamily="34" charset="0"/>
-              <a:buNone/>
-              <a:defRPr sz="2400" kern="1200">
-                <a:solidFill>
-                  <a:schemeClr val="tx1"/>
-                </a:solidFill>
-                <a:latin typeface="+mn-lt"/>
-                <a:ea typeface="+mn-ea"/>
-                <a:cs typeface="+mn-cs"/>
-              </a:defRPr>
-            </a:lvl3pPr>
-            <a:lvl4pPr marL="1371600" indent="0" algn="l" defTabSz="914400" rtl="0" eaLnBrk="1" latinLnBrk="0" hangingPunct="1">
-              <a:spcBef>
-                <a:spcPct val="20000"/>
-              </a:spcBef>
-              <a:buFont typeface="Arial" pitchFamily="34" charset="0"/>
-              <a:buNone/>
-              <a:defRPr sz="2000" kern="1200">
-                <a:solidFill>
-                  <a:schemeClr val="tx1"/>
-                </a:solidFill>
-                <a:latin typeface="+mn-lt"/>
-                <a:ea typeface="+mn-ea"/>
-                <a:cs typeface="+mn-cs"/>
-              </a:defRPr>
-            </a:lvl4pPr>
-            <a:lvl5pPr marL="1828800" indent="0" algn="l" defTabSz="914400" rtl="0" eaLnBrk="1" latinLnBrk="0" hangingPunct="1">
-              <a:spcBef>
-                <a:spcPct val="20000"/>
-              </a:spcBef>
-              <a:buFont typeface="Arial" pitchFamily="34" charset="0"/>
-              <a:buNone/>
-              <a:defRPr sz="2000" kern="1200">
-                <a:solidFill>
-                  <a:schemeClr val="tx1"/>
-                </a:solidFill>
-                <a:latin typeface="+mn-lt"/>
-                <a:ea typeface="+mn-ea"/>
-                <a:cs typeface="+mn-cs"/>
-              </a:defRPr>
-            </a:lvl5pPr>
-            <a:lvl6pPr marL="2286000" indent="0" algn="l" defTabSz="914400" rtl="0" eaLnBrk="1" latinLnBrk="0" hangingPunct="1">
-              <a:spcBef>
-                <a:spcPct val="20000"/>
-              </a:spcBef>
-              <a:buFont typeface="Arial" pitchFamily="34" charset="0"/>
-              <a:buNone/>
-              <a:defRPr sz="2000" kern="1200">
-                <a:solidFill>
-                  <a:schemeClr val="tx1"/>
-                </a:solidFill>
-                <a:latin typeface="+mn-lt"/>
-                <a:ea typeface="+mn-ea"/>
-                <a:cs typeface="+mn-cs"/>
-              </a:defRPr>
-            </a:lvl6pPr>
-            <a:lvl7pPr marL="2743200" indent="0" algn="l" defTabSz="914400" rtl="0" eaLnBrk="1" latinLnBrk="0" hangingPunct="1">
-              <a:spcBef>
-                <a:spcPct val="20000"/>
-              </a:spcBef>
-              <a:buFont typeface="Arial" pitchFamily="34" charset="0"/>
-              <a:buNone/>
-              <a:defRPr sz="2000" kern="1200">
-                <a:solidFill>
-                  <a:schemeClr val="tx1"/>
-                </a:solidFill>
-                <a:latin typeface="+mn-lt"/>
-                <a:ea typeface="+mn-ea"/>
-                <a:cs typeface="+mn-cs"/>
-              </a:defRPr>
-            </a:lvl7pPr>
-            <a:lvl8pPr marL="3200400" indent="0" algn="l" defTabSz="914400" rtl="0" eaLnBrk="1" latinLnBrk="0" hangingPunct="1">
-              <a:spcBef>
-                <a:spcPct val="20000"/>
-              </a:spcBef>
-              <a:buFont typeface="Arial" pitchFamily="34" charset="0"/>
-              <a:buNone/>
-              <a:defRPr sz="2000" kern="1200">
-                <a:solidFill>
-                  <a:schemeClr val="tx1"/>
-                </a:solidFill>
-                <a:latin typeface="+mn-lt"/>
-                <a:ea typeface="+mn-ea"/>
-                <a:cs typeface="+mn-cs"/>
-              </a:defRPr>
-            </a:lvl8pPr>
-            <a:lvl9pPr marL="3657600" indent="0" algn="l" defTabSz="914400" rtl="0" eaLnBrk="1" latinLnBrk="0" hangingPunct="1">
-              <a:spcBef>
-                <a:spcPct val="20000"/>
-              </a:spcBef>
-              <a:buFont typeface="Arial" pitchFamily="34" charset="0"/>
-              <a:buNone/>
-              <a:defRPr sz="2000" kern="1200">
-                <a:solidFill>
-                  <a:schemeClr val="tx1"/>
-                </a:solidFill>
-                <a:latin typeface="+mn-lt"/>
-                <a:ea typeface="+mn-ea"/>
-                <a:cs typeface="+mn-cs"/>
-              </a:defRPr>
-            </a:lvl9pPr>
-          </a:lstStyle>
-          <a:p>
-            <a:pPr marL="457200" indent="-457200">
-              <a:buFont typeface="Arial" panose="020B0604020202020204" pitchFamily="34" charset="0"/>
-              <a:buChar char="•"/>
-            </a:pPr>
-            <a:r>
-              <a:rPr lang="en-GB" dirty="0">
-                <a:solidFill>
-                  <a:schemeClr val="bg1"/>
-                </a:solidFill>
-                <a:hlinkClick r:id="rId2">
-                  <a:extLst>
-                    <a:ext uri="{A12FA001-AC4F-418D-AE19-62706E023703}">
-                      <ahyp:hlinkClr xmlns:ahyp="http://schemas.microsoft.com/office/drawing/2018/hyperlinkcolor" val="tx"/>
-                    </a:ext>
-                  </a:extLst>
-                </a:hlinkClick>
-              </a:rPr>
-              <a:t>Google Earth </a:t>
-            </a:r>
-            <a:endParaRPr lang="en-GB" dirty="0">
-              <a:solidFill>
-                <a:schemeClr val="bg1"/>
-              </a:solidFill>
-            </a:endParaRPr>
-          </a:p>
-          <a:p>
-            <a:pPr marL="457200" indent="-457200">
-              <a:buFont typeface="Arial" panose="020B0604020202020204" pitchFamily="34" charset="0"/>
-              <a:buChar char="•"/>
-            </a:pPr>
-            <a:r>
-              <a:rPr lang="en-US" dirty="0">
-                <a:solidFill>
-                  <a:schemeClr val="bg1"/>
-                </a:solidFill>
-                <a:hlinkClick r:id="rId3">
-                  <a:extLst>
-                    <a:ext uri="{A12FA001-AC4F-418D-AE19-62706E023703}">
-                      <ahyp:hlinkClr xmlns:ahyp="http://schemas.microsoft.com/office/drawing/2018/hyperlinkcolor" val="tx"/>
-                    </a:ext>
-                  </a:extLst>
-                </a:hlinkClick>
-              </a:rPr>
-              <a:t>Perspective</a:t>
-            </a:r>
-            <a:endParaRPr lang="en-US" dirty="0">
-              <a:solidFill>
-                <a:schemeClr val="bg1"/>
-              </a:solidFill>
-            </a:endParaRPr>
-          </a:p>
-          <a:p>
-            <a:pPr marL="457200" indent="-457200">
-              <a:buFont typeface="Arial" panose="020B0604020202020204" pitchFamily="34" charset="0"/>
-              <a:buChar char="•"/>
-            </a:pPr>
-            <a:r>
-              <a:rPr lang="en-US" dirty="0">
-                <a:solidFill>
-                  <a:schemeClr val="bg1"/>
-                </a:solidFill>
-                <a:hlinkClick r:id="rId4">
-                  <a:extLst>
-                    <a:ext uri="{A12FA001-AC4F-418D-AE19-62706E023703}">
-                      <ahyp:hlinkClr xmlns:ahyp="http://schemas.microsoft.com/office/drawing/2018/hyperlinkcolor" val="tx"/>
-                    </a:ext>
-                  </a:extLst>
-                </a:hlinkClick>
-              </a:rPr>
-              <a:t>D3</a:t>
-            </a:r>
-            <a:endParaRPr lang="en-US" dirty="0">
-              <a:solidFill>
-                <a:schemeClr val="bg1"/>
-              </a:solidFill>
-            </a:endParaRPr>
-          </a:p>
-          <a:p>
-            <a:pPr marL="457200" indent="-457200">
-              <a:buFont typeface="Arial" panose="020B0604020202020204" pitchFamily="34" charset="0"/>
-              <a:buChar char="•"/>
-            </a:pPr>
-            <a:r>
-              <a:rPr lang="en-US" dirty="0">
-                <a:solidFill>
-                  <a:schemeClr val="bg1"/>
-                </a:solidFill>
-                <a:hlinkClick r:id="rId5">
-                  <a:extLst>
-                    <a:ext uri="{A12FA001-AC4F-418D-AE19-62706E023703}">
-                      <ahyp:hlinkClr xmlns:ahyp="http://schemas.microsoft.com/office/drawing/2018/hyperlinkcolor" val="tx"/>
-                    </a:ext>
-                  </a:extLst>
-                </a:hlinkClick>
-              </a:rPr>
-              <a:t>PSPDFKit</a:t>
-            </a:r>
-            <a:endParaRPr lang="en-US" dirty="0">
-              <a:solidFill>
-                <a:schemeClr val="bg1"/>
-              </a:solidFill>
-            </a:endParaRPr>
-          </a:p>
-        </p:txBody>
-      </p:sp>
     </p:spTree>
     <p:extLst>
       <p:ext uri="{BB962C8B-B14F-4D97-AF65-F5344CB8AC3E}">
-        <p14:creationId xmlns:p14="http://schemas.microsoft.com/office/powerpoint/2010/main" val="3895076446"/>
+        <p14:creationId xmlns:p14="http://schemas.microsoft.com/office/powerpoint/2010/main" val="914059676"/>
       </p:ext>
     </p:extLst>
   </p:cSld>
@@ -6937,6 +6668,705 @@
                 </a:solidFill>
                 <a:latin typeface="Calibri" pitchFamily="34" charset="0"/>
               </a:rPr>
+              <a:t>#. Real world examples</a:t>
+            </a:r>
+          </a:p>
+        </p:txBody>
+      </p:sp>
+      <p:sp>
+        <p:nvSpPr>
+          <p:cNvPr id="6" name="Content Placeholder 2"/>
+          <p:cNvSpPr txBox="1">
+            <a:spLocks/>
+          </p:cNvSpPr>
+          <p:nvPr/>
+        </p:nvSpPr>
+        <p:spPr>
+          <a:xfrm>
+            <a:off x="457200" y="1071545"/>
+            <a:ext cx="8229600" cy="4857785"/>
+          </a:xfrm>
+          <a:prstGeom prst="rect">
+            <a:avLst/>
+          </a:prstGeom>
+        </p:spPr>
+        <p:txBody>
+          <a:bodyPr vert="horz" lIns="91440" tIns="45720" rIns="91440" bIns="45720" rtlCol="0">
+            <a:normAutofit/>
+          </a:bodyPr>
+          <a:lstStyle>
+            <a:lvl1pPr marL="0" indent="0" algn="l" defTabSz="914400" rtl="0" eaLnBrk="1" latinLnBrk="0" hangingPunct="1">
+              <a:spcBef>
+                <a:spcPct val="20000"/>
+              </a:spcBef>
+              <a:buFont typeface="Arial" pitchFamily="34" charset="0"/>
+              <a:buNone/>
+              <a:defRPr sz="3200" kern="1200">
+                <a:solidFill>
+                  <a:schemeClr val="tx1"/>
+                </a:solidFill>
+                <a:latin typeface="+mn-lt"/>
+                <a:ea typeface="+mn-ea"/>
+                <a:cs typeface="+mn-cs"/>
+              </a:defRPr>
+            </a:lvl1pPr>
+            <a:lvl2pPr marL="457200" indent="0" algn="l" defTabSz="914400" rtl="0" eaLnBrk="1" latinLnBrk="0" hangingPunct="1">
+              <a:spcBef>
+                <a:spcPct val="20000"/>
+              </a:spcBef>
+              <a:buFont typeface="Arial" pitchFamily="34" charset="0"/>
+              <a:buNone/>
+              <a:defRPr sz="2800" kern="1200">
+                <a:solidFill>
+                  <a:schemeClr val="tx1"/>
+                </a:solidFill>
+                <a:latin typeface="+mn-lt"/>
+                <a:ea typeface="+mn-ea"/>
+                <a:cs typeface="+mn-cs"/>
+              </a:defRPr>
+            </a:lvl2pPr>
+            <a:lvl3pPr marL="914400" indent="0" algn="l" defTabSz="914400" rtl="0" eaLnBrk="1" latinLnBrk="0" hangingPunct="1">
+              <a:spcBef>
+                <a:spcPct val="20000"/>
+              </a:spcBef>
+              <a:buFont typeface="Arial" pitchFamily="34" charset="0"/>
+              <a:buNone/>
+              <a:defRPr sz="2400" kern="1200">
+                <a:solidFill>
+                  <a:schemeClr val="tx1"/>
+                </a:solidFill>
+                <a:latin typeface="+mn-lt"/>
+                <a:ea typeface="+mn-ea"/>
+                <a:cs typeface="+mn-cs"/>
+              </a:defRPr>
+            </a:lvl3pPr>
+            <a:lvl4pPr marL="1371600" indent="0" algn="l" defTabSz="914400" rtl="0" eaLnBrk="1" latinLnBrk="0" hangingPunct="1">
+              <a:spcBef>
+                <a:spcPct val="20000"/>
+              </a:spcBef>
+              <a:buFont typeface="Arial" pitchFamily="34" charset="0"/>
+              <a:buNone/>
+              <a:defRPr sz="2000" kern="1200">
+                <a:solidFill>
+                  <a:schemeClr val="tx1"/>
+                </a:solidFill>
+                <a:latin typeface="+mn-lt"/>
+                <a:ea typeface="+mn-ea"/>
+                <a:cs typeface="+mn-cs"/>
+              </a:defRPr>
+            </a:lvl4pPr>
+            <a:lvl5pPr marL="1828800" indent="0" algn="l" defTabSz="914400" rtl="0" eaLnBrk="1" latinLnBrk="0" hangingPunct="1">
+              <a:spcBef>
+                <a:spcPct val="20000"/>
+              </a:spcBef>
+              <a:buFont typeface="Arial" pitchFamily="34" charset="0"/>
+              <a:buNone/>
+              <a:defRPr sz="2000" kern="1200">
+                <a:solidFill>
+                  <a:schemeClr val="tx1"/>
+                </a:solidFill>
+                <a:latin typeface="+mn-lt"/>
+                <a:ea typeface="+mn-ea"/>
+                <a:cs typeface="+mn-cs"/>
+              </a:defRPr>
+            </a:lvl5pPr>
+            <a:lvl6pPr marL="2286000" indent="0" algn="l" defTabSz="914400" rtl="0" eaLnBrk="1" latinLnBrk="0" hangingPunct="1">
+              <a:spcBef>
+                <a:spcPct val="20000"/>
+              </a:spcBef>
+              <a:buFont typeface="Arial" pitchFamily="34" charset="0"/>
+              <a:buNone/>
+              <a:defRPr sz="2000" kern="1200">
+                <a:solidFill>
+                  <a:schemeClr val="tx1"/>
+                </a:solidFill>
+                <a:latin typeface="+mn-lt"/>
+                <a:ea typeface="+mn-ea"/>
+                <a:cs typeface="+mn-cs"/>
+              </a:defRPr>
+            </a:lvl6pPr>
+            <a:lvl7pPr marL="2743200" indent="0" algn="l" defTabSz="914400" rtl="0" eaLnBrk="1" latinLnBrk="0" hangingPunct="1">
+              <a:spcBef>
+                <a:spcPct val="20000"/>
+              </a:spcBef>
+              <a:buFont typeface="Arial" pitchFamily="34" charset="0"/>
+              <a:buNone/>
+              <a:defRPr sz="2000" kern="1200">
+                <a:solidFill>
+                  <a:schemeClr val="tx1"/>
+                </a:solidFill>
+                <a:latin typeface="+mn-lt"/>
+                <a:ea typeface="+mn-ea"/>
+                <a:cs typeface="+mn-cs"/>
+              </a:defRPr>
+            </a:lvl7pPr>
+            <a:lvl8pPr marL="3200400" indent="0" algn="l" defTabSz="914400" rtl="0" eaLnBrk="1" latinLnBrk="0" hangingPunct="1">
+              <a:spcBef>
+                <a:spcPct val="20000"/>
+              </a:spcBef>
+              <a:buFont typeface="Arial" pitchFamily="34" charset="0"/>
+              <a:buNone/>
+              <a:defRPr sz="2000" kern="1200">
+                <a:solidFill>
+                  <a:schemeClr val="tx1"/>
+                </a:solidFill>
+                <a:latin typeface="+mn-lt"/>
+                <a:ea typeface="+mn-ea"/>
+                <a:cs typeface="+mn-cs"/>
+              </a:defRPr>
+            </a:lvl8pPr>
+            <a:lvl9pPr marL="3657600" indent="0" algn="l" defTabSz="914400" rtl="0" eaLnBrk="1" latinLnBrk="0" hangingPunct="1">
+              <a:spcBef>
+                <a:spcPct val="20000"/>
+              </a:spcBef>
+              <a:buFont typeface="Arial" pitchFamily="34" charset="0"/>
+              <a:buNone/>
+              <a:defRPr sz="2000" kern="1200">
+                <a:solidFill>
+                  <a:schemeClr val="tx1"/>
+                </a:solidFill>
+                <a:latin typeface="+mn-lt"/>
+                <a:ea typeface="+mn-ea"/>
+                <a:cs typeface="+mn-cs"/>
+              </a:defRPr>
+            </a:lvl9pPr>
+          </a:lstStyle>
+          <a:p>
+            <a:pPr marL="571500" indent="-571500">
+              <a:buFont typeface="Arial" panose="020B0604020202020204" pitchFamily="34" charset="0"/>
+              <a:buChar char="•"/>
+            </a:pPr>
+            <a:endParaRPr lang="en-GB" dirty="0">
+              <a:solidFill>
+                <a:schemeClr val="bg1"/>
+              </a:solidFill>
+            </a:endParaRPr>
+          </a:p>
+        </p:txBody>
+      </p:sp>
+      <p:sp>
+        <p:nvSpPr>
+          <p:cNvPr id="4" name="Content Placeholder 2">
+            <a:extLst>
+              <a:ext uri="{FF2B5EF4-FFF2-40B4-BE49-F238E27FC236}">
+                <a16:creationId xmlns:a16="http://schemas.microsoft.com/office/drawing/2014/main" id="{91C127C4-019D-4816-9ECF-D243EFA4189D}"/>
+              </a:ext>
+            </a:extLst>
+          </p:cNvPr>
+          <p:cNvSpPr txBox="1">
+            <a:spLocks/>
+          </p:cNvSpPr>
+          <p:nvPr/>
+        </p:nvSpPr>
+        <p:spPr>
+          <a:xfrm>
+            <a:off x="609600" y="1223945"/>
+            <a:ext cx="8229600" cy="4857785"/>
+          </a:xfrm>
+          <a:prstGeom prst="rect">
+            <a:avLst/>
+          </a:prstGeom>
+        </p:spPr>
+        <p:txBody>
+          <a:bodyPr vert="horz" lIns="91440" tIns="45720" rIns="91440" bIns="45720" rtlCol="0">
+            <a:normAutofit/>
+          </a:bodyPr>
+          <a:lstStyle>
+            <a:lvl1pPr marL="0" indent="0" algn="l" defTabSz="914400" rtl="0" eaLnBrk="1" latinLnBrk="0" hangingPunct="1">
+              <a:spcBef>
+                <a:spcPct val="20000"/>
+              </a:spcBef>
+              <a:buFont typeface="Arial" pitchFamily="34" charset="0"/>
+              <a:buNone/>
+              <a:defRPr sz="3200" kern="1200">
+                <a:solidFill>
+                  <a:schemeClr val="tx1"/>
+                </a:solidFill>
+                <a:latin typeface="+mn-lt"/>
+                <a:ea typeface="+mn-ea"/>
+                <a:cs typeface="+mn-cs"/>
+              </a:defRPr>
+            </a:lvl1pPr>
+            <a:lvl2pPr marL="457200" indent="0" algn="l" defTabSz="914400" rtl="0" eaLnBrk="1" latinLnBrk="0" hangingPunct="1">
+              <a:spcBef>
+                <a:spcPct val="20000"/>
+              </a:spcBef>
+              <a:buFont typeface="Arial" pitchFamily="34" charset="0"/>
+              <a:buNone/>
+              <a:defRPr sz="2800" kern="1200">
+                <a:solidFill>
+                  <a:schemeClr val="tx1"/>
+                </a:solidFill>
+                <a:latin typeface="+mn-lt"/>
+                <a:ea typeface="+mn-ea"/>
+                <a:cs typeface="+mn-cs"/>
+              </a:defRPr>
+            </a:lvl2pPr>
+            <a:lvl3pPr marL="914400" indent="0" algn="l" defTabSz="914400" rtl="0" eaLnBrk="1" latinLnBrk="0" hangingPunct="1">
+              <a:spcBef>
+                <a:spcPct val="20000"/>
+              </a:spcBef>
+              <a:buFont typeface="Arial" pitchFamily="34" charset="0"/>
+              <a:buNone/>
+              <a:defRPr sz="2400" kern="1200">
+                <a:solidFill>
+                  <a:schemeClr val="tx1"/>
+                </a:solidFill>
+                <a:latin typeface="+mn-lt"/>
+                <a:ea typeface="+mn-ea"/>
+                <a:cs typeface="+mn-cs"/>
+              </a:defRPr>
+            </a:lvl3pPr>
+            <a:lvl4pPr marL="1371600" indent="0" algn="l" defTabSz="914400" rtl="0" eaLnBrk="1" latinLnBrk="0" hangingPunct="1">
+              <a:spcBef>
+                <a:spcPct val="20000"/>
+              </a:spcBef>
+              <a:buFont typeface="Arial" pitchFamily="34" charset="0"/>
+              <a:buNone/>
+              <a:defRPr sz="2000" kern="1200">
+                <a:solidFill>
+                  <a:schemeClr val="tx1"/>
+                </a:solidFill>
+                <a:latin typeface="+mn-lt"/>
+                <a:ea typeface="+mn-ea"/>
+                <a:cs typeface="+mn-cs"/>
+              </a:defRPr>
+            </a:lvl4pPr>
+            <a:lvl5pPr marL="1828800" indent="0" algn="l" defTabSz="914400" rtl="0" eaLnBrk="1" latinLnBrk="0" hangingPunct="1">
+              <a:spcBef>
+                <a:spcPct val="20000"/>
+              </a:spcBef>
+              <a:buFont typeface="Arial" pitchFamily="34" charset="0"/>
+              <a:buNone/>
+              <a:defRPr sz="2000" kern="1200">
+                <a:solidFill>
+                  <a:schemeClr val="tx1"/>
+                </a:solidFill>
+                <a:latin typeface="+mn-lt"/>
+                <a:ea typeface="+mn-ea"/>
+                <a:cs typeface="+mn-cs"/>
+              </a:defRPr>
+            </a:lvl5pPr>
+            <a:lvl6pPr marL="2286000" indent="0" algn="l" defTabSz="914400" rtl="0" eaLnBrk="1" latinLnBrk="0" hangingPunct="1">
+              <a:spcBef>
+                <a:spcPct val="20000"/>
+              </a:spcBef>
+              <a:buFont typeface="Arial" pitchFamily="34" charset="0"/>
+              <a:buNone/>
+              <a:defRPr sz="2000" kern="1200">
+                <a:solidFill>
+                  <a:schemeClr val="tx1"/>
+                </a:solidFill>
+                <a:latin typeface="+mn-lt"/>
+                <a:ea typeface="+mn-ea"/>
+                <a:cs typeface="+mn-cs"/>
+              </a:defRPr>
+            </a:lvl6pPr>
+            <a:lvl7pPr marL="2743200" indent="0" algn="l" defTabSz="914400" rtl="0" eaLnBrk="1" latinLnBrk="0" hangingPunct="1">
+              <a:spcBef>
+                <a:spcPct val="20000"/>
+              </a:spcBef>
+              <a:buFont typeface="Arial" pitchFamily="34" charset="0"/>
+              <a:buNone/>
+              <a:defRPr sz="2000" kern="1200">
+                <a:solidFill>
+                  <a:schemeClr val="tx1"/>
+                </a:solidFill>
+                <a:latin typeface="+mn-lt"/>
+                <a:ea typeface="+mn-ea"/>
+                <a:cs typeface="+mn-cs"/>
+              </a:defRPr>
+            </a:lvl7pPr>
+            <a:lvl8pPr marL="3200400" indent="0" algn="l" defTabSz="914400" rtl="0" eaLnBrk="1" latinLnBrk="0" hangingPunct="1">
+              <a:spcBef>
+                <a:spcPct val="20000"/>
+              </a:spcBef>
+              <a:buFont typeface="Arial" pitchFamily="34" charset="0"/>
+              <a:buNone/>
+              <a:defRPr sz="2000" kern="1200">
+                <a:solidFill>
+                  <a:schemeClr val="tx1"/>
+                </a:solidFill>
+                <a:latin typeface="+mn-lt"/>
+                <a:ea typeface="+mn-ea"/>
+                <a:cs typeface="+mn-cs"/>
+              </a:defRPr>
+            </a:lvl8pPr>
+            <a:lvl9pPr marL="3657600" indent="0" algn="l" defTabSz="914400" rtl="0" eaLnBrk="1" latinLnBrk="0" hangingPunct="1">
+              <a:spcBef>
+                <a:spcPct val="20000"/>
+              </a:spcBef>
+              <a:buFont typeface="Arial" pitchFamily="34" charset="0"/>
+              <a:buNone/>
+              <a:defRPr sz="2000" kern="1200">
+                <a:solidFill>
+                  <a:schemeClr val="tx1"/>
+                </a:solidFill>
+                <a:latin typeface="+mn-lt"/>
+                <a:ea typeface="+mn-ea"/>
+                <a:cs typeface="+mn-cs"/>
+              </a:defRPr>
+            </a:lvl9pPr>
+          </a:lstStyle>
+          <a:p>
+            <a:pPr marL="571500" indent="-571500">
+              <a:buFont typeface="Arial" panose="020B0604020202020204" pitchFamily="34" charset="0"/>
+              <a:buChar char="•"/>
+            </a:pPr>
+            <a:endParaRPr lang="en-GB" dirty="0">
+              <a:solidFill>
+                <a:schemeClr val="bg1"/>
+              </a:solidFill>
+            </a:endParaRPr>
+          </a:p>
+          <a:p>
+            <a:pPr marL="571500" indent="-571500">
+              <a:buFont typeface="Arial" panose="020B0604020202020204" pitchFamily="34" charset="0"/>
+              <a:buChar char="•"/>
+            </a:pPr>
+            <a:endParaRPr lang="en-US" dirty="0">
+              <a:solidFill>
+                <a:schemeClr val="bg1"/>
+              </a:solidFill>
+            </a:endParaRPr>
+          </a:p>
+        </p:txBody>
+      </p:sp>
+      <p:sp>
+        <p:nvSpPr>
+          <p:cNvPr id="7" name="Content Placeholder 2">
+            <a:extLst>
+              <a:ext uri="{FF2B5EF4-FFF2-40B4-BE49-F238E27FC236}">
+                <a16:creationId xmlns:a16="http://schemas.microsoft.com/office/drawing/2014/main" id="{43AA64BF-AFBE-4DB8-9326-7742FF5AE898}"/>
+              </a:ext>
+            </a:extLst>
+          </p:cNvPr>
+          <p:cNvSpPr txBox="1">
+            <a:spLocks/>
+          </p:cNvSpPr>
+          <p:nvPr/>
+        </p:nvSpPr>
+        <p:spPr>
+          <a:xfrm>
+            <a:off x="152400" y="914401"/>
+            <a:ext cx="6553200" cy="5157805"/>
+          </a:xfrm>
+          <a:prstGeom prst="rect">
+            <a:avLst/>
+          </a:prstGeom>
+        </p:spPr>
+        <p:txBody>
+          <a:bodyPr vert="horz" lIns="91440" tIns="45720" rIns="91440" bIns="45720" rtlCol="0">
+            <a:normAutofit/>
+          </a:bodyPr>
+          <a:lstStyle>
+            <a:lvl1pPr marL="0" indent="0" algn="l" defTabSz="914400" rtl="0" eaLnBrk="1" latinLnBrk="0" hangingPunct="1">
+              <a:spcBef>
+                <a:spcPct val="20000"/>
+              </a:spcBef>
+              <a:buFont typeface="Arial" pitchFamily="34" charset="0"/>
+              <a:buNone/>
+              <a:defRPr sz="3200" kern="1200">
+                <a:solidFill>
+                  <a:schemeClr val="tx1"/>
+                </a:solidFill>
+                <a:latin typeface="+mn-lt"/>
+                <a:ea typeface="+mn-ea"/>
+                <a:cs typeface="+mn-cs"/>
+              </a:defRPr>
+            </a:lvl1pPr>
+            <a:lvl2pPr marL="457200" indent="0" algn="l" defTabSz="914400" rtl="0" eaLnBrk="1" latinLnBrk="0" hangingPunct="1">
+              <a:spcBef>
+                <a:spcPct val="20000"/>
+              </a:spcBef>
+              <a:buFont typeface="Arial" pitchFamily="34" charset="0"/>
+              <a:buNone/>
+              <a:defRPr sz="2800" kern="1200">
+                <a:solidFill>
+                  <a:schemeClr val="tx1"/>
+                </a:solidFill>
+                <a:latin typeface="+mn-lt"/>
+                <a:ea typeface="+mn-ea"/>
+                <a:cs typeface="+mn-cs"/>
+              </a:defRPr>
+            </a:lvl2pPr>
+            <a:lvl3pPr marL="914400" indent="0" algn="l" defTabSz="914400" rtl="0" eaLnBrk="1" latinLnBrk="0" hangingPunct="1">
+              <a:spcBef>
+                <a:spcPct val="20000"/>
+              </a:spcBef>
+              <a:buFont typeface="Arial" pitchFamily="34" charset="0"/>
+              <a:buNone/>
+              <a:defRPr sz="2400" kern="1200">
+                <a:solidFill>
+                  <a:schemeClr val="tx1"/>
+                </a:solidFill>
+                <a:latin typeface="+mn-lt"/>
+                <a:ea typeface="+mn-ea"/>
+                <a:cs typeface="+mn-cs"/>
+              </a:defRPr>
+            </a:lvl3pPr>
+            <a:lvl4pPr marL="1371600" indent="0" algn="l" defTabSz="914400" rtl="0" eaLnBrk="1" latinLnBrk="0" hangingPunct="1">
+              <a:spcBef>
+                <a:spcPct val="20000"/>
+              </a:spcBef>
+              <a:buFont typeface="Arial" pitchFamily="34" charset="0"/>
+              <a:buNone/>
+              <a:defRPr sz="2000" kern="1200">
+                <a:solidFill>
+                  <a:schemeClr val="tx1"/>
+                </a:solidFill>
+                <a:latin typeface="+mn-lt"/>
+                <a:ea typeface="+mn-ea"/>
+                <a:cs typeface="+mn-cs"/>
+              </a:defRPr>
+            </a:lvl4pPr>
+            <a:lvl5pPr marL="1828800" indent="0" algn="l" defTabSz="914400" rtl="0" eaLnBrk="1" latinLnBrk="0" hangingPunct="1">
+              <a:spcBef>
+                <a:spcPct val="20000"/>
+              </a:spcBef>
+              <a:buFont typeface="Arial" pitchFamily="34" charset="0"/>
+              <a:buNone/>
+              <a:defRPr sz="2000" kern="1200">
+                <a:solidFill>
+                  <a:schemeClr val="tx1"/>
+                </a:solidFill>
+                <a:latin typeface="+mn-lt"/>
+                <a:ea typeface="+mn-ea"/>
+                <a:cs typeface="+mn-cs"/>
+              </a:defRPr>
+            </a:lvl5pPr>
+            <a:lvl6pPr marL="2286000" indent="0" algn="l" defTabSz="914400" rtl="0" eaLnBrk="1" latinLnBrk="0" hangingPunct="1">
+              <a:spcBef>
+                <a:spcPct val="20000"/>
+              </a:spcBef>
+              <a:buFont typeface="Arial" pitchFamily="34" charset="0"/>
+              <a:buNone/>
+              <a:defRPr sz="2000" kern="1200">
+                <a:solidFill>
+                  <a:schemeClr val="tx1"/>
+                </a:solidFill>
+                <a:latin typeface="+mn-lt"/>
+                <a:ea typeface="+mn-ea"/>
+                <a:cs typeface="+mn-cs"/>
+              </a:defRPr>
+            </a:lvl6pPr>
+            <a:lvl7pPr marL="2743200" indent="0" algn="l" defTabSz="914400" rtl="0" eaLnBrk="1" latinLnBrk="0" hangingPunct="1">
+              <a:spcBef>
+                <a:spcPct val="20000"/>
+              </a:spcBef>
+              <a:buFont typeface="Arial" pitchFamily="34" charset="0"/>
+              <a:buNone/>
+              <a:defRPr sz="2000" kern="1200">
+                <a:solidFill>
+                  <a:schemeClr val="tx1"/>
+                </a:solidFill>
+                <a:latin typeface="+mn-lt"/>
+                <a:ea typeface="+mn-ea"/>
+                <a:cs typeface="+mn-cs"/>
+              </a:defRPr>
+            </a:lvl7pPr>
+            <a:lvl8pPr marL="3200400" indent="0" algn="l" defTabSz="914400" rtl="0" eaLnBrk="1" latinLnBrk="0" hangingPunct="1">
+              <a:spcBef>
+                <a:spcPct val="20000"/>
+              </a:spcBef>
+              <a:buFont typeface="Arial" pitchFamily="34" charset="0"/>
+              <a:buNone/>
+              <a:defRPr sz="2000" kern="1200">
+                <a:solidFill>
+                  <a:schemeClr val="tx1"/>
+                </a:solidFill>
+                <a:latin typeface="+mn-lt"/>
+                <a:ea typeface="+mn-ea"/>
+                <a:cs typeface="+mn-cs"/>
+              </a:defRPr>
+            </a:lvl8pPr>
+            <a:lvl9pPr marL="3657600" indent="0" algn="l" defTabSz="914400" rtl="0" eaLnBrk="1" latinLnBrk="0" hangingPunct="1">
+              <a:spcBef>
+                <a:spcPct val="20000"/>
+              </a:spcBef>
+              <a:buFont typeface="Arial" pitchFamily="34" charset="0"/>
+              <a:buNone/>
+              <a:defRPr sz="2000" kern="1200">
+                <a:solidFill>
+                  <a:schemeClr val="tx1"/>
+                </a:solidFill>
+                <a:latin typeface="+mn-lt"/>
+                <a:ea typeface="+mn-ea"/>
+                <a:cs typeface="+mn-cs"/>
+              </a:defRPr>
+            </a:lvl9pPr>
+          </a:lstStyle>
+          <a:p>
+            <a:pPr marL="457200" indent="-457200">
+              <a:buFont typeface="Arial" panose="020B0604020202020204" pitchFamily="34" charset="0"/>
+              <a:buChar char="•"/>
+            </a:pPr>
+            <a:r>
+              <a:rPr lang="en-GB" dirty="0">
+                <a:solidFill>
+                  <a:schemeClr val="bg1"/>
+                </a:solidFill>
+                <a:hlinkClick r:id="rId2">
+                  <a:extLst>
+                    <a:ext uri="{A12FA001-AC4F-418D-AE19-62706E023703}">
+                      <ahyp:hlinkClr xmlns:ahyp="http://schemas.microsoft.com/office/drawing/2018/hyperlinkcolor" val="tx"/>
+                    </a:ext>
+                  </a:extLst>
+                </a:hlinkClick>
+              </a:rPr>
+              <a:t>Google Earth </a:t>
+            </a:r>
+            <a:endParaRPr lang="en-GB" dirty="0">
+              <a:solidFill>
+                <a:schemeClr val="bg1"/>
+              </a:solidFill>
+            </a:endParaRPr>
+          </a:p>
+          <a:p>
+            <a:pPr marL="457200" indent="-457200">
+              <a:buFont typeface="Arial" panose="020B0604020202020204" pitchFamily="34" charset="0"/>
+              <a:buChar char="•"/>
+            </a:pPr>
+            <a:r>
+              <a:rPr lang="en-US" dirty="0">
+                <a:solidFill>
+                  <a:schemeClr val="bg1"/>
+                </a:solidFill>
+                <a:hlinkClick r:id="rId3">
+                  <a:extLst>
+                    <a:ext uri="{A12FA001-AC4F-418D-AE19-62706E023703}">
+                      <ahyp:hlinkClr xmlns:ahyp="http://schemas.microsoft.com/office/drawing/2018/hyperlinkcolor" val="tx"/>
+                    </a:ext>
+                  </a:extLst>
+                </a:hlinkClick>
+              </a:rPr>
+              <a:t>Perspective</a:t>
+            </a:r>
+            <a:endParaRPr lang="en-US" dirty="0">
+              <a:solidFill>
+                <a:schemeClr val="bg1"/>
+              </a:solidFill>
+            </a:endParaRPr>
+          </a:p>
+          <a:p>
+            <a:pPr marL="457200" indent="-457200">
+              <a:buFont typeface="Arial" panose="020B0604020202020204" pitchFamily="34" charset="0"/>
+              <a:buChar char="•"/>
+            </a:pPr>
+            <a:r>
+              <a:rPr lang="en-US" dirty="0">
+                <a:solidFill>
+                  <a:schemeClr val="bg1"/>
+                </a:solidFill>
+                <a:hlinkClick r:id="rId4">
+                  <a:extLst>
+                    <a:ext uri="{A12FA001-AC4F-418D-AE19-62706E023703}">
+                      <ahyp:hlinkClr xmlns:ahyp="http://schemas.microsoft.com/office/drawing/2018/hyperlinkcolor" val="tx"/>
+                    </a:ext>
+                  </a:extLst>
+                </a:hlinkClick>
+              </a:rPr>
+              <a:t>D3</a:t>
+            </a:r>
+            <a:endParaRPr lang="en-US" dirty="0">
+              <a:solidFill>
+                <a:schemeClr val="bg1"/>
+              </a:solidFill>
+            </a:endParaRPr>
+          </a:p>
+          <a:p>
+            <a:pPr marL="457200" indent="-457200">
+              <a:buFont typeface="Arial" panose="020B0604020202020204" pitchFamily="34" charset="0"/>
+              <a:buChar char="•"/>
+            </a:pPr>
+            <a:r>
+              <a:rPr lang="en-US" dirty="0">
+                <a:solidFill>
+                  <a:schemeClr val="bg1"/>
+                </a:solidFill>
+                <a:hlinkClick r:id="rId5">
+                  <a:extLst>
+                    <a:ext uri="{A12FA001-AC4F-418D-AE19-62706E023703}">
+                      <ahyp:hlinkClr xmlns:ahyp="http://schemas.microsoft.com/office/drawing/2018/hyperlinkcolor" val="tx"/>
+                    </a:ext>
+                  </a:extLst>
+                </a:hlinkClick>
+              </a:rPr>
+              <a:t>PSPDFKit</a:t>
+            </a:r>
+            <a:endParaRPr lang="en-US" dirty="0">
+              <a:solidFill>
+                <a:schemeClr val="bg1"/>
+              </a:solidFill>
+            </a:endParaRPr>
+          </a:p>
+        </p:txBody>
+      </p:sp>
+    </p:spTree>
+    <p:extLst>
+      <p:ext uri="{BB962C8B-B14F-4D97-AF65-F5344CB8AC3E}">
+        <p14:creationId xmlns:p14="http://schemas.microsoft.com/office/powerpoint/2010/main" val="3895076446"/>
+      </p:ext>
+    </p:extLst>
+  </p:cSld>
+  <p:clrMapOvr>
+    <a:masterClrMapping/>
+  </p:clrMapOvr>
+</p:sld>
+</file>
+
+<file path=ppt/slides/slide17.xml><?xml version="1.0" encoding="utf-8"?>
+<p:sld xmlns:a="http://schemas.openxmlformats.org/drawingml/2006/main" xmlns:r="http://schemas.openxmlformats.org/officeDocument/2006/relationships" xmlns:p="http://schemas.openxmlformats.org/presentationml/2006/main">
+  <p:cSld>
+    <p:spTree>
+      <p:nvGrpSpPr>
+        <p:cNvPr id="1" name=""/>
+        <p:cNvGrpSpPr/>
+        <p:nvPr/>
+      </p:nvGrpSpPr>
+      <p:grpSpPr>
+        <a:xfrm>
+          <a:off x="0" y="0"/>
+          <a:ext cx="0" cy="0"/>
+          <a:chOff x="0" y="0"/>
+          <a:chExt cx="0" cy="0"/>
+        </a:xfrm>
+      </p:grpSpPr>
+      <p:sp>
+        <p:nvSpPr>
+          <p:cNvPr id="5" name="Title 1"/>
+          <p:cNvSpPr>
+            <a:spLocks noGrp="1"/>
+          </p:cNvSpPr>
+          <p:nvPr>
+            <p:ph type="title"/>
+          </p:nvPr>
+        </p:nvSpPr>
+        <p:spPr>
+          <a:xfrm>
+            <a:off x="457200" y="274638"/>
+            <a:ext cx="8229600" cy="511156"/>
+          </a:xfrm>
+        </p:spPr>
+        <p:txBody>
+          <a:bodyPr>
+            <a:noAutofit/>
+          </a:bodyPr>
+          <a:lstStyle/>
+          <a:p>
+            <a:pPr fontAlgn="base">
+              <a:spcAft>
+                <a:spcPct val="0"/>
+              </a:spcAft>
+              <a:defRPr/>
+            </a:pPr>
+            <a:r>
+              <a:rPr lang="en-GB" sz="4000" kern="0" dirty="0">
+                <a:solidFill>
+                  <a:srgbClr val="0098D4"/>
+                </a:solidFill>
+                <a:latin typeface="Calibri" pitchFamily="34" charset="0"/>
+              </a:rPr>
               <a:t>#. Do we still need JavaScript?</a:t>
             </a:r>
           </a:p>
@@ -7353,7 +7783,7 @@
 </p:sld>
 </file>
 
-<file path=ppt/slides/slide17.xml><?xml version="1.0" encoding="utf-8"?>
+<file path=ppt/slides/slide18.xml><?xml version="1.0" encoding="utf-8"?>
 <p:sld xmlns:a="http://schemas.openxmlformats.org/drawingml/2006/main" xmlns:r="http://schemas.openxmlformats.org/officeDocument/2006/relationships" xmlns:p="http://schemas.openxmlformats.org/presentationml/2006/main">
   <p:cSld>
     <p:spTree>
@@ -9364,7 +9794,7 @@
                 </a:solidFill>
                 <a:latin typeface="Calibri" pitchFamily="34" charset="0"/>
               </a:rPr>
-              <a:t>#. How A CPU Works (Simplified)</a:t>
+              <a:t>#. How A CPU Works</a:t>
             </a:r>
           </a:p>
         </p:txBody>
@@ -9533,194 +9963,6 @@
               <a:buChar char="•"/>
             </a:pPr>
             <a:endParaRPr lang="en-GB" dirty="0">
-              <a:solidFill>
-                <a:schemeClr val="bg1"/>
-              </a:solidFill>
-            </a:endParaRPr>
-          </a:p>
-        </p:txBody>
-      </p:sp>
-      <p:sp>
-        <p:nvSpPr>
-          <p:cNvPr id="4" name="Content Placeholder 2">
-            <a:extLst>
-              <a:ext uri="{FF2B5EF4-FFF2-40B4-BE49-F238E27FC236}">
-                <a16:creationId xmlns:a16="http://schemas.microsoft.com/office/drawing/2014/main" id="{91C127C4-019D-4816-9ECF-D243EFA4189D}"/>
-              </a:ext>
-            </a:extLst>
-          </p:cNvPr>
-          <p:cNvSpPr txBox="1">
-            <a:spLocks/>
-          </p:cNvSpPr>
-          <p:nvPr/>
-        </p:nvSpPr>
-        <p:spPr>
-          <a:xfrm>
-            <a:off x="-609600" y="-1989898"/>
-            <a:ext cx="8229600" cy="4857785"/>
-          </a:xfrm>
-          <a:prstGeom prst="rect">
-            <a:avLst/>
-          </a:prstGeom>
-        </p:spPr>
-        <p:txBody>
-          <a:bodyPr vert="horz" lIns="91440" tIns="45720" rIns="91440" bIns="45720" rtlCol="0">
-            <a:normAutofit/>
-          </a:bodyPr>
-          <a:lstStyle>
-            <a:lvl1pPr marL="0" indent="0" algn="l" defTabSz="914400" rtl="0" eaLnBrk="1" latinLnBrk="0" hangingPunct="1">
-              <a:spcBef>
-                <a:spcPct val="20000"/>
-              </a:spcBef>
-              <a:buFont typeface="Arial" pitchFamily="34" charset="0"/>
-              <a:buNone/>
-              <a:defRPr sz="3200" kern="1200">
-                <a:solidFill>
-                  <a:schemeClr val="tx1"/>
-                </a:solidFill>
-                <a:latin typeface="+mn-lt"/>
-                <a:ea typeface="+mn-ea"/>
-                <a:cs typeface="+mn-cs"/>
-              </a:defRPr>
-            </a:lvl1pPr>
-            <a:lvl2pPr marL="457200" indent="0" algn="l" defTabSz="914400" rtl="0" eaLnBrk="1" latinLnBrk="0" hangingPunct="1">
-              <a:spcBef>
-                <a:spcPct val="20000"/>
-              </a:spcBef>
-              <a:buFont typeface="Arial" pitchFamily="34" charset="0"/>
-              <a:buNone/>
-              <a:defRPr sz="2800" kern="1200">
-                <a:solidFill>
-                  <a:schemeClr val="tx1"/>
-                </a:solidFill>
-                <a:latin typeface="+mn-lt"/>
-                <a:ea typeface="+mn-ea"/>
-                <a:cs typeface="+mn-cs"/>
-              </a:defRPr>
-            </a:lvl2pPr>
-            <a:lvl3pPr marL="914400" indent="0" algn="l" defTabSz="914400" rtl="0" eaLnBrk="1" latinLnBrk="0" hangingPunct="1">
-              <a:spcBef>
-                <a:spcPct val="20000"/>
-              </a:spcBef>
-              <a:buFont typeface="Arial" pitchFamily="34" charset="0"/>
-              <a:buNone/>
-              <a:defRPr sz="2400" kern="1200">
-                <a:solidFill>
-                  <a:schemeClr val="tx1"/>
-                </a:solidFill>
-                <a:latin typeface="+mn-lt"/>
-                <a:ea typeface="+mn-ea"/>
-                <a:cs typeface="+mn-cs"/>
-              </a:defRPr>
-            </a:lvl3pPr>
-            <a:lvl4pPr marL="1371600" indent="0" algn="l" defTabSz="914400" rtl="0" eaLnBrk="1" latinLnBrk="0" hangingPunct="1">
-              <a:spcBef>
-                <a:spcPct val="20000"/>
-              </a:spcBef>
-              <a:buFont typeface="Arial" pitchFamily="34" charset="0"/>
-              <a:buNone/>
-              <a:defRPr sz="2000" kern="1200">
-                <a:solidFill>
-                  <a:schemeClr val="tx1"/>
-                </a:solidFill>
-                <a:latin typeface="+mn-lt"/>
-                <a:ea typeface="+mn-ea"/>
-                <a:cs typeface="+mn-cs"/>
-              </a:defRPr>
-            </a:lvl4pPr>
-            <a:lvl5pPr marL="1828800" indent="0" algn="l" defTabSz="914400" rtl="0" eaLnBrk="1" latinLnBrk="0" hangingPunct="1">
-              <a:spcBef>
-                <a:spcPct val="20000"/>
-              </a:spcBef>
-              <a:buFont typeface="Arial" pitchFamily="34" charset="0"/>
-              <a:buNone/>
-              <a:defRPr sz="2000" kern="1200">
-                <a:solidFill>
-                  <a:schemeClr val="tx1"/>
-                </a:solidFill>
-                <a:latin typeface="+mn-lt"/>
-                <a:ea typeface="+mn-ea"/>
-                <a:cs typeface="+mn-cs"/>
-              </a:defRPr>
-            </a:lvl5pPr>
-            <a:lvl6pPr marL="2286000" indent="0" algn="l" defTabSz="914400" rtl="0" eaLnBrk="1" latinLnBrk="0" hangingPunct="1">
-              <a:spcBef>
-                <a:spcPct val="20000"/>
-              </a:spcBef>
-              <a:buFont typeface="Arial" pitchFamily="34" charset="0"/>
-              <a:buNone/>
-              <a:defRPr sz="2000" kern="1200">
-                <a:solidFill>
-                  <a:schemeClr val="tx1"/>
-                </a:solidFill>
-                <a:latin typeface="+mn-lt"/>
-                <a:ea typeface="+mn-ea"/>
-                <a:cs typeface="+mn-cs"/>
-              </a:defRPr>
-            </a:lvl6pPr>
-            <a:lvl7pPr marL="2743200" indent="0" algn="l" defTabSz="914400" rtl="0" eaLnBrk="1" latinLnBrk="0" hangingPunct="1">
-              <a:spcBef>
-                <a:spcPct val="20000"/>
-              </a:spcBef>
-              <a:buFont typeface="Arial" pitchFamily="34" charset="0"/>
-              <a:buNone/>
-              <a:defRPr sz="2000" kern="1200">
-                <a:solidFill>
-                  <a:schemeClr val="tx1"/>
-                </a:solidFill>
-                <a:latin typeface="+mn-lt"/>
-                <a:ea typeface="+mn-ea"/>
-                <a:cs typeface="+mn-cs"/>
-              </a:defRPr>
-            </a:lvl7pPr>
-            <a:lvl8pPr marL="3200400" indent="0" algn="l" defTabSz="914400" rtl="0" eaLnBrk="1" latinLnBrk="0" hangingPunct="1">
-              <a:spcBef>
-                <a:spcPct val="20000"/>
-              </a:spcBef>
-              <a:buFont typeface="Arial" pitchFamily="34" charset="0"/>
-              <a:buNone/>
-              <a:defRPr sz="2000" kern="1200">
-                <a:solidFill>
-                  <a:schemeClr val="tx1"/>
-                </a:solidFill>
-                <a:latin typeface="+mn-lt"/>
-                <a:ea typeface="+mn-ea"/>
-                <a:cs typeface="+mn-cs"/>
-              </a:defRPr>
-            </a:lvl8pPr>
-            <a:lvl9pPr marL="3657600" indent="0" algn="l" defTabSz="914400" rtl="0" eaLnBrk="1" latinLnBrk="0" hangingPunct="1">
-              <a:spcBef>
-                <a:spcPct val="20000"/>
-              </a:spcBef>
-              <a:buFont typeface="Arial" pitchFamily="34" charset="0"/>
-              <a:buNone/>
-              <a:defRPr sz="2000" kern="1200">
-                <a:solidFill>
-                  <a:schemeClr val="tx1"/>
-                </a:solidFill>
-                <a:latin typeface="+mn-lt"/>
-                <a:ea typeface="+mn-ea"/>
-                <a:cs typeface="+mn-cs"/>
-              </a:defRPr>
-            </a:lvl9pPr>
-          </a:lstStyle>
-          <a:p>
-            <a:pPr marL="571500" indent="-571500">
-              <a:buFont typeface="Arial" panose="020B0604020202020204" pitchFamily="34" charset="0"/>
-              <a:buChar char="•"/>
-            </a:pPr>
-            <a:endParaRPr lang="en-GB" dirty="0">
-              <a:solidFill>
-                <a:schemeClr val="bg1"/>
-              </a:solidFill>
-            </a:endParaRPr>
-          </a:p>
-          <a:p>
-            <a:pPr marL="571500" indent="-571500">
-              <a:buFont typeface="Arial" panose="020B0604020202020204" pitchFamily="34" charset="0"/>
-              <a:buChar char="•"/>
-            </a:pPr>
-            <a:endParaRPr lang="en-US" dirty="0">
               <a:solidFill>
                 <a:schemeClr val="bg1"/>
               </a:solidFill>
@@ -10207,7 +10449,7 @@
                 </a:solidFill>
                 <a:latin typeface="Calibri" pitchFamily="34" charset="0"/>
               </a:rPr>
-              <a:t>#. Stack Machine</a:t>
+              <a:t>#. How A CPU Works</a:t>
             </a:r>
           </a:p>
         </p:txBody>
@@ -10222,7 +10464,7 @@
         </p:nvSpPr>
         <p:spPr>
           <a:xfrm>
-            <a:off x="457200" y="1071545"/>
+            <a:off x="-76200" y="785794"/>
             <a:ext cx="8229600" cy="4857785"/>
           </a:xfrm>
           <a:prstGeom prst="rect">
@@ -10383,198 +10625,369 @@
           </a:p>
         </p:txBody>
       </p:sp>
-      <p:sp>
-        <p:nvSpPr>
-          <p:cNvPr id="4" name="Content Placeholder 2">
+      <p:grpSp>
+        <p:nvGrpSpPr>
+          <p:cNvPr id="8" name="Group 7">
             <a:extLst>
               <a:ext uri="{FF2B5EF4-FFF2-40B4-BE49-F238E27FC236}">
-                <a16:creationId xmlns:a16="http://schemas.microsoft.com/office/drawing/2014/main" id="{91C127C4-019D-4816-9ECF-D243EFA4189D}"/>
+                <a16:creationId xmlns:a16="http://schemas.microsoft.com/office/drawing/2014/main" id="{5C8BB591-B519-4112-865C-5EA608FE6D6E}"/>
               </a:ext>
             </a:extLst>
           </p:cNvPr>
-          <p:cNvSpPr txBox="1">
-            <a:spLocks/>
-          </p:cNvSpPr>
+          <p:cNvGrpSpPr/>
+          <p:nvPr/>
+        </p:nvGrpSpPr>
+        <p:grpSpPr>
+          <a:xfrm>
+            <a:off x="664028" y="1296951"/>
+            <a:ext cx="4593769" cy="4857784"/>
+            <a:chOff x="664028" y="1296951"/>
+            <a:chExt cx="4593771" cy="2693164"/>
+          </a:xfrm>
+        </p:grpSpPr>
+        <p:sp>
+          <p:nvSpPr>
+            <p:cNvPr id="2" name="Rectangle 1">
+              <a:extLst>
+                <a:ext uri="{FF2B5EF4-FFF2-40B4-BE49-F238E27FC236}">
+                  <a16:creationId xmlns:a16="http://schemas.microsoft.com/office/drawing/2014/main" id="{08448DF3-32B2-44F7-85BD-291ED9C65B84}"/>
+                </a:ext>
+              </a:extLst>
+            </p:cNvPr>
+            <p:cNvSpPr/>
+            <p:nvPr/>
+          </p:nvSpPr>
+          <p:spPr>
+            <a:xfrm>
+              <a:off x="664028" y="1296951"/>
+              <a:ext cx="4593771" cy="2693164"/>
+            </a:xfrm>
+            <a:prstGeom prst="rect">
+              <a:avLst/>
+            </a:prstGeom>
+          </p:spPr>
+          <p:style>
+            <a:lnRef idx="2">
+              <a:schemeClr val="accent1">
+                <a:shade val="50000"/>
+              </a:schemeClr>
+            </a:lnRef>
+            <a:fillRef idx="1">
+              <a:schemeClr val="accent1"/>
+            </a:fillRef>
+            <a:effectRef idx="0">
+              <a:schemeClr val="accent1"/>
+            </a:effectRef>
+            <a:fontRef idx="minor">
+              <a:schemeClr val="lt1"/>
+            </a:fontRef>
+          </p:style>
+          <p:txBody>
+            <a:bodyPr rtlCol="0" anchor="ctr"/>
+            <a:lstStyle/>
+            <a:p>
+              <a:pPr algn="ctr"/>
+              <a:endParaRPr lang="en-GB"/>
+            </a:p>
+          </p:txBody>
+        </p:sp>
+        <p:sp>
+          <p:nvSpPr>
+            <p:cNvPr id="18" name="Rectangle 17">
+              <a:extLst>
+                <a:ext uri="{FF2B5EF4-FFF2-40B4-BE49-F238E27FC236}">
+                  <a16:creationId xmlns:a16="http://schemas.microsoft.com/office/drawing/2014/main" id="{E095611B-7FC2-49BD-9D89-428C6A813C3D}"/>
+                </a:ext>
+              </a:extLst>
+            </p:cNvPr>
+            <p:cNvSpPr/>
+            <p:nvPr/>
+          </p:nvSpPr>
+          <p:spPr>
+            <a:xfrm>
+              <a:off x="918029" y="1574902"/>
+              <a:ext cx="4114800" cy="560423"/>
+            </a:xfrm>
+            <a:prstGeom prst="rect">
+              <a:avLst/>
+            </a:prstGeom>
+          </p:spPr>
+          <p:style>
+            <a:lnRef idx="2">
+              <a:schemeClr val="accent6">
+                <a:shade val="50000"/>
+              </a:schemeClr>
+            </a:lnRef>
+            <a:fillRef idx="1">
+              <a:schemeClr val="accent6"/>
+            </a:fillRef>
+            <a:effectRef idx="0">
+              <a:schemeClr val="accent6"/>
+            </a:effectRef>
+            <a:fontRef idx="minor">
+              <a:schemeClr val="lt1"/>
+            </a:fontRef>
+          </p:style>
+          <p:txBody>
+            <a:bodyPr rtlCol="0" anchor="ctr"/>
+            <a:lstStyle/>
+            <a:p>
+              <a:pPr algn="ctr"/>
+              <a:r>
+                <a:rPr lang="en-GB" dirty="0"/>
+                <a:t>Control Unit</a:t>
+              </a:r>
+            </a:p>
+          </p:txBody>
+        </p:sp>
+        <p:sp>
+          <p:nvSpPr>
+            <p:cNvPr id="20" name="Rectangle 19">
+              <a:extLst>
+                <a:ext uri="{FF2B5EF4-FFF2-40B4-BE49-F238E27FC236}">
+                  <a16:creationId xmlns:a16="http://schemas.microsoft.com/office/drawing/2014/main" id="{198A6952-F4D0-4ACC-88E4-6E85397AE616}"/>
+                </a:ext>
+              </a:extLst>
+            </p:cNvPr>
+            <p:cNvSpPr/>
+            <p:nvPr/>
+          </p:nvSpPr>
+          <p:spPr>
+            <a:xfrm>
+              <a:off x="918029" y="2339232"/>
+              <a:ext cx="4114800" cy="560423"/>
+            </a:xfrm>
+            <a:prstGeom prst="rect">
+              <a:avLst/>
+            </a:prstGeom>
+          </p:spPr>
+          <p:style>
+            <a:lnRef idx="2">
+              <a:schemeClr val="accent3">
+                <a:shade val="50000"/>
+              </a:schemeClr>
+            </a:lnRef>
+            <a:fillRef idx="1">
+              <a:schemeClr val="accent3"/>
+            </a:fillRef>
+            <a:effectRef idx="0">
+              <a:schemeClr val="accent3"/>
+            </a:effectRef>
+            <a:fontRef idx="minor">
+              <a:schemeClr val="lt1"/>
+            </a:fontRef>
+          </p:style>
+          <p:txBody>
+            <a:bodyPr rtlCol="0" anchor="ctr"/>
+            <a:lstStyle/>
+            <a:p>
+              <a:pPr algn="ctr"/>
+              <a:r>
+                <a:rPr lang="en-US" dirty="0"/>
+                <a:t>Arithmetic / Logic Unit</a:t>
+              </a:r>
+              <a:endParaRPr lang="en-GB" dirty="0"/>
+            </a:p>
+          </p:txBody>
+        </p:sp>
+        <p:sp>
+          <p:nvSpPr>
+            <p:cNvPr id="22" name="Rectangle 21">
+              <a:extLst>
+                <a:ext uri="{FF2B5EF4-FFF2-40B4-BE49-F238E27FC236}">
+                  <a16:creationId xmlns:a16="http://schemas.microsoft.com/office/drawing/2014/main" id="{73698932-8C04-415D-9875-127202566930}"/>
+                </a:ext>
+              </a:extLst>
+            </p:cNvPr>
+            <p:cNvSpPr/>
+            <p:nvPr/>
+          </p:nvSpPr>
+          <p:spPr>
+            <a:xfrm>
+              <a:off x="921658" y="3173202"/>
+              <a:ext cx="4114800" cy="560423"/>
+            </a:xfrm>
+            <a:prstGeom prst="rect">
+              <a:avLst/>
+            </a:prstGeom>
+          </p:spPr>
+          <p:style>
+            <a:lnRef idx="2">
+              <a:schemeClr val="accent2">
+                <a:shade val="50000"/>
+              </a:schemeClr>
+            </a:lnRef>
+            <a:fillRef idx="1">
+              <a:schemeClr val="accent2"/>
+            </a:fillRef>
+            <a:effectRef idx="0">
+              <a:schemeClr val="accent2"/>
+            </a:effectRef>
+            <a:fontRef idx="minor">
+              <a:schemeClr val="lt1"/>
+            </a:fontRef>
+          </p:style>
+          <p:txBody>
+            <a:bodyPr rtlCol="0" anchor="ctr"/>
+            <a:lstStyle/>
+            <a:p>
+              <a:pPr algn="ctr"/>
+              <a:r>
+                <a:rPr lang="en-US" dirty="0"/>
+                <a:t>Registers</a:t>
+              </a:r>
+              <a:endParaRPr lang="en-GB" dirty="0"/>
+            </a:p>
+          </p:txBody>
+        </p:sp>
+      </p:grpSp>
+      <p:sp>
+        <p:nvSpPr>
+          <p:cNvPr id="9" name="Rectangle 8">
+            <a:extLst>
+              <a:ext uri="{FF2B5EF4-FFF2-40B4-BE49-F238E27FC236}">
+                <a16:creationId xmlns:a16="http://schemas.microsoft.com/office/drawing/2014/main" id="{4B2EA943-705E-4EE8-AFB0-092423F80E91}"/>
+              </a:ext>
+            </a:extLst>
+          </p:cNvPr>
+          <p:cNvSpPr/>
           <p:nvPr/>
         </p:nvSpPr>
         <p:spPr>
           <a:xfrm>
-            <a:off x="609600" y="1223945"/>
-            <a:ext cx="8229600" cy="4857785"/>
+            <a:off x="7937498" y="1296951"/>
+            <a:ext cx="482601" cy="4857784"/>
           </a:xfrm>
           <a:prstGeom prst="rect">
             <a:avLst/>
           </a:prstGeom>
         </p:spPr>
-        <p:txBody>
-          <a:bodyPr vert="horz" lIns="91440" tIns="45720" rIns="91440" bIns="45720" rtlCol="0">
-            <a:normAutofit/>
+        <p:style>
+          <a:lnRef idx="2">
+            <a:schemeClr val="accent4">
+              <a:shade val="50000"/>
+            </a:schemeClr>
+          </a:lnRef>
+          <a:fillRef idx="1">
+            <a:schemeClr val="accent4"/>
+          </a:fillRef>
+          <a:effectRef idx="0">
+            <a:schemeClr val="accent4"/>
+          </a:effectRef>
+          <a:fontRef idx="minor">
+            <a:schemeClr val="lt1"/>
+          </a:fontRef>
+        </p:style>
+        <p:txBody>
+          <a:bodyPr vert="wordArtVert" wrap="square" spcCol="0" rtlCol="0" anchor="ctr"/>
+          <a:lstStyle/>
+          <a:p>
+            <a:pPr algn="ctr"/>
+            <a:r>
+              <a:rPr lang="en-GB" dirty="0"/>
+              <a:t>Main Memory</a:t>
+            </a:r>
+          </a:p>
+        </p:txBody>
+      </p:sp>
+      <p:sp>
+        <p:nvSpPr>
+          <p:cNvPr id="10" name="Arrow: Left-Right 9">
+            <a:extLst>
+              <a:ext uri="{FF2B5EF4-FFF2-40B4-BE49-F238E27FC236}">
+                <a16:creationId xmlns:a16="http://schemas.microsoft.com/office/drawing/2014/main" id="{E6BDA1B6-3F92-47C0-A5EA-AA58B0674704}"/>
+              </a:ext>
+            </a:extLst>
+          </p:cNvPr>
+          <p:cNvSpPr/>
+          <p:nvPr/>
+        </p:nvSpPr>
+        <p:spPr>
+          <a:xfrm>
+            <a:off x="5569856" y="4917571"/>
+            <a:ext cx="1981200" cy="538179"/>
+          </a:xfrm>
+          <a:prstGeom prst="leftRightArrow">
+            <a:avLst/>
+          </a:prstGeom>
+        </p:spPr>
+        <p:style>
+          <a:lnRef idx="3">
+            <a:schemeClr val="lt1"/>
+          </a:lnRef>
+          <a:fillRef idx="1">
+            <a:schemeClr val="dk1"/>
+          </a:fillRef>
+          <a:effectRef idx="1">
+            <a:schemeClr val="dk1"/>
+          </a:effectRef>
+          <a:fontRef idx="minor">
+            <a:schemeClr val="lt1"/>
+          </a:fontRef>
+        </p:style>
+        <p:txBody>
+          <a:bodyPr rtlCol="0" anchor="ctr"/>
+          <a:lstStyle/>
+          <a:p>
+            <a:pPr algn="ctr"/>
+            <a:endParaRPr lang="en-GB"/>
+          </a:p>
+        </p:txBody>
+      </p:sp>
+      <p:sp>
+        <p:nvSpPr>
+          <p:cNvPr id="11" name="Rectangle 10">
+            <a:extLst>
+              <a:ext uri="{FF2B5EF4-FFF2-40B4-BE49-F238E27FC236}">
+                <a16:creationId xmlns:a16="http://schemas.microsoft.com/office/drawing/2014/main" id="{AF28AA50-63A0-4846-8FD3-5E35183D734E}"/>
+              </a:ext>
+            </a:extLst>
+          </p:cNvPr>
+          <p:cNvSpPr/>
+          <p:nvPr/>
+        </p:nvSpPr>
+        <p:spPr>
+          <a:xfrm>
+            <a:off x="457200" y="6278812"/>
+            <a:ext cx="2742097" cy="369332"/>
+          </a:xfrm>
+          <a:prstGeom prst="rect">
+            <a:avLst/>
+          </a:prstGeom>
+        </p:spPr>
+        <p:txBody>
+          <a:bodyPr wrap="none">
+            <a:spAutoFit/>
           </a:bodyPr>
-          <a:lstStyle>
-            <a:lvl1pPr marL="0" indent="0" algn="l" defTabSz="914400" rtl="0" eaLnBrk="1" latinLnBrk="0" hangingPunct="1">
-              <a:spcBef>
-                <a:spcPct val="20000"/>
-              </a:spcBef>
-              <a:buFont typeface="Arial" pitchFamily="34" charset="0"/>
-              <a:buNone/>
-              <a:defRPr sz="3200" kern="1200">
-                <a:solidFill>
-                  <a:schemeClr val="tx1"/>
-                </a:solidFill>
-                <a:latin typeface="+mn-lt"/>
-                <a:ea typeface="+mn-ea"/>
-                <a:cs typeface="+mn-cs"/>
-              </a:defRPr>
-            </a:lvl1pPr>
-            <a:lvl2pPr marL="457200" indent="0" algn="l" defTabSz="914400" rtl="0" eaLnBrk="1" latinLnBrk="0" hangingPunct="1">
-              <a:spcBef>
-                <a:spcPct val="20000"/>
-              </a:spcBef>
-              <a:buFont typeface="Arial" pitchFamily="34" charset="0"/>
-              <a:buNone/>
-              <a:defRPr sz="2800" kern="1200">
-                <a:solidFill>
-                  <a:schemeClr val="tx1"/>
-                </a:solidFill>
-                <a:latin typeface="+mn-lt"/>
-                <a:ea typeface="+mn-ea"/>
-                <a:cs typeface="+mn-cs"/>
-              </a:defRPr>
-            </a:lvl2pPr>
-            <a:lvl3pPr marL="914400" indent="0" algn="l" defTabSz="914400" rtl="0" eaLnBrk="1" latinLnBrk="0" hangingPunct="1">
-              <a:spcBef>
-                <a:spcPct val="20000"/>
-              </a:spcBef>
-              <a:buFont typeface="Arial" pitchFamily="34" charset="0"/>
-              <a:buNone/>
-              <a:defRPr sz="2400" kern="1200">
-                <a:solidFill>
-                  <a:schemeClr val="tx1"/>
-                </a:solidFill>
-                <a:latin typeface="+mn-lt"/>
-                <a:ea typeface="+mn-ea"/>
-                <a:cs typeface="+mn-cs"/>
-              </a:defRPr>
-            </a:lvl3pPr>
-            <a:lvl4pPr marL="1371600" indent="0" algn="l" defTabSz="914400" rtl="0" eaLnBrk="1" latinLnBrk="0" hangingPunct="1">
-              <a:spcBef>
-                <a:spcPct val="20000"/>
-              </a:spcBef>
-              <a:buFont typeface="Arial" pitchFamily="34" charset="0"/>
-              <a:buNone/>
-              <a:defRPr sz="2000" kern="1200">
-                <a:solidFill>
-                  <a:schemeClr val="tx1"/>
-                </a:solidFill>
-                <a:latin typeface="+mn-lt"/>
-                <a:ea typeface="+mn-ea"/>
-                <a:cs typeface="+mn-cs"/>
-              </a:defRPr>
-            </a:lvl4pPr>
-            <a:lvl5pPr marL="1828800" indent="0" algn="l" defTabSz="914400" rtl="0" eaLnBrk="1" latinLnBrk="0" hangingPunct="1">
-              <a:spcBef>
-                <a:spcPct val="20000"/>
-              </a:spcBef>
-              <a:buFont typeface="Arial" pitchFamily="34" charset="0"/>
-              <a:buNone/>
-              <a:defRPr sz="2000" kern="1200">
-                <a:solidFill>
-                  <a:schemeClr val="tx1"/>
-                </a:solidFill>
-                <a:latin typeface="+mn-lt"/>
-                <a:ea typeface="+mn-ea"/>
-                <a:cs typeface="+mn-cs"/>
-              </a:defRPr>
-            </a:lvl5pPr>
-            <a:lvl6pPr marL="2286000" indent="0" algn="l" defTabSz="914400" rtl="0" eaLnBrk="1" latinLnBrk="0" hangingPunct="1">
-              <a:spcBef>
-                <a:spcPct val="20000"/>
-              </a:spcBef>
-              <a:buFont typeface="Arial" pitchFamily="34" charset="0"/>
-              <a:buNone/>
-              <a:defRPr sz="2000" kern="1200">
-                <a:solidFill>
-                  <a:schemeClr val="tx1"/>
-                </a:solidFill>
-                <a:latin typeface="+mn-lt"/>
-                <a:ea typeface="+mn-ea"/>
-                <a:cs typeface="+mn-cs"/>
-              </a:defRPr>
-            </a:lvl6pPr>
-            <a:lvl7pPr marL="2743200" indent="0" algn="l" defTabSz="914400" rtl="0" eaLnBrk="1" latinLnBrk="0" hangingPunct="1">
-              <a:spcBef>
-                <a:spcPct val="20000"/>
-              </a:spcBef>
-              <a:buFont typeface="Arial" pitchFamily="34" charset="0"/>
-              <a:buNone/>
-              <a:defRPr sz="2000" kern="1200">
-                <a:solidFill>
-                  <a:schemeClr val="tx1"/>
-                </a:solidFill>
-                <a:latin typeface="+mn-lt"/>
-                <a:ea typeface="+mn-ea"/>
-                <a:cs typeface="+mn-cs"/>
-              </a:defRPr>
-            </a:lvl7pPr>
-            <a:lvl8pPr marL="3200400" indent="0" algn="l" defTabSz="914400" rtl="0" eaLnBrk="1" latinLnBrk="0" hangingPunct="1">
-              <a:spcBef>
-                <a:spcPct val="20000"/>
-              </a:spcBef>
-              <a:buFont typeface="Arial" pitchFamily="34" charset="0"/>
-              <a:buNone/>
-              <a:defRPr sz="2000" kern="1200">
-                <a:solidFill>
-                  <a:schemeClr val="tx1"/>
-                </a:solidFill>
-                <a:latin typeface="+mn-lt"/>
-                <a:ea typeface="+mn-ea"/>
-                <a:cs typeface="+mn-cs"/>
-              </a:defRPr>
-            </a:lvl8pPr>
-            <a:lvl9pPr marL="3657600" indent="0" algn="l" defTabSz="914400" rtl="0" eaLnBrk="1" latinLnBrk="0" hangingPunct="1">
-              <a:spcBef>
-                <a:spcPct val="20000"/>
-              </a:spcBef>
-              <a:buFont typeface="Arial" pitchFamily="34" charset="0"/>
-              <a:buNone/>
-              <a:defRPr sz="2000" kern="1200">
-                <a:solidFill>
-                  <a:schemeClr val="tx1"/>
-                </a:solidFill>
-                <a:latin typeface="+mn-lt"/>
-                <a:ea typeface="+mn-ea"/>
-                <a:cs typeface="+mn-cs"/>
-              </a:defRPr>
-            </a:lvl9pPr>
-          </a:lstStyle>
-          <a:p>
-            <a:pPr marL="571500" indent="-571500">
-              <a:buFont typeface="Arial" panose="020B0604020202020204" pitchFamily="34" charset="0"/>
-              <a:buChar char="•"/>
-            </a:pPr>
+          <a:lstStyle/>
+          <a:p>
+            <a:r>
+              <a:rPr lang="en-GB" dirty="0">
+                <a:solidFill>
+                  <a:schemeClr val="bg1"/>
+                </a:solidFill>
+                <a:hlinkClick r:id="rId2">
+                  <a:extLst>
+                    <a:ext uri="{A12FA001-AC4F-418D-AE19-62706E023703}">
+                      <ahyp:hlinkClr xmlns:ahyp="http://schemas.microsoft.com/office/drawing/2018/hyperlinkcolor" val="tx"/>
+                    </a:ext>
+                  </a:extLst>
+                </a:hlinkClick>
+              </a:rPr>
+              <a:t>Von Neumann Architecture</a:t>
+            </a:r>
             <a:endParaRPr lang="en-GB" dirty="0">
               <a:solidFill>
                 <a:schemeClr val="bg1"/>
               </a:solidFill>
             </a:endParaRPr>
           </a:p>
-          <a:p>
-            <a:pPr marL="571500" indent="-571500">
-              <a:buFont typeface="Arial" panose="020B0604020202020204" pitchFamily="34" charset="0"/>
-              <a:buChar char="•"/>
-            </a:pPr>
-            <a:endParaRPr lang="en-US" dirty="0">
-              <a:solidFill>
-                <a:schemeClr val="bg1"/>
-              </a:solidFill>
-            </a:endParaRPr>
-          </a:p>
         </p:txBody>
       </p:sp>
     </p:spTree>
     <p:extLst>
       <p:ext uri="{BB962C8B-B14F-4D97-AF65-F5344CB8AC3E}">
-        <p14:creationId xmlns:p14="http://schemas.microsoft.com/office/powerpoint/2010/main" val="1132502000"/>
+        <p14:creationId xmlns:p14="http://schemas.microsoft.com/office/powerpoint/2010/main" val="2110854661"/>
       </p:ext>
     </p:extLst>
   </p:cSld>
@@ -10636,7 +11049,7 @@
                 </a:solidFill>
                 <a:latin typeface="Calibri" pitchFamily="34" charset="0"/>
               </a:rPr>
-              <a:t>#. Register Machine</a:t>
+              <a:t>#. Stack Machine</a:t>
             </a:r>
           </a:p>
         </p:txBody>
@@ -11003,7 +11416,7 @@
     </p:spTree>
     <p:extLst>
       <p:ext uri="{BB962C8B-B14F-4D97-AF65-F5344CB8AC3E}">
-        <p14:creationId xmlns:p14="http://schemas.microsoft.com/office/powerpoint/2010/main" val="1059200759"/>
+        <p14:creationId xmlns:p14="http://schemas.microsoft.com/office/powerpoint/2010/main" val="1132502000"/>
       </p:ext>
     </p:extLst>
   </p:cSld>
@@ -11065,7 +11478,7 @@
                 </a:solidFill>
                 <a:latin typeface="Calibri" pitchFamily="34" charset="0"/>
               </a:rPr>
-              <a:t>#. Virtual Machine</a:t>
+              <a:t>#. Register Machine</a:t>
             </a:r>
           </a:p>
         </p:txBody>
@@ -11432,7 +11845,7 @@
     </p:spTree>
     <p:extLst>
       <p:ext uri="{BB962C8B-B14F-4D97-AF65-F5344CB8AC3E}">
-        <p14:creationId xmlns:p14="http://schemas.microsoft.com/office/powerpoint/2010/main" val="1894145740"/>
+        <p14:creationId xmlns:p14="http://schemas.microsoft.com/office/powerpoint/2010/main" val="1059200759"/>
       </p:ext>
     </p:extLst>
   </p:cSld>
@@ -11494,7 +11907,7 @@
                 </a:solidFill>
                 <a:latin typeface="Calibri" pitchFamily="34" charset="0"/>
               </a:rPr>
-              <a:t>#. Machine Code</a:t>
+              <a:t>#. Virtual Machine</a:t>
             </a:r>
           </a:p>
         </p:txBody>
@@ -11861,7 +12274,7 @@
     </p:spTree>
     <p:extLst>
       <p:ext uri="{BB962C8B-B14F-4D97-AF65-F5344CB8AC3E}">
-        <p14:creationId xmlns:p14="http://schemas.microsoft.com/office/powerpoint/2010/main" val="758859454"/>
+        <p14:creationId xmlns:p14="http://schemas.microsoft.com/office/powerpoint/2010/main" val="1894145740"/>
       </p:ext>
     </p:extLst>
   </p:cSld>

--- a/Imperial_College_29-01-2020/Presentation.pptx
+++ b/Imperial_College_29-01-2020/Presentation.pptx
@@ -5,7 +5,7 @@
     <p:sldMasterId id="2147483648" r:id="rId1"/>
   </p:sldMasterIdLst>
   <p:notesMasterIdLst>
-    <p:notesMasterId r:id="rId20"/>
+    <p:notesMasterId r:id="rId21"/>
   </p:notesMasterIdLst>
   <p:sldIdLst>
     <p:sldId id="272" r:id="rId2"/>
@@ -16,16 +16,17 @@
     <p:sldId id="389" r:id="rId7"/>
     <p:sldId id="387" r:id="rId8"/>
     <p:sldId id="378" r:id="rId9"/>
-    <p:sldId id="376" r:id="rId10"/>
-    <p:sldId id="379" r:id="rId11"/>
-    <p:sldId id="380" r:id="rId12"/>
-    <p:sldId id="381" r:id="rId13"/>
-    <p:sldId id="382" r:id="rId14"/>
-    <p:sldId id="383" r:id="rId15"/>
-    <p:sldId id="384" r:id="rId16"/>
-    <p:sldId id="388" r:id="rId17"/>
-    <p:sldId id="385" r:id="rId18"/>
-    <p:sldId id="375" r:id="rId19"/>
+    <p:sldId id="390" r:id="rId10"/>
+    <p:sldId id="376" r:id="rId11"/>
+    <p:sldId id="379" r:id="rId12"/>
+    <p:sldId id="380" r:id="rId13"/>
+    <p:sldId id="381" r:id="rId14"/>
+    <p:sldId id="382" r:id="rId15"/>
+    <p:sldId id="383" r:id="rId16"/>
+    <p:sldId id="384" r:id="rId17"/>
+    <p:sldId id="388" r:id="rId18"/>
+    <p:sldId id="385" r:id="rId19"/>
+    <p:sldId id="375" r:id="rId20"/>
   </p:sldIdLst>
   <p:sldSz cx="9144000" cy="6858000" type="screen4x3"/>
   <p:notesSz cx="7099300" cy="10234613"/>
@@ -4094,7 +4095,7 @@
                 </a:solidFill>
                 <a:latin typeface="Calibri" pitchFamily="34" charset="0"/>
               </a:rPr>
-              <a:t>#. Machine Code</a:t>
+              <a:t>#. Virtual Machine</a:t>
             </a:r>
           </a:p>
         </p:txBody>
@@ -4461,7 +4462,7 @@
     </p:spTree>
     <p:extLst>
       <p:ext uri="{BB962C8B-B14F-4D97-AF65-F5344CB8AC3E}">
-        <p14:creationId xmlns:p14="http://schemas.microsoft.com/office/powerpoint/2010/main" val="758859454"/>
+        <p14:creationId xmlns:p14="http://schemas.microsoft.com/office/powerpoint/2010/main" val="1894145740"/>
       </p:ext>
     </p:extLst>
   </p:cSld>
@@ -4523,7 +4524,7 @@
                 </a:solidFill>
                 <a:latin typeface="Calibri" pitchFamily="34" charset="0"/>
               </a:rPr>
-              <a:t>#. LLVM (Low Level Virtual Machine)</a:t>
+              <a:t>#. Machine Code</a:t>
             </a:r>
           </a:p>
         </p:txBody>
@@ -4890,7 +4891,7 @@
     </p:spTree>
     <p:extLst>
       <p:ext uri="{BB962C8B-B14F-4D97-AF65-F5344CB8AC3E}">
-        <p14:creationId xmlns:p14="http://schemas.microsoft.com/office/powerpoint/2010/main" val="2951858699"/>
+        <p14:creationId xmlns:p14="http://schemas.microsoft.com/office/powerpoint/2010/main" val="758859454"/>
       </p:ext>
     </p:extLst>
   </p:cSld>
@@ -4952,7 +4953,7 @@
                 </a:solidFill>
                 <a:latin typeface="Calibri" pitchFamily="34" charset="0"/>
               </a:rPr>
-              <a:t>#. JIT Compiler</a:t>
+              <a:t>#. LLVM (Low Level Virtual Machine)</a:t>
             </a:r>
           </a:p>
         </p:txBody>
@@ -5319,7 +5320,7 @@
     </p:spTree>
     <p:extLst>
       <p:ext uri="{BB962C8B-B14F-4D97-AF65-F5344CB8AC3E}">
-        <p14:creationId xmlns:p14="http://schemas.microsoft.com/office/powerpoint/2010/main" val="4021861951"/>
+        <p14:creationId xmlns:p14="http://schemas.microsoft.com/office/powerpoint/2010/main" val="2951858699"/>
       </p:ext>
     </p:extLst>
   </p:cSld>
@@ -5381,7 +5382,7 @@
                 </a:solidFill>
                 <a:latin typeface="Calibri" pitchFamily="34" charset="0"/>
               </a:rPr>
-              <a:t>#. JavaScript (Simplified)</a:t>
+              <a:t>#. JIT Compiler</a:t>
             </a:r>
           </a:p>
         </p:txBody>
@@ -5748,7 +5749,7 @@
     </p:spTree>
     <p:extLst>
       <p:ext uri="{BB962C8B-B14F-4D97-AF65-F5344CB8AC3E}">
-        <p14:creationId xmlns:p14="http://schemas.microsoft.com/office/powerpoint/2010/main" val="2482442259"/>
+        <p14:creationId xmlns:p14="http://schemas.microsoft.com/office/powerpoint/2010/main" val="4021861951"/>
       </p:ext>
     </p:extLst>
   </p:cSld>
@@ -5810,7 +5811,7 @@
                 </a:solidFill>
                 <a:latin typeface="Calibri" pitchFamily="34" charset="0"/>
               </a:rPr>
-              <a:t>#. Performance</a:t>
+              <a:t>#. JavaScript (Simplified)</a:t>
             </a:r>
           </a:p>
         </p:txBody>
@@ -6177,7 +6178,7 @@
     </p:spTree>
     <p:extLst>
       <p:ext uri="{BB962C8B-B14F-4D97-AF65-F5344CB8AC3E}">
-        <p14:creationId xmlns:p14="http://schemas.microsoft.com/office/powerpoint/2010/main" val="1272949033"/>
+        <p14:creationId xmlns:p14="http://schemas.microsoft.com/office/powerpoint/2010/main" val="2482442259"/>
       </p:ext>
     </p:extLst>
   </p:cSld>
@@ -6239,7 +6240,7 @@
                 </a:solidFill>
                 <a:latin typeface="Calibri" pitchFamily="34" charset="0"/>
               </a:rPr>
-              <a:t>#. Limitations</a:t>
+              <a:t>#. Performance</a:t>
             </a:r>
           </a:p>
         </p:txBody>
@@ -6606,7 +6607,7 @@
     </p:spTree>
     <p:extLst>
       <p:ext uri="{BB962C8B-B14F-4D97-AF65-F5344CB8AC3E}">
-        <p14:creationId xmlns:p14="http://schemas.microsoft.com/office/powerpoint/2010/main" val="914059676"/>
+        <p14:creationId xmlns:p14="http://schemas.microsoft.com/office/powerpoint/2010/main" val="1272949033"/>
       </p:ext>
     </p:extLst>
   </p:cSld>
@@ -6668,7 +6669,7 @@
                 </a:solidFill>
                 <a:latin typeface="Calibri" pitchFamily="34" charset="0"/>
               </a:rPr>
-              <a:t>#. Real world examples</a:t>
+              <a:t>#. Limitations</a:t>
             </a:r>
           </a:p>
         </p:txBody>
@@ -7032,280 +7033,10 @@
           </a:p>
         </p:txBody>
       </p:sp>
-      <p:sp>
-        <p:nvSpPr>
-          <p:cNvPr id="7" name="Content Placeholder 2">
-            <a:extLst>
-              <a:ext uri="{FF2B5EF4-FFF2-40B4-BE49-F238E27FC236}">
-                <a16:creationId xmlns:a16="http://schemas.microsoft.com/office/drawing/2014/main" id="{43AA64BF-AFBE-4DB8-9326-7742FF5AE898}"/>
-              </a:ext>
-            </a:extLst>
-          </p:cNvPr>
-          <p:cNvSpPr txBox="1">
-            <a:spLocks/>
-          </p:cNvSpPr>
-          <p:nvPr/>
-        </p:nvSpPr>
-        <p:spPr>
-          <a:xfrm>
-            <a:off x="152400" y="914401"/>
-            <a:ext cx="6553200" cy="5157805"/>
-          </a:xfrm>
-          <a:prstGeom prst="rect">
-            <a:avLst/>
-          </a:prstGeom>
-        </p:spPr>
-        <p:txBody>
-          <a:bodyPr vert="horz" lIns="91440" tIns="45720" rIns="91440" bIns="45720" rtlCol="0">
-            <a:normAutofit/>
-          </a:bodyPr>
-          <a:lstStyle>
-            <a:lvl1pPr marL="0" indent="0" algn="l" defTabSz="914400" rtl="0" eaLnBrk="1" latinLnBrk="0" hangingPunct="1">
-              <a:spcBef>
-                <a:spcPct val="20000"/>
-              </a:spcBef>
-              <a:buFont typeface="Arial" pitchFamily="34" charset="0"/>
-              <a:buNone/>
-              <a:defRPr sz="3200" kern="1200">
-                <a:solidFill>
-                  <a:schemeClr val="tx1"/>
-                </a:solidFill>
-                <a:latin typeface="+mn-lt"/>
-                <a:ea typeface="+mn-ea"/>
-                <a:cs typeface="+mn-cs"/>
-              </a:defRPr>
-            </a:lvl1pPr>
-            <a:lvl2pPr marL="457200" indent="0" algn="l" defTabSz="914400" rtl="0" eaLnBrk="1" latinLnBrk="0" hangingPunct="1">
-              <a:spcBef>
-                <a:spcPct val="20000"/>
-              </a:spcBef>
-              <a:buFont typeface="Arial" pitchFamily="34" charset="0"/>
-              <a:buNone/>
-              <a:defRPr sz="2800" kern="1200">
-                <a:solidFill>
-                  <a:schemeClr val="tx1"/>
-                </a:solidFill>
-                <a:latin typeface="+mn-lt"/>
-                <a:ea typeface="+mn-ea"/>
-                <a:cs typeface="+mn-cs"/>
-              </a:defRPr>
-            </a:lvl2pPr>
-            <a:lvl3pPr marL="914400" indent="0" algn="l" defTabSz="914400" rtl="0" eaLnBrk="1" latinLnBrk="0" hangingPunct="1">
-              <a:spcBef>
-                <a:spcPct val="20000"/>
-              </a:spcBef>
-              <a:buFont typeface="Arial" pitchFamily="34" charset="0"/>
-              <a:buNone/>
-              <a:defRPr sz="2400" kern="1200">
-                <a:solidFill>
-                  <a:schemeClr val="tx1"/>
-                </a:solidFill>
-                <a:latin typeface="+mn-lt"/>
-                <a:ea typeface="+mn-ea"/>
-                <a:cs typeface="+mn-cs"/>
-              </a:defRPr>
-            </a:lvl3pPr>
-            <a:lvl4pPr marL="1371600" indent="0" algn="l" defTabSz="914400" rtl="0" eaLnBrk="1" latinLnBrk="0" hangingPunct="1">
-              <a:spcBef>
-                <a:spcPct val="20000"/>
-              </a:spcBef>
-              <a:buFont typeface="Arial" pitchFamily="34" charset="0"/>
-              <a:buNone/>
-              <a:defRPr sz="2000" kern="1200">
-                <a:solidFill>
-                  <a:schemeClr val="tx1"/>
-                </a:solidFill>
-                <a:latin typeface="+mn-lt"/>
-                <a:ea typeface="+mn-ea"/>
-                <a:cs typeface="+mn-cs"/>
-              </a:defRPr>
-            </a:lvl4pPr>
-            <a:lvl5pPr marL="1828800" indent="0" algn="l" defTabSz="914400" rtl="0" eaLnBrk="1" latinLnBrk="0" hangingPunct="1">
-              <a:spcBef>
-                <a:spcPct val="20000"/>
-              </a:spcBef>
-              <a:buFont typeface="Arial" pitchFamily="34" charset="0"/>
-              <a:buNone/>
-              <a:defRPr sz="2000" kern="1200">
-                <a:solidFill>
-                  <a:schemeClr val="tx1"/>
-                </a:solidFill>
-                <a:latin typeface="+mn-lt"/>
-                <a:ea typeface="+mn-ea"/>
-                <a:cs typeface="+mn-cs"/>
-              </a:defRPr>
-            </a:lvl5pPr>
-            <a:lvl6pPr marL="2286000" indent="0" algn="l" defTabSz="914400" rtl="0" eaLnBrk="1" latinLnBrk="0" hangingPunct="1">
-              <a:spcBef>
-                <a:spcPct val="20000"/>
-              </a:spcBef>
-              <a:buFont typeface="Arial" pitchFamily="34" charset="0"/>
-              <a:buNone/>
-              <a:defRPr sz="2000" kern="1200">
-                <a:solidFill>
-                  <a:schemeClr val="tx1"/>
-                </a:solidFill>
-                <a:latin typeface="+mn-lt"/>
-                <a:ea typeface="+mn-ea"/>
-                <a:cs typeface="+mn-cs"/>
-              </a:defRPr>
-            </a:lvl6pPr>
-            <a:lvl7pPr marL="2743200" indent="0" algn="l" defTabSz="914400" rtl="0" eaLnBrk="1" latinLnBrk="0" hangingPunct="1">
-              <a:spcBef>
-                <a:spcPct val="20000"/>
-              </a:spcBef>
-              <a:buFont typeface="Arial" pitchFamily="34" charset="0"/>
-              <a:buNone/>
-              <a:defRPr sz="2000" kern="1200">
-                <a:solidFill>
-                  <a:schemeClr val="tx1"/>
-                </a:solidFill>
-                <a:latin typeface="+mn-lt"/>
-                <a:ea typeface="+mn-ea"/>
-                <a:cs typeface="+mn-cs"/>
-              </a:defRPr>
-            </a:lvl7pPr>
-            <a:lvl8pPr marL="3200400" indent="0" algn="l" defTabSz="914400" rtl="0" eaLnBrk="1" latinLnBrk="0" hangingPunct="1">
-              <a:spcBef>
-                <a:spcPct val="20000"/>
-              </a:spcBef>
-              <a:buFont typeface="Arial" pitchFamily="34" charset="0"/>
-              <a:buNone/>
-              <a:defRPr sz="2000" kern="1200">
-                <a:solidFill>
-                  <a:schemeClr val="tx1"/>
-                </a:solidFill>
-                <a:latin typeface="+mn-lt"/>
-                <a:ea typeface="+mn-ea"/>
-                <a:cs typeface="+mn-cs"/>
-              </a:defRPr>
-            </a:lvl8pPr>
-            <a:lvl9pPr marL="3657600" indent="0" algn="l" defTabSz="914400" rtl="0" eaLnBrk="1" latinLnBrk="0" hangingPunct="1">
-              <a:spcBef>
-                <a:spcPct val="20000"/>
-              </a:spcBef>
-              <a:buFont typeface="Arial" pitchFamily="34" charset="0"/>
-              <a:buNone/>
-              <a:defRPr sz="2000" kern="1200">
-                <a:solidFill>
-                  <a:schemeClr val="tx1"/>
-                </a:solidFill>
-                <a:latin typeface="+mn-lt"/>
-                <a:ea typeface="+mn-ea"/>
-                <a:cs typeface="+mn-cs"/>
-              </a:defRPr>
-            </a:lvl9pPr>
-          </a:lstStyle>
-          <a:p>
-            <a:pPr marL="457200" indent="-457200">
-              <a:buFont typeface="Arial" panose="020B0604020202020204" pitchFamily="34" charset="0"/>
-              <a:buChar char="•"/>
-            </a:pPr>
-            <a:r>
-              <a:rPr lang="en-GB" dirty="0">
-                <a:solidFill>
-                  <a:schemeClr val="bg1"/>
-                </a:solidFill>
-                <a:hlinkClick r:id="rId2">
-                  <a:extLst>
-                    <a:ext uri="{A12FA001-AC4F-418D-AE19-62706E023703}">
-                      <ahyp:hlinkClr xmlns:ahyp="http://schemas.microsoft.com/office/drawing/2018/hyperlinkcolor" val="tx"/>
-                    </a:ext>
-                  </a:extLst>
-                </a:hlinkClick>
-              </a:rPr>
-              <a:t>Google Earth </a:t>
-            </a:r>
-            <a:endParaRPr lang="en-GB" dirty="0">
-              <a:solidFill>
-                <a:schemeClr val="bg1"/>
-              </a:solidFill>
-            </a:endParaRPr>
-          </a:p>
-          <a:p>
-            <a:pPr marL="457200" indent="-457200">
-              <a:buFont typeface="Arial" panose="020B0604020202020204" pitchFamily="34" charset="0"/>
-              <a:buChar char="•"/>
-            </a:pPr>
-            <a:r>
-              <a:rPr lang="en-US" dirty="0">
-                <a:solidFill>
-                  <a:schemeClr val="bg1"/>
-                </a:solidFill>
-                <a:hlinkClick r:id="rId3">
-                  <a:extLst>
-                    <a:ext uri="{A12FA001-AC4F-418D-AE19-62706E023703}">
-                      <ahyp:hlinkClr xmlns:ahyp="http://schemas.microsoft.com/office/drawing/2018/hyperlinkcolor" val="tx"/>
-                    </a:ext>
-                  </a:extLst>
-                </a:hlinkClick>
-              </a:rPr>
-              <a:t>Perspective</a:t>
-            </a:r>
-            <a:endParaRPr lang="en-US" dirty="0">
-              <a:solidFill>
-                <a:schemeClr val="bg1"/>
-              </a:solidFill>
-            </a:endParaRPr>
-          </a:p>
-          <a:p>
-            <a:pPr marL="457200" indent="-457200">
-              <a:buFont typeface="Arial" panose="020B0604020202020204" pitchFamily="34" charset="0"/>
-              <a:buChar char="•"/>
-            </a:pPr>
-            <a:r>
-              <a:rPr lang="en-US" dirty="0">
-                <a:solidFill>
-                  <a:schemeClr val="bg1"/>
-                </a:solidFill>
-                <a:hlinkClick r:id="rId4">
-                  <a:extLst>
-                    <a:ext uri="{A12FA001-AC4F-418D-AE19-62706E023703}">
-                      <ahyp:hlinkClr xmlns:ahyp="http://schemas.microsoft.com/office/drawing/2018/hyperlinkcolor" val="tx"/>
-                    </a:ext>
-                  </a:extLst>
-                </a:hlinkClick>
-              </a:rPr>
-              <a:t>D3</a:t>
-            </a:r>
-            <a:endParaRPr lang="en-US" dirty="0">
-              <a:solidFill>
-                <a:schemeClr val="bg1"/>
-              </a:solidFill>
-            </a:endParaRPr>
-          </a:p>
-          <a:p>
-            <a:pPr marL="457200" indent="-457200">
-              <a:buFont typeface="Arial" panose="020B0604020202020204" pitchFamily="34" charset="0"/>
-              <a:buChar char="•"/>
-            </a:pPr>
-            <a:r>
-              <a:rPr lang="en-US" dirty="0">
-                <a:solidFill>
-                  <a:schemeClr val="bg1"/>
-                </a:solidFill>
-                <a:hlinkClick r:id="rId5">
-                  <a:extLst>
-                    <a:ext uri="{A12FA001-AC4F-418D-AE19-62706E023703}">
-                      <ahyp:hlinkClr xmlns:ahyp="http://schemas.microsoft.com/office/drawing/2018/hyperlinkcolor" val="tx"/>
-                    </a:ext>
-                  </a:extLst>
-                </a:hlinkClick>
-              </a:rPr>
-              <a:t>PSPDFKit</a:t>
-            </a:r>
-            <a:endParaRPr lang="en-US" dirty="0">
-              <a:solidFill>
-                <a:schemeClr val="bg1"/>
-              </a:solidFill>
-            </a:endParaRPr>
-          </a:p>
-        </p:txBody>
-      </p:sp>
     </p:spTree>
     <p:extLst>
       <p:ext uri="{BB962C8B-B14F-4D97-AF65-F5344CB8AC3E}">
-        <p14:creationId xmlns:p14="http://schemas.microsoft.com/office/powerpoint/2010/main" val="3895076446"/>
+        <p14:creationId xmlns:p14="http://schemas.microsoft.com/office/powerpoint/2010/main" val="914059676"/>
       </p:ext>
     </p:extLst>
   </p:cSld>
@@ -7367,6 +7098,705 @@
                 </a:solidFill>
                 <a:latin typeface="Calibri" pitchFamily="34" charset="0"/>
               </a:rPr>
+              <a:t>#. Real world examples</a:t>
+            </a:r>
+          </a:p>
+        </p:txBody>
+      </p:sp>
+      <p:sp>
+        <p:nvSpPr>
+          <p:cNvPr id="6" name="Content Placeholder 2"/>
+          <p:cNvSpPr txBox="1">
+            <a:spLocks/>
+          </p:cNvSpPr>
+          <p:nvPr/>
+        </p:nvSpPr>
+        <p:spPr>
+          <a:xfrm>
+            <a:off x="457200" y="1071545"/>
+            <a:ext cx="8229600" cy="4857785"/>
+          </a:xfrm>
+          <a:prstGeom prst="rect">
+            <a:avLst/>
+          </a:prstGeom>
+        </p:spPr>
+        <p:txBody>
+          <a:bodyPr vert="horz" lIns="91440" tIns="45720" rIns="91440" bIns="45720" rtlCol="0">
+            <a:normAutofit/>
+          </a:bodyPr>
+          <a:lstStyle>
+            <a:lvl1pPr marL="0" indent="0" algn="l" defTabSz="914400" rtl="0" eaLnBrk="1" latinLnBrk="0" hangingPunct="1">
+              <a:spcBef>
+                <a:spcPct val="20000"/>
+              </a:spcBef>
+              <a:buFont typeface="Arial" pitchFamily="34" charset="0"/>
+              <a:buNone/>
+              <a:defRPr sz="3200" kern="1200">
+                <a:solidFill>
+                  <a:schemeClr val="tx1"/>
+                </a:solidFill>
+                <a:latin typeface="+mn-lt"/>
+                <a:ea typeface="+mn-ea"/>
+                <a:cs typeface="+mn-cs"/>
+              </a:defRPr>
+            </a:lvl1pPr>
+            <a:lvl2pPr marL="457200" indent="0" algn="l" defTabSz="914400" rtl="0" eaLnBrk="1" latinLnBrk="0" hangingPunct="1">
+              <a:spcBef>
+                <a:spcPct val="20000"/>
+              </a:spcBef>
+              <a:buFont typeface="Arial" pitchFamily="34" charset="0"/>
+              <a:buNone/>
+              <a:defRPr sz="2800" kern="1200">
+                <a:solidFill>
+                  <a:schemeClr val="tx1"/>
+                </a:solidFill>
+                <a:latin typeface="+mn-lt"/>
+                <a:ea typeface="+mn-ea"/>
+                <a:cs typeface="+mn-cs"/>
+              </a:defRPr>
+            </a:lvl2pPr>
+            <a:lvl3pPr marL="914400" indent="0" algn="l" defTabSz="914400" rtl="0" eaLnBrk="1" latinLnBrk="0" hangingPunct="1">
+              <a:spcBef>
+                <a:spcPct val="20000"/>
+              </a:spcBef>
+              <a:buFont typeface="Arial" pitchFamily="34" charset="0"/>
+              <a:buNone/>
+              <a:defRPr sz="2400" kern="1200">
+                <a:solidFill>
+                  <a:schemeClr val="tx1"/>
+                </a:solidFill>
+                <a:latin typeface="+mn-lt"/>
+                <a:ea typeface="+mn-ea"/>
+                <a:cs typeface="+mn-cs"/>
+              </a:defRPr>
+            </a:lvl3pPr>
+            <a:lvl4pPr marL="1371600" indent="0" algn="l" defTabSz="914400" rtl="0" eaLnBrk="1" latinLnBrk="0" hangingPunct="1">
+              <a:spcBef>
+                <a:spcPct val="20000"/>
+              </a:spcBef>
+              <a:buFont typeface="Arial" pitchFamily="34" charset="0"/>
+              <a:buNone/>
+              <a:defRPr sz="2000" kern="1200">
+                <a:solidFill>
+                  <a:schemeClr val="tx1"/>
+                </a:solidFill>
+                <a:latin typeface="+mn-lt"/>
+                <a:ea typeface="+mn-ea"/>
+                <a:cs typeface="+mn-cs"/>
+              </a:defRPr>
+            </a:lvl4pPr>
+            <a:lvl5pPr marL="1828800" indent="0" algn="l" defTabSz="914400" rtl="0" eaLnBrk="1" latinLnBrk="0" hangingPunct="1">
+              <a:spcBef>
+                <a:spcPct val="20000"/>
+              </a:spcBef>
+              <a:buFont typeface="Arial" pitchFamily="34" charset="0"/>
+              <a:buNone/>
+              <a:defRPr sz="2000" kern="1200">
+                <a:solidFill>
+                  <a:schemeClr val="tx1"/>
+                </a:solidFill>
+                <a:latin typeface="+mn-lt"/>
+                <a:ea typeface="+mn-ea"/>
+                <a:cs typeface="+mn-cs"/>
+              </a:defRPr>
+            </a:lvl5pPr>
+            <a:lvl6pPr marL="2286000" indent="0" algn="l" defTabSz="914400" rtl="0" eaLnBrk="1" latinLnBrk="0" hangingPunct="1">
+              <a:spcBef>
+                <a:spcPct val="20000"/>
+              </a:spcBef>
+              <a:buFont typeface="Arial" pitchFamily="34" charset="0"/>
+              <a:buNone/>
+              <a:defRPr sz="2000" kern="1200">
+                <a:solidFill>
+                  <a:schemeClr val="tx1"/>
+                </a:solidFill>
+                <a:latin typeface="+mn-lt"/>
+                <a:ea typeface="+mn-ea"/>
+                <a:cs typeface="+mn-cs"/>
+              </a:defRPr>
+            </a:lvl6pPr>
+            <a:lvl7pPr marL="2743200" indent="0" algn="l" defTabSz="914400" rtl="0" eaLnBrk="1" latinLnBrk="0" hangingPunct="1">
+              <a:spcBef>
+                <a:spcPct val="20000"/>
+              </a:spcBef>
+              <a:buFont typeface="Arial" pitchFamily="34" charset="0"/>
+              <a:buNone/>
+              <a:defRPr sz="2000" kern="1200">
+                <a:solidFill>
+                  <a:schemeClr val="tx1"/>
+                </a:solidFill>
+                <a:latin typeface="+mn-lt"/>
+                <a:ea typeface="+mn-ea"/>
+                <a:cs typeface="+mn-cs"/>
+              </a:defRPr>
+            </a:lvl7pPr>
+            <a:lvl8pPr marL="3200400" indent="0" algn="l" defTabSz="914400" rtl="0" eaLnBrk="1" latinLnBrk="0" hangingPunct="1">
+              <a:spcBef>
+                <a:spcPct val="20000"/>
+              </a:spcBef>
+              <a:buFont typeface="Arial" pitchFamily="34" charset="0"/>
+              <a:buNone/>
+              <a:defRPr sz="2000" kern="1200">
+                <a:solidFill>
+                  <a:schemeClr val="tx1"/>
+                </a:solidFill>
+                <a:latin typeface="+mn-lt"/>
+                <a:ea typeface="+mn-ea"/>
+                <a:cs typeface="+mn-cs"/>
+              </a:defRPr>
+            </a:lvl8pPr>
+            <a:lvl9pPr marL="3657600" indent="0" algn="l" defTabSz="914400" rtl="0" eaLnBrk="1" latinLnBrk="0" hangingPunct="1">
+              <a:spcBef>
+                <a:spcPct val="20000"/>
+              </a:spcBef>
+              <a:buFont typeface="Arial" pitchFamily="34" charset="0"/>
+              <a:buNone/>
+              <a:defRPr sz="2000" kern="1200">
+                <a:solidFill>
+                  <a:schemeClr val="tx1"/>
+                </a:solidFill>
+                <a:latin typeface="+mn-lt"/>
+                <a:ea typeface="+mn-ea"/>
+                <a:cs typeface="+mn-cs"/>
+              </a:defRPr>
+            </a:lvl9pPr>
+          </a:lstStyle>
+          <a:p>
+            <a:pPr marL="571500" indent="-571500">
+              <a:buFont typeface="Arial" panose="020B0604020202020204" pitchFamily="34" charset="0"/>
+              <a:buChar char="•"/>
+            </a:pPr>
+            <a:endParaRPr lang="en-GB" dirty="0">
+              <a:solidFill>
+                <a:schemeClr val="bg1"/>
+              </a:solidFill>
+            </a:endParaRPr>
+          </a:p>
+        </p:txBody>
+      </p:sp>
+      <p:sp>
+        <p:nvSpPr>
+          <p:cNvPr id="4" name="Content Placeholder 2">
+            <a:extLst>
+              <a:ext uri="{FF2B5EF4-FFF2-40B4-BE49-F238E27FC236}">
+                <a16:creationId xmlns:a16="http://schemas.microsoft.com/office/drawing/2014/main" id="{91C127C4-019D-4816-9ECF-D243EFA4189D}"/>
+              </a:ext>
+            </a:extLst>
+          </p:cNvPr>
+          <p:cNvSpPr txBox="1">
+            <a:spLocks/>
+          </p:cNvSpPr>
+          <p:nvPr/>
+        </p:nvSpPr>
+        <p:spPr>
+          <a:xfrm>
+            <a:off x="609600" y="1223945"/>
+            <a:ext cx="8229600" cy="4857785"/>
+          </a:xfrm>
+          <a:prstGeom prst="rect">
+            <a:avLst/>
+          </a:prstGeom>
+        </p:spPr>
+        <p:txBody>
+          <a:bodyPr vert="horz" lIns="91440" tIns="45720" rIns="91440" bIns="45720" rtlCol="0">
+            <a:normAutofit/>
+          </a:bodyPr>
+          <a:lstStyle>
+            <a:lvl1pPr marL="0" indent="0" algn="l" defTabSz="914400" rtl="0" eaLnBrk="1" latinLnBrk="0" hangingPunct="1">
+              <a:spcBef>
+                <a:spcPct val="20000"/>
+              </a:spcBef>
+              <a:buFont typeface="Arial" pitchFamily="34" charset="0"/>
+              <a:buNone/>
+              <a:defRPr sz="3200" kern="1200">
+                <a:solidFill>
+                  <a:schemeClr val="tx1"/>
+                </a:solidFill>
+                <a:latin typeface="+mn-lt"/>
+                <a:ea typeface="+mn-ea"/>
+                <a:cs typeface="+mn-cs"/>
+              </a:defRPr>
+            </a:lvl1pPr>
+            <a:lvl2pPr marL="457200" indent="0" algn="l" defTabSz="914400" rtl="0" eaLnBrk="1" latinLnBrk="0" hangingPunct="1">
+              <a:spcBef>
+                <a:spcPct val="20000"/>
+              </a:spcBef>
+              <a:buFont typeface="Arial" pitchFamily="34" charset="0"/>
+              <a:buNone/>
+              <a:defRPr sz="2800" kern="1200">
+                <a:solidFill>
+                  <a:schemeClr val="tx1"/>
+                </a:solidFill>
+                <a:latin typeface="+mn-lt"/>
+                <a:ea typeface="+mn-ea"/>
+                <a:cs typeface="+mn-cs"/>
+              </a:defRPr>
+            </a:lvl2pPr>
+            <a:lvl3pPr marL="914400" indent="0" algn="l" defTabSz="914400" rtl="0" eaLnBrk="1" latinLnBrk="0" hangingPunct="1">
+              <a:spcBef>
+                <a:spcPct val="20000"/>
+              </a:spcBef>
+              <a:buFont typeface="Arial" pitchFamily="34" charset="0"/>
+              <a:buNone/>
+              <a:defRPr sz="2400" kern="1200">
+                <a:solidFill>
+                  <a:schemeClr val="tx1"/>
+                </a:solidFill>
+                <a:latin typeface="+mn-lt"/>
+                <a:ea typeface="+mn-ea"/>
+                <a:cs typeface="+mn-cs"/>
+              </a:defRPr>
+            </a:lvl3pPr>
+            <a:lvl4pPr marL="1371600" indent="0" algn="l" defTabSz="914400" rtl="0" eaLnBrk="1" latinLnBrk="0" hangingPunct="1">
+              <a:spcBef>
+                <a:spcPct val="20000"/>
+              </a:spcBef>
+              <a:buFont typeface="Arial" pitchFamily="34" charset="0"/>
+              <a:buNone/>
+              <a:defRPr sz="2000" kern="1200">
+                <a:solidFill>
+                  <a:schemeClr val="tx1"/>
+                </a:solidFill>
+                <a:latin typeface="+mn-lt"/>
+                <a:ea typeface="+mn-ea"/>
+                <a:cs typeface="+mn-cs"/>
+              </a:defRPr>
+            </a:lvl4pPr>
+            <a:lvl5pPr marL="1828800" indent="0" algn="l" defTabSz="914400" rtl="0" eaLnBrk="1" latinLnBrk="0" hangingPunct="1">
+              <a:spcBef>
+                <a:spcPct val="20000"/>
+              </a:spcBef>
+              <a:buFont typeface="Arial" pitchFamily="34" charset="0"/>
+              <a:buNone/>
+              <a:defRPr sz="2000" kern="1200">
+                <a:solidFill>
+                  <a:schemeClr val="tx1"/>
+                </a:solidFill>
+                <a:latin typeface="+mn-lt"/>
+                <a:ea typeface="+mn-ea"/>
+                <a:cs typeface="+mn-cs"/>
+              </a:defRPr>
+            </a:lvl5pPr>
+            <a:lvl6pPr marL="2286000" indent="0" algn="l" defTabSz="914400" rtl="0" eaLnBrk="1" latinLnBrk="0" hangingPunct="1">
+              <a:spcBef>
+                <a:spcPct val="20000"/>
+              </a:spcBef>
+              <a:buFont typeface="Arial" pitchFamily="34" charset="0"/>
+              <a:buNone/>
+              <a:defRPr sz="2000" kern="1200">
+                <a:solidFill>
+                  <a:schemeClr val="tx1"/>
+                </a:solidFill>
+                <a:latin typeface="+mn-lt"/>
+                <a:ea typeface="+mn-ea"/>
+                <a:cs typeface="+mn-cs"/>
+              </a:defRPr>
+            </a:lvl6pPr>
+            <a:lvl7pPr marL="2743200" indent="0" algn="l" defTabSz="914400" rtl="0" eaLnBrk="1" latinLnBrk="0" hangingPunct="1">
+              <a:spcBef>
+                <a:spcPct val="20000"/>
+              </a:spcBef>
+              <a:buFont typeface="Arial" pitchFamily="34" charset="0"/>
+              <a:buNone/>
+              <a:defRPr sz="2000" kern="1200">
+                <a:solidFill>
+                  <a:schemeClr val="tx1"/>
+                </a:solidFill>
+                <a:latin typeface="+mn-lt"/>
+                <a:ea typeface="+mn-ea"/>
+                <a:cs typeface="+mn-cs"/>
+              </a:defRPr>
+            </a:lvl7pPr>
+            <a:lvl8pPr marL="3200400" indent="0" algn="l" defTabSz="914400" rtl="0" eaLnBrk="1" latinLnBrk="0" hangingPunct="1">
+              <a:spcBef>
+                <a:spcPct val="20000"/>
+              </a:spcBef>
+              <a:buFont typeface="Arial" pitchFamily="34" charset="0"/>
+              <a:buNone/>
+              <a:defRPr sz="2000" kern="1200">
+                <a:solidFill>
+                  <a:schemeClr val="tx1"/>
+                </a:solidFill>
+                <a:latin typeface="+mn-lt"/>
+                <a:ea typeface="+mn-ea"/>
+                <a:cs typeface="+mn-cs"/>
+              </a:defRPr>
+            </a:lvl8pPr>
+            <a:lvl9pPr marL="3657600" indent="0" algn="l" defTabSz="914400" rtl="0" eaLnBrk="1" latinLnBrk="0" hangingPunct="1">
+              <a:spcBef>
+                <a:spcPct val="20000"/>
+              </a:spcBef>
+              <a:buFont typeface="Arial" pitchFamily="34" charset="0"/>
+              <a:buNone/>
+              <a:defRPr sz="2000" kern="1200">
+                <a:solidFill>
+                  <a:schemeClr val="tx1"/>
+                </a:solidFill>
+                <a:latin typeface="+mn-lt"/>
+                <a:ea typeface="+mn-ea"/>
+                <a:cs typeface="+mn-cs"/>
+              </a:defRPr>
+            </a:lvl9pPr>
+          </a:lstStyle>
+          <a:p>
+            <a:pPr marL="571500" indent="-571500">
+              <a:buFont typeface="Arial" panose="020B0604020202020204" pitchFamily="34" charset="0"/>
+              <a:buChar char="•"/>
+            </a:pPr>
+            <a:endParaRPr lang="en-GB" dirty="0">
+              <a:solidFill>
+                <a:schemeClr val="bg1"/>
+              </a:solidFill>
+            </a:endParaRPr>
+          </a:p>
+          <a:p>
+            <a:pPr marL="571500" indent="-571500">
+              <a:buFont typeface="Arial" panose="020B0604020202020204" pitchFamily="34" charset="0"/>
+              <a:buChar char="•"/>
+            </a:pPr>
+            <a:endParaRPr lang="en-US" dirty="0">
+              <a:solidFill>
+                <a:schemeClr val="bg1"/>
+              </a:solidFill>
+            </a:endParaRPr>
+          </a:p>
+        </p:txBody>
+      </p:sp>
+      <p:sp>
+        <p:nvSpPr>
+          <p:cNvPr id="7" name="Content Placeholder 2">
+            <a:extLst>
+              <a:ext uri="{FF2B5EF4-FFF2-40B4-BE49-F238E27FC236}">
+                <a16:creationId xmlns:a16="http://schemas.microsoft.com/office/drawing/2014/main" id="{43AA64BF-AFBE-4DB8-9326-7742FF5AE898}"/>
+              </a:ext>
+            </a:extLst>
+          </p:cNvPr>
+          <p:cNvSpPr txBox="1">
+            <a:spLocks/>
+          </p:cNvSpPr>
+          <p:nvPr/>
+        </p:nvSpPr>
+        <p:spPr>
+          <a:xfrm>
+            <a:off x="152400" y="914401"/>
+            <a:ext cx="6553200" cy="5157805"/>
+          </a:xfrm>
+          <a:prstGeom prst="rect">
+            <a:avLst/>
+          </a:prstGeom>
+        </p:spPr>
+        <p:txBody>
+          <a:bodyPr vert="horz" lIns="91440" tIns="45720" rIns="91440" bIns="45720" rtlCol="0">
+            <a:normAutofit/>
+          </a:bodyPr>
+          <a:lstStyle>
+            <a:lvl1pPr marL="0" indent="0" algn="l" defTabSz="914400" rtl="0" eaLnBrk="1" latinLnBrk="0" hangingPunct="1">
+              <a:spcBef>
+                <a:spcPct val="20000"/>
+              </a:spcBef>
+              <a:buFont typeface="Arial" pitchFamily="34" charset="0"/>
+              <a:buNone/>
+              <a:defRPr sz="3200" kern="1200">
+                <a:solidFill>
+                  <a:schemeClr val="tx1"/>
+                </a:solidFill>
+                <a:latin typeface="+mn-lt"/>
+                <a:ea typeface="+mn-ea"/>
+                <a:cs typeface="+mn-cs"/>
+              </a:defRPr>
+            </a:lvl1pPr>
+            <a:lvl2pPr marL="457200" indent="0" algn="l" defTabSz="914400" rtl="0" eaLnBrk="1" latinLnBrk="0" hangingPunct="1">
+              <a:spcBef>
+                <a:spcPct val="20000"/>
+              </a:spcBef>
+              <a:buFont typeface="Arial" pitchFamily="34" charset="0"/>
+              <a:buNone/>
+              <a:defRPr sz="2800" kern="1200">
+                <a:solidFill>
+                  <a:schemeClr val="tx1"/>
+                </a:solidFill>
+                <a:latin typeface="+mn-lt"/>
+                <a:ea typeface="+mn-ea"/>
+                <a:cs typeface="+mn-cs"/>
+              </a:defRPr>
+            </a:lvl2pPr>
+            <a:lvl3pPr marL="914400" indent="0" algn="l" defTabSz="914400" rtl="0" eaLnBrk="1" latinLnBrk="0" hangingPunct="1">
+              <a:spcBef>
+                <a:spcPct val="20000"/>
+              </a:spcBef>
+              <a:buFont typeface="Arial" pitchFamily="34" charset="0"/>
+              <a:buNone/>
+              <a:defRPr sz="2400" kern="1200">
+                <a:solidFill>
+                  <a:schemeClr val="tx1"/>
+                </a:solidFill>
+                <a:latin typeface="+mn-lt"/>
+                <a:ea typeface="+mn-ea"/>
+                <a:cs typeface="+mn-cs"/>
+              </a:defRPr>
+            </a:lvl3pPr>
+            <a:lvl4pPr marL="1371600" indent="0" algn="l" defTabSz="914400" rtl="0" eaLnBrk="1" latinLnBrk="0" hangingPunct="1">
+              <a:spcBef>
+                <a:spcPct val="20000"/>
+              </a:spcBef>
+              <a:buFont typeface="Arial" pitchFamily="34" charset="0"/>
+              <a:buNone/>
+              <a:defRPr sz="2000" kern="1200">
+                <a:solidFill>
+                  <a:schemeClr val="tx1"/>
+                </a:solidFill>
+                <a:latin typeface="+mn-lt"/>
+                <a:ea typeface="+mn-ea"/>
+                <a:cs typeface="+mn-cs"/>
+              </a:defRPr>
+            </a:lvl4pPr>
+            <a:lvl5pPr marL="1828800" indent="0" algn="l" defTabSz="914400" rtl="0" eaLnBrk="1" latinLnBrk="0" hangingPunct="1">
+              <a:spcBef>
+                <a:spcPct val="20000"/>
+              </a:spcBef>
+              <a:buFont typeface="Arial" pitchFamily="34" charset="0"/>
+              <a:buNone/>
+              <a:defRPr sz="2000" kern="1200">
+                <a:solidFill>
+                  <a:schemeClr val="tx1"/>
+                </a:solidFill>
+                <a:latin typeface="+mn-lt"/>
+                <a:ea typeface="+mn-ea"/>
+                <a:cs typeface="+mn-cs"/>
+              </a:defRPr>
+            </a:lvl5pPr>
+            <a:lvl6pPr marL="2286000" indent="0" algn="l" defTabSz="914400" rtl="0" eaLnBrk="1" latinLnBrk="0" hangingPunct="1">
+              <a:spcBef>
+                <a:spcPct val="20000"/>
+              </a:spcBef>
+              <a:buFont typeface="Arial" pitchFamily="34" charset="0"/>
+              <a:buNone/>
+              <a:defRPr sz="2000" kern="1200">
+                <a:solidFill>
+                  <a:schemeClr val="tx1"/>
+                </a:solidFill>
+                <a:latin typeface="+mn-lt"/>
+                <a:ea typeface="+mn-ea"/>
+                <a:cs typeface="+mn-cs"/>
+              </a:defRPr>
+            </a:lvl6pPr>
+            <a:lvl7pPr marL="2743200" indent="0" algn="l" defTabSz="914400" rtl="0" eaLnBrk="1" latinLnBrk="0" hangingPunct="1">
+              <a:spcBef>
+                <a:spcPct val="20000"/>
+              </a:spcBef>
+              <a:buFont typeface="Arial" pitchFamily="34" charset="0"/>
+              <a:buNone/>
+              <a:defRPr sz="2000" kern="1200">
+                <a:solidFill>
+                  <a:schemeClr val="tx1"/>
+                </a:solidFill>
+                <a:latin typeface="+mn-lt"/>
+                <a:ea typeface="+mn-ea"/>
+                <a:cs typeface="+mn-cs"/>
+              </a:defRPr>
+            </a:lvl7pPr>
+            <a:lvl8pPr marL="3200400" indent="0" algn="l" defTabSz="914400" rtl="0" eaLnBrk="1" latinLnBrk="0" hangingPunct="1">
+              <a:spcBef>
+                <a:spcPct val="20000"/>
+              </a:spcBef>
+              <a:buFont typeface="Arial" pitchFamily="34" charset="0"/>
+              <a:buNone/>
+              <a:defRPr sz="2000" kern="1200">
+                <a:solidFill>
+                  <a:schemeClr val="tx1"/>
+                </a:solidFill>
+                <a:latin typeface="+mn-lt"/>
+                <a:ea typeface="+mn-ea"/>
+                <a:cs typeface="+mn-cs"/>
+              </a:defRPr>
+            </a:lvl8pPr>
+            <a:lvl9pPr marL="3657600" indent="0" algn="l" defTabSz="914400" rtl="0" eaLnBrk="1" latinLnBrk="0" hangingPunct="1">
+              <a:spcBef>
+                <a:spcPct val="20000"/>
+              </a:spcBef>
+              <a:buFont typeface="Arial" pitchFamily="34" charset="0"/>
+              <a:buNone/>
+              <a:defRPr sz="2000" kern="1200">
+                <a:solidFill>
+                  <a:schemeClr val="tx1"/>
+                </a:solidFill>
+                <a:latin typeface="+mn-lt"/>
+                <a:ea typeface="+mn-ea"/>
+                <a:cs typeface="+mn-cs"/>
+              </a:defRPr>
+            </a:lvl9pPr>
+          </a:lstStyle>
+          <a:p>
+            <a:pPr marL="457200" indent="-457200">
+              <a:buFont typeface="Arial" panose="020B0604020202020204" pitchFamily="34" charset="0"/>
+              <a:buChar char="•"/>
+            </a:pPr>
+            <a:r>
+              <a:rPr lang="en-GB" dirty="0">
+                <a:solidFill>
+                  <a:schemeClr val="bg1"/>
+                </a:solidFill>
+                <a:hlinkClick r:id="rId2">
+                  <a:extLst>
+                    <a:ext uri="{A12FA001-AC4F-418D-AE19-62706E023703}">
+                      <ahyp:hlinkClr xmlns:ahyp="http://schemas.microsoft.com/office/drawing/2018/hyperlinkcolor" val="tx"/>
+                    </a:ext>
+                  </a:extLst>
+                </a:hlinkClick>
+              </a:rPr>
+              <a:t>Google Earth </a:t>
+            </a:r>
+            <a:endParaRPr lang="en-GB" dirty="0">
+              <a:solidFill>
+                <a:schemeClr val="bg1"/>
+              </a:solidFill>
+            </a:endParaRPr>
+          </a:p>
+          <a:p>
+            <a:pPr marL="457200" indent="-457200">
+              <a:buFont typeface="Arial" panose="020B0604020202020204" pitchFamily="34" charset="0"/>
+              <a:buChar char="•"/>
+            </a:pPr>
+            <a:r>
+              <a:rPr lang="en-US" dirty="0">
+                <a:solidFill>
+                  <a:schemeClr val="bg1"/>
+                </a:solidFill>
+                <a:hlinkClick r:id="rId3">
+                  <a:extLst>
+                    <a:ext uri="{A12FA001-AC4F-418D-AE19-62706E023703}">
+                      <ahyp:hlinkClr xmlns:ahyp="http://schemas.microsoft.com/office/drawing/2018/hyperlinkcolor" val="tx"/>
+                    </a:ext>
+                  </a:extLst>
+                </a:hlinkClick>
+              </a:rPr>
+              <a:t>Perspective</a:t>
+            </a:r>
+            <a:endParaRPr lang="en-US" dirty="0">
+              <a:solidFill>
+                <a:schemeClr val="bg1"/>
+              </a:solidFill>
+            </a:endParaRPr>
+          </a:p>
+          <a:p>
+            <a:pPr marL="457200" indent="-457200">
+              <a:buFont typeface="Arial" panose="020B0604020202020204" pitchFamily="34" charset="0"/>
+              <a:buChar char="•"/>
+            </a:pPr>
+            <a:r>
+              <a:rPr lang="en-US" dirty="0">
+                <a:solidFill>
+                  <a:schemeClr val="bg1"/>
+                </a:solidFill>
+                <a:hlinkClick r:id="rId4">
+                  <a:extLst>
+                    <a:ext uri="{A12FA001-AC4F-418D-AE19-62706E023703}">
+                      <ahyp:hlinkClr xmlns:ahyp="http://schemas.microsoft.com/office/drawing/2018/hyperlinkcolor" val="tx"/>
+                    </a:ext>
+                  </a:extLst>
+                </a:hlinkClick>
+              </a:rPr>
+              <a:t>D3</a:t>
+            </a:r>
+            <a:endParaRPr lang="en-US" dirty="0">
+              <a:solidFill>
+                <a:schemeClr val="bg1"/>
+              </a:solidFill>
+            </a:endParaRPr>
+          </a:p>
+          <a:p>
+            <a:pPr marL="457200" indent="-457200">
+              <a:buFont typeface="Arial" panose="020B0604020202020204" pitchFamily="34" charset="0"/>
+              <a:buChar char="•"/>
+            </a:pPr>
+            <a:r>
+              <a:rPr lang="en-US" dirty="0">
+                <a:solidFill>
+                  <a:schemeClr val="bg1"/>
+                </a:solidFill>
+                <a:hlinkClick r:id="rId5">
+                  <a:extLst>
+                    <a:ext uri="{A12FA001-AC4F-418D-AE19-62706E023703}">
+                      <ahyp:hlinkClr xmlns:ahyp="http://schemas.microsoft.com/office/drawing/2018/hyperlinkcolor" val="tx"/>
+                    </a:ext>
+                  </a:extLst>
+                </a:hlinkClick>
+              </a:rPr>
+              <a:t>PSPDFKit</a:t>
+            </a:r>
+            <a:endParaRPr lang="en-US" dirty="0">
+              <a:solidFill>
+                <a:schemeClr val="bg1"/>
+              </a:solidFill>
+            </a:endParaRPr>
+          </a:p>
+        </p:txBody>
+      </p:sp>
+    </p:spTree>
+    <p:extLst>
+      <p:ext uri="{BB962C8B-B14F-4D97-AF65-F5344CB8AC3E}">
+        <p14:creationId xmlns:p14="http://schemas.microsoft.com/office/powerpoint/2010/main" val="3895076446"/>
+      </p:ext>
+    </p:extLst>
+  </p:cSld>
+  <p:clrMapOvr>
+    <a:masterClrMapping/>
+  </p:clrMapOvr>
+</p:sld>
+</file>
+
+<file path=ppt/slides/slide18.xml><?xml version="1.0" encoding="utf-8"?>
+<p:sld xmlns:a="http://schemas.openxmlformats.org/drawingml/2006/main" xmlns:r="http://schemas.openxmlformats.org/officeDocument/2006/relationships" xmlns:p="http://schemas.openxmlformats.org/presentationml/2006/main">
+  <p:cSld>
+    <p:spTree>
+      <p:nvGrpSpPr>
+        <p:cNvPr id="1" name=""/>
+        <p:cNvGrpSpPr/>
+        <p:nvPr/>
+      </p:nvGrpSpPr>
+      <p:grpSpPr>
+        <a:xfrm>
+          <a:off x="0" y="0"/>
+          <a:ext cx="0" cy="0"/>
+          <a:chOff x="0" y="0"/>
+          <a:chExt cx="0" cy="0"/>
+        </a:xfrm>
+      </p:grpSpPr>
+      <p:sp>
+        <p:nvSpPr>
+          <p:cNvPr id="5" name="Title 1"/>
+          <p:cNvSpPr>
+            <a:spLocks noGrp="1"/>
+          </p:cNvSpPr>
+          <p:nvPr>
+            <p:ph type="title"/>
+          </p:nvPr>
+        </p:nvSpPr>
+        <p:spPr>
+          <a:xfrm>
+            <a:off x="457200" y="274638"/>
+            <a:ext cx="8229600" cy="511156"/>
+          </a:xfrm>
+        </p:spPr>
+        <p:txBody>
+          <a:bodyPr>
+            <a:noAutofit/>
+          </a:bodyPr>
+          <a:lstStyle/>
+          <a:p>
+            <a:pPr fontAlgn="base">
+              <a:spcAft>
+                <a:spcPct val="0"/>
+              </a:spcAft>
+              <a:defRPr/>
+            </a:pPr>
+            <a:r>
+              <a:rPr lang="en-GB" sz="4000" kern="0" dirty="0">
+                <a:solidFill>
+                  <a:srgbClr val="0098D4"/>
+                </a:solidFill>
+                <a:latin typeface="Calibri" pitchFamily="34" charset="0"/>
+              </a:rPr>
               <a:t>#. Do we still need JavaScript?</a:t>
             </a:r>
           </a:p>
@@ -7783,7 +8213,7 @@
 </p:sld>
 </file>
 
-<file path=ppt/slides/slide18.xml><?xml version="1.0" encoding="utf-8"?>
+<file path=ppt/slides/slide19.xml><?xml version="1.0" encoding="utf-8"?>
 <p:sld xmlns:a="http://schemas.openxmlformats.org/drawingml/2006/main" xmlns:r="http://schemas.openxmlformats.org/officeDocument/2006/relationships" xmlns:p="http://schemas.openxmlformats.org/presentationml/2006/main">
   <p:cSld>
     <p:spTree>
@@ -11907,7 +12337,7 @@
                 </a:solidFill>
                 <a:latin typeface="Calibri" pitchFamily="34" charset="0"/>
               </a:rPr>
-              <a:t>#. Virtual Machine</a:t>
+              <a:t>#. Register Machine</a:t>
             </a:r>
           </a:p>
         </p:txBody>
@@ -12271,10 +12701,49 @@
           </a:p>
         </p:txBody>
       </p:sp>
+      <p:sp>
+        <p:nvSpPr>
+          <p:cNvPr id="2" name="TextBox 1">
+            <a:extLst>
+              <a:ext uri="{FF2B5EF4-FFF2-40B4-BE49-F238E27FC236}">
+                <a16:creationId xmlns:a16="http://schemas.microsoft.com/office/drawing/2014/main" id="{0B1DCBE0-C301-4738-B027-2A8BA3AF572B}"/>
+              </a:ext>
+            </a:extLst>
+          </p:cNvPr>
+          <p:cNvSpPr txBox="1"/>
+          <p:nvPr/>
+        </p:nvSpPr>
+        <p:spPr>
+          <a:xfrm>
+            <a:off x="1749868" y="3244334"/>
+            <a:ext cx="5949064" cy="369332"/>
+          </a:xfrm>
+          <a:prstGeom prst="rect">
+            <a:avLst/>
+          </a:prstGeom>
+          <a:noFill/>
+        </p:spPr>
+        <p:txBody>
+          <a:bodyPr wrap="none" rtlCol="0">
+            <a:spAutoFit/>
+          </a:bodyPr>
+          <a:lstStyle/>
+          <a:p>
+            <a:r>
+              <a:rPr lang="en-GB" dirty="0">
+                <a:solidFill>
+                  <a:schemeClr val="bg1"/>
+                </a:solidFill>
+              </a:rPr>
+              <a:t>Register Machine can simulate stack machines and vice versa </a:t>
+            </a:r>
+          </a:p>
+        </p:txBody>
+      </p:sp>
     </p:spTree>
     <p:extLst>
       <p:ext uri="{BB962C8B-B14F-4D97-AF65-F5344CB8AC3E}">
-        <p14:creationId xmlns:p14="http://schemas.microsoft.com/office/powerpoint/2010/main" val="1894145740"/>
+        <p14:creationId xmlns:p14="http://schemas.microsoft.com/office/powerpoint/2010/main" val="1304178095"/>
       </p:ext>
     </p:extLst>
   </p:cSld>

--- a/Imperial_College_29-01-2020/Presentation.pptx
+++ b/Imperial_College_29-01-2020/Presentation.pptx
@@ -14,8 +14,8 @@
     <p:sldId id="377" r:id="rId5"/>
     <p:sldId id="386" r:id="rId6"/>
     <p:sldId id="389" r:id="rId7"/>
-    <p:sldId id="387" r:id="rId8"/>
-    <p:sldId id="378" r:id="rId9"/>
+    <p:sldId id="378" r:id="rId8"/>
+    <p:sldId id="387" r:id="rId9"/>
     <p:sldId id="390" r:id="rId10"/>
     <p:sldId id="376" r:id="rId11"/>
     <p:sldId id="379" r:id="rId12"/>
@@ -227,7 +227,7 @@
             <a:fld id="{AF0EBDE4-2F5D-44B8-A009-F3B6D6C08125}" type="datetimeFigureOut">
               <a:rPr lang="en-US" smtClean="0"/>
               <a:pPr/>
-              <a:t>1/24/2020</a:t>
+              <a:t>1/26/2020</a:t>
             </a:fld>
             <a:endParaRPr lang="en-US" dirty="0"/>
           </a:p>
@@ -852,7 +852,7 @@
             <a:fld id="{1D8BD707-D9CF-40AE-B4C6-C98DA3205C09}" type="datetimeFigureOut">
               <a:rPr lang="en-US" smtClean="0"/>
               <a:pPr/>
-              <a:t>1/24/2020</a:t>
+              <a:t>1/26/2020</a:t>
             </a:fld>
             <a:endParaRPr lang="en-US" dirty="0"/>
           </a:p>
@@ -1041,7 +1041,7 @@
             <a:fld id="{1D8BD707-D9CF-40AE-B4C6-C98DA3205C09}" type="datetimeFigureOut">
               <a:rPr lang="en-US" smtClean="0"/>
               <a:pPr/>
-              <a:t>1/24/2020</a:t>
+              <a:t>1/26/2020</a:t>
             </a:fld>
             <a:endParaRPr lang="en-US" dirty="0"/>
           </a:p>
@@ -1240,7 +1240,7 @@
             <a:fld id="{1D8BD707-D9CF-40AE-B4C6-C98DA3205C09}" type="datetimeFigureOut">
               <a:rPr lang="en-US" smtClean="0"/>
               <a:pPr/>
-              <a:t>1/24/2020</a:t>
+              <a:t>1/26/2020</a:t>
             </a:fld>
             <a:endParaRPr lang="en-US" dirty="0"/>
           </a:p>
@@ -1429,7 +1429,7 @@
             <a:fld id="{1D8BD707-D9CF-40AE-B4C6-C98DA3205C09}" type="datetimeFigureOut">
               <a:rPr lang="en-US" smtClean="0"/>
               <a:pPr/>
-              <a:t>1/24/2020</a:t>
+              <a:t>1/26/2020</a:t>
             </a:fld>
             <a:endParaRPr lang="en-US" dirty="0"/>
           </a:p>
@@ -1695,7 +1695,7 @@
             <a:fld id="{1D8BD707-D9CF-40AE-B4C6-C98DA3205C09}" type="datetimeFigureOut">
               <a:rPr lang="en-US" smtClean="0"/>
               <a:pPr/>
-              <a:t>1/24/2020</a:t>
+              <a:t>1/26/2020</a:t>
             </a:fld>
             <a:endParaRPr lang="en-US" dirty="0"/>
           </a:p>
@@ -2001,7 +2001,7 @@
             <a:fld id="{1D8BD707-D9CF-40AE-B4C6-C98DA3205C09}" type="datetimeFigureOut">
               <a:rPr lang="en-US" smtClean="0"/>
               <a:pPr/>
-              <a:t>1/24/2020</a:t>
+              <a:t>1/26/2020</a:t>
             </a:fld>
             <a:endParaRPr lang="en-US" dirty="0"/>
           </a:p>
@@ -2441,7 +2441,7 @@
             <a:fld id="{1D8BD707-D9CF-40AE-B4C6-C98DA3205C09}" type="datetimeFigureOut">
               <a:rPr lang="en-US" smtClean="0"/>
               <a:pPr/>
-              <a:t>1/24/2020</a:t>
+              <a:t>1/26/2020</a:t>
             </a:fld>
             <a:endParaRPr lang="en-US" dirty="0"/>
           </a:p>
@@ -2579,7 +2579,7 @@
             <a:fld id="{1D8BD707-D9CF-40AE-B4C6-C98DA3205C09}" type="datetimeFigureOut">
               <a:rPr lang="en-US" smtClean="0"/>
               <a:pPr/>
-              <a:t>1/24/2020</a:t>
+              <a:t>1/26/2020</a:t>
             </a:fld>
             <a:endParaRPr lang="en-US" dirty="0"/>
           </a:p>
@@ -2695,7 +2695,7 @@
             <a:fld id="{1D8BD707-D9CF-40AE-B4C6-C98DA3205C09}" type="datetimeFigureOut">
               <a:rPr lang="en-US" smtClean="0"/>
               <a:pPr/>
-              <a:t>1/24/2020</a:t>
+              <a:t>1/26/2020</a:t>
             </a:fld>
             <a:endParaRPr lang="en-US" dirty="0"/>
           </a:p>
@@ -2991,7 +2991,7 @@
             <a:fld id="{1D8BD707-D9CF-40AE-B4C6-C98DA3205C09}" type="datetimeFigureOut">
               <a:rPr lang="en-US" smtClean="0"/>
               <a:pPr/>
-              <a:t>1/24/2020</a:t>
+              <a:t>1/26/2020</a:t>
             </a:fld>
             <a:endParaRPr lang="en-US" dirty="0"/>
           </a:p>
@@ -3264,7 +3264,7 @@
             <a:fld id="{1D8BD707-D9CF-40AE-B4C6-C98DA3205C09}" type="datetimeFigureOut">
               <a:rPr lang="en-US" smtClean="0"/>
               <a:pPr/>
-              <a:t>1/24/2020</a:t>
+              <a:t>1/26/2020</a:t>
             </a:fld>
             <a:endParaRPr lang="en-US" dirty="0"/>
           </a:p>
@@ -11479,7 +11479,7 @@
                 </a:solidFill>
                 <a:latin typeface="Calibri" pitchFamily="34" charset="0"/>
               </a:rPr>
-              <a:t>#. Stack Machine</a:t>
+              <a:t>#. Register Machine</a:t>
             </a:r>
           </a:p>
         </p:txBody>
@@ -11843,10 +11843,325 @@
           </a:p>
         </p:txBody>
       </p:sp>
+      <p:graphicFrame>
+        <p:nvGraphicFramePr>
+          <p:cNvPr id="7" name="Table 2">
+            <a:extLst>
+              <a:ext uri="{FF2B5EF4-FFF2-40B4-BE49-F238E27FC236}">
+                <a16:creationId xmlns:a16="http://schemas.microsoft.com/office/drawing/2014/main" id="{52A5C180-47AC-438E-ABCE-09E1E41323FC}"/>
+              </a:ext>
+            </a:extLst>
+          </p:cNvPr>
+          <p:cNvGraphicFramePr>
+            <a:graphicFrameLocks noGrp="1"/>
+          </p:cNvGraphicFramePr>
+          <p:nvPr>
+            <p:extLst>
+              <p:ext uri="{D42A27DB-BD31-4B8C-83A1-F6EECF244321}">
+                <p14:modId xmlns:p14="http://schemas.microsoft.com/office/powerpoint/2010/main" val="760102969"/>
+              </p:ext>
+            </p:extLst>
+          </p:nvPr>
+        </p:nvGraphicFramePr>
+        <p:xfrm>
+          <a:off x="304800" y="1071545"/>
+          <a:ext cx="8534400" cy="370840"/>
+        </p:xfrm>
+        <a:graphic>
+          <a:graphicData uri="http://schemas.openxmlformats.org/drawingml/2006/table">
+            <a:tbl>
+              <a:tblPr>
+                <a:tableStyleId>{775DCB02-9BB8-47FD-8907-85C794F793BA}</a:tableStyleId>
+              </a:tblPr>
+              <a:tblGrid>
+                <a:gridCol w="533400">
+                  <a:extLst>
+                    <a:ext uri="{9D8B030D-6E8A-4147-A177-3AD203B41FA5}">
+                      <a16:colId xmlns:a16="http://schemas.microsoft.com/office/drawing/2014/main" val="3598291922"/>
+                    </a:ext>
+                  </a:extLst>
+                </a:gridCol>
+                <a:gridCol w="533400">
+                  <a:extLst>
+                    <a:ext uri="{9D8B030D-6E8A-4147-A177-3AD203B41FA5}">
+                      <a16:colId xmlns:a16="http://schemas.microsoft.com/office/drawing/2014/main" val="935697215"/>
+                    </a:ext>
+                  </a:extLst>
+                </a:gridCol>
+                <a:gridCol w="533400">
+                  <a:extLst>
+                    <a:ext uri="{9D8B030D-6E8A-4147-A177-3AD203B41FA5}">
+                      <a16:colId xmlns:a16="http://schemas.microsoft.com/office/drawing/2014/main" val="4223010688"/>
+                    </a:ext>
+                  </a:extLst>
+                </a:gridCol>
+                <a:gridCol w="533400">
+                  <a:extLst>
+                    <a:ext uri="{9D8B030D-6E8A-4147-A177-3AD203B41FA5}">
+                      <a16:colId xmlns:a16="http://schemas.microsoft.com/office/drawing/2014/main" val="612483188"/>
+                    </a:ext>
+                  </a:extLst>
+                </a:gridCol>
+                <a:gridCol w="533400">
+                  <a:extLst>
+                    <a:ext uri="{9D8B030D-6E8A-4147-A177-3AD203B41FA5}">
+                      <a16:colId xmlns:a16="http://schemas.microsoft.com/office/drawing/2014/main" val="2984073634"/>
+                    </a:ext>
+                  </a:extLst>
+                </a:gridCol>
+                <a:gridCol w="533400">
+                  <a:extLst>
+                    <a:ext uri="{9D8B030D-6E8A-4147-A177-3AD203B41FA5}">
+                      <a16:colId xmlns:a16="http://schemas.microsoft.com/office/drawing/2014/main" val="199695712"/>
+                    </a:ext>
+                  </a:extLst>
+                </a:gridCol>
+                <a:gridCol w="533400">
+                  <a:extLst>
+                    <a:ext uri="{9D8B030D-6E8A-4147-A177-3AD203B41FA5}">
+                      <a16:colId xmlns:a16="http://schemas.microsoft.com/office/drawing/2014/main" val="2389991020"/>
+                    </a:ext>
+                  </a:extLst>
+                </a:gridCol>
+                <a:gridCol w="533400">
+                  <a:extLst>
+                    <a:ext uri="{9D8B030D-6E8A-4147-A177-3AD203B41FA5}">
+                      <a16:colId xmlns:a16="http://schemas.microsoft.com/office/drawing/2014/main" val="2201244460"/>
+                    </a:ext>
+                  </a:extLst>
+                </a:gridCol>
+                <a:gridCol w="533400">
+                  <a:extLst>
+                    <a:ext uri="{9D8B030D-6E8A-4147-A177-3AD203B41FA5}">
+                      <a16:colId xmlns:a16="http://schemas.microsoft.com/office/drawing/2014/main" val="2730043443"/>
+                    </a:ext>
+                  </a:extLst>
+                </a:gridCol>
+                <a:gridCol w="533400">
+                  <a:extLst>
+                    <a:ext uri="{9D8B030D-6E8A-4147-A177-3AD203B41FA5}">
+                      <a16:colId xmlns:a16="http://schemas.microsoft.com/office/drawing/2014/main" val="2383015334"/>
+                    </a:ext>
+                  </a:extLst>
+                </a:gridCol>
+                <a:gridCol w="533400">
+                  <a:extLst>
+                    <a:ext uri="{9D8B030D-6E8A-4147-A177-3AD203B41FA5}">
+                      <a16:colId xmlns:a16="http://schemas.microsoft.com/office/drawing/2014/main" val="2809647001"/>
+                    </a:ext>
+                  </a:extLst>
+                </a:gridCol>
+                <a:gridCol w="533400">
+                  <a:extLst>
+                    <a:ext uri="{9D8B030D-6E8A-4147-A177-3AD203B41FA5}">
+                      <a16:colId xmlns:a16="http://schemas.microsoft.com/office/drawing/2014/main" val="3353828531"/>
+                    </a:ext>
+                  </a:extLst>
+                </a:gridCol>
+                <a:gridCol w="533400">
+                  <a:extLst>
+                    <a:ext uri="{9D8B030D-6E8A-4147-A177-3AD203B41FA5}">
+                      <a16:colId xmlns:a16="http://schemas.microsoft.com/office/drawing/2014/main" val="1100612767"/>
+                    </a:ext>
+                  </a:extLst>
+                </a:gridCol>
+                <a:gridCol w="533400">
+                  <a:extLst>
+                    <a:ext uri="{9D8B030D-6E8A-4147-A177-3AD203B41FA5}">
+                      <a16:colId xmlns:a16="http://schemas.microsoft.com/office/drawing/2014/main" val="3362473563"/>
+                    </a:ext>
+                  </a:extLst>
+                </a:gridCol>
+                <a:gridCol w="533400">
+                  <a:extLst>
+                    <a:ext uri="{9D8B030D-6E8A-4147-A177-3AD203B41FA5}">
+                      <a16:colId xmlns:a16="http://schemas.microsoft.com/office/drawing/2014/main" val="1741217027"/>
+                    </a:ext>
+                  </a:extLst>
+                </a:gridCol>
+                <a:gridCol w="533400">
+                  <a:extLst>
+                    <a:ext uri="{9D8B030D-6E8A-4147-A177-3AD203B41FA5}">
+                      <a16:colId xmlns:a16="http://schemas.microsoft.com/office/drawing/2014/main" val="1362134992"/>
+                    </a:ext>
+                  </a:extLst>
+                </a:gridCol>
+              </a:tblGrid>
+              <a:tr h="370840">
+                <a:tc>
+                  <a:txBody>
+                    <a:bodyPr/>
+                    <a:lstStyle/>
+                    <a:p>
+                      <a:endParaRPr lang="en-GB"/>
+                    </a:p>
+                  </a:txBody>
+                  <a:tcPr/>
+                </a:tc>
+                <a:tc>
+                  <a:txBody>
+                    <a:bodyPr/>
+                    <a:lstStyle/>
+                    <a:p>
+                      <a:endParaRPr lang="en-GB"/>
+                    </a:p>
+                  </a:txBody>
+                  <a:tcPr/>
+                </a:tc>
+                <a:tc>
+                  <a:txBody>
+                    <a:bodyPr/>
+                    <a:lstStyle/>
+                    <a:p>
+                      <a:endParaRPr lang="en-GB" dirty="0"/>
+                    </a:p>
+                  </a:txBody>
+                  <a:tcPr/>
+                </a:tc>
+                <a:tc>
+                  <a:txBody>
+                    <a:bodyPr/>
+                    <a:lstStyle/>
+                    <a:p>
+                      <a:endParaRPr lang="en-GB"/>
+                    </a:p>
+                  </a:txBody>
+                  <a:tcPr/>
+                </a:tc>
+                <a:tc>
+                  <a:txBody>
+                    <a:bodyPr/>
+                    <a:lstStyle/>
+                    <a:p>
+                      <a:endParaRPr lang="en-GB"/>
+                    </a:p>
+                  </a:txBody>
+                  <a:tcPr/>
+                </a:tc>
+                <a:tc>
+                  <a:txBody>
+                    <a:bodyPr/>
+                    <a:lstStyle/>
+                    <a:p>
+                      <a:endParaRPr lang="en-GB" dirty="0"/>
+                    </a:p>
+                  </a:txBody>
+                  <a:tcPr/>
+                </a:tc>
+                <a:tc>
+                  <a:txBody>
+                    <a:bodyPr/>
+                    <a:lstStyle/>
+                    <a:p>
+                      <a:endParaRPr lang="en-GB"/>
+                    </a:p>
+                  </a:txBody>
+                  <a:tcPr/>
+                </a:tc>
+                <a:tc>
+                  <a:txBody>
+                    <a:bodyPr/>
+                    <a:lstStyle/>
+                    <a:p>
+                      <a:endParaRPr lang="en-GB"/>
+                    </a:p>
+                  </a:txBody>
+                  <a:tcPr/>
+                </a:tc>
+                <a:tc>
+                  <a:txBody>
+                    <a:bodyPr/>
+                    <a:lstStyle/>
+                    <a:p>
+                      <a:endParaRPr lang="en-GB"/>
+                    </a:p>
+                  </a:txBody>
+                  <a:tcPr/>
+                </a:tc>
+                <a:tc>
+                  <a:txBody>
+                    <a:bodyPr/>
+                    <a:lstStyle/>
+                    <a:p>
+                      <a:endParaRPr lang="en-GB"/>
+                    </a:p>
+                  </a:txBody>
+                  <a:tcPr/>
+                </a:tc>
+                <a:tc>
+                  <a:txBody>
+                    <a:bodyPr/>
+                    <a:lstStyle/>
+                    <a:p>
+                      <a:endParaRPr lang="en-GB"/>
+                    </a:p>
+                  </a:txBody>
+                  <a:tcPr/>
+                </a:tc>
+                <a:tc>
+                  <a:txBody>
+                    <a:bodyPr/>
+                    <a:lstStyle/>
+                    <a:p>
+                      <a:endParaRPr lang="en-GB"/>
+                    </a:p>
+                  </a:txBody>
+                  <a:tcPr/>
+                </a:tc>
+                <a:tc>
+                  <a:txBody>
+                    <a:bodyPr/>
+                    <a:lstStyle/>
+                    <a:p>
+                      <a:endParaRPr lang="en-GB"/>
+                    </a:p>
+                  </a:txBody>
+                  <a:tcPr/>
+                </a:tc>
+                <a:tc>
+                  <a:txBody>
+                    <a:bodyPr/>
+                    <a:lstStyle/>
+                    <a:p>
+                      <a:endParaRPr lang="en-GB"/>
+                    </a:p>
+                  </a:txBody>
+                  <a:tcPr/>
+                </a:tc>
+                <a:tc>
+                  <a:txBody>
+                    <a:bodyPr/>
+                    <a:lstStyle/>
+                    <a:p>
+                      <a:endParaRPr lang="en-GB"/>
+                    </a:p>
+                  </a:txBody>
+                  <a:tcPr/>
+                </a:tc>
+                <a:tc>
+                  <a:txBody>
+                    <a:bodyPr/>
+                    <a:lstStyle/>
+                    <a:p>
+                      <a:endParaRPr lang="en-GB" dirty="0"/>
+                    </a:p>
+                  </a:txBody>
+                  <a:tcPr/>
+                </a:tc>
+                <a:extLst>
+                  <a:ext uri="{0D108BD9-81ED-4DB2-BD59-A6C34878D82A}">
+                    <a16:rowId xmlns:a16="http://schemas.microsoft.com/office/drawing/2014/main" val="2664154457"/>
+                  </a:ext>
+                </a:extLst>
+              </a:tr>
+            </a:tbl>
+          </a:graphicData>
+        </a:graphic>
+      </p:graphicFrame>
     </p:spTree>
     <p:extLst>
       <p:ext uri="{BB962C8B-B14F-4D97-AF65-F5344CB8AC3E}">
-        <p14:creationId xmlns:p14="http://schemas.microsoft.com/office/powerpoint/2010/main" val="1132502000"/>
+        <p14:creationId xmlns:p14="http://schemas.microsoft.com/office/powerpoint/2010/main" val="1059200759"/>
       </p:ext>
     </p:extLst>
   </p:cSld>
@@ -11908,7 +12223,7 @@
                 </a:solidFill>
                 <a:latin typeface="Calibri" pitchFamily="34" charset="0"/>
               </a:rPr>
-              <a:t>#. Register Machine</a:t>
+              <a:t>#. Stack Machine</a:t>
             </a:r>
           </a:p>
         </p:txBody>
@@ -12272,10 +12587,325 @@
           </a:p>
         </p:txBody>
       </p:sp>
+      <p:graphicFrame>
+        <p:nvGraphicFramePr>
+          <p:cNvPr id="2" name="Table 2">
+            <a:extLst>
+              <a:ext uri="{FF2B5EF4-FFF2-40B4-BE49-F238E27FC236}">
+                <a16:creationId xmlns:a16="http://schemas.microsoft.com/office/drawing/2014/main" id="{D217993B-DE8D-493C-AFB6-6238FC72C12C}"/>
+              </a:ext>
+            </a:extLst>
+          </p:cNvPr>
+          <p:cNvGraphicFramePr>
+            <a:graphicFrameLocks noGrp="1"/>
+          </p:cNvGraphicFramePr>
+          <p:nvPr>
+            <p:extLst>
+              <p:ext uri="{D42A27DB-BD31-4B8C-83A1-F6EECF244321}">
+                <p14:modId xmlns:p14="http://schemas.microsoft.com/office/powerpoint/2010/main" val="1807071102"/>
+              </p:ext>
+            </p:extLst>
+          </p:nvPr>
+        </p:nvGraphicFramePr>
+        <p:xfrm>
+          <a:off x="304800" y="1071545"/>
+          <a:ext cx="8534400" cy="370840"/>
+        </p:xfrm>
+        <a:graphic>
+          <a:graphicData uri="http://schemas.openxmlformats.org/drawingml/2006/table">
+            <a:tbl>
+              <a:tblPr>
+                <a:tableStyleId>{775DCB02-9BB8-47FD-8907-85C794F793BA}</a:tableStyleId>
+              </a:tblPr>
+              <a:tblGrid>
+                <a:gridCol w="533400">
+                  <a:extLst>
+                    <a:ext uri="{9D8B030D-6E8A-4147-A177-3AD203B41FA5}">
+                      <a16:colId xmlns:a16="http://schemas.microsoft.com/office/drawing/2014/main" val="3598291922"/>
+                    </a:ext>
+                  </a:extLst>
+                </a:gridCol>
+                <a:gridCol w="533400">
+                  <a:extLst>
+                    <a:ext uri="{9D8B030D-6E8A-4147-A177-3AD203B41FA5}">
+                      <a16:colId xmlns:a16="http://schemas.microsoft.com/office/drawing/2014/main" val="935697215"/>
+                    </a:ext>
+                  </a:extLst>
+                </a:gridCol>
+                <a:gridCol w="533400">
+                  <a:extLst>
+                    <a:ext uri="{9D8B030D-6E8A-4147-A177-3AD203B41FA5}">
+                      <a16:colId xmlns:a16="http://schemas.microsoft.com/office/drawing/2014/main" val="4223010688"/>
+                    </a:ext>
+                  </a:extLst>
+                </a:gridCol>
+                <a:gridCol w="533400">
+                  <a:extLst>
+                    <a:ext uri="{9D8B030D-6E8A-4147-A177-3AD203B41FA5}">
+                      <a16:colId xmlns:a16="http://schemas.microsoft.com/office/drawing/2014/main" val="612483188"/>
+                    </a:ext>
+                  </a:extLst>
+                </a:gridCol>
+                <a:gridCol w="533400">
+                  <a:extLst>
+                    <a:ext uri="{9D8B030D-6E8A-4147-A177-3AD203B41FA5}">
+                      <a16:colId xmlns:a16="http://schemas.microsoft.com/office/drawing/2014/main" val="2984073634"/>
+                    </a:ext>
+                  </a:extLst>
+                </a:gridCol>
+                <a:gridCol w="533400">
+                  <a:extLst>
+                    <a:ext uri="{9D8B030D-6E8A-4147-A177-3AD203B41FA5}">
+                      <a16:colId xmlns:a16="http://schemas.microsoft.com/office/drawing/2014/main" val="199695712"/>
+                    </a:ext>
+                  </a:extLst>
+                </a:gridCol>
+                <a:gridCol w="533400">
+                  <a:extLst>
+                    <a:ext uri="{9D8B030D-6E8A-4147-A177-3AD203B41FA5}">
+                      <a16:colId xmlns:a16="http://schemas.microsoft.com/office/drawing/2014/main" val="2389991020"/>
+                    </a:ext>
+                  </a:extLst>
+                </a:gridCol>
+                <a:gridCol w="533400">
+                  <a:extLst>
+                    <a:ext uri="{9D8B030D-6E8A-4147-A177-3AD203B41FA5}">
+                      <a16:colId xmlns:a16="http://schemas.microsoft.com/office/drawing/2014/main" val="2201244460"/>
+                    </a:ext>
+                  </a:extLst>
+                </a:gridCol>
+                <a:gridCol w="533400">
+                  <a:extLst>
+                    <a:ext uri="{9D8B030D-6E8A-4147-A177-3AD203B41FA5}">
+                      <a16:colId xmlns:a16="http://schemas.microsoft.com/office/drawing/2014/main" val="2730043443"/>
+                    </a:ext>
+                  </a:extLst>
+                </a:gridCol>
+                <a:gridCol w="533400">
+                  <a:extLst>
+                    <a:ext uri="{9D8B030D-6E8A-4147-A177-3AD203B41FA5}">
+                      <a16:colId xmlns:a16="http://schemas.microsoft.com/office/drawing/2014/main" val="2383015334"/>
+                    </a:ext>
+                  </a:extLst>
+                </a:gridCol>
+                <a:gridCol w="533400">
+                  <a:extLst>
+                    <a:ext uri="{9D8B030D-6E8A-4147-A177-3AD203B41FA5}">
+                      <a16:colId xmlns:a16="http://schemas.microsoft.com/office/drawing/2014/main" val="2809647001"/>
+                    </a:ext>
+                  </a:extLst>
+                </a:gridCol>
+                <a:gridCol w="533400">
+                  <a:extLst>
+                    <a:ext uri="{9D8B030D-6E8A-4147-A177-3AD203B41FA5}">
+                      <a16:colId xmlns:a16="http://schemas.microsoft.com/office/drawing/2014/main" val="3353828531"/>
+                    </a:ext>
+                  </a:extLst>
+                </a:gridCol>
+                <a:gridCol w="533400">
+                  <a:extLst>
+                    <a:ext uri="{9D8B030D-6E8A-4147-A177-3AD203B41FA5}">
+                      <a16:colId xmlns:a16="http://schemas.microsoft.com/office/drawing/2014/main" val="1100612767"/>
+                    </a:ext>
+                  </a:extLst>
+                </a:gridCol>
+                <a:gridCol w="533400">
+                  <a:extLst>
+                    <a:ext uri="{9D8B030D-6E8A-4147-A177-3AD203B41FA5}">
+                      <a16:colId xmlns:a16="http://schemas.microsoft.com/office/drawing/2014/main" val="3362473563"/>
+                    </a:ext>
+                  </a:extLst>
+                </a:gridCol>
+                <a:gridCol w="533400">
+                  <a:extLst>
+                    <a:ext uri="{9D8B030D-6E8A-4147-A177-3AD203B41FA5}">
+                      <a16:colId xmlns:a16="http://schemas.microsoft.com/office/drawing/2014/main" val="1741217027"/>
+                    </a:ext>
+                  </a:extLst>
+                </a:gridCol>
+                <a:gridCol w="533400">
+                  <a:extLst>
+                    <a:ext uri="{9D8B030D-6E8A-4147-A177-3AD203B41FA5}">
+                      <a16:colId xmlns:a16="http://schemas.microsoft.com/office/drawing/2014/main" val="1362134992"/>
+                    </a:ext>
+                  </a:extLst>
+                </a:gridCol>
+              </a:tblGrid>
+              <a:tr h="370840">
+                <a:tc>
+                  <a:txBody>
+                    <a:bodyPr/>
+                    <a:lstStyle/>
+                    <a:p>
+                      <a:endParaRPr lang="en-GB"/>
+                    </a:p>
+                  </a:txBody>
+                  <a:tcPr/>
+                </a:tc>
+                <a:tc>
+                  <a:txBody>
+                    <a:bodyPr/>
+                    <a:lstStyle/>
+                    <a:p>
+                      <a:endParaRPr lang="en-GB"/>
+                    </a:p>
+                  </a:txBody>
+                  <a:tcPr/>
+                </a:tc>
+                <a:tc>
+                  <a:txBody>
+                    <a:bodyPr/>
+                    <a:lstStyle/>
+                    <a:p>
+                      <a:endParaRPr lang="en-GB" dirty="0"/>
+                    </a:p>
+                  </a:txBody>
+                  <a:tcPr/>
+                </a:tc>
+                <a:tc>
+                  <a:txBody>
+                    <a:bodyPr/>
+                    <a:lstStyle/>
+                    <a:p>
+                      <a:endParaRPr lang="en-GB"/>
+                    </a:p>
+                  </a:txBody>
+                  <a:tcPr/>
+                </a:tc>
+                <a:tc>
+                  <a:txBody>
+                    <a:bodyPr/>
+                    <a:lstStyle/>
+                    <a:p>
+                      <a:endParaRPr lang="en-GB"/>
+                    </a:p>
+                  </a:txBody>
+                  <a:tcPr/>
+                </a:tc>
+                <a:tc>
+                  <a:txBody>
+                    <a:bodyPr/>
+                    <a:lstStyle/>
+                    <a:p>
+                      <a:endParaRPr lang="en-GB" dirty="0"/>
+                    </a:p>
+                  </a:txBody>
+                  <a:tcPr/>
+                </a:tc>
+                <a:tc>
+                  <a:txBody>
+                    <a:bodyPr/>
+                    <a:lstStyle/>
+                    <a:p>
+                      <a:endParaRPr lang="en-GB"/>
+                    </a:p>
+                  </a:txBody>
+                  <a:tcPr/>
+                </a:tc>
+                <a:tc>
+                  <a:txBody>
+                    <a:bodyPr/>
+                    <a:lstStyle/>
+                    <a:p>
+                      <a:endParaRPr lang="en-GB"/>
+                    </a:p>
+                  </a:txBody>
+                  <a:tcPr/>
+                </a:tc>
+                <a:tc>
+                  <a:txBody>
+                    <a:bodyPr/>
+                    <a:lstStyle/>
+                    <a:p>
+                      <a:endParaRPr lang="en-GB"/>
+                    </a:p>
+                  </a:txBody>
+                  <a:tcPr/>
+                </a:tc>
+                <a:tc>
+                  <a:txBody>
+                    <a:bodyPr/>
+                    <a:lstStyle/>
+                    <a:p>
+                      <a:endParaRPr lang="en-GB"/>
+                    </a:p>
+                  </a:txBody>
+                  <a:tcPr/>
+                </a:tc>
+                <a:tc>
+                  <a:txBody>
+                    <a:bodyPr/>
+                    <a:lstStyle/>
+                    <a:p>
+                      <a:endParaRPr lang="en-GB"/>
+                    </a:p>
+                  </a:txBody>
+                  <a:tcPr/>
+                </a:tc>
+                <a:tc>
+                  <a:txBody>
+                    <a:bodyPr/>
+                    <a:lstStyle/>
+                    <a:p>
+                      <a:endParaRPr lang="en-GB"/>
+                    </a:p>
+                  </a:txBody>
+                  <a:tcPr/>
+                </a:tc>
+                <a:tc>
+                  <a:txBody>
+                    <a:bodyPr/>
+                    <a:lstStyle/>
+                    <a:p>
+                      <a:endParaRPr lang="en-GB"/>
+                    </a:p>
+                  </a:txBody>
+                  <a:tcPr/>
+                </a:tc>
+                <a:tc>
+                  <a:txBody>
+                    <a:bodyPr/>
+                    <a:lstStyle/>
+                    <a:p>
+                      <a:endParaRPr lang="en-GB"/>
+                    </a:p>
+                  </a:txBody>
+                  <a:tcPr/>
+                </a:tc>
+                <a:tc>
+                  <a:txBody>
+                    <a:bodyPr/>
+                    <a:lstStyle/>
+                    <a:p>
+                      <a:endParaRPr lang="en-GB"/>
+                    </a:p>
+                  </a:txBody>
+                  <a:tcPr/>
+                </a:tc>
+                <a:tc>
+                  <a:txBody>
+                    <a:bodyPr/>
+                    <a:lstStyle/>
+                    <a:p>
+                      <a:endParaRPr lang="en-GB" dirty="0"/>
+                    </a:p>
+                  </a:txBody>
+                  <a:tcPr/>
+                </a:tc>
+                <a:extLst>
+                  <a:ext uri="{0D108BD9-81ED-4DB2-BD59-A6C34878D82A}">
+                    <a16:rowId xmlns:a16="http://schemas.microsoft.com/office/drawing/2014/main" val="2664154457"/>
+                  </a:ext>
+                </a:extLst>
+              </a:tr>
+            </a:tbl>
+          </a:graphicData>
+        </a:graphic>
+      </p:graphicFrame>
     </p:spTree>
     <p:extLst>
       <p:ext uri="{BB962C8B-B14F-4D97-AF65-F5344CB8AC3E}">
-        <p14:creationId xmlns:p14="http://schemas.microsoft.com/office/powerpoint/2010/main" val="1059200759"/>
+        <p14:creationId xmlns:p14="http://schemas.microsoft.com/office/powerpoint/2010/main" val="1132502000"/>
       </p:ext>
     </p:extLst>
   </p:cSld>

--- a/Imperial_College_29-01-2020/Presentation.pptx
+++ b/Imperial_College_29-01-2020/Presentation.pptx
@@ -227,7 +227,7 @@
             <a:fld id="{AF0EBDE4-2F5D-44B8-A009-F3B6D6C08125}" type="datetimeFigureOut">
               <a:rPr lang="en-US" smtClean="0"/>
               <a:pPr/>
-              <a:t>1/26/2020</a:t>
+              <a:t>1/27/2020</a:t>
             </a:fld>
             <a:endParaRPr lang="en-US" dirty="0"/>
           </a:p>
@@ -852,7 +852,7 @@
             <a:fld id="{1D8BD707-D9CF-40AE-B4C6-C98DA3205C09}" type="datetimeFigureOut">
               <a:rPr lang="en-US" smtClean="0"/>
               <a:pPr/>
-              <a:t>1/26/2020</a:t>
+              <a:t>1/27/2020</a:t>
             </a:fld>
             <a:endParaRPr lang="en-US" dirty="0"/>
           </a:p>
@@ -1041,7 +1041,7 @@
             <a:fld id="{1D8BD707-D9CF-40AE-B4C6-C98DA3205C09}" type="datetimeFigureOut">
               <a:rPr lang="en-US" smtClean="0"/>
               <a:pPr/>
-              <a:t>1/26/2020</a:t>
+              <a:t>1/27/2020</a:t>
             </a:fld>
             <a:endParaRPr lang="en-US" dirty="0"/>
           </a:p>
@@ -1240,7 +1240,7 @@
             <a:fld id="{1D8BD707-D9CF-40AE-B4C6-C98DA3205C09}" type="datetimeFigureOut">
               <a:rPr lang="en-US" smtClean="0"/>
               <a:pPr/>
-              <a:t>1/26/2020</a:t>
+              <a:t>1/27/2020</a:t>
             </a:fld>
             <a:endParaRPr lang="en-US" dirty="0"/>
           </a:p>
@@ -1429,7 +1429,7 @@
             <a:fld id="{1D8BD707-D9CF-40AE-B4C6-C98DA3205C09}" type="datetimeFigureOut">
               <a:rPr lang="en-US" smtClean="0"/>
               <a:pPr/>
-              <a:t>1/26/2020</a:t>
+              <a:t>1/27/2020</a:t>
             </a:fld>
             <a:endParaRPr lang="en-US" dirty="0"/>
           </a:p>
@@ -1695,7 +1695,7 @@
             <a:fld id="{1D8BD707-D9CF-40AE-B4C6-C98DA3205C09}" type="datetimeFigureOut">
               <a:rPr lang="en-US" smtClean="0"/>
               <a:pPr/>
-              <a:t>1/26/2020</a:t>
+              <a:t>1/27/2020</a:t>
             </a:fld>
             <a:endParaRPr lang="en-US" dirty="0"/>
           </a:p>
@@ -2001,7 +2001,7 @@
             <a:fld id="{1D8BD707-D9CF-40AE-B4C6-C98DA3205C09}" type="datetimeFigureOut">
               <a:rPr lang="en-US" smtClean="0"/>
               <a:pPr/>
-              <a:t>1/26/2020</a:t>
+              <a:t>1/27/2020</a:t>
             </a:fld>
             <a:endParaRPr lang="en-US" dirty="0"/>
           </a:p>
@@ -2441,7 +2441,7 @@
             <a:fld id="{1D8BD707-D9CF-40AE-B4C6-C98DA3205C09}" type="datetimeFigureOut">
               <a:rPr lang="en-US" smtClean="0"/>
               <a:pPr/>
-              <a:t>1/26/2020</a:t>
+              <a:t>1/27/2020</a:t>
             </a:fld>
             <a:endParaRPr lang="en-US" dirty="0"/>
           </a:p>
@@ -2579,7 +2579,7 @@
             <a:fld id="{1D8BD707-D9CF-40AE-B4C6-C98DA3205C09}" type="datetimeFigureOut">
               <a:rPr lang="en-US" smtClean="0"/>
               <a:pPr/>
-              <a:t>1/26/2020</a:t>
+              <a:t>1/27/2020</a:t>
             </a:fld>
             <a:endParaRPr lang="en-US" dirty="0"/>
           </a:p>
@@ -2695,7 +2695,7 @@
             <a:fld id="{1D8BD707-D9CF-40AE-B4C6-C98DA3205C09}" type="datetimeFigureOut">
               <a:rPr lang="en-US" smtClean="0"/>
               <a:pPr/>
-              <a:t>1/26/2020</a:t>
+              <a:t>1/27/2020</a:t>
             </a:fld>
             <a:endParaRPr lang="en-US" dirty="0"/>
           </a:p>
@@ -2991,7 +2991,7 @@
             <a:fld id="{1D8BD707-D9CF-40AE-B4C6-C98DA3205C09}" type="datetimeFigureOut">
               <a:rPr lang="en-US" smtClean="0"/>
               <a:pPr/>
-              <a:t>1/26/2020</a:t>
+              <a:t>1/27/2020</a:t>
             </a:fld>
             <a:endParaRPr lang="en-US" dirty="0"/>
           </a:p>
@@ -3264,7 +3264,7 @@
             <a:fld id="{1D8BD707-D9CF-40AE-B4C6-C98DA3205C09}" type="datetimeFigureOut">
               <a:rPr lang="en-US" smtClean="0"/>
               <a:pPr/>
-              <a:t>1/26/2020</a:t>
+              <a:t>1/27/2020</a:t>
             </a:fld>
             <a:endParaRPr lang="en-US" dirty="0"/>
           </a:p>
@@ -10153,9 +10153,21 @@
                 <a:solidFill>
                   <a:schemeClr val="bg1"/>
                 </a:solidFill>
+                <a:hlinkClick r:id="rId3">
+                  <a:extLst>
+                    <a:ext uri="{A12FA001-AC4F-418D-AE19-62706E023703}">
+                      <ahyp:hlinkClr xmlns:ahyp="http://schemas.microsoft.com/office/drawing/2018/hyperlinkcolor" val="tx"/>
+                    </a:ext>
+                  </a:extLst>
+                </a:hlinkClick>
               </a:rPr>
               <a:t>ASM.JS </a:t>
             </a:r>
+            <a:endParaRPr lang="en-US" dirty="0">
+              <a:solidFill>
+                <a:schemeClr val="bg1"/>
+              </a:solidFill>
+            </a:endParaRPr>
           </a:p>
         </p:txBody>
       </p:sp>

--- a/Imperial_College_29-01-2020/Presentation.pptx
+++ b/Imperial_College_29-01-2020/Presentation.pptx
@@ -5,7 +5,7 @@
     <p:sldMasterId id="2147483648" r:id="rId1"/>
   </p:sldMasterIdLst>
   <p:notesMasterIdLst>
-    <p:notesMasterId r:id="rId22"/>
+    <p:notesMasterId r:id="rId24"/>
   </p:notesMasterIdLst>
   <p:sldIdLst>
     <p:sldId id="272" r:id="rId2"/>
@@ -16,18 +16,20 @@
     <p:sldId id="394" r:id="rId7"/>
     <p:sldId id="386" r:id="rId8"/>
     <p:sldId id="389" r:id="rId9"/>
-    <p:sldId id="387" r:id="rId10"/>
-    <p:sldId id="378" r:id="rId11"/>
-    <p:sldId id="390" r:id="rId12"/>
-    <p:sldId id="376" r:id="rId13"/>
-    <p:sldId id="379" r:id="rId14"/>
-    <p:sldId id="380" r:id="rId15"/>
-    <p:sldId id="398" r:id="rId16"/>
-    <p:sldId id="383" r:id="rId17"/>
-    <p:sldId id="384" r:id="rId18"/>
-    <p:sldId id="388" r:id="rId19"/>
-    <p:sldId id="385" r:id="rId20"/>
-    <p:sldId id="375" r:id="rId21"/>
+    <p:sldId id="378" r:id="rId10"/>
+    <p:sldId id="400" r:id="rId11"/>
+    <p:sldId id="399" r:id="rId12"/>
+    <p:sldId id="387" r:id="rId13"/>
+    <p:sldId id="390" r:id="rId14"/>
+    <p:sldId id="376" r:id="rId15"/>
+    <p:sldId id="379" r:id="rId16"/>
+    <p:sldId id="380" r:id="rId17"/>
+    <p:sldId id="398" r:id="rId18"/>
+    <p:sldId id="383" r:id="rId19"/>
+    <p:sldId id="384" r:id="rId20"/>
+    <p:sldId id="388" r:id="rId21"/>
+    <p:sldId id="385" r:id="rId22"/>
+    <p:sldId id="375" r:id="rId23"/>
   </p:sldIdLst>
   <p:sldSz cx="9144000" cy="6858000" type="screen4x3"/>
   <p:notesSz cx="7099300" cy="10234613"/>
@@ -656,6 +658,91 @@
     <p:extLst>
       <p:ext uri="{BB962C8B-B14F-4D97-AF65-F5344CB8AC3E}">
         <p14:creationId xmlns:p14="http://schemas.microsoft.com/office/powerpoint/2010/main" val="328414794"/>
+      </p:ext>
+    </p:extLst>
+  </p:cSld>
+  <p:clrMapOvr>
+    <a:masterClrMapping/>
+  </p:clrMapOvr>
+</p:notes>
+</file>
+
+<file path=ppt/notesSlides/notesSlide3.xml><?xml version="1.0" encoding="utf-8"?>
+<p:notes xmlns:a="http://schemas.openxmlformats.org/drawingml/2006/main" xmlns:r="http://schemas.openxmlformats.org/officeDocument/2006/relationships" xmlns:p="http://schemas.openxmlformats.org/presentationml/2006/main">
+  <p:cSld>
+    <p:spTree>
+      <p:nvGrpSpPr>
+        <p:cNvPr id="1" name=""/>
+        <p:cNvGrpSpPr/>
+        <p:nvPr/>
+      </p:nvGrpSpPr>
+      <p:grpSpPr>
+        <a:xfrm>
+          <a:off x="0" y="0"/>
+          <a:ext cx="0" cy="0"/>
+          <a:chOff x="0" y="0"/>
+          <a:chExt cx="0" cy="0"/>
+        </a:xfrm>
+      </p:grpSpPr>
+      <p:sp>
+        <p:nvSpPr>
+          <p:cNvPr id="2" name="Slide Image Placeholder 1"/>
+          <p:cNvSpPr>
+            <a:spLocks noGrp="1" noRot="1" noChangeAspect="1"/>
+          </p:cNvSpPr>
+          <p:nvPr>
+            <p:ph type="sldImg"/>
+          </p:nvPr>
+        </p:nvSpPr>
+        <p:spPr/>
+      </p:sp>
+      <p:sp>
+        <p:nvSpPr>
+          <p:cNvPr id="3" name="Notes Placeholder 2"/>
+          <p:cNvSpPr>
+            <a:spLocks noGrp="1"/>
+          </p:cNvSpPr>
+          <p:nvPr>
+            <p:ph type="body" idx="1"/>
+          </p:nvPr>
+        </p:nvSpPr>
+        <p:spPr/>
+        <p:txBody>
+          <a:bodyPr/>
+          <a:lstStyle/>
+          <a:p>
+            <a:endParaRPr lang="en-GB" dirty="0"/>
+          </a:p>
+        </p:txBody>
+      </p:sp>
+      <p:sp>
+        <p:nvSpPr>
+          <p:cNvPr id="4" name="Slide Number Placeholder 3"/>
+          <p:cNvSpPr>
+            <a:spLocks noGrp="1"/>
+          </p:cNvSpPr>
+          <p:nvPr>
+            <p:ph type="sldNum" sz="quarter" idx="5"/>
+          </p:nvPr>
+        </p:nvSpPr>
+        <p:spPr/>
+        <p:txBody>
+          <a:bodyPr/>
+          <a:lstStyle/>
+          <a:p>
+            <a:fld id="{7D71AAC9-F2E6-42BA-828B-CBF2EF78092F}" type="slidenum">
+              <a:rPr lang="en-US" smtClean="0"/>
+              <a:pPr/>
+              <a:t>10</a:t>
+            </a:fld>
+            <a:endParaRPr lang="en-US" dirty="0"/>
+          </a:p>
+        </p:txBody>
+      </p:sp>
+    </p:spTree>
+    <p:extLst>
+      <p:ext uri="{BB962C8B-B14F-4D97-AF65-F5344CB8AC3E}">
+        <p14:creationId xmlns:p14="http://schemas.microsoft.com/office/powerpoint/2010/main" val="2934767996"/>
       </p:ext>
     </p:extLst>
   </p:cSld>
@@ -4096,7 +4183,7 @@
                 </a:solidFill>
                 <a:latin typeface="Calibri" pitchFamily="34" charset="0"/>
               </a:rPr>
-              <a:t>#. Register Machine</a:t>
+              <a:t>#. Stack Machine</a:t>
             </a:r>
           </a:p>
         </p:txBody>
@@ -4460,6 +4547,752 @@
           </a:p>
         </p:txBody>
       </p:sp>
+      <p:sp>
+        <p:nvSpPr>
+          <p:cNvPr id="3" name="Rectangle: Rounded Corners 2">
+            <a:extLst>
+              <a:ext uri="{FF2B5EF4-FFF2-40B4-BE49-F238E27FC236}">
+                <a16:creationId xmlns:a16="http://schemas.microsoft.com/office/drawing/2014/main" id="{4EA69101-7EF6-4472-82BD-E60065B76373}"/>
+              </a:ext>
+            </a:extLst>
+          </p:cNvPr>
+          <p:cNvSpPr/>
+          <p:nvPr/>
+        </p:nvSpPr>
+        <p:spPr>
+          <a:xfrm>
+            <a:off x="609600" y="2381249"/>
+            <a:ext cx="1219200" cy="381000"/>
+          </a:xfrm>
+          <a:prstGeom prst="roundRect">
+            <a:avLst/>
+          </a:prstGeom>
+        </p:spPr>
+        <p:style>
+          <a:lnRef idx="2">
+            <a:schemeClr val="accent1">
+              <a:shade val="50000"/>
+            </a:schemeClr>
+          </a:lnRef>
+          <a:fillRef idx="1">
+            <a:schemeClr val="accent1"/>
+          </a:fillRef>
+          <a:effectRef idx="0">
+            <a:schemeClr val="accent1"/>
+          </a:effectRef>
+          <a:fontRef idx="minor">
+            <a:schemeClr val="lt1"/>
+          </a:fontRef>
+        </p:style>
+        <p:txBody>
+          <a:bodyPr rtlCol="0" anchor="ctr"/>
+          <a:lstStyle/>
+          <a:p>
+            <a:pPr algn="ctr"/>
+            <a:r>
+              <a:rPr lang="en-GB" dirty="0"/>
+              <a:t>REG_SP</a:t>
+            </a:r>
+          </a:p>
+        </p:txBody>
+      </p:sp>
+      <p:sp>
+        <p:nvSpPr>
+          <p:cNvPr id="9" name="Rectangle: Rounded Corners 8">
+            <a:extLst>
+              <a:ext uri="{FF2B5EF4-FFF2-40B4-BE49-F238E27FC236}">
+                <a16:creationId xmlns:a16="http://schemas.microsoft.com/office/drawing/2014/main" id="{D30BAC9F-071E-4F0B-B930-5A9951ED5D58}"/>
+              </a:ext>
+            </a:extLst>
+          </p:cNvPr>
+          <p:cNvSpPr/>
+          <p:nvPr/>
+        </p:nvSpPr>
+        <p:spPr>
+          <a:xfrm>
+            <a:off x="609600" y="3048000"/>
+            <a:ext cx="1219200" cy="381000"/>
+          </a:xfrm>
+          <a:prstGeom prst="roundRect">
+            <a:avLst/>
+          </a:prstGeom>
+        </p:spPr>
+        <p:style>
+          <a:lnRef idx="2">
+            <a:schemeClr val="accent1">
+              <a:shade val="50000"/>
+            </a:schemeClr>
+          </a:lnRef>
+          <a:fillRef idx="1">
+            <a:schemeClr val="accent1"/>
+          </a:fillRef>
+          <a:effectRef idx="0">
+            <a:schemeClr val="accent1"/>
+          </a:effectRef>
+          <a:fontRef idx="minor">
+            <a:schemeClr val="lt1"/>
+          </a:fontRef>
+        </p:style>
+        <p:txBody>
+          <a:bodyPr rtlCol="0" anchor="ctr"/>
+          <a:lstStyle/>
+          <a:p>
+            <a:pPr algn="ctr"/>
+            <a:r>
+              <a:rPr lang="en-GB" dirty="0"/>
+              <a:t>REG_BP</a:t>
+            </a:r>
+          </a:p>
+        </p:txBody>
+      </p:sp>
+      <p:sp>
+        <p:nvSpPr>
+          <p:cNvPr id="12" name="TextBox 11">
+            <a:extLst>
+              <a:ext uri="{FF2B5EF4-FFF2-40B4-BE49-F238E27FC236}">
+                <a16:creationId xmlns:a16="http://schemas.microsoft.com/office/drawing/2014/main" id="{75B4779D-F76E-4D3C-BC39-F8E44DECE9CA}"/>
+              </a:ext>
+            </a:extLst>
+          </p:cNvPr>
+          <p:cNvSpPr txBox="1"/>
+          <p:nvPr/>
+        </p:nvSpPr>
+        <p:spPr>
+          <a:xfrm>
+            <a:off x="3200400" y="1039279"/>
+            <a:ext cx="3962400" cy="4801314"/>
+          </a:xfrm>
+          <a:prstGeom prst="rect">
+            <a:avLst/>
+          </a:prstGeom>
+          <a:noFill/>
+        </p:spPr>
+        <p:txBody>
+          <a:bodyPr wrap="square" rtlCol="0">
+            <a:spAutoFit/>
+          </a:bodyPr>
+          <a:lstStyle/>
+          <a:p>
+            <a:r>
+              <a:rPr lang="en-GB" dirty="0">
+                <a:solidFill>
+                  <a:schemeClr val="bg1"/>
+                </a:solidFill>
+              </a:rPr>
+              <a:t>Push a literal value onto the Stack:</a:t>
+            </a:r>
+          </a:p>
+          <a:p>
+            <a:r>
+              <a:rPr lang="en-GB" dirty="0">
+                <a:solidFill>
+                  <a:schemeClr val="bg1"/>
+                </a:solidFill>
+              </a:rPr>
+              <a:t>	push 0x0A</a:t>
+            </a:r>
+          </a:p>
+          <a:p>
+            <a:r>
+              <a:rPr lang="en-GB" dirty="0">
+                <a:solidFill>
+                  <a:schemeClr val="bg1"/>
+                </a:solidFill>
+              </a:rPr>
+              <a:t>	push 0x20</a:t>
+            </a:r>
+          </a:p>
+          <a:p>
+            <a:endParaRPr lang="en-GB" dirty="0">
+              <a:solidFill>
+                <a:schemeClr val="bg1"/>
+              </a:solidFill>
+            </a:endParaRPr>
+          </a:p>
+          <a:p>
+            <a:r>
+              <a:rPr lang="en-GB" dirty="0">
+                <a:solidFill>
+                  <a:schemeClr val="bg1"/>
+                </a:solidFill>
+              </a:rPr>
+              <a:t>Call a subroutine </a:t>
+            </a:r>
+          </a:p>
+          <a:p>
+            <a:r>
+              <a:rPr lang="en-GB" dirty="0">
+                <a:solidFill>
+                  <a:schemeClr val="bg1"/>
+                </a:solidFill>
+              </a:rPr>
+              <a:t>       		call </a:t>
+            </a:r>
+            <a:r>
+              <a:rPr lang="en-GB" dirty="0" err="1">
+                <a:solidFill>
+                  <a:schemeClr val="bg1"/>
+                </a:solidFill>
+              </a:rPr>
+              <a:t>pushValues</a:t>
+            </a:r>
+            <a:endParaRPr lang="en-GB" dirty="0">
+              <a:solidFill>
+                <a:schemeClr val="bg1"/>
+              </a:solidFill>
+            </a:endParaRPr>
+          </a:p>
+          <a:p>
+            <a:r>
+              <a:rPr lang="en-GB" dirty="0">
+                <a:solidFill>
+                  <a:schemeClr val="bg1"/>
+                </a:solidFill>
+              </a:rPr>
+              <a:t>		pop </a:t>
+            </a:r>
+          </a:p>
+          <a:p>
+            <a:r>
+              <a:rPr lang="en-GB" dirty="0">
+                <a:solidFill>
+                  <a:schemeClr val="bg1"/>
+                </a:solidFill>
+              </a:rPr>
+              <a:t>	</a:t>
+            </a:r>
+            <a:r>
+              <a:rPr lang="en-GB" dirty="0" err="1">
+                <a:solidFill>
+                  <a:schemeClr val="bg1"/>
+                </a:solidFill>
+              </a:rPr>
+              <a:t>pushValues</a:t>
+            </a:r>
+            <a:r>
+              <a:rPr lang="en-GB" dirty="0">
+                <a:solidFill>
+                  <a:schemeClr val="bg1"/>
+                </a:solidFill>
+              </a:rPr>
+              <a:t>:</a:t>
+            </a:r>
+          </a:p>
+          <a:p>
+            <a:r>
+              <a:rPr lang="en-GB" dirty="0">
+                <a:solidFill>
+                  <a:schemeClr val="bg1"/>
+                </a:solidFill>
+              </a:rPr>
+              <a:t>		push 0x0A</a:t>
+            </a:r>
+          </a:p>
+          <a:p>
+            <a:r>
+              <a:rPr lang="en-GB" dirty="0">
+                <a:solidFill>
+                  <a:schemeClr val="bg1"/>
+                </a:solidFill>
+              </a:rPr>
+              <a:t>		push 0x20</a:t>
+            </a:r>
+          </a:p>
+          <a:p>
+            <a:r>
+              <a:rPr lang="en-GB" dirty="0">
+                <a:solidFill>
+                  <a:schemeClr val="bg1"/>
+                </a:solidFill>
+              </a:rPr>
+              <a:t>		ret</a:t>
+            </a:r>
+          </a:p>
+          <a:p>
+            <a:endParaRPr lang="en-GB" dirty="0">
+              <a:solidFill>
+                <a:schemeClr val="bg1"/>
+              </a:solidFill>
+            </a:endParaRPr>
+          </a:p>
+          <a:p>
+            <a:r>
+              <a:rPr lang="en-GB" dirty="0">
+                <a:solidFill>
+                  <a:schemeClr val="bg1"/>
+                </a:solidFill>
+              </a:rPr>
+              <a:t>Simple program:</a:t>
+            </a:r>
+          </a:p>
+          <a:p>
+            <a:r>
+              <a:rPr lang="en-GB" dirty="0">
+                <a:solidFill>
+                  <a:schemeClr val="bg1"/>
+                </a:solidFill>
+              </a:rPr>
+              <a:t>	push 0x0A</a:t>
+            </a:r>
+          </a:p>
+          <a:p>
+            <a:r>
+              <a:rPr lang="en-GB" dirty="0">
+                <a:solidFill>
+                  <a:schemeClr val="bg1"/>
+                </a:solidFill>
+              </a:rPr>
+              <a:t>	push 0x20</a:t>
+            </a:r>
+          </a:p>
+          <a:p>
+            <a:r>
+              <a:rPr lang="en-GB" dirty="0">
+                <a:solidFill>
+                  <a:schemeClr val="bg1"/>
+                </a:solidFill>
+              </a:rPr>
+              <a:t>	add</a:t>
+            </a:r>
+          </a:p>
+          <a:p>
+            <a:endParaRPr lang="en-GB" dirty="0">
+              <a:solidFill>
+                <a:schemeClr val="bg1"/>
+              </a:solidFill>
+            </a:endParaRPr>
+          </a:p>
+        </p:txBody>
+      </p:sp>
+    </p:spTree>
+    <p:extLst>
+      <p:ext uri="{BB962C8B-B14F-4D97-AF65-F5344CB8AC3E}">
+        <p14:creationId xmlns:p14="http://schemas.microsoft.com/office/powerpoint/2010/main" val="3805074390"/>
+      </p:ext>
+    </p:extLst>
+  </p:cSld>
+  <p:clrMapOvr>
+    <a:masterClrMapping/>
+  </p:clrMapOvr>
+</p:sld>
+</file>
+
+<file path=ppt/slides/slide11.xml><?xml version="1.0" encoding="utf-8"?>
+<p:sld xmlns:a="http://schemas.openxmlformats.org/drawingml/2006/main" xmlns:r="http://schemas.openxmlformats.org/officeDocument/2006/relationships" xmlns:p="http://schemas.openxmlformats.org/presentationml/2006/main">
+  <p:cSld>
+    <p:spTree>
+      <p:nvGrpSpPr>
+        <p:cNvPr id="1" name=""/>
+        <p:cNvGrpSpPr/>
+        <p:nvPr/>
+      </p:nvGrpSpPr>
+      <p:grpSpPr>
+        <a:xfrm>
+          <a:off x="0" y="0"/>
+          <a:ext cx="0" cy="0"/>
+          <a:chOff x="0" y="0"/>
+          <a:chExt cx="0" cy="0"/>
+        </a:xfrm>
+      </p:grpSpPr>
+      <p:sp>
+        <p:nvSpPr>
+          <p:cNvPr id="5" name="Title 1"/>
+          <p:cNvSpPr>
+            <a:spLocks noGrp="1"/>
+          </p:cNvSpPr>
+          <p:nvPr>
+            <p:ph type="title"/>
+          </p:nvPr>
+        </p:nvSpPr>
+        <p:spPr>
+          <a:xfrm>
+            <a:off x="457200" y="274638"/>
+            <a:ext cx="8229600" cy="511156"/>
+          </a:xfrm>
+        </p:spPr>
+        <p:txBody>
+          <a:bodyPr>
+            <a:noAutofit/>
+          </a:bodyPr>
+          <a:lstStyle/>
+          <a:p>
+            <a:pPr fontAlgn="base">
+              <a:spcAft>
+                <a:spcPct val="0"/>
+              </a:spcAft>
+              <a:defRPr/>
+            </a:pPr>
+            <a:r>
+              <a:rPr lang="en-GB" sz="4000" kern="0" dirty="0">
+                <a:solidFill>
+                  <a:srgbClr val="0098D4"/>
+                </a:solidFill>
+                <a:latin typeface="Calibri" pitchFamily="34" charset="0"/>
+              </a:rPr>
+              <a:t>#. Register Machine</a:t>
+            </a:r>
+          </a:p>
+        </p:txBody>
+      </p:sp>
+      <p:sp>
+        <p:nvSpPr>
+          <p:cNvPr id="6" name="Content Placeholder 2"/>
+          <p:cNvSpPr txBox="1">
+            <a:spLocks/>
+          </p:cNvSpPr>
+          <p:nvPr/>
+        </p:nvSpPr>
+        <p:spPr>
+          <a:xfrm>
+            <a:off x="457200" y="1071545"/>
+            <a:ext cx="8229600" cy="4857785"/>
+          </a:xfrm>
+          <a:prstGeom prst="rect">
+            <a:avLst/>
+          </a:prstGeom>
+        </p:spPr>
+        <p:txBody>
+          <a:bodyPr vert="horz" lIns="91440" tIns="45720" rIns="91440" bIns="45720" rtlCol="0">
+            <a:normAutofit/>
+          </a:bodyPr>
+          <a:lstStyle>
+            <a:lvl1pPr marL="0" indent="0" algn="l" defTabSz="914400" rtl="0" eaLnBrk="1" latinLnBrk="0" hangingPunct="1">
+              <a:spcBef>
+                <a:spcPct val="20000"/>
+              </a:spcBef>
+              <a:buFont typeface="Arial" pitchFamily="34" charset="0"/>
+              <a:buNone/>
+              <a:defRPr sz="3200" kern="1200">
+                <a:solidFill>
+                  <a:schemeClr val="tx1"/>
+                </a:solidFill>
+                <a:latin typeface="+mn-lt"/>
+                <a:ea typeface="+mn-ea"/>
+                <a:cs typeface="+mn-cs"/>
+              </a:defRPr>
+            </a:lvl1pPr>
+            <a:lvl2pPr marL="457200" indent="0" algn="l" defTabSz="914400" rtl="0" eaLnBrk="1" latinLnBrk="0" hangingPunct="1">
+              <a:spcBef>
+                <a:spcPct val="20000"/>
+              </a:spcBef>
+              <a:buFont typeface="Arial" pitchFamily="34" charset="0"/>
+              <a:buNone/>
+              <a:defRPr sz="2800" kern="1200">
+                <a:solidFill>
+                  <a:schemeClr val="tx1"/>
+                </a:solidFill>
+                <a:latin typeface="+mn-lt"/>
+                <a:ea typeface="+mn-ea"/>
+                <a:cs typeface="+mn-cs"/>
+              </a:defRPr>
+            </a:lvl2pPr>
+            <a:lvl3pPr marL="914400" indent="0" algn="l" defTabSz="914400" rtl="0" eaLnBrk="1" latinLnBrk="0" hangingPunct="1">
+              <a:spcBef>
+                <a:spcPct val="20000"/>
+              </a:spcBef>
+              <a:buFont typeface="Arial" pitchFamily="34" charset="0"/>
+              <a:buNone/>
+              <a:defRPr sz="2400" kern="1200">
+                <a:solidFill>
+                  <a:schemeClr val="tx1"/>
+                </a:solidFill>
+                <a:latin typeface="+mn-lt"/>
+                <a:ea typeface="+mn-ea"/>
+                <a:cs typeface="+mn-cs"/>
+              </a:defRPr>
+            </a:lvl3pPr>
+            <a:lvl4pPr marL="1371600" indent="0" algn="l" defTabSz="914400" rtl="0" eaLnBrk="1" latinLnBrk="0" hangingPunct="1">
+              <a:spcBef>
+                <a:spcPct val="20000"/>
+              </a:spcBef>
+              <a:buFont typeface="Arial" pitchFamily="34" charset="0"/>
+              <a:buNone/>
+              <a:defRPr sz="2000" kern="1200">
+                <a:solidFill>
+                  <a:schemeClr val="tx1"/>
+                </a:solidFill>
+                <a:latin typeface="+mn-lt"/>
+                <a:ea typeface="+mn-ea"/>
+                <a:cs typeface="+mn-cs"/>
+              </a:defRPr>
+            </a:lvl4pPr>
+            <a:lvl5pPr marL="1828800" indent="0" algn="l" defTabSz="914400" rtl="0" eaLnBrk="1" latinLnBrk="0" hangingPunct="1">
+              <a:spcBef>
+                <a:spcPct val="20000"/>
+              </a:spcBef>
+              <a:buFont typeface="Arial" pitchFamily="34" charset="0"/>
+              <a:buNone/>
+              <a:defRPr sz="2000" kern="1200">
+                <a:solidFill>
+                  <a:schemeClr val="tx1"/>
+                </a:solidFill>
+                <a:latin typeface="+mn-lt"/>
+                <a:ea typeface="+mn-ea"/>
+                <a:cs typeface="+mn-cs"/>
+              </a:defRPr>
+            </a:lvl5pPr>
+            <a:lvl6pPr marL="2286000" indent="0" algn="l" defTabSz="914400" rtl="0" eaLnBrk="1" latinLnBrk="0" hangingPunct="1">
+              <a:spcBef>
+                <a:spcPct val="20000"/>
+              </a:spcBef>
+              <a:buFont typeface="Arial" pitchFamily="34" charset="0"/>
+              <a:buNone/>
+              <a:defRPr sz="2000" kern="1200">
+                <a:solidFill>
+                  <a:schemeClr val="tx1"/>
+                </a:solidFill>
+                <a:latin typeface="+mn-lt"/>
+                <a:ea typeface="+mn-ea"/>
+                <a:cs typeface="+mn-cs"/>
+              </a:defRPr>
+            </a:lvl6pPr>
+            <a:lvl7pPr marL="2743200" indent="0" algn="l" defTabSz="914400" rtl="0" eaLnBrk="1" latinLnBrk="0" hangingPunct="1">
+              <a:spcBef>
+                <a:spcPct val="20000"/>
+              </a:spcBef>
+              <a:buFont typeface="Arial" pitchFamily="34" charset="0"/>
+              <a:buNone/>
+              <a:defRPr sz="2000" kern="1200">
+                <a:solidFill>
+                  <a:schemeClr val="tx1"/>
+                </a:solidFill>
+                <a:latin typeface="+mn-lt"/>
+                <a:ea typeface="+mn-ea"/>
+                <a:cs typeface="+mn-cs"/>
+              </a:defRPr>
+            </a:lvl7pPr>
+            <a:lvl8pPr marL="3200400" indent="0" algn="l" defTabSz="914400" rtl="0" eaLnBrk="1" latinLnBrk="0" hangingPunct="1">
+              <a:spcBef>
+                <a:spcPct val="20000"/>
+              </a:spcBef>
+              <a:buFont typeface="Arial" pitchFamily="34" charset="0"/>
+              <a:buNone/>
+              <a:defRPr sz="2000" kern="1200">
+                <a:solidFill>
+                  <a:schemeClr val="tx1"/>
+                </a:solidFill>
+                <a:latin typeface="+mn-lt"/>
+                <a:ea typeface="+mn-ea"/>
+                <a:cs typeface="+mn-cs"/>
+              </a:defRPr>
+            </a:lvl8pPr>
+            <a:lvl9pPr marL="3657600" indent="0" algn="l" defTabSz="914400" rtl="0" eaLnBrk="1" latinLnBrk="0" hangingPunct="1">
+              <a:spcBef>
+                <a:spcPct val="20000"/>
+              </a:spcBef>
+              <a:buFont typeface="Arial" pitchFamily="34" charset="0"/>
+              <a:buNone/>
+              <a:defRPr sz="2000" kern="1200">
+                <a:solidFill>
+                  <a:schemeClr val="tx1"/>
+                </a:solidFill>
+                <a:latin typeface="+mn-lt"/>
+                <a:ea typeface="+mn-ea"/>
+                <a:cs typeface="+mn-cs"/>
+              </a:defRPr>
+            </a:lvl9pPr>
+          </a:lstStyle>
+          <a:p>
+            <a:pPr marL="571500" indent="-571500">
+              <a:buFont typeface="Arial" panose="020B0604020202020204" pitchFamily="34" charset="0"/>
+              <a:buChar char="•"/>
+            </a:pPr>
+            <a:endParaRPr lang="en-GB" dirty="0">
+              <a:solidFill>
+                <a:schemeClr val="bg1"/>
+              </a:solidFill>
+            </a:endParaRPr>
+          </a:p>
+        </p:txBody>
+      </p:sp>
+      <p:sp>
+        <p:nvSpPr>
+          <p:cNvPr id="4" name="Content Placeholder 2">
+            <a:extLst>
+              <a:ext uri="{FF2B5EF4-FFF2-40B4-BE49-F238E27FC236}">
+                <a16:creationId xmlns:a16="http://schemas.microsoft.com/office/drawing/2014/main" id="{91C127C4-019D-4816-9ECF-D243EFA4189D}"/>
+              </a:ext>
+            </a:extLst>
+          </p:cNvPr>
+          <p:cNvSpPr txBox="1">
+            <a:spLocks/>
+          </p:cNvSpPr>
+          <p:nvPr/>
+        </p:nvSpPr>
+        <p:spPr>
+          <a:xfrm>
+            <a:off x="609600" y="1223945"/>
+            <a:ext cx="8229600" cy="4857785"/>
+          </a:xfrm>
+          <a:prstGeom prst="rect">
+            <a:avLst/>
+          </a:prstGeom>
+        </p:spPr>
+        <p:txBody>
+          <a:bodyPr vert="horz" lIns="91440" tIns="45720" rIns="91440" bIns="45720" rtlCol="0">
+            <a:normAutofit/>
+          </a:bodyPr>
+          <a:lstStyle>
+            <a:lvl1pPr marL="0" indent="0" algn="l" defTabSz="914400" rtl="0" eaLnBrk="1" latinLnBrk="0" hangingPunct="1">
+              <a:spcBef>
+                <a:spcPct val="20000"/>
+              </a:spcBef>
+              <a:buFont typeface="Arial" pitchFamily="34" charset="0"/>
+              <a:buNone/>
+              <a:defRPr sz="3200" kern="1200">
+                <a:solidFill>
+                  <a:schemeClr val="tx1"/>
+                </a:solidFill>
+                <a:latin typeface="+mn-lt"/>
+                <a:ea typeface="+mn-ea"/>
+                <a:cs typeface="+mn-cs"/>
+              </a:defRPr>
+            </a:lvl1pPr>
+            <a:lvl2pPr marL="457200" indent="0" algn="l" defTabSz="914400" rtl="0" eaLnBrk="1" latinLnBrk="0" hangingPunct="1">
+              <a:spcBef>
+                <a:spcPct val="20000"/>
+              </a:spcBef>
+              <a:buFont typeface="Arial" pitchFamily="34" charset="0"/>
+              <a:buNone/>
+              <a:defRPr sz="2800" kern="1200">
+                <a:solidFill>
+                  <a:schemeClr val="tx1"/>
+                </a:solidFill>
+                <a:latin typeface="+mn-lt"/>
+                <a:ea typeface="+mn-ea"/>
+                <a:cs typeface="+mn-cs"/>
+              </a:defRPr>
+            </a:lvl2pPr>
+            <a:lvl3pPr marL="914400" indent="0" algn="l" defTabSz="914400" rtl="0" eaLnBrk="1" latinLnBrk="0" hangingPunct="1">
+              <a:spcBef>
+                <a:spcPct val="20000"/>
+              </a:spcBef>
+              <a:buFont typeface="Arial" pitchFamily="34" charset="0"/>
+              <a:buNone/>
+              <a:defRPr sz="2400" kern="1200">
+                <a:solidFill>
+                  <a:schemeClr val="tx1"/>
+                </a:solidFill>
+                <a:latin typeface="+mn-lt"/>
+                <a:ea typeface="+mn-ea"/>
+                <a:cs typeface="+mn-cs"/>
+              </a:defRPr>
+            </a:lvl3pPr>
+            <a:lvl4pPr marL="1371600" indent="0" algn="l" defTabSz="914400" rtl="0" eaLnBrk="1" latinLnBrk="0" hangingPunct="1">
+              <a:spcBef>
+                <a:spcPct val="20000"/>
+              </a:spcBef>
+              <a:buFont typeface="Arial" pitchFamily="34" charset="0"/>
+              <a:buNone/>
+              <a:defRPr sz="2000" kern="1200">
+                <a:solidFill>
+                  <a:schemeClr val="tx1"/>
+                </a:solidFill>
+                <a:latin typeface="+mn-lt"/>
+                <a:ea typeface="+mn-ea"/>
+                <a:cs typeface="+mn-cs"/>
+              </a:defRPr>
+            </a:lvl4pPr>
+            <a:lvl5pPr marL="1828800" indent="0" algn="l" defTabSz="914400" rtl="0" eaLnBrk="1" latinLnBrk="0" hangingPunct="1">
+              <a:spcBef>
+                <a:spcPct val="20000"/>
+              </a:spcBef>
+              <a:buFont typeface="Arial" pitchFamily="34" charset="0"/>
+              <a:buNone/>
+              <a:defRPr sz="2000" kern="1200">
+                <a:solidFill>
+                  <a:schemeClr val="tx1"/>
+                </a:solidFill>
+                <a:latin typeface="+mn-lt"/>
+                <a:ea typeface="+mn-ea"/>
+                <a:cs typeface="+mn-cs"/>
+              </a:defRPr>
+            </a:lvl5pPr>
+            <a:lvl6pPr marL="2286000" indent="0" algn="l" defTabSz="914400" rtl="0" eaLnBrk="1" latinLnBrk="0" hangingPunct="1">
+              <a:spcBef>
+                <a:spcPct val="20000"/>
+              </a:spcBef>
+              <a:buFont typeface="Arial" pitchFamily="34" charset="0"/>
+              <a:buNone/>
+              <a:defRPr sz="2000" kern="1200">
+                <a:solidFill>
+                  <a:schemeClr val="tx1"/>
+                </a:solidFill>
+                <a:latin typeface="+mn-lt"/>
+                <a:ea typeface="+mn-ea"/>
+                <a:cs typeface="+mn-cs"/>
+              </a:defRPr>
+            </a:lvl6pPr>
+            <a:lvl7pPr marL="2743200" indent="0" algn="l" defTabSz="914400" rtl="0" eaLnBrk="1" latinLnBrk="0" hangingPunct="1">
+              <a:spcBef>
+                <a:spcPct val="20000"/>
+              </a:spcBef>
+              <a:buFont typeface="Arial" pitchFamily="34" charset="0"/>
+              <a:buNone/>
+              <a:defRPr sz="2000" kern="1200">
+                <a:solidFill>
+                  <a:schemeClr val="tx1"/>
+                </a:solidFill>
+                <a:latin typeface="+mn-lt"/>
+                <a:ea typeface="+mn-ea"/>
+                <a:cs typeface="+mn-cs"/>
+              </a:defRPr>
+            </a:lvl7pPr>
+            <a:lvl8pPr marL="3200400" indent="0" algn="l" defTabSz="914400" rtl="0" eaLnBrk="1" latinLnBrk="0" hangingPunct="1">
+              <a:spcBef>
+                <a:spcPct val="20000"/>
+              </a:spcBef>
+              <a:buFont typeface="Arial" pitchFamily="34" charset="0"/>
+              <a:buNone/>
+              <a:defRPr sz="2000" kern="1200">
+                <a:solidFill>
+                  <a:schemeClr val="tx1"/>
+                </a:solidFill>
+                <a:latin typeface="+mn-lt"/>
+                <a:ea typeface="+mn-ea"/>
+                <a:cs typeface="+mn-cs"/>
+              </a:defRPr>
+            </a:lvl8pPr>
+            <a:lvl9pPr marL="3657600" indent="0" algn="l" defTabSz="914400" rtl="0" eaLnBrk="1" latinLnBrk="0" hangingPunct="1">
+              <a:spcBef>
+                <a:spcPct val="20000"/>
+              </a:spcBef>
+              <a:buFont typeface="Arial" pitchFamily="34" charset="0"/>
+              <a:buNone/>
+              <a:defRPr sz="2000" kern="1200">
+                <a:solidFill>
+                  <a:schemeClr val="tx1"/>
+                </a:solidFill>
+                <a:latin typeface="+mn-lt"/>
+                <a:ea typeface="+mn-ea"/>
+                <a:cs typeface="+mn-cs"/>
+              </a:defRPr>
+            </a:lvl9pPr>
+          </a:lstStyle>
+          <a:p>
+            <a:pPr marL="571500" indent="-571500">
+              <a:buFont typeface="Arial" panose="020B0604020202020204" pitchFamily="34" charset="0"/>
+              <a:buChar char="•"/>
+            </a:pPr>
+            <a:endParaRPr lang="en-GB" dirty="0">
+              <a:solidFill>
+                <a:schemeClr val="bg1"/>
+              </a:solidFill>
+            </a:endParaRPr>
+          </a:p>
+          <a:p>
+            <a:pPr marL="571500" indent="-571500">
+              <a:buFont typeface="Arial" panose="020B0604020202020204" pitchFamily="34" charset="0"/>
+              <a:buChar char="•"/>
+            </a:pPr>
+            <a:endParaRPr lang="en-US" dirty="0">
+              <a:solidFill>
+                <a:schemeClr val="bg1"/>
+              </a:solidFill>
+            </a:endParaRPr>
+          </a:p>
+        </p:txBody>
+      </p:sp>
       <p:graphicFrame>
         <p:nvGraphicFramePr>
           <p:cNvPr id="7" name="Table 2">
@@ -4472,13 +5305,7 @@
           <p:cNvGraphicFramePr>
             <a:graphicFrameLocks noGrp="1"/>
           </p:cNvGraphicFramePr>
-          <p:nvPr>
-            <p:extLst>
-              <p:ext uri="{D42A27DB-BD31-4B8C-83A1-F6EECF244321}">
-                <p14:modId xmlns:p14="http://schemas.microsoft.com/office/powerpoint/2010/main" val="760102969"/>
-              </p:ext>
-            </p:extLst>
-          </p:nvPr>
+          <p:nvPr/>
         </p:nvGraphicFramePr>
         <p:xfrm>
           <a:off x="304800" y="1071545"/>
@@ -4610,7 +5437,7 @@
                     <a:bodyPr/>
                     <a:lstStyle/>
                     <a:p>
-                      <a:endParaRPr lang="en-GB"/>
+                      <a:endParaRPr lang="en-GB" dirty="0"/>
                     </a:p>
                   </a:txBody>
                   <a:tcPr/>
@@ -4775,253 +5602,12 @@
           </a:graphicData>
         </a:graphic>
       </p:graphicFrame>
-    </p:spTree>
-    <p:extLst>
-      <p:ext uri="{BB962C8B-B14F-4D97-AF65-F5344CB8AC3E}">
-        <p14:creationId xmlns:p14="http://schemas.microsoft.com/office/powerpoint/2010/main" val="1059200759"/>
-      </p:ext>
-    </p:extLst>
-  </p:cSld>
-  <p:clrMapOvr>
-    <a:masterClrMapping/>
-  </p:clrMapOvr>
-</p:sld>
-</file>
-
-<file path=ppt/slides/slide11.xml><?xml version="1.0" encoding="utf-8"?>
-<p:sld xmlns:a="http://schemas.openxmlformats.org/drawingml/2006/main" xmlns:r="http://schemas.openxmlformats.org/officeDocument/2006/relationships" xmlns:p="http://schemas.openxmlformats.org/presentationml/2006/main">
-  <p:cSld>
-    <p:spTree>
-      <p:nvGrpSpPr>
-        <p:cNvPr id="1" name=""/>
-        <p:cNvGrpSpPr/>
-        <p:nvPr/>
-      </p:nvGrpSpPr>
-      <p:grpSpPr>
-        <a:xfrm>
-          <a:off x="0" y="0"/>
-          <a:ext cx="0" cy="0"/>
-          <a:chOff x="0" y="0"/>
-          <a:chExt cx="0" cy="0"/>
-        </a:xfrm>
-      </p:grpSpPr>
       <p:sp>
         <p:nvSpPr>
-          <p:cNvPr id="5" name="Title 1"/>
-          <p:cNvSpPr>
-            <a:spLocks noGrp="1"/>
-          </p:cNvSpPr>
-          <p:nvPr>
-            <p:ph type="title"/>
-          </p:nvPr>
-        </p:nvSpPr>
-        <p:spPr>
-          <a:xfrm>
-            <a:off x="457200" y="274638"/>
-            <a:ext cx="8229600" cy="511156"/>
-          </a:xfrm>
-        </p:spPr>
-        <p:txBody>
-          <a:bodyPr>
-            <a:noAutofit/>
-          </a:bodyPr>
-          <a:lstStyle/>
-          <a:p>
-            <a:pPr fontAlgn="base">
-              <a:spcAft>
-                <a:spcPct val="0"/>
-              </a:spcAft>
-              <a:defRPr/>
-            </a:pPr>
-            <a:r>
-              <a:rPr lang="en-GB" sz="4000" kern="0" dirty="0">
-                <a:solidFill>
-                  <a:srgbClr val="0098D4"/>
-                </a:solidFill>
-                <a:latin typeface="Calibri" pitchFamily="34" charset="0"/>
-              </a:rPr>
-              <a:t>#. Register Machine</a:t>
-            </a:r>
-          </a:p>
-        </p:txBody>
-      </p:sp>
-      <p:sp>
-        <p:nvSpPr>
-          <p:cNvPr id="6" name="Content Placeholder 2"/>
-          <p:cNvSpPr txBox="1">
-            <a:spLocks/>
-          </p:cNvSpPr>
-          <p:nvPr/>
-        </p:nvSpPr>
-        <p:spPr>
-          <a:xfrm>
-            <a:off x="457200" y="1071545"/>
-            <a:ext cx="8229600" cy="4857785"/>
-          </a:xfrm>
-          <a:prstGeom prst="rect">
-            <a:avLst/>
-          </a:prstGeom>
-        </p:spPr>
-        <p:txBody>
-          <a:bodyPr vert="horz" lIns="91440" tIns="45720" rIns="91440" bIns="45720" rtlCol="0">
-            <a:normAutofit/>
-          </a:bodyPr>
-          <a:lstStyle>
-            <a:lvl1pPr marL="0" indent="0" algn="l" defTabSz="914400" rtl="0" eaLnBrk="1" latinLnBrk="0" hangingPunct="1">
-              <a:spcBef>
-                <a:spcPct val="20000"/>
-              </a:spcBef>
-              <a:buFont typeface="Arial" pitchFamily="34" charset="0"/>
-              <a:buNone/>
-              <a:defRPr sz="3200" kern="1200">
-                <a:solidFill>
-                  <a:schemeClr val="tx1"/>
-                </a:solidFill>
-                <a:latin typeface="+mn-lt"/>
-                <a:ea typeface="+mn-ea"/>
-                <a:cs typeface="+mn-cs"/>
-              </a:defRPr>
-            </a:lvl1pPr>
-            <a:lvl2pPr marL="457200" indent="0" algn="l" defTabSz="914400" rtl="0" eaLnBrk="1" latinLnBrk="0" hangingPunct="1">
-              <a:spcBef>
-                <a:spcPct val="20000"/>
-              </a:spcBef>
-              <a:buFont typeface="Arial" pitchFamily="34" charset="0"/>
-              <a:buNone/>
-              <a:defRPr sz="2800" kern="1200">
-                <a:solidFill>
-                  <a:schemeClr val="tx1"/>
-                </a:solidFill>
-                <a:latin typeface="+mn-lt"/>
-                <a:ea typeface="+mn-ea"/>
-                <a:cs typeface="+mn-cs"/>
-              </a:defRPr>
-            </a:lvl2pPr>
-            <a:lvl3pPr marL="914400" indent="0" algn="l" defTabSz="914400" rtl="0" eaLnBrk="1" latinLnBrk="0" hangingPunct="1">
-              <a:spcBef>
-                <a:spcPct val="20000"/>
-              </a:spcBef>
-              <a:buFont typeface="Arial" pitchFamily="34" charset="0"/>
-              <a:buNone/>
-              <a:defRPr sz="2400" kern="1200">
-                <a:solidFill>
-                  <a:schemeClr val="tx1"/>
-                </a:solidFill>
-                <a:latin typeface="+mn-lt"/>
-                <a:ea typeface="+mn-ea"/>
-                <a:cs typeface="+mn-cs"/>
-              </a:defRPr>
-            </a:lvl3pPr>
-            <a:lvl4pPr marL="1371600" indent="0" algn="l" defTabSz="914400" rtl="0" eaLnBrk="1" latinLnBrk="0" hangingPunct="1">
-              <a:spcBef>
-                <a:spcPct val="20000"/>
-              </a:spcBef>
-              <a:buFont typeface="Arial" pitchFamily="34" charset="0"/>
-              <a:buNone/>
-              <a:defRPr sz="2000" kern="1200">
-                <a:solidFill>
-                  <a:schemeClr val="tx1"/>
-                </a:solidFill>
-                <a:latin typeface="+mn-lt"/>
-                <a:ea typeface="+mn-ea"/>
-                <a:cs typeface="+mn-cs"/>
-              </a:defRPr>
-            </a:lvl4pPr>
-            <a:lvl5pPr marL="1828800" indent="0" algn="l" defTabSz="914400" rtl="0" eaLnBrk="1" latinLnBrk="0" hangingPunct="1">
-              <a:spcBef>
-                <a:spcPct val="20000"/>
-              </a:spcBef>
-              <a:buFont typeface="Arial" pitchFamily="34" charset="0"/>
-              <a:buNone/>
-              <a:defRPr sz="2000" kern="1200">
-                <a:solidFill>
-                  <a:schemeClr val="tx1"/>
-                </a:solidFill>
-                <a:latin typeface="+mn-lt"/>
-                <a:ea typeface="+mn-ea"/>
-                <a:cs typeface="+mn-cs"/>
-              </a:defRPr>
-            </a:lvl5pPr>
-            <a:lvl6pPr marL="2286000" indent="0" algn="l" defTabSz="914400" rtl="0" eaLnBrk="1" latinLnBrk="0" hangingPunct="1">
-              <a:spcBef>
-                <a:spcPct val="20000"/>
-              </a:spcBef>
-              <a:buFont typeface="Arial" pitchFamily="34" charset="0"/>
-              <a:buNone/>
-              <a:defRPr sz="2000" kern="1200">
-                <a:solidFill>
-                  <a:schemeClr val="tx1"/>
-                </a:solidFill>
-                <a:latin typeface="+mn-lt"/>
-                <a:ea typeface="+mn-ea"/>
-                <a:cs typeface="+mn-cs"/>
-              </a:defRPr>
-            </a:lvl6pPr>
-            <a:lvl7pPr marL="2743200" indent="0" algn="l" defTabSz="914400" rtl="0" eaLnBrk="1" latinLnBrk="0" hangingPunct="1">
-              <a:spcBef>
-                <a:spcPct val="20000"/>
-              </a:spcBef>
-              <a:buFont typeface="Arial" pitchFamily="34" charset="0"/>
-              <a:buNone/>
-              <a:defRPr sz="2000" kern="1200">
-                <a:solidFill>
-                  <a:schemeClr val="tx1"/>
-                </a:solidFill>
-                <a:latin typeface="+mn-lt"/>
-                <a:ea typeface="+mn-ea"/>
-                <a:cs typeface="+mn-cs"/>
-              </a:defRPr>
-            </a:lvl7pPr>
-            <a:lvl8pPr marL="3200400" indent="0" algn="l" defTabSz="914400" rtl="0" eaLnBrk="1" latinLnBrk="0" hangingPunct="1">
-              <a:spcBef>
-                <a:spcPct val="20000"/>
-              </a:spcBef>
-              <a:buFont typeface="Arial" pitchFamily="34" charset="0"/>
-              <a:buNone/>
-              <a:defRPr sz="2000" kern="1200">
-                <a:solidFill>
-                  <a:schemeClr val="tx1"/>
-                </a:solidFill>
-                <a:latin typeface="+mn-lt"/>
-                <a:ea typeface="+mn-ea"/>
-                <a:cs typeface="+mn-cs"/>
-              </a:defRPr>
-            </a:lvl8pPr>
-            <a:lvl9pPr marL="3657600" indent="0" algn="l" defTabSz="914400" rtl="0" eaLnBrk="1" latinLnBrk="0" hangingPunct="1">
-              <a:spcBef>
-                <a:spcPct val="20000"/>
-              </a:spcBef>
-              <a:buFont typeface="Arial" pitchFamily="34" charset="0"/>
-              <a:buNone/>
-              <a:defRPr sz="2000" kern="1200">
-                <a:solidFill>
-                  <a:schemeClr val="tx1"/>
-                </a:solidFill>
-                <a:latin typeface="+mn-lt"/>
-                <a:ea typeface="+mn-ea"/>
-                <a:cs typeface="+mn-cs"/>
-              </a:defRPr>
-            </a:lvl9pPr>
-          </a:lstStyle>
-          <a:p>
-            <a:pPr marL="571500" indent="-571500">
-              <a:buFont typeface="Arial" panose="020B0604020202020204" pitchFamily="34" charset="0"/>
-              <a:buChar char="•"/>
-            </a:pPr>
-            <a:endParaRPr lang="en-GB" dirty="0">
-              <a:solidFill>
-                <a:schemeClr val="bg1"/>
-              </a:solidFill>
-            </a:endParaRPr>
-          </a:p>
-        </p:txBody>
-      </p:sp>
-      <p:sp>
-        <p:nvSpPr>
-          <p:cNvPr id="4" name="Content Placeholder 2">
+          <p:cNvPr id="8" name="Content Placeholder 2">
             <a:extLst>
               <a:ext uri="{FF2B5EF4-FFF2-40B4-BE49-F238E27FC236}">
-                <a16:creationId xmlns:a16="http://schemas.microsoft.com/office/drawing/2014/main" id="{91C127C4-019D-4816-9ECF-D243EFA4189D}"/>
+                <a16:creationId xmlns:a16="http://schemas.microsoft.com/office/drawing/2014/main" id="{1FDEED7D-E8A8-4A8D-AEC7-F377DF7EB41B}"/>
               </a:ext>
             </a:extLst>
           </p:cNvPr>
@@ -5032,8 +5618,8 @@
         </p:nvSpPr>
         <p:spPr>
           <a:xfrm>
-            <a:off x="609600" y="1223945"/>
-            <a:ext cx="8229600" cy="4857785"/>
+            <a:off x="397629" y="1728136"/>
+            <a:ext cx="8117721" cy="4791745"/>
           </a:xfrm>
           <a:prstGeom prst="rect">
             <a:avLst/>
@@ -5181,72 +5767,28 @@
             </a:lvl9pPr>
           </a:lstStyle>
           <a:p>
-            <a:pPr marL="571500" indent="-571500">
-              <a:buFont typeface="Arial" panose="020B0604020202020204" pitchFamily="34" charset="0"/>
-              <a:buChar char="•"/>
-            </a:pPr>
+            <a:r>
+              <a:rPr lang="en-GB" dirty="0">
+                <a:solidFill>
+                  <a:schemeClr val="bg1"/>
+                </a:solidFill>
+              </a:rPr>
+              <a:t>MOV 0,10</a:t>
+            </a:r>
+          </a:p>
+          <a:p>
             <a:endParaRPr lang="en-GB" dirty="0">
               <a:solidFill>
                 <a:schemeClr val="bg1"/>
               </a:solidFill>
             </a:endParaRPr>
           </a:p>
-          <a:p>
-            <a:pPr marL="571500" indent="-571500">
-              <a:buFont typeface="Arial" panose="020B0604020202020204" pitchFamily="34" charset="0"/>
-              <a:buChar char="•"/>
-            </a:pPr>
-            <a:endParaRPr lang="en-US" dirty="0">
-              <a:solidFill>
-                <a:schemeClr val="bg1"/>
-              </a:solidFill>
-            </a:endParaRPr>
-          </a:p>
-        </p:txBody>
-      </p:sp>
-      <p:sp>
-        <p:nvSpPr>
-          <p:cNvPr id="2" name="TextBox 1">
-            <a:extLst>
-              <a:ext uri="{FF2B5EF4-FFF2-40B4-BE49-F238E27FC236}">
-                <a16:creationId xmlns:a16="http://schemas.microsoft.com/office/drawing/2014/main" id="{0B1DCBE0-C301-4738-B027-2A8BA3AF572B}"/>
-              </a:ext>
-            </a:extLst>
-          </p:cNvPr>
-          <p:cNvSpPr txBox="1"/>
-          <p:nvPr/>
-        </p:nvSpPr>
-        <p:spPr>
-          <a:xfrm>
-            <a:off x="1749868" y="3244334"/>
-            <a:ext cx="5949064" cy="369332"/>
-          </a:xfrm>
-          <a:prstGeom prst="rect">
-            <a:avLst/>
-          </a:prstGeom>
-          <a:noFill/>
-        </p:spPr>
-        <p:txBody>
-          <a:bodyPr wrap="none" rtlCol="0">
-            <a:spAutoFit/>
-          </a:bodyPr>
-          <a:lstStyle/>
-          <a:p>
-            <a:r>
-              <a:rPr lang="en-GB" dirty="0">
-                <a:solidFill>
-                  <a:schemeClr val="bg1"/>
-                </a:solidFill>
-              </a:rPr>
-              <a:t>Register Machine can simulate stack machines and vice versa </a:t>
-            </a:r>
-          </a:p>
         </p:txBody>
       </p:sp>
     </p:spTree>
     <p:extLst>
       <p:ext uri="{BB962C8B-B14F-4D97-AF65-F5344CB8AC3E}">
-        <p14:creationId xmlns:p14="http://schemas.microsoft.com/office/powerpoint/2010/main" val="1304178095"/>
+        <p14:creationId xmlns:p14="http://schemas.microsoft.com/office/powerpoint/2010/main" val="1832393142"/>
       </p:ext>
     </p:extLst>
   </p:cSld>
@@ -5308,7 +5850,7 @@
                 </a:solidFill>
                 <a:latin typeface="Calibri" pitchFamily="34" charset="0"/>
               </a:rPr>
-              <a:t>#. Virtual Machine</a:t>
+              <a:t>#. Stack Machine</a:t>
             </a:r>
           </a:p>
         </p:txBody>
@@ -5472,10 +6014,36 @@
             </a:lvl9pPr>
           </a:lstStyle>
           <a:p>
-            <a:pPr marL="571500" indent="-571500">
-              <a:buFont typeface="Arial" panose="020B0604020202020204" pitchFamily="34" charset="0"/>
-              <a:buChar char="•"/>
-            </a:pPr>
+            <a:r>
+              <a:rPr lang="en-GB" dirty="0">
+                <a:solidFill>
+                  <a:schemeClr val="bg1"/>
+                </a:solidFill>
+              </a:rPr>
+              <a:t>PUSH 10</a:t>
+            </a:r>
+          </a:p>
+          <a:p>
+            <a:r>
+              <a:rPr lang="en-GB" dirty="0">
+                <a:solidFill>
+                  <a:schemeClr val="bg1"/>
+                </a:solidFill>
+              </a:rPr>
+              <a:t>PUSH 32</a:t>
+            </a:r>
+          </a:p>
+          <a:p>
+            <a:r>
+              <a:rPr lang="en-GB" dirty="0">
+                <a:solidFill>
+                  <a:schemeClr val="bg1"/>
+                </a:solidFill>
+              </a:rPr>
+              <a:t>ADD</a:t>
+            </a:r>
+          </a:p>
+          <a:p>
             <a:endParaRPr lang="en-GB" dirty="0">
               <a:solidFill>
                 <a:schemeClr val="bg1"/>
@@ -5486,10 +6054,10 @@
       </p:sp>
       <p:sp>
         <p:nvSpPr>
-          <p:cNvPr id="4" name="Content Placeholder 2">
+          <p:cNvPr id="7" name="Content Placeholder 2">
             <a:extLst>
               <a:ext uri="{FF2B5EF4-FFF2-40B4-BE49-F238E27FC236}">
-                <a16:creationId xmlns:a16="http://schemas.microsoft.com/office/drawing/2014/main" id="{91C127C4-019D-4816-9ECF-D243EFA4189D}"/>
+                <a16:creationId xmlns:a16="http://schemas.microsoft.com/office/drawing/2014/main" id="{2955B0F2-5A95-499C-AC64-2BE3C86964A2}"/>
               </a:ext>
             </a:extLst>
           </p:cNvPr>
@@ -5500,8 +6068,8 @@
         </p:nvSpPr>
         <p:spPr>
           <a:xfrm>
-            <a:off x="609600" y="1223945"/>
-            <a:ext cx="8229600" cy="4857785"/>
+            <a:off x="152400" y="914401"/>
+            <a:ext cx="6553200" cy="5157805"/>
           </a:xfrm>
           <a:prstGeom prst="rect">
             <a:avLst/>
@@ -5649,21 +6217,6 @@
             </a:lvl9pPr>
           </a:lstStyle>
           <a:p>
-            <a:pPr marL="571500" indent="-571500">
-              <a:buFont typeface="Arial" panose="020B0604020202020204" pitchFamily="34" charset="0"/>
-              <a:buChar char="•"/>
-            </a:pPr>
-            <a:endParaRPr lang="en-GB" dirty="0">
-              <a:solidFill>
-                <a:schemeClr val="bg1"/>
-              </a:solidFill>
-            </a:endParaRPr>
-          </a:p>
-          <a:p>
-            <a:pPr marL="571500" indent="-571500">
-              <a:buFont typeface="Arial" panose="020B0604020202020204" pitchFamily="34" charset="0"/>
-              <a:buChar char="•"/>
-            </a:pPr>
             <a:endParaRPr lang="en-US" dirty="0">
               <a:solidFill>
                 <a:schemeClr val="bg1"/>
@@ -5675,7 +6228,7 @@
     </p:spTree>
     <p:extLst>
       <p:ext uri="{BB962C8B-B14F-4D97-AF65-F5344CB8AC3E}">
-        <p14:creationId xmlns:p14="http://schemas.microsoft.com/office/powerpoint/2010/main" val="1894145740"/>
+        <p14:creationId xmlns:p14="http://schemas.microsoft.com/office/powerpoint/2010/main" val="1132502000"/>
       </p:ext>
     </p:extLst>
   </p:cSld>
@@ -5737,7 +6290,7 @@
                 </a:solidFill>
                 <a:latin typeface="Calibri" pitchFamily="34" charset="0"/>
               </a:rPr>
-              <a:t>#. Machine / Byte Code</a:t>
+              <a:t>#. Register Machine</a:t>
             </a:r>
           </a:p>
         </p:txBody>
@@ -6101,10 +6654,49 @@
           </a:p>
         </p:txBody>
       </p:sp>
+      <p:sp>
+        <p:nvSpPr>
+          <p:cNvPr id="2" name="TextBox 1">
+            <a:extLst>
+              <a:ext uri="{FF2B5EF4-FFF2-40B4-BE49-F238E27FC236}">
+                <a16:creationId xmlns:a16="http://schemas.microsoft.com/office/drawing/2014/main" id="{0B1DCBE0-C301-4738-B027-2A8BA3AF572B}"/>
+              </a:ext>
+            </a:extLst>
+          </p:cNvPr>
+          <p:cNvSpPr txBox="1"/>
+          <p:nvPr/>
+        </p:nvSpPr>
+        <p:spPr>
+          <a:xfrm>
+            <a:off x="1749868" y="3244334"/>
+            <a:ext cx="5949064" cy="369332"/>
+          </a:xfrm>
+          <a:prstGeom prst="rect">
+            <a:avLst/>
+          </a:prstGeom>
+          <a:noFill/>
+        </p:spPr>
+        <p:txBody>
+          <a:bodyPr wrap="none" rtlCol="0">
+            <a:spAutoFit/>
+          </a:bodyPr>
+          <a:lstStyle/>
+          <a:p>
+            <a:r>
+              <a:rPr lang="en-GB" dirty="0">
+                <a:solidFill>
+                  <a:schemeClr val="bg1"/>
+                </a:solidFill>
+              </a:rPr>
+              <a:t>Register Machine can simulate stack machines and vice versa </a:t>
+            </a:r>
+          </a:p>
+        </p:txBody>
+      </p:sp>
     </p:spTree>
     <p:extLst>
       <p:ext uri="{BB962C8B-B14F-4D97-AF65-F5344CB8AC3E}">
-        <p14:creationId xmlns:p14="http://schemas.microsoft.com/office/powerpoint/2010/main" val="758859454"/>
+        <p14:creationId xmlns:p14="http://schemas.microsoft.com/office/powerpoint/2010/main" val="1304178095"/>
       </p:ext>
     </p:extLst>
   </p:cSld>
@@ -6166,7 +6758,7 @@
                 </a:solidFill>
                 <a:latin typeface="Calibri" pitchFamily="34" charset="0"/>
               </a:rPr>
-              <a:t>#. LLVM (Low Level Virtual Machine)</a:t>
+              <a:t>#. Virtual Machine</a:t>
             </a:r>
           </a:p>
         </p:txBody>
@@ -6533,7 +7125,7 @@
     </p:spTree>
     <p:extLst>
       <p:ext uri="{BB962C8B-B14F-4D97-AF65-F5344CB8AC3E}">
-        <p14:creationId xmlns:p14="http://schemas.microsoft.com/office/powerpoint/2010/main" val="2951858699"/>
+        <p14:creationId xmlns:p14="http://schemas.microsoft.com/office/powerpoint/2010/main" val="1894145740"/>
       </p:ext>
     </p:extLst>
   </p:cSld>
@@ -6595,926 +7187,374 @@
                 </a:solidFill>
                 <a:latin typeface="Calibri" pitchFamily="34" charset="0"/>
               </a:rPr>
-              <a:t>#. WASM under the hood </a:t>
+              <a:t>#. Machine / Byte Code</a:t>
             </a:r>
           </a:p>
         </p:txBody>
       </p:sp>
       <p:sp>
         <p:nvSpPr>
-          <p:cNvPr id="51" name="Rectangle: Rounded Corners 50">
-            <a:extLst>
-              <a:ext uri="{FF2B5EF4-FFF2-40B4-BE49-F238E27FC236}">
-                <a16:creationId xmlns:a16="http://schemas.microsoft.com/office/drawing/2014/main" id="{4518D435-74AB-4FE1-9B05-22D83B702CC9}"/>
-              </a:ext>
-            </a:extLst>
-          </p:cNvPr>
-          <p:cNvSpPr/>
+          <p:cNvPr id="6" name="Content Placeholder 2"/>
+          <p:cNvSpPr txBox="1">
+            <a:spLocks/>
+          </p:cNvSpPr>
           <p:nvPr/>
         </p:nvSpPr>
         <p:spPr>
           <a:xfrm>
-            <a:off x="381000" y="1219200"/>
-            <a:ext cx="1676400" cy="685800"/>
-          </a:xfrm>
-          <a:prstGeom prst="roundRect">
+            <a:off x="457200" y="1071545"/>
+            <a:ext cx="8229600" cy="4857785"/>
+          </a:xfrm>
+          <a:prstGeom prst="rect">
             <a:avLst/>
           </a:prstGeom>
         </p:spPr>
-        <p:style>
-          <a:lnRef idx="2">
-            <a:schemeClr val="accent1">
-              <a:shade val="50000"/>
-            </a:schemeClr>
-          </a:lnRef>
-          <a:fillRef idx="1">
-            <a:schemeClr val="accent1"/>
-          </a:fillRef>
-          <a:effectRef idx="0">
-            <a:schemeClr val="accent1"/>
-          </a:effectRef>
-          <a:fontRef idx="minor">
-            <a:schemeClr val="lt1"/>
-          </a:fontRef>
-        </p:style>
         <p:txBody>
-          <a:bodyPr rtlCol="0" anchor="ctr"/>
-          <a:lstStyle/>
-          <a:p>
-            <a:pPr algn="ctr"/>
-            <a:r>
-              <a:rPr lang="en-GB" dirty="0"/>
-              <a:t>JavaScript</a:t>
-            </a:r>
+          <a:bodyPr vert="horz" lIns="91440" tIns="45720" rIns="91440" bIns="45720" rtlCol="0">
+            <a:normAutofit/>
+          </a:bodyPr>
+          <a:lstStyle>
+            <a:lvl1pPr marL="0" indent="0" algn="l" defTabSz="914400" rtl="0" eaLnBrk="1" latinLnBrk="0" hangingPunct="1">
+              <a:spcBef>
+                <a:spcPct val="20000"/>
+              </a:spcBef>
+              <a:buFont typeface="Arial" pitchFamily="34" charset="0"/>
+              <a:buNone/>
+              <a:defRPr sz="3200" kern="1200">
+                <a:solidFill>
+                  <a:schemeClr val="tx1"/>
+                </a:solidFill>
+                <a:latin typeface="+mn-lt"/>
+                <a:ea typeface="+mn-ea"/>
+                <a:cs typeface="+mn-cs"/>
+              </a:defRPr>
+            </a:lvl1pPr>
+            <a:lvl2pPr marL="457200" indent="0" algn="l" defTabSz="914400" rtl="0" eaLnBrk="1" latinLnBrk="0" hangingPunct="1">
+              <a:spcBef>
+                <a:spcPct val="20000"/>
+              </a:spcBef>
+              <a:buFont typeface="Arial" pitchFamily="34" charset="0"/>
+              <a:buNone/>
+              <a:defRPr sz="2800" kern="1200">
+                <a:solidFill>
+                  <a:schemeClr val="tx1"/>
+                </a:solidFill>
+                <a:latin typeface="+mn-lt"/>
+                <a:ea typeface="+mn-ea"/>
+                <a:cs typeface="+mn-cs"/>
+              </a:defRPr>
+            </a:lvl2pPr>
+            <a:lvl3pPr marL="914400" indent="0" algn="l" defTabSz="914400" rtl="0" eaLnBrk="1" latinLnBrk="0" hangingPunct="1">
+              <a:spcBef>
+                <a:spcPct val="20000"/>
+              </a:spcBef>
+              <a:buFont typeface="Arial" pitchFamily="34" charset="0"/>
+              <a:buNone/>
+              <a:defRPr sz="2400" kern="1200">
+                <a:solidFill>
+                  <a:schemeClr val="tx1"/>
+                </a:solidFill>
+                <a:latin typeface="+mn-lt"/>
+                <a:ea typeface="+mn-ea"/>
+                <a:cs typeface="+mn-cs"/>
+              </a:defRPr>
+            </a:lvl3pPr>
+            <a:lvl4pPr marL="1371600" indent="0" algn="l" defTabSz="914400" rtl="0" eaLnBrk="1" latinLnBrk="0" hangingPunct="1">
+              <a:spcBef>
+                <a:spcPct val="20000"/>
+              </a:spcBef>
+              <a:buFont typeface="Arial" pitchFamily="34" charset="0"/>
+              <a:buNone/>
+              <a:defRPr sz="2000" kern="1200">
+                <a:solidFill>
+                  <a:schemeClr val="tx1"/>
+                </a:solidFill>
+                <a:latin typeface="+mn-lt"/>
+                <a:ea typeface="+mn-ea"/>
+                <a:cs typeface="+mn-cs"/>
+              </a:defRPr>
+            </a:lvl4pPr>
+            <a:lvl5pPr marL="1828800" indent="0" algn="l" defTabSz="914400" rtl="0" eaLnBrk="1" latinLnBrk="0" hangingPunct="1">
+              <a:spcBef>
+                <a:spcPct val="20000"/>
+              </a:spcBef>
+              <a:buFont typeface="Arial" pitchFamily="34" charset="0"/>
+              <a:buNone/>
+              <a:defRPr sz="2000" kern="1200">
+                <a:solidFill>
+                  <a:schemeClr val="tx1"/>
+                </a:solidFill>
+                <a:latin typeface="+mn-lt"/>
+                <a:ea typeface="+mn-ea"/>
+                <a:cs typeface="+mn-cs"/>
+              </a:defRPr>
+            </a:lvl5pPr>
+            <a:lvl6pPr marL="2286000" indent="0" algn="l" defTabSz="914400" rtl="0" eaLnBrk="1" latinLnBrk="0" hangingPunct="1">
+              <a:spcBef>
+                <a:spcPct val="20000"/>
+              </a:spcBef>
+              <a:buFont typeface="Arial" pitchFamily="34" charset="0"/>
+              <a:buNone/>
+              <a:defRPr sz="2000" kern="1200">
+                <a:solidFill>
+                  <a:schemeClr val="tx1"/>
+                </a:solidFill>
+                <a:latin typeface="+mn-lt"/>
+                <a:ea typeface="+mn-ea"/>
+                <a:cs typeface="+mn-cs"/>
+              </a:defRPr>
+            </a:lvl6pPr>
+            <a:lvl7pPr marL="2743200" indent="0" algn="l" defTabSz="914400" rtl="0" eaLnBrk="1" latinLnBrk="0" hangingPunct="1">
+              <a:spcBef>
+                <a:spcPct val="20000"/>
+              </a:spcBef>
+              <a:buFont typeface="Arial" pitchFamily="34" charset="0"/>
+              <a:buNone/>
+              <a:defRPr sz="2000" kern="1200">
+                <a:solidFill>
+                  <a:schemeClr val="tx1"/>
+                </a:solidFill>
+                <a:latin typeface="+mn-lt"/>
+                <a:ea typeface="+mn-ea"/>
+                <a:cs typeface="+mn-cs"/>
+              </a:defRPr>
+            </a:lvl7pPr>
+            <a:lvl8pPr marL="3200400" indent="0" algn="l" defTabSz="914400" rtl="0" eaLnBrk="1" latinLnBrk="0" hangingPunct="1">
+              <a:spcBef>
+                <a:spcPct val="20000"/>
+              </a:spcBef>
+              <a:buFont typeface="Arial" pitchFamily="34" charset="0"/>
+              <a:buNone/>
+              <a:defRPr sz="2000" kern="1200">
+                <a:solidFill>
+                  <a:schemeClr val="tx1"/>
+                </a:solidFill>
+                <a:latin typeface="+mn-lt"/>
+                <a:ea typeface="+mn-ea"/>
+                <a:cs typeface="+mn-cs"/>
+              </a:defRPr>
+            </a:lvl8pPr>
+            <a:lvl9pPr marL="3657600" indent="0" algn="l" defTabSz="914400" rtl="0" eaLnBrk="1" latinLnBrk="0" hangingPunct="1">
+              <a:spcBef>
+                <a:spcPct val="20000"/>
+              </a:spcBef>
+              <a:buFont typeface="Arial" pitchFamily="34" charset="0"/>
+              <a:buNone/>
+              <a:defRPr sz="2000" kern="1200">
+                <a:solidFill>
+                  <a:schemeClr val="tx1"/>
+                </a:solidFill>
+                <a:latin typeface="+mn-lt"/>
+                <a:ea typeface="+mn-ea"/>
+                <a:cs typeface="+mn-cs"/>
+              </a:defRPr>
+            </a:lvl9pPr>
+          </a:lstStyle>
+          <a:p>
+            <a:pPr marL="571500" indent="-571500">
+              <a:buFont typeface="Arial" panose="020B0604020202020204" pitchFamily="34" charset="0"/>
+              <a:buChar char="•"/>
+            </a:pPr>
+            <a:endParaRPr lang="en-GB" dirty="0">
+              <a:solidFill>
+                <a:schemeClr val="bg1"/>
+              </a:solidFill>
+            </a:endParaRPr>
           </a:p>
         </p:txBody>
       </p:sp>
       <p:sp>
         <p:nvSpPr>
-          <p:cNvPr id="52" name="Rectangle: Rounded Corners 51">
+          <p:cNvPr id="4" name="Content Placeholder 2">
             <a:extLst>
               <a:ext uri="{FF2B5EF4-FFF2-40B4-BE49-F238E27FC236}">
-                <a16:creationId xmlns:a16="http://schemas.microsoft.com/office/drawing/2014/main" id="{7EC2B06C-32F9-4DDD-B953-FCB0C8F0FEC2}"/>
+                <a16:creationId xmlns:a16="http://schemas.microsoft.com/office/drawing/2014/main" id="{91C127C4-019D-4816-9ECF-D243EFA4189D}"/>
               </a:ext>
             </a:extLst>
           </p:cNvPr>
-          <p:cNvSpPr/>
+          <p:cNvSpPr txBox="1">
+            <a:spLocks/>
+          </p:cNvSpPr>
           <p:nvPr/>
         </p:nvSpPr>
         <p:spPr>
           <a:xfrm>
-            <a:off x="2286000" y="1219200"/>
-            <a:ext cx="1676400" cy="685800"/>
-          </a:xfrm>
-          <a:prstGeom prst="roundRect">
-            <a:avLst/>
-          </a:prstGeom>
-        </p:spPr>
-        <p:style>
-          <a:lnRef idx="2">
-            <a:schemeClr val="accent1">
-              <a:shade val="50000"/>
-            </a:schemeClr>
-          </a:lnRef>
-          <a:fillRef idx="1">
-            <a:schemeClr val="accent1"/>
-          </a:fillRef>
-          <a:effectRef idx="0">
-            <a:schemeClr val="accent1"/>
-          </a:effectRef>
-          <a:fontRef idx="minor">
-            <a:schemeClr val="lt1"/>
-          </a:fontRef>
-        </p:style>
-        <p:txBody>
-          <a:bodyPr rtlCol="0" anchor="ctr"/>
-          <a:lstStyle/>
-          <a:p>
-            <a:pPr algn="ctr"/>
-            <a:r>
-              <a:rPr lang="en-GB" dirty="0"/>
-              <a:t>AST</a:t>
-            </a:r>
-          </a:p>
-        </p:txBody>
-      </p:sp>
-      <p:sp>
-        <p:nvSpPr>
-          <p:cNvPr id="53" name="Rectangle: Rounded Corners 52">
-            <a:extLst>
-              <a:ext uri="{FF2B5EF4-FFF2-40B4-BE49-F238E27FC236}">
-                <a16:creationId xmlns:a16="http://schemas.microsoft.com/office/drawing/2014/main" id="{DA7B5B27-4C9D-4430-982A-6D02FB84B3D8}"/>
-              </a:ext>
-            </a:extLst>
-          </p:cNvPr>
-          <p:cNvSpPr/>
-          <p:nvPr/>
-        </p:nvSpPr>
-        <p:spPr>
-          <a:xfrm>
-            <a:off x="4724400" y="4435622"/>
-            <a:ext cx="1676400" cy="685800"/>
-          </a:xfrm>
-          <a:prstGeom prst="roundRect">
-            <a:avLst/>
-          </a:prstGeom>
-        </p:spPr>
-        <p:style>
-          <a:lnRef idx="2">
-            <a:schemeClr val="accent1">
-              <a:shade val="50000"/>
-            </a:schemeClr>
-          </a:lnRef>
-          <a:fillRef idx="1">
-            <a:schemeClr val="accent1"/>
-          </a:fillRef>
-          <a:effectRef idx="0">
-            <a:schemeClr val="accent1"/>
-          </a:effectRef>
-          <a:fontRef idx="minor">
-            <a:schemeClr val="lt1"/>
-          </a:fontRef>
-        </p:style>
-        <p:txBody>
-          <a:bodyPr rtlCol="0" anchor="ctr"/>
-          <a:lstStyle/>
-          <a:p>
-            <a:pPr algn="ctr"/>
-            <a:r>
-              <a:rPr lang="en-GB" dirty="0"/>
-              <a:t>Simple JIT</a:t>
-            </a:r>
-          </a:p>
-        </p:txBody>
-      </p:sp>
-      <p:sp>
-        <p:nvSpPr>
-          <p:cNvPr id="54" name="Rectangle: Rounded Corners 53">
-            <a:extLst>
-              <a:ext uri="{FF2B5EF4-FFF2-40B4-BE49-F238E27FC236}">
-                <a16:creationId xmlns:a16="http://schemas.microsoft.com/office/drawing/2014/main" id="{FD5973B4-84BF-4A45-850E-6B45F9E7B881}"/>
-              </a:ext>
-            </a:extLst>
-          </p:cNvPr>
-          <p:cNvSpPr/>
-          <p:nvPr/>
-        </p:nvSpPr>
-        <p:spPr>
-          <a:xfrm>
-            <a:off x="4724400" y="5562600"/>
-            <a:ext cx="1676400" cy="685800"/>
-          </a:xfrm>
-          <a:prstGeom prst="roundRect">
-            <a:avLst/>
-          </a:prstGeom>
-        </p:spPr>
-        <p:style>
-          <a:lnRef idx="2">
-            <a:schemeClr val="accent1">
-              <a:shade val="50000"/>
-            </a:schemeClr>
-          </a:lnRef>
-          <a:fillRef idx="1">
-            <a:schemeClr val="accent1"/>
-          </a:fillRef>
-          <a:effectRef idx="0">
-            <a:schemeClr val="accent1"/>
-          </a:effectRef>
-          <a:fontRef idx="minor">
-            <a:schemeClr val="lt1"/>
-          </a:fontRef>
-        </p:style>
-        <p:txBody>
-          <a:bodyPr rtlCol="0" anchor="ctr"/>
-          <a:lstStyle/>
-          <a:p>
-            <a:pPr algn="ctr"/>
-            <a:r>
-              <a:rPr lang="en-GB" dirty="0"/>
-              <a:t>Full JIT</a:t>
-            </a:r>
-          </a:p>
-        </p:txBody>
-      </p:sp>
-      <p:cxnSp>
-        <p:nvCxnSpPr>
-          <p:cNvPr id="61" name="Straight Arrow Connector 60">
-            <a:extLst>
-              <a:ext uri="{FF2B5EF4-FFF2-40B4-BE49-F238E27FC236}">
-                <a16:creationId xmlns:a16="http://schemas.microsoft.com/office/drawing/2014/main" id="{0F13AB00-B4D9-42C9-A5A3-090BBBC4CFC5}"/>
-              </a:ext>
-            </a:extLst>
-          </p:cNvPr>
-          <p:cNvCxnSpPr>
-            <a:stCxn id="51" idx="3"/>
-            <a:endCxn id="52" idx="1"/>
-          </p:cNvCxnSpPr>
-          <p:nvPr/>
-        </p:nvCxnSpPr>
-        <p:spPr>
-          <a:xfrm>
-            <a:off x="2057400" y="1562100"/>
-            <a:ext cx="228600" cy="0"/>
-          </a:xfrm>
-          <a:prstGeom prst="straightConnector1">
-            <a:avLst/>
-          </a:prstGeom>
-          <a:ln>
-            <a:tailEnd type="triangle"/>
-          </a:ln>
-        </p:spPr>
-        <p:style>
-          <a:lnRef idx="1">
-            <a:schemeClr val="accent1"/>
-          </a:lnRef>
-          <a:fillRef idx="0">
-            <a:schemeClr val="accent1"/>
-          </a:fillRef>
-          <a:effectRef idx="0">
-            <a:schemeClr val="accent1"/>
-          </a:effectRef>
-          <a:fontRef idx="minor">
-            <a:schemeClr val="tx1"/>
-          </a:fontRef>
-        </p:style>
-      </p:cxnSp>
-      <p:sp>
-        <p:nvSpPr>
-          <p:cNvPr id="62" name="TextBox 61">
-            <a:extLst>
-              <a:ext uri="{FF2B5EF4-FFF2-40B4-BE49-F238E27FC236}">
-                <a16:creationId xmlns:a16="http://schemas.microsoft.com/office/drawing/2014/main" id="{A1E33E78-C942-470F-9A5A-43BA86B86583}"/>
-              </a:ext>
-            </a:extLst>
-          </p:cNvPr>
-          <p:cNvSpPr txBox="1"/>
-          <p:nvPr/>
-        </p:nvSpPr>
-        <p:spPr>
-          <a:xfrm>
-            <a:off x="348342" y="4511822"/>
-            <a:ext cx="1442108" cy="369332"/>
+            <a:off x="609600" y="1223945"/>
+            <a:ext cx="8229600" cy="4857785"/>
           </a:xfrm>
           <a:prstGeom prst="rect">
             <a:avLst/>
           </a:prstGeom>
-          <a:noFill/>
         </p:spPr>
         <p:txBody>
-          <a:bodyPr wrap="square" rtlCol="0" anchor="t" anchorCtr="0">
-            <a:spAutoFit/>
+          <a:bodyPr vert="horz" lIns="91440" tIns="45720" rIns="91440" bIns="45720" rtlCol="0">
+            <a:normAutofit/>
           </a:bodyPr>
-          <a:lstStyle/>
-          <a:p>
-            <a:r>
-              <a:rPr lang="en-GB" dirty="0">
-                <a:solidFill>
-                  <a:schemeClr val="bg1"/>
-                </a:solidFill>
-              </a:rPr>
-              <a:t>Hot (&gt;1000)</a:t>
-            </a:r>
+          <a:lstStyle>
+            <a:lvl1pPr marL="0" indent="0" algn="l" defTabSz="914400" rtl="0" eaLnBrk="1" latinLnBrk="0" hangingPunct="1">
+              <a:spcBef>
+                <a:spcPct val="20000"/>
+              </a:spcBef>
+              <a:buFont typeface="Arial" pitchFamily="34" charset="0"/>
+              <a:buNone/>
+              <a:defRPr sz="3200" kern="1200">
+                <a:solidFill>
+                  <a:schemeClr val="tx1"/>
+                </a:solidFill>
+                <a:latin typeface="+mn-lt"/>
+                <a:ea typeface="+mn-ea"/>
+                <a:cs typeface="+mn-cs"/>
+              </a:defRPr>
+            </a:lvl1pPr>
+            <a:lvl2pPr marL="457200" indent="0" algn="l" defTabSz="914400" rtl="0" eaLnBrk="1" latinLnBrk="0" hangingPunct="1">
+              <a:spcBef>
+                <a:spcPct val="20000"/>
+              </a:spcBef>
+              <a:buFont typeface="Arial" pitchFamily="34" charset="0"/>
+              <a:buNone/>
+              <a:defRPr sz="2800" kern="1200">
+                <a:solidFill>
+                  <a:schemeClr val="tx1"/>
+                </a:solidFill>
+                <a:latin typeface="+mn-lt"/>
+                <a:ea typeface="+mn-ea"/>
+                <a:cs typeface="+mn-cs"/>
+              </a:defRPr>
+            </a:lvl2pPr>
+            <a:lvl3pPr marL="914400" indent="0" algn="l" defTabSz="914400" rtl="0" eaLnBrk="1" latinLnBrk="0" hangingPunct="1">
+              <a:spcBef>
+                <a:spcPct val="20000"/>
+              </a:spcBef>
+              <a:buFont typeface="Arial" pitchFamily="34" charset="0"/>
+              <a:buNone/>
+              <a:defRPr sz="2400" kern="1200">
+                <a:solidFill>
+                  <a:schemeClr val="tx1"/>
+                </a:solidFill>
+                <a:latin typeface="+mn-lt"/>
+                <a:ea typeface="+mn-ea"/>
+                <a:cs typeface="+mn-cs"/>
+              </a:defRPr>
+            </a:lvl3pPr>
+            <a:lvl4pPr marL="1371600" indent="0" algn="l" defTabSz="914400" rtl="0" eaLnBrk="1" latinLnBrk="0" hangingPunct="1">
+              <a:spcBef>
+                <a:spcPct val="20000"/>
+              </a:spcBef>
+              <a:buFont typeface="Arial" pitchFamily="34" charset="0"/>
+              <a:buNone/>
+              <a:defRPr sz="2000" kern="1200">
+                <a:solidFill>
+                  <a:schemeClr val="tx1"/>
+                </a:solidFill>
+                <a:latin typeface="+mn-lt"/>
+                <a:ea typeface="+mn-ea"/>
+                <a:cs typeface="+mn-cs"/>
+              </a:defRPr>
+            </a:lvl4pPr>
+            <a:lvl5pPr marL="1828800" indent="0" algn="l" defTabSz="914400" rtl="0" eaLnBrk="1" latinLnBrk="0" hangingPunct="1">
+              <a:spcBef>
+                <a:spcPct val="20000"/>
+              </a:spcBef>
+              <a:buFont typeface="Arial" pitchFamily="34" charset="0"/>
+              <a:buNone/>
+              <a:defRPr sz="2000" kern="1200">
+                <a:solidFill>
+                  <a:schemeClr val="tx1"/>
+                </a:solidFill>
+                <a:latin typeface="+mn-lt"/>
+                <a:ea typeface="+mn-ea"/>
+                <a:cs typeface="+mn-cs"/>
+              </a:defRPr>
+            </a:lvl5pPr>
+            <a:lvl6pPr marL="2286000" indent="0" algn="l" defTabSz="914400" rtl="0" eaLnBrk="1" latinLnBrk="0" hangingPunct="1">
+              <a:spcBef>
+                <a:spcPct val="20000"/>
+              </a:spcBef>
+              <a:buFont typeface="Arial" pitchFamily="34" charset="0"/>
+              <a:buNone/>
+              <a:defRPr sz="2000" kern="1200">
+                <a:solidFill>
+                  <a:schemeClr val="tx1"/>
+                </a:solidFill>
+                <a:latin typeface="+mn-lt"/>
+                <a:ea typeface="+mn-ea"/>
+                <a:cs typeface="+mn-cs"/>
+              </a:defRPr>
+            </a:lvl6pPr>
+            <a:lvl7pPr marL="2743200" indent="0" algn="l" defTabSz="914400" rtl="0" eaLnBrk="1" latinLnBrk="0" hangingPunct="1">
+              <a:spcBef>
+                <a:spcPct val="20000"/>
+              </a:spcBef>
+              <a:buFont typeface="Arial" pitchFamily="34" charset="0"/>
+              <a:buNone/>
+              <a:defRPr sz="2000" kern="1200">
+                <a:solidFill>
+                  <a:schemeClr val="tx1"/>
+                </a:solidFill>
+                <a:latin typeface="+mn-lt"/>
+                <a:ea typeface="+mn-ea"/>
+                <a:cs typeface="+mn-cs"/>
+              </a:defRPr>
+            </a:lvl7pPr>
+            <a:lvl8pPr marL="3200400" indent="0" algn="l" defTabSz="914400" rtl="0" eaLnBrk="1" latinLnBrk="0" hangingPunct="1">
+              <a:spcBef>
+                <a:spcPct val="20000"/>
+              </a:spcBef>
+              <a:buFont typeface="Arial" pitchFamily="34" charset="0"/>
+              <a:buNone/>
+              <a:defRPr sz="2000" kern="1200">
+                <a:solidFill>
+                  <a:schemeClr val="tx1"/>
+                </a:solidFill>
+                <a:latin typeface="+mn-lt"/>
+                <a:ea typeface="+mn-ea"/>
+                <a:cs typeface="+mn-cs"/>
+              </a:defRPr>
+            </a:lvl8pPr>
+            <a:lvl9pPr marL="3657600" indent="0" algn="l" defTabSz="914400" rtl="0" eaLnBrk="1" latinLnBrk="0" hangingPunct="1">
+              <a:spcBef>
+                <a:spcPct val="20000"/>
+              </a:spcBef>
+              <a:buFont typeface="Arial" pitchFamily="34" charset="0"/>
+              <a:buNone/>
+              <a:defRPr sz="2000" kern="1200">
+                <a:solidFill>
+                  <a:schemeClr val="tx1"/>
+                </a:solidFill>
+                <a:latin typeface="+mn-lt"/>
+                <a:ea typeface="+mn-ea"/>
+                <a:cs typeface="+mn-cs"/>
+              </a:defRPr>
+            </a:lvl9pPr>
+          </a:lstStyle>
+          <a:p>
+            <a:pPr marL="571500" indent="-571500">
+              <a:buFont typeface="Arial" panose="020B0604020202020204" pitchFamily="34" charset="0"/>
+              <a:buChar char="•"/>
+            </a:pPr>
+            <a:endParaRPr lang="en-GB" dirty="0">
+              <a:solidFill>
+                <a:schemeClr val="bg1"/>
+              </a:solidFill>
+            </a:endParaRPr>
+          </a:p>
+          <a:p>
+            <a:pPr marL="571500" indent="-571500">
+              <a:buFont typeface="Arial" panose="020B0604020202020204" pitchFamily="34" charset="0"/>
+              <a:buChar char="•"/>
+            </a:pPr>
+            <a:endParaRPr lang="en-US" dirty="0">
+              <a:solidFill>
+                <a:schemeClr val="bg1"/>
+              </a:solidFill>
+            </a:endParaRPr>
           </a:p>
         </p:txBody>
       </p:sp>
-      <p:sp>
-        <p:nvSpPr>
-          <p:cNvPr id="64" name="TextBox 63">
-            <a:extLst>
-              <a:ext uri="{FF2B5EF4-FFF2-40B4-BE49-F238E27FC236}">
-                <a16:creationId xmlns:a16="http://schemas.microsoft.com/office/drawing/2014/main" id="{E9475C67-8704-4186-9B54-5A6159A0A880}"/>
-              </a:ext>
-            </a:extLst>
-          </p:cNvPr>
-          <p:cNvSpPr txBox="1"/>
-          <p:nvPr/>
-        </p:nvSpPr>
-        <p:spPr>
-          <a:xfrm>
-            <a:off x="380999" y="5742690"/>
-            <a:ext cx="2438401" cy="369332"/>
-          </a:xfrm>
-          <a:prstGeom prst="rect">
-            <a:avLst/>
-          </a:prstGeom>
-          <a:noFill/>
-        </p:spPr>
-        <p:txBody>
-          <a:bodyPr wrap="square" rtlCol="0">
-            <a:spAutoFit/>
-          </a:bodyPr>
-          <a:lstStyle/>
-          <a:p>
-            <a:r>
-              <a:rPr lang="en-GB" dirty="0">
-                <a:solidFill>
-                  <a:schemeClr val="bg1"/>
-                </a:solidFill>
-              </a:rPr>
-              <a:t>Extra Hot (&gt;100000)</a:t>
-            </a:r>
-          </a:p>
-        </p:txBody>
-      </p:sp>
-      <p:sp>
-        <p:nvSpPr>
-          <p:cNvPr id="76" name="TextBox 75">
-            <a:extLst>
-              <a:ext uri="{FF2B5EF4-FFF2-40B4-BE49-F238E27FC236}">
-                <a16:creationId xmlns:a16="http://schemas.microsoft.com/office/drawing/2014/main" id="{F7A70200-CFC6-4442-B4C1-251A137B910C}"/>
-              </a:ext>
-            </a:extLst>
-          </p:cNvPr>
-          <p:cNvSpPr txBox="1"/>
-          <p:nvPr/>
-        </p:nvSpPr>
-        <p:spPr>
-          <a:xfrm>
-            <a:off x="6553200" y="3292622"/>
-            <a:ext cx="846707" cy="369332"/>
-          </a:xfrm>
-          <a:prstGeom prst="rect">
-            <a:avLst/>
-          </a:prstGeom>
-          <a:noFill/>
-        </p:spPr>
-        <p:txBody>
-          <a:bodyPr wrap="none" rtlCol="0">
-            <a:spAutoFit/>
-          </a:bodyPr>
-          <a:lstStyle/>
-          <a:p>
-            <a:r>
-              <a:rPr lang="en-GB" dirty="0">
-                <a:solidFill>
-                  <a:schemeClr val="bg1"/>
-                </a:solidFill>
-              </a:rPr>
-              <a:t>Bailout</a:t>
-            </a:r>
-          </a:p>
-        </p:txBody>
-      </p:sp>
-      <p:sp>
-        <p:nvSpPr>
-          <p:cNvPr id="78" name="Rectangle: Rounded Corners 77">
-            <a:extLst>
-              <a:ext uri="{FF2B5EF4-FFF2-40B4-BE49-F238E27FC236}">
-                <a16:creationId xmlns:a16="http://schemas.microsoft.com/office/drawing/2014/main" id="{B13D2CB9-7351-4EA9-B297-E53D8FDC398C}"/>
-              </a:ext>
-            </a:extLst>
-          </p:cNvPr>
-          <p:cNvSpPr/>
-          <p:nvPr/>
-        </p:nvSpPr>
-        <p:spPr>
-          <a:xfrm>
-            <a:off x="4724400" y="3308644"/>
-            <a:ext cx="1676400" cy="685800"/>
-          </a:xfrm>
-          <a:prstGeom prst="roundRect">
-            <a:avLst/>
-          </a:prstGeom>
-        </p:spPr>
-        <p:style>
-          <a:lnRef idx="2">
-            <a:schemeClr val="accent1">
-              <a:shade val="50000"/>
-            </a:schemeClr>
-          </a:lnRef>
-          <a:fillRef idx="1">
-            <a:schemeClr val="accent1"/>
-          </a:fillRef>
-          <a:effectRef idx="0">
-            <a:schemeClr val="accent1"/>
-          </a:effectRef>
-          <a:fontRef idx="minor">
-            <a:schemeClr val="lt1"/>
-          </a:fontRef>
-        </p:style>
-        <p:txBody>
-          <a:bodyPr rtlCol="0" anchor="ctr"/>
-          <a:lstStyle/>
-          <a:p>
-            <a:pPr algn="ctr"/>
-            <a:r>
-              <a:rPr lang="en-GB" dirty="0"/>
-              <a:t>AST Interpreter</a:t>
-            </a:r>
-          </a:p>
-        </p:txBody>
-      </p:sp>
-      <p:cxnSp>
-        <p:nvCxnSpPr>
-          <p:cNvPr id="84" name="Connector: Elbow 83">
-            <a:extLst>
-              <a:ext uri="{FF2B5EF4-FFF2-40B4-BE49-F238E27FC236}">
-                <a16:creationId xmlns:a16="http://schemas.microsoft.com/office/drawing/2014/main" id="{67094F98-DD9D-48D8-A28D-9185A2BADE91}"/>
-              </a:ext>
-            </a:extLst>
-          </p:cNvPr>
-          <p:cNvCxnSpPr>
-            <a:stCxn id="52" idx="3"/>
-            <a:endCxn id="78" idx="1"/>
-          </p:cNvCxnSpPr>
-          <p:nvPr/>
-        </p:nvCxnSpPr>
-        <p:spPr>
-          <a:xfrm>
-            <a:off x="3962400" y="1562100"/>
-            <a:ext cx="762000" cy="2089444"/>
-          </a:xfrm>
-          <a:prstGeom prst="bentConnector3">
-            <a:avLst/>
-          </a:prstGeom>
-          <a:ln>
-            <a:tailEnd type="triangle"/>
-          </a:ln>
-        </p:spPr>
-        <p:style>
-          <a:lnRef idx="1">
-            <a:schemeClr val="accent1"/>
-          </a:lnRef>
-          <a:fillRef idx="0">
-            <a:schemeClr val="accent1"/>
-          </a:fillRef>
-          <a:effectRef idx="0">
-            <a:schemeClr val="accent1"/>
-          </a:effectRef>
-          <a:fontRef idx="minor">
-            <a:schemeClr val="tx1"/>
-          </a:fontRef>
-        </p:style>
-      </p:cxnSp>
-      <p:cxnSp>
-        <p:nvCxnSpPr>
-          <p:cNvPr id="86" name="Connector: Elbow 85">
-            <a:extLst>
-              <a:ext uri="{FF2B5EF4-FFF2-40B4-BE49-F238E27FC236}">
-                <a16:creationId xmlns:a16="http://schemas.microsoft.com/office/drawing/2014/main" id="{FC0F1233-731D-4F90-9B82-D75DDB422852}"/>
-              </a:ext>
-            </a:extLst>
-          </p:cNvPr>
-          <p:cNvCxnSpPr>
-            <a:stCxn id="52" idx="3"/>
-            <a:endCxn id="53" idx="1"/>
-          </p:cNvCxnSpPr>
-          <p:nvPr/>
-        </p:nvCxnSpPr>
-        <p:spPr>
-          <a:xfrm>
-            <a:off x="3962400" y="1562100"/>
-            <a:ext cx="762000" cy="3216422"/>
-          </a:xfrm>
-          <a:prstGeom prst="bentConnector3">
-            <a:avLst/>
-          </a:prstGeom>
-          <a:ln>
-            <a:tailEnd type="triangle"/>
-          </a:ln>
-        </p:spPr>
-        <p:style>
-          <a:lnRef idx="1">
-            <a:schemeClr val="accent1"/>
-          </a:lnRef>
-          <a:fillRef idx="0">
-            <a:schemeClr val="accent1"/>
-          </a:fillRef>
-          <a:effectRef idx="0">
-            <a:schemeClr val="accent1"/>
-          </a:effectRef>
-          <a:fontRef idx="minor">
-            <a:schemeClr val="tx1"/>
-          </a:fontRef>
-        </p:style>
-      </p:cxnSp>
-      <p:cxnSp>
-        <p:nvCxnSpPr>
-          <p:cNvPr id="88" name="Connector: Elbow 87">
-            <a:extLst>
-              <a:ext uri="{FF2B5EF4-FFF2-40B4-BE49-F238E27FC236}">
-                <a16:creationId xmlns:a16="http://schemas.microsoft.com/office/drawing/2014/main" id="{05A91D2F-96CE-4E82-B43E-9A5472CD63D0}"/>
-              </a:ext>
-            </a:extLst>
-          </p:cNvPr>
-          <p:cNvCxnSpPr>
-            <a:stCxn id="52" idx="3"/>
-            <a:endCxn id="54" idx="1"/>
-          </p:cNvCxnSpPr>
-          <p:nvPr/>
-        </p:nvCxnSpPr>
-        <p:spPr>
-          <a:xfrm>
-            <a:off x="3962400" y="1562100"/>
-            <a:ext cx="762000" cy="4343400"/>
-          </a:xfrm>
-          <a:prstGeom prst="bentConnector3">
-            <a:avLst/>
-          </a:prstGeom>
-          <a:ln>
-            <a:tailEnd type="triangle"/>
-          </a:ln>
-        </p:spPr>
-        <p:style>
-          <a:lnRef idx="1">
-            <a:schemeClr val="accent1"/>
-          </a:lnRef>
-          <a:fillRef idx="0">
-            <a:schemeClr val="accent1"/>
-          </a:fillRef>
-          <a:effectRef idx="0">
-            <a:schemeClr val="accent1"/>
-          </a:effectRef>
-          <a:fontRef idx="minor">
-            <a:schemeClr val="tx1"/>
-          </a:fontRef>
-        </p:style>
-      </p:cxnSp>
-      <p:cxnSp>
-        <p:nvCxnSpPr>
-          <p:cNvPr id="92" name="Connector: Elbow 91">
-            <a:extLst>
-              <a:ext uri="{FF2B5EF4-FFF2-40B4-BE49-F238E27FC236}">
-                <a16:creationId xmlns:a16="http://schemas.microsoft.com/office/drawing/2014/main" id="{FDFCEB2B-8079-4807-A2F3-AEE1DA4D2578}"/>
-              </a:ext>
-            </a:extLst>
-          </p:cNvPr>
-          <p:cNvCxnSpPr>
-            <a:stCxn id="53" idx="3"/>
-            <a:endCxn id="78" idx="3"/>
-          </p:cNvCxnSpPr>
-          <p:nvPr/>
-        </p:nvCxnSpPr>
-        <p:spPr>
-          <a:xfrm flipV="1">
-            <a:off x="6400800" y="3651544"/>
-            <a:ext cx="12700" cy="1126978"/>
-          </a:xfrm>
-          <a:prstGeom prst="bentConnector3">
-            <a:avLst>
-              <a:gd name="adj1" fmla="val 7171433"/>
-            </a:avLst>
-          </a:prstGeom>
-          <a:ln>
-            <a:tailEnd type="triangle"/>
-          </a:ln>
-        </p:spPr>
-        <p:style>
-          <a:lnRef idx="1">
-            <a:schemeClr val="accent1"/>
-          </a:lnRef>
-          <a:fillRef idx="0">
-            <a:schemeClr val="accent1"/>
-          </a:fillRef>
-          <a:effectRef idx="0">
-            <a:schemeClr val="accent1"/>
-          </a:effectRef>
-          <a:fontRef idx="minor">
-            <a:schemeClr val="tx1"/>
-          </a:fontRef>
-        </p:style>
-      </p:cxnSp>
-      <p:cxnSp>
-        <p:nvCxnSpPr>
-          <p:cNvPr id="94" name="Connector: Elbow 93">
-            <a:extLst>
-              <a:ext uri="{FF2B5EF4-FFF2-40B4-BE49-F238E27FC236}">
-                <a16:creationId xmlns:a16="http://schemas.microsoft.com/office/drawing/2014/main" id="{1BC9866A-DF14-410E-BB13-7A15209B725F}"/>
-              </a:ext>
-            </a:extLst>
-          </p:cNvPr>
-          <p:cNvCxnSpPr>
-            <a:stCxn id="54" idx="3"/>
-            <a:endCxn id="78" idx="3"/>
-          </p:cNvCxnSpPr>
-          <p:nvPr/>
-        </p:nvCxnSpPr>
-        <p:spPr>
-          <a:xfrm flipV="1">
-            <a:off x="6400800" y="3651544"/>
-            <a:ext cx="12700" cy="2253956"/>
-          </a:xfrm>
-          <a:prstGeom prst="bentConnector3">
-            <a:avLst>
-              <a:gd name="adj1" fmla="val 7171425"/>
-            </a:avLst>
-          </a:prstGeom>
-          <a:ln>
-            <a:tailEnd type="triangle"/>
-          </a:ln>
-        </p:spPr>
-        <p:style>
-          <a:lnRef idx="1">
-            <a:schemeClr val="accent1"/>
-          </a:lnRef>
-          <a:fillRef idx="0">
-            <a:schemeClr val="accent1"/>
-          </a:fillRef>
-          <a:effectRef idx="0">
-            <a:schemeClr val="accent1"/>
-          </a:effectRef>
-          <a:fontRef idx="minor">
-            <a:schemeClr val="tx1"/>
-          </a:fontRef>
-        </p:style>
-      </p:cxnSp>
-      <p:cxnSp>
-        <p:nvCxnSpPr>
-          <p:cNvPr id="100" name="Straight Connector 99">
-            <a:extLst>
-              <a:ext uri="{FF2B5EF4-FFF2-40B4-BE49-F238E27FC236}">
-                <a16:creationId xmlns:a16="http://schemas.microsoft.com/office/drawing/2014/main" id="{A48269E2-82B7-49E0-A5CD-465B37242EA6}"/>
-              </a:ext>
-            </a:extLst>
-          </p:cNvPr>
-          <p:cNvCxnSpPr>
-            <a:cxnSpLocks/>
-          </p:cNvCxnSpPr>
-          <p:nvPr/>
-        </p:nvCxnSpPr>
-        <p:spPr>
-          <a:xfrm>
-            <a:off x="457200" y="5350022"/>
-            <a:ext cx="8229600" cy="0"/>
-          </a:xfrm>
-          <a:prstGeom prst="line">
-            <a:avLst/>
-          </a:prstGeom>
-        </p:spPr>
-        <p:style>
-          <a:lnRef idx="1">
-            <a:schemeClr val="accent6"/>
-          </a:lnRef>
-          <a:fillRef idx="0">
-            <a:schemeClr val="accent6"/>
-          </a:fillRef>
-          <a:effectRef idx="0">
-            <a:schemeClr val="accent6"/>
-          </a:effectRef>
-          <a:fontRef idx="minor">
-            <a:schemeClr val="tx1"/>
-          </a:fontRef>
-        </p:style>
-      </p:cxnSp>
-      <p:cxnSp>
-        <p:nvCxnSpPr>
-          <p:cNvPr id="103" name="Straight Connector 102">
-            <a:extLst>
-              <a:ext uri="{FF2B5EF4-FFF2-40B4-BE49-F238E27FC236}">
-                <a16:creationId xmlns:a16="http://schemas.microsoft.com/office/drawing/2014/main" id="{8DB488B3-68DB-4A42-BA9B-1B47FC68A1C5}"/>
-              </a:ext>
-            </a:extLst>
-          </p:cNvPr>
-          <p:cNvCxnSpPr>
-            <a:cxnSpLocks/>
-          </p:cNvCxnSpPr>
-          <p:nvPr/>
-        </p:nvCxnSpPr>
-        <p:spPr>
-          <a:xfrm>
-            <a:off x="457200" y="4207022"/>
-            <a:ext cx="8229600" cy="0"/>
-          </a:xfrm>
-          <a:prstGeom prst="line">
-            <a:avLst/>
-          </a:prstGeom>
-        </p:spPr>
-        <p:style>
-          <a:lnRef idx="1">
-            <a:schemeClr val="accent6"/>
-          </a:lnRef>
-          <a:fillRef idx="0">
-            <a:schemeClr val="accent6"/>
-          </a:fillRef>
-          <a:effectRef idx="0">
-            <a:schemeClr val="accent6"/>
-          </a:effectRef>
-          <a:fontRef idx="minor">
-            <a:schemeClr val="tx1"/>
-          </a:fontRef>
-        </p:style>
-      </p:cxnSp>
-      <p:cxnSp>
-        <p:nvCxnSpPr>
-          <p:cNvPr id="104" name="Straight Connector 103">
-            <a:extLst>
-              <a:ext uri="{FF2B5EF4-FFF2-40B4-BE49-F238E27FC236}">
-                <a16:creationId xmlns:a16="http://schemas.microsoft.com/office/drawing/2014/main" id="{B6BFC27F-3E6B-470B-96AF-E59A67ABF196}"/>
-              </a:ext>
-            </a:extLst>
-          </p:cNvPr>
-          <p:cNvCxnSpPr>
-            <a:cxnSpLocks/>
-          </p:cNvCxnSpPr>
-          <p:nvPr/>
-        </p:nvCxnSpPr>
-        <p:spPr>
-          <a:xfrm>
-            <a:off x="457200" y="3064022"/>
-            <a:ext cx="8229600" cy="0"/>
-          </a:xfrm>
-          <a:prstGeom prst="line">
-            <a:avLst/>
-          </a:prstGeom>
-        </p:spPr>
-        <p:style>
-          <a:lnRef idx="1">
-            <a:schemeClr val="accent6"/>
-          </a:lnRef>
-          <a:fillRef idx="0">
-            <a:schemeClr val="accent6"/>
-          </a:fillRef>
-          <a:effectRef idx="0">
-            <a:schemeClr val="accent6"/>
-          </a:effectRef>
-          <a:fontRef idx="minor">
-            <a:schemeClr val="tx1"/>
-          </a:fontRef>
-        </p:style>
-      </p:cxnSp>
-      <p:sp>
-        <p:nvSpPr>
-          <p:cNvPr id="105" name="TextBox 104">
-            <a:extLst>
-              <a:ext uri="{FF2B5EF4-FFF2-40B4-BE49-F238E27FC236}">
-                <a16:creationId xmlns:a16="http://schemas.microsoft.com/office/drawing/2014/main" id="{477236A1-DE73-45A5-B659-C50842C6F0EC}"/>
-              </a:ext>
-            </a:extLst>
-          </p:cNvPr>
-          <p:cNvSpPr txBox="1"/>
-          <p:nvPr/>
-        </p:nvSpPr>
-        <p:spPr>
-          <a:xfrm>
-            <a:off x="380999" y="3406921"/>
-            <a:ext cx="1442108" cy="369332"/>
-          </a:xfrm>
-          <a:prstGeom prst="rect">
-            <a:avLst/>
-          </a:prstGeom>
-          <a:noFill/>
-        </p:spPr>
-        <p:txBody>
-          <a:bodyPr wrap="square" rtlCol="0" anchor="t" anchorCtr="0">
-            <a:spAutoFit/>
-          </a:bodyPr>
-          <a:lstStyle/>
-          <a:p>
-            <a:r>
-              <a:rPr lang="en-GB" dirty="0">
-                <a:solidFill>
-                  <a:schemeClr val="bg1"/>
-                </a:solidFill>
-              </a:rPr>
-              <a:t>Cold</a:t>
-            </a:r>
-          </a:p>
-        </p:txBody>
-      </p:sp>
-      <p:sp>
-        <p:nvSpPr>
-          <p:cNvPr id="21" name="Rectangle: Rounded Corners 20">
-            <a:extLst>
-              <a:ext uri="{FF2B5EF4-FFF2-40B4-BE49-F238E27FC236}">
-                <a16:creationId xmlns:a16="http://schemas.microsoft.com/office/drawing/2014/main" id="{2028A857-EC55-4CB7-9283-65149E8A9597}"/>
-              </a:ext>
-            </a:extLst>
-          </p:cNvPr>
-          <p:cNvSpPr/>
-          <p:nvPr/>
-        </p:nvSpPr>
-        <p:spPr>
-          <a:xfrm>
-            <a:off x="386192" y="2133600"/>
-            <a:ext cx="1676400" cy="685800"/>
-          </a:xfrm>
-          <a:prstGeom prst="roundRect">
-            <a:avLst/>
-          </a:prstGeom>
-        </p:spPr>
-        <p:style>
-          <a:lnRef idx="2">
-            <a:schemeClr val="accent1">
-              <a:shade val="50000"/>
-            </a:schemeClr>
-          </a:lnRef>
-          <a:fillRef idx="1">
-            <a:schemeClr val="accent1"/>
-          </a:fillRef>
-          <a:effectRef idx="0">
-            <a:schemeClr val="accent1"/>
-          </a:effectRef>
-          <a:fontRef idx="minor">
-            <a:schemeClr val="lt1"/>
-          </a:fontRef>
-        </p:style>
-        <p:txBody>
-          <a:bodyPr rtlCol="0" anchor="ctr"/>
-          <a:lstStyle/>
-          <a:p>
-            <a:pPr algn="ctr"/>
-            <a:r>
-              <a:rPr lang="en-GB" dirty="0"/>
-              <a:t>WASM</a:t>
-            </a:r>
-          </a:p>
-        </p:txBody>
-      </p:sp>
-      <p:sp>
-        <p:nvSpPr>
-          <p:cNvPr id="22" name="Rectangle: Rounded Corners 21">
-            <a:extLst>
-              <a:ext uri="{FF2B5EF4-FFF2-40B4-BE49-F238E27FC236}">
-                <a16:creationId xmlns:a16="http://schemas.microsoft.com/office/drawing/2014/main" id="{D8E6D891-B372-4C64-85BD-754FDDB41B4C}"/>
-              </a:ext>
-            </a:extLst>
-          </p:cNvPr>
-          <p:cNvSpPr/>
-          <p:nvPr/>
-        </p:nvSpPr>
-        <p:spPr>
-          <a:xfrm>
-            <a:off x="2451100" y="3319054"/>
-            <a:ext cx="1676400" cy="685800"/>
-          </a:xfrm>
-          <a:prstGeom prst="roundRect">
-            <a:avLst/>
-          </a:prstGeom>
-        </p:spPr>
-        <p:style>
-          <a:lnRef idx="2">
-            <a:schemeClr val="accent1">
-              <a:shade val="50000"/>
-            </a:schemeClr>
-          </a:lnRef>
-          <a:fillRef idx="1">
-            <a:schemeClr val="accent1"/>
-          </a:fillRef>
-          <a:effectRef idx="0">
-            <a:schemeClr val="accent1"/>
-          </a:effectRef>
-          <a:fontRef idx="minor">
-            <a:schemeClr val="lt1"/>
-          </a:fontRef>
-        </p:style>
-        <p:txBody>
-          <a:bodyPr rtlCol="0" anchor="ctr"/>
-          <a:lstStyle/>
-          <a:p>
-            <a:pPr algn="ctr"/>
-            <a:r>
-              <a:rPr lang="en-GB" dirty="0"/>
-              <a:t>WASM VM</a:t>
-            </a:r>
-          </a:p>
-        </p:txBody>
-      </p:sp>
-      <p:cxnSp>
-        <p:nvCxnSpPr>
-          <p:cNvPr id="6" name="Connector: Elbow 5">
-            <a:extLst>
-              <a:ext uri="{FF2B5EF4-FFF2-40B4-BE49-F238E27FC236}">
-                <a16:creationId xmlns:a16="http://schemas.microsoft.com/office/drawing/2014/main" id="{43C41C93-CA17-4712-A614-60A6D44ADA2D}"/>
-              </a:ext>
-            </a:extLst>
-          </p:cNvPr>
-          <p:cNvCxnSpPr>
-            <a:stCxn id="21" idx="3"/>
-            <a:endCxn id="22" idx="1"/>
-          </p:cNvCxnSpPr>
-          <p:nvPr/>
-        </p:nvCxnSpPr>
-        <p:spPr>
-          <a:xfrm>
-            <a:off x="2062592" y="2476500"/>
-            <a:ext cx="388508" cy="1185454"/>
-          </a:xfrm>
-          <a:prstGeom prst="bentConnector3">
-            <a:avLst/>
-          </a:prstGeom>
-          <a:ln>
-            <a:tailEnd type="triangle"/>
-          </a:ln>
-        </p:spPr>
-        <p:style>
-          <a:lnRef idx="1">
-            <a:schemeClr val="accent1"/>
-          </a:lnRef>
-          <a:fillRef idx="0">
-            <a:schemeClr val="accent1"/>
-          </a:fillRef>
-          <a:effectRef idx="0">
-            <a:schemeClr val="accent1"/>
-          </a:effectRef>
-          <a:fontRef idx="minor">
-            <a:schemeClr val="tx1"/>
-          </a:fontRef>
-        </p:style>
-      </p:cxnSp>
     </p:spTree>
     <p:extLst>
       <p:ext uri="{BB962C8B-B14F-4D97-AF65-F5344CB8AC3E}">
-        <p14:creationId xmlns:p14="http://schemas.microsoft.com/office/powerpoint/2010/main" val="71980449"/>
+        <p14:creationId xmlns:p14="http://schemas.microsoft.com/office/powerpoint/2010/main" val="758859454"/>
       </p:ext>
     </p:extLst>
   </p:cSld>
@@ -7576,7 +7616,7 @@
                 </a:solidFill>
                 <a:latin typeface="Calibri" pitchFamily="34" charset="0"/>
               </a:rPr>
-              <a:t>#. Performance</a:t>
+              <a:t>#. LLVM (Low Level Virtual Machine)</a:t>
             </a:r>
           </a:p>
         </p:txBody>
@@ -7943,7 +7983,7 @@
     </p:spTree>
     <p:extLst>
       <p:ext uri="{BB962C8B-B14F-4D97-AF65-F5344CB8AC3E}">
-        <p14:creationId xmlns:p14="http://schemas.microsoft.com/office/powerpoint/2010/main" val="1272949033"/>
+        <p14:creationId xmlns:p14="http://schemas.microsoft.com/office/powerpoint/2010/main" val="2951858699"/>
       </p:ext>
     </p:extLst>
   </p:cSld>
@@ -8005,374 +8045,926 @@
                 </a:solidFill>
                 <a:latin typeface="Calibri" pitchFamily="34" charset="0"/>
               </a:rPr>
-              <a:t>#. Limitations</a:t>
+              <a:t>#. WASM under the hood </a:t>
             </a:r>
           </a:p>
         </p:txBody>
       </p:sp>
       <p:sp>
         <p:nvSpPr>
-          <p:cNvPr id="6" name="Content Placeholder 2"/>
-          <p:cNvSpPr txBox="1">
-            <a:spLocks/>
-          </p:cNvSpPr>
+          <p:cNvPr id="51" name="Rectangle: Rounded Corners 50">
+            <a:extLst>
+              <a:ext uri="{FF2B5EF4-FFF2-40B4-BE49-F238E27FC236}">
+                <a16:creationId xmlns:a16="http://schemas.microsoft.com/office/drawing/2014/main" id="{4518D435-74AB-4FE1-9B05-22D83B702CC9}"/>
+              </a:ext>
+            </a:extLst>
+          </p:cNvPr>
+          <p:cNvSpPr/>
           <p:nvPr/>
         </p:nvSpPr>
         <p:spPr>
           <a:xfrm>
-            <a:off x="457200" y="1071545"/>
-            <a:ext cx="8229600" cy="4857785"/>
-          </a:xfrm>
-          <a:prstGeom prst="rect">
+            <a:off x="381000" y="1219200"/>
+            <a:ext cx="1676400" cy="685800"/>
+          </a:xfrm>
+          <a:prstGeom prst="roundRect">
             <a:avLst/>
           </a:prstGeom>
         </p:spPr>
+        <p:style>
+          <a:lnRef idx="2">
+            <a:schemeClr val="accent1">
+              <a:shade val="50000"/>
+            </a:schemeClr>
+          </a:lnRef>
+          <a:fillRef idx="1">
+            <a:schemeClr val="accent1"/>
+          </a:fillRef>
+          <a:effectRef idx="0">
+            <a:schemeClr val="accent1"/>
+          </a:effectRef>
+          <a:fontRef idx="minor">
+            <a:schemeClr val="lt1"/>
+          </a:fontRef>
+        </p:style>
         <p:txBody>
-          <a:bodyPr vert="horz" lIns="91440" tIns="45720" rIns="91440" bIns="45720" rtlCol="0">
-            <a:normAutofit/>
-          </a:bodyPr>
-          <a:lstStyle>
-            <a:lvl1pPr marL="0" indent="0" algn="l" defTabSz="914400" rtl="0" eaLnBrk="1" latinLnBrk="0" hangingPunct="1">
-              <a:spcBef>
-                <a:spcPct val="20000"/>
-              </a:spcBef>
-              <a:buFont typeface="Arial" pitchFamily="34" charset="0"/>
-              <a:buNone/>
-              <a:defRPr sz="3200" kern="1200">
-                <a:solidFill>
-                  <a:schemeClr val="tx1"/>
-                </a:solidFill>
-                <a:latin typeface="+mn-lt"/>
-                <a:ea typeface="+mn-ea"/>
-                <a:cs typeface="+mn-cs"/>
-              </a:defRPr>
-            </a:lvl1pPr>
-            <a:lvl2pPr marL="457200" indent="0" algn="l" defTabSz="914400" rtl="0" eaLnBrk="1" latinLnBrk="0" hangingPunct="1">
-              <a:spcBef>
-                <a:spcPct val="20000"/>
-              </a:spcBef>
-              <a:buFont typeface="Arial" pitchFamily="34" charset="0"/>
-              <a:buNone/>
-              <a:defRPr sz="2800" kern="1200">
-                <a:solidFill>
-                  <a:schemeClr val="tx1"/>
-                </a:solidFill>
-                <a:latin typeface="+mn-lt"/>
-                <a:ea typeface="+mn-ea"/>
-                <a:cs typeface="+mn-cs"/>
-              </a:defRPr>
-            </a:lvl2pPr>
-            <a:lvl3pPr marL="914400" indent="0" algn="l" defTabSz="914400" rtl="0" eaLnBrk="1" latinLnBrk="0" hangingPunct="1">
-              <a:spcBef>
-                <a:spcPct val="20000"/>
-              </a:spcBef>
-              <a:buFont typeface="Arial" pitchFamily="34" charset="0"/>
-              <a:buNone/>
-              <a:defRPr sz="2400" kern="1200">
-                <a:solidFill>
-                  <a:schemeClr val="tx1"/>
-                </a:solidFill>
-                <a:latin typeface="+mn-lt"/>
-                <a:ea typeface="+mn-ea"/>
-                <a:cs typeface="+mn-cs"/>
-              </a:defRPr>
-            </a:lvl3pPr>
-            <a:lvl4pPr marL="1371600" indent="0" algn="l" defTabSz="914400" rtl="0" eaLnBrk="1" latinLnBrk="0" hangingPunct="1">
-              <a:spcBef>
-                <a:spcPct val="20000"/>
-              </a:spcBef>
-              <a:buFont typeface="Arial" pitchFamily="34" charset="0"/>
-              <a:buNone/>
-              <a:defRPr sz="2000" kern="1200">
-                <a:solidFill>
-                  <a:schemeClr val="tx1"/>
-                </a:solidFill>
-                <a:latin typeface="+mn-lt"/>
-                <a:ea typeface="+mn-ea"/>
-                <a:cs typeface="+mn-cs"/>
-              </a:defRPr>
-            </a:lvl4pPr>
-            <a:lvl5pPr marL="1828800" indent="0" algn="l" defTabSz="914400" rtl="0" eaLnBrk="1" latinLnBrk="0" hangingPunct="1">
-              <a:spcBef>
-                <a:spcPct val="20000"/>
-              </a:spcBef>
-              <a:buFont typeface="Arial" pitchFamily="34" charset="0"/>
-              <a:buNone/>
-              <a:defRPr sz="2000" kern="1200">
-                <a:solidFill>
-                  <a:schemeClr val="tx1"/>
-                </a:solidFill>
-                <a:latin typeface="+mn-lt"/>
-                <a:ea typeface="+mn-ea"/>
-                <a:cs typeface="+mn-cs"/>
-              </a:defRPr>
-            </a:lvl5pPr>
-            <a:lvl6pPr marL="2286000" indent="0" algn="l" defTabSz="914400" rtl="0" eaLnBrk="1" latinLnBrk="0" hangingPunct="1">
-              <a:spcBef>
-                <a:spcPct val="20000"/>
-              </a:spcBef>
-              <a:buFont typeface="Arial" pitchFamily="34" charset="0"/>
-              <a:buNone/>
-              <a:defRPr sz="2000" kern="1200">
-                <a:solidFill>
-                  <a:schemeClr val="tx1"/>
-                </a:solidFill>
-                <a:latin typeface="+mn-lt"/>
-                <a:ea typeface="+mn-ea"/>
-                <a:cs typeface="+mn-cs"/>
-              </a:defRPr>
-            </a:lvl6pPr>
-            <a:lvl7pPr marL="2743200" indent="0" algn="l" defTabSz="914400" rtl="0" eaLnBrk="1" latinLnBrk="0" hangingPunct="1">
-              <a:spcBef>
-                <a:spcPct val="20000"/>
-              </a:spcBef>
-              <a:buFont typeface="Arial" pitchFamily="34" charset="0"/>
-              <a:buNone/>
-              <a:defRPr sz="2000" kern="1200">
-                <a:solidFill>
-                  <a:schemeClr val="tx1"/>
-                </a:solidFill>
-                <a:latin typeface="+mn-lt"/>
-                <a:ea typeface="+mn-ea"/>
-                <a:cs typeface="+mn-cs"/>
-              </a:defRPr>
-            </a:lvl7pPr>
-            <a:lvl8pPr marL="3200400" indent="0" algn="l" defTabSz="914400" rtl="0" eaLnBrk="1" latinLnBrk="0" hangingPunct="1">
-              <a:spcBef>
-                <a:spcPct val="20000"/>
-              </a:spcBef>
-              <a:buFont typeface="Arial" pitchFamily="34" charset="0"/>
-              <a:buNone/>
-              <a:defRPr sz="2000" kern="1200">
-                <a:solidFill>
-                  <a:schemeClr val="tx1"/>
-                </a:solidFill>
-                <a:latin typeface="+mn-lt"/>
-                <a:ea typeface="+mn-ea"/>
-                <a:cs typeface="+mn-cs"/>
-              </a:defRPr>
-            </a:lvl8pPr>
-            <a:lvl9pPr marL="3657600" indent="0" algn="l" defTabSz="914400" rtl="0" eaLnBrk="1" latinLnBrk="0" hangingPunct="1">
-              <a:spcBef>
-                <a:spcPct val="20000"/>
-              </a:spcBef>
-              <a:buFont typeface="Arial" pitchFamily="34" charset="0"/>
-              <a:buNone/>
-              <a:defRPr sz="2000" kern="1200">
-                <a:solidFill>
-                  <a:schemeClr val="tx1"/>
-                </a:solidFill>
-                <a:latin typeface="+mn-lt"/>
-                <a:ea typeface="+mn-ea"/>
-                <a:cs typeface="+mn-cs"/>
-              </a:defRPr>
-            </a:lvl9pPr>
-          </a:lstStyle>
-          <a:p>
-            <a:pPr marL="571500" indent="-571500">
-              <a:buFont typeface="Arial" panose="020B0604020202020204" pitchFamily="34" charset="0"/>
-              <a:buChar char="•"/>
-            </a:pPr>
-            <a:endParaRPr lang="en-GB" dirty="0">
-              <a:solidFill>
-                <a:schemeClr val="bg1"/>
-              </a:solidFill>
-            </a:endParaRPr>
+          <a:bodyPr rtlCol="0" anchor="ctr"/>
+          <a:lstStyle/>
+          <a:p>
+            <a:pPr algn="ctr"/>
+            <a:r>
+              <a:rPr lang="en-GB" dirty="0"/>
+              <a:t>JavaScript</a:t>
+            </a:r>
           </a:p>
         </p:txBody>
       </p:sp>
       <p:sp>
         <p:nvSpPr>
-          <p:cNvPr id="4" name="Content Placeholder 2">
+          <p:cNvPr id="52" name="Rectangle: Rounded Corners 51">
             <a:extLst>
               <a:ext uri="{FF2B5EF4-FFF2-40B4-BE49-F238E27FC236}">
-                <a16:creationId xmlns:a16="http://schemas.microsoft.com/office/drawing/2014/main" id="{91C127C4-019D-4816-9ECF-D243EFA4189D}"/>
+                <a16:creationId xmlns:a16="http://schemas.microsoft.com/office/drawing/2014/main" id="{7EC2B06C-32F9-4DDD-B953-FCB0C8F0FEC2}"/>
               </a:ext>
             </a:extLst>
           </p:cNvPr>
-          <p:cNvSpPr txBox="1">
-            <a:spLocks/>
-          </p:cNvSpPr>
+          <p:cNvSpPr/>
           <p:nvPr/>
         </p:nvSpPr>
         <p:spPr>
           <a:xfrm>
-            <a:off x="609600" y="1223945"/>
-            <a:ext cx="8229600" cy="4857785"/>
+            <a:off x="2286000" y="1219200"/>
+            <a:ext cx="1676400" cy="685800"/>
+          </a:xfrm>
+          <a:prstGeom prst="roundRect">
+            <a:avLst/>
+          </a:prstGeom>
+        </p:spPr>
+        <p:style>
+          <a:lnRef idx="2">
+            <a:schemeClr val="accent1">
+              <a:shade val="50000"/>
+            </a:schemeClr>
+          </a:lnRef>
+          <a:fillRef idx="1">
+            <a:schemeClr val="accent1"/>
+          </a:fillRef>
+          <a:effectRef idx="0">
+            <a:schemeClr val="accent1"/>
+          </a:effectRef>
+          <a:fontRef idx="minor">
+            <a:schemeClr val="lt1"/>
+          </a:fontRef>
+        </p:style>
+        <p:txBody>
+          <a:bodyPr rtlCol="0" anchor="ctr"/>
+          <a:lstStyle/>
+          <a:p>
+            <a:pPr algn="ctr"/>
+            <a:r>
+              <a:rPr lang="en-GB" dirty="0"/>
+              <a:t>AST</a:t>
+            </a:r>
+          </a:p>
+        </p:txBody>
+      </p:sp>
+      <p:sp>
+        <p:nvSpPr>
+          <p:cNvPr id="53" name="Rectangle: Rounded Corners 52">
+            <a:extLst>
+              <a:ext uri="{FF2B5EF4-FFF2-40B4-BE49-F238E27FC236}">
+                <a16:creationId xmlns:a16="http://schemas.microsoft.com/office/drawing/2014/main" id="{DA7B5B27-4C9D-4430-982A-6D02FB84B3D8}"/>
+              </a:ext>
+            </a:extLst>
+          </p:cNvPr>
+          <p:cNvSpPr/>
+          <p:nvPr/>
+        </p:nvSpPr>
+        <p:spPr>
+          <a:xfrm>
+            <a:off x="4724400" y="4435622"/>
+            <a:ext cx="1676400" cy="685800"/>
+          </a:xfrm>
+          <a:prstGeom prst="roundRect">
+            <a:avLst/>
+          </a:prstGeom>
+        </p:spPr>
+        <p:style>
+          <a:lnRef idx="2">
+            <a:schemeClr val="accent1">
+              <a:shade val="50000"/>
+            </a:schemeClr>
+          </a:lnRef>
+          <a:fillRef idx="1">
+            <a:schemeClr val="accent1"/>
+          </a:fillRef>
+          <a:effectRef idx="0">
+            <a:schemeClr val="accent1"/>
+          </a:effectRef>
+          <a:fontRef idx="minor">
+            <a:schemeClr val="lt1"/>
+          </a:fontRef>
+        </p:style>
+        <p:txBody>
+          <a:bodyPr rtlCol="0" anchor="ctr"/>
+          <a:lstStyle/>
+          <a:p>
+            <a:pPr algn="ctr"/>
+            <a:r>
+              <a:rPr lang="en-GB" dirty="0"/>
+              <a:t>Simple JIT</a:t>
+            </a:r>
+          </a:p>
+        </p:txBody>
+      </p:sp>
+      <p:sp>
+        <p:nvSpPr>
+          <p:cNvPr id="54" name="Rectangle: Rounded Corners 53">
+            <a:extLst>
+              <a:ext uri="{FF2B5EF4-FFF2-40B4-BE49-F238E27FC236}">
+                <a16:creationId xmlns:a16="http://schemas.microsoft.com/office/drawing/2014/main" id="{FD5973B4-84BF-4A45-850E-6B45F9E7B881}"/>
+              </a:ext>
+            </a:extLst>
+          </p:cNvPr>
+          <p:cNvSpPr/>
+          <p:nvPr/>
+        </p:nvSpPr>
+        <p:spPr>
+          <a:xfrm>
+            <a:off x="4724400" y="5562600"/>
+            <a:ext cx="1676400" cy="685800"/>
+          </a:xfrm>
+          <a:prstGeom prst="roundRect">
+            <a:avLst/>
+          </a:prstGeom>
+        </p:spPr>
+        <p:style>
+          <a:lnRef idx="2">
+            <a:schemeClr val="accent1">
+              <a:shade val="50000"/>
+            </a:schemeClr>
+          </a:lnRef>
+          <a:fillRef idx="1">
+            <a:schemeClr val="accent1"/>
+          </a:fillRef>
+          <a:effectRef idx="0">
+            <a:schemeClr val="accent1"/>
+          </a:effectRef>
+          <a:fontRef idx="minor">
+            <a:schemeClr val="lt1"/>
+          </a:fontRef>
+        </p:style>
+        <p:txBody>
+          <a:bodyPr rtlCol="0" anchor="ctr"/>
+          <a:lstStyle/>
+          <a:p>
+            <a:pPr algn="ctr"/>
+            <a:r>
+              <a:rPr lang="en-GB" dirty="0"/>
+              <a:t>Full JIT</a:t>
+            </a:r>
+          </a:p>
+        </p:txBody>
+      </p:sp>
+      <p:cxnSp>
+        <p:nvCxnSpPr>
+          <p:cNvPr id="61" name="Straight Arrow Connector 60">
+            <a:extLst>
+              <a:ext uri="{FF2B5EF4-FFF2-40B4-BE49-F238E27FC236}">
+                <a16:creationId xmlns:a16="http://schemas.microsoft.com/office/drawing/2014/main" id="{0F13AB00-B4D9-42C9-A5A3-090BBBC4CFC5}"/>
+              </a:ext>
+            </a:extLst>
+          </p:cNvPr>
+          <p:cNvCxnSpPr>
+            <a:stCxn id="51" idx="3"/>
+            <a:endCxn id="52" idx="1"/>
+          </p:cNvCxnSpPr>
+          <p:nvPr/>
+        </p:nvCxnSpPr>
+        <p:spPr>
+          <a:xfrm>
+            <a:off x="2057400" y="1562100"/>
+            <a:ext cx="228600" cy="0"/>
+          </a:xfrm>
+          <a:prstGeom prst="straightConnector1">
+            <a:avLst/>
+          </a:prstGeom>
+          <a:ln>
+            <a:tailEnd type="triangle"/>
+          </a:ln>
+        </p:spPr>
+        <p:style>
+          <a:lnRef idx="1">
+            <a:schemeClr val="accent1"/>
+          </a:lnRef>
+          <a:fillRef idx="0">
+            <a:schemeClr val="accent1"/>
+          </a:fillRef>
+          <a:effectRef idx="0">
+            <a:schemeClr val="accent1"/>
+          </a:effectRef>
+          <a:fontRef idx="minor">
+            <a:schemeClr val="tx1"/>
+          </a:fontRef>
+        </p:style>
+      </p:cxnSp>
+      <p:sp>
+        <p:nvSpPr>
+          <p:cNvPr id="62" name="TextBox 61">
+            <a:extLst>
+              <a:ext uri="{FF2B5EF4-FFF2-40B4-BE49-F238E27FC236}">
+                <a16:creationId xmlns:a16="http://schemas.microsoft.com/office/drawing/2014/main" id="{A1E33E78-C942-470F-9A5A-43BA86B86583}"/>
+              </a:ext>
+            </a:extLst>
+          </p:cNvPr>
+          <p:cNvSpPr txBox="1"/>
+          <p:nvPr/>
+        </p:nvSpPr>
+        <p:spPr>
+          <a:xfrm>
+            <a:off x="348342" y="4511822"/>
+            <a:ext cx="1442108" cy="369332"/>
           </a:xfrm>
           <a:prstGeom prst="rect">
             <a:avLst/>
           </a:prstGeom>
+          <a:noFill/>
         </p:spPr>
         <p:txBody>
-          <a:bodyPr vert="horz" lIns="91440" tIns="45720" rIns="91440" bIns="45720" rtlCol="0">
-            <a:normAutofit/>
+          <a:bodyPr wrap="square" rtlCol="0" anchor="t" anchorCtr="0">
+            <a:spAutoFit/>
           </a:bodyPr>
-          <a:lstStyle>
-            <a:lvl1pPr marL="0" indent="0" algn="l" defTabSz="914400" rtl="0" eaLnBrk="1" latinLnBrk="0" hangingPunct="1">
-              <a:spcBef>
-                <a:spcPct val="20000"/>
-              </a:spcBef>
-              <a:buFont typeface="Arial" pitchFamily="34" charset="0"/>
-              <a:buNone/>
-              <a:defRPr sz="3200" kern="1200">
-                <a:solidFill>
-                  <a:schemeClr val="tx1"/>
-                </a:solidFill>
-                <a:latin typeface="+mn-lt"/>
-                <a:ea typeface="+mn-ea"/>
-                <a:cs typeface="+mn-cs"/>
-              </a:defRPr>
-            </a:lvl1pPr>
-            <a:lvl2pPr marL="457200" indent="0" algn="l" defTabSz="914400" rtl="0" eaLnBrk="1" latinLnBrk="0" hangingPunct="1">
-              <a:spcBef>
-                <a:spcPct val="20000"/>
-              </a:spcBef>
-              <a:buFont typeface="Arial" pitchFamily="34" charset="0"/>
-              <a:buNone/>
-              <a:defRPr sz="2800" kern="1200">
-                <a:solidFill>
-                  <a:schemeClr val="tx1"/>
-                </a:solidFill>
-                <a:latin typeface="+mn-lt"/>
-                <a:ea typeface="+mn-ea"/>
-                <a:cs typeface="+mn-cs"/>
-              </a:defRPr>
-            </a:lvl2pPr>
-            <a:lvl3pPr marL="914400" indent="0" algn="l" defTabSz="914400" rtl="0" eaLnBrk="1" latinLnBrk="0" hangingPunct="1">
-              <a:spcBef>
-                <a:spcPct val="20000"/>
-              </a:spcBef>
-              <a:buFont typeface="Arial" pitchFamily="34" charset="0"/>
-              <a:buNone/>
-              <a:defRPr sz="2400" kern="1200">
-                <a:solidFill>
-                  <a:schemeClr val="tx1"/>
-                </a:solidFill>
-                <a:latin typeface="+mn-lt"/>
-                <a:ea typeface="+mn-ea"/>
-                <a:cs typeface="+mn-cs"/>
-              </a:defRPr>
-            </a:lvl3pPr>
-            <a:lvl4pPr marL="1371600" indent="0" algn="l" defTabSz="914400" rtl="0" eaLnBrk="1" latinLnBrk="0" hangingPunct="1">
-              <a:spcBef>
-                <a:spcPct val="20000"/>
-              </a:spcBef>
-              <a:buFont typeface="Arial" pitchFamily="34" charset="0"/>
-              <a:buNone/>
-              <a:defRPr sz="2000" kern="1200">
-                <a:solidFill>
-                  <a:schemeClr val="tx1"/>
-                </a:solidFill>
-                <a:latin typeface="+mn-lt"/>
-                <a:ea typeface="+mn-ea"/>
-                <a:cs typeface="+mn-cs"/>
-              </a:defRPr>
-            </a:lvl4pPr>
-            <a:lvl5pPr marL="1828800" indent="0" algn="l" defTabSz="914400" rtl="0" eaLnBrk="1" latinLnBrk="0" hangingPunct="1">
-              <a:spcBef>
-                <a:spcPct val="20000"/>
-              </a:spcBef>
-              <a:buFont typeface="Arial" pitchFamily="34" charset="0"/>
-              <a:buNone/>
-              <a:defRPr sz="2000" kern="1200">
-                <a:solidFill>
-                  <a:schemeClr val="tx1"/>
-                </a:solidFill>
-                <a:latin typeface="+mn-lt"/>
-                <a:ea typeface="+mn-ea"/>
-                <a:cs typeface="+mn-cs"/>
-              </a:defRPr>
-            </a:lvl5pPr>
-            <a:lvl6pPr marL="2286000" indent="0" algn="l" defTabSz="914400" rtl="0" eaLnBrk="1" latinLnBrk="0" hangingPunct="1">
-              <a:spcBef>
-                <a:spcPct val="20000"/>
-              </a:spcBef>
-              <a:buFont typeface="Arial" pitchFamily="34" charset="0"/>
-              <a:buNone/>
-              <a:defRPr sz="2000" kern="1200">
-                <a:solidFill>
-                  <a:schemeClr val="tx1"/>
-                </a:solidFill>
-                <a:latin typeface="+mn-lt"/>
-                <a:ea typeface="+mn-ea"/>
-                <a:cs typeface="+mn-cs"/>
-              </a:defRPr>
-            </a:lvl6pPr>
-            <a:lvl7pPr marL="2743200" indent="0" algn="l" defTabSz="914400" rtl="0" eaLnBrk="1" latinLnBrk="0" hangingPunct="1">
-              <a:spcBef>
-                <a:spcPct val="20000"/>
-              </a:spcBef>
-              <a:buFont typeface="Arial" pitchFamily="34" charset="0"/>
-              <a:buNone/>
-              <a:defRPr sz="2000" kern="1200">
-                <a:solidFill>
-                  <a:schemeClr val="tx1"/>
-                </a:solidFill>
-                <a:latin typeface="+mn-lt"/>
-                <a:ea typeface="+mn-ea"/>
-                <a:cs typeface="+mn-cs"/>
-              </a:defRPr>
-            </a:lvl7pPr>
-            <a:lvl8pPr marL="3200400" indent="0" algn="l" defTabSz="914400" rtl="0" eaLnBrk="1" latinLnBrk="0" hangingPunct="1">
-              <a:spcBef>
-                <a:spcPct val="20000"/>
-              </a:spcBef>
-              <a:buFont typeface="Arial" pitchFamily="34" charset="0"/>
-              <a:buNone/>
-              <a:defRPr sz="2000" kern="1200">
-                <a:solidFill>
-                  <a:schemeClr val="tx1"/>
-                </a:solidFill>
-                <a:latin typeface="+mn-lt"/>
-                <a:ea typeface="+mn-ea"/>
-                <a:cs typeface="+mn-cs"/>
-              </a:defRPr>
-            </a:lvl8pPr>
-            <a:lvl9pPr marL="3657600" indent="0" algn="l" defTabSz="914400" rtl="0" eaLnBrk="1" latinLnBrk="0" hangingPunct="1">
-              <a:spcBef>
-                <a:spcPct val="20000"/>
-              </a:spcBef>
-              <a:buFont typeface="Arial" pitchFamily="34" charset="0"/>
-              <a:buNone/>
-              <a:defRPr sz="2000" kern="1200">
-                <a:solidFill>
-                  <a:schemeClr val="tx1"/>
-                </a:solidFill>
-                <a:latin typeface="+mn-lt"/>
-                <a:ea typeface="+mn-ea"/>
-                <a:cs typeface="+mn-cs"/>
-              </a:defRPr>
-            </a:lvl9pPr>
-          </a:lstStyle>
-          <a:p>
-            <a:pPr marL="571500" indent="-571500">
-              <a:buFont typeface="Arial" panose="020B0604020202020204" pitchFamily="34" charset="0"/>
-              <a:buChar char="•"/>
-            </a:pPr>
-            <a:endParaRPr lang="en-GB" dirty="0">
-              <a:solidFill>
-                <a:schemeClr val="bg1"/>
-              </a:solidFill>
-            </a:endParaRPr>
-          </a:p>
-          <a:p>
-            <a:pPr marL="571500" indent="-571500">
-              <a:buFont typeface="Arial" panose="020B0604020202020204" pitchFamily="34" charset="0"/>
-              <a:buChar char="•"/>
-            </a:pPr>
-            <a:endParaRPr lang="en-US" dirty="0">
-              <a:solidFill>
-                <a:schemeClr val="bg1"/>
-              </a:solidFill>
-            </a:endParaRPr>
+          <a:lstStyle/>
+          <a:p>
+            <a:r>
+              <a:rPr lang="en-GB" dirty="0">
+                <a:solidFill>
+                  <a:schemeClr val="bg1"/>
+                </a:solidFill>
+              </a:rPr>
+              <a:t>Hot (&gt;1000)</a:t>
+            </a:r>
           </a:p>
         </p:txBody>
       </p:sp>
+      <p:sp>
+        <p:nvSpPr>
+          <p:cNvPr id="64" name="TextBox 63">
+            <a:extLst>
+              <a:ext uri="{FF2B5EF4-FFF2-40B4-BE49-F238E27FC236}">
+                <a16:creationId xmlns:a16="http://schemas.microsoft.com/office/drawing/2014/main" id="{E9475C67-8704-4186-9B54-5A6159A0A880}"/>
+              </a:ext>
+            </a:extLst>
+          </p:cNvPr>
+          <p:cNvSpPr txBox="1"/>
+          <p:nvPr/>
+        </p:nvSpPr>
+        <p:spPr>
+          <a:xfrm>
+            <a:off x="380999" y="5742690"/>
+            <a:ext cx="2438401" cy="369332"/>
+          </a:xfrm>
+          <a:prstGeom prst="rect">
+            <a:avLst/>
+          </a:prstGeom>
+          <a:noFill/>
+        </p:spPr>
+        <p:txBody>
+          <a:bodyPr wrap="square" rtlCol="0">
+            <a:spAutoFit/>
+          </a:bodyPr>
+          <a:lstStyle/>
+          <a:p>
+            <a:r>
+              <a:rPr lang="en-GB" dirty="0">
+                <a:solidFill>
+                  <a:schemeClr val="bg1"/>
+                </a:solidFill>
+              </a:rPr>
+              <a:t>Extra Hot (&gt;100000)</a:t>
+            </a:r>
+          </a:p>
+        </p:txBody>
+      </p:sp>
+      <p:sp>
+        <p:nvSpPr>
+          <p:cNvPr id="76" name="TextBox 75">
+            <a:extLst>
+              <a:ext uri="{FF2B5EF4-FFF2-40B4-BE49-F238E27FC236}">
+                <a16:creationId xmlns:a16="http://schemas.microsoft.com/office/drawing/2014/main" id="{F7A70200-CFC6-4442-B4C1-251A137B910C}"/>
+              </a:ext>
+            </a:extLst>
+          </p:cNvPr>
+          <p:cNvSpPr txBox="1"/>
+          <p:nvPr/>
+        </p:nvSpPr>
+        <p:spPr>
+          <a:xfrm>
+            <a:off x="6553200" y="3292622"/>
+            <a:ext cx="846707" cy="369332"/>
+          </a:xfrm>
+          <a:prstGeom prst="rect">
+            <a:avLst/>
+          </a:prstGeom>
+          <a:noFill/>
+        </p:spPr>
+        <p:txBody>
+          <a:bodyPr wrap="none" rtlCol="0">
+            <a:spAutoFit/>
+          </a:bodyPr>
+          <a:lstStyle/>
+          <a:p>
+            <a:r>
+              <a:rPr lang="en-GB" dirty="0">
+                <a:solidFill>
+                  <a:schemeClr val="bg1"/>
+                </a:solidFill>
+              </a:rPr>
+              <a:t>Bailout</a:t>
+            </a:r>
+          </a:p>
+        </p:txBody>
+      </p:sp>
+      <p:sp>
+        <p:nvSpPr>
+          <p:cNvPr id="78" name="Rectangle: Rounded Corners 77">
+            <a:extLst>
+              <a:ext uri="{FF2B5EF4-FFF2-40B4-BE49-F238E27FC236}">
+                <a16:creationId xmlns:a16="http://schemas.microsoft.com/office/drawing/2014/main" id="{B13D2CB9-7351-4EA9-B297-E53D8FDC398C}"/>
+              </a:ext>
+            </a:extLst>
+          </p:cNvPr>
+          <p:cNvSpPr/>
+          <p:nvPr/>
+        </p:nvSpPr>
+        <p:spPr>
+          <a:xfrm>
+            <a:off x="4724400" y="3308644"/>
+            <a:ext cx="1676400" cy="685800"/>
+          </a:xfrm>
+          <a:prstGeom prst="roundRect">
+            <a:avLst/>
+          </a:prstGeom>
+        </p:spPr>
+        <p:style>
+          <a:lnRef idx="2">
+            <a:schemeClr val="accent1">
+              <a:shade val="50000"/>
+            </a:schemeClr>
+          </a:lnRef>
+          <a:fillRef idx="1">
+            <a:schemeClr val="accent1"/>
+          </a:fillRef>
+          <a:effectRef idx="0">
+            <a:schemeClr val="accent1"/>
+          </a:effectRef>
+          <a:fontRef idx="minor">
+            <a:schemeClr val="lt1"/>
+          </a:fontRef>
+        </p:style>
+        <p:txBody>
+          <a:bodyPr rtlCol="0" anchor="ctr"/>
+          <a:lstStyle/>
+          <a:p>
+            <a:pPr algn="ctr"/>
+            <a:r>
+              <a:rPr lang="en-GB" dirty="0"/>
+              <a:t>AST Interpreter</a:t>
+            </a:r>
+          </a:p>
+        </p:txBody>
+      </p:sp>
+      <p:cxnSp>
+        <p:nvCxnSpPr>
+          <p:cNvPr id="84" name="Connector: Elbow 83">
+            <a:extLst>
+              <a:ext uri="{FF2B5EF4-FFF2-40B4-BE49-F238E27FC236}">
+                <a16:creationId xmlns:a16="http://schemas.microsoft.com/office/drawing/2014/main" id="{67094F98-DD9D-48D8-A28D-9185A2BADE91}"/>
+              </a:ext>
+            </a:extLst>
+          </p:cNvPr>
+          <p:cNvCxnSpPr>
+            <a:stCxn id="52" idx="3"/>
+            <a:endCxn id="78" idx="1"/>
+          </p:cNvCxnSpPr>
+          <p:nvPr/>
+        </p:nvCxnSpPr>
+        <p:spPr>
+          <a:xfrm>
+            <a:off x="3962400" y="1562100"/>
+            <a:ext cx="762000" cy="2089444"/>
+          </a:xfrm>
+          <a:prstGeom prst="bentConnector3">
+            <a:avLst/>
+          </a:prstGeom>
+          <a:ln>
+            <a:tailEnd type="triangle"/>
+          </a:ln>
+        </p:spPr>
+        <p:style>
+          <a:lnRef idx="1">
+            <a:schemeClr val="accent1"/>
+          </a:lnRef>
+          <a:fillRef idx="0">
+            <a:schemeClr val="accent1"/>
+          </a:fillRef>
+          <a:effectRef idx="0">
+            <a:schemeClr val="accent1"/>
+          </a:effectRef>
+          <a:fontRef idx="minor">
+            <a:schemeClr val="tx1"/>
+          </a:fontRef>
+        </p:style>
+      </p:cxnSp>
+      <p:cxnSp>
+        <p:nvCxnSpPr>
+          <p:cNvPr id="86" name="Connector: Elbow 85">
+            <a:extLst>
+              <a:ext uri="{FF2B5EF4-FFF2-40B4-BE49-F238E27FC236}">
+                <a16:creationId xmlns:a16="http://schemas.microsoft.com/office/drawing/2014/main" id="{FC0F1233-731D-4F90-9B82-D75DDB422852}"/>
+              </a:ext>
+            </a:extLst>
+          </p:cNvPr>
+          <p:cNvCxnSpPr>
+            <a:stCxn id="52" idx="3"/>
+            <a:endCxn id="53" idx="1"/>
+          </p:cNvCxnSpPr>
+          <p:nvPr/>
+        </p:nvCxnSpPr>
+        <p:spPr>
+          <a:xfrm>
+            <a:off x="3962400" y="1562100"/>
+            <a:ext cx="762000" cy="3216422"/>
+          </a:xfrm>
+          <a:prstGeom prst="bentConnector3">
+            <a:avLst/>
+          </a:prstGeom>
+          <a:ln>
+            <a:tailEnd type="triangle"/>
+          </a:ln>
+        </p:spPr>
+        <p:style>
+          <a:lnRef idx="1">
+            <a:schemeClr val="accent1"/>
+          </a:lnRef>
+          <a:fillRef idx="0">
+            <a:schemeClr val="accent1"/>
+          </a:fillRef>
+          <a:effectRef idx="0">
+            <a:schemeClr val="accent1"/>
+          </a:effectRef>
+          <a:fontRef idx="minor">
+            <a:schemeClr val="tx1"/>
+          </a:fontRef>
+        </p:style>
+      </p:cxnSp>
+      <p:cxnSp>
+        <p:nvCxnSpPr>
+          <p:cNvPr id="88" name="Connector: Elbow 87">
+            <a:extLst>
+              <a:ext uri="{FF2B5EF4-FFF2-40B4-BE49-F238E27FC236}">
+                <a16:creationId xmlns:a16="http://schemas.microsoft.com/office/drawing/2014/main" id="{05A91D2F-96CE-4E82-B43E-9A5472CD63D0}"/>
+              </a:ext>
+            </a:extLst>
+          </p:cNvPr>
+          <p:cNvCxnSpPr>
+            <a:stCxn id="52" idx="3"/>
+            <a:endCxn id="54" idx="1"/>
+          </p:cNvCxnSpPr>
+          <p:nvPr/>
+        </p:nvCxnSpPr>
+        <p:spPr>
+          <a:xfrm>
+            <a:off x="3962400" y="1562100"/>
+            <a:ext cx="762000" cy="4343400"/>
+          </a:xfrm>
+          <a:prstGeom prst="bentConnector3">
+            <a:avLst/>
+          </a:prstGeom>
+          <a:ln>
+            <a:tailEnd type="triangle"/>
+          </a:ln>
+        </p:spPr>
+        <p:style>
+          <a:lnRef idx="1">
+            <a:schemeClr val="accent1"/>
+          </a:lnRef>
+          <a:fillRef idx="0">
+            <a:schemeClr val="accent1"/>
+          </a:fillRef>
+          <a:effectRef idx="0">
+            <a:schemeClr val="accent1"/>
+          </a:effectRef>
+          <a:fontRef idx="minor">
+            <a:schemeClr val="tx1"/>
+          </a:fontRef>
+        </p:style>
+      </p:cxnSp>
+      <p:cxnSp>
+        <p:nvCxnSpPr>
+          <p:cNvPr id="92" name="Connector: Elbow 91">
+            <a:extLst>
+              <a:ext uri="{FF2B5EF4-FFF2-40B4-BE49-F238E27FC236}">
+                <a16:creationId xmlns:a16="http://schemas.microsoft.com/office/drawing/2014/main" id="{FDFCEB2B-8079-4807-A2F3-AEE1DA4D2578}"/>
+              </a:ext>
+            </a:extLst>
+          </p:cNvPr>
+          <p:cNvCxnSpPr>
+            <a:stCxn id="53" idx="3"/>
+            <a:endCxn id="78" idx="3"/>
+          </p:cNvCxnSpPr>
+          <p:nvPr/>
+        </p:nvCxnSpPr>
+        <p:spPr>
+          <a:xfrm flipV="1">
+            <a:off x="6400800" y="3651544"/>
+            <a:ext cx="12700" cy="1126978"/>
+          </a:xfrm>
+          <a:prstGeom prst="bentConnector3">
+            <a:avLst>
+              <a:gd name="adj1" fmla="val 7171433"/>
+            </a:avLst>
+          </a:prstGeom>
+          <a:ln>
+            <a:tailEnd type="triangle"/>
+          </a:ln>
+        </p:spPr>
+        <p:style>
+          <a:lnRef idx="1">
+            <a:schemeClr val="accent1"/>
+          </a:lnRef>
+          <a:fillRef idx="0">
+            <a:schemeClr val="accent1"/>
+          </a:fillRef>
+          <a:effectRef idx="0">
+            <a:schemeClr val="accent1"/>
+          </a:effectRef>
+          <a:fontRef idx="minor">
+            <a:schemeClr val="tx1"/>
+          </a:fontRef>
+        </p:style>
+      </p:cxnSp>
+      <p:cxnSp>
+        <p:nvCxnSpPr>
+          <p:cNvPr id="94" name="Connector: Elbow 93">
+            <a:extLst>
+              <a:ext uri="{FF2B5EF4-FFF2-40B4-BE49-F238E27FC236}">
+                <a16:creationId xmlns:a16="http://schemas.microsoft.com/office/drawing/2014/main" id="{1BC9866A-DF14-410E-BB13-7A15209B725F}"/>
+              </a:ext>
+            </a:extLst>
+          </p:cNvPr>
+          <p:cNvCxnSpPr>
+            <a:stCxn id="54" idx="3"/>
+            <a:endCxn id="78" idx="3"/>
+          </p:cNvCxnSpPr>
+          <p:nvPr/>
+        </p:nvCxnSpPr>
+        <p:spPr>
+          <a:xfrm flipV="1">
+            <a:off x="6400800" y="3651544"/>
+            <a:ext cx="12700" cy="2253956"/>
+          </a:xfrm>
+          <a:prstGeom prst="bentConnector3">
+            <a:avLst>
+              <a:gd name="adj1" fmla="val 7171425"/>
+            </a:avLst>
+          </a:prstGeom>
+          <a:ln>
+            <a:tailEnd type="triangle"/>
+          </a:ln>
+        </p:spPr>
+        <p:style>
+          <a:lnRef idx="1">
+            <a:schemeClr val="accent1"/>
+          </a:lnRef>
+          <a:fillRef idx="0">
+            <a:schemeClr val="accent1"/>
+          </a:fillRef>
+          <a:effectRef idx="0">
+            <a:schemeClr val="accent1"/>
+          </a:effectRef>
+          <a:fontRef idx="minor">
+            <a:schemeClr val="tx1"/>
+          </a:fontRef>
+        </p:style>
+      </p:cxnSp>
+      <p:cxnSp>
+        <p:nvCxnSpPr>
+          <p:cNvPr id="100" name="Straight Connector 99">
+            <a:extLst>
+              <a:ext uri="{FF2B5EF4-FFF2-40B4-BE49-F238E27FC236}">
+                <a16:creationId xmlns:a16="http://schemas.microsoft.com/office/drawing/2014/main" id="{A48269E2-82B7-49E0-A5CD-465B37242EA6}"/>
+              </a:ext>
+            </a:extLst>
+          </p:cNvPr>
+          <p:cNvCxnSpPr>
+            <a:cxnSpLocks/>
+          </p:cNvCxnSpPr>
+          <p:nvPr/>
+        </p:nvCxnSpPr>
+        <p:spPr>
+          <a:xfrm>
+            <a:off x="457200" y="5350022"/>
+            <a:ext cx="8229600" cy="0"/>
+          </a:xfrm>
+          <a:prstGeom prst="line">
+            <a:avLst/>
+          </a:prstGeom>
+        </p:spPr>
+        <p:style>
+          <a:lnRef idx="1">
+            <a:schemeClr val="accent6"/>
+          </a:lnRef>
+          <a:fillRef idx="0">
+            <a:schemeClr val="accent6"/>
+          </a:fillRef>
+          <a:effectRef idx="0">
+            <a:schemeClr val="accent6"/>
+          </a:effectRef>
+          <a:fontRef idx="minor">
+            <a:schemeClr val="tx1"/>
+          </a:fontRef>
+        </p:style>
+      </p:cxnSp>
+      <p:cxnSp>
+        <p:nvCxnSpPr>
+          <p:cNvPr id="103" name="Straight Connector 102">
+            <a:extLst>
+              <a:ext uri="{FF2B5EF4-FFF2-40B4-BE49-F238E27FC236}">
+                <a16:creationId xmlns:a16="http://schemas.microsoft.com/office/drawing/2014/main" id="{8DB488B3-68DB-4A42-BA9B-1B47FC68A1C5}"/>
+              </a:ext>
+            </a:extLst>
+          </p:cNvPr>
+          <p:cNvCxnSpPr>
+            <a:cxnSpLocks/>
+          </p:cNvCxnSpPr>
+          <p:nvPr/>
+        </p:nvCxnSpPr>
+        <p:spPr>
+          <a:xfrm>
+            <a:off x="457200" y="4207022"/>
+            <a:ext cx="8229600" cy="0"/>
+          </a:xfrm>
+          <a:prstGeom prst="line">
+            <a:avLst/>
+          </a:prstGeom>
+        </p:spPr>
+        <p:style>
+          <a:lnRef idx="1">
+            <a:schemeClr val="accent6"/>
+          </a:lnRef>
+          <a:fillRef idx="0">
+            <a:schemeClr val="accent6"/>
+          </a:fillRef>
+          <a:effectRef idx="0">
+            <a:schemeClr val="accent6"/>
+          </a:effectRef>
+          <a:fontRef idx="minor">
+            <a:schemeClr val="tx1"/>
+          </a:fontRef>
+        </p:style>
+      </p:cxnSp>
+      <p:cxnSp>
+        <p:nvCxnSpPr>
+          <p:cNvPr id="104" name="Straight Connector 103">
+            <a:extLst>
+              <a:ext uri="{FF2B5EF4-FFF2-40B4-BE49-F238E27FC236}">
+                <a16:creationId xmlns:a16="http://schemas.microsoft.com/office/drawing/2014/main" id="{B6BFC27F-3E6B-470B-96AF-E59A67ABF196}"/>
+              </a:ext>
+            </a:extLst>
+          </p:cNvPr>
+          <p:cNvCxnSpPr>
+            <a:cxnSpLocks/>
+          </p:cNvCxnSpPr>
+          <p:nvPr/>
+        </p:nvCxnSpPr>
+        <p:spPr>
+          <a:xfrm>
+            <a:off x="457200" y="3064022"/>
+            <a:ext cx="8229600" cy="0"/>
+          </a:xfrm>
+          <a:prstGeom prst="line">
+            <a:avLst/>
+          </a:prstGeom>
+        </p:spPr>
+        <p:style>
+          <a:lnRef idx="1">
+            <a:schemeClr val="accent6"/>
+          </a:lnRef>
+          <a:fillRef idx="0">
+            <a:schemeClr val="accent6"/>
+          </a:fillRef>
+          <a:effectRef idx="0">
+            <a:schemeClr val="accent6"/>
+          </a:effectRef>
+          <a:fontRef idx="minor">
+            <a:schemeClr val="tx1"/>
+          </a:fontRef>
+        </p:style>
+      </p:cxnSp>
+      <p:sp>
+        <p:nvSpPr>
+          <p:cNvPr id="105" name="TextBox 104">
+            <a:extLst>
+              <a:ext uri="{FF2B5EF4-FFF2-40B4-BE49-F238E27FC236}">
+                <a16:creationId xmlns:a16="http://schemas.microsoft.com/office/drawing/2014/main" id="{477236A1-DE73-45A5-B659-C50842C6F0EC}"/>
+              </a:ext>
+            </a:extLst>
+          </p:cNvPr>
+          <p:cNvSpPr txBox="1"/>
+          <p:nvPr/>
+        </p:nvSpPr>
+        <p:spPr>
+          <a:xfrm>
+            <a:off x="380999" y="3406921"/>
+            <a:ext cx="1442108" cy="369332"/>
+          </a:xfrm>
+          <a:prstGeom prst="rect">
+            <a:avLst/>
+          </a:prstGeom>
+          <a:noFill/>
+        </p:spPr>
+        <p:txBody>
+          <a:bodyPr wrap="square" rtlCol="0" anchor="t" anchorCtr="0">
+            <a:spAutoFit/>
+          </a:bodyPr>
+          <a:lstStyle/>
+          <a:p>
+            <a:r>
+              <a:rPr lang="en-GB" dirty="0">
+                <a:solidFill>
+                  <a:schemeClr val="bg1"/>
+                </a:solidFill>
+              </a:rPr>
+              <a:t>Cold</a:t>
+            </a:r>
+          </a:p>
+        </p:txBody>
+      </p:sp>
+      <p:sp>
+        <p:nvSpPr>
+          <p:cNvPr id="21" name="Rectangle: Rounded Corners 20">
+            <a:extLst>
+              <a:ext uri="{FF2B5EF4-FFF2-40B4-BE49-F238E27FC236}">
+                <a16:creationId xmlns:a16="http://schemas.microsoft.com/office/drawing/2014/main" id="{2028A857-EC55-4CB7-9283-65149E8A9597}"/>
+              </a:ext>
+            </a:extLst>
+          </p:cNvPr>
+          <p:cNvSpPr/>
+          <p:nvPr/>
+        </p:nvSpPr>
+        <p:spPr>
+          <a:xfrm>
+            <a:off x="386192" y="2133600"/>
+            <a:ext cx="1676400" cy="685800"/>
+          </a:xfrm>
+          <a:prstGeom prst="roundRect">
+            <a:avLst/>
+          </a:prstGeom>
+        </p:spPr>
+        <p:style>
+          <a:lnRef idx="2">
+            <a:schemeClr val="accent1">
+              <a:shade val="50000"/>
+            </a:schemeClr>
+          </a:lnRef>
+          <a:fillRef idx="1">
+            <a:schemeClr val="accent1"/>
+          </a:fillRef>
+          <a:effectRef idx="0">
+            <a:schemeClr val="accent1"/>
+          </a:effectRef>
+          <a:fontRef idx="minor">
+            <a:schemeClr val="lt1"/>
+          </a:fontRef>
+        </p:style>
+        <p:txBody>
+          <a:bodyPr rtlCol="0" anchor="ctr"/>
+          <a:lstStyle/>
+          <a:p>
+            <a:pPr algn="ctr"/>
+            <a:r>
+              <a:rPr lang="en-GB" dirty="0"/>
+              <a:t>WASM</a:t>
+            </a:r>
+          </a:p>
+        </p:txBody>
+      </p:sp>
+      <p:sp>
+        <p:nvSpPr>
+          <p:cNvPr id="22" name="Rectangle: Rounded Corners 21">
+            <a:extLst>
+              <a:ext uri="{FF2B5EF4-FFF2-40B4-BE49-F238E27FC236}">
+                <a16:creationId xmlns:a16="http://schemas.microsoft.com/office/drawing/2014/main" id="{D8E6D891-B372-4C64-85BD-754FDDB41B4C}"/>
+              </a:ext>
+            </a:extLst>
+          </p:cNvPr>
+          <p:cNvSpPr/>
+          <p:nvPr/>
+        </p:nvSpPr>
+        <p:spPr>
+          <a:xfrm>
+            <a:off x="2451100" y="3319054"/>
+            <a:ext cx="1676400" cy="685800"/>
+          </a:xfrm>
+          <a:prstGeom prst="roundRect">
+            <a:avLst/>
+          </a:prstGeom>
+        </p:spPr>
+        <p:style>
+          <a:lnRef idx="2">
+            <a:schemeClr val="accent1">
+              <a:shade val="50000"/>
+            </a:schemeClr>
+          </a:lnRef>
+          <a:fillRef idx="1">
+            <a:schemeClr val="accent1"/>
+          </a:fillRef>
+          <a:effectRef idx="0">
+            <a:schemeClr val="accent1"/>
+          </a:effectRef>
+          <a:fontRef idx="minor">
+            <a:schemeClr val="lt1"/>
+          </a:fontRef>
+        </p:style>
+        <p:txBody>
+          <a:bodyPr rtlCol="0" anchor="ctr"/>
+          <a:lstStyle/>
+          <a:p>
+            <a:pPr algn="ctr"/>
+            <a:r>
+              <a:rPr lang="en-GB" dirty="0"/>
+              <a:t>WASM VM</a:t>
+            </a:r>
+          </a:p>
+        </p:txBody>
+      </p:sp>
+      <p:cxnSp>
+        <p:nvCxnSpPr>
+          <p:cNvPr id="6" name="Connector: Elbow 5">
+            <a:extLst>
+              <a:ext uri="{FF2B5EF4-FFF2-40B4-BE49-F238E27FC236}">
+                <a16:creationId xmlns:a16="http://schemas.microsoft.com/office/drawing/2014/main" id="{43C41C93-CA17-4712-A614-60A6D44ADA2D}"/>
+              </a:ext>
+            </a:extLst>
+          </p:cNvPr>
+          <p:cNvCxnSpPr>
+            <a:stCxn id="21" idx="3"/>
+            <a:endCxn id="22" idx="1"/>
+          </p:cNvCxnSpPr>
+          <p:nvPr/>
+        </p:nvCxnSpPr>
+        <p:spPr>
+          <a:xfrm>
+            <a:off x="2062592" y="2476500"/>
+            <a:ext cx="388508" cy="1185454"/>
+          </a:xfrm>
+          <a:prstGeom prst="bentConnector3">
+            <a:avLst/>
+          </a:prstGeom>
+          <a:ln>
+            <a:tailEnd type="triangle"/>
+          </a:ln>
+        </p:spPr>
+        <p:style>
+          <a:lnRef idx="1">
+            <a:schemeClr val="accent1"/>
+          </a:lnRef>
+          <a:fillRef idx="0">
+            <a:schemeClr val="accent1"/>
+          </a:fillRef>
+          <a:effectRef idx="0">
+            <a:schemeClr val="accent1"/>
+          </a:effectRef>
+          <a:fontRef idx="minor">
+            <a:schemeClr val="tx1"/>
+          </a:fontRef>
+        </p:style>
+      </p:cxnSp>
     </p:spTree>
     <p:extLst>
       <p:ext uri="{BB962C8B-B14F-4D97-AF65-F5344CB8AC3E}">
-        <p14:creationId xmlns:p14="http://schemas.microsoft.com/office/powerpoint/2010/main" val="914059676"/>
+        <p14:creationId xmlns:p14="http://schemas.microsoft.com/office/powerpoint/2010/main" val="71980449"/>
       </p:ext>
     </p:extLst>
   </p:cSld>
@@ -8434,7 +9026,7 @@
                 </a:solidFill>
                 <a:latin typeface="Calibri" pitchFamily="34" charset="0"/>
               </a:rPr>
-              <a:t>#. Real world examples</a:t>
+              <a:t>#. Performance</a:t>
             </a:r>
           </a:p>
         </p:txBody>
@@ -8798,280 +9390,10 @@
           </a:p>
         </p:txBody>
       </p:sp>
-      <p:sp>
-        <p:nvSpPr>
-          <p:cNvPr id="7" name="Content Placeholder 2">
-            <a:extLst>
-              <a:ext uri="{FF2B5EF4-FFF2-40B4-BE49-F238E27FC236}">
-                <a16:creationId xmlns:a16="http://schemas.microsoft.com/office/drawing/2014/main" id="{43AA64BF-AFBE-4DB8-9326-7742FF5AE898}"/>
-              </a:ext>
-            </a:extLst>
-          </p:cNvPr>
-          <p:cNvSpPr txBox="1">
-            <a:spLocks/>
-          </p:cNvSpPr>
-          <p:nvPr/>
-        </p:nvSpPr>
-        <p:spPr>
-          <a:xfrm>
-            <a:off x="152400" y="914401"/>
-            <a:ext cx="6553200" cy="5157805"/>
-          </a:xfrm>
-          <a:prstGeom prst="rect">
-            <a:avLst/>
-          </a:prstGeom>
-        </p:spPr>
-        <p:txBody>
-          <a:bodyPr vert="horz" lIns="91440" tIns="45720" rIns="91440" bIns="45720" rtlCol="0">
-            <a:normAutofit/>
-          </a:bodyPr>
-          <a:lstStyle>
-            <a:lvl1pPr marL="0" indent="0" algn="l" defTabSz="914400" rtl="0" eaLnBrk="1" latinLnBrk="0" hangingPunct="1">
-              <a:spcBef>
-                <a:spcPct val="20000"/>
-              </a:spcBef>
-              <a:buFont typeface="Arial" pitchFamily="34" charset="0"/>
-              <a:buNone/>
-              <a:defRPr sz="3200" kern="1200">
-                <a:solidFill>
-                  <a:schemeClr val="tx1"/>
-                </a:solidFill>
-                <a:latin typeface="+mn-lt"/>
-                <a:ea typeface="+mn-ea"/>
-                <a:cs typeface="+mn-cs"/>
-              </a:defRPr>
-            </a:lvl1pPr>
-            <a:lvl2pPr marL="457200" indent="0" algn="l" defTabSz="914400" rtl="0" eaLnBrk="1" latinLnBrk="0" hangingPunct="1">
-              <a:spcBef>
-                <a:spcPct val="20000"/>
-              </a:spcBef>
-              <a:buFont typeface="Arial" pitchFamily="34" charset="0"/>
-              <a:buNone/>
-              <a:defRPr sz="2800" kern="1200">
-                <a:solidFill>
-                  <a:schemeClr val="tx1"/>
-                </a:solidFill>
-                <a:latin typeface="+mn-lt"/>
-                <a:ea typeface="+mn-ea"/>
-                <a:cs typeface="+mn-cs"/>
-              </a:defRPr>
-            </a:lvl2pPr>
-            <a:lvl3pPr marL="914400" indent="0" algn="l" defTabSz="914400" rtl="0" eaLnBrk="1" latinLnBrk="0" hangingPunct="1">
-              <a:spcBef>
-                <a:spcPct val="20000"/>
-              </a:spcBef>
-              <a:buFont typeface="Arial" pitchFamily="34" charset="0"/>
-              <a:buNone/>
-              <a:defRPr sz="2400" kern="1200">
-                <a:solidFill>
-                  <a:schemeClr val="tx1"/>
-                </a:solidFill>
-                <a:latin typeface="+mn-lt"/>
-                <a:ea typeface="+mn-ea"/>
-                <a:cs typeface="+mn-cs"/>
-              </a:defRPr>
-            </a:lvl3pPr>
-            <a:lvl4pPr marL="1371600" indent="0" algn="l" defTabSz="914400" rtl="0" eaLnBrk="1" latinLnBrk="0" hangingPunct="1">
-              <a:spcBef>
-                <a:spcPct val="20000"/>
-              </a:spcBef>
-              <a:buFont typeface="Arial" pitchFamily="34" charset="0"/>
-              <a:buNone/>
-              <a:defRPr sz="2000" kern="1200">
-                <a:solidFill>
-                  <a:schemeClr val="tx1"/>
-                </a:solidFill>
-                <a:latin typeface="+mn-lt"/>
-                <a:ea typeface="+mn-ea"/>
-                <a:cs typeface="+mn-cs"/>
-              </a:defRPr>
-            </a:lvl4pPr>
-            <a:lvl5pPr marL="1828800" indent="0" algn="l" defTabSz="914400" rtl="0" eaLnBrk="1" latinLnBrk="0" hangingPunct="1">
-              <a:spcBef>
-                <a:spcPct val="20000"/>
-              </a:spcBef>
-              <a:buFont typeface="Arial" pitchFamily="34" charset="0"/>
-              <a:buNone/>
-              <a:defRPr sz="2000" kern="1200">
-                <a:solidFill>
-                  <a:schemeClr val="tx1"/>
-                </a:solidFill>
-                <a:latin typeface="+mn-lt"/>
-                <a:ea typeface="+mn-ea"/>
-                <a:cs typeface="+mn-cs"/>
-              </a:defRPr>
-            </a:lvl5pPr>
-            <a:lvl6pPr marL="2286000" indent="0" algn="l" defTabSz="914400" rtl="0" eaLnBrk="1" latinLnBrk="0" hangingPunct="1">
-              <a:spcBef>
-                <a:spcPct val="20000"/>
-              </a:spcBef>
-              <a:buFont typeface="Arial" pitchFamily="34" charset="0"/>
-              <a:buNone/>
-              <a:defRPr sz="2000" kern="1200">
-                <a:solidFill>
-                  <a:schemeClr val="tx1"/>
-                </a:solidFill>
-                <a:latin typeface="+mn-lt"/>
-                <a:ea typeface="+mn-ea"/>
-                <a:cs typeface="+mn-cs"/>
-              </a:defRPr>
-            </a:lvl6pPr>
-            <a:lvl7pPr marL="2743200" indent="0" algn="l" defTabSz="914400" rtl="0" eaLnBrk="1" latinLnBrk="0" hangingPunct="1">
-              <a:spcBef>
-                <a:spcPct val="20000"/>
-              </a:spcBef>
-              <a:buFont typeface="Arial" pitchFamily="34" charset="0"/>
-              <a:buNone/>
-              <a:defRPr sz="2000" kern="1200">
-                <a:solidFill>
-                  <a:schemeClr val="tx1"/>
-                </a:solidFill>
-                <a:latin typeface="+mn-lt"/>
-                <a:ea typeface="+mn-ea"/>
-                <a:cs typeface="+mn-cs"/>
-              </a:defRPr>
-            </a:lvl7pPr>
-            <a:lvl8pPr marL="3200400" indent="0" algn="l" defTabSz="914400" rtl="0" eaLnBrk="1" latinLnBrk="0" hangingPunct="1">
-              <a:spcBef>
-                <a:spcPct val="20000"/>
-              </a:spcBef>
-              <a:buFont typeface="Arial" pitchFamily="34" charset="0"/>
-              <a:buNone/>
-              <a:defRPr sz="2000" kern="1200">
-                <a:solidFill>
-                  <a:schemeClr val="tx1"/>
-                </a:solidFill>
-                <a:latin typeface="+mn-lt"/>
-                <a:ea typeface="+mn-ea"/>
-                <a:cs typeface="+mn-cs"/>
-              </a:defRPr>
-            </a:lvl8pPr>
-            <a:lvl9pPr marL="3657600" indent="0" algn="l" defTabSz="914400" rtl="0" eaLnBrk="1" latinLnBrk="0" hangingPunct="1">
-              <a:spcBef>
-                <a:spcPct val="20000"/>
-              </a:spcBef>
-              <a:buFont typeface="Arial" pitchFamily="34" charset="0"/>
-              <a:buNone/>
-              <a:defRPr sz="2000" kern="1200">
-                <a:solidFill>
-                  <a:schemeClr val="tx1"/>
-                </a:solidFill>
-                <a:latin typeface="+mn-lt"/>
-                <a:ea typeface="+mn-ea"/>
-                <a:cs typeface="+mn-cs"/>
-              </a:defRPr>
-            </a:lvl9pPr>
-          </a:lstStyle>
-          <a:p>
-            <a:pPr marL="457200" indent="-457200">
-              <a:buFont typeface="Arial" panose="020B0604020202020204" pitchFamily="34" charset="0"/>
-              <a:buChar char="•"/>
-            </a:pPr>
-            <a:r>
-              <a:rPr lang="en-GB" dirty="0">
-                <a:solidFill>
-                  <a:schemeClr val="bg1"/>
-                </a:solidFill>
-                <a:hlinkClick r:id="rId2">
-                  <a:extLst>
-                    <a:ext uri="{A12FA001-AC4F-418D-AE19-62706E023703}">
-                      <ahyp:hlinkClr xmlns:ahyp="http://schemas.microsoft.com/office/drawing/2018/hyperlinkcolor" val="tx"/>
-                    </a:ext>
-                  </a:extLst>
-                </a:hlinkClick>
-              </a:rPr>
-              <a:t>Google Earth </a:t>
-            </a:r>
-            <a:endParaRPr lang="en-GB" dirty="0">
-              <a:solidFill>
-                <a:schemeClr val="bg1"/>
-              </a:solidFill>
-            </a:endParaRPr>
-          </a:p>
-          <a:p>
-            <a:pPr marL="457200" indent="-457200">
-              <a:buFont typeface="Arial" panose="020B0604020202020204" pitchFamily="34" charset="0"/>
-              <a:buChar char="•"/>
-            </a:pPr>
-            <a:r>
-              <a:rPr lang="en-US" dirty="0">
-                <a:solidFill>
-                  <a:schemeClr val="bg1"/>
-                </a:solidFill>
-                <a:hlinkClick r:id="rId3">
-                  <a:extLst>
-                    <a:ext uri="{A12FA001-AC4F-418D-AE19-62706E023703}">
-                      <ahyp:hlinkClr xmlns:ahyp="http://schemas.microsoft.com/office/drawing/2018/hyperlinkcolor" val="tx"/>
-                    </a:ext>
-                  </a:extLst>
-                </a:hlinkClick>
-              </a:rPr>
-              <a:t>Perspective</a:t>
-            </a:r>
-            <a:endParaRPr lang="en-US" dirty="0">
-              <a:solidFill>
-                <a:schemeClr val="bg1"/>
-              </a:solidFill>
-            </a:endParaRPr>
-          </a:p>
-          <a:p>
-            <a:pPr marL="457200" indent="-457200">
-              <a:buFont typeface="Arial" panose="020B0604020202020204" pitchFamily="34" charset="0"/>
-              <a:buChar char="•"/>
-            </a:pPr>
-            <a:r>
-              <a:rPr lang="en-US" dirty="0">
-                <a:solidFill>
-                  <a:schemeClr val="bg1"/>
-                </a:solidFill>
-                <a:hlinkClick r:id="rId4">
-                  <a:extLst>
-                    <a:ext uri="{A12FA001-AC4F-418D-AE19-62706E023703}">
-                      <ahyp:hlinkClr xmlns:ahyp="http://schemas.microsoft.com/office/drawing/2018/hyperlinkcolor" val="tx"/>
-                    </a:ext>
-                  </a:extLst>
-                </a:hlinkClick>
-              </a:rPr>
-              <a:t>D3</a:t>
-            </a:r>
-            <a:endParaRPr lang="en-US" dirty="0">
-              <a:solidFill>
-                <a:schemeClr val="bg1"/>
-              </a:solidFill>
-            </a:endParaRPr>
-          </a:p>
-          <a:p>
-            <a:pPr marL="457200" indent="-457200">
-              <a:buFont typeface="Arial" panose="020B0604020202020204" pitchFamily="34" charset="0"/>
-              <a:buChar char="•"/>
-            </a:pPr>
-            <a:r>
-              <a:rPr lang="en-US" dirty="0">
-                <a:solidFill>
-                  <a:schemeClr val="bg1"/>
-                </a:solidFill>
-                <a:hlinkClick r:id="rId5">
-                  <a:extLst>
-                    <a:ext uri="{A12FA001-AC4F-418D-AE19-62706E023703}">
-                      <ahyp:hlinkClr xmlns:ahyp="http://schemas.microsoft.com/office/drawing/2018/hyperlinkcolor" val="tx"/>
-                    </a:ext>
-                  </a:extLst>
-                </a:hlinkClick>
-              </a:rPr>
-              <a:t>PSPDFKit</a:t>
-            </a:r>
-            <a:endParaRPr lang="en-US" dirty="0">
-              <a:solidFill>
-                <a:schemeClr val="bg1"/>
-              </a:solidFill>
-            </a:endParaRPr>
-          </a:p>
-        </p:txBody>
-      </p:sp>
     </p:spTree>
     <p:extLst>
       <p:ext uri="{BB962C8B-B14F-4D97-AF65-F5344CB8AC3E}">
-        <p14:creationId xmlns:p14="http://schemas.microsoft.com/office/powerpoint/2010/main" val="3895076446"/>
+        <p14:creationId xmlns:p14="http://schemas.microsoft.com/office/powerpoint/2010/main" val="1272949033"/>
       </p:ext>
     </p:extLst>
   </p:cSld>
@@ -9133,7 +9455,7 @@
                 </a:solidFill>
                 <a:latin typeface="Calibri" pitchFamily="34" charset="0"/>
               </a:rPr>
-              <a:t>#. Do we still need JavaScript?</a:t>
+              <a:t>#. Limitations</a:t>
             </a:r>
           </a:p>
         </p:txBody>
@@ -9497,49 +9819,10 @@
           </a:p>
         </p:txBody>
       </p:sp>
-      <p:sp>
-        <p:nvSpPr>
-          <p:cNvPr id="2" name="TextBox 1">
-            <a:extLst>
-              <a:ext uri="{FF2B5EF4-FFF2-40B4-BE49-F238E27FC236}">
-                <a16:creationId xmlns:a16="http://schemas.microsoft.com/office/drawing/2014/main" id="{2751BAC8-2BD3-4F83-BF12-F314B43EB4B8}"/>
-              </a:ext>
-            </a:extLst>
-          </p:cNvPr>
-          <p:cNvSpPr txBox="1"/>
-          <p:nvPr/>
-        </p:nvSpPr>
-        <p:spPr>
-          <a:xfrm>
-            <a:off x="2616144" y="2105561"/>
-            <a:ext cx="3911712" cy="2646878"/>
-          </a:xfrm>
-          <a:prstGeom prst="rect">
-            <a:avLst/>
-          </a:prstGeom>
-          <a:noFill/>
-        </p:spPr>
-        <p:txBody>
-          <a:bodyPr wrap="none" rtlCol="0">
-            <a:spAutoFit/>
-          </a:bodyPr>
-          <a:lstStyle/>
-          <a:p>
-            <a:r>
-              <a:rPr lang="en-GB" sz="16600" dirty="0">
-                <a:solidFill>
-                  <a:schemeClr val="bg1"/>
-                </a:solidFill>
-              </a:rPr>
-              <a:t>YES!</a:t>
-            </a:r>
-          </a:p>
-        </p:txBody>
-      </p:sp>
     </p:spTree>
     <p:extLst>
       <p:ext uri="{BB962C8B-B14F-4D97-AF65-F5344CB8AC3E}">
-        <p14:creationId xmlns:p14="http://schemas.microsoft.com/office/powerpoint/2010/main" val="2187455491"/>
+        <p14:creationId xmlns:p14="http://schemas.microsoft.com/office/powerpoint/2010/main" val="914059676"/>
       </p:ext>
     </p:extLst>
   </p:cSld>
@@ -9978,6 +10261,1173 @@
 </file>
 
 <file path=ppt/slides/slide20.xml><?xml version="1.0" encoding="utf-8"?>
+<p:sld xmlns:a="http://schemas.openxmlformats.org/drawingml/2006/main" xmlns:r="http://schemas.openxmlformats.org/officeDocument/2006/relationships" xmlns:p="http://schemas.openxmlformats.org/presentationml/2006/main">
+  <p:cSld>
+    <p:spTree>
+      <p:nvGrpSpPr>
+        <p:cNvPr id="1" name=""/>
+        <p:cNvGrpSpPr/>
+        <p:nvPr/>
+      </p:nvGrpSpPr>
+      <p:grpSpPr>
+        <a:xfrm>
+          <a:off x="0" y="0"/>
+          <a:ext cx="0" cy="0"/>
+          <a:chOff x="0" y="0"/>
+          <a:chExt cx="0" cy="0"/>
+        </a:xfrm>
+      </p:grpSpPr>
+      <p:sp>
+        <p:nvSpPr>
+          <p:cNvPr id="5" name="Title 1"/>
+          <p:cNvSpPr>
+            <a:spLocks noGrp="1"/>
+          </p:cNvSpPr>
+          <p:nvPr>
+            <p:ph type="title"/>
+          </p:nvPr>
+        </p:nvSpPr>
+        <p:spPr>
+          <a:xfrm>
+            <a:off x="457200" y="274638"/>
+            <a:ext cx="8229600" cy="511156"/>
+          </a:xfrm>
+        </p:spPr>
+        <p:txBody>
+          <a:bodyPr>
+            <a:noAutofit/>
+          </a:bodyPr>
+          <a:lstStyle/>
+          <a:p>
+            <a:pPr fontAlgn="base">
+              <a:spcAft>
+                <a:spcPct val="0"/>
+              </a:spcAft>
+              <a:defRPr/>
+            </a:pPr>
+            <a:r>
+              <a:rPr lang="en-GB" sz="4000" kern="0" dirty="0">
+                <a:solidFill>
+                  <a:srgbClr val="0098D4"/>
+                </a:solidFill>
+                <a:latin typeface="Calibri" pitchFamily="34" charset="0"/>
+              </a:rPr>
+              <a:t>#. Real world examples</a:t>
+            </a:r>
+          </a:p>
+        </p:txBody>
+      </p:sp>
+      <p:sp>
+        <p:nvSpPr>
+          <p:cNvPr id="6" name="Content Placeholder 2"/>
+          <p:cNvSpPr txBox="1">
+            <a:spLocks/>
+          </p:cNvSpPr>
+          <p:nvPr/>
+        </p:nvSpPr>
+        <p:spPr>
+          <a:xfrm>
+            <a:off x="457200" y="1071545"/>
+            <a:ext cx="8229600" cy="4857785"/>
+          </a:xfrm>
+          <a:prstGeom prst="rect">
+            <a:avLst/>
+          </a:prstGeom>
+        </p:spPr>
+        <p:txBody>
+          <a:bodyPr vert="horz" lIns="91440" tIns="45720" rIns="91440" bIns="45720" rtlCol="0">
+            <a:normAutofit/>
+          </a:bodyPr>
+          <a:lstStyle>
+            <a:lvl1pPr marL="0" indent="0" algn="l" defTabSz="914400" rtl="0" eaLnBrk="1" latinLnBrk="0" hangingPunct="1">
+              <a:spcBef>
+                <a:spcPct val="20000"/>
+              </a:spcBef>
+              <a:buFont typeface="Arial" pitchFamily="34" charset="0"/>
+              <a:buNone/>
+              <a:defRPr sz="3200" kern="1200">
+                <a:solidFill>
+                  <a:schemeClr val="tx1"/>
+                </a:solidFill>
+                <a:latin typeface="+mn-lt"/>
+                <a:ea typeface="+mn-ea"/>
+                <a:cs typeface="+mn-cs"/>
+              </a:defRPr>
+            </a:lvl1pPr>
+            <a:lvl2pPr marL="457200" indent="0" algn="l" defTabSz="914400" rtl="0" eaLnBrk="1" latinLnBrk="0" hangingPunct="1">
+              <a:spcBef>
+                <a:spcPct val="20000"/>
+              </a:spcBef>
+              <a:buFont typeface="Arial" pitchFamily="34" charset="0"/>
+              <a:buNone/>
+              <a:defRPr sz="2800" kern="1200">
+                <a:solidFill>
+                  <a:schemeClr val="tx1"/>
+                </a:solidFill>
+                <a:latin typeface="+mn-lt"/>
+                <a:ea typeface="+mn-ea"/>
+                <a:cs typeface="+mn-cs"/>
+              </a:defRPr>
+            </a:lvl2pPr>
+            <a:lvl3pPr marL="914400" indent="0" algn="l" defTabSz="914400" rtl="0" eaLnBrk="1" latinLnBrk="0" hangingPunct="1">
+              <a:spcBef>
+                <a:spcPct val="20000"/>
+              </a:spcBef>
+              <a:buFont typeface="Arial" pitchFamily="34" charset="0"/>
+              <a:buNone/>
+              <a:defRPr sz="2400" kern="1200">
+                <a:solidFill>
+                  <a:schemeClr val="tx1"/>
+                </a:solidFill>
+                <a:latin typeface="+mn-lt"/>
+                <a:ea typeface="+mn-ea"/>
+                <a:cs typeface="+mn-cs"/>
+              </a:defRPr>
+            </a:lvl3pPr>
+            <a:lvl4pPr marL="1371600" indent="0" algn="l" defTabSz="914400" rtl="0" eaLnBrk="1" latinLnBrk="0" hangingPunct="1">
+              <a:spcBef>
+                <a:spcPct val="20000"/>
+              </a:spcBef>
+              <a:buFont typeface="Arial" pitchFamily="34" charset="0"/>
+              <a:buNone/>
+              <a:defRPr sz="2000" kern="1200">
+                <a:solidFill>
+                  <a:schemeClr val="tx1"/>
+                </a:solidFill>
+                <a:latin typeface="+mn-lt"/>
+                <a:ea typeface="+mn-ea"/>
+                <a:cs typeface="+mn-cs"/>
+              </a:defRPr>
+            </a:lvl4pPr>
+            <a:lvl5pPr marL="1828800" indent="0" algn="l" defTabSz="914400" rtl="0" eaLnBrk="1" latinLnBrk="0" hangingPunct="1">
+              <a:spcBef>
+                <a:spcPct val="20000"/>
+              </a:spcBef>
+              <a:buFont typeface="Arial" pitchFamily="34" charset="0"/>
+              <a:buNone/>
+              <a:defRPr sz="2000" kern="1200">
+                <a:solidFill>
+                  <a:schemeClr val="tx1"/>
+                </a:solidFill>
+                <a:latin typeface="+mn-lt"/>
+                <a:ea typeface="+mn-ea"/>
+                <a:cs typeface="+mn-cs"/>
+              </a:defRPr>
+            </a:lvl5pPr>
+            <a:lvl6pPr marL="2286000" indent="0" algn="l" defTabSz="914400" rtl="0" eaLnBrk="1" latinLnBrk="0" hangingPunct="1">
+              <a:spcBef>
+                <a:spcPct val="20000"/>
+              </a:spcBef>
+              <a:buFont typeface="Arial" pitchFamily="34" charset="0"/>
+              <a:buNone/>
+              <a:defRPr sz="2000" kern="1200">
+                <a:solidFill>
+                  <a:schemeClr val="tx1"/>
+                </a:solidFill>
+                <a:latin typeface="+mn-lt"/>
+                <a:ea typeface="+mn-ea"/>
+                <a:cs typeface="+mn-cs"/>
+              </a:defRPr>
+            </a:lvl6pPr>
+            <a:lvl7pPr marL="2743200" indent="0" algn="l" defTabSz="914400" rtl="0" eaLnBrk="1" latinLnBrk="0" hangingPunct="1">
+              <a:spcBef>
+                <a:spcPct val="20000"/>
+              </a:spcBef>
+              <a:buFont typeface="Arial" pitchFamily="34" charset="0"/>
+              <a:buNone/>
+              <a:defRPr sz="2000" kern="1200">
+                <a:solidFill>
+                  <a:schemeClr val="tx1"/>
+                </a:solidFill>
+                <a:latin typeface="+mn-lt"/>
+                <a:ea typeface="+mn-ea"/>
+                <a:cs typeface="+mn-cs"/>
+              </a:defRPr>
+            </a:lvl7pPr>
+            <a:lvl8pPr marL="3200400" indent="0" algn="l" defTabSz="914400" rtl="0" eaLnBrk="1" latinLnBrk="0" hangingPunct="1">
+              <a:spcBef>
+                <a:spcPct val="20000"/>
+              </a:spcBef>
+              <a:buFont typeface="Arial" pitchFamily="34" charset="0"/>
+              <a:buNone/>
+              <a:defRPr sz="2000" kern="1200">
+                <a:solidFill>
+                  <a:schemeClr val="tx1"/>
+                </a:solidFill>
+                <a:latin typeface="+mn-lt"/>
+                <a:ea typeface="+mn-ea"/>
+                <a:cs typeface="+mn-cs"/>
+              </a:defRPr>
+            </a:lvl8pPr>
+            <a:lvl9pPr marL="3657600" indent="0" algn="l" defTabSz="914400" rtl="0" eaLnBrk="1" latinLnBrk="0" hangingPunct="1">
+              <a:spcBef>
+                <a:spcPct val="20000"/>
+              </a:spcBef>
+              <a:buFont typeface="Arial" pitchFamily="34" charset="0"/>
+              <a:buNone/>
+              <a:defRPr sz="2000" kern="1200">
+                <a:solidFill>
+                  <a:schemeClr val="tx1"/>
+                </a:solidFill>
+                <a:latin typeface="+mn-lt"/>
+                <a:ea typeface="+mn-ea"/>
+                <a:cs typeface="+mn-cs"/>
+              </a:defRPr>
+            </a:lvl9pPr>
+          </a:lstStyle>
+          <a:p>
+            <a:pPr marL="571500" indent="-571500">
+              <a:buFont typeface="Arial" panose="020B0604020202020204" pitchFamily="34" charset="0"/>
+              <a:buChar char="•"/>
+            </a:pPr>
+            <a:endParaRPr lang="en-GB" dirty="0">
+              <a:solidFill>
+                <a:schemeClr val="bg1"/>
+              </a:solidFill>
+            </a:endParaRPr>
+          </a:p>
+        </p:txBody>
+      </p:sp>
+      <p:sp>
+        <p:nvSpPr>
+          <p:cNvPr id="4" name="Content Placeholder 2">
+            <a:extLst>
+              <a:ext uri="{FF2B5EF4-FFF2-40B4-BE49-F238E27FC236}">
+                <a16:creationId xmlns:a16="http://schemas.microsoft.com/office/drawing/2014/main" id="{91C127C4-019D-4816-9ECF-D243EFA4189D}"/>
+              </a:ext>
+            </a:extLst>
+          </p:cNvPr>
+          <p:cNvSpPr txBox="1">
+            <a:spLocks/>
+          </p:cNvSpPr>
+          <p:nvPr/>
+        </p:nvSpPr>
+        <p:spPr>
+          <a:xfrm>
+            <a:off x="609600" y="1223945"/>
+            <a:ext cx="8229600" cy="4857785"/>
+          </a:xfrm>
+          <a:prstGeom prst="rect">
+            <a:avLst/>
+          </a:prstGeom>
+        </p:spPr>
+        <p:txBody>
+          <a:bodyPr vert="horz" lIns="91440" tIns="45720" rIns="91440" bIns="45720" rtlCol="0">
+            <a:normAutofit/>
+          </a:bodyPr>
+          <a:lstStyle>
+            <a:lvl1pPr marL="0" indent="0" algn="l" defTabSz="914400" rtl="0" eaLnBrk="1" latinLnBrk="0" hangingPunct="1">
+              <a:spcBef>
+                <a:spcPct val="20000"/>
+              </a:spcBef>
+              <a:buFont typeface="Arial" pitchFamily="34" charset="0"/>
+              <a:buNone/>
+              <a:defRPr sz="3200" kern="1200">
+                <a:solidFill>
+                  <a:schemeClr val="tx1"/>
+                </a:solidFill>
+                <a:latin typeface="+mn-lt"/>
+                <a:ea typeface="+mn-ea"/>
+                <a:cs typeface="+mn-cs"/>
+              </a:defRPr>
+            </a:lvl1pPr>
+            <a:lvl2pPr marL="457200" indent="0" algn="l" defTabSz="914400" rtl="0" eaLnBrk="1" latinLnBrk="0" hangingPunct="1">
+              <a:spcBef>
+                <a:spcPct val="20000"/>
+              </a:spcBef>
+              <a:buFont typeface="Arial" pitchFamily="34" charset="0"/>
+              <a:buNone/>
+              <a:defRPr sz="2800" kern="1200">
+                <a:solidFill>
+                  <a:schemeClr val="tx1"/>
+                </a:solidFill>
+                <a:latin typeface="+mn-lt"/>
+                <a:ea typeface="+mn-ea"/>
+                <a:cs typeface="+mn-cs"/>
+              </a:defRPr>
+            </a:lvl2pPr>
+            <a:lvl3pPr marL="914400" indent="0" algn="l" defTabSz="914400" rtl="0" eaLnBrk="1" latinLnBrk="0" hangingPunct="1">
+              <a:spcBef>
+                <a:spcPct val="20000"/>
+              </a:spcBef>
+              <a:buFont typeface="Arial" pitchFamily="34" charset="0"/>
+              <a:buNone/>
+              <a:defRPr sz="2400" kern="1200">
+                <a:solidFill>
+                  <a:schemeClr val="tx1"/>
+                </a:solidFill>
+                <a:latin typeface="+mn-lt"/>
+                <a:ea typeface="+mn-ea"/>
+                <a:cs typeface="+mn-cs"/>
+              </a:defRPr>
+            </a:lvl3pPr>
+            <a:lvl4pPr marL="1371600" indent="0" algn="l" defTabSz="914400" rtl="0" eaLnBrk="1" latinLnBrk="0" hangingPunct="1">
+              <a:spcBef>
+                <a:spcPct val="20000"/>
+              </a:spcBef>
+              <a:buFont typeface="Arial" pitchFamily="34" charset="0"/>
+              <a:buNone/>
+              <a:defRPr sz="2000" kern="1200">
+                <a:solidFill>
+                  <a:schemeClr val="tx1"/>
+                </a:solidFill>
+                <a:latin typeface="+mn-lt"/>
+                <a:ea typeface="+mn-ea"/>
+                <a:cs typeface="+mn-cs"/>
+              </a:defRPr>
+            </a:lvl4pPr>
+            <a:lvl5pPr marL="1828800" indent="0" algn="l" defTabSz="914400" rtl="0" eaLnBrk="1" latinLnBrk="0" hangingPunct="1">
+              <a:spcBef>
+                <a:spcPct val="20000"/>
+              </a:spcBef>
+              <a:buFont typeface="Arial" pitchFamily="34" charset="0"/>
+              <a:buNone/>
+              <a:defRPr sz="2000" kern="1200">
+                <a:solidFill>
+                  <a:schemeClr val="tx1"/>
+                </a:solidFill>
+                <a:latin typeface="+mn-lt"/>
+                <a:ea typeface="+mn-ea"/>
+                <a:cs typeface="+mn-cs"/>
+              </a:defRPr>
+            </a:lvl5pPr>
+            <a:lvl6pPr marL="2286000" indent="0" algn="l" defTabSz="914400" rtl="0" eaLnBrk="1" latinLnBrk="0" hangingPunct="1">
+              <a:spcBef>
+                <a:spcPct val="20000"/>
+              </a:spcBef>
+              <a:buFont typeface="Arial" pitchFamily="34" charset="0"/>
+              <a:buNone/>
+              <a:defRPr sz="2000" kern="1200">
+                <a:solidFill>
+                  <a:schemeClr val="tx1"/>
+                </a:solidFill>
+                <a:latin typeface="+mn-lt"/>
+                <a:ea typeface="+mn-ea"/>
+                <a:cs typeface="+mn-cs"/>
+              </a:defRPr>
+            </a:lvl6pPr>
+            <a:lvl7pPr marL="2743200" indent="0" algn="l" defTabSz="914400" rtl="0" eaLnBrk="1" latinLnBrk="0" hangingPunct="1">
+              <a:spcBef>
+                <a:spcPct val="20000"/>
+              </a:spcBef>
+              <a:buFont typeface="Arial" pitchFamily="34" charset="0"/>
+              <a:buNone/>
+              <a:defRPr sz="2000" kern="1200">
+                <a:solidFill>
+                  <a:schemeClr val="tx1"/>
+                </a:solidFill>
+                <a:latin typeface="+mn-lt"/>
+                <a:ea typeface="+mn-ea"/>
+                <a:cs typeface="+mn-cs"/>
+              </a:defRPr>
+            </a:lvl7pPr>
+            <a:lvl8pPr marL="3200400" indent="0" algn="l" defTabSz="914400" rtl="0" eaLnBrk="1" latinLnBrk="0" hangingPunct="1">
+              <a:spcBef>
+                <a:spcPct val="20000"/>
+              </a:spcBef>
+              <a:buFont typeface="Arial" pitchFamily="34" charset="0"/>
+              <a:buNone/>
+              <a:defRPr sz="2000" kern="1200">
+                <a:solidFill>
+                  <a:schemeClr val="tx1"/>
+                </a:solidFill>
+                <a:latin typeface="+mn-lt"/>
+                <a:ea typeface="+mn-ea"/>
+                <a:cs typeface="+mn-cs"/>
+              </a:defRPr>
+            </a:lvl8pPr>
+            <a:lvl9pPr marL="3657600" indent="0" algn="l" defTabSz="914400" rtl="0" eaLnBrk="1" latinLnBrk="0" hangingPunct="1">
+              <a:spcBef>
+                <a:spcPct val="20000"/>
+              </a:spcBef>
+              <a:buFont typeface="Arial" pitchFamily="34" charset="0"/>
+              <a:buNone/>
+              <a:defRPr sz="2000" kern="1200">
+                <a:solidFill>
+                  <a:schemeClr val="tx1"/>
+                </a:solidFill>
+                <a:latin typeface="+mn-lt"/>
+                <a:ea typeface="+mn-ea"/>
+                <a:cs typeface="+mn-cs"/>
+              </a:defRPr>
+            </a:lvl9pPr>
+          </a:lstStyle>
+          <a:p>
+            <a:pPr marL="571500" indent="-571500">
+              <a:buFont typeface="Arial" panose="020B0604020202020204" pitchFamily="34" charset="0"/>
+              <a:buChar char="•"/>
+            </a:pPr>
+            <a:endParaRPr lang="en-GB" dirty="0">
+              <a:solidFill>
+                <a:schemeClr val="bg1"/>
+              </a:solidFill>
+            </a:endParaRPr>
+          </a:p>
+          <a:p>
+            <a:pPr marL="571500" indent="-571500">
+              <a:buFont typeface="Arial" panose="020B0604020202020204" pitchFamily="34" charset="0"/>
+              <a:buChar char="•"/>
+            </a:pPr>
+            <a:endParaRPr lang="en-US" dirty="0">
+              <a:solidFill>
+                <a:schemeClr val="bg1"/>
+              </a:solidFill>
+            </a:endParaRPr>
+          </a:p>
+        </p:txBody>
+      </p:sp>
+      <p:sp>
+        <p:nvSpPr>
+          <p:cNvPr id="7" name="Content Placeholder 2">
+            <a:extLst>
+              <a:ext uri="{FF2B5EF4-FFF2-40B4-BE49-F238E27FC236}">
+                <a16:creationId xmlns:a16="http://schemas.microsoft.com/office/drawing/2014/main" id="{43AA64BF-AFBE-4DB8-9326-7742FF5AE898}"/>
+              </a:ext>
+            </a:extLst>
+          </p:cNvPr>
+          <p:cNvSpPr txBox="1">
+            <a:spLocks/>
+          </p:cNvSpPr>
+          <p:nvPr/>
+        </p:nvSpPr>
+        <p:spPr>
+          <a:xfrm>
+            <a:off x="152400" y="914401"/>
+            <a:ext cx="6553200" cy="5157805"/>
+          </a:xfrm>
+          <a:prstGeom prst="rect">
+            <a:avLst/>
+          </a:prstGeom>
+        </p:spPr>
+        <p:txBody>
+          <a:bodyPr vert="horz" lIns="91440" tIns="45720" rIns="91440" bIns="45720" rtlCol="0">
+            <a:normAutofit/>
+          </a:bodyPr>
+          <a:lstStyle>
+            <a:lvl1pPr marL="0" indent="0" algn="l" defTabSz="914400" rtl="0" eaLnBrk="1" latinLnBrk="0" hangingPunct="1">
+              <a:spcBef>
+                <a:spcPct val="20000"/>
+              </a:spcBef>
+              <a:buFont typeface="Arial" pitchFamily="34" charset="0"/>
+              <a:buNone/>
+              <a:defRPr sz="3200" kern="1200">
+                <a:solidFill>
+                  <a:schemeClr val="tx1"/>
+                </a:solidFill>
+                <a:latin typeface="+mn-lt"/>
+                <a:ea typeface="+mn-ea"/>
+                <a:cs typeface="+mn-cs"/>
+              </a:defRPr>
+            </a:lvl1pPr>
+            <a:lvl2pPr marL="457200" indent="0" algn="l" defTabSz="914400" rtl="0" eaLnBrk="1" latinLnBrk="0" hangingPunct="1">
+              <a:spcBef>
+                <a:spcPct val="20000"/>
+              </a:spcBef>
+              <a:buFont typeface="Arial" pitchFamily="34" charset="0"/>
+              <a:buNone/>
+              <a:defRPr sz="2800" kern="1200">
+                <a:solidFill>
+                  <a:schemeClr val="tx1"/>
+                </a:solidFill>
+                <a:latin typeface="+mn-lt"/>
+                <a:ea typeface="+mn-ea"/>
+                <a:cs typeface="+mn-cs"/>
+              </a:defRPr>
+            </a:lvl2pPr>
+            <a:lvl3pPr marL="914400" indent="0" algn="l" defTabSz="914400" rtl="0" eaLnBrk="1" latinLnBrk="0" hangingPunct="1">
+              <a:spcBef>
+                <a:spcPct val="20000"/>
+              </a:spcBef>
+              <a:buFont typeface="Arial" pitchFamily="34" charset="0"/>
+              <a:buNone/>
+              <a:defRPr sz="2400" kern="1200">
+                <a:solidFill>
+                  <a:schemeClr val="tx1"/>
+                </a:solidFill>
+                <a:latin typeface="+mn-lt"/>
+                <a:ea typeface="+mn-ea"/>
+                <a:cs typeface="+mn-cs"/>
+              </a:defRPr>
+            </a:lvl3pPr>
+            <a:lvl4pPr marL="1371600" indent="0" algn="l" defTabSz="914400" rtl="0" eaLnBrk="1" latinLnBrk="0" hangingPunct="1">
+              <a:spcBef>
+                <a:spcPct val="20000"/>
+              </a:spcBef>
+              <a:buFont typeface="Arial" pitchFamily="34" charset="0"/>
+              <a:buNone/>
+              <a:defRPr sz="2000" kern="1200">
+                <a:solidFill>
+                  <a:schemeClr val="tx1"/>
+                </a:solidFill>
+                <a:latin typeface="+mn-lt"/>
+                <a:ea typeface="+mn-ea"/>
+                <a:cs typeface="+mn-cs"/>
+              </a:defRPr>
+            </a:lvl4pPr>
+            <a:lvl5pPr marL="1828800" indent="0" algn="l" defTabSz="914400" rtl="0" eaLnBrk="1" latinLnBrk="0" hangingPunct="1">
+              <a:spcBef>
+                <a:spcPct val="20000"/>
+              </a:spcBef>
+              <a:buFont typeface="Arial" pitchFamily="34" charset="0"/>
+              <a:buNone/>
+              <a:defRPr sz="2000" kern="1200">
+                <a:solidFill>
+                  <a:schemeClr val="tx1"/>
+                </a:solidFill>
+                <a:latin typeface="+mn-lt"/>
+                <a:ea typeface="+mn-ea"/>
+                <a:cs typeface="+mn-cs"/>
+              </a:defRPr>
+            </a:lvl5pPr>
+            <a:lvl6pPr marL="2286000" indent="0" algn="l" defTabSz="914400" rtl="0" eaLnBrk="1" latinLnBrk="0" hangingPunct="1">
+              <a:spcBef>
+                <a:spcPct val="20000"/>
+              </a:spcBef>
+              <a:buFont typeface="Arial" pitchFamily="34" charset="0"/>
+              <a:buNone/>
+              <a:defRPr sz="2000" kern="1200">
+                <a:solidFill>
+                  <a:schemeClr val="tx1"/>
+                </a:solidFill>
+                <a:latin typeface="+mn-lt"/>
+                <a:ea typeface="+mn-ea"/>
+                <a:cs typeface="+mn-cs"/>
+              </a:defRPr>
+            </a:lvl6pPr>
+            <a:lvl7pPr marL="2743200" indent="0" algn="l" defTabSz="914400" rtl="0" eaLnBrk="1" latinLnBrk="0" hangingPunct="1">
+              <a:spcBef>
+                <a:spcPct val="20000"/>
+              </a:spcBef>
+              <a:buFont typeface="Arial" pitchFamily="34" charset="0"/>
+              <a:buNone/>
+              <a:defRPr sz="2000" kern="1200">
+                <a:solidFill>
+                  <a:schemeClr val="tx1"/>
+                </a:solidFill>
+                <a:latin typeface="+mn-lt"/>
+                <a:ea typeface="+mn-ea"/>
+                <a:cs typeface="+mn-cs"/>
+              </a:defRPr>
+            </a:lvl7pPr>
+            <a:lvl8pPr marL="3200400" indent="0" algn="l" defTabSz="914400" rtl="0" eaLnBrk="1" latinLnBrk="0" hangingPunct="1">
+              <a:spcBef>
+                <a:spcPct val="20000"/>
+              </a:spcBef>
+              <a:buFont typeface="Arial" pitchFamily="34" charset="0"/>
+              <a:buNone/>
+              <a:defRPr sz="2000" kern="1200">
+                <a:solidFill>
+                  <a:schemeClr val="tx1"/>
+                </a:solidFill>
+                <a:latin typeface="+mn-lt"/>
+                <a:ea typeface="+mn-ea"/>
+                <a:cs typeface="+mn-cs"/>
+              </a:defRPr>
+            </a:lvl8pPr>
+            <a:lvl9pPr marL="3657600" indent="0" algn="l" defTabSz="914400" rtl="0" eaLnBrk="1" latinLnBrk="0" hangingPunct="1">
+              <a:spcBef>
+                <a:spcPct val="20000"/>
+              </a:spcBef>
+              <a:buFont typeface="Arial" pitchFamily="34" charset="0"/>
+              <a:buNone/>
+              <a:defRPr sz="2000" kern="1200">
+                <a:solidFill>
+                  <a:schemeClr val="tx1"/>
+                </a:solidFill>
+                <a:latin typeface="+mn-lt"/>
+                <a:ea typeface="+mn-ea"/>
+                <a:cs typeface="+mn-cs"/>
+              </a:defRPr>
+            </a:lvl9pPr>
+          </a:lstStyle>
+          <a:p>
+            <a:pPr marL="457200" indent="-457200">
+              <a:buFont typeface="Arial" panose="020B0604020202020204" pitchFamily="34" charset="0"/>
+              <a:buChar char="•"/>
+            </a:pPr>
+            <a:r>
+              <a:rPr lang="en-GB" dirty="0">
+                <a:solidFill>
+                  <a:schemeClr val="bg1"/>
+                </a:solidFill>
+                <a:hlinkClick r:id="rId2">
+                  <a:extLst>
+                    <a:ext uri="{A12FA001-AC4F-418D-AE19-62706E023703}">
+                      <ahyp:hlinkClr xmlns:ahyp="http://schemas.microsoft.com/office/drawing/2018/hyperlinkcolor" val="tx"/>
+                    </a:ext>
+                  </a:extLst>
+                </a:hlinkClick>
+              </a:rPr>
+              <a:t>Google Earth </a:t>
+            </a:r>
+            <a:endParaRPr lang="en-GB" dirty="0">
+              <a:solidFill>
+                <a:schemeClr val="bg1"/>
+              </a:solidFill>
+            </a:endParaRPr>
+          </a:p>
+          <a:p>
+            <a:pPr marL="457200" indent="-457200">
+              <a:buFont typeface="Arial" panose="020B0604020202020204" pitchFamily="34" charset="0"/>
+              <a:buChar char="•"/>
+            </a:pPr>
+            <a:r>
+              <a:rPr lang="en-US" dirty="0">
+                <a:solidFill>
+                  <a:schemeClr val="bg1"/>
+                </a:solidFill>
+                <a:hlinkClick r:id="rId3">
+                  <a:extLst>
+                    <a:ext uri="{A12FA001-AC4F-418D-AE19-62706E023703}">
+                      <ahyp:hlinkClr xmlns:ahyp="http://schemas.microsoft.com/office/drawing/2018/hyperlinkcolor" val="tx"/>
+                    </a:ext>
+                  </a:extLst>
+                </a:hlinkClick>
+              </a:rPr>
+              <a:t>Perspective</a:t>
+            </a:r>
+            <a:endParaRPr lang="en-US" dirty="0">
+              <a:solidFill>
+                <a:schemeClr val="bg1"/>
+              </a:solidFill>
+            </a:endParaRPr>
+          </a:p>
+          <a:p>
+            <a:pPr marL="457200" indent="-457200">
+              <a:buFont typeface="Arial" panose="020B0604020202020204" pitchFamily="34" charset="0"/>
+              <a:buChar char="•"/>
+            </a:pPr>
+            <a:r>
+              <a:rPr lang="en-US" dirty="0">
+                <a:solidFill>
+                  <a:schemeClr val="bg1"/>
+                </a:solidFill>
+                <a:hlinkClick r:id="rId4">
+                  <a:extLst>
+                    <a:ext uri="{A12FA001-AC4F-418D-AE19-62706E023703}">
+                      <ahyp:hlinkClr xmlns:ahyp="http://schemas.microsoft.com/office/drawing/2018/hyperlinkcolor" val="tx"/>
+                    </a:ext>
+                  </a:extLst>
+                </a:hlinkClick>
+              </a:rPr>
+              <a:t>D3</a:t>
+            </a:r>
+            <a:endParaRPr lang="en-US" dirty="0">
+              <a:solidFill>
+                <a:schemeClr val="bg1"/>
+              </a:solidFill>
+            </a:endParaRPr>
+          </a:p>
+          <a:p>
+            <a:pPr marL="457200" indent="-457200">
+              <a:buFont typeface="Arial" panose="020B0604020202020204" pitchFamily="34" charset="0"/>
+              <a:buChar char="•"/>
+            </a:pPr>
+            <a:r>
+              <a:rPr lang="en-US" dirty="0">
+                <a:solidFill>
+                  <a:schemeClr val="bg1"/>
+                </a:solidFill>
+                <a:hlinkClick r:id="rId5">
+                  <a:extLst>
+                    <a:ext uri="{A12FA001-AC4F-418D-AE19-62706E023703}">
+                      <ahyp:hlinkClr xmlns:ahyp="http://schemas.microsoft.com/office/drawing/2018/hyperlinkcolor" val="tx"/>
+                    </a:ext>
+                  </a:extLst>
+                </a:hlinkClick>
+              </a:rPr>
+              <a:t>PSPDFKit</a:t>
+            </a:r>
+            <a:endParaRPr lang="en-US" dirty="0">
+              <a:solidFill>
+                <a:schemeClr val="bg1"/>
+              </a:solidFill>
+            </a:endParaRPr>
+          </a:p>
+        </p:txBody>
+      </p:sp>
+    </p:spTree>
+    <p:extLst>
+      <p:ext uri="{BB962C8B-B14F-4D97-AF65-F5344CB8AC3E}">
+        <p14:creationId xmlns:p14="http://schemas.microsoft.com/office/powerpoint/2010/main" val="3895076446"/>
+      </p:ext>
+    </p:extLst>
+  </p:cSld>
+  <p:clrMapOvr>
+    <a:masterClrMapping/>
+  </p:clrMapOvr>
+</p:sld>
+</file>
+
+<file path=ppt/slides/slide21.xml><?xml version="1.0" encoding="utf-8"?>
+<p:sld xmlns:a="http://schemas.openxmlformats.org/drawingml/2006/main" xmlns:r="http://schemas.openxmlformats.org/officeDocument/2006/relationships" xmlns:p="http://schemas.openxmlformats.org/presentationml/2006/main">
+  <p:cSld>
+    <p:spTree>
+      <p:nvGrpSpPr>
+        <p:cNvPr id="1" name=""/>
+        <p:cNvGrpSpPr/>
+        <p:nvPr/>
+      </p:nvGrpSpPr>
+      <p:grpSpPr>
+        <a:xfrm>
+          <a:off x="0" y="0"/>
+          <a:ext cx="0" cy="0"/>
+          <a:chOff x="0" y="0"/>
+          <a:chExt cx="0" cy="0"/>
+        </a:xfrm>
+      </p:grpSpPr>
+      <p:sp>
+        <p:nvSpPr>
+          <p:cNvPr id="5" name="Title 1"/>
+          <p:cNvSpPr>
+            <a:spLocks noGrp="1"/>
+          </p:cNvSpPr>
+          <p:nvPr>
+            <p:ph type="title"/>
+          </p:nvPr>
+        </p:nvSpPr>
+        <p:spPr>
+          <a:xfrm>
+            <a:off x="457200" y="274638"/>
+            <a:ext cx="8229600" cy="511156"/>
+          </a:xfrm>
+        </p:spPr>
+        <p:txBody>
+          <a:bodyPr>
+            <a:noAutofit/>
+          </a:bodyPr>
+          <a:lstStyle/>
+          <a:p>
+            <a:pPr fontAlgn="base">
+              <a:spcAft>
+                <a:spcPct val="0"/>
+              </a:spcAft>
+              <a:defRPr/>
+            </a:pPr>
+            <a:r>
+              <a:rPr lang="en-GB" sz="4000" kern="0" dirty="0">
+                <a:solidFill>
+                  <a:srgbClr val="0098D4"/>
+                </a:solidFill>
+                <a:latin typeface="Calibri" pitchFamily="34" charset="0"/>
+              </a:rPr>
+              <a:t>#. Do we still need JavaScript?</a:t>
+            </a:r>
+          </a:p>
+        </p:txBody>
+      </p:sp>
+      <p:sp>
+        <p:nvSpPr>
+          <p:cNvPr id="6" name="Content Placeholder 2"/>
+          <p:cNvSpPr txBox="1">
+            <a:spLocks/>
+          </p:cNvSpPr>
+          <p:nvPr/>
+        </p:nvSpPr>
+        <p:spPr>
+          <a:xfrm>
+            <a:off x="457200" y="1071545"/>
+            <a:ext cx="8229600" cy="4857785"/>
+          </a:xfrm>
+          <a:prstGeom prst="rect">
+            <a:avLst/>
+          </a:prstGeom>
+        </p:spPr>
+        <p:txBody>
+          <a:bodyPr vert="horz" lIns="91440" tIns="45720" rIns="91440" bIns="45720" rtlCol="0">
+            <a:normAutofit/>
+          </a:bodyPr>
+          <a:lstStyle>
+            <a:lvl1pPr marL="0" indent="0" algn="l" defTabSz="914400" rtl="0" eaLnBrk="1" latinLnBrk="0" hangingPunct="1">
+              <a:spcBef>
+                <a:spcPct val="20000"/>
+              </a:spcBef>
+              <a:buFont typeface="Arial" pitchFamily="34" charset="0"/>
+              <a:buNone/>
+              <a:defRPr sz="3200" kern="1200">
+                <a:solidFill>
+                  <a:schemeClr val="tx1"/>
+                </a:solidFill>
+                <a:latin typeface="+mn-lt"/>
+                <a:ea typeface="+mn-ea"/>
+                <a:cs typeface="+mn-cs"/>
+              </a:defRPr>
+            </a:lvl1pPr>
+            <a:lvl2pPr marL="457200" indent="0" algn="l" defTabSz="914400" rtl="0" eaLnBrk="1" latinLnBrk="0" hangingPunct="1">
+              <a:spcBef>
+                <a:spcPct val="20000"/>
+              </a:spcBef>
+              <a:buFont typeface="Arial" pitchFamily="34" charset="0"/>
+              <a:buNone/>
+              <a:defRPr sz="2800" kern="1200">
+                <a:solidFill>
+                  <a:schemeClr val="tx1"/>
+                </a:solidFill>
+                <a:latin typeface="+mn-lt"/>
+                <a:ea typeface="+mn-ea"/>
+                <a:cs typeface="+mn-cs"/>
+              </a:defRPr>
+            </a:lvl2pPr>
+            <a:lvl3pPr marL="914400" indent="0" algn="l" defTabSz="914400" rtl="0" eaLnBrk="1" latinLnBrk="0" hangingPunct="1">
+              <a:spcBef>
+                <a:spcPct val="20000"/>
+              </a:spcBef>
+              <a:buFont typeface="Arial" pitchFamily="34" charset="0"/>
+              <a:buNone/>
+              <a:defRPr sz="2400" kern="1200">
+                <a:solidFill>
+                  <a:schemeClr val="tx1"/>
+                </a:solidFill>
+                <a:latin typeface="+mn-lt"/>
+                <a:ea typeface="+mn-ea"/>
+                <a:cs typeface="+mn-cs"/>
+              </a:defRPr>
+            </a:lvl3pPr>
+            <a:lvl4pPr marL="1371600" indent="0" algn="l" defTabSz="914400" rtl="0" eaLnBrk="1" latinLnBrk="0" hangingPunct="1">
+              <a:spcBef>
+                <a:spcPct val="20000"/>
+              </a:spcBef>
+              <a:buFont typeface="Arial" pitchFamily="34" charset="0"/>
+              <a:buNone/>
+              <a:defRPr sz="2000" kern="1200">
+                <a:solidFill>
+                  <a:schemeClr val="tx1"/>
+                </a:solidFill>
+                <a:latin typeface="+mn-lt"/>
+                <a:ea typeface="+mn-ea"/>
+                <a:cs typeface="+mn-cs"/>
+              </a:defRPr>
+            </a:lvl4pPr>
+            <a:lvl5pPr marL="1828800" indent="0" algn="l" defTabSz="914400" rtl="0" eaLnBrk="1" latinLnBrk="0" hangingPunct="1">
+              <a:spcBef>
+                <a:spcPct val="20000"/>
+              </a:spcBef>
+              <a:buFont typeface="Arial" pitchFamily="34" charset="0"/>
+              <a:buNone/>
+              <a:defRPr sz="2000" kern="1200">
+                <a:solidFill>
+                  <a:schemeClr val="tx1"/>
+                </a:solidFill>
+                <a:latin typeface="+mn-lt"/>
+                <a:ea typeface="+mn-ea"/>
+                <a:cs typeface="+mn-cs"/>
+              </a:defRPr>
+            </a:lvl5pPr>
+            <a:lvl6pPr marL="2286000" indent="0" algn="l" defTabSz="914400" rtl="0" eaLnBrk="1" latinLnBrk="0" hangingPunct="1">
+              <a:spcBef>
+                <a:spcPct val="20000"/>
+              </a:spcBef>
+              <a:buFont typeface="Arial" pitchFamily="34" charset="0"/>
+              <a:buNone/>
+              <a:defRPr sz="2000" kern="1200">
+                <a:solidFill>
+                  <a:schemeClr val="tx1"/>
+                </a:solidFill>
+                <a:latin typeface="+mn-lt"/>
+                <a:ea typeface="+mn-ea"/>
+                <a:cs typeface="+mn-cs"/>
+              </a:defRPr>
+            </a:lvl6pPr>
+            <a:lvl7pPr marL="2743200" indent="0" algn="l" defTabSz="914400" rtl="0" eaLnBrk="1" latinLnBrk="0" hangingPunct="1">
+              <a:spcBef>
+                <a:spcPct val="20000"/>
+              </a:spcBef>
+              <a:buFont typeface="Arial" pitchFamily="34" charset="0"/>
+              <a:buNone/>
+              <a:defRPr sz="2000" kern="1200">
+                <a:solidFill>
+                  <a:schemeClr val="tx1"/>
+                </a:solidFill>
+                <a:latin typeface="+mn-lt"/>
+                <a:ea typeface="+mn-ea"/>
+                <a:cs typeface="+mn-cs"/>
+              </a:defRPr>
+            </a:lvl7pPr>
+            <a:lvl8pPr marL="3200400" indent="0" algn="l" defTabSz="914400" rtl="0" eaLnBrk="1" latinLnBrk="0" hangingPunct="1">
+              <a:spcBef>
+                <a:spcPct val="20000"/>
+              </a:spcBef>
+              <a:buFont typeface="Arial" pitchFamily="34" charset="0"/>
+              <a:buNone/>
+              <a:defRPr sz="2000" kern="1200">
+                <a:solidFill>
+                  <a:schemeClr val="tx1"/>
+                </a:solidFill>
+                <a:latin typeface="+mn-lt"/>
+                <a:ea typeface="+mn-ea"/>
+                <a:cs typeface="+mn-cs"/>
+              </a:defRPr>
+            </a:lvl8pPr>
+            <a:lvl9pPr marL="3657600" indent="0" algn="l" defTabSz="914400" rtl="0" eaLnBrk="1" latinLnBrk="0" hangingPunct="1">
+              <a:spcBef>
+                <a:spcPct val="20000"/>
+              </a:spcBef>
+              <a:buFont typeface="Arial" pitchFamily="34" charset="0"/>
+              <a:buNone/>
+              <a:defRPr sz="2000" kern="1200">
+                <a:solidFill>
+                  <a:schemeClr val="tx1"/>
+                </a:solidFill>
+                <a:latin typeface="+mn-lt"/>
+                <a:ea typeface="+mn-ea"/>
+                <a:cs typeface="+mn-cs"/>
+              </a:defRPr>
+            </a:lvl9pPr>
+          </a:lstStyle>
+          <a:p>
+            <a:pPr marL="571500" indent="-571500">
+              <a:buFont typeface="Arial" panose="020B0604020202020204" pitchFamily="34" charset="0"/>
+              <a:buChar char="•"/>
+            </a:pPr>
+            <a:endParaRPr lang="en-GB" dirty="0">
+              <a:solidFill>
+                <a:schemeClr val="bg1"/>
+              </a:solidFill>
+            </a:endParaRPr>
+          </a:p>
+        </p:txBody>
+      </p:sp>
+      <p:sp>
+        <p:nvSpPr>
+          <p:cNvPr id="4" name="Content Placeholder 2">
+            <a:extLst>
+              <a:ext uri="{FF2B5EF4-FFF2-40B4-BE49-F238E27FC236}">
+                <a16:creationId xmlns:a16="http://schemas.microsoft.com/office/drawing/2014/main" id="{91C127C4-019D-4816-9ECF-D243EFA4189D}"/>
+              </a:ext>
+            </a:extLst>
+          </p:cNvPr>
+          <p:cNvSpPr txBox="1">
+            <a:spLocks/>
+          </p:cNvSpPr>
+          <p:nvPr/>
+        </p:nvSpPr>
+        <p:spPr>
+          <a:xfrm>
+            <a:off x="609600" y="1223945"/>
+            <a:ext cx="8229600" cy="4857785"/>
+          </a:xfrm>
+          <a:prstGeom prst="rect">
+            <a:avLst/>
+          </a:prstGeom>
+        </p:spPr>
+        <p:txBody>
+          <a:bodyPr vert="horz" lIns="91440" tIns="45720" rIns="91440" bIns="45720" rtlCol="0">
+            <a:normAutofit/>
+          </a:bodyPr>
+          <a:lstStyle>
+            <a:lvl1pPr marL="0" indent="0" algn="l" defTabSz="914400" rtl="0" eaLnBrk="1" latinLnBrk="0" hangingPunct="1">
+              <a:spcBef>
+                <a:spcPct val="20000"/>
+              </a:spcBef>
+              <a:buFont typeface="Arial" pitchFamily="34" charset="0"/>
+              <a:buNone/>
+              <a:defRPr sz="3200" kern="1200">
+                <a:solidFill>
+                  <a:schemeClr val="tx1"/>
+                </a:solidFill>
+                <a:latin typeface="+mn-lt"/>
+                <a:ea typeface="+mn-ea"/>
+                <a:cs typeface="+mn-cs"/>
+              </a:defRPr>
+            </a:lvl1pPr>
+            <a:lvl2pPr marL="457200" indent="0" algn="l" defTabSz="914400" rtl="0" eaLnBrk="1" latinLnBrk="0" hangingPunct="1">
+              <a:spcBef>
+                <a:spcPct val="20000"/>
+              </a:spcBef>
+              <a:buFont typeface="Arial" pitchFamily="34" charset="0"/>
+              <a:buNone/>
+              <a:defRPr sz="2800" kern="1200">
+                <a:solidFill>
+                  <a:schemeClr val="tx1"/>
+                </a:solidFill>
+                <a:latin typeface="+mn-lt"/>
+                <a:ea typeface="+mn-ea"/>
+                <a:cs typeface="+mn-cs"/>
+              </a:defRPr>
+            </a:lvl2pPr>
+            <a:lvl3pPr marL="914400" indent="0" algn="l" defTabSz="914400" rtl="0" eaLnBrk="1" latinLnBrk="0" hangingPunct="1">
+              <a:spcBef>
+                <a:spcPct val="20000"/>
+              </a:spcBef>
+              <a:buFont typeface="Arial" pitchFamily="34" charset="0"/>
+              <a:buNone/>
+              <a:defRPr sz="2400" kern="1200">
+                <a:solidFill>
+                  <a:schemeClr val="tx1"/>
+                </a:solidFill>
+                <a:latin typeface="+mn-lt"/>
+                <a:ea typeface="+mn-ea"/>
+                <a:cs typeface="+mn-cs"/>
+              </a:defRPr>
+            </a:lvl3pPr>
+            <a:lvl4pPr marL="1371600" indent="0" algn="l" defTabSz="914400" rtl="0" eaLnBrk="1" latinLnBrk="0" hangingPunct="1">
+              <a:spcBef>
+                <a:spcPct val="20000"/>
+              </a:spcBef>
+              <a:buFont typeface="Arial" pitchFamily="34" charset="0"/>
+              <a:buNone/>
+              <a:defRPr sz="2000" kern="1200">
+                <a:solidFill>
+                  <a:schemeClr val="tx1"/>
+                </a:solidFill>
+                <a:latin typeface="+mn-lt"/>
+                <a:ea typeface="+mn-ea"/>
+                <a:cs typeface="+mn-cs"/>
+              </a:defRPr>
+            </a:lvl4pPr>
+            <a:lvl5pPr marL="1828800" indent="0" algn="l" defTabSz="914400" rtl="0" eaLnBrk="1" latinLnBrk="0" hangingPunct="1">
+              <a:spcBef>
+                <a:spcPct val="20000"/>
+              </a:spcBef>
+              <a:buFont typeface="Arial" pitchFamily="34" charset="0"/>
+              <a:buNone/>
+              <a:defRPr sz="2000" kern="1200">
+                <a:solidFill>
+                  <a:schemeClr val="tx1"/>
+                </a:solidFill>
+                <a:latin typeface="+mn-lt"/>
+                <a:ea typeface="+mn-ea"/>
+                <a:cs typeface="+mn-cs"/>
+              </a:defRPr>
+            </a:lvl5pPr>
+            <a:lvl6pPr marL="2286000" indent="0" algn="l" defTabSz="914400" rtl="0" eaLnBrk="1" latinLnBrk="0" hangingPunct="1">
+              <a:spcBef>
+                <a:spcPct val="20000"/>
+              </a:spcBef>
+              <a:buFont typeface="Arial" pitchFamily="34" charset="0"/>
+              <a:buNone/>
+              <a:defRPr sz="2000" kern="1200">
+                <a:solidFill>
+                  <a:schemeClr val="tx1"/>
+                </a:solidFill>
+                <a:latin typeface="+mn-lt"/>
+                <a:ea typeface="+mn-ea"/>
+                <a:cs typeface="+mn-cs"/>
+              </a:defRPr>
+            </a:lvl6pPr>
+            <a:lvl7pPr marL="2743200" indent="0" algn="l" defTabSz="914400" rtl="0" eaLnBrk="1" latinLnBrk="0" hangingPunct="1">
+              <a:spcBef>
+                <a:spcPct val="20000"/>
+              </a:spcBef>
+              <a:buFont typeface="Arial" pitchFamily="34" charset="0"/>
+              <a:buNone/>
+              <a:defRPr sz="2000" kern="1200">
+                <a:solidFill>
+                  <a:schemeClr val="tx1"/>
+                </a:solidFill>
+                <a:latin typeface="+mn-lt"/>
+                <a:ea typeface="+mn-ea"/>
+                <a:cs typeface="+mn-cs"/>
+              </a:defRPr>
+            </a:lvl7pPr>
+            <a:lvl8pPr marL="3200400" indent="0" algn="l" defTabSz="914400" rtl="0" eaLnBrk="1" latinLnBrk="0" hangingPunct="1">
+              <a:spcBef>
+                <a:spcPct val="20000"/>
+              </a:spcBef>
+              <a:buFont typeface="Arial" pitchFamily="34" charset="0"/>
+              <a:buNone/>
+              <a:defRPr sz="2000" kern="1200">
+                <a:solidFill>
+                  <a:schemeClr val="tx1"/>
+                </a:solidFill>
+                <a:latin typeface="+mn-lt"/>
+                <a:ea typeface="+mn-ea"/>
+                <a:cs typeface="+mn-cs"/>
+              </a:defRPr>
+            </a:lvl8pPr>
+            <a:lvl9pPr marL="3657600" indent="0" algn="l" defTabSz="914400" rtl="0" eaLnBrk="1" latinLnBrk="0" hangingPunct="1">
+              <a:spcBef>
+                <a:spcPct val="20000"/>
+              </a:spcBef>
+              <a:buFont typeface="Arial" pitchFamily="34" charset="0"/>
+              <a:buNone/>
+              <a:defRPr sz="2000" kern="1200">
+                <a:solidFill>
+                  <a:schemeClr val="tx1"/>
+                </a:solidFill>
+                <a:latin typeface="+mn-lt"/>
+                <a:ea typeface="+mn-ea"/>
+                <a:cs typeface="+mn-cs"/>
+              </a:defRPr>
+            </a:lvl9pPr>
+          </a:lstStyle>
+          <a:p>
+            <a:pPr marL="571500" indent="-571500">
+              <a:buFont typeface="Arial" panose="020B0604020202020204" pitchFamily="34" charset="0"/>
+              <a:buChar char="•"/>
+            </a:pPr>
+            <a:endParaRPr lang="en-GB" dirty="0">
+              <a:solidFill>
+                <a:schemeClr val="bg1"/>
+              </a:solidFill>
+            </a:endParaRPr>
+          </a:p>
+          <a:p>
+            <a:pPr marL="571500" indent="-571500">
+              <a:buFont typeface="Arial" panose="020B0604020202020204" pitchFamily="34" charset="0"/>
+              <a:buChar char="•"/>
+            </a:pPr>
+            <a:endParaRPr lang="en-US" dirty="0">
+              <a:solidFill>
+                <a:schemeClr val="bg1"/>
+              </a:solidFill>
+            </a:endParaRPr>
+          </a:p>
+        </p:txBody>
+      </p:sp>
+      <p:sp>
+        <p:nvSpPr>
+          <p:cNvPr id="2" name="TextBox 1">
+            <a:extLst>
+              <a:ext uri="{FF2B5EF4-FFF2-40B4-BE49-F238E27FC236}">
+                <a16:creationId xmlns:a16="http://schemas.microsoft.com/office/drawing/2014/main" id="{2751BAC8-2BD3-4F83-BF12-F314B43EB4B8}"/>
+              </a:ext>
+            </a:extLst>
+          </p:cNvPr>
+          <p:cNvSpPr txBox="1"/>
+          <p:nvPr/>
+        </p:nvSpPr>
+        <p:spPr>
+          <a:xfrm>
+            <a:off x="2616144" y="2105561"/>
+            <a:ext cx="3911712" cy="2646878"/>
+          </a:xfrm>
+          <a:prstGeom prst="rect">
+            <a:avLst/>
+          </a:prstGeom>
+          <a:noFill/>
+        </p:spPr>
+        <p:txBody>
+          <a:bodyPr wrap="none" rtlCol="0">
+            <a:spAutoFit/>
+          </a:bodyPr>
+          <a:lstStyle/>
+          <a:p>
+            <a:r>
+              <a:rPr lang="en-GB" sz="16600" dirty="0">
+                <a:solidFill>
+                  <a:schemeClr val="bg1"/>
+                </a:solidFill>
+              </a:rPr>
+              <a:t>YES!</a:t>
+            </a:r>
+          </a:p>
+        </p:txBody>
+      </p:sp>
+    </p:spTree>
+    <p:extLst>
+      <p:ext uri="{BB962C8B-B14F-4D97-AF65-F5344CB8AC3E}">
+        <p14:creationId xmlns:p14="http://schemas.microsoft.com/office/powerpoint/2010/main" val="2187455491"/>
+      </p:ext>
+    </p:extLst>
+  </p:cSld>
+  <p:clrMapOvr>
+    <a:masterClrMapping/>
+  </p:clrMapOvr>
+</p:sld>
+</file>
+
+<file path=ppt/slides/slide22.xml><?xml version="1.0" encoding="utf-8"?>
 <p:sld xmlns:a="http://schemas.openxmlformats.org/drawingml/2006/main" xmlns:r="http://schemas.openxmlformats.org/officeDocument/2006/relationships" xmlns:p="http://schemas.openxmlformats.org/presentationml/2006/main">
   <p:cSld>
     <p:spTree>
@@ -14890,7 +16340,7 @@
                 </a:solidFill>
                 <a:latin typeface="Calibri" pitchFamily="34" charset="0"/>
               </a:rPr>
-              <a:t>#. Stack Machine</a:t>
+              <a:t>#. Register Machine</a:t>
             </a:r>
           </a:p>
         </p:txBody>
@@ -15254,325 +16704,513 @@
           </a:p>
         </p:txBody>
       </p:sp>
-      <p:graphicFrame>
-        <p:nvGraphicFramePr>
-          <p:cNvPr id="2" name="Table 2">
+      <p:sp>
+        <p:nvSpPr>
+          <p:cNvPr id="3" name="Rectangle: Rounded Corners 2">
             <a:extLst>
               <a:ext uri="{FF2B5EF4-FFF2-40B4-BE49-F238E27FC236}">
-                <a16:creationId xmlns:a16="http://schemas.microsoft.com/office/drawing/2014/main" id="{D217993B-DE8D-493C-AFB6-6238FC72C12C}"/>
+                <a16:creationId xmlns:a16="http://schemas.microsoft.com/office/drawing/2014/main" id="{4EA69101-7EF6-4472-82BD-E60065B76373}"/>
               </a:ext>
             </a:extLst>
           </p:cNvPr>
-          <p:cNvGraphicFramePr>
-            <a:graphicFrameLocks noGrp="1"/>
-          </p:cNvGraphicFramePr>
-          <p:nvPr>
-            <p:extLst>
-              <p:ext uri="{D42A27DB-BD31-4B8C-83A1-F6EECF244321}">
-                <p14:modId xmlns:p14="http://schemas.microsoft.com/office/powerpoint/2010/main" val="1807071102"/>
-              </p:ext>
-            </p:extLst>
-          </p:nvPr>
-        </p:nvGraphicFramePr>
-        <p:xfrm>
-          <a:off x="304800" y="1071545"/>
-          <a:ext cx="8534400" cy="370840"/>
-        </p:xfrm>
-        <a:graphic>
-          <a:graphicData uri="http://schemas.openxmlformats.org/drawingml/2006/table">
-            <a:tbl>
-              <a:tblPr>
-                <a:tableStyleId>{775DCB02-9BB8-47FD-8907-85C794F793BA}</a:tableStyleId>
-              </a:tblPr>
-              <a:tblGrid>
-                <a:gridCol w="533400">
-                  <a:extLst>
-                    <a:ext uri="{9D8B030D-6E8A-4147-A177-3AD203B41FA5}">
-                      <a16:colId xmlns:a16="http://schemas.microsoft.com/office/drawing/2014/main" val="3598291922"/>
-                    </a:ext>
-                  </a:extLst>
-                </a:gridCol>
-                <a:gridCol w="533400">
-                  <a:extLst>
-                    <a:ext uri="{9D8B030D-6E8A-4147-A177-3AD203B41FA5}">
-                      <a16:colId xmlns:a16="http://schemas.microsoft.com/office/drawing/2014/main" val="935697215"/>
-                    </a:ext>
-                  </a:extLst>
-                </a:gridCol>
-                <a:gridCol w="533400">
-                  <a:extLst>
-                    <a:ext uri="{9D8B030D-6E8A-4147-A177-3AD203B41FA5}">
-                      <a16:colId xmlns:a16="http://schemas.microsoft.com/office/drawing/2014/main" val="4223010688"/>
-                    </a:ext>
-                  </a:extLst>
-                </a:gridCol>
-                <a:gridCol w="533400">
-                  <a:extLst>
-                    <a:ext uri="{9D8B030D-6E8A-4147-A177-3AD203B41FA5}">
-                      <a16:colId xmlns:a16="http://schemas.microsoft.com/office/drawing/2014/main" val="612483188"/>
-                    </a:ext>
-                  </a:extLst>
-                </a:gridCol>
-                <a:gridCol w="533400">
-                  <a:extLst>
-                    <a:ext uri="{9D8B030D-6E8A-4147-A177-3AD203B41FA5}">
-                      <a16:colId xmlns:a16="http://schemas.microsoft.com/office/drawing/2014/main" val="2984073634"/>
-                    </a:ext>
-                  </a:extLst>
-                </a:gridCol>
-                <a:gridCol w="533400">
-                  <a:extLst>
-                    <a:ext uri="{9D8B030D-6E8A-4147-A177-3AD203B41FA5}">
-                      <a16:colId xmlns:a16="http://schemas.microsoft.com/office/drawing/2014/main" val="199695712"/>
-                    </a:ext>
-                  </a:extLst>
-                </a:gridCol>
-                <a:gridCol w="533400">
-                  <a:extLst>
-                    <a:ext uri="{9D8B030D-6E8A-4147-A177-3AD203B41FA5}">
-                      <a16:colId xmlns:a16="http://schemas.microsoft.com/office/drawing/2014/main" val="2389991020"/>
-                    </a:ext>
-                  </a:extLst>
-                </a:gridCol>
-                <a:gridCol w="533400">
-                  <a:extLst>
-                    <a:ext uri="{9D8B030D-6E8A-4147-A177-3AD203B41FA5}">
-                      <a16:colId xmlns:a16="http://schemas.microsoft.com/office/drawing/2014/main" val="2201244460"/>
-                    </a:ext>
-                  </a:extLst>
-                </a:gridCol>
-                <a:gridCol w="533400">
-                  <a:extLst>
-                    <a:ext uri="{9D8B030D-6E8A-4147-A177-3AD203B41FA5}">
-                      <a16:colId xmlns:a16="http://schemas.microsoft.com/office/drawing/2014/main" val="2730043443"/>
-                    </a:ext>
-                  </a:extLst>
-                </a:gridCol>
-                <a:gridCol w="533400">
-                  <a:extLst>
-                    <a:ext uri="{9D8B030D-6E8A-4147-A177-3AD203B41FA5}">
-                      <a16:colId xmlns:a16="http://schemas.microsoft.com/office/drawing/2014/main" val="2383015334"/>
-                    </a:ext>
-                  </a:extLst>
-                </a:gridCol>
-                <a:gridCol w="533400">
-                  <a:extLst>
-                    <a:ext uri="{9D8B030D-6E8A-4147-A177-3AD203B41FA5}">
-                      <a16:colId xmlns:a16="http://schemas.microsoft.com/office/drawing/2014/main" val="2809647001"/>
-                    </a:ext>
-                  </a:extLst>
-                </a:gridCol>
-                <a:gridCol w="533400">
-                  <a:extLst>
-                    <a:ext uri="{9D8B030D-6E8A-4147-A177-3AD203B41FA5}">
-                      <a16:colId xmlns:a16="http://schemas.microsoft.com/office/drawing/2014/main" val="3353828531"/>
-                    </a:ext>
-                  </a:extLst>
-                </a:gridCol>
-                <a:gridCol w="533400">
-                  <a:extLst>
-                    <a:ext uri="{9D8B030D-6E8A-4147-A177-3AD203B41FA5}">
-                      <a16:colId xmlns:a16="http://schemas.microsoft.com/office/drawing/2014/main" val="1100612767"/>
-                    </a:ext>
-                  </a:extLst>
-                </a:gridCol>
-                <a:gridCol w="533400">
-                  <a:extLst>
-                    <a:ext uri="{9D8B030D-6E8A-4147-A177-3AD203B41FA5}">
-                      <a16:colId xmlns:a16="http://schemas.microsoft.com/office/drawing/2014/main" val="3362473563"/>
-                    </a:ext>
-                  </a:extLst>
-                </a:gridCol>
-                <a:gridCol w="533400">
-                  <a:extLst>
-                    <a:ext uri="{9D8B030D-6E8A-4147-A177-3AD203B41FA5}">
-                      <a16:colId xmlns:a16="http://schemas.microsoft.com/office/drawing/2014/main" val="1741217027"/>
-                    </a:ext>
-                  </a:extLst>
-                </a:gridCol>
-                <a:gridCol w="533400">
-                  <a:extLst>
-                    <a:ext uri="{9D8B030D-6E8A-4147-A177-3AD203B41FA5}">
-                      <a16:colId xmlns:a16="http://schemas.microsoft.com/office/drawing/2014/main" val="1362134992"/>
-                    </a:ext>
-                  </a:extLst>
-                </a:gridCol>
-              </a:tblGrid>
-              <a:tr h="370840">
-                <a:tc>
-                  <a:txBody>
-                    <a:bodyPr/>
-                    <a:lstStyle/>
-                    <a:p>
-                      <a:endParaRPr lang="en-GB"/>
-                    </a:p>
-                  </a:txBody>
-                  <a:tcPr/>
-                </a:tc>
-                <a:tc>
-                  <a:txBody>
-                    <a:bodyPr/>
-                    <a:lstStyle/>
-                    <a:p>
-                      <a:endParaRPr lang="en-GB"/>
-                    </a:p>
-                  </a:txBody>
-                  <a:tcPr/>
-                </a:tc>
-                <a:tc>
-                  <a:txBody>
-                    <a:bodyPr/>
-                    <a:lstStyle/>
-                    <a:p>
-                      <a:endParaRPr lang="en-GB" dirty="0"/>
-                    </a:p>
-                  </a:txBody>
-                  <a:tcPr/>
-                </a:tc>
-                <a:tc>
-                  <a:txBody>
-                    <a:bodyPr/>
-                    <a:lstStyle/>
-                    <a:p>
-                      <a:endParaRPr lang="en-GB"/>
-                    </a:p>
-                  </a:txBody>
-                  <a:tcPr/>
-                </a:tc>
-                <a:tc>
-                  <a:txBody>
-                    <a:bodyPr/>
-                    <a:lstStyle/>
-                    <a:p>
-                      <a:endParaRPr lang="en-GB"/>
-                    </a:p>
-                  </a:txBody>
-                  <a:tcPr/>
-                </a:tc>
-                <a:tc>
-                  <a:txBody>
-                    <a:bodyPr/>
-                    <a:lstStyle/>
-                    <a:p>
-                      <a:endParaRPr lang="en-GB" dirty="0"/>
-                    </a:p>
-                  </a:txBody>
-                  <a:tcPr/>
-                </a:tc>
-                <a:tc>
-                  <a:txBody>
-                    <a:bodyPr/>
-                    <a:lstStyle/>
-                    <a:p>
-                      <a:endParaRPr lang="en-GB"/>
-                    </a:p>
-                  </a:txBody>
-                  <a:tcPr/>
-                </a:tc>
-                <a:tc>
-                  <a:txBody>
-                    <a:bodyPr/>
-                    <a:lstStyle/>
-                    <a:p>
-                      <a:endParaRPr lang="en-GB"/>
-                    </a:p>
-                  </a:txBody>
-                  <a:tcPr/>
-                </a:tc>
-                <a:tc>
-                  <a:txBody>
-                    <a:bodyPr/>
-                    <a:lstStyle/>
-                    <a:p>
-                      <a:endParaRPr lang="en-GB"/>
-                    </a:p>
-                  </a:txBody>
-                  <a:tcPr/>
-                </a:tc>
-                <a:tc>
-                  <a:txBody>
-                    <a:bodyPr/>
-                    <a:lstStyle/>
-                    <a:p>
-                      <a:endParaRPr lang="en-GB"/>
-                    </a:p>
-                  </a:txBody>
-                  <a:tcPr/>
-                </a:tc>
-                <a:tc>
-                  <a:txBody>
-                    <a:bodyPr/>
-                    <a:lstStyle/>
-                    <a:p>
-                      <a:endParaRPr lang="en-GB"/>
-                    </a:p>
-                  </a:txBody>
-                  <a:tcPr/>
-                </a:tc>
-                <a:tc>
-                  <a:txBody>
-                    <a:bodyPr/>
-                    <a:lstStyle/>
-                    <a:p>
-                      <a:endParaRPr lang="en-GB"/>
-                    </a:p>
-                  </a:txBody>
-                  <a:tcPr/>
-                </a:tc>
-                <a:tc>
-                  <a:txBody>
-                    <a:bodyPr/>
-                    <a:lstStyle/>
-                    <a:p>
-                      <a:endParaRPr lang="en-GB"/>
-                    </a:p>
-                  </a:txBody>
-                  <a:tcPr/>
-                </a:tc>
-                <a:tc>
-                  <a:txBody>
-                    <a:bodyPr/>
-                    <a:lstStyle/>
-                    <a:p>
-                      <a:endParaRPr lang="en-GB"/>
-                    </a:p>
-                  </a:txBody>
-                  <a:tcPr/>
-                </a:tc>
-                <a:tc>
-                  <a:txBody>
-                    <a:bodyPr/>
-                    <a:lstStyle/>
-                    <a:p>
-                      <a:endParaRPr lang="en-GB"/>
-                    </a:p>
-                  </a:txBody>
-                  <a:tcPr/>
-                </a:tc>
-                <a:tc>
-                  <a:txBody>
-                    <a:bodyPr/>
-                    <a:lstStyle/>
-                    <a:p>
-                      <a:endParaRPr lang="en-GB" dirty="0"/>
-                    </a:p>
-                  </a:txBody>
-                  <a:tcPr/>
-                </a:tc>
-                <a:extLst>
-                  <a:ext uri="{0D108BD9-81ED-4DB2-BD59-A6C34878D82A}">
-                    <a16:rowId xmlns:a16="http://schemas.microsoft.com/office/drawing/2014/main" val="2664154457"/>
-                  </a:ext>
-                </a:extLst>
-              </a:tr>
-            </a:tbl>
-          </a:graphicData>
-        </a:graphic>
-      </p:graphicFrame>
+          <p:cNvSpPr/>
+          <p:nvPr/>
+        </p:nvSpPr>
+        <p:spPr>
+          <a:xfrm>
+            <a:off x="609600" y="1071545"/>
+            <a:ext cx="1219200" cy="381000"/>
+          </a:xfrm>
+          <a:prstGeom prst="roundRect">
+            <a:avLst/>
+          </a:prstGeom>
+        </p:spPr>
+        <p:style>
+          <a:lnRef idx="2">
+            <a:schemeClr val="accent1">
+              <a:shade val="50000"/>
+            </a:schemeClr>
+          </a:lnRef>
+          <a:fillRef idx="1">
+            <a:schemeClr val="accent1"/>
+          </a:fillRef>
+          <a:effectRef idx="0">
+            <a:schemeClr val="accent1"/>
+          </a:effectRef>
+          <a:fontRef idx="minor">
+            <a:schemeClr val="lt1"/>
+          </a:fontRef>
+        </p:style>
+        <p:txBody>
+          <a:bodyPr rtlCol="0" anchor="ctr"/>
+          <a:lstStyle/>
+          <a:p>
+            <a:pPr algn="ctr"/>
+            <a:r>
+              <a:rPr lang="en-GB" dirty="0"/>
+              <a:t>REG_A</a:t>
+            </a:r>
+          </a:p>
+        </p:txBody>
+      </p:sp>
+      <p:sp>
+        <p:nvSpPr>
+          <p:cNvPr id="9" name="Rectangle: Rounded Corners 8">
+            <a:extLst>
+              <a:ext uri="{FF2B5EF4-FFF2-40B4-BE49-F238E27FC236}">
+                <a16:creationId xmlns:a16="http://schemas.microsoft.com/office/drawing/2014/main" id="{D30BAC9F-071E-4F0B-B930-5A9951ED5D58}"/>
+              </a:ext>
+            </a:extLst>
+          </p:cNvPr>
+          <p:cNvSpPr/>
+          <p:nvPr/>
+        </p:nvSpPr>
+        <p:spPr>
+          <a:xfrm>
+            <a:off x="609600" y="1738296"/>
+            <a:ext cx="1219200" cy="381000"/>
+          </a:xfrm>
+          <a:prstGeom prst="roundRect">
+            <a:avLst/>
+          </a:prstGeom>
+        </p:spPr>
+        <p:style>
+          <a:lnRef idx="2">
+            <a:schemeClr val="accent1">
+              <a:shade val="50000"/>
+            </a:schemeClr>
+          </a:lnRef>
+          <a:fillRef idx="1">
+            <a:schemeClr val="accent1"/>
+          </a:fillRef>
+          <a:effectRef idx="0">
+            <a:schemeClr val="accent1"/>
+          </a:effectRef>
+          <a:fontRef idx="minor">
+            <a:schemeClr val="lt1"/>
+          </a:fontRef>
+        </p:style>
+        <p:txBody>
+          <a:bodyPr rtlCol="0" anchor="ctr"/>
+          <a:lstStyle/>
+          <a:p>
+            <a:pPr algn="ctr"/>
+            <a:r>
+              <a:rPr lang="en-GB" dirty="0"/>
+              <a:t>REG_B</a:t>
+            </a:r>
+          </a:p>
+        </p:txBody>
+      </p:sp>
+      <p:sp>
+        <p:nvSpPr>
+          <p:cNvPr id="12" name="TextBox 11">
+            <a:extLst>
+              <a:ext uri="{FF2B5EF4-FFF2-40B4-BE49-F238E27FC236}">
+                <a16:creationId xmlns:a16="http://schemas.microsoft.com/office/drawing/2014/main" id="{75B4779D-F76E-4D3C-BC39-F8E44DECE9CA}"/>
+              </a:ext>
+            </a:extLst>
+          </p:cNvPr>
+          <p:cNvSpPr txBox="1"/>
+          <p:nvPr/>
+        </p:nvSpPr>
+        <p:spPr>
+          <a:xfrm>
+            <a:off x="1905000" y="1052495"/>
+            <a:ext cx="6934200" cy="5847755"/>
+          </a:xfrm>
+          <a:prstGeom prst="rect">
+            <a:avLst/>
+          </a:prstGeom>
+          <a:noFill/>
+        </p:spPr>
+        <p:txBody>
+          <a:bodyPr wrap="square" rtlCol="0">
+            <a:spAutoFit/>
+          </a:bodyPr>
+          <a:lstStyle/>
+          <a:p>
+            <a:r>
+              <a:rPr lang="en-GB" dirty="0">
+                <a:solidFill>
+                  <a:schemeClr val="bg1"/>
+                </a:solidFill>
+              </a:rPr>
+              <a:t>Move literal value to memory:</a:t>
+            </a:r>
+          </a:p>
+          <a:p>
+            <a:r>
+              <a:rPr lang="en-GB" dirty="0">
+                <a:solidFill>
+                  <a:schemeClr val="bg1"/>
+                </a:solidFill>
+              </a:rPr>
+              <a:t>	mov byte 0x00,0x0A </a:t>
+            </a:r>
+            <a:r>
+              <a:rPr lang="en-GB" sz="1400" dirty="0">
+                <a:solidFill>
+                  <a:schemeClr val="accent3">
+                    <a:lumMod val="50000"/>
+                  </a:schemeClr>
+                </a:solidFill>
+              </a:rPr>
+              <a:t>; move literal 10 into memory address 0x00</a:t>
+            </a:r>
+            <a:endParaRPr lang="en-GB" dirty="0">
+              <a:solidFill>
+                <a:schemeClr val="accent3">
+                  <a:lumMod val="50000"/>
+                </a:schemeClr>
+              </a:solidFill>
+            </a:endParaRPr>
+          </a:p>
+          <a:p>
+            <a:r>
+              <a:rPr lang="en-GB" dirty="0">
+                <a:solidFill>
+                  <a:schemeClr val="bg1"/>
+                </a:solidFill>
+              </a:rPr>
+              <a:t>	mov byte 0x01,0x20 </a:t>
+            </a:r>
+            <a:r>
+              <a:rPr lang="en-GB" sz="1400" dirty="0">
+                <a:solidFill>
+                  <a:schemeClr val="accent3">
+                    <a:lumMod val="50000"/>
+                  </a:schemeClr>
+                </a:solidFill>
+              </a:rPr>
+              <a:t>; move  literal 32 into memory address 0x01</a:t>
+            </a:r>
+          </a:p>
+          <a:p>
+            <a:endParaRPr lang="en-GB" dirty="0">
+              <a:solidFill>
+                <a:schemeClr val="bg1"/>
+              </a:solidFill>
+            </a:endParaRPr>
+          </a:p>
+          <a:p>
+            <a:r>
+              <a:rPr lang="en-GB" dirty="0">
+                <a:solidFill>
+                  <a:schemeClr val="bg1"/>
+                </a:solidFill>
+              </a:rPr>
+              <a:t>Move literal value to register:</a:t>
+            </a:r>
+          </a:p>
+          <a:p>
+            <a:r>
+              <a:rPr lang="en-GB" dirty="0">
+                <a:solidFill>
+                  <a:schemeClr val="bg1"/>
+                </a:solidFill>
+              </a:rPr>
+              <a:t>	mov byte REG_A,0x0A</a:t>
+            </a:r>
+            <a:r>
+              <a:rPr lang="en-GB" sz="1400" dirty="0">
+                <a:solidFill>
+                  <a:schemeClr val="accent3">
+                    <a:lumMod val="50000"/>
+                  </a:schemeClr>
+                </a:solidFill>
+              </a:rPr>
+              <a:t> ; move literal 10 into “Register A”  </a:t>
+            </a:r>
+            <a:r>
+              <a:rPr lang="en-GB" dirty="0">
+                <a:solidFill>
+                  <a:schemeClr val="bg1"/>
+                </a:solidFill>
+              </a:rPr>
+              <a:t>	mov byte REG_B,0x20 </a:t>
+            </a:r>
+            <a:r>
+              <a:rPr lang="en-GB" sz="1400" dirty="0">
+                <a:solidFill>
+                  <a:schemeClr val="bg1"/>
+                </a:solidFill>
+              </a:rPr>
+              <a:t> </a:t>
+            </a:r>
+            <a:r>
+              <a:rPr lang="en-GB" sz="1400" dirty="0">
+                <a:solidFill>
+                  <a:schemeClr val="accent3">
+                    <a:lumMod val="50000"/>
+                  </a:schemeClr>
+                </a:solidFill>
+              </a:rPr>
+              <a:t>; move literal 32 into “Register B” </a:t>
+            </a:r>
+            <a:endParaRPr lang="en-GB" sz="1400" dirty="0">
+              <a:solidFill>
+                <a:schemeClr val="bg1"/>
+              </a:solidFill>
+            </a:endParaRPr>
+          </a:p>
+          <a:p>
+            <a:endParaRPr lang="en-GB" dirty="0">
+              <a:solidFill>
+                <a:schemeClr val="bg1"/>
+              </a:solidFill>
+            </a:endParaRPr>
+          </a:p>
+          <a:p>
+            <a:r>
+              <a:rPr lang="en-GB" dirty="0">
+                <a:solidFill>
+                  <a:schemeClr val="bg1"/>
+                </a:solidFill>
+              </a:rPr>
+              <a:t>Move register value to  register:</a:t>
+            </a:r>
+          </a:p>
+          <a:p>
+            <a:r>
+              <a:rPr lang="en-GB" dirty="0">
+                <a:solidFill>
+                  <a:schemeClr val="bg1"/>
+                </a:solidFill>
+              </a:rPr>
+              <a:t>	mov byte REG_A,REG_B</a:t>
+            </a:r>
+            <a:r>
+              <a:rPr lang="en-GB" dirty="0">
+                <a:solidFill>
+                  <a:schemeClr val="accent3">
+                    <a:lumMod val="50000"/>
+                  </a:schemeClr>
+                </a:solidFill>
+              </a:rPr>
+              <a:t> </a:t>
+            </a:r>
+            <a:r>
+              <a:rPr lang="en-GB" sz="1400" dirty="0">
+                <a:solidFill>
+                  <a:schemeClr val="accent3">
+                    <a:lumMod val="50000"/>
+                  </a:schemeClr>
+                </a:solidFill>
+              </a:rPr>
+              <a:t>; copy “Register B” into “Register A”</a:t>
+            </a:r>
+            <a:endParaRPr lang="en-GB" sz="1400" dirty="0">
+              <a:solidFill>
+                <a:schemeClr val="bg1"/>
+              </a:solidFill>
+            </a:endParaRPr>
+          </a:p>
+          <a:p>
+            <a:endParaRPr lang="en-GB" dirty="0">
+              <a:solidFill>
+                <a:schemeClr val="bg1"/>
+              </a:solidFill>
+            </a:endParaRPr>
+          </a:p>
+          <a:p>
+            <a:r>
+              <a:rPr lang="en-GB" dirty="0">
+                <a:solidFill>
+                  <a:schemeClr val="bg1"/>
+                </a:solidFill>
+              </a:rPr>
+              <a:t>Move register value to  memory:</a:t>
+            </a:r>
+          </a:p>
+          <a:p>
+            <a:r>
+              <a:rPr lang="en-GB" dirty="0">
+                <a:solidFill>
+                  <a:schemeClr val="bg1"/>
+                </a:solidFill>
+              </a:rPr>
+              <a:t>	mov byte 0x00,REG_A </a:t>
+            </a:r>
+            <a:r>
+              <a:rPr lang="en-GB" sz="1400" dirty="0">
+                <a:solidFill>
+                  <a:schemeClr val="accent3">
+                    <a:lumMod val="50000"/>
+                  </a:schemeClr>
+                </a:solidFill>
+              </a:rPr>
+              <a:t> ; copy “Register A” into memory address 0x00</a:t>
+            </a:r>
+            <a:endParaRPr lang="en-GB" sz="1400" dirty="0">
+              <a:solidFill>
+                <a:schemeClr val="bg1"/>
+              </a:solidFill>
+            </a:endParaRPr>
+          </a:p>
+          <a:p>
+            <a:endParaRPr lang="en-GB" dirty="0">
+              <a:solidFill>
+                <a:schemeClr val="bg1"/>
+              </a:solidFill>
+            </a:endParaRPr>
+          </a:p>
+          <a:p>
+            <a:r>
+              <a:rPr lang="en-GB" dirty="0">
+                <a:solidFill>
+                  <a:schemeClr val="bg1"/>
+                </a:solidFill>
+              </a:rPr>
+              <a:t>Simple program:</a:t>
+            </a:r>
+          </a:p>
+          <a:p>
+            <a:r>
+              <a:rPr lang="en-GB" dirty="0">
+                <a:solidFill>
+                  <a:schemeClr val="bg1"/>
+                </a:solidFill>
+              </a:rPr>
+              <a:t>	mov byte REG_A,0x0A</a:t>
+            </a:r>
+            <a:r>
+              <a:rPr lang="en-GB" dirty="0">
+                <a:solidFill>
+                  <a:schemeClr val="accent3">
+                    <a:lumMod val="50000"/>
+                  </a:schemeClr>
+                </a:solidFill>
+              </a:rPr>
+              <a:t> </a:t>
+            </a:r>
+            <a:r>
+              <a:rPr lang="en-GB" sz="1400" dirty="0">
+                <a:solidFill>
+                  <a:schemeClr val="accent3">
+                    <a:lumMod val="50000"/>
+                  </a:schemeClr>
+                </a:solidFill>
+              </a:rPr>
+              <a:t>; move literal 10 into “Register A” </a:t>
+            </a:r>
+            <a:r>
+              <a:rPr lang="en-GB" dirty="0">
+                <a:solidFill>
+                  <a:schemeClr val="accent3">
+                    <a:lumMod val="50000"/>
+                  </a:schemeClr>
+                </a:solidFill>
+              </a:rPr>
+              <a:t> </a:t>
+            </a:r>
+            <a:r>
+              <a:rPr lang="en-GB" dirty="0">
+                <a:solidFill>
+                  <a:schemeClr val="bg1"/>
+                </a:solidFill>
+              </a:rPr>
+              <a:t>	mov byte REG_B,0x20  </a:t>
+            </a:r>
+            <a:r>
+              <a:rPr lang="en-GB" sz="1400" dirty="0">
+                <a:solidFill>
+                  <a:schemeClr val="accent3">
+                    <a:lumMod val="50000"/>
+                  </a:schemeClr>
+                </a:solidFill>
+              </a:rPr>
+              <a:t>; move literal 32 into “Register B”</a:t>
+            </a:r>
+            <a:r>
+              <a:rPr lang="en-GB" dirty="0">
+                <a:solidFill>
+                  <a:schemeClr val="accent3">
+                    <a:lumMod val="50000"/>
+                  </a:schemeClr>
+                </a:solidFill>
+              </a:rPr>
+              <a:t> </a:t>
+            </a:r>
+            <a:endParaRPr lang="en-GB" dirty="0">
+              <a:solidFill>
+                <a:schemeClr val="bg1"/>
+              </a:solidFill>
+            </a:endParaRPr>
+          </a:p>
+          <a:p>
+            <a:r>
+              <a:rPr lang="en-GB" dirty="0">
+                <a:solidFill>
+                  <a:schemeClr val="bg1"/>
+                </a:solidFill>
+              </a:rPr>
+              <a:t>	add REG_A,REG_B        </a:t>
+            </a:r>
+            <a:r>
+              <a:rPr lang="en-GB" sz="1400" dirty="0">
+                <a:solidFill>
+                  <a:schemeClr val="accent3">
+                    <a:lumMod val="50000"/>
+                  </a:schemeClr>
+                </a:solidFill>
+              </a:rPr>
+              <a:t>; perform assignment addition of “Register A” and “Register B” </a:t>
+            </a:r>
+            <a:endParaRPr lang="en-GB" dirty="0">
+              <a:solidFill>
+                <a:schemeClr val="bg1"/>
+              </a:solidFill>
+            </a:endParaRPr>
+          </a:p>
+          <a:p>
+            <a:r>
+              <a:rPr lang="en-GB" dirty="0">
+                <a:solidFill>
+                  <a:schemeClr val="bg1"/>
+                </a:solidFill>
+              </a:rPr>
+              <a:t>	mov byte 0x00,REG_A </a:t>
+            </a:r>
+            <a:r>
+              <a:rPr lang="en-GB" dirty="0">
+                <a:solidFill>
+                  <a:schemeClr val="accent3">
+                    <a:lumMod val="50000"/>
+                  </a:schemeClr>
+                </a:solidFill>
+              </a:rPr>
+              <a:t> </a:t>
+            </a:r>
+            <a:r>
+              <a:rPr lang="en-GB" sz="1400" dirty="0">
+                <a:solidFill>
+                  <a:schemeClr val="accent3">
+                    <a:lumMod val="50000"/>
+                  </a:schemeClr>
+                </a:solidFill>
+              </a:rPr>
+              <a:t>; copy “Register A” into memory address 0x00</a:t>
+            </a:r>
+            <a:endParaRPr lang="en-GB" dirty="0">
+              <a:solidFill>
+                <a:schemeClr val="bg1"/>
+              </a:solidFill>
+            </a:endParaRPr>
+          </a:p>
+          <a:p>
+            <a:endParaRPr lang="en-GB" dirty="0">
+              <a:solidFill>
+                <a:schemeClr val="bg1"/>
+              </a:solidFill>
+            </a:endParaRPr>
+          </a:p>
+        </p:txBody>
+      </p:sp>
     </p:spTree>
     <p:extLst>
       <p:ext uri="{BB962C8B-B14F-4D97-AF65-F5344CB8AC3E}">
-        <p14:creationId xmlns:p14="http://schemas.microsoft.com/office/powerpoint/2010/main" val="1132502000"/>
+        <p14:creationId xmlns:p14="http://schemas.microsoft.com/office/powerpoint/2010/main" val="1059200759"/>
       </p:ext>
     </p:extLst>
   </p:cSld>

--- a/Imperial_College_29-01-2020/Presentation.pptx
+++ b/Imperial_College_29-01-2020/Presentation.pptx
@@ -5,7 +5,7 @@
     <p:sldMasterId id="2147483648" r:id="rId1"/>
   </p:sldMasterIdLst>
   <p:notesMasterIdLst>
-    <p:notesMasterId r:id="rId24"/>
+    <p:notesMasterId r:id="rId23"/>
   </p:notesMasterIdLst>
   <p:sldIdLst>
     <p:sldId id="272" r:id="rId2"/>
@@ -17,19 +17,18 @@
     <p:sldId id="386" r:id="rId8"/>
     <p:sldId id="389" r:id="rId9"/>
     <p:sldId id="378" r:id="rId10"/>
-    <p:sldId id="400" r:id="rId11"/>
-    <p:sldId id="399" r:id="rId12"/>
-    <p:sldId id="387" r:id="rId13"/>
-    <p:sldId id="390" r:id="rId14"/>
-    <p:sldId id="376" r:id="rId15"/>
-    <p:sldId id="379" r:id="rId16"/>
-    <p:sldId id="380" r:id="rId17"/>
-    <p:sldId id="398" r:id="rId18"/>
-    <p:sldId id="383" r:id="rId19"/>
-    <p:sldId id="384" r:id="rId20"/>
-    <p:sldId id="388" r:id="rId21"/>
-    <p:sldId id="385" r:id="rId22"/>
-    <p:sldId id="375" r:id="rId23"/>
+    <p:sldId id="402" r:id="rId11"/>
+    <p:sldId id="403" r:id="rId12"/>
+    <p:sldId id="390" r:id="rId13"/>
+    <p:sldId id="376" r:id="rId14"/>
+    <p:sldId id="379" r:id="rId15"/>
+    <p:sldId id="380" r:id="rId16"/>
+    <p:sldId id="398" r:id="rId17"/>
+    <p:sldId id="383" r:id="rId18"/>
+    <p:sldId id="384" r:id="rId19"/>
+    <p:sldId id="388" r:id="rId20"/>
+    <p:sldId id="385" r:id="rId21"/>
+    <p:sldId id="375" r:id="rId22"/>
   </p:sldIdLst>
   <p:sldSz cx="9144000" cy="6858000" type="screen4x3"/>
   <p:notesSz cx="7099300" cy="10234613"/>
@@ -658,91 +657,6 @@
     <p:extLst>
       <p:ext uri="{BB962C8B-B14F-4D97-AF65-F5344CB8AC3E}">
         <p14:creationId xmlns:p14="http://schemas.microsoft.com/office/powerpoint/2010/main" val="328414794"/>
-      </p:ext>
-    </p:extLst>
-  </p:cSld>
-  <p:clrMapOvr>
-    <a:masterClrMapping/>
-  </p:clrMapOvr>
-</p:notes>
-</file>
-
-<file path=ppt/notesSlides/notesSlide3.xml><?xml version="1.0" encoding="utf-8"?>
-<p:notes xmlns:a="http://schemas.openxmlformats.org/drawingml/2006/main" xmlns:r="http://schemas.openxmlformats.org/officeDocument/2006/relationships" xmlns:p="http://schemas.openxmlformats.org/presentationml/2006/main">
-  <p:cSld>
-    <p:spTree>
-      <p:nvGrpSpPr>
-        <p:cNvPr id="1" name=""/>
-        <p:cNvGrpSpPr/>
-        <p:nvPr/>
-      </p:nvGrpSpPr>
-      <p:grpSpPr>
-        <a:xfrm>
-          <a:off x="0" y="0"/>
-          <a:ext cx="0" cy="0"/>
-          <a:chOff x="0" y="0"/>
-          <a:chExt cx="0" cy="0"/>
-        </a:xfrm>
-      </p:grpSpPr>
-      <p:sp>
-        <p:nvSpPr>
-          <p:cNvPr id="2" name="Slide Image Placeholder 1"/>
-          <p:cNvSpPr>
-            <a:spLocks noGrp="1" noRot="1" noChangeAspect="1"/>
-          </p:cNvSpPr>
-          <p:nvPr>
-            <p:ph type="sldImg"/>
-          </p:nvPr>
-        </p:nvSpPr>
-        <p:spPr/>
-      </p:sp>
-      <p:sp>
-        <p:nvSpPr>
-          <p:cNvPr id="3" name="Notes Placeholder 2"/>
-          <p:cNvSpPr>
-            <a:spLocks noGrp="1"/>
-          </p:cNvSpPr>
-          <p:nvPr>
-            <p:ph type="body" idx="1"/>
-          </p:nvPr>
-        </p:nvSpPr>
-        <p:spPr/>
-        <p:txBody>
-          <a:bodyPr/>
-          <a:lstStyle/>
-          <a:p>
-            <a:endParaRPr lang="en-GB" dirty="0"/>
-          </a:p>
-        </p:txBody>
-      </p:sp>
-      <p:sp>
-        <p:nvSpPr>
-          <p:cNvPr id="4" name="Slide Number Placeholder 3"/>
-          <p:cNvSpPr>
-            <a:spLocks noGrp="1"/>
-          </p:cNvSpPr>
-          <p:nvPr>
-            <p:ph type="sldNum" sz="quarter" idx="5"/>
-          </p:nvPr>
-        </p:nvSpPr>
-        <p:spPr/>
-        <p:txBody>
-          <a:bodyPr/>
-          <a:lstStyle/>
-          <a:p>
-            <a:fld id="{7D71AAC9-F2E6-42BA-828B-CBF2EF78092F}" type="slidenum">
-              <a:rPr lang="en-US" smtClean="0"/>
-              <a:pPr/>
-              <a:t>10</a:t>
-            </a:fld>
-            <a:endParaRPr lang="en-US" dirty="0"/>
-          </a:p>
-        </p:txBody>
-      </p:sp>
-    </p:spTree>
-    <p:extLst>
-      <p:ext uri="{BB962C8B-B14F-4D97-AF65-F5344CB8AC3E}">
-        <p14:creationId xmlns:p14="http://schemas.microsoft.com/office/powerpoint/2010/main" val="2934767996"/>
       </p:ext>
     </p:extLst>
   </p:cSld>
@@ -4549,10 +4463,10 @@
       </p:sp>
       <p:sp>
         <p:nvSpPr>
-          <p:cNvPr id="3" name="Rectangle: Rounded Corners 2">
+          <p:cNvPr id="17" name="Rectangle: Rounded Corners 16">
             <a:extLst>
               <a:ext uri="{FF2B5EF4-FFF2-40B4-BE49-F238E27FC236}">
-                <a16:creationId xmlns:a16="http://schemas.microsoft.com/office/drawing/2014/main" id="{4EA69101-7EF6-4472-82BD-E60065B76373}"/>
+                <a16:creationId xmlns:a16="http://schemas.microsoft.com/office/drawing/2014/main" id="{55BF22B5-5246-45C5-8640-8BFFF596ECF2}"/>
               </a:ext>
             </a:extLst>
           </p:cNvPr>
@@ -4561,7 +4475,7 @@
         </p:nvSpPr>
         <p:spPr>
           <a:xfrm>
-            <a:off x="609600" y="2381249"/>
+            <a:off x="7620000" y="1071545"/>
             <a:ext cx="1219200" cy="381000"/>
           </a:xfrm>
           <a:prstGeom prst="roundRect">
@@ -4591,17 +4505,17 @@
             <a:pPr algn="ctr"/>
             <a:r>
               <a:rPr lang="en-GB" dirty="0"/>
-              <a:t>REG_SP</a:t>
-            </a:r>
-          </a:p>
-        </p:txBody>
-      </p:sp>
-      <p:sp>
-        <p:nvSpPr>
-          <p:cNvPr id="9" name="Rectangle: Rounded Corners 8">
+              <a:t>REG_A</a:t>
+            </a:r>
+          </a:p>
+        </p:txBody>
+      </p:sp>
+      <p:sp>
+        <p:nvSpPr>
+          <p:cNvPr id="18" name="Rectangle: Rounded Corners 17">
             <a:extLst>
               <a:ext uri="{FF2B5EF4-FFF2-40B4-BE49-F238E27FC236}">
-                <a16:creationId xmlns:a16="http://schemas.microsoft.com/office/drawing/2014/main" id="{D30BAC9F-071E-4F0B-B930-5A9951ED5D58}"/>
+                <a16:creationId xmlns:a16="http://schemas.microsoft.com/office/drawing/2014/main" id="{C74BACE3-7234-4FBB-AD79-8E9D0C918098}"/>
               </a:ext>
             </a:extLst>
           </p:cNvPr>
@@ -4610,7 +4524,7 @@
         </p:nvSpPr>
         <p:spPr>
           <a:xfrm>
-            <a:off x="609600" y="3048000"/>
+            <a:off x="7620000" y="1738296"/>
             <a:ext cx="1219200" cy="381000"/>
           </a:xfrm>
           <a:prstGeom prst="roundRect">
@@ -4640,17 +4554,115 @@
             <a:pPr algn="ctr"/>
             <a:r>
               <a:rPr lang="en-GB" dirty="0"/>
-              <a:t>REG_BP</a:t>
-            </a:r>
-          </a:p>
-        </p:txBody>
-      </p:sp>
-      <p:sp>
-        <p:nvSpPr>
-          <p:cNvPr id="12" name="TextBox 11">
+              <a:t>REG_B</a:t>
+            </a:r>
+          </a:p>
+        </p:txBody>
+      </p:sp>
+      <p:sp>
+        <p:nvSpPr>
+          <p:cNvPr id="8" name="Rectangle: Rounded Corners 7">
             <a:extLst>
               <a:ext uri="{FF2B5EF4-FFF2-40B4-BE49-F238E27FC236}">
-                <a16:creationId xmlns:a16="http://schemas.microsoft.com/office/drawing/2014/main" id="{75B4779D-F76E-4D3C-BC39-F8E44DECE9CA}"/>
+                <a16:creationId xmlns:a16="http://schemas.microsoft.com/office/drawing/2014/main" id="{0806B8C3-0F19-447B-9827-7080DF848062}"/>
+              </a:ext>
+            </a:extLst>
+          </p:cNvPr>
+          <p:cNvSpPr/>
+          <p:nvPr/>
+        </p:nvSpPr>
+        <p:spPr>
+          <a:xfrm>
+            <a:off x="7620000" y="2381249"/>
+            <a:ext cx="1219200" cy="381000"/>
+          </a:xfrm>
+          <a:prstGeom prst="roundRect">
+            <a:avLst/>
+          </a:prstGeom>
+        </p:spPr>
+        <p:style>
+          <a:lnRef idx="2">
+            <a:schemeClr val="accent1">
+              <a:shade val="50000"/>
+            </a:schemeClr>
+          </a:lnRef>
+          <a:fillRef idx="1">
+            <a:schemeClr val="accent1"/>
+          </a:fillRef>
+          <a:effectRef idx="0">
+            <a:schemeClr val="accent1"/>
+          </a:effectRef>
+          <a:fontRef idx="minor">
+            <a:schemeClr val="lt1"/>
+          </a:fontRef>
+        </p:style>
+        <p:txBody>
+          <a:bodyPr rtlCol="0" anchor="ctr"/>
+          <a:lstStyle/>
+          <a:p>
+            <a:pPr algn="ctr"/>
+            <a:r>
+              <a:rPr lang="en-GB" dirty="0"/>
+              <a:t>REG_SP</a:t>
+            </a:r>
+          </a:p>
+        </p:txBody>
+      </p:sp>
+      <p:sp>
+        <p:nvSpPr>
+          <p:cNvPr id="9" name="Rectangle: Rounded Corners 8">
+            <a:extLst>
+              <a:ext uri="{FF2B5EF4-FFF2-40B4-BE49-F238E27FC236}">
+                <a16:creationId xmlns:a16="http://schemas.microsoft.com/office/drawing/2014/main" id="{2181DA97-9D7A-4F23-A6F3-8EC128375CBF}"/>
+              </a:ext>
+            </a:extLst>
+          </p:cNvPr>
+          <p:cNvSpPr/>
+          <p:nvPr/>
+        </p:nvSpPr>
+        <p:spPr>
+          <a:xfrm>
+            <a:off x="7620000" y="3048000"/>
+            <a:ext cx="1219200" cy="381000"/>
+          </a:xfrm>
+          <a:prstGeom prst="roundRect">
+            <a:avLst/>
+          </a:prstGeom>
+        </p:spPr>
+        <p:style>
+          <a:lnRef idx="2">
+            <a:schemeClr val="accent1">
+              <a:shade val="50000"/>
+            </a:schemeClr>
+          </a:lnRef>
+          <a:fillRef idx="1">
+            <a:schemeClr val="accent1"/>
+          </a:fillRef>
+          <a:effectRef idx="0">
+            <a:schemeClr val="accent1"/>
+          </a:effectRef>
+          <a:fontRef idx="minor">
+            <a:schemeClr val="lt1"/>
+          </a:fontRef>
+        </p:style>
+        <p:txBody>
+          <a:bodyPr rtlCol="0" anchor="ctr"/>
+          <a:lstStyle/>
+          <a:p>
+            <a:pPr algn="ctr"/>
+            <a:r>
+              <a:rPr lang="en-GB" dirty="0"/>
+              <a:t>REG_BP</a:t>
+            </a:r>
+          </a:p>
+        </p:txBody>
+      </p:sp>
+      <p:sp>
+        <p:nvSpPr>
+          <p:cNvPr id="13" name="TextBox 12">
+            <a:extLst>
+              <a:ext uri="{FF2B5EF4-FFF2-40B4-BE49-F238E27FC236}">
+                <a16:creationId xmlns:a16="http://schemas.microsoft.com/office/drawing/2014/main" id="{15267C53-BA1B-48E1-9221-57248D42053E}"/>
               </a:ext>
             </a:extLst>
           </p:cNvPr>
@@ -4659,8 +4671,8 @@
         </p:nvSpPr>
         <p:spPr>
           <a:xfrm>
-            <a:off x="3200400" y="1039279"/>
-            <a:ext cx="3962400" cy="4801314"/>
+            <a:off x="609600" y="928670"/>
+            <a:ext cx="6934200" cy="5632311"/>
           </a:xfrm>
           <a:prstGeom prst="rect">
             <a:avLst/>
@@ -4679,7 +4691,7 @@
                   <a:schemeClr val="bg1"/>
                 </a:solidFill>
               </a:rPr>
-              <a:t>Push a literal value onto the Stack:</a:t>
+              <a:t>Push literal value onto the Stack:</a:t>
             </a:r>
           </a:p>
           <a:p>
@@ -4691,6 +4703,59 @@
               </a:rPr>
               <a:t>	push 0x0A</a:t>
             </a:r>
+            <a:r>
+              <a:rPr lang="en-GB" sz="1400" dirty="0">
+                <a:solidFill>
+                  <a:schemeClr val="accent3">
+                    <a:lumMod val="50000"/>
+                  </a:schemeClr>
+                </a:solidFill>
+              </a:rPr>
+              <a:t>	</a:t>
+            </a:r>
+          </a:p>
+          <a:p>
+            <a:r>
+              <a:rPr lang="en-GB" sz="1400" dirty="0">
+                <a:solidFill>
+                  <a:schemeClr val="accent3">
+                    <a:lumMod val="50000"/>
+                  </a:schemeClr>
+                </a:solidFill>
+              </a:rPr>
+              <a:t>	; Same as</a:t>
+            </a:r>
+          </a:p>
+          <a:p>
+            <a:r>
+              <a:rPr lang="en-GB" sz="1400" dirty="0">
+                <a:solidFill>
+                  <a:schemeClr val="accent3">
+                    <a:lumMod val="50000"/>
+                  </a:schemeClr>
+                </a:solidFill>
+              </a:rPr>
+              <a:t>	; mov  [REG_SP],0x0A</a:t>
+            </a:r>
+          </a:p>
+          <a:p>
+            <a:r>
+              <a:rPr lang="en-GB" sz="1400" dirty="0">
+                <a:solidFill>
+                  <a:schemeClr val="accent3">
+                    <a:lumMod val="50000"/>
+                  </a:schemeClr>
+                </a:solidFill>
+              </a:rPr>
+              <a:t>	; sub REG_SP,0x01</a:t>
+            </a:r>
+            <a:endParaRPr lang="en-GB" dirty="0">
+              <a:solidFill>
+                <a:schemeClr val="accent3">
+                  <a:lumMod val="50000"/>
+                </a:schemeClr>
+              </a:solidFill>
+            </a:endParaRPr>
           </a:p>
           <a:p>
             <a:r>
@@ -4701,6 +4766,122 @@
               </a:rPr>
               <a:t>	push 0x20</a:t>
             </a:r>
+          </a:p>
+          <a:p>
+            <a:r>
+              <a:rPr lang="en-GB" dirty="0">
+                <a:solidFill>
+                  <a:schemeClr val="accent3">
+                    <a:lumMod val="50000"/>
+                  </a:schemeClr>
+                </a:solidFill>
+              </a:rPr>
+              <a:t>	</a:t>
+            </a:r>
+            <a:r>
+              <a:rPr lang="en-GB" sz="1400" dirty="0">
+                <a:solidFill>
+                  <a:schemeClr val="accent3">
+                    <a:lumMod val="50000"/>
+                  </a:schemeClr>
+                </a:solidFill>
+              </a:rPr>
+              <a:t>; Same as</a:t>
+            </a:r>
+          </a:p>
+          <a:p>
+            <a:r>
+              <a:rPr lang="en-GB" sz="1400" dirty="0">
+                <a:solidFill>
+                  <a:schemeClr val="accent3">
+                    <a:lumMod val="50000"/>
+                  </a:schemeClr>
+                </a:solidFill>
+              </a:rPr>
+              <a:t>	; mov  [REG_SP],0x20</a:t>
+            </a:r>
+          </a:p>
+          <a:p>
+            <a:r>
+              <a:rPr lang="en-GB" sz="1400" dirty="0">
+                <a:solidFill>
+                  <a:schemeClr val="accent3">
+                    <a:lumMod val="50000"/>
+                  </a:schemeClr>
+                </a:solidFill>
+              </a:rPr>
+              <a:t>	; sub REG_SP,0x01</a:t>
+            </a:r>
+          </a:p>
+          <a:p>
+            <a:endParaRPr lang="en-GB" sz="1400" dirty="0">
+              <a:solidFill>
+                <a:schemeClr val="accent3">
+                  <a:lumMod val="50000"/>
+                </a:schemeClr>
+              </a:solidFill>
+            </a:endParaRPr>
+          </a:p>
+          <a:p>
+            <a:r>
+              <a:rPr lang="en-GB" dirty="0">
+                <a:solidFill>
+                  <a:schemeClr val="bg1"/>
+                </a:solidFill>
+              </a:rPr>
+              <a:t>Pop value off the Stack into a Register:</a:t>
+            </a:r>
+          </a:p>
+          <a:p>
+            <a:r>
+              <a:rPr lang="en-GB" dirty="0">
+                <a:solidFill>
+                  <a:schemeClr val="bg1"/>
+                </a:solidFill>
+              </a:rPr>
+              <a:t>	pop REG_A</a:t>
+            </a:r>
+          </a:p>
+          <a:p>
+            <a:r>
+              <a:rPr lang="en-GB" sz="1400" dirty="0">
+                <a:solidFill>
+                  <a:schemeClr val="accent3">
+                    <a:lumMod val="50000"/>
+                  </a:schemeClr>
+                </a:solidFill>
+              </a:rPr>
+              <a:t>	; Same as</a:t>
+            </a:r>
+          </a:p>
+          <a:p>
+            <a:r>
+              <a:rPr lang="en-GB" sz="1400" dirty="0">
+                <a:solidFill>
+                  <a:schemeClr val="accent3">
+                    <a:lumMod val="50000"/>
+                  </a:schemeClr>
+                </a:solidFill>
+              </a:rPr>
+              <a:t>	; mov REG_A,[REG_SP]</a:t>
+            </a:r>
+          </a:p>
+          <a:p>
+            <a:r>
+              <a:rPr lang="en-GB" sz="1400" dirty="0">
+                <a:solidFill>
+                  <a:schemeClr val="accent3">
+                    <a:lumMod val="50000"/>
+                  </a:schemeClr>
+                </a:solidFill>
+              </a:rPr>
+              <a:t>	; add REG_SP,0x01</a:t>
+            </a:r>
+            <a:endParaRPr lang="en-GB" sz="1400" dirty="0">
+              <a:solidFill>
+                <a:schemeClr val="bg1"/>
+              </a:solidFill>
+            </a:endParaRPr>
           </a:p>
           <a:p>
             <a:endParaRPr lang="en-GB" dirty="0">
@@ -4716,7 +4897,7 @@
                   <a:schemeClr val="bg1"/>
                 </a:solidFill>
               </a:rPr>
-              <a:t>Call a subroutine </a:t>
+              <a:t>Simple program:</a:t>
             </a:r>
           </a:p>
           <a:p>
@@ -4726,139 +4907,53 @@
                   <a:schemeClr val="bg1"/>
                 </a:solidFill>
               </a:rPr>
-              <a:t>       		call </a:t>
-            </a:r>
-            <a:r>
-              <a:rPr lang="en-GB" dirty="0" err="1">
+              <a:t>	push 0x0A</a:t>
+            </a:r>
+          </a:p>
+          <a:p>
+            <a:r>
+              <a:rPr lang="en-GB" dirty="0">
                 <a:solidFill>
                   <a:schemeClr val="bg1"/>
                 </a:solidFill>
               </a:rPr>
-              <a:t>pushValues</a:t>
+              <a:t>	push 0x20</a:t>
+            </a:r>
+          </a:p>
+          <a:p>
+            <a:r>
+              <a:rPr lang="en-GB" dirty="0">
+                <a:solidFill>
+                  <a:schemeClr val="bg1"/>
+                </a:solidFill>
+              </a:rPr>
+              <a:t>	pop REG_B</a:t>
+            </a:r>
+          </a:p>
+          <a:p>
+            <a:r>
+              <a:rPr lang="en-GB" dirty="0">
+                <a:solidFill>
+                  <a:schemeClr val="bg1"/>
+                </a:solidFill>
+              </a:rPr>
+              <a:t>	pop REG_A</a:t>
+            </a:r>
+          </a:p>
+          <a:p>
+            <a:r>
+              <a:rPr lang="en-GB" dirty="0">
+                <a:solidFill>
+                  <a:schemeClr val="bg1"/>
+                </a:solidFill>
+              </a:rPr>
+              <a:t>	add REG_A,REG_B</a:t>
             </a:r>
             <a:endParaRPr lang="en-GB" dirty="0">
               <a:solidFill>
-                <a:schemeClr val="bg1"/>
-              </a:solidFill>
-            </a:endParaRPr>
-          </a:p>
-          <a:p>
-            <a:r>
-              <a:rPr lang="en-GB" dirty="0">
-                <a:solidFill>
-                  <a:schemeClr val="bg1"/>
-                </a:solidFill>
-              </a:rPr>
-              <a:t>		pop </a:t>
-            </a:r>
-          </a:p>
-          <a:p>
-            <a:r>
-              <a:rPr lang="en-GB" dirty="0">
-                <a:solidFill>
-                  <a:schemeClr val="bg1"/>
-                </a:solidFill>
-              </a:rPr>
-              <a:t>	</a:t>
-            </a:r>
-            <a:r>
-              <a:rPr lang="en-GB" dirty="0" err="1">
-                <a:solidFill>
-                  <a:schemeClr val="bg1"/>
-                </a:solidFill>
-              </a:rPr>
-              <a:t>pushValues</a:t>
-            </a:r>
-            <a:r>
-              <a:rPr lang="en-GB" dirty="0">
-                <a:solidFill>
-                  <a:schemeClr val="bg1"/>
-                </a:solidFill>
-              </a:rPr>
-              <a:t>:</a:t>
-            </a:r>
-          </a:p>
-          <a:p>
-            <a:r>
-              <a:rPr lang="en-GB" dirty="0">
-                <a:solidFill>
-                  <a:schemeClr val="bg1"/>
-                </a:solidFill>
-              </a:rPr>
-              <a:t>		push 0x0A</a:t>
-            </a:r>
-          </a:p>
-          <a:p>
-            <a:r>
-              <a:rPr lang="en-GB" dirty="0">
-                <a:solidFill>
-                  <a:schemeClr val="bg1"/>
-                </a:solidFill>
-              </a:rPr>
-              <a:t>		push 0x20</a:t>
-            </a:r>
-          </a:p>
-          <a:p>
-            <a:r>
-              <a:rPr lang="en-GB" dirty="0">
-                <a:solidFill>
-                  <a:schemeClr val="bg1"/>
-                </a:solidFill>
-              </a:rPr>
-              <a:t>		ret</a:t>
-            </a:r>
-          </a:p>
-          <a:p>
-            <a:endParaRPr lang="en-GB" dirty="0">
-              <a:solidFill>
-                <a:schemeClr val="bg1"/>
-              </a:solidFill>
-            </a:endParaRPr>
-          </a:p>
-          <a:p>
-            <a:r>
-              <a:rPr lang="en-GB" dirty="0">
-                <a:solidFill>
-                  <a:schemeClr val="bg1"/>
-                </a:solidFill>
-              </a:rPr>
-              <a:t>Simple program:</a:t>
-            </a:r>
-          </a:p>
-          <a:p>
-            <a:r>
-              <a:rPr lang="en-GB" dirty="0">
-                <a:solidFill>
-                  <a:schemeClr val="bg1"/>
-                </a:solidFill>
-              </a:rPr>
-              <a:t>	push 0x0A</a:t>
-            </a:r>
-          </a:p>
-          <a:p>
-            <a:r>
-              <a:rPr lang="en-GB" dirty="0">
-                <a:solidFill>
-                  <a:schemeClr val="bg1"/>
-                </a:solidFill>
-              </a:rPr>
-              <a:t>	push 0x20</a:t>
-            </a:r>
-          </a:p>
-          <a:p>
-            <a:r>
-              <a:rPr lang="en-GB" dirty="0">
-                <a:solidFill>
-                  <a:schemeClr val="bg1"/>
-                </a:solidFill>
-              </a:rPr>
-              <a:t>	add</a:t>
-            </a:r>
-          </a:p>
-          <a:p>
-            <a:endParaRPr lang="en-GB" dirty="0">
-              <a:solidFill>
-                <a:schemeClr val="bg1"/>
+                <a:schemeClr val="accent3">
+                  <a:lumMod val="50000"/>
+                </a:schemeClr>
               </a:solidFill>
             </a:endParaRPr>
           </a:p>
@@ -4867,7 +4962,7 @@
     </p:spTree>
     <p:extLst>
       <p:ext uri="{BB962C8B-B14F-4D97-AF65-F5344CB8AC3E}">
-        <p14:creationId xmlns:p14="http://schemas.microsoft.com/office/powerpoint/2010/main" val="3805074390"/>
+        <p14:creationId xmlns:p14="http://schemas.microsoft.com/office/powerpoint/2010/main" val="2006586446"/>
       </p:ext>
     </p:extLst>
   </p:cSld>
@@ -4929,7 +5024,7 @@
                 </a:solidFill>
                 <a:latin typeface="Calibri" pitchFamily="34" charset="0"/>
               </a:rPr>
-              <a:t>#. Register Machine</a:t>
+              <a:t>#. Register / Stack Machine</a:t>
             </a:r>
           </a:p>
         </p:txBody>
@@ -5293,489 +5388,229 @@
           </a:p>
         </p:txBody>
       </p:sp>
-      <p:graphicFrame>
-        <p:nvGraphicFramePr>
-          <p:cNvPr id="7" name="Table 2">
+      <p:sp>
+        <p:nvSpPr>
+          <p:cNvPr id="17" name="Rectangle: Rounded Corners 16">
             <a:extLst>
               <a:ext uri="{FF2B5EF4-FFF2-40B4-BE49-F238E27FC236}">
-                <a16:creationId xmlns:a16="http://schemas.microsoft.com/office/drawing/2014/main" id="{52A5C180-47AC-438E-ABCE-09E1E41323FC}"/>
+                <a16:creationId xmlns:a16="http://schemas.microsoft.com/office/drawing/2014/main" id="{55BF22B5-5246-45C5-8640-8BFFF596ECF2}"/>
               </a:ext>
             </a:extLst>
           </p:cNvPr>
-          <p:cNvGraphicFramePr>
-            <a:graphicFrameLocks noGrp="1"/>
-          </p:cNvGraphicFramePr>
+          <p:cNvSpPr/>
           <p:nvPr/>
-        </p:nvGraphicFramePr>
-        <p:xfrm>
-          <a:off x="304800" y="1071545"/>
-          <a:ext cx="8534400" cy="370840"/>
-        </p:xfrm>
-        <a:graphic>
-          <a:graphicData uri="http://schemas.openxmlformats.org/drawingml/2006/table">
-            <a:tbl>
-              <a:tblPr>
-                <a:tableStyleId>{775DCB02-9BB8-47FD-8907-85C794F793BA}</a:tableStyleId>
-              </a:tblPr>
-              <a:tblGrid>
-                <a:gridCol w="533400">
-                  <a:extLst>
-                    <a:ext uri="{9D8B030D-6E8A-4147-A177-3AD203B41FA5}">
-                      <a16:colId xmlns:a16="http://schemas.microsoft.com/office/drawing/2014/main" val="3598291922"/>
-                    </a:ext>
-                  </a:extLst>
-                </a:gridCol>
-                <a:gridCol w="533400">
-                  <a:extLst>
-                    <a:ext uri="{9D8B030D-6E8A-4147-A177-3AD203B41FA5}">
-                      <a16:colId xmlns:a16="http://schemas.microsoft.com/office/drawing/2014/main" val="935697215"/>
-                    </a:ext>
-                  </a:extLst>
-                </a:gridCol>
-                <a:gridCol w="533400">
-                  <a:extLst>
-                    <a:ext uri="{9D8B030D-6E8A-4147-A177-3AD203B41FA5}">
-                      <a16:colId xmlns:a16="http://schemas.microsoft.com/office/drawing/2014/main" val="4223010688"/>
-                    </a:ext>
-                  </a:extLst>
-                </a:gridCol>
-                <a:gridCol w="533400">
-                  <a:extLst>
-                    <a:ext uri="{9D8B030D-6E8A-4147-A177-3AD203B41FA5}">
-                      <a16:colId xmlns:a16="http://schemas.microsoft.com/office/drawing/2014/main" val="612483188"/>
-                    </a:ext>
-                  </a:extLst>
-                </a:gridCol>
-                <a:gridCol w="533400">
-                  <a:extLst>
-                    <a:ext uri="{9D8B030D-6E8A-4147-A177-3AD203B41FA5}">
-                      <a16:colId xmlns:a16="http://schemas.microsoft.com/office/drawing/2014/main" val="2984073634"/>
-                    </a:ext>
-                  </a:extLst>
-                </a:gridCol>
-                <a:gridCol w="533400">
-                  <a:extLst>
-                    <a:ext uri="{9D8B030D-6E8A-4147-A177-3AD203B41FA5}">
-                      <a16:colId xmlns:a16="http://schemas.microsoft.com/office/drawing/2014/main" val="199695712"/>
-                    </a:ext>
-                  </a:extLst>
-                </a:gridCol>
-                <a:gridCol w="533400">
-                  <a:extLst>
-                    <a:ext uri="{9D8B030D-6E8A-4147-A177-3AD203B41FA5}">
-                      <a16:colId xmlns:a16="http://schemas.microsoft.com/office/drawing/2014/main" val="2389991020"/>
-                    </a:ext>
-                  </a:extLst>
-                </a:gridCol>
-                <a:gridCol w="533400">
-                  <a:extLst>
-                    <a:ext uri="{9D8B030D-6E8A-4147-A177-3AD203B41FA5}">
-                      <a16:colId xmlns:a16="http://schemas.microsoft.com/office/drawing/2014/main" val="2201244460"/>
-                    </a:ext>
-                  </a:extLst>
-                </a:gridCol>
-                <a:gridCol w="533400">
-                  <a:extLst>
-                    <a:ext uri="{9D8B030D-6E8A-4147-A177-3AD203B41FA5}">
-                      <a16:colId xmlns:a16="http://schemas.microsoft.com/office/drawing/2014/main" val="2730043443"/>
-                    </a:ext>
-                  </a:extLst>
-                </a:gridCol>
-                <a:gridCol w="533400">
-                  <a:extLst>
-                    <a:ext uri="{9D8B030D-6E8A-4147-A177-3AD203B41FA5}">
-                      <a16:colId xmlns:a16="http://schemas.microsoft.com/office/drawing/2014/main" val="2383015334"/>
-                    </a:ext>
-                  </a:extLst>
-                </a:gridCol>
-                <a:gridCol w="533400">
-                  <a:extLst>
-                    <a:ext uri="{9D8B030D-6E8A-4147-A177-3AD203B41FA5}">
-                      <a16:colId xmlns:a16="http://schemas.microsoft.com/office/drawing/2014/main" val="2809647001"/>
-                    </a:ext>
-                  </a:extLst>
-                </a:gridCol>
-                <a:gridCol w="533400">
-                  <a:extLst>
-                    <a:ext uri="{9D8B030D-6E8A-4147-A177-3AD203B41FA5}">
-                      <a16:colId xmlns:a16="http://schemas.microsoft.com/office/drawing/2014/main" val="3353828531"/>
-                    </a:ext>
-                  </a:extLst>
-                </a:gridCol>
-                <a:gridCol w="533400">
-                  <a:extLst>
-                    <a:ext uri="{9D8B030D-6E8A-4147-A177-3AD203B41FA5}">
-                      <a16:colId xmlns:a16="http://schemas.microsoft.com/office/drawing/2014/main" val="1100612767"/>
-                    </a:ext>
-                  </a:extLst>
-                </a:gridCol>
-                <a:gridCol w="533400">
-                  <a:extLst>
-                    <a:ext uri="{9D8B030D-6E8A-4147-A177-3AD203B41FA5}">
-                      <a16:colId xmlns:a16="http://schemas.microsoft.com/office/drawing/2014/main" val="3362473563"/>
-                    </a:ext>
-                  </a:extLst>
-                </a:gridCol>
-                <a:gridCol w="533400">
-                  <a:extLst>
-                    <a:ext uri="{9D8B030D-6E8A-4147-A177-3AD203B41FA5}">
-                      <a16:colId xmlns:a16="http://schemas.microsoft.com/office/drawing/2014/main" val="1741217027"/>
-                    </a:ext>
-                  </a:extLst>
-                </a:gridCol>
-                <a:gridCol w="533400">
-                  <a:extLst>
-                    <a:ext uri="{9D8B030D-6E8A-4147-A177-3AD203B41FA5}">
-                      <a16:colId xmlns:a16="http://schemas.microsoft.com/office/drawing/2014/main" val="1362134992"/>
-                    </a:ext>
-                  </a:extLst>
-                </a:gridCol>
-              </a:tblGrid>
-              <a:tr h="370840">
-                <a:tc>
-                  <a:txBody>
-                    <a:bodyPr/>
-                    <a:lstStyle/>
-                    <a:p>
-                      <a:endParaRPr lang="en-GB" dirty="0"/>
-                    </a:p>
-                  </a:txBody>
-                  <a:tcPr/>
-                </a:tc>
-                <a:tc>
-                  <a:txBody>
-                    <a:bodyPr/>
-                    <a:lstStyle/>
-                    <a:p>
-                      <a:endParaRPr lang="en-GB"/>
-                    </a:p>
-                  </a:txBody>
-                  <a:tcPr/>
-                </a:tc>
-                <a:tc>
-                  <a:txBody>
-                    <a:bodyPr/>
-                    <a:lstStyle/>
-                    <a:p>
-                      <a:endParaRPr lang="en-GB" dirty="0"/>
-                    </a:p>
-                  </a:txBody>
-                  <a:tcPr/>
-                </a:tc>
-                <a:tc>
-                  <a:txBody>
-                    <a:bodyPr/>
-                    <a:lstStyle/>
-                    <a:p>
-                      <a:endParaRPr lang="en-GB"/>
-                    </a:p>
-                  </a:txBody>
-                  <a:tcPr/>
-                </a:tc>
-                <a:tc>
-                  <a:txBody>
-                    <a:bodyPr/>
-                    <a:lstStyle/>
-                    <a:p>
-                      <a:endParaRPr lang="en-GB"/>
-                    </a:p>
-                  </a:txBody>
-                  <a:tcPr/>
-                </a:tc>
-                <a:tc>
-                  <a:txBody>
-                    <a:bodyPr/>
-                    <a:lstStyle/>
-                    <a:p>
-                      <a:endParaRPr lang="en-GB" dirty="0"/>
-                    </a:p>
-                  </a:txBody>
-                  <a:tcPr/>
-                </a:tc>
-                <a:tc>
-                  <a:txBody>
-                    <a:bodyPr/>
-                    <a:lstStyle/>
-                    <a:p>
-                      <a:endParaRPr lang="en-GB"/>
-                    </a:p>
-                  </a:txBody>
-                  <a:tcPr/>
-                </a:tc>
-                <a:tc>
-                  <a:txBody>
-                    <a:bodyPr/>
-                    <a:lstStyle/>
-                    <a:p>
-                      <a:endParaRPr lang="en-GB"/>
-                    </a:p>
-                  </a:txBody>
-                  <a:tcPr/>
-                </a:tc>
-                <a:tc>
-                  <a:txBody>
-                    <a:bodyPr/>
-                    <a:lstStyle/>
-                    <a:p>
-                      <a:endParaRPr lang="en-GB"/>
-                    </a:p>
-                  </a:txBody>
-                  <a:tcPr/>
-                </a:tc>
-                <a:tc>
-                  <a:txBody>
-                    <a:bodyPr/>
-                    <a:lstStyle/>
-                    <a:p>
-                      <a:endParaRPr lang="en-GB"/>
-                    </a:p>
-                  </a:txBody>
-                  <a:tcPr/>
-                </a:tc>
-                <a:tc>
-                  <a:txBody>
-                    <a:bodyPr/>
-                    <a:lstStyle/>
-                    <a:p>
-                      <a:endParaRPr lang="en-GB"/>
-                    </a:p>
-                  </a:txBody>
-                  <a:tcPr/>
-                </a:tc>
-                <a:tc>
-                  <a:txBody>
-                    <a:bodyPr/>
-                    <a:lstStyle/>
-                    <a:p>
-                      <a:endParaRPr lang="en-GB"/>
-                    </a:p>
-                  </a:txBody>
-                  <a:tcPr/>
-                </a:tc>
-                <a:tc>
-                  <a:txBody>
-                    <a:bodyPr/>
-                    <a:lstStyle/>
-                    <a:p>
-                      <a:endParaRPr lang="en-GB"/>
-                    </a:p>
-                  </a:txBody>
-                  <a:tcPr/>
-                </a:tc>
-                <a:tc>
-                  <a:txBody>
-                    <a:bodyPr/>
-                    <a:lstStyle/>
-                    <a:p>
-                      <a:endParaRPr lang="en-GB"/>
-                    </a:p>
-                  </a:txBody>
-                  <a:tcPr/>
-                </a:tc>
-                <a:tc>
-                  <a:txBody>
-                    <a:bodyPr/>
-                    <a:lstStyle/>
-                    <a:p>
-                      <a:endParaRPr lang="en-GB"/>
-                    </a:p>
-                  </a:txBody>
-                  <a:tcPr/>
-                </a:tc>
-                <a:tc>
-                  <a:txBody>
-                    <a:bodyPr/>
-                    <a:lstStyle/>
-                    <a:p>
-                      <a:endParaRPr lang="en-GB" dirty="0"/>
-                    </a:p>
-                  </a:txBody>
-                  <a:tcPr/>
-                </a:tc>
-                <a:extLst>
-                  <a:ext uri="{0D108BD9-81ED-4DB2-BD59-A6C34878D82A}">
-                    <a16:rowId xmlns:a16="http://schemas.microsoft.com/office/drawing/2014/main" val="2664154457"/>
-                  </a:ext>
-                </a:extLst>
-              </a:tr>
-            </a:tbl>
-          </a:graphicData>
-        </a:graphic>
-      </p:graphicFrame>
-      <p:sp>
-        <p:nvSpPr>
-          <p:cNvPr id="8" name="Content Placeholder 2">
+        </p:nvSpPr>
+        <p:spPr>
+          <a:xfrm>
+            <a:off x="7620000" y="1071545"/>
+            <a:ext cx="1219200" cy="381000"/>
+          </a:xfrm>
+          <a:prstGeom prst="roundRect">
+            <a:avLst/>
+          </a:prstGeom>
+        </p:spPr>
+        <p:style>
+          <a:lnRef idx="2">
+            <a:schemeClr val="accent1">
+              <a:shade val="50000"/>
+            </a:schemeClr>
+          </a:lnRef>
+          <a:fillRef idx="1">
+            <a:schemeClr val="accent1"/>
+          </a:fillRef>
+          <a:effectRef idx="0">
+            <a:schemeClr val="accent1"/>
+          </a:effectRef>
+          <a:fontRef idx="minor">
+            <a:schemeClr val="lt1"/>
+          </a:fontRef>
+        </p:style>
+        <p:txBody>
+          <a:bodyPr rtlCol="0" anchor="ctr"/>
+          <a:lstStyle/>
+          <a:p>
+            <a:pPr algn="ctr"/>
+            <a:r>
+              <a:rPr lang="en-GB" dirty="0"/>
+              <a:t>REG_A</a:t>
+            </a:r>
+          </a:p>
+        </p:txBody>
+      </p:sp>
+      <p:sp>
+        <p:nvSpPr>
+          <p:cNvPr id="18" name="Rectangle: Rounded Corners 17">
             <a:extLst>
               <a:ext uri="{FF2B5EF4-FFF2-40B4-BE49-F238E27FC236}">
-                <a16:creationId xmlns:a16="http://schemas.microsoft.com/office/drawing/2014/main" id="{1FDEED7D-E8A8-4A8D-AEC7-F377DF7EB41B}"/>
+                <a16:creationId xmlns:a16="http://schemas.microsoft.com/office/drawing/2014/main" id="{C74BACE3-7234-4FBB-AD79-8E9D0C918098}"/>
               </a:ext>
             </a:extLst>
           </p:cNvPr>
-          <p:cNvSpPr txBox="1">
-            <a:spLocks/>
-          </p:cNvSpPr>
+          <p:cNvSpPr/>
           <p:nvPr/>
         </p:nvSpPr>
         <p:spPr>
           <a:xfrm>
-            <a:off x="397629" y="1728136"/>
-            <a:ext cx="8117721" cy="4791745"/>
+            <a:off x="7620000" y="1738296"/>
+            <a:ext cx="1219200" cy="381000"/>
+          </a:xfrm>
+          <a:prstGeom prst="roundRect">
+            <a:avLst/>
+          </a:prstGeom>
+        </p:spPr>
+        <p:style>
+          <a:lnRef idx="2">
+            <a:schemeClr val="accent1">
+              <a:shade val="50000"/>
+            </a:schemeClr>
+          </a:lnRef>
+          <a:fillRef idx="1">
+            <a:schemeClr val="accent1"/>
+          </a:fillRef>
+          <a:effectRef idx="0">
+            <a:schemeClr val="accent1"/>
+          </a:effectRef>
+          <a:fontRef idx="minor">
+            <a:schemeClr val="lt1"/>
+          </a:fontRef>
+        </p:style>
+        <p:txBody>
+          <a:bodyPr rtlCol="0" anchor="ctr"/>
+          <a:lstStyle/>
+          <a:p>
+            <a:pPr algn="ctr"/>
+            <a:r>
+              <a:rPr lang="en-GB" dirty="0"/>
+              <a:t>REG_B</a:t>
+            </a:r>
+          </a:p>
+        </p:txBody>
+      </p:sp>
+      <p:sp>
+        <p:nvSpPr>
+          <p:cNvPr id="8" name="Rectangle: Rounded Corners 7">
+            <a:extLst>
+              <a:ext uri="{FF2B5EF4-FFF2-40B4-BE49-F238E27FC236}">
+                <a16:creationId xmlns:a16="http://schemas.microsoft.com/office/drawing/2014/main" id="{0806B8C3-0F19-447B-9827-7080DF848062}"/>
+              </a:ext>
+            </a:extLst>
+          </p:cNvPr>
+          <p:cNvSpPr/>
+          <p:nvPr/>
+        </p:nvSpPr>
+        <p:spPr>
+          <a:xfrm>
+            <a:off x="7620000" y="2381249"/>
+            <a:ext cx="1219200" cy="381000"/>
+          </a:xfrm>
+          <a:prstGeom prst="roundRect">
+            <a:avLst/>
+          </a:prstGeom>
+        </p:spPr>
+        <p:style>
+          <a:lnRef idx="2">
+            <a:schemeClr val="accent1">
+              <a:shade val="50000"/>
+            </a:schemeClr>
+          </a:lnRef>
+          <a:fillRef idx="1">
+            <a:schemeClr val="accent1"/>
+          </a:fillRef>
+          <a:effectRef idx="0">
+            <a:schemeClr val="accent1"/>
+          </a:effectRef>
+          <a:fontRef idx="minor">
+            <a:schemeClr val="lt1"/>
+          </a:fontRef>
+        </p:style>
+        <p:txBody>
+          <a:bodyPr rtlCol="0" anchor="ctr"/>
+          <a:lstStyle/>
+          <a:p>
+            <a:pPr algn="ctr"/>
+            <a:r>
+              <a:rPr lang="en-GB" dirty="0"/>
+              <a:t>REG_SP</a:t>
+            </a:r>
+          </a:p>
+        </p:txBody>
+      </p:sp>
+      <p:sp>
+        <p:nvSpPr>
+          <p:cNvPr id="9" name="Rectangle: Rounded Corners 8">
+            <a:extLst>
+              <a:ext uri="{FF2B5EF4-FFF2-40B4-BE49-F238E27FC236}">
+                <a16:creationId xmlns:a16="http://schemas.microsoft.com/office/drawing/2014/main" id="{2181DA97-9D7A-4F23-A6F3-8EC128375CBF}"/>
+              </a:ext>
+            </a:extLst>
+          </p:cNvPr>
+          <p:cNvSpPr/>
+          <p:nvPr/>
+        </p:nvSpPr>
+        <p:spPr>
+          <a:xfrm>
+            <a:off x="7620000" y="3048000"/>
+            <a:ext cx="1219200" cy="381000"/>
+          </a:xfrm>
+          <a:prstGeom prst="roundRect">
+            <a:avLst/>
+          </a:prstGeom>
+        </p:spPr>
+        <p:style>
+          <a:lnRef idx="2">
+            <a:schemeClr val="accent1">
+              <a:shade val="50000"/>
+            </a:schemeClr>
+          </a:lnRef>
+          <a:fillRef idx="1">
+            <a:schemeClr val="accent1"/>
+          </a:fillRef>
+          <a:effectRef idx="0">
+            <a:schemeClr val="accent1"/>
+          </a:effectRef>
+          <a:fontRef idx="minor">
+            <a:schemeClr val="lt1"/>
+          </a:fontRef>
+        </p:style>
+        <p:txBody>
+          <a:bodyPr rtlCol="0" anchor="ctr"/>
+          <a:lstStyle/>
+          <a:p>
+            <a:pPr algn="ctr"/>
+            <a:r>
+              <a:rPr lang="en-GB" dirty="0"/>
+              <a:t>REG_BP</a:t>
+            </a:r>
+          </a:p>
+        </p:txBody>
+      </p:sp>
+      <p:sp>
+        <p:nvSpPr>
+          <p:cNvPr id="13" name="TextBox 12">
+            <a:extLst>
+              <a:ext uri="{FF2B5EF4-FFF2-40B4-BE49-F238E27FC236}">
+                <a16:creationId xmlns:a16="http://schemas.microsoft.com/office/drawing/2014/main" id="{15267C53-BA1B-48E1-9221-57248D42053E}"/>
+              </a:ext>
+            </a:extLst>
+          </p:cNvPr>
+          <p:cNvSpPr txBox="1"/>
+          <p:nvPr/>
+        </p:nvSpPr>
+        <p:spPr>
+          <a:xfrm>
+            <a:off x="609600" y="928670"/>
+            <a:ext cx="6934200" cy="3416320"/>
           </a:xfrm>
           <a:prstGeom prst="rect">
             <a:avLst/>
           </a:prstGeom>
-        </p:spPr>
-        <p:txBody>
-          <a:bodyPr vert="horz" lIns="91440" tIns="45720" rIns="91440" bIns="45720" rtlCol="0">
-            <a:normAutofit/>
+          <a:noFill/>
+        </p:spPr>
+        <p:txBody>
+          <a:bodyPr wrap="square" rtlCol="0">
+            <a:spAutoFit/>
           </a:bodyPr>
-          <a:lstStyle>
-            <a:lvl1pPr marL="0" indent="0" algn="l" defTabSz="914400" rtl="0" eaLnBrk="1" latinLnBrk="0" hangingPunct="1">
-              <a:spcBef>
-                <a:spcPct val="20000"/>
-              </a:spcBef>
-              <a:buFont typeface="Arial" pitchFamily="34" charset="0"/>
-              <a:buNone/>
-              <a:defRPr sz="3200" kern="1200">
-                <a:solidFill>
-                  <a:schemeClr val="tx1"/>
-                </a:solidFill>
-                <a:latin typeface="+mn-lt"/>
-                <a:ea typeface="+mn-ea"/>
-                <a:cs typeface="+mn-cs"/>
-              </a:defRPr>
-            </a:lvl1pPr>
-            <a:lvl2pPr marL="457200" indent="0" algn="l" defTabSz="914400" rtl="0" eaLnBrk="1" latinLnBrk="0" hangingPunct="1">
-              <a:spcBef>
-                <a:spcPct val="20000"/>
-              </a:spcBef>
-              <a:buFont typeface="Arial" pitchFamily="34" charset="0"/>
-              <a:buNone/>
-              <a:defRPr sz="2800" kern="1200">
-                <a:solidFill>
-                  <a:schemeClr val="tx1"/>
-                </a:solidFill>
-                <a:latin typeface="+mn-lt"/>
-                <a:ea typeface="+mn-ea"/>
-                <a:cs typeface="+mn-cs"/>
-              </a:defRPr>
-            </a:lvl2pPr>
-            <a:lvl3pPr marL="914400" indent="0" algn="l" defTabSz="914400" rtl="0" eaLnBrk="1" latinLnBrk="0" hangingPunct="1">
-              <a:spcBef>
-                <a:spcPct val="20000"/>
-              </a:spcBef>
-              <a:buFont typeface="Arial" pitchFamily="34" charset="0"/>
-              <a:buNone/>
-              <a:defRPr sz="2400" kern="1200">
-                <a:solidFill>
-                  <a:schemeClr val="tx1"/>
-                </a:solidFill>
-                <a:latin typeface="+mn-lt"/>
-                <a:ea typeface="+mn-ea"/>
-                <a:cs typeface="+mn-cs"/>
-              </a:defRPr>
-            </a:lvl3pPr>
-            <a:lvl4pPr marL="1371600" indent="0" algn="l" defTabSz="914400" rtl="0" eaLnBrk="1" latinLnBrk="0" hangingPunct="1">
-              <a:spcBef>
-                <a:spcPct val="20000"/>
-              </a:spcBef>
-              <a:buFont typeface="Arial" pitchFamily="34" charset="0"/>
-              <a:buNone/>
-              <a:defRPr sz="2000" kern="1200">
-                <a:solidFill>
-                  <a:schemeClr val="tx1"/>
-                </a:solidFill>
-                <a:latin typeface="+mn-lt"/>
-                <a:ea typeface="+mn-ea"/>
-                <a:cs typeface="+mn-cs"/>
-              </a:defRPr>
-            </a:lvl4pPr>
-            <a:lvl5pPr marL="1828800" indent="0" algn="l" defTabSz="914400" rtl="0" eaLnBrk="1" latinLnBrk="0" hangingPunct="1">
-              <a:spcBef>
-                <a:spcPct val="20000"/>
-              </a:spcBef>
-              <a:buFont typeface="Arial" pitchFamily="34" charset="0"/>
-              <a:buNone/>
-              <a:defRPr sz="2000" kern="1200">
-                <a:solidFill>
-                  <a:schemeClr val="tx1"/>
-                </a:solidFill>
-                <a:latin typeface="+mn-lt"/>
-                <a:ea typeface="+mn-ea"/>
-                <a:cs typeface="+mn-cs"/>
-              </a:defRPr>
-            </a:lvl5pPr>
-            <a:lvl6pPr marL="2286000" indent="0" algn="l" defTabSz="914400" rtl="0" eaLnBrk="1" latinLnBrk="0" hangingPunct="1">
-              <a:spcBef>
-                <a:spcPct val="20000"/>
-              </a:spcBef>
-              <a:buFont typeface="Arial" pitchFamily="34" charset="0"/>
-              <a:buNone/>
-              <a:defRPr sz="2000" kern="1200">
-                <a:solidFill>
-                  <a:schemeClr val="tx1"/>
-                </a:solidFill>
-                <a:latin typeface="+mn-lt"/>
-                <a:ea typeface="+mn-ea"/>
-                <a:cs typeface="+mn-cs"/>
-              </a:defRPr>
-            </a:lvl6pPr>
-            <a:lvl7pPr marL="2743200" indent="0" algn="l" defTabSz="914400" rtl="0" eaLnBrk="1" latinLnBrk="0" hangingPunct="1">
-              <a:spcBef>
-                <a:spcPct val="20000"/>
-              </a:spcBef>
-              <a:buFont typeface="Arial" pitchFamily="34" charset="0"/>
-              <a:buNone/>
-              <a:defRPr sz="2000" kern="1200">
-                <a:solidFill>
-                  <a:schemeClr val="tx1"/>
-                </a:solidFill>
-                <a:latin typeface="+mn-lt"/>
-                <a:ea typeface="+mn-ea"/>
-                <a:cs typeface="+mn-cs"/>
-              </a:defRPr>
-            </a:lvl7pPr>
-            <a:lvl8pPr marL="3200400" indent="0" algn="l" defTabSz="914400" rtl="0" eaLnBrk="1" latinLnBrk="0" hangingPunct="1">
-              <a:spcBef>
-                <a:spcPct val="20000"/>
-              </a:spcBef>
-              <a:buFont typeface="Arial" pitchFamily="34" charset="0"/>
-              <a:buNone/>
-              <a:defRPr sz="2000" kern="1200">
-                <a:solidFill>
-                  <a:schemeClr val="tx1"/>
-                </a:solidFill>
-                <a:latin typeface="+mn-lt"/>
-                <a:ea typeface="+mn-ea"/>
-                <a:cs typeface="+mn-cs"/>
-              </a:defRPr>
-            </a:lvl8pPr>
-            <a:lvl9pPr marL="3657600" indent="0" algn="l" defTabSz="914400" rtl="0" eaLnBrk="1" latinLnBrk="0" hangingPunct="1">
-              <a:spcBef>
-                <a:spcPct val="20000"/>
-              </a:spcBef>
-              <a:buFont typeface="Arial" pitchFamily="34" charset="0"/>
-              <a:buNone/>
-              <a:defRPr sz="2000" kern="1200">
-                <a:solidFill>
-                  <a:schemeClr val="tx1"/>
-                </a:solidFill>
-                <a:latin typeface="+mn-lt"/>
-                <a:ea typeface="+mn-ea"/>
-                <a:cs typeface="+mn-cs"/>
-              </a:defRPr>
-            </a:lvl9pPr>
-          </a:lstStyle>
-          <a:p>
-            <a:r>
-              <a:rPr lang="en-GB" dirty="0">
-                <a:solidFill>
-                  <a:schemeClr val="bg1"/>
-                </a:solidFill>
-              </a:rPr>
-              <a:t>MOV 0,10</a:t>
-            </a:r>
-          </a:p>
+          <a:lstStyle/>
           <a:p>
             <a:endParaRPr lang="en-GB" dirty="0">
               <a:solidFill>
@@ -5783,12 +5618,117 @@
               </a:solidFill>
             </a:endParaRPr>
           </a:p>
+          <a:p>
+            <a:r>
+              <a:rPr lang="en-GB" dirty="0">
+                <a:solidFill>
+                  <a:schemeClr val="bg1"/>
+                </a:solidFill>
+              </a:rPr>
+              <a:t>Branching:</a:t>
+            </a:r>
+          </a:p>
+          <a:p>
+            <a:r>
+              <a:rPr lang="en-GB" dirty="0">
+                <a:solidFill>
+                  <a:schemeClr val="bg1"/>
+                </a:solidFill>
+              </a:rPr>
+              <a:t>	COUNT_TO_TEN:</a:t>
+            </a:r>
+          </a:p>
+          <a:p>
+            <a:r>
+              <a:rPr lang="en-GB" dirty="0">
+                <a:solidFill>
+                  <a:schemeClr val="bg1"/>
+                </a:solidFill>
+              </a:rPr>
+              <a:t>		push REG_SP</a:t>
+            </a:r>
+          </a:p>
+          <a:p>
+            <a:endParaRPr lang="en-GB" dirty="0">
+              <a:solidFill>
+                <a:schemeClr val="bg1"/>
+              </a:solidFill>
+            </a:endParaRPr>
+          </a:p>
+          <a:p>
+            <a:endParaRPr lang="en-GB" dirty="0">
+              <a:solidFill>
+                <a:schemeClr val="bg1"/>
+              </a:solidFill>
+            </a:endParaRPr>
+          </a:p>
+          <a:p>
+            <a:r>
+              <a:rPr lang="en-GB" dirty="0">
+                <a:solidFill>
+                  <a:schemeClr val="bg1"/>
+                </a:solidFill>
+              </a:rPr>
+              <a:t>		pop REG_SP</a:t>
+            </a:r>
+          </a:p>
+          <a:p>
+            <a:r>
+              <a:rPr lang="en-GB" dirty="0">
+                <a:solidFill>
+                  <a:schemeClr val="bg1"/>
+                </a:solidFill>
+              </a:rPr>
+              <a:t>		ret</a:t>
+            </a:r>
+            <a:endParaRPr lang="en-GB" dirty="0">
+              <a:solidFill>
+                <a:schemeClr val="accent3">
+                  <a:lumMod val="50000"/>
+                </a:schemeClr>
+              </a:solidFill>
+            </a:endParaRPr>
+          </a:p>
+          <a:p>
+            <a:endParaRPr lang="en-GB" dirty="0">
+              <a:solidFill>
+                <a:schemeClr val="bg1"/>
+              </a:solidFill>
+            </a:endParaRPr>
+          </a:p>
+          <a:p>
+            <a:endParaRPr lang="en-GB" dirty="0">
+              <a:solidFill>
+                <a:schemeClr val="bg1"/>
+              </a:solidFill>
+            </a:endParaRPr>
+          </a:p>
+          <a:p>
+            <a:r>
+              <a:rPr lang="en-GB" dirty="0">
+                <a:solidFill>
+                  <a:schemeClr val="bg1"/>
+                </a:solidFill>
+              </a:rPr>
+              <a:t>	push 0x0A</a:t>
+            </a:r>
+          </a:p>
+          <a:p>
+            <a:r>
+              <a:rPr lang="en-GB" dirty="0">
+                <a:solidFill>
+                  <a:schemeClr val="bg1"/>
+                </a:solidFill>
+              </a:rPr>
+              <a:t>	push 0x20</a:t>
+            </a:r>
+          </a:p>
         </p:txBody>
       </p:sp>
     </p:spTree>
     <p:extLst>
       <p:ext uri="{BB962C8B-B14F-4D97-AF65-F5344CB8AC3E}">
-        <p14:creationId xmlns:p14="http://schemas.microsoft.com/office/powerpoint/2010/main" val="1832393142"/>
+        <p14:creationId xmlns:p14="http://schemas.microsoft.com/office/powerpoint/2010/main" val="899030574"/>
       </p:ext>
     </p:extLst>
   </p:cSld>
@@ -5850,7 +5790,7 @@
                 </a:solidFill>
                 <a:latin typeface="Calibri" pitchFamily="34" charset="0"/>
               </a:rPr>
-              <a:t>#. Stack Machine</a:t>
+              <a:t>#. Register Machine</a:t>
             </a:r>
           </a:p>
         </p:txBody>
@@ -6014,36 +5954,10 @@
             </a:lvl9pPr>
           </a:lstStyle>
           <a:p>
-            <a:r>
-              <a:rPr lang="en-GB" dirty="0">
-                <a:solidFill>
-                  <a:schemeClr val="bg1"/>
-                </a:solidFill>
-              </a:rPr>
-              <a:t>PUSH 10</a:t>
-            </a:r>
-          </a:p>
-          <a:p>
-            <a:r>
-              <a:rPr lang="en-GB" dirty="0">
-                <a:solidFill>
-                  <a:schemeClr val="bg1"/>
-                </a:solidFill>
-              </a:rPr>
-              <a:t>PUSH 32</a:t>
-            </a:r>
-          </a:p>
-          <a:p>
-            <a:r>
-              <a:rPr lang="en-GB" dirty="0">
-                <a:solidFill>
-                  <a:schemeClr val="bg1"/>
-                </a:solidFill>
-              </a:rPr>
-              <a:t>ADD</a:t>
-            </a:r>
-          </a:p>
-          <a:p>
+            <a:pPr marL="571500" indent="-571500">
+              <a:buFont typeface="Arial" panose="020B0604020202020204" pitchFamily="34" charset="0"/>
+              <a:buChar char="•"/>
+            </a:pPr>
             <a:endParaRPr lang="en-GB" dirty="0">
               <a:solidFill>
                 <a:schemeClr val="bg1"/>
@@ -6054,10 +5968,10 @@
       </p:sp>
       <p:sp>
         <p:nvSpPr>
-          <p:cNvPr id="7" name="Content Placeholder 2">
+          <p:cNvPr id="4" name="Content Placeholder 2">
             <a:extLst>
               <a:ext uri="{FF2B5EF4-FFF2-40B4-BE49-F238E27FC236}">
-                <a16:creationId xmlns:a16="http://schemas.microsoft.com/office/drawing/2014/main" id="{2955B0F2-5A95-499C-AC64-2BE3C86964A2}"/>
+                <a16:creationId xmlns:a16="http://schemas.microsoft.com/office/drawing/2014/main" id="{91C127C4-019D-4816-9ECF-D243EFA4189D}"/>
               </a:ext>
             </a:extLst>
           </p:cNvPr>
@@ -6068,8 +5982,8 @@
         </p:nvSpPr>
         <p:spPr>
           <a:xfrm>
-            <a:off x="152400" y="914401"/>
-            <a:ext cx="6553200" cy="5157805"/>
+            <a:off x="609600" y="1223945"/>
+            <a:ext cx="8229600" cy="4857785"/>
           </a:xfrm>
           <a:prstGeom prst="rect">
             <a:avLst/>
@@ -6217,6 +6131,21 @@
             </a:lvl9pPr>
           </a:lstStyle>
           <a:p>
+            <a:pPr marL="571500" indent="-571500">
+              <a:buFont typeface="Arial" panose="020B0604020202020204" pitchFamily="34" charset="0"/>
+              <a:buChar char="•"/>
+            </a:pPr>
+            <a:endParaRPr lang="en-GB" dirty="0">
+              <a:solidFill>
+                <a:schemeClr val="bg1"/>
+              </a:solidFill>
+            </a:endParaRPr>
+          </a:p>
+          <a:p>
+            <a:pPr marL="571500" indent="-571500">
+              <a:buFont typeface="Arial" panose="020B0604020202020204" pitchFamily="34" charset="0"/>
+              <a:buChar char="•"/>
+            </a:pPr>
             <a:endParaRPr lang="en-US" dirty="0">
               <a:solidFill>
                 <a:schemeClr val="bg1"/>
@@ -6225,10 +6154,49 @@
           </a:p>
         </p:txBody>
       </p:sp>
+      <p:sp>
+        <p:nvSpPr>
+          <p:cNvPr id="2" name="TextBox 1">
+            <a:extLst>
+              <a:ext uri="{FF2B5EF4-FFF2-40B4-BE49-F238E27FC236}">
+                <a16:creationId xmlns:a16="http://schemas.microsoft.com/office/drawing/2014/main" id="{0B1DCBE0-C301-4738-B027-2A8BA3AF572B}"/>
+              </a:ext>
+            </a:extLst>
+          </p:cNvPr>
+          <p:cNvSpPr txBox="1"/>
+          <p:nvPr/>
+        </p:nvSpPr>
+        <p:spPr>
+          <a:xfrm>
+            <a:off x="1749868" y="3244334"/>
+            <a:ext cx="5949064" cy="369332"/>
+          </a:xfrm>
+          <a:prstGeom prst="rect">
+            <a:avLst/>
+          </a:prstGeom>
+          <a:noFill/>
+        </p:spPr>
+        <p:txBody>
+          <a:bodyPr wrap="none" rtlCol="0">
+            <a:spAutoFit/>
+          </a:bodyPr>
+          <a:lstStyle/>
+          <a:p>
+            <a:r>
+              <a:rPr lang="en-GB" dirty="0">
+                <a:solidFill>
+                  <a:schemeClr val="bg1"/>
+                </a:solidFill>
+              </a:rPr>
+              <a:t>Register Machine can simulate stack machines and vice versa </a:t>
+            </a:r>
+          </a:p>
+        </p:txBody>
+      </p:sp>
     </p:spTree>
     <p:extLst>
       <p:ext uri="{BB962C8B-B14F-4D97-AF65-F5344CB8AC3E}">
-        <p14:creationId xmlns:p14="http://schemas.microsoft.com/office/powerpoint/2010/main" val="1132502000"/>
+        <p14:creationId xmlns:p14="http://schemas.microsoft.com/office/powerpoint/2010/main" val="1304178095"/>
       </p:ext>
     </p:extLst>
   </p:cSld>
@@ -6290,7 +6258,7 @@
                 </a:solidFill>
                 <a:latin typeface="Calibri" pitchFamily="34" charset="0"/>
               </a:rPr>
-              <a:t>#. Register Machine</a:t>
+              <a:t>#. Virtual Machine</a:t>
             </a:r>
           </a:p>
         </p:txBody>
@@ -6654,49 +6622,10 @@
           </a:p>
         </p:txBody>
       </p:sp>
-      <p:sp>
-        <p:nvSpPr>
-          <p:cNvPr id="2" name="TextBox 1">
-            <a:extLst>
-              <a:ext uri="{FF2B5EF4-FFF2-40B4-BE49-F238E27FC236}">
-                <a16:creationId xmlns:a16="http://schemas.microsoft.com/office/drawing/2014/main" id="{0B1DCBE0-C301-4738-B027-2A8BA3AF572B}"/>
-              </a:ext>
-            </a:extLst>
-          </p:cNvPr>
-          <p:cNvSpPr txBox="1"/>
-          <p:nvPr/>
-        </p:nvSpPr>
-        <p:spPr>
-          <a:xfrm>
-            <a:off x="1749868" y="3244334"/>
-            <a:ext cx="5949064" cy="369332"/>
-          </a:xfrm>
-          <a:prstGeom prst="rect">
-            <a:avLst/>
-          </a:prstGeom>
-          <a:noFill/>
-        </p:spPr>
-        <p:txBody>
-          <a:bodyPr wrap="none" rtlCol="0">
-            <a:spAutoFit/>
-          </a:bodyPr>
-          <a:lstStyle/>
-          <a:p>
-            <a:r>
-              <a:rPr lang="en-GB" dirty="0">
-                <a:solidFill>
-                  <a:schemeClr val="bg1"/>
-                </a:solidFill>
-              </a:rPr>
-              <a:t>Register Machine can simulate stack machines and vice versa </a:t>
-            </a:r>
-          </a:p>
-        </p:txBody>
-      </p:sp>
     </p:spTree>
     <p:extLst>
       <p:ext uri="{BB962C8B-B14F-4D97-AF65-F5344CB8AC3E}">
-        <p14:creationId xmlns:p14="http://schemas.microsoft.com/office/powerpoint/2010/main" val="1304178095"/>
+        <p14:creationId xmlns:p14="http://schemas.microsoft.com/office/powerpoint/2010/main" val="1894145740"/>
       </p:ext>
     </p:extLst>
   </p:cSld>
@@ -6758,7 +6687,7 @@
                 </a:solidFill>
                 <a:latin typeface="Calibri" pitchFamily="34" charset="0"/>
               </a:rPr>
-              <a:t>#. Virtual Machine</a:t>
+              <a:t>#. Machine / Byte Code</a:t>
             </a:r>
           </a:p>
         </p:txBody>
@@ -7125,7 +7054,7 @@
     </p:spTree>
     <p:extLst>
       <p:ext uri="{BB962C8B-B14F-4D97-AF65-F5344CB8AC3E}">
-        <p14:creationId xmlns:p14="http://schemas.microsoft.com/office/powerpoint/2010/main" val="1894145740"/>
+        <p14:creationId xmlns:p14="http://schemas.microsoft.com/office/powerpoint/2010/main" val="758859454"/>
       </p:ext>
     </p:extLst>
   </p:cSld>
@@ -7187,435 +7116,6 @@
                 </a:solidFill>
                 <a:latin typeface="Calibri" pitchFamily="34" charset="0"/>
               </a:rPr>
-              <a:t>#. Machine / Byte Code</a:t>
-            </a:r>
-          </a:p>
-        </p:txBody>
-      </p:sp>
-      <p:sp>
-        <p:nvSpPr>
-          <p:cNvPr id="6" name="Content Placeholder 2"/>
-          <p:cNvSpPr txBox="1">
-            <a:spLocks/>
-          </p:cNvSpPr>
-          <p:nvPr/>
-        </p:nvSpPr>
-        <p:spPr>
-          <a:xfrm>
-            <a:off x="457200" y="1071545"/>
-            <a:ext cx="8229600" cy="4857785"/>
-          </a:xfrm>
-          <a:prstGeom prst="rect">
-            <a:avLst/>
-          </a:prstGeom>
-        </p:spPr>
-        <p:txBody>
-          <a:bodyPr vert="horz" lIns="91440" tIns="45720" rIns="91440" bIns="45720" rtlCol="0">
-            <a:normAutofit/>
-          </a:bodyPr>
-          <a:lstStyle>
-            <a:lvl1pPr marL="0" indent="0" algn="l" defTabSz="914400" rtl="0" eaLnBrk="1" latinLnBrk="0" hangingPunct="1">
-              <a:spcBef>
-                <a:spcPct val="20000"/>
-              </a:spcBef>
-              <a:buFont typeface="Arial" pitchFamily="34" charset="0"/>
-              <a:buNone/>
-              <a:defRPr sz="3200" kern="1200">
-                <a:solidFill>
-                  <a:schemeClr val="tx1"/>
-                </a:solidFill>
-                <a:latin typeface="+mn-lt"/>
-                <a:ea typeface="+mn-ea"/>
-                <a:cs typeface="+mn-cs"/>
-              </a:defRPr>
-            </a:lvl1pPr>
-            <a:lvl2pPr marL="457200" indent="0" algn="l" defTabSz="914400" rtl="0" eaLnBrk="1" latinLnBrk="0" hangingPunct="1">
-              <a:spcBef>
-                <a:spcPct val="20000"/>
-              </a:spcBef>
-              <a:buFont typeface="Arial" pitchFamily="34" charset="0"/>
-              <a:buNone/>
-              <a:defRPr sz="2800" kern="1200">
-                <a:solidFill>
-                  <a:schemeClr val="tx1"/>
-                </a:solidFill>
-                <a:latin typeface="+mn-lt"/>
-                <a:ea typeface="+mn-ea"/>
-                <a:cs typeface="+mn-cs"/>
-              </a:defRPr>
-            </a:lvl2pPr>
-            <a:lvl3pPr marL="914400" indent="0" algn="l" defTabSz="914400" rtl="0" eaLnBrk="1" latinLnBrk="0" hangingPunct="1">
-              <a:spcBef>
-                <a:spcPct val="20000"/>
-              </a:spcBef>
-              <a:buFont typeface="Arial" pitchFamily="34" charset="0"/>
-              <a:buNone/>
-              <a:defRPr sz="2400" kern="1200">
-                <a:solidFill>
-                  <a:schemeClr val="tx1"/>
-                </a:solidFill>
-                <a:latin typeface="+mn-lt"/>
-                <a:ea typeface="+mn-ea"/>
-                <a:cs typeface="+mn-cs"/>
-              </a:defRPr>
-            </a:lvl3pPr>
-            <a:lvl4pPr marL="1371600" indent="0" algn="l" defTabSz="914400" rtl="0" eaLnBrk="1" latinLnBrk="0" hangingPunct="1">
-              <a:spcBef>
-                <a:spcPct val="20000"/>
-              </a:spcBef>
-              <a:buFont typeface="Arial" pitchFamily="34" charset="0"/>
-              <a:buNone/>
-              <a:defRPr sz="2000" kern="1200">
-                <a:solidFill>
-                  <a:schemeClr val="tx1"/>
-                </a:solidFill>
-                <a:latin typeface="+mn-lt"/>
-                <a:ea typeface="+mn-ea"/>
-                <a:cs typeface="+mn-cs"/>
-              </a:defRPr>
-            </a:lvl4pPr>
-            <a:lvl5pPr marL="1828800" indent="0" algn="l" defTabSz="914400" rtl="0" eaLnBrk="1" latinLnBrk="0" hangingPunct="1">
-              <a:spcBef>
-                <a:spcPct val="20000"/>
-              </a:spcBef>
-              <a:buFont typeface="Arial" pitchFamily="34" charset="0"/>
-              <a:buNone/>
-              <a:defRPr sz="2000" kern="1200">
-                <a:solidFill>
-                  <a:schemeClr val="tx1"/>
-                </a:solidFill>
-                <a:latin typeface="+mn-lt"/>
-                <a:ea typeface="+mn-ea"/>
-                <a:cs typeface="+mn-cs"/>
-              </a:defRPr>
-            </a:lvl5pPr>
-            <a:lvl6pPr marL="2286000" indent="0" algn="l" defTabSz="914400" rtl="0" eaLnBrk="1" latinLnBrk="0" hangingPunct="1">
-              <a:spcBef>
-                <a:spcPct val="20000"/>
-              </a:spcBef>
-              <a:buFont typeface="Arial" pitchFamily="34" charset="0"/>
-              <a:buNone/>
-              <a:defRPr sz="2000" kern="1200">
-                <a:solidFill>
-                  <a:schemeClr val="tx1"/>
-                </a:solidFill>
-                <a:latin typeface="+mn-lt"/>
-                <a:ea typeface="+mn-ea"/>
-                <a:cs typeface="+mn-cs"/>
-              </a:defRPr>
-            </a:lvl6pPr>
-            <a:lvl7pPr marL="2743200" indent="0" algn="l" defTabSz="914400" rtl="0" eaLnBrk="1" latinLnBrk="0" hangingPunct="1">
-              <a:spcBef>
-                <a:spcPct val="20000"/>
-              </a:spcBef>
-              <a:buFont typeface="Arial" pitchFamily="34" charset="0"/>
-              <a:buNone/>
-              <a:defRPr sz="2000" kern="1200">
-                <a:solidFill>
-                  <a:schemeClr val="tx1"/>
-                </a:solidFill>
-                <a:latin typeface="+mn-lt"/>
-                <a:ea typeface="+mn-ea"/>
-                <a:cs typeface="+mn-cs"/>
-              </a:defRPr>
-            </a:lvl7pPr>
-            <a:lvl8pPr marL="3200400" indent="0" algn="l" defTabSz="914400" rtl="0" eaLnBrk="1" latinLnBrk="0" hangingPunct="1">
-              <a:spcBef>
-                <a:spcPct val="20000"/>
-              </a:spcBef>
-              <a:buFont typeface="Arial" pitchFamily="34" charset="0"/>
-              <a:buNone/>
-              <a:defRPr sz="2000" kern="1200">
-                <a:solidFill>
-                  <a:schemeClr val="tx1"/>
-                </a:solidFill>
-                <a:latin typeface="+mn-lt"/>
-                <a:ea typeface="+mn-ea"/>
-                <a:cs typeface="+mn-cs"/>
-              </a:defRPr>
-            </a:lvl8pPr>
-            <a:lvl9pPr marL="3657600" indent="0" algn="l" defTabSz="914400" rtl="0" eaLnBrk="1" latinLnBrk="0" hangingPunct="1">
-              <a:spcBef>
-                <a:spcPct val="20000"/>
-              </a:spcBef>
-              <a:buFont typeface="Arial" pitchFamily="34" charset="0"/>
-              <a:buNone/>
-              <a:defRPr sz="2000" kern="1200">
-                <a:solidFill>
-                  <a:schemeClr val="tx1"/>
-                </a:solidFill>
-                <a:latin typeface="+mn-lt"/>
-                <a:ea typeface="+mn-ea"/>
-                <a:cs typeface="+mn-cs"/>
-              </a:defRPr>
-            </a:lvl9pPr>
-          </a:lstStyle>
-          <a:p>
-            <a:pPr marL="571500" indent="-571500">
-              <a:buFont typeface="Arial" panose="020B0604020202020204" pitchFamily="34" charset="0"/>
-              <a:buChar char="•"/>
-            </a:pPr>
-            <a:endParaRPr lang="en-GB" dirty="0">
-              <a:solidFill>
-                <a:schemeClr val="bg1"/>
-              </a:solidFill>
-            </a:endParaRPr>
-          </a:p>
-        </p:txBody>
-      </p:sp>
-      <p:sp>
-        <p:nvSpPr>
-          <p:cNvPr id="4" name="Content Placeholder 2">
-            <a:extLst>
-              <a:ext uri="{FF2B5EF4-FFF2-40B4-BE49-F238E27FC236}">
-                <a16:creationId xmlns:a16="http://schemas.microsoft.com/office/drawing/2014/main" id="{91C127C4-019D-4816-9ECF-D243EFA4189D}"/>
-              </a:ext>
-            </a:extLst>
-          </p:cNvPr>
-          <p:cNvSpPr txBox="1">
-            <a:spLocks/>
-          </p:cNvSpPr>
-          <p:nvPr/>
-        </p:nvSpPr>
-        <p:spPr>
-          <a:xfrm>
-            <a:off x="609600" y="1223945"/>
-            <a:ext cx="8229600" cy="4857785"/>
-          </a:xfrm>
-          <a:prstGeom prst="rect">
-            <a:avLst/>
-          </a:prstGeom>
-        </p:spPr>
-        <p:txBody>
-          <a:bodyPr vert="horz" lIns="91440" tIns="45720" rIns="91440" bIns="45720" rtlCol="0">
-            <a:normAutofit/>
-          </a:bodyPr>
-          <a:lstStyle>
-            <a:lvl1pPr marL="0" indent="0" algn="l" defTabSz="914400" rtl="0" eaLnBrk="1" latinLnBrk="0" hangingPunct="1">
-              <a:spcBef>
-                <a:spcPct val="20000"/>
-              </a:spcBef>
-              <a:buFont typeface="Arial" pitchFamily="34" charset="0"/>
-              <a:buNone/>
-              <a:defRPr sz="3200" kern="1200">
-                <a:solidFill>
-                  <a:schemeClr val="tx1"/>
-                </a:solidFill>
-                <a:latin typeface="+mn-lt"/>
-                <a:ea typeface="+mn-ea"/>
-                <a:cs typeface="+mn-cs"/>
-              </a:defRPr>
-            </a:lvl1pPr>
-            <a:lvl2pPr marL="457200" indent="0" algn="l" defTabSz="914400" rtl="0" eaLnBrk="1" latinLnBrk="0" hangingPunct="1">
-              <a:spcBef>
-                <a:spcPct val="20000"/>
-              </a:spcBef>
-              <a:buFont typeface="Arial" pitchFamily="34" charset="0"/>
-              <a:buNone/>
-              <a:defRPr sz="2800" kern="1200">
-                <a:solidFill>
-                  <a:schemeClr val="tx1"/>
-                </a:solidFill>
-                <a:latin typeface="+mn-lt"/>
-                <a:ea typeface="+mn-ea"/>
-                <a:cs typeface="+mn-cs"/>
-              </a:defRPr>
-            </a:lvl2pPr>
-            <a:lvl3pPr marL="914400" indent="0" algn="l" defTabSz="914400" rtl="0" eaLnBrk="1" latinLnBrk="0" hangingPunct="1">
-              <a:spcBef>
-                <a:spcPct val="20000"/>
-              </a:spcBef>
-              <a:buFont typeface="Arial" pitchFamily="34" charset="0"/>
-              <a:buNone/>
-              <a:defRPr sz="2400" kern="1200">
-                <a:solidFill>
-                  <a:schemeClr val="tx1"/>
-                </a:solidFill>
-                <a:latin typeface="+mn-lt"/>
-                <a:ea typeface="+mn-ea"/>
-                <a:cs typeface="+mn-cs"/>
-              </a:defRPr>
-            </a:lvl3pPr>
-            <a:lvl4pPr marL="1371600" indent="0" algn="l" defTabSz="914400" rtl="0" eaLnBrk="1" latinLnBrk="0" hangingPunct="1">
-              <a:spcBef>
-                <a:spcPct val="20000"/>
-              </a:spcBef>
-              <a:buFont typeface="Arial" pitchFamily="34" charset="0"/>
-              <a:buNone/>
-              <a:defRPr sz="2000" kern="1200">
-                <a:solidFill>
-                  <a:schemeClr val="tx1"/>
-                </a:solidFill>
-                <a:latin typeface="+mn-lt"/>
-                <a:ea typeface="+mn-ea"/>
-                <a:cs typeface="+mn-cs"/>
-              </a:defRPr>
-            </a:lvl4pPr>
-            <a:lvl5pPr marL="1828800" indent="0" algn="l" defTabSz="914400" rtl="0" eaLnBrk="1" latinLnBrk="0" hangingPunct="1">
-              <a:spcBef>
-                <a:spcPct val="20000"/>
-              </a:spcBef>
-              <a:buFont typeface="Arial" pitchFamily="34" charset="0"/>
-              <a:buNone/>
-              <a:defRPr sz="2000" kern="1200">
-                <a:solidFill>
-                  <a:schemeClr val="tx1"/>
-                </a:solidFill>
-                <a:latin typeface="+mn-lt"/>
-                <a:ea typeface="+mn-ea"/>
-                <a:cs typeface="+mn-cs"/>
-              </a:defRPr>
-            </a:lvl5pPr>
-            <a:lvl6pPr marL="2286000" indent="0" algn="l" defTabSz="914400" rtl="0" eaLnBrk="1" latinLnBrk="0" hangingPunct="1">
-              <a:spcBef>
-                <a:spcPct val="20000"/>
-              </a:spcBef>
-              <a:buFont typeface="Arial" pitchFamily="34" charset="0"/>
-              <a:buNone/>
-              <a:defRPr sz="2000" kern="1200">
-                <a:solidFill>
-                  <a:schemeClr val="tx1"/>
-                </a:solidFill>
-                <a:latin typeface="+mn-lt"/>
-                <a:ea typeface="+mn-ea"/>
-                <a:cs typeface="+mn-cs"/>
-              </a:defRPr>
-            </a:lvl6pPr>
-            <a:lvl7pPr marL="2743200" indent="0" algn="l" defTabSz="914400" rtl="0" eaLnBrk="1" latinLnBrk="0" hangingPunct="1">
-              <a:spcBef>
-                <a:spcPct val="20000"/>
-              </a:spcBef>
-              <a:buFont typeface="Arial" pitchFamily="34" charset="0"/>
-              <a:buNone/>
-              <a:defRPr sz="2000" kern="1200">
-                <a:solidFill>
-                  <a:schemeClr val="tx1"/>
-                </a:solidFill>
-                <a:latin typeface="+mn-lt"/>
-                <a:ea typeface="+mn-ea"/>
-                <a:cs typeface="+mn-cs"/>
-              </a:defRPr>
-            </a:lvl7pPr>
-            <a:lvl8pPr marL="3200400" indent="0" algn="l" defTabSz="914400" rtl="0" eaLnBrk="1" latinLnBrk="0" hangingPunct="1">
-              <a:spcBef>
-                <a:spcPct val="20000"/>
-              </a:spcBef>
-              <a:buFont typeface="Arial" pitchFamily="34" charset="0"/>
-              <a:buNone/>
-              <a:defRPr sz="2000" kern="1200">
-                <a:solidFill>
-                  <a:schemeClr val="tx1"/>
-                </a:solidFill>
-                <a:latin typeface="+mn-lt"/>
-                <a:ea typeface="+mn-ea"/>
-                <a:cs typeface="+mn-cs"/>
-              </a:defRPr>
-            </a:lvl8pPr>
-            <a:lvl9pPr marL="3657600" indent="0" algn="l" defTabSz="914400" rtl="0" eaLnBrk="1" latinLnBrk="0" hangingPunct="1">
-              <a:spcBef>
-                <a:spcPct val="20000"/>
-              </a:spcBef>
-              <a:buFont typeface="Arial" pitchFamily="34" charset="0"/>
-              <a:buNone/>
-              <a:defRPr sz="2000" kern="1200">
-                <a:solidFill>
-                  <a:schemeClr val="tx1"/>
-                </a:solidFill>
-                <a:latin typeface="+mn-lt"/>
-                <a:ea typeface="+mn-ea"/>
-                <a:cs typeface="+mn-cs"/>
-              </a:defRPr>
-            </a:lvl9pPr>
-          </a:lstStyle>
-          <a:p>
-            <a:pPr marL="571500" indent="-571500">
-              <a:buFont typeface="Arial" panose="020B0604020202020204" pitchFamily="34" charset="0"/>
-              <a:buChar char="•"/>
-            </a:pPr>
-            <a:endParaRPr lang="en-GB" dirty="0">
-              <a:solidFill>
-                <a:schemeClr val="bg1"/>
-              </a:solidFill>
-            </a:endParaRPr>
-          </a:p>
-          <a:p>
-            <a:pPr marL="571500" indent="-571500">
-              <a:buFont typeface="Arial" panose="020B0604020202020204" pitchFamily="34" charset="0"/>
-              <a:buChar char="•"/>
-            </a:pPr>
-            <a:endParaRPr lang="en-US" dirty="0">
-              <a:solidFill>
-                <a:schemeClr val="bg1"/>
-              </a:solidFill>
-            </a:endParaRPr>
-          </a:p>
-        </p:txBody>
-      </p:sp>
-    </p:spTree>
-    <p:extLst>
-      <p:ext uri="{BB962C8B-B14F-4D97-AF65-F5344CB8AC3E}">
-        <p14:creationId xmlns:p14="http://schemas.microsoft.com/office/powerpoint/2010/main" val="758859454"/>
-      </p:ext>
-    </p:extLst>
-  </p:cSld>
-  <p:clrMapOvr>
-    <a:masterClrMapping/>
-  </p:clrMapOvr>
-</p:sld>
-</file>
-
-<file path=ppt/slides/slide16.xml><?xml version="1.0" encoding="utf-8"?>
-<p:sld xmlns:a="http://schemas.openxmlformats.org/drawingml/2006/main" xmlns:r="http://schemas.openxmlformats.org/officeDocument/2006/relationships" xmlns:p="http://schemas.openxmlformats.org/presentationml/2006/main">
-  <p:cSld>
-    <p:spTree>
-      <p:nvGrpSpPr>
-        <p:cNvPr id="1" name=""/>
-        <p:cNvGrpSpPr/>
-        <p:nvPr/>
-      </p:nvGrpSpPr>
-      <p:grpSpPr>
-        <a:xfrm>
-          <a:off x="0" y="0"/>
-          <a:ext cx="0" cy="0"/>
-          <a:chOff x="0" y="0"/>
-          <a:chExt cx="0" cy="0"/>
-        </a:xfrm>
-      </p:grpSpPr>
-      <p:sp>
-        <p:nvSpPr>
-          <p:cNvPr id="5" name="Title 1"/>
-          <p:cNvSpPr>
-            <a:spLocks noGrp="1"/>
-          </p:cNvSpPr>
-          <p:nvPr>
-            <p:ph type="title"/>
-          </p:nvPr>
-        </p:nvSpPr>
-        <p:spPr>
-          <a:xfrm>
-            <a:off x="457200" y="274638"/>
-            <a:ext cx="8229600" cy="511156"/>
-          </a:xfrm>
-        </p:spPr>
-        <p:txBody>
-          <a:bodyPr>
-            <a:noAutofit/>
-          </a:bodyPr>
-          <a:lstStyle/>
-          <a:p>
-            <a:pPr fontAlgn="base">
-              <a:spcAft>
-                <a:spcPct val="0"/>
-              </a:spcAft>
-              <a:defRPr/>
-            </a:pPr>
-            <a:r>
-              <a:rPr lang="en-GB" sz="4000" kern="0" dirty="0">
-                <a:solidFill>
-                  <a:srgbClr val="0098D4"/>
-                </a:solidFill>
-                <a:latin typeface="Calibri" pitchFamily="34" charset="0"/>
-              </a:rPr>
               <a:t>#. LLVM (Low Level Virtual Machine)</a:t>
             </a:r>
           </a:p>
@@ -7993,7 +7493,7 @@
 </p:sld>
 </file>
 
-<file path=ppt/slides/slide17.xml><?xml version="1.0" encoding="utf-8"?>
+<file path=ppt/slides/slide16.xml><?xml version="1.0" encoding="utf-8"?>
 <p:sld xmlns:a="http://schemas.openxmlformats.org/drawingml/2006/main" xmlns:r="http://schemas.openxmlformats.org/officeDocument/2006/relationships" xmlns:p="http://schemas.openxmlformats.org/presentationml/2006/main">
   <p:cSld>
     <p:spTree>
@@ -8974,6 +8474,435 @@
 </p:sld>
 </file>
 
+<file path=ppt/slides/slide17.xml><?xml version="1.0" encoding="utf-8"?>
+<p:sld xmlns:a="http://schemas.openxmlformats.org/drawingml/2006/main" xmlns:r="http://schemas.openxmlformats.org/officeDocument/2006/relationships" xmlns:p="http://schemas.openxmlformats.org/presentationml/2006/main">
+  <p:cSld>
+    <p:spTree>
+      <p:nvGrpSpPr>
+        <p:cNvPr id="1" name=""/>
+        <p:cNvGrpSpPr/>
+        <p:nvPr/>
+      </p:nvGrpSpPr>
+      <p:grpSpPr>
+        <a:xfrm>
+          <a:off x="0" y="0"/>
+          <a:ext cx="0" cy="0"/>
+          <a:chOff x="0" y="0"/>
+          <a:chExt cx="0" cy="0"/>
+        </a:xfrm>
+      </p:grpSpPr>
+      <p:sp>
+        <p:nvSpPr>
+          <p:cNvPr id="5" name="Title 1"/>
+          <p:cNvSpPr>
+            <a:spLocks noGrp="1"/>
+          </p:cNvSpPr>
+          <p:nvPr>
+            <p:ph type="title"/>
+          </p:nvPr>
+        </p:nvSpPr>
+        <p:spPr>
+          <a:xfrm>
+            <a:off x="457200" y="274638"/>
+            <a:ext cx="8229600" cy="511156"/>
+          </a:xfrm>
+        </p:spPr>
+        <p:txBody>
+          <a:bodyPr>
+            <a:noAutofit/>
+          </a:bodyPr>
+          <a:lstStyle/>
+          <a:p>
+            <a:pPr fontAlgn="base">
+              <a:spcAft>
+                <a:spcPct val="0"/>
+              </a:spcAft>
+              <a:defRPr/>
+            </a:pPr>
+            <a:r>
+              <a:rPr lang="en-GB" sz="4000" kern="0" dirty="0">
+                <a:solidFill>
+                  <a:srgbClr val="0098D4"/>
+                </a:solidFill>
+                <a:latin typeface="Calibri" pitchFamily="34" charset="0"/>
+              </a:rPr>
+              <a:t>#. Performance</a:t>
+            </a:r>
+          </a:p>
+        </p:txBody>
+      </p:sp>
+      <p:sp>
+        <p:nvSpPr>
+          <p:cNvPr id="6" name="Content Placeholder 2"/>
+          <p:cNvSpPr txBox="1">
+            <a:spLocks/>
+          </p:cNvSpPr>
+          <p:nvPr/>
+        </p:nvSpPr>
+        <p:spPr>
+          <a:xfrm>
+            <a:off x="457200" y="1071545"/>
+            <a:ext cx="8229600" cy="4857785"/>
+          </a:xfrm>
+          <a:prstGeom prst="rect">
+            <a:avLst/>
+          </a:prstGeom>
+        </p:spPr>
+        <p:txBody>
+          <a:bodyPr vert="horz" lIns="91440" tIns="45720" rIns="91440" bIns="45720" rtlCol="0">
+            <a:normAutofit/>
+          </a:bodyPr>
+          <a:lstStyle>
+            <a:lvl1pPr marL="0" indent="0" algn="l" defTabSz="914400" rtl="0" eaLnBrk="1" latinLnBrk="0" hangingPunct="1">
+              <a:spcBef>
+                <a:spcPct val="20000"/>
+              </a:spcBef>
+              <a:buFont typeface="Arial" pitchFamily="34" charset="0"/>
+              <a:buNone/>
+              <a:defRPr sz="3200" kern="1200">
+                <a:solidFill>
+                  <a:schemeClr val="tx1"/>
+                </a:solidFill>
+                <a:latin typeface="+mn-lt"/>
+                <a:ea typeface="+mn-ea"/>
+                <a:cs typeface="+mn-cs"/>
+              </a:defRPr>
+            </a:lvl1pPr>
+            <a:lvl2pPr marL="457200" indent="0" algn="l" defTabSz="914400" rtl="0" eaLnBrk="1" latinLnBrk="0" hangingPunct="1">
+              <a:spcBef>
+                <a:spcPct val="20000"/>
+              </a:spcBef>
+              <a:buFont typeface="Arial" pitchFamily="34" charset="0"/>
+              <a:buNone/>
+              <a:defRPr sz="2800" kern="1200">
+                <a:solidFill>
+                  <a:schemeClr val="tx1"/>
+                </a:solidFill>
+                <a:latin typeface="+mn-lt"/>
+                <a:ea typeface="+mn-ea"/>
+                <a:cs typeface="+mn-cs"/>
+              </a:defRPr>
+            </a:lvl2pPr>
+            <a:lvl3pPr marL="914400" indent="0" algn="l" defTabSz="914400" rtl="0" eaLnBrk="1" latinLnBrk="0" hangingPunct="1">
+              <a:spcBef>
+                <a:spcPct val="20000"/>
+              </a:spcBef>
+              <a:buFont typeface="Arial" pitchFamily="34" charset="0"/>
+              <a:buNone/>
+              <a:defRPr sz="2400" kern="1200">
+                <a:solidFill>
+                  <a:schemeClr val="tx1"/>
+                </a:solidFill>
+                <a:latin typeface="+mn-lt"/>
+                <a:ea typeface="+mn-ea"/>
+                <a:cs typeface="+mn-cs"/>
+              </a:defRPr>
+            </a:lvl3pPr>
+            <a:lvl4pPr marL="1371600" indent="0" algn="l" defTabSz="914400" rtl="0" eaLnBrk="1" latinLnBrk="0" hangingPunct="1">
+              <a:spcBef>
+                <a:spcPct val="20000"/>
+              </a:spcBef>
+              <a:buFont typeface="Arial" pitchFamily="34" charset="0"/>
+              <a:buNone/>
+              <a:defRPr sz="2000" kern="1200">
+                <a:solidFill>
+                  <a:schemeClr val="tx1"/>
+                </a:solidFill>
+                <a:latin typeface="+mn-lt"/>
+                <a:ea typeface="+mn-ea"/>
+                <a:cs typeface="+mn-cs"/>
+              </a:defRPr>
+            </a:lvl4pPr>
+            <a:lvl5pPr marL="1828800" indent="0" algn="l" defTabSz="914400" rtl="0" eaLnBrk="1" latinLnBrk="0" hangingPunct="1">
+              <a:spcBef>
+                <a:spcPct val="20000"/>
+              </a:spcBef>
+              <a:buFont typeface="Arial" pitchFamily="34" charset="0"/>
+              <a:buNone/>
+              <a:defRPr sz="2000" kern="1200">
+                <a:solidFill>
+                  <a:schemeClr val="tx1"/>
+                </a:solidFill>
+                <a:latin typeface="+mn-lt"/>
+                <a:ea typeface="+mn-ea"/>
+                <a:cs typeface="+mn-cs"/>
+              </a:defRPr>
+            </a:lvl5pPr>
+            <a:lvl6pPr marL="2286000" indent="0" algn="l" defTabSz="914400" rtl="0" eaLnBrk="1" latinLnBrk="0" hangingPunct="1">
+              <a:spcBef>
+                <a:spcPct val="20000"/>
+              </a:spcBef>
+              <a:buFont typeface="Arial" pitchFamily="34" charset="0"/>
+              <a:buNone/>
+              <a:defRPr sz="2000" kern="1200">
+                <a:solidFill>
+                  <a:schemeClr val="tx1"/>
+                </a:solidFill>
+                <a:latin typeface="+mn-lt"/>
+                <a:ea typeface="+mn-ea"/>
+                <a:cs typeface="+mn-cs"/>
+              </a:defRPr>
+            </a:lvl6pPr>
+            <a:lvl7pPr marL="2743200" indent="0" algn="l" defTabSz="914400" rtl="0" eaLnBrk="1" latinLnBrk="0" hangingPunct="1">
+              <a:spcBef>
+                <a:spcPct val="20000"/>
+              </a:spcBef>
+              <a:buFont typeface="Arial" pitchFamily="34" charset="0"/>
+              <a:buNone/>
+              <a:defRPr sz="2000" kern="1200">
+                <a:solidFill>
+                  <a:schemeClr val="tx1"/>
+                </a:solidFill>
+                <a:latin typeface="+mn-lt"/>
+                <a:ea typeface="+mn-ea"/>
+                <a:cs typeface="+mn-cs"/>
+              </a:defRPr>
+            </a:lvl7pPr>
+            <a:lvl8pPr marL="3200400" indent="0" algn="l" defTabSz="914400" rtl="0" eaLnBrk="1" latinLnBrk="0" hangingPunct="1">
+              <a:spcBef>
+                <a:spcPct val="20000"/>
+              </a:spcBef>
+              <a:buFont typeface="Arial" pitchFamily="34" charset="0"/>
+              <a:buNone/>
+              <a:defRPr sz="2000" kern="1200">
+                <a:solidFill>
+                  <a:schemeClr val="tx1"/>
+                </a:solidFill>
+                <a:latin typeface="+mn-lt"/>
+                <a:ea typeface="+mn-ea"/>
+                <a:cs typeface="+mn-cs"/>
+              </a:defRPr>
+            </a:lvl8pPr>
+            <a:lvl9pPr marL="3657600" indent="0" algn="l" defTabSz="914400" rtl="0" eaLnBrk="1" latinLnBrk="0" hangingPunct="1">
+              <a:spcBef>
+                <a:spcPct val="20000"/>
+              </a:spcBef>
+              <a:buFont typeface="Arial" pitchFamily="34" charset="0"/>
+              <a:buNone/>
+              <a:defRPr sz="2000" kern="1200">
+                <a:solidFill>
+                  <a:schemeClr val="tx1"/>
+                </a:solidFill>
+                <a:latin typeface="+mn-lt"/>
+                <a:ea typeface="+mn-ea"/>
+                <a:cs typeface="+mn-cs"/>
+              </a:defRPr>
+            </a:lvl9pPr>
+          </a:lstStyle>
+          <a:p>
+            <a:pPr marL="571500" indent="-571500">
+              <a:buFont typeface="Arial" panose="020B0604020202020204" pitchFamily="34" charset="0"/>
+              <a:buChar char="•"/>
+            </a:pPr>
+            <a:endParaRPr lang="en-GB" dirty="0">
+              <a:solidFill>
+                <a:schemeClr val="bg1"/>
+              </a:solidFill>
+            </a:endParaRPr>
+          </a:p>
+        </p:txBody>
+      </p:sp>
+      <p:sp>
+        <p:nvSpPr>
+          <p:cNvPr id="4" name="Content Placeholder 2">
+            <a:extLst>
+              <a:ext uri="{FF2B5EF4-FFF2-40B4-BE49-F238E27FC236}">
+                <a16:creationId xmlns:a16="http://schemas.microsoft.com/office/drawing/2014/main" id="{91C127C4-019D-4816-9ECF-D243EFA4189D}"/>
+              </a:ext>
+            </a:extLst>
+          </p:cNvPr>
+          <p:cNvSpPr txBox="1">
+            <a:spLocks/>
+          </p:cNvSpPr>
+          <p:nvPr/>
+        </p:nvSpPr>
+        <p:spPr>
+          <a:xfrm>
+            <a:off x="609600" y="1223945"/>
+            <a:ext cx="8229600" cy="4857785"/>
+          </a:xfrm>
+          <a:prstGeom prst="rect">
+            <a:avLst/>
+          </a:prstGeom>
+        </p:spPr>
+        <p:txBody>
+          <a:bodyPr vert="horz" lIns="91440" tIns="45720" rIns="91440" bIns="45720" rtlCol="0">
+            <a:normAutofit/>
+          </a:bodyPr>
+          <a:lstStyle>
+            <a:lvl1pPr marL="0" indent="0" algn="l" defTabSz="914400" rtl="0" eaLnBrk="1" latinLnBrk="0" hangingPunct="1">
+              <a:spcBef>
+                <a:spcPct val="20000"/>
+              </a:spcBef>
+              <a:buFont typeface="Arial" pitchFamily="34" charset="0"/>
+              <a:buNone/>
+              <a:defRPr sz="3200" kern="1200">
+                <a:solidFill>
+                  <a:schemeClr val="tx1"/>
+                </a:solidFill>
+                <a:latin typeface="+mn-lt"/>
+                <a:ea typeface="+mn-ea"/>
+                <a:cs typeface="+mn-cs"/>
+              </a:defRPr>
+            </a:lvl1pPr>
+            <a:lvl2pPr marL="457200" indent="0" algn="l" defTabSz="914400" rtl="0" eaLnBrk="1" latinLnBrk="0" hangingPunct="1">
+              <a:spcBef>
+                <a:spcPct val="20000"/>
+              </a:spcBef>
+              <a:buFont typeface="Arial" pitchFamily="34" charset="0"/>
+              <a:buNone/>
+              <a:defRPr sz="2800" kern="1200">
+                <a:solidFill>
+                  <a:schemeClr val="tx1"/>
+                </a:solidFill>
+                <a:latin typeface="+mn-lt"/>
+                <a:ea typeface="+mn-ea"/>
+                <a:cs typeface="+mn-cs"/>
+              </a:defRPr>
+            </a:lvl2pPr>
+            <a:lvl3pPr marL="914400" indent="0" algn="l" defTabSz="914400" rtl="0" eaLnBrk="1" latinLnBrk="0" hangingPunct="1">
+              <a:spcBef>
+                <a:spcPct val="20000"/>
+              </a:spcBef>
+              <a:buFont typeface="Arial" pitchFamily="34" charset="0"/>
+              <a:buNone/>
+              <a:defRPr sz="2400" kern="1200">
+                <a:solidFill>
+                  <a:schemeClr val="tx1"/>
+                </a:solidFill>
+                <a:latin typeface="+mn-lt"/>
+                <a:ea typeface="+mn-ea"/>
+                <a:cs typeface="+mn-cs"/>
+              </a:defRPr>
+            </a:lvl3pPr>
+            <a:lvl4pPr marL="1371600" indent="0" algn="l" defTabSz="914400" rtl="0" eaLnBrk="1" latinLnBrk="0" hangingPunct="1">
+              <a:spcBef>
+                <a:spcPct val="20000"/>
+              </a:spcBef>
+              <a:buFont typeface="Arial" pitchFamily="34" charset="0"/>
+              <a:buNone/>
+              <a:defRPr sz="2000" kern="1200">
+                <a:solidFill>
+                  <a:schemeClr val="tx1"/>
+                </a:solidFill>
+                <a:latin typeface="+mn-lt"/>
+                <a:ea typeface="+mn-ea"/>
+                <a:cs typeface="+mn-cs"/>
+              </a:defRPr>
+            </a:lvl4pPr>
+            <a:lvl5pPr marL="1828800" indent="0" algn="l" defTabSz="914400" rtl="0" eaLnBrk="1" latinLnBrk="0" hangingPunct="1">
+              <a:spcBef>
+                <a:spcPct val="20000"/>
+              </a:spcBef>
+              <a:buFont typeface="Arial" pitchFamily="34" charset="0"/>
+              <a:buNone/>
+              <a:defRPr sz="2000" kern="1200">
+                <a:solidFill>
+                  <a:schemeClr val="tx1"/>
+                </a:solidFill>
+                <a:latin typeface="+mn-lt"/>
+                <a:ea typeface="+mn-ea"/>
+                <a:cs typeface="+mn-cs"/>
+              </a:defRPr>
+            </a:lvl5pPr>
+            <a:lvl6pPr marL="2286000" indent="0" algn="l" defTabSz="914400" rtl="0" eaLnBrk="1" latinLnBrk="0" hangingPunct="1">
+              <a:spcBef>
+                <a:spcPct val="20000"/>
+              </a:spcBef>
+              <a:buFont typeface="Arial" pitchFamily="34" charset="0"/>
+              <a:buNone/>
+              <a:defRPr sz="2000" kern="1200">
+                <a:solidFill>
+                  <a:schemeClr val="tx1"/>
+                </a:solidFill>
+                <a:latin typeface="+mn-lt"/>
+                <a:ea typeface="+mn-ea"/>
+                <a:cs typeface="+mn-cs"/>
+              </a:defRPr>
+            </a:lvl6pPr>
+            <a:lvl7pPr marL="2743200" indent="0" algn="l" defTabSz="914400" rtl="0" eaLnBrk="1" latinLnBrk="0" hangingPunct="1">
+              <a:spcBef>
+                <a:spcPct val="20000"/>
+              </a:spcBef>
+              <a:buFont typeface="Arial" pitchFamily="34" charset="0"/>
+              <a:buNone/>
+              <a:defRPr sz="2000" kern="1200">
+                <a:solidFill>
+                  <a:schemeClr val="tx1"/>
+                </a:solidFill>
+                <a:latin typeface="+mn-lt"/>
+                <a:ea typeface="+mn-ea"/>
+                <a:cs typeface="+mn-cs"/>
+              </a:defRPr>
+            </a:lvl7pPr>
+            <a:lvl8pPr marL="3200400" indent="0" algn="l" defTabSz="914400" rtl="0" eaLnBrk="1" latinLnBrk="0" hangingPunct="1">
+              <a:spcBef>
+                <a:spcPct val="20000"/>
+              </a:spcBef>
+              <a:buFont typeface="Arial" pitchFamily="34" charset="0"/>
+              <a:buNone/>
+              <a:defRPr sz="2000" kern="1200">
+                <a:solidFill>
+                  <a:schemeClr val="tx1"/>
+                </a:solidFill>
+                <a:latin typeface="+mn-lt"/>
+                <a:ea typeface="+mn-ea"/>
+                <a:cs typeface="+mn-cs"/>
+              </a:defRPr>
+            </a:lvl8pPr>
+            <a:lvl9pPr marL="3657600" indent="0" algn="l" defTabSz="914400" rtl="0" eaLnBrk="1" latinLnBrk="0" hangingPunct="1">
+              <a:spcBef>
+                <a:spcPct val="20000"/>
+              </a:spcBef>
+              <a:buFont typeface="Arial" pitchFamily="34" charset="0"/>
+              <a:buNone/>
+              <a:defRPr sz="2000" kern="1200">
+                <a:solidFill>
+                  <a:schemeClr val="tx1"/>
+                </a:solidFill>
+                <a:latin typeface="+mn-lt"/>
+                <a:ea typeface="+mn-ea"/>
+                <a:cs typeface="+mn-cs"/>
+              </a:defRPr>
+            </a:lvl9pPr>
+          </a:lstStyle>
+          <a:p>
+            <a:pPr marL="571500" indent="-571500">
+              <a:buFont typeface="Arial" panose="020B0604020202020204" pitchFamily="34" charset="0"/>
+              <a:buChar char="•"/>
+            </a:pPr>
+            <a:endParaRPr lang="en-GB" dirty="0">
+              <a:solidFill>
+                <a:schemeClr val="bg1"/>
+              </a:solidFill>
+            </a:endParaRPr>
+          </a:p>
+          <a:p>
+            <a:pPr marL="571500" indent="-571500">
+              <a:buFont typeface="Arial" panose="020B0604020202020204" pitchFamily="34" charset="0"/>
+              <a:buChar char="•"/>
+            </a:pPr>
+            <a:endParaRPr lang="en-US" dirty="0">
+              <a:solidFill>
+                <a:schemeClr val="bg1"/>
+              </a:solidFill>
+            </a:endParaRPr>
+          </a:p>
+        </p:txBody>
+      </p:sp>
+    </p:spTree>
+    <p:extLst>
+      <p:ext uri="{BB962C8B-B14F-4D97-AF65-F5344CB8AC3E}">
+        <p14:creationId xmlns:p14="http://schemas.microsoft.com/office/powerpoint/2010/main" val="1272949033"/>
+      </p:ext>
+    </p:extLst>
+  </p:cSld>
+  <p:clrMapOvr>
+    <a:masterClrMapping/>
+  </p:clrMapOvr>
+</p:sld>
+</file>
+
 <file path=ppt/slides/slide18.xml><?xml version="1.0" encoding="utf-8"?>
 <p:sld xmlns:a="http://schemas.openxmlformats.org/drawingml/2006/main" xmlns:r="http://schemas.openxmlformats.org/officeDocument/2006/relationships" xmlns:p="http://schemas.openxmlformats.org/presentationml/2006/main">
   <p:cSld>
@@ -9026,7 +8955,7 @@
                 </a:solidFill>
                 <a:latin typeface="Calibri" pitchFamily="34" charset="0"/>
               </a:rPr>
-              <a:t>#. Performance</a:t>
+              <a:t>#. Limitations</a:t>
             </a:r>
           </a:p>
         </p:txBody>
@@ -9393,7 +9322,7 @@
     </p:spTree>
     <p:extLst>
       <p:ext uri="{BB962C8B-B14F-4D97-AF65-F5344CB8AC3E}">
-        <p14:creationId xmlns:p14="http://schemas.microsoft.com/office/powerpoint/2010/main" val="1272949033"/>
+        <p14:creationId xmlns:p14="http://schemas.microsoft.com/office/powerpoint/2010/main" val="914059676"/>
       </p:ext>
     </p:extLst>
   </p:cSld>
@@ -9455,7 +9384,7 @@
                 </a:solidFill>
                 <a:latin typeface="Calibri" pitchFamily="34" charset="0"/>
               </a:rPr>
-              <a:t>#. Limitations</a:t>
+              <a:t>#. Real world examples</a:t>
             </a:r>
           </a:p>
         </p:txBody>
@@ -9819,10 +9748,280 @@
           </a:p>
         </p:txBody>
       </p:sp>
+      <p:sp>
+        <p:nvSpPr>
+          <p:cNvPr id="7" name="Content Placeholder 2">
+            <a:extLst>
+              <a:ext uri="{FF2B5EF4-FFF2-40B4-BE49-F238E27FC236}">
+                <a16:creationId xmlns:a16="http://schemas.microsoft.com/office/drawing/2014/main" id="{43AA64BF-AFBE-4DB8-9326-7742FF5AE898}"/>
+              </a:ext>
+            </a:extLst>
+          </p:cNvPr>
+          <p:cNvSpPr txBox="1">
+            <a:spLocks/>
+          </p:cNvSpPr>
+          <p:nvPr/>
+        </p:nvSpPr>
+        <p:spPr>
+          <a:xfrm>
+            <a:off x="152400" y="914401"/>
+            <a:ext cx="6553200" cy="5157805"/>
+          </a:xfrm>
+          <a:prstGeom prst="rect">
+            <a:avLst/>
+          </a:prstGeom>
+        </p:spPr>
+        <p:txBody>
+          <a:bodyPr vert="horz" lIns="91440" tIns="45720" rIns="91440" bIns="45720" rtlCol="0">
+            <a:normAutofit/>
+          </a:bodyPr>
+          <a:lstStyle>
+            <a:lvl1pPr marL="0" indent="0" algn="l" defTabSz="914400" rtl="0" eaLnBrk="1" latinLnBrk="0" hangingPunct="1">
+              <a:spcBef>
+                <a:spcPct val="20000"/>
+              </a:spcBef>
+              <a:buFont typeface="Arial" pitchFamily="34" charset="0"/>
+              <a:buNone/>
+              <a:defRPr sz="3200" kern="1200">
+                <a:solidFill>
+                  <a:schemeClr val="tx1"/>
+                </a:solidFill>
+                <a:latin typeface="+mn-lt"/>
+                <a:ea typeface="+mn-ea"/>
+                <a:cs typeface="+mn-cs"/>
+              </a:defRPr>
+            </a:lvl1pPr>
+            <a:lvl2pPr marL="457200" indent="0" algn="l" defTabSz="914400" rtl="0" eaLnBrk="1" latinLnBrk="0" hangingPunct="1">
+              <a:spcBef>
+                <a:spcPct val="20000"/>
+              </a:spcBef>
+              <a:buFont typeface="Arial" pitchFamily="34" charset="0"/>
+              <a:buNone/>
+              <a:defRPr sz="2800" kern="1200">
+                <a:solidFill>
+                  <a:schemeClr val="tx1"/>
+                </a:solidFill>
+                <a:latin typeface="+mn-lt"/>
+                <a:ea typeface="+mn-ea"/>
+                <a:cs typeface="+mn-cs"/>
+              </a:defRPr>
+            </a:lvl2pPr>
+            <a:lvl3pPr marL="914400" indent="0" algn="l" defTabSz="914400" rtl="0" eaLnBrk="1" latinLnBrk="0" hangingPunct="1">
+              <a:spcBef>
+                <a:spcPct val="20000"/>
+              </a:spcBef>
+              <a:buFont typeface="Arial" pitchFamily="34" charset="0"/>
+              <a:buNone/>
+              <a:defRPr sz="2400" kern="1200">
+                <a:solidFill>
+                  <a:schemeClr val="tx1"/>
+                </a:solidFill>
+                <a:latin typeface="+mn-lt"/>
+                <a:ea typeface="+mn-ea"/>
+                <a:cs typeface="+mn-cs"/>
+              </a:defRPr>
+            </a:lvl3pPr>
+            <a:lvl4pPr marL="1371600" indent="0" algn="l" defTabSz="914400" rtl="0" eaLnBrk="1" latinLnBrk="0" hangingPunct="1">
+              <a:spcBef>
+                <a:spcPct val="20000"/>
+              </a:spcBef>
+              <a:buFont typeface="Arial" pitchFamily="34" charset="0"/>
+              <a:buNone/>
+              <a:defRPr sz="2000" kern="1200">
+                <a:solidFill>
+                  <a:schemeClr val="tx1"/>
+                </a:solidFill>
+                <a:latin typeface="+mn-lt"/>
+                <a:ea typeface="+mn-ea"/>
+                <a:cs typeface="+mn-cs"/>
+              </a:defRPr>
+            </a:lvl4pPr>
+            <a:lvl5pPr marL="1828800" indent="0" algn="l" defTabSz="914400" rtl="0" eaLnBrk="1" latinLnBrk="0" hangingPunct="1">
+              <a:spcBef>
+                <a:spcPct val="20000"/>
+              </a:spcBef>
+              <a:buFont typeface="Arial" pitchFamily="34" charset="0"/>
+              <a:buNone/>
+              <a:defRPr sz="2000" kern="1200">
+                <a:solidFill>
+                  <a:schemeClr val="tx1"/>
+                </a:solidFill>
+                <a:latin typeface="+mn-lt"/>
+                <a:ea typeface="+mn-ea"/>
+                <a:cs typeface="+mn-cs"/>
+              </a:defRPr>
+            </a:lvl5pPr>
+            <a:lvl6pPr marL="2286000" indent="0" algn="l" defTabSz="914400" rtl="0" eaLnBrk="1" latinLnBrk="0" hangingPunct="1">
+              <a:spcBef>
+                <a:spcPct val="20000"/>
+              </a:spcBef>
+              <a:buFont typeface="Arial" pitchFamily="34" charset="0"/>
+              <a:buNone/>
+              <a:defRPr sz="2000" kern="1200">
+                <a:solidFill>
+                  <a:schemeClr val="tx1"/>
+                </a:solidFill>
+                <a:latin typeface="+mn-lt"/>
+                <a:ea typeface="+mn-ea"/>
+                <a:cs typeface="+mn-cs"/>
+              </a:defRPr>
+            </a:lvl6pPr>
+            <a:lvl7pPr marL="2743200" indent="0" algn="l" defTabSz="914400" rtl="0" eaLnBrk="1" latinLnBrk="0" hangingPunct="1">
+              <a:spcBef>
+                <a:spcPct val="20000"/>
+              </a:spcBef>
+              <a:buFont typeface="Arial" pitchFamily="34" charset="0"/>
+              <a:buNone/>
+              <a:defRPr sz="2000" kern="1200">
+                <a:solidFill>
+                  <a:schemeClr val="tx1"/>
+                </a:solidFill>
+                <a:latin typeface="+mn-lt"/>
+                <a:ea typeface="+mn-ea"/>
+                <a:cs typeface="+mn-cs"/>
+              </a:defRPr>
+            </a:lvl7pPr>
+            <a:lvl8pPr marL="3200400" indent="0" algn="l" defTabSz="914400" rtl="0" eaLnBrk="1" latinLnBrk="0" hangingPunct="1">
+              <a:spcBef>
+                <a:spcPct val="20000"/>
+              </a:spcBef>
+              <a:buFont typeface="Arial" pitchFamily="34" charset="0"/>
+              <a:buNone/>
+              <a:defRPr sz="2000" kern="1200">
+                <a:solidFill>
+                  <a:schemeClr val="tx1"/>
+                </a:solidFill>
+                <a:latin typeface="+mn-lt"/>
+                <a:ea typeface="+mn-ea"/>
+                <a:cs typeface="+mn-cs"/>
+              </a:defRPr>
+            </a:lvl8pPr>
+            <a:lvl9pPr marL="3657600" indent="0" algn="l" defTabSz="914400" rtl="0" eaLnBrk="1" latinLnBrk="0" hangingPunct="1">
+              <a:spcBef>
+                <a:spcPct val="20000"/>
+              </a:spcBef>
+              <a:buFont typeface="Arial" pitchFamily="34" charset="0"/>
+              <a:buNone/>
+              <a:defRPr sz="2000" kern="1200">
+                <a:solidFill>
+                  <a:schemeClr val="tx1"/>
+                </a:solidFill>
+                <a:latin typeface="+mn-lt"/>
+                <a:ea typeface="+mn-ea"/>
+                <a:cs typeface="+mn-cs"/>
+              </a:defRPr>
+            </a:lvl9pPr>
+          </a:lstStyle>
+          <a:p>
+            <a:pPr marL="457200" indent="-457200">
+              <a:buFont typeface="Arial" panose="020B0604020202020204" pitchFamily="34" charset="0"/>
+              <a:buChar char="•"/>
+            </a:pPr>
+            <a:r>
+              <a:rPr lang="en-GB" dirty="0">
+                <a:solidFill>
+                  <a:schemeClr val="bg1"/>
+                </a:solidFill>
+                <a:hlinkClick r:id="rId2">
+                  <a:extLst>
+                    <a:ext uri="{A12FA001-AC4F-418D-AE19-62706E023703}">
+                      <ahyp:hlinkClr xmlns:ahyp="http://schemas.microsoft.com/office/drawing/2018/hyperlinkcolor" val="tx"/>
+                    </a:ext>
+                  </a:extLst>
+                </a:hlinkClick>
+              </a:rPr>
+              <a:t>Google Earth </a:t>
+            </a:r>
+            <a:endParaRPr lang="en-GB" dirty="0">
+              <a:solidFill>
+                <a:schemeClr val="bg1"/>
+              </a:solidFill>
+            </a:endParaRPr>
+          </a:p>
+          <a:p>
+            <a:pPr marL="457200" indent="-457200">
+              <a:buFont typeface="Arial" panose="020B0604020202020204" pitchFamily="34" charset="0"/>
+              <a:buChar char="•"/>
+            </a:pPr>
+            <a:r>
+              <a:rPr lang="en-US" dirty="0">
+                <a:solidFill>
+                  <a:schemeClr val="bg1"/>
+                </a:solidFill>
+                <a:hlinkClick r:id="rId3">
+                  <a:extLst>
+                    <a:ext uri="{A12FA001-AC4F-418D-AE19-62706E023703}">
+                      <ahyp:hlinkClr xmlns:ahyp="http://schemas.microsoft.com/office/drawing/2018/hyperlinkcolor" val="tx"/>
+                    </a:ext>
+                  </a:extLst>
+                </a:hlinkClick>
+              </a:rPr>
+              <a:t>Perspective</a:t>
+            </a:r>
+            <a:endParaRPr lang="en-US" dirty="0">
+              <a:solidFill>
+                <a:schemeClr val="bg1"/>
+              </a:solidFill>
+            </a:endParaRPr>
+          </a:p>
+          <a:p>
+            <a:pPr marL="457200" indent="-457200">
+              <a:buFont typeface="Arial" panose="020B0604020202020204" pitchFamily="34" charset="0"/>
+              <a:buChar char="•"/>
+            </a:pPr>
+            <a:r>
+              <a:rPr lang="en-US" dirty="0">
+                <a:solidFill>
+                  <a:schemeClr val="bg1"/>
+                </a:solidFill>
+                <a:hlinkClick r:id="rId4">
+                  <a:extLst>
+                    <a:ext uri="{A12FA001-AC4F-418D-AE19-62706E023703}">
+                      <ahyp:hlinkClr xmlns:ahyp="http://schemas.microsoft.com/office/drawing/2018/hyperlinkcolor" val="tx"/>
+                    </a:ext>
+                  </a:extLst>
+                </a:hlinkClick>
+              </a:rPr>
+              <a:t>D3</a:t>
+            </a:r>
+            <a:endParaRPr lang="en-US" dirty="0">
+              <a:solidFill>
+                <a:schemeClr val="bg1"/>
+              </a:solidFill>
+            </a:endParaRPr>
+          </a:p>
+          <a:p>
+            <a:pPr marL="457200" indent="-457200">
+              <a:buFont typeface="Arial" panose="020B0604020202020204" pitchFamily="34" charset="0"/>
+              <a:buChar char="•"/>
+            </a:pPr>
+            <a:r>
+              <a:rPr lang="en-US" dirty="0">
+                <a:solidFill>
+                  <a:schemeClr val="bg1"/>
+                </a:solidFill>
+                <a:hlinkClick r:id="rId5">
+                  <a:extLst>
+                    <a:ext uri="{A12FA001-AC4F-418D-AE19-62706E023703}">
+                      <ahyp:hlinkClr xmlns:ahyp="http://schemas.microsoft.com/office/drawing/2018/hyperlinkcolor" val="tx"/>
+                    </a:ext>
+                  </a:extLst>
+                </a:hlinkClick>
+              </a:rPr>
+              <a:t>PSPDFKit</a:t>
+            </a:r>
+            <a:endParaRPr lang="en-US" dirty="0">
+              <a:solidFill>
+                <a:schemeClr val="bg1"/>
+              </a:solidFill>
+            </a:endParaRPr>
+          </a:p>
+        </p:txBody>
+      </p:sp>
     </p:spTree>
     <p:extLst>
       <p:ext uri="{BB962C8B-B14F-4D97-AF65-F5344CB8AC3E}">
-        <p14:creationId xmlns:p14="http://schemas.microsoft.com/office/powerpoint/2010/main" val="914059676"/>
+        <p14:creationId xmlns:p14="http://schemas.microsoft.com/office/powerpoint/2010/main" val="3895076446"/>
       </p:ext>
     </p:extLst>
   </p:cSld>
@@ -10312,705 +10511,6 @@
                 </a:solidFill>
                 <a:latin typeface="Calibri" pitchFamily="34" charset="0"/>
               </a:rPr>
-              <a:t>#. Real world examples</a:t>
-            </a:r>
-          </a:p>
-        </p:txBody>
-      </p:sp>
-      <p:sp>
-        <p:nvSpPr>
-          <p:cNvPr id="6" name="Content Placeholder 2"/>
-          <p:cNvSpPr txBox="1">
-            <a:spLocks/>
-          </p:cNvSpPr>
-          <p:nvPr/>
-        </p:nvSpPr>
-        <p:spPr>
-          <a:xfrm>
-            <a:off x="457200" y="1071545"/>
-            <a:ext cx="8229600" cy="4857785"/>
-          </a:xfrm>
-          <a:prstGeom prst="rect">
-            <a:avLst/>
-          </a:prstGeom>
-        </p:spPr>
-        <p:txBody>
-          <a:bodyPr vert="horz" lIns="91440" tIns="45720" rIns="91440" bIns="45720" rtlCol="0">
-            <a:normAutofit/>
-          </a:bodyPr>
-          <a:lstStyle>
-            <a:lvl1pPr marL="0" indent="0" algn="l" defTabSz="914400" rtl="0" eaLnBrk="1" latinLnBrk="0" hangingPunct="1">
-              <a:spcBef>
-                <a:spcPct val="20000"/>
-              </a:spcBef>
-              <a:buFont typeface="Arial" pitchFamily="34" charset="0"/>
-              <a:buNone/>
-              <a:defRPr sz="3200" kern="1200">
-                <a:solidFill>
-                  <a:schemeClr val="tx1"/>
-                </a:solidFill>
-                <a:latin typeface="+mn-lt"/>
-                <a:ea typeface="+mn-ea"/>
-                <a:cs typeface="+mn-cs"/>
-              </a:defRPr>
-            </a:lvl1pPr>
-            <a:lvl2pPr marL="457200" indent="0" algn="l" defTabSz="914400" rtl="0" eaLnBrk="1" latinLnBrk="0" hangingPunct="1">
-              <a:spcBef>
-                <a:spcPct val="20000"/>
-              </a:spcBef>
-              <a:buFont typeface="Arial" pitchFamily="34" charset="0"/>
-              <a:buNone/>
-              <a:defRPr sz="2800" kern="1200">
-                <a:solidFill>
-                  <a:schemeClr val="tx1"/>
-                </a:solidFill>
-                <a:latin typeface="+mn-lt"/>
-                <a:ea typeface="+mn-ea"/>
-                <a:cs typeface="+mn-cs"/>
-              </a:defRPr>
-            </a:lvl2pPr>
-            <a:lvl3pPr marL="914400" indent="0" algn="l" defTabSz="914400" rtl="0" eaLnBrk="1" latinLnBrk="0" hangingPunct="1">
-              <a:spcBef>
-                <a:spcPct val="20000"/>
-              </a:spcBef>
-              <a:buFont typeface="Arial" pitchFamily="34" charset="0"/>
-              <a:buNone/>
-              <a:defRPr sz="2400" kern="1200">
-                <a:solidFill>
-                  <a:schemeClr val="tx1"/>
-                </a:solidFill>
-                <a:latin typeface="+mn-lt"/>
-                <a:ea typeface="+mn-ea"/>
-                <a:cs typeface="+mn-cs"/>
-              </a:defRPr>
-            </a:lvl3pPr>
-            <a:lvl4pPr marL="1371600" indent="0" algn="l" defTabSz="914400" rtl="0" eaLnBrk="1" latinLnBrk="0" hangingPunct="1">
-              <a:spcBef>
-                <a:spcPct val="20000"/>
-              </a:spcBef>
-              <a:buFont typeface="Arial" pitchFamily="34" charset="0"/>
-              <a:buNone/>
-              <a:defRPr sz="2000" kern="1200">
-                <a:solidFill>
-                  <a:schemeClr val="tx1"/>
-                </a:solidFill>
-                <a:latin typeface="+mn-lt"/>
-                <a:ea typeface="+mn-ea"/>
-                <a:cs typeface="+mn-cs"/>
-              </a:defRPr>
-            </a:lvl4pPr>
-            <a:lvl5pPr marL="1828800" indent="0" algn="l" defTabSz="914400" rtl="0" eaLnBrk="1" latinLnBrk="0" hangingPunct="1">
-              <a:spcBef>
-                <a:spcPct val="20000"/>
-              </a:spcBef>
-              <a:buFont typeface="Arial" pitchFamily="34" charset="0"/>
-              <a:buNone/>
-              <a:defRPr sz="2000" kern="1200">
-                <a:solidFill>
-                  <a:schemeClr val="tx1"/>
-                </a:solidFill>
-                <a:latin typeface="+mn-lt"/>
-                <a:ea typeface="+mn-ea"/>
-                <a:cs typeface="+mn-cs"/>
-              </a:defRPr>
-            </a:lvl5pPr>
-            <a:lvl6pPr marL="2286000" indent="0" algn="l" defTabSz="914400" rtl="0" eaLnBrk="1" latinLnBrk="0" hangingPunct="1">
-              <a:spcBef>
-                <a:spcPct val="20000"/>
-              </a:spcBef>
-              <a:buFont typeface="Arial" pitchFamily="34" charset="0"/>
-              <a:buNone/>
-              <a:defRPr sz="2000" kern="1200">
-                <a:solidFill>
-                  <a:schemeClr val="tx1"/>
-                </a:solidFill>
-                <a:latin typeface="+mn-lt"/>
-                <a:ea typeface="+mn-ea"/>
-                <a:cs typeface="+mn-cs"/>
-              </a:defRPr>
-            </a:lvl6pPr>
-            <a:lvl7pPr marL="2743200" indent="0" algn="l" defTabSz="914400" rtl="0" eaLnBrk="1" latinLnBrk="0" hangingPunct="1">
-              <a:spcBef>
-                <a:spcPct val="20000"/>
-              </a:spcBef>
-              <a:buFont typeface="Arial" pitchFamily="34" charset="0"/>
-              <a:buNone/>
-              <a:defRPr sz="2000" kern="1200">
-                <a:solidFill>
-                  <a:schemeClr val="tx1"/>
-                </a:solidFill>
-                <a:latin typeface="+mn-lt"/>
-                <a:ea typeface="+mn-ea"/>
-                <a:cs typeface="+mn-cs"/>
-              </a:defRPr>
-            </a:lvl7pPr>
-            <a:lvl8pPr marL="3200400" indent="0" algn="l" defTabSz="914400" rtl="0" eaLnBrk="1" latinLnBrk="0" hangingPunct="1">
-              <a:spcBef>
-                <a:spcPct val="20000"/>
-              </a:spcBef>
-              <a:buFont typeface="Arial" pitchFamily="34" charset="0"/>
-              <a:buNone/>
-              <a:defRPr sz="2000" kern="1200">
-                <a:solidFill>
-                  <a:schemeClr val="tx1"/>
-                </a:solidFill>
-                <a:latin typeface="+mn-lt"/>
-                <a:ea typeface="+mn-ea"/>
-                <a:cs typeface="+mn-cs"/>
-              </a:defRPr>
-            </a:lvl8pPr>
-            <a:lvl9pPr marL="3657600" indent="0" algn="l" defTabSz="914400" rtl="0" eaLnBrk="1" latinLnBrk="0" hangingPunct="1">
-              <a:spcBef>
-                <a:spcPct val="20000"/>
-              </a:spcBef>
-              <a:buFont typeface="Arial" pitchFamily="34" charset="0"/>
-              <a:buNone/>
-              <a:defRPr sz="2000" kern="1200">
-                <a:solidFill>
-                  <a:schemeClr val="tx1"/>
-                </a:solidFill>
-                <a:latin typeface="+mn-lt"/>
-                <a:ea typeface="+mn-ea"/>
-                <a:cs typeface="+mn-cs"/>
-              </a:defRPr>
-            </a:lvl9pPr>
-          </a:lstStyle>
-          <a:p>
-            <a:pPr marL="571500" indent="-571500">
-              <a:buFont typeface="Arial" panose="020B0604020202020204" pitchFamily="34" charset="0"/>
-              <a:buChar char="•"/>
-            </a:pPr>
-            <a:endParaRPr lang="en-GB" dirty="0">
-              <a:solidFill>
-                <a:schemeClr val="bg1"/>
-              </a:solidFill>
-            </a:endParaRPr>
-          </a:p>
-        </p:txBody>
-      </p:sp>
-      <p:sp>
-        <p:nvSpPr>
-          <p:cNvPr id="4" name="Content Placeholder 2">
-            <a:extLst>
-              <a:ext uri="{FF2B5EF4-FFF2-40B4-BE49-F238E27FC236}">
-                <a16:creationId xmlns:a16="http://schemas.microsoft.com/office/drawing/2014/main" id="{91C127C4-019D-4816-9ECF-D243EFA4189D}"/>
-              </a:ext>
-            </a:extLst>
-          </p:cNvPr>
-          <p:cNvSpPr txBox="1">
-            <a:spLocks/>
-          </p:cNvSpPr>
-          <p:nvPr/>
-        </p:nvSpPr>
-        <p:spPr>
-          <a:xfrm>
-            <a:off x="609600" y="1223945"/>
-            <a:ext cx="8229600" cy="4857785"/>
-          </a:xfrm>
-          <a:prstGeom prst="rect">
-            <a:avLst/>
-          </a:prstGeom>
-        </p:spPr>
-        <p:txBody>
-          <a:bodyPr vert="horz" lIns="91440" tIns="45720" rIns="91440" bIns="45720" rtlCol="0">
-            <a:normAutofit/>
-          </a:bodyPr>
-          <a:lstStyle>
-            <a:lvl1pPr marL="0" indent="0" algn="l" defTabSz="914400" rtl="0" eaLnBrk="1" latinLnBrk="0" hangingPunct="1">
-              <a:spcBef>
-                <a:spcPct val="20000"/>
-              </a:spcBef>
-              <a:buFont typeface="Arial" pitchFamily="34" charset="0"/>
-              <a:buNone/>
-              <a:defRPr sz="3200" kern="1200">
-                <a:solidFill>
-                  <a:schemeClr val="tx1"/>
-                </a:solidFill>
-                <a:latin typeface="+mn-lt"/>
-                <a:ea typeface="+mn-ea"/>
-                <a:cs typeface="+mn-cs"/>
-              </a:defRPr>
-            </a:lvl1pPr>
-            <a:lvl2pPr marL="457200" indent="0" algn="l" defTabSz="914400" rtl="0" eaLnBrk="1" latinLnBrk="0" hangingPunct="1">
-              <a:spcBef>
-                <a:spcPct val="20000"/>
-              </a:spcBef>
-              <a:buFont typeface="Arial" pitchFamily="34" charset="0"/>
-              <a:buNone/>
-              <a:defRPr sz="2800" kern="1200">
-                <a:solidFill>
-                  <a:schemeClr val="tx1"/>
-                </a:solidFill>
-                <a:latin typeface="+mn-lt"/>
-                <a:ea typeface="+mn-ea"/>
-                <a:cs typeface="+mn-cs"/>
-              </a:defRPr>
-            </a:lvl2pPr>
-            <a:lvl3pPr marL="914400" indent="0" algn="l" defTabSz="914400" rtl="0" eaLnBrk="1" latinLnBrk="0" hangingPunct="1">
-              <a:spcBef>
-                <a:spcPct val="20000"/>
-              </a:spcBef>
-              <a:buFont typeface="Arial" pitchFamily="34" charset="0"/>
-              <a:buNone/>
-              <a:defRPr sz="2400" kern="1200">
-                <a:solidFill>
-                  <a:schemeClr val="tx1"/>
-                </a:solidFill>
-                <a:latin typeface="+mn-lt"/>
-                <a:ea typeface="+mn-ea"/>
-                <a:cs typeface="+mn-cs"/>
-              </a:defRPr>
-            </a:lvl3pPr>
-            <a:lvl4pPr marL="1371600" indent="0" algn="l" defTabSz="914400" rtl="0" eaLnBrk="1" latinLnBrk="0" hangingPunct="1">
-              <a:spcBef>
-                <a:spcPct val="20000"/>
-              </a:spcBef>
-              <a:buFont typeface="Arial" pitchFamily="34" charset="0"/>
-              <a:buNone/>
-              <a:defRPr sz="2000" kern="1200">
-                <a:solidFill>
-                  <a:schemeClr val="tx1"/>
-                </a:solidFill>
-                <a:latin typeface="+mn-lt"/>
-                <a:ea typeface="+mn-ea"/>
-                <a:cs typeface="+mn-cs"/>
-              </a:defRPr>
-            </a:lvl4pPr>
-            <a:lvl5pPr marL="1828800" indent="0" algn="l" defTabSz="914400" rtl="0" eaLnBrk="1" latinLnBrk="0" hangingPunct="1">
-              <a:spcBef>
-                <a:spcPct val="20000"/>
-              </a:spcBef>
-              <a:buFont typeface="Arial" pitchFamily="34" charset="0"/>
-              <a:buNone/>
-              <a:defRPr sz="2000" kern="1200">
-                <a:solidFill>
-                  <a:schemeClr val="tx1"/>
-                </a:solidFill>
-                <a:latin typeface="+mn-lt"/>
-                <a:ea typeface="+mn-ea"/>
-                <a:cs typeface="+mn-cs"/>
-              </a:defRPr>
-            </a:lvl5pPr>
-            <a:lvl6pPr marL="2286000" indent="0" algn="l" defTabSz="914400" rtl="0" eaLnBrk="1" latinLnBrk="0" hangingPunct="1">
-              <a:spcBef>
-                <a:spcPct val="20000"/>
-              </a:spcBef>
-              <a:buFont typeface="Arial" pitchFamily="34" charset="0"/>
-              <a:buNone/>
-              <a:defRPr sz="2000" kern="1200">
-                <a:solidFill>
-                  <a:schemeClr val="tx1"/>
-                </a:solidFill>
-                <a:latin typeface="+mn-lt"/>
-                <a:ea typeface="+mn-ea"/>
-                <a:cs typeface="+mn-cs"/>
-              </a:defRPr>
-            </a:lvl6pPr>
-            <a:lvl7pPr marL="2743200" indent="0" algn="l" defTabSz="914400" rtl="0" eaLnBrk="1" latinLnBrk="0" hangingPunct="1">
-              <a:spcBef>
-                <a:spcPct val="20000"/>
-              </a:spcBef>
-              <a:buFont typeface="Arial" pitchFamily="34" charset="0"/>
-              <a:buNone/>
-              <a:defRPr sz="2000" kern="1200">
-                <a:solidFill>
-                  <a:schemeClr val="tx1"/>
-                </a:solidFill>
-                <a:latin typeface="+mn-lt"/>
-                <a:ea typeface="+mn-ea"/>
-                <a:cs typeface="+mn-cs"/>
-              </a:defRPr>
-            </a:lvl7pPr>
-            <a:lvl8pPr marL="3200400" indent="0" algn="l" defTabSz="914400" rtl="0" eaLnBrk="1" latinLnBrk="0" hangingPunct="1">
-              <a:spcBef>
-                <a:spcPct val="20000"/>
-              </a:spcBef>
-              <a:buFont typeface="Arial" pitchFamily="34" charset="0"/>
-              <a:buNone/>
-              <a:defRPr sz="2000" kern="1200">
-                <a:solidFill>
-                  <a:schemeClr val="tx1"/>
-                </a:solidFill>
-                <a:latin typeface="+mn-lt"/>
-                <a:ea typeface="+mn-ea"/>
-                <a:cs typeface="+mn-cs"/>
-              </a:defRPr>
-            </a:lvl8pPr>
-            <a:lvl9pPr marL="3657600" indent="0" algn="l" defTabSz="914400" rtl="0" eaLnBrk="1" latinLnBrk="0" hangingPunct="1">
-              <a:spcBef>
-                <a:spcPct val="20000"/>
-              </a:spcBef>
-              <a:buFont typeface="Arial" pitchFamily="34" charset="0"/>
-              <a:buNone/>
-              <a:defRPr sz="2000" kern="1200">
-                <a:solidFill>
-                  <a:schemeClr val="tx1"/>
-                </a:solidFill>
-                <a:latin typeface="+mn-lt"/>
-                <a:ea typeface="+mn-ea"/>
-                <a:cs typeface="+mn-cs"/>
-              </a:defRPr>
-            </a:lvl9pPr>
-          </a:lstStyle>
-          <a:p>
-            <a:pPr marL="571500" indent="-571500">
-              <a:buFont typeface="Arial" panose="020B0604020202020204" pitchFamily="34" charset="0"/>
-              <a:buChar char="•"/>
-            </a:pPr>
-            <a:endParaRPr lang="en-GB" dirty="0">
-              <a:solidFill>
-                <a:schemeClr val="bg1"/>
-              </a:solidFill>
-            </a:endParaRPr>
-          </a:p>
-          <a:p>
-            <a:pPr marL="571500" indent="-571500">
-              <a:buFont typeface="Arial" panose="020B0604020202020204" pitchFamily="34" charset="0"/>
-              <a:buChar char="•"/>
-            </a:pPr>
-            <a:endParaRPr lang="en-US" dirty="0">
-              <a:solidFill>
-                <a:schemeClr val="bg1"/>
-              </a:solidFill>
-            </a:endParaRPr>
-          </a:p>
-        </p:txBody>
-      </p:sp>
-      <p:sp>
-        <p:nvSpPr>
-          <p:cNvPr id="7" name="Content Placeholder 2">
-            <a:extLst>
-              <a:ext uri="{FF2B5EF4-FFF2-40B4-BE49-F238E27FC236}">
-                <a16:creationId xmlns:a16="http://schemas.microsoft.com/office/drawing/2014/main" id="{43AA64BF-AFBE-4DB8-9326-7742FF5AE898}"/>
-              </a:ext>
-            </a:extLst>
-          </p:cNvPr>
-          <p:cNvSpPr txBox="1">
-            <a:spLocks/>
-          </p:cNvSpPr>
-          <p:nvPr/>
-        </p:nvSpPr>
-        <p:spPr>
-          <a:xfrm>
-            <a:off x="152400" y="914401"/>
-            <a:ext cx="6553200" cy="5157805"/>
-          </a:xfrm>
-          <a:prstGeom prst="rect">
-            <a:avLst/>
-          </a:prstGeom>
-        </p:spPr>
-        <p:txBody>
-          <a:bodyPr vert="horz" lIns="91440" tIns="45720" rIns="91440" bIns="45720" rtlCol="0">
-            <a:normAutofit/>
-          </a:bodyPr>
-          <a:lstStyle>
-            <a:lvl1pPr marL="0" indent="0" algn="l" defTabSz="914400" rtl="0" eaLnBrk="1" latinLnBrk="0" hangingPunct="1">
-              <a:spcBef>
-                <a:spcPct val="20000"/>
-              </a:spcBef>
-              <a:buFont typeface="Arial" pitchFamily="34" charset="0"/>
-              <a:buNone/>
-              <a:defRPr sz="3200" kern="1200">
-                <a:solidFill>
-                  <a:schemeClr val="tx1"/>
-                </a:solidFill>
-                <a:latin typeface="+mn-lt"/>
-                <a:ea typeface="+mn-ea"/>
-                <a:cs typeface="+mn-cs"/>
-              </a:defRPr>
-            </a:lvl1pPr>
-            <a:lvl2pPr marL="457200" indent="0" algn="l" defTabSz="914400" rtl="0" eaLnBrk="1" latinLnBrk="0" hangingPunct="1">
-              <a:spcBef>
-                <a:spcPct val="20000"/>
-              </a:spcBef>
-              <a:buFont typeface="Arial" pitchFamily="34" charset="0"/>
-              <a:buNone/>
-              <a:defRPr sz="2800" kern="1200">
-                <a:solidFill>
-                  <a:schemeClr val="tx1"/>
-                </a:solidFill>
-                <a:latin typeface="+mn-lt"/>
-                <a:ea typeface="+mn-ea"/>
-                <a:cs typeface="+mn-cs"/>
-              </a:defRPr>
-            </a:lvl2pPr>
-            <a:lvl3pPr marL="914400" indent="0" algn="l" defTabSz="914400" rtl="0" eaLnBrk="1" latinLnBrk="0" hangingPunct="1">
-              <a:spcBef>
-                <a:spcPct val="20000"/>
-              </a:spcBef>
-              <a:buFont typeface="Arial" pitchFamily="34" charset="0"/>
-              <a:buNone/>
-              <a:defRPr sz="2400" kern="1200">
-                <a:solidFill>
-                  <a:schemeClr val="tx1"/>
-                </a:solidFill>
-                <a:latin typeface="+mn-lt"/>
-                <a:ea typeface="+mn-ea"/>
-                <a:cs typeface="+mn-cs"/>
-              </a:defRPr>
-            </a:lvl3pPr>
-            <a:lvl4pPr marL="1371600" indent="0" algn="l" defTabSz="914400" rtl="0" eaLnBrk="1" latinLnBrk="0" hangingPunct="1">
-              <a:spcBef>
-                <a:spcPct val="20000"/>
-              </a:spcBef>
-              <a:buFont typeface="Arial" pitchFamily="34" charset="0"/>
-              <a:buNone/>
-              <a:defRPr sz="2000" kern="1200">
-                <a:solidFill>
-                  <a:schemeClr val="tx1"/>
-                </a:solidFill>
-                <a:latin typeface="+mn-lt"/>
-                <a:ea typeface="+mn-ea"/>
-                <a:cs typeface="+mn-cs"/>
-              </a:defRPr>
-            </a:lvl4pPr>
-            <a:lvl5pPr marL="1828800" indent="0" algn="l" defTabSz="914400" rtl="0" eaLnBrk="1" latinLnBrk="0" hangingPunct="1">
-              <a:spcBef>
-                <a:spcPct val="20000"/>
-              </a:spcBef>
-              <a:buFont typeface="Arial" pitchFamily="34" charset="0"/>
-              <a:buNone/>
-              <a:defRPr sz="2000" kern="1200">
-                <a:solidFill>
-                  <a:schemeClr val="tx1"/>
-                </a:solidFill>
-                <a:latin typeface="+mn-lt"/>
-                <a:ea typeface="+mn-ea"/>
-                <a:cs typeface="+mn-cs"/>
-              </a:defRPr>
-            </a:lvl5pPr>
-            <a:lvl6pPr marL="2286000" indent="0" algn="l" defTabSz="914400" rtl="0" eaLnBrk="1" latinLnBrk="0" hangingPunct="1">
-              <a:spcBef>
-                <a:spcPct val="20000"/>
-              </a:spcBef>
-              <a:buFont typeface="Arial" pitchFamily="34" charset="0"/>
-              <a:buNone/>
-              <a:defRPr sz="2000" kern="1200">
-                <a:solidFill>
-                  <a:schemeClr val="tx1"/>
-                </a:solidFill>
-                <a:latin typeface="+mn-lt"/>
-                <a:ea typeface="+mn-ea"/>
-                <a:cs typeface="+mn-cs"/>
-              </a:defRPr>
-            </a:lvl6pPr>
-            <a:lvl7pPr marL="2743200" indent="0" algn="l" defTabSz="914400" rtl="0" eaLnBrk="1" latinLnBrk="0" hangingPunct="1">
-              <a:spcBef>
-                <a:spcPct val="20000"/>
-              </a:spcBef>
-              <a:buFont typeface="Arial" pitchFamily="34" charset="0"/>
-              <a:buNone/>
-              <a:defRPr sz="2000" kern="1200">
-                <a:solidFill>
-                  <a:schemeClr val="tx1"/>
-                </a:solidFill>
-                <a:latin typeface="+mn-lt"/>
-                <a:ea typeface="+mn-ea"/>
-                <a:cs typeface="+mn-cs"/>
-              </a:defRPr>
-            </a:lvl7pPr>
-            <a:lvl8pPr marL="3200400" indent="0" algn="l" defTabSz="914400" rtl="0" eaLnBrk="1" latinLnBrk="0" hangingPunct="1">
-              <a:spcBef>
-                <a:spcPct val="20000"/>
-              </a:spcBef>
-              <a:buFont typeface="Arial" pitchFamily="34" charset="0"/>
-              <a:buNone/>
-              <a:defRPr sz="2000" kern="1200">
-                <a:solidFill>
-                  <a:schemeClr val="tx1"/>
-                </a:solidFill>
-                <a:latin typeface="+mn-lt"/>
-                <a:ea typeface="+mn-ea"/>
-                <a:cs typeface="+mn-cs"/>
-              </a:defRPr>
-            </a:lvl8pPr>
-            <a:lvl9pPr marL="3657600" indent="0" algn="l" defTabSz="914400" rtl="0" eaLnBrk="1" latinLnBrk="0" hangingPunct="1">
-              <a:spcBef>
-                <a:spcPct val="20000"/>
-              </a:spcBef>
-              <a:buFont typeface="Arial" pitchFamily="34" charset="0"/>
-              <a:buNone/>
-              <a:defRPr sz="2000" kern="1200">
-                <a:solidFill>
-                  <a:schemeClr val="tx1"/>
-                </a:solidFill>
-                <a:latin typeface="+mn-lt"/>
-                <a:ea typeface="+mn-ea"/>
-                <a:cs typeface="+mn-cs"/>
-              </a:defRPr>
-            </a:lvl9pPr>
-          </a:lstStyle>
-          <a:p>
-            <a:pPr marL="457200" indent="-457200">
-              <a:buFont typeface="Arial" panose="020B0604020202020204" pitchFamily="34" charset="0"/>
-              <a:buChar char="•"/>
-            </a:pPr>
-            <a:r>
-              <a:rPr lang="en-GB" dirty="0">
-                <a:solidFill>
-                  <a:schemeClr val="bg1"/>
-                </a:solidFill>
-                <a:hlinkClick r:id="rId2">
-                  <a:extLst>
-                    <a:ext uri="{A12FA001-AC4F-418D-AE19-62706E023703}">
-                      <ahyp:hlinkClr xmlns:ahyp="http://schemas.microsoft.com/office/drawing/2018/hyperlinkcolor" val="tx"/>
-                    </a:ext>
-                  </a:extLst>
-                </a:hlinkClick>
-              </a:rPr>
-              <a:t>Google Earth </a:t>
-            </a:r>
-            <a:endParaRPr lang="en-GB" dirty="0">
-              <a:solidFill>
-                <a:schemeClr val="bg1"/>
-              </a:solidFill>
-            </a:endParaRPr>
-          </a:p>
-          <a:p>
-            <a:pPr marL="457200" indent="-457200">
-              <a:buFont typeface="Arial" panose="020B0604020202020204" pitchFamily="34" charset="0"/>
-              <a:buChar char="•"/>
-            </a:pPr>
-            <a:r>
-              <a:rPr lang="en-US" dirty="0">
-                <a:solidFill>
-                  <a:schemeClr val="bg1"/>
-                </a:solidFill>
-                <a:hlinkClick r:id="rId3">
-                  <a:extLst>
-                    <a:ext uri="{A12FA001-AC4F-418D-AE19-62706E023703}">
-                      <ahyp:hlinkClr xmlns:ahyp="http://schemas.microsoft.com/office/drawing/2018/hyperlinkcolor" val="tx"/>
-                    </a:ext>
-                  </a:extLst>
-                </a:hlinkClick>
-              </a:rPr>
-              <a:t>Perspective</a:t>
-            </a:r>
-            <a:endParaRPr lang="en-US" dirty="0">
-              <a:solidFill>
-                <a:schemeClr val="bg1"/>
-              </a:solidFill>
-            </a:endParaRPr>
-          </a:p>
-          <a:p>
-            <a:pPr marL="457200" indent="-457200">
-              <a:buFont typeface="Arial" panose="020B0604020202020204" pitchFamily="34" charset="0"/>
-              <a:buChar char="•"/>
-            </a:pPr>
-            <a:r>
-              <a:rPr lang="en-US" dirty="0">
-                <a:solidFill>
-                  <a:schemeClr val="bg1"/>
-                </a:solidFill>
-                <a:hlinkClick r:id="rId4">
-                  <a:extLst>
-                    <a:ext uri="{A12FA001-AC4F-418D-AE19-62706E023703}">
-                      <ahyp:hlinkClr xmlns:ahyp="http://schemas.microsoft.com/office/drawing/2018/hyperlinkcolor" val="tx"/>
-                    </a:ext>
-                  </a:extLst>
-                </a:hlinkClick>
-              </a:rPr>
-              <a:t>D3</a:t>
-            </a:r>
-            <a:endParaRPr lang="en-US" dirty="0">
-              <a:solidFill>
-                <a:schemeClr val="bg1"/>
-              </a:solidFill>
-            </a:endParaRPr>
-          </a:p>
-          <a:p>
-            <a:pPr marL="457200" indent="-457200">
-              <a:buFont typeface="Arial" panose="020B0604020202020204" pitchFamily="34" charset="0"/>
-              <a:buChar char="•"/>
-            </a:pPr>
-            <a:r>
-              <a:rPr lang="en-US" dirty="0">
-                <a:solidFill>
-                  <a:schemeClr val="bg1"/>
-                </a:solidFill>
-                <a:hlinkClick r:id="rId5">
-                  <a:extLst>
-                    <a:ext uri="{A12FA001-AC4F-418D-AE19-62706E023703}">
-                      <ahyp:hlinkClr xmlns:ahyp="http://schemas.microsoft.com/office/drawing/2018/hyperlinkcolor" val="tx"/>
-                    </a:ext>
-                  </a:extLst>
-                </a:hlinkClick>
-              </a:rPr>
-              <a:t>PSPDFKit</a:t>
-            </a:r>
-            <a:endParaRPr lang="en-US" dirty="0">
-              <a:solidFill>
-                <a:schemeClr val="bg1"/>
-              </a:solidFill>
-            </a:endParaRPr>
-          </a:p>
-        </p:txBody>
-      </p:sp>
-    </p:spTree>
-    <p:extLst>
-      <p:ext uri="{BB962C8B-B14F-4D97-AF65-F5344CB8AC3E}">
-        <p14:creationId xmlns:p14="http://schemas.microsoft.com/office/powerpoint/2010/main" val="3895076446"/>
-      </p:ext>
-    </p:extLst>
-  </p:cSld>
-  <p:clrMapOvr>
-    <a:masterClrMapping/>
-  </p:clrMapOvr>
-</p:sld>
-</file>
-
-<file path=ppt/slides/slide21.xml><?xml version="1.0" encoding="utf-8"?>
-<p:sld xmlns:a="http://schemas.openxmlformats.org/drawingml/2006/main" xmlns:r="http://schemas.openxmlformats.org/officeDocument/2006/relationships" xmlns:p="http://schemas.openxmlformats.org/presentationml/2006/main">
-  <p:cSld>
-    <p:spTree>
-      <p:nvGrpSpPr>
-        <p:cNvPr id="1" name=""/>
-        <p:cNvGrpSpPr/>
-        <p:nvPr/>
-      </p:nvGrpSpPr>
-      <p:grpSpPr>
-        <a:xfrm>
-          <a:off x="0" y="0"/>
-          <a:ext cx="0" cy="0"/>
-          <a:chOff x="0" y="0"/>
-          <a:chExt cx="0" cy="0"/>
-        </a:xfrm>
-      </p:grpSpPr>
-      <p:sp>
-        <p:nvSpPr>
-          <p:cNvPr id="5" name="Title 1"/>
-          <p:cNvSpPr>
-            <a:spLocks noGrp="1"/>
-          </p:cNvSpPr>
-          <p:nvPr>
-            <p:ph type="title"/>
-          </p:nvPr>
-        </p:nvSpPr>
-        <p:spPr>
-          <a:xfrm>
-            <a:off x="457200" y="274638"/>
-            <a:ext cx="8229600" cy="511156"/>
-          </a:xfrm>
-        </p:spPr>
-        <p:txBody>
-          <a:bodyPr>
-            <a:noAutofit/>
-          </a:bodyPr>
-          <a:lstStyle/>
-          <a:p>
-            <a:pPr fontAlgn="base">
-              <a:spcAft>
-                <a:spcPct val="0"/>
-              </a:spcAft>
-              <a:defRPr/>
-            </a:pPr>
-            <a:r>
-              <a:rPr lang="en-GB" sz="4000" kern="0" dirty="0">
-                <a:solidFill>
-                  <a:srgbClr val="0098D4"/>
-                </a:solidFill>
-                <a:latin typeface="Calibri" pitchFamily="34" charset="0"/>
-              </a:rPr>
               <a:t>#. Do we still need JavaScript?</a:t>
             </a:r>
           </a:p>
@@ -11427,7 +10927,7 @@
 </p:sld>
 </file>
 
-<file path=ppt/slides/slide22.xml><?xml version="1.0" encoding="utf-8"?>
+<file path=ppt/slides/slide21.xml><?xml version="1.0" encoding="utf-8"?>
 <p:sld xmlns:a="http://schemas.openxmlformats.org/drawingml/2006/main" xmlns:r="http://schemas.openxmlformats.org/officeDocument/2006/relationships" xmlns:p="http://schemas.openxmlformats.org/presentationml/2006/main">
   <p:cSld>
     <p:spTree>
@@ -16706,10 +16206,327 @@
       </p:sp>
       <p:sp>
         <p:nvSpPr>
-          <p:cNvPr id="3" name="Rectangle: Rounded Corners 2">
+          <p:cNvPr id="12" name="TextBox 11">
             <a:extLst>
               <a:ext uri="{FF2B5EF4-FFF2-40B4-BE49-F238E27FC236}">
-                <a16:creationId xmlns:a16="http://schemas.microsoft.com/office/drawing/2014/main" id="{4EA69101-7EF6-4472-82BD-E60065B76373}"/>
+                <a16:creationId xmlns:a16="http://schemas.microsoft.com/office/drawing/2014/main" id="{75B4779D-F76E-4D3C-BC39-F8E44DECE9CA}"/>
+              </a:ext>
+            </a:extLst>
+          </p:cNvPr>
+          <p:cNvSpPr txBox="1"/>
+          <p:nvPr/>
+        </p:nvSpPr>
+        <p:spPr>
+          <a:xfrm>
+            <a:off x="609600" y="928670"/>
+            <a:ext cx="7924800" cy="5078313"/>
+          </a:xfrm>
+          <a:prstGeom prst="rect">
+            <a:avLst/>
+          </a:prstGeom>
+          <a:noFill/>
+        </p:spPr>
+        <p:txBody>
+          <a:bodyPr wrap="square" rtlCol="0">
+            <a:spAutoFit/>
+          </a:bodyPr>
+          <a:lstStyle/>
+          <a:p>
+            <a:r>
+              <a:rPr lang="en-GB" dirty="0">
+                <a:solidFill>
+                  <a:schemeClr val="bg1"/>
+                </a:solidFill>
+              </a:rPr>
+              <a:t>Move literal value to memory:</a:t>
+            </a:r>
+          </a:p>
+          <a:p>
+            <a:r>
+              <a:rPr lang="en-GB" dirty="0">
+                <a:solidFill>
+                  <a:schemeClr val="bg1"/>
+                </a:solidFill>
+              </a:rPr>
+              <a:t>	mov 0x00,0x0A	</a:t>
+            </a:r>
+            <a:r>
+              <a:rPr lang="en-GB" sz="1400" dirty="0">
+                <a:solidFill>
+                  <a:schemeClr val="accent3">
+                    <a:lumMod val="50000"/>
+                  </a:schemeClr>
+                </a:solidFill>
+              </a:rPr>
+              <a:t>; move literal 10 into memory address 0x00</a:t>
+            </a:r>
+            <a:endParaRPr lang="en-GB" dirty="0">
+              <a:solidFill>
+                <a:schemeClr val="accent3">
+                  <a:lumMod val="50000"/>
+                </a:schemeClr>
+              </a:solidFill>
+            </a:endParaRPr>
+          </a:p>
+          <a:p>
+            <a:r>
+              <a:rPr lang="en-GB" dirty="0">
+                <a:solidFill>
+                  <a:schemeClr val="bg1"/>
+                </a:solidFill>
+              </a:rPr>
+              <a:t>	mov 0x01,0x20	</a:t>
+            </a:r>
+            <a:r>
+              <a:rPr lang="en-GB" sz="1400" dirty="0">
+                <a:solidFill>
+                  <a:schemeClr val="accent3">
+                    <a:lumMod val="50000"/>
+                  </a:schemeClr>
+                </a:solidFill>
+              </a:rPr>
+              <a:t>; move  literal 32 into memory address 0x01</a:t>
+            </a:r>
+          </a:p>
+          <a:p>
+            <a:endParaRPr lang="en-GB" dirty="0">
+              <a:solidFill>
+                <a:schemeClr val="bg1"/>
+              </a:solidFill>
+            </a:endParaRPr>
+          </a:p>
+          <a:p>
+            <a:r>
+              <a:rPr lang="en-GB" dirty="0">
+                <a:solidFill>
+                  <a:schemeClr val="bg1"/>
+                </a:solidFill>
+              </a:rPr>
+              <a:t>Move literal value to register:</a:t>
+            </a:r>
+          </a:p>
+          <a:p>
+            <a:r>
+              <a:rPr lang="en-GB" dirty="0">
+                <a:solidFill>
+                  <a:schemeClr val="bg1"/>
+                </a:solidFill>
+              </a:rPr>
+              <a:t>	mov REG_A,0x0A</a:t>
+            </a:r>
+            <a:r>
+              <a:rPr lang="en-GB" sz="1400" dirty="0">
+                <a:solidFill>
+                  <a:schemeClr val="accent3">
+                    <a:lumMod val="50000"/>
+                  </a:schemeClr>
+                </a:solidFill>
+              </a:rPr>
+              <a:t> 	; move literal 10 into “Register A” </a:t>
+            </a:r>
+          </a:p>
+          <a:p>
+            <a:r>
+              <a:rPr lang="en-GB" sz="1400" dirty="0">
+                <a:solidFill>
+                  <a:schemeClr val="accent3">
+                    <a:lumMod val="50000"/>
+                  </a:schemeClr>
+                </a:solidFill>
+              </a:rPr>
+              <a:t>	</a:t>
+            </a:r>
+            <a:r>
+              <a:rPr lang="en-GB" dirty="0">
+                <a:solidFill>
+                  <a:schemeClr val="bg1"/>
+                </a:solidFill>
+              </a:rPr>
+              <a:t>mov REG_B,0x20 	</a:t>
+            </a:r>
+            <a:r>
+              <a:rPr lang="en-GB" sz="1400" dirty="0">
+                <a:solidFill>
+                  <a:schemeClr val="bg1"/>
+                </a:solidFill>
+              </a:rPr>
+              <a:t> </a:t>
+            </a:r>
+            <a:r>
+              <a:rPr lang="en-GB" sz="1400" dirty="0">
+                <a:solidFill>
+                  <a:schemeClr val="accent3">
+                    <a:lumMod val="50000"/>
+                  </a:schemeClr>
+                </a:solidFill>
+              </a:rPr>
+              <a:t>; move literal 32 into “Register B” </a:t>
+            </a:r>
+            <a:endParaRPr lang="en-GB" sz="1400" dirty="0">
+              <a:solidFill>
+                <a:schemeClr val="bg1"/>
+              </a:solidFill>
+            </a:endParaRPr>
+          </a:p>
+          <a:p>
+            <a:endParaRPr lang="en-GB" dirty="0">
+              <a:solidFill>
+                <a:schemeClr val="bg1"/>
+              </a:solidFill>
+            </a:endParaRPr>
+          </a:p>
+          <a:p>
+            <a:r>
+              <a:rPr lang="en-GB" dirty="0">
+                <a:solidFill>
+                  <a:schemeClr val="bg1"/>
+                </a:solidFill>
+              </a:rPr>
+              <a:t>Move register value to  register:</a:t>
+            </a:r>
+          </a:p>
+          <a:p>
+            <a:r>
+              <a:rPr lang="en-GB" dirty="0">
+                <a:solidFill>
+                  <a:schemeClr val="bg1"/>
+                </a:solidFill>
+              </a:rPr>
+              <a:t>	mov REG_A,REG_B</a:t>
+            </a:r>
+            <a:r>
+              <a:rPr lang="en-GB" dirty="0">
+                <a:solidFill>
+                  <a:schemeClr val="accent3">
+                    <a:lumMod val="50000"/>
+                  </a:schemeClr>
+                </a:solidFill>
+              </a:rPr>
+              <a:t>	</a:t>
+            </a:r>
+            <a:r>
+              <a:rPr lang="en-GB" sz="1400" dirty="0">
+                <a:solidFill>
+                  <a:schemeClr val="accent3">
+                    <a:lumMod val="50000"/>
+                  </a:schemeClr>
+                </a:solidFill>
+              </a:rPr>
+              <a:t>; copy “Register B” into “Register A”</a:t>
+            </a:r>
+            <a:endParaRPr lang="en-GB" sz="1400" dirty="0">
+              <a:solidFill>
+                <a:schemeClr val="bg1"/>
+              </a:solidFill>
+            </a:endParaRPr>
+          </a:p>
+          <a:p>
+            <a:endParaRPr lang="en-GB" dirty="0">
+              <a:solidFill>
+                <a:schemeClr val="bg1"/>
+              </a:solidFill>
+            </a:endParaRPr>
+          </a:p>
+          <a:p>
+            <a:r>
+              <a:rPr lang="en-GB" dirty="0">
+                <a:solidFill>
+                  <a:schemeClr val="bg1"/>
+                </a:solidFill>
+              </a:rPr>
+              <a:t>Move register value to  memory:</a:t>
+            </a:r>
+          </a:p>
+          <a:p>
+            <a:r>
+              <a:rPr lang="en-GB" dirty="0">
+                <a:solidFill>
+                  <a:schemeClr val="bg1"/>
+                </a:solidFill>
+              </a:rPr>
+              <a:t>	mov 0x00,REG_A	</a:t>
+            </a:r>
+            <a:r>
+              <a:rPr lang="en-GB" sz="1400" dirty="0">
+                <a:solidFill>
+                  <a:schemeClr val="accent3">
+                    <a:lumMod val="50000"/>
+                  </a:schemeClr>
+                </a:solidFill>
+              </a:rPr>
+              <a:t>; copy “Register A” into memory address 0x00</a:t>
+            </a:r>
+            <a:endParaRPr lang="en-GB" sz="1400" dirty="0">
+              <a:solidFill>
+                <a:schemeClr val="bg1"/>
+              </a:solidFill>
+            </a:endParaRPr>
+          </a:p>
+          <a:p>
+            <a:endParaRPr lang="en-GB" dirty="0">
+              <a:solidFill>
+                <a:schemeClr val="bg1"/>
+              </a:solidFill>
+            </a:endParaRPr>
+          </a:p>
+          <a:p>
+            <a:r>
+              <a:rPr lang="en-GB" dirty="0">
+                <a:solidFill>
+                  <a:schemeClr val="bg1"/>
+                </a:solidFill>
+              </a:rPr>
+              <a:t>Simple program:</a:t>
+            </a:r>
+          </a:p>
+          <a:p>
+            <a:r>
+              <a:rPr lang="en-GB" dirty="0">
+                <a:solidFill>
+                  <a:schemeClr val="bg1"/>
+                </a:solidFill>
+              </a:rPr>
+              <a:t>	mov REG_A,0x0A	</a:t>
+            </a:r>
+          </a:p>
+          <a:p>
+            <a:r>
+              <a:rPr lang="en-GB" sz="1400" dirty="0">
+                <a:solidFill>
+                  <a:schemeClr val="accent3">
+                    <a:lumMod val="50000"/>
+                  </a:schemeClr>
+                </a:solidFill>
+              </a:rPr>
+              <a:t>	</a:t>
+            </a:r>
+            <a:r>
+              <a:rPr lang="en-GB" dirty="0">
+                <a:solidFill>
+                  <a:schemeClr val="bg1"/>
+                </a:solidFill>
+              </a:rPr>
+              <a:t>mov REG_B,0x20	</a:t>
+            </a:r>
+          </a:p>
+          <a:p>
+            <a:r>
+              <a:rPr lang="en-GB" dirty="0">
+                <a:solidFill>
+                  <a:schemeClr val="bg1"/>
+                </a:solidFill>
+              </a:rPr>
+              <a:t>	add REG_A,REG_B</a:t>
+            </a:r>
+          </a:p>
+        </p:txBody>
+      </p:sp>
+      <p:sp>
+        <p:nvSpPr>
+          <p:cNvPr id="17" name="Rectangle: Rounded Corners 16">
+            <a:extLst>
+              <a:ext uri="{FF2B5EF4-FFF2-40B4-BE49-F238E27FC236}">
+                <a16:creationId xmlns:a16="http://schemas.microsoft.com/office/drawing/2014/main" id="{55BF22B5-5246-45C5-8640-8BFFF596ECF2}"/>
               </a:ext>
             </a:extLst>
           </p:cNvPr>
@@ -16718,7 +16535,7 @@
         </p:nvSpPr>
         <p:spPr>
           <a:xfrm>
-            <a:off x="609600" y="1071545"/>
+            <a:off x="7620000" y="1071545"/>
             <a:ext cx="1219200" cy="381000"/>
           </a:xfrm>
           <a:prstGeom prst="roundRect">
@@ -16755,10 +16572,10 @@
       </p:sp>
       <p:sp>
         <p:nvSpPr>
-          <p:cNvPr id="9" name="Rectangle: Rounded Corners 8">
+          <p:cNvPr id="18" name="Rectangle: Rounded Corners 17">
             <a:extLst>
               <a:ext uri="{FF2B5EF4-FFF2-40B4-BE49-F238E27FC236}">
-                <a16:creationId xmlns:a16="http://schemas.microsoft.com/office/drawing/2014/main" id="{D30BAC9F-071E-4F0B-B930-5A9951ED5D58}"/>
+                <a16:creationId xmlns:a16="http://schemas.microsoft.com/office/drawing/2014/main" id="{C74BACE3-7234-4FBB-AD79-8E9D0C918098}"/>
               </a:ext>
             </a:extLst>
           </p:cNvPr>
@@ -16767,7 +16584,7 @@
         </p:nvSpPr>
         <p:spPr>
           <a:xfrm>
-            <a:off x="609600" y="1738296"/>
+            <a:off x="7620000" y="1738296"/>
             <a:ext cx="1219200" cy="381000"/>
           </a:xfrm>
           <a:prstGeom prst="roundRect">
@@ -16799,411 +16616,6 @@
               <a:rPr lang="en-GB" dirty="0"/>
               <a:t>REG_B</a:t>
             </a:r>
-          </a:p>
-        </p:txBody>
-      </p:sp>
-      <p:sp>
-        <p:nvSpPr>
-          <p:cNvPr id="12" name="TextBox 11">
-            <a:extLst>
-              <a:ext uri="{FF2B5EF4-FFF2-40B4-BE49-F238E27FC236}">
-                <a16:creationId xmlns:a16="http://schemas.microsoft.com/office/drawing/2014/main" id="{75B4779D-F76E-4D3C-BC39-F8E44DECE9CA}"/>
-              </a:ext>
-            </a:extLst>
-          </p:cNvPr>
-          <p:cNvSpPr txBox="1"/>
-          <p:nvPr/>
-        </p:nvSpPr>
-        <p:spPr>
-          <a:xfrm>
-            <a:off x="1905000" y="1052495"/>
-            <a:ext cx="6934200" cy="5847755"/>
-          </a:xfrm>
-          <a:prstGeom prst="rect">
-            <a:avLst/>
-          </a:prstGeom>
-          <a:noFill/>
-        </p:spPr>
-        <p:txBody>
-          <a:bodyPr wrap="square" rtlCol="0">
-            <a:spAutoFit/>
-          </a:bodyPr>
-          <a:lstStyle/>
-          <a:p>
-            <a:r>
-              <a:rPr lang="en-GB" dirty="0">
-                <a:solidFill>
-                  <a:schemeClr val="bg1"/>
-                </a:solidFill>
-              </a:rPr>
-              <a:t>Move literal value to memory:</a:t>
-            </a:r>
-          </a:p>
-          <a:p>
-            <a:r>
-              <a:rPr lang="en-GB" dirty="0">
-                <a:solidFill>
-                  <a:schemeClr val="bg1"/>
-                </a:solidFill>
-              </a:rPr>
-              <a:t>	mov byte 0x00,0x0A </a:t>
-            </a:r>
-            <a:r>
-              <a:rPr lang="en-GB" sz="1400" dirty="0">
-                <a:solidFill>
-                  <a:schemeClr val="accent3">
-                    <a:lumMod val="50000"/>
-                  </a:schemeClr>
-                </a:solidFill>
-              </a:rPr>
-              <a:t>; move literal 10 into memory address 0x00</a:t>
-            </a:r>
-            <a:endParaRPr lang="en-GB" dirty="0">
-              <a:solidFill>
-                <a:schemeClr val="accent3">
-                  <a:lumMod val="50000"/>
-                </a:schemeClr>
-              </a:solidFill>
-            </a:endParaRPr>
-          </a:p>
-          <a:p>
-            <a:r>
-              <a:rPr lang="en-GB" dirty="0">
-                <a:solidFill>
-                  <a:schemeClr val="bg1"/>
-                </a:solidFill>
-              </a:rPr>
-              <a:t>	mov byte 0x01,0x20 </a:t>
-            </a:r>
-            <a:r>
-              <a:rPr lang="en-GB" sz="1400" dirty="0">
-                <a:solidFill>
-                  <a:schemeClr val="accent3">
-                    <a:lumMod val="50000"/>
-                  </a:schemeClr>
-                </a:solidFill>
-              </a:rPr>
-              <a:t>; move  literal 32 into memory address 0x01</a:t>
-            </a:r>
-          </a:p>
-          <a:p>
-            <a:endParaRPr lang="en-GB" dirty="0">
-              <a:solidFill>
-                <a:schemeClr val="bg1"/>
-              </a:solidFill>
-            </a:endParaRPr>
-          </a:p>
-          <a:p>
-            <a:r>
-              <a:rPr lang="en-GB" dirty="0">
-                <a:solidFill>
-                  <a:schemeClr val="bg1"/>
-                </a:solidFill>
-              </a:rPr>
-              <a:t>Move literal value to register:</a:t>
-            </a:r>
-          </a:p>
-          <a:p>
-            <a:r>
-              <a:rPr lang="en-GB" dirty="0">
-                <a:solidFill>
-                  <a:schemeClr val="bg1"/>
-                </a:solidFill>
-              </a:rPr>
-              <a:t>	mov byte REG_A,0x0A</a:t>
-            </a:r>
-            <a:r>
-              <a:rPr lang="en-GB" sz="1400" dirty="0">
-                <a:solidFill>
-                  <a:schemeClr val="accent3">
-                    <a:lumMod val="50000"/>
-                  </a:schemeClr>
-                </a:solidFill>
-              </a:rPr>
-              <a:t> ; move literal 10 into “Register A”  </a:t>
-            </a:r>
-            <a:r>
-              <a:rPr lang="en-GB" dirty="0">
-                <a:solidFill>
-                  <a:schemeClr val="bg1"/>
-                </a:solidFill>
-              </a:rPr>
-              <a:t>	mov byte REG_B,0x20 </a:t>
-            </a:r>
-            <a:r>
-              <a:rPr lang="en-GB" sz="1400" dirty="0">
-                <a:solidFill>
-                  <a:schemeClr val="bg1"/>
-                </a:solidFill>
-              </a:rPr>
-              <a:t> </a:t>
-            </a:r>
-            <a:r>
-              <a:rPr lang="en-GB" sz="1400" dirty="0">
-                <a:solidFill>
-                  <a:schemeClr val="accent3">
-                    <a:lumMod val="50000"/>
-                  </a:schemeClr>
-                </a:solidFill>
-              </a:rPr>
-              <a:t>; move literal 32 into “Register B” </a:t>
-            </a:r>
-            <a:endParaRPr lang="en-GB" sz="1400" dirty="0">
-              <a:solidFill>
-                <a:schemeClr val="bg1"/>
-              </a:solidFill>
-            </a:endParaRPr>
-          </a:p>
-          <a:p>
-            <a:endParaRPr lang="en-GB" dirty="0">
-              <a:solidFill>
-                <a:schemeClr val="bg1"/>
-              </a:solidFill>
-            </a:endParaRPr>
-          </a:p>
-          <a:p>
-            <a:r>
-              <a:rPr lang="en-GB" dirty="0">
-                <a:solidFill>
-                  <a:schemeClr val="bg1"/>
-                </a:solidFill>
-              </a:rPr>
-              <a:t>Move register value to  register:</a:t>
-            </a:r>
-          </a:p>
-          <a:p>
-            <a:r>
-              <a:rPr lang="en-GB" dirty="0">
-                <a:solidFill>
-                  <a:schemeClr val="bg1"/>
-                </a:solidFill>
-              </a:rPr>
-              <a:t>	mov byte REG_A,REG_B</a:t>
-            </a:r>
-            <a:r>
-              <a:rPr lang="en-GB" dirty="0">
-                <a:solidFill>
-                  <a:schemeClr val="accent3">
-                    <a:lumMod val="50000"/>
-                  </a:schemeClr>
-                </a:solidFill>
-              </a:rPr>
-              <a:t> </a:t>
-            </a:r>
-            <a:r>
-              <a:rPr lang="en-GB" sz="1400" dirty="0">
-                <a:solidFill>
-                  <a:schemeClr val="accent3">
-                    <a:lumMod val="50000"/>
-                  </a:schemeClr>
-                </a:solidFill>
-              </a:rPr>
-              <a:t>; copy “Register B” into “Register A”</a:t>
-            </a:r>
-            <a:endParaRPr lang="en-GB" sz="1400" dirty="0">
-              <a:solidFill>
-                <a:schemeClr val="bg1"/>
-              </a:solidFill>
-            </a:endParaRPr>
-          </a:p>
-          <a:p>
-            <a:endParaRPr lang="en-GB" dirty="0">
-              <a:solidFill>
-                <a:schemeClr val="bg1"/>
-              </a:solidFill>
-            </a:endParaRPr>
-          </a:p>
-          <a:p>
-            <a:r>
-              <a:rPr lang="en-GB" dirty="0">
-                <a:solidFill>
-                  <a:schemeClr val="bg1"/>
-                </a:solidFill>
-              </a:rPr>
-              <a:t>Move register value to  memory:</a:t>
-            </a:r>
-          </a:p>
-          <a:p>
-            <a:r>
-              <a:rPr lang="en-GB" dirty="0">
-                <a:solidFill>
-                  <a:schemeClr val="bg1"/>
-                </a:solidFill>
-              </a:rPr>
-              <a:t>	mov byte 0x00,REG_A </a:t>
-            </a:r>
-            <a:r>
-              <a:rPr lang="en-GB" sz="1400" dirty="0">
-                <a:solidFill>
-                  <a:schemeClr val="accent3">
-                    <a:lumMod val="50000"/>
-                  </a:schemeClr>
-                </a:solidFill>
-              </a:rPr>
-              <a:t> ; copy “Register A” into memory address 0x00</a:t>
-            </a:r>
-            <a:endParaRPr lang="en-GB" sz="1400" dirty="0">
-              <a:solidFill>
-                <a:schemeClr val="bg1"/>
-              </a:solidFill>
-            </a:endParaRPr>
-          </a:p>
-          <a:p>
-            <a:endParaRPr lang="en-GB" dirty="0">
-              <a:solidFill>
-                <a:schemeClr val="bg1"/>
-              </a:solidFill>
-            </a:endParaRPr>
-          </a:p>
-          <a:p>
-            <a:r>
-              <a:rPr lang="en-GB" dirty="0">
-                <a:solidFill>
-                  <a:schemeClr val="bg1"/>
-                </a:solidFill>
-              </a:rPr>
-              <a:t>Simple program:</a:t>
-            </a:r>
-          </a:p>
-          <a:p>
-            <a:r>
-              <a:rPr lang="en-GB" dirty="0">
-                <a:solidFill>
-                  <a:schemeClr val="bg1"/>
-                </a:solidFill>
-              </a:rPr>
-              <a:t>	mov byte REG_A,0x0A</a:t>
-            </a:r>
-            <a:r>
-              <a:rPr lang="en-GB" dirty="0">
-                <a:solidFill>
-                  <a:schemeClr val="accent3">
-                    <a:lumMod val="50000"/>
-                  </a:schemeClr>
-                </a:solidFill>
-              </a:rPr>
-              <a:t> </a:t>
-            </a:r>
-            <a:r>
-              <a:rPr lang="en-GB" sz="1400" dirty="0">
-                <a:solidFill>
-                  <a:schemeClr val="accent3">
-                    <a:lumMod val="50000"/>
-                  </a:schemeClr>
-                </a:solidFill>
-              </a:rPr>
-              <a:t>; move literal 10 into “Register A” </a:t>
-            </a:r>
-            <a:r>
-              <a:rPr lang="en-GB" dirty="0">
-                <a:solidFill>
-                  <a:schemeClr val="accent3">
-                    <a:lumMod val="50000"/>
-                  </a:schemeClr>
-                </a:solidFill>
-              </a:rPr>
-              <a:t> </a:t>
-            </a:r>
-            <a:r>
-              <a:rPr lang="en-GB" dirty="0">
-                <a:solidFill>
-                  <a:schemeClr val="bg1"/>
-                </a:solidFill>
-              </a:rPr>
-              <a:t>	mov byte REG_B,0x20  </a:t>
-            </a:r>
-            <a:r>
-              <a:rPr lang="en-GB" sz="1400" dirty="0">
-                <a:solidFill>
-                  <a:schemeClr val="accent3">
-                    <a:lumMod val="50000"/>
-                  </a:schemeClr>
-                </a:solidFill>
-              </a:rPr>
-              <a:t>; move literal 32 into “Register B”</a:t>
-            </a:r>
-            <a:r>
-              <a:rPr lang="en-GB" dirty="0">
-                <a:solidFill>
-                  <a:schemeClr val="accent3">
-                    <a:lumMod val="50000"/>
-                  </a:schemeClr>
-                </a:solidFill>
-              </a:rPr>
-              <a:t> </a:t>
-            </a:r>
-            <a:endParaRPr lang="en-GB" dirty="0">
-              <a:solidFill>
-                <a:schemeClr val="bg1"/>
-              </a:solidFill>
-            </a:endParaRPr>
-          </a:p>
-          <a:p>
-            <a:r>
-              <a:rPr lang="en-GB" dirty="0">
-                <a:solidFill>
-                  <a:schemeClr val="bg1"/>
-                </a:solidFill>
-              </a:rPr>
-              <a:t>	add REG_A,REG_B        </a:t>
-            </a:r>
-            <a:r>
-              <a:rPr lang="en-GB" sz="1400" dirty="0">
-                <a:solidFill>
-                  <a:schemeClr val="accent3">
-                    <a:lumMod val="50000"/>
-                  </a:schemeClr>
-                </a:solidFill>
-              </a:rPr>
-              <a:t>; perform assignment addition of “Register A” and “Register B” </a:t>
-            </a:r>
-            <a:endParaRPr lang="en-GB" dirty="0">
-              <a:solidFill>
-                <a:schemeClr val="bg1"/>
-              </a:solidFill>
-            </a:endParaRPr>
-          </a:p>
-          <a:p>
-            <a:r>
-              <a:rPr lang="en-GB" dirty="0">
-                <a:solidFill>
-                  <a:schemeClr val="bg1"/>
-                </a:solidFill>
-              </a:rPr>
-              <a:t>	mov byte 0x00,REG_A </a:t>
-            </a:r>
-            <a:r>
-              <a:rPr lang="en-GB" dirty="0">
-                <a:solidFill>
-                  <a:schemeClr val="accent3">
-                    <a:lumMod val="50000"/>
-                  </a:schemeClr>
-                </a:solidFill>
-              </a:rPr>
-              <a:t> </a:t>
-            </a:r>
-            <a:r>
-              <a:rPr lang="en-GB" sz="1400" dirty="0">
-                <a:solidFill>
-                  <a:schemeClr val="accent3">
-                    <a:lumMod val="50000"/>
-                  </a:schemeClr>
-                </a:solidFill>
-              </a:rPr>
-              <a:t>; copy “Register A” into memory address 0x00</a:t>
-            </a:r>
-            <a:endParaRPr lang="en-GB" dirty="0">
-              <a:solidFill>
-                <a:schemeClr val="bg1"/>
-              </a:solidFill>
-            </a:endParaRPr>
-          </a:p>
-          <a:p>
-            <a:endParaRPr lang="en-GB" dirty="0">
-              <a:solidFill>
-                <a:schemeClr val="bg1"/>
-              </a:solidFill>
-            </a:endParaRPr>
           </a:p>
         </p:txBody>
       </p:sp>

--- a/Imperial_College_29-01-2020/Presentation.pptx
+++ b/Imperial_College_29-01-2020/Presentation.pptx
@@ -5,7 +5,7 @@
     <p:sldMasterId id="2147483648" r:id="rId1"/>
   </p:sldMasterIdLst>
   <p:notesMasterIdLst>
-    <p:notesMasterId r:id="rId23"/>
+    <p:notesMasterId r:id="rId28"/>
   </p:notesMasterIdLst>
   <p:sldIdLst>
     <p:sldId id="272" r:id="rId2"/>
@@ -17,18 +17,23 @@
     <p:sldId id="386" r:id="rId8"/>
     <p:sldId id="389" r:id="rId9"/>
     <p:sldId id="378" r:id="rId10"/>
-    <p:sldId id="402" r:id="rId11"/>
-    <p:sldId id="403" r:id="rId12"/>
-    <p:sldId id="390" r:id="rId13"/>
-    <p:sldId id="376" r:id="rId14"/>
-    <p:sldId id="379" r:id="rId15"/>
-    <p:sldId id="380" r:id="rId16"/>
-    <p:sldId id="398" r:id="rId17"/>
-    <p:sldId id="383" r:id="rId18"/>
-    <p:sldId id="384" r:id="rId19"/>
-    <p:sldId id="388" r:id="rId20"/>
-    <p:sldId id="385" r:id="rId21"/>
-    <p:sldId id="375" r:id="rId22"/>
+    <p:sldId id="404" r:id="rId11"/>
+    <p:sldId id="405" r:id="rId12"/>
+    <p:sldId id="402" r:id="rId13"/>
+    <p:sldId id="406" r:id="rId14"/>
+    <p:sldId id="408" r:id="rId15"/>
+    <p:sldId id="407" r:id="rId16"/>
+    <p:sldId id="403" r:id="rId17"/>
+    <p:sldId id="390" r:id="rId18"/>
+    <p:sldId id="376" r:id="rId19"/>
+    <p:sldId id="379" r:id="rId20"/>
+    <p:sldId id="380" r:id="rId21"/>
+    <p:sldId id="398" r:id="rId22"/>
+    <p:sldId id="383" r:id="rId23"/>
+    <p:sldId id="384" r:id="rId24"/>
+    <p:sldId id="388" r:id="rId25"/>
+    <p:sldId id="385" r:id="rId26"/>
+    <p:sldId id="375" r:id="rId27"/>
   </p:sldIdLst>
   <p:sldSz cx="9144000" cy="6858000" type="screen4x3"/>
   <p:notesSz cx="7099300" cy="10234613"/>
@@ -4097,7 +4102,7 @@
                 </a:solidFill>
                 <a:latin typeface="Calibri" pitchFamily="34" charset="0"/>
               </a:rPr>
-              <a:t>#. Stack Machine</a:t>
+              <a:t>#. Register Machine</a:t>
             </a:r>
           </a:p>
         </p:txBody>
@@ -4458,6 +4463,341 @@
                 <a:schemeClr val="bg1"/>
               </a:solidFill>
             </a:endParaRPr>
+          </a:p>
+        </p:txBody>
+      </p:sp>
+      <p:sp>
+        <p:nvSpPr>
+          <p:cNvPr id="12" name="TextBox 11">
+            <a:extLst>
+              <a:ext uri="{FF2B5EF4-FFF2-40B4-BE49-F238E27FC236}">
+                <a16:creationId xmlns:a16="http://schemas.microsoft.com/office/drawing/2014/main" id="{75B4779D-F76E-4D3C-BC39-F8E44DECE9CA}"/>
+              </a:ext>
+            </a:extLst>
+          </p:cNvPr>
+          <p:cNvSpPr txBox="1"/>
+          <p:nvPr/>
+        </p:nvSpPr>
+        <p:spPr>
+          <a:xfrm>
+            <a:off x="609600" y="928670"/>
+            <a:ext cx="7924800" cy="5078313"/>
+          </a:xfrm>
+          <a:prstGeom prst="rect">
+            <a:avLst/>
+          </a:prstGeom>
+          <a:noFill/>
+        </p:spPr>
+        <p:txBody>
+          <a:bodyPr wrap="square" rtlCol="0">
+            <a:spAutoFit/>
+          </a:bodyPr>
+          <a:lstStyle/>
+          <a:p>
+            <a:r>
+              <a:rPr lang="en-GB" dirty="0">
+                <a:solidFill>
+                  <a:schemeClr val="bg1"/>
+                </a:solidFill>
+              </a:rPr>
+              <a:t>Move literal value to memory:</a:t>
+            </a:r>
+          </a:p>
+          <a:p>
+            <a:r>
+              <a:rPr lang="en-GB" dirty="0">
+                <a:solidFill>
+                  <a:schemeClr val="bg1"/>
+                </a:solidFill>
+              </a:rPr>
+              <a:t>	mov 0x00,0x0A	</a:t>
+            </a:r>
+            <a:r>
+              <a:rPr lang="en-GB" sz="1400" dirty="0">
+                <a:solidFill>
+                  <a:schemeClr val="accent3">
+                    <a:lumMod val="50000"/>
+                  </a:schemeClr>
+                </a:solidFill>
+              </a:rPr>
+              <a:t>; move literal 10 into memory address 0x00</a:t>
+            </a:r>
+            <a:endParaRPr lang="en-GB" dirty="0">
+              <a:solidFill>
+                <a:schemeClr val="accent3">
+                  <a:lumMod val="50000"/>
+                </a:schemeClr>
+              </a:solidFill>
+            </a:endParaRPr>
+          </a:p>
+          <a:p>
+            <a:r>
+              <a:rPr lang="en-GB" dirty="0">
+                <a:solidFill>
+                  <a:schemeClr val="bg1"/>
+                </a:solidFill>
+              </a:rPr>
+              <a:t>	mov 0x01,0x20	</a:t>
+            </a:r>
+            <a:r>
+              <a:rPr lang="en-GB" sz="1400" dirty="0">
+                <a:solidFill>
+                  <a:schemeClr val="accent3">
+                    <a:lumMod val="50000"/>
+                  </a:schemeClr>
+                </a:solidFill>
+              </a:rPr>
+              <a:t>; move  literal 32 into memory address 0x01</a:t>
+            </a:r>
+          </a:p>
+          <a:p>
+            <a:endParaRPr lang="en-GB" dirty="0">
+              <a:solidFill>
+                <a:schemeClr val="bg1"/>
+              </a:solidFill>
+            </a:endParaRPr>
+          </a:p>
+          <a:p>
+            <a:r>
+              <a:rPr lang="en-GB" dirty="0">
+                <a:solidFill>
+                  <a:schemeClr val="bg1"/>
+                </a:solidFill>
+              </a:rPr>
+              <a:t>Move literal value to register:</a:t>
+            </a:r>
+          </a:p>
+          <a:p>
+            <a:r>
+              <a:rPr lang="en-GB" dirty="0">
+                <a:solidFill>
+                  <a:schemeClr val="bg1"/>
+                </a:solidFill>
+              </a:rPr>
+              <a:t>	mov REG_A,0x0A</a:t>
+            </a:r>
+            <a:r>
+              <a:rPr lang="en-GB" sz="1400" dirty="0">
+                <a:solidFill>
+                  <a:schemeClr val="accent3">
+                    <a:lumMod val="50000"/>
+                  </a:schemeClr>
+                </a:solidFill>
+              </a:rPr>
+              <a:t> 	; move literal 10 into “Register A” </a:t>
+            </a:r>
+          </a:p>
+          <a:p>
+            <a:r>
+              <a:rPr lang="en-GB" sz="1400" dirty="0">
+                <a:solidFill>
+                  <a:schemeClr val="accent3">
+                    <a:lumMod val="50000"/>
+                  </a:schemeClr>
+                </a:solidFill>
+              </a:rPr>
+              <a:t>	</a:t>
+            </a:r>
+            <a:r>
+              <a:rPr lang="en-GB" dirty="0">
+                <a:solidFill>
+                  <a:schemeClr val="bg1"/>
+                </a:solidFill>
+              </a:rPr>
+              <a:t>mov REG_B,0x20 	</a:t>
+            </a:r>
+            <a:r>
+              <a:rPr lang="en-GB" sz="1400" dirty="0">
+                <a:solidFill>
+                  <a:schemeClr val="bg1"/>
+                </a:solidFill>
+              </a:rPr>
+              <a:t> </a:t>
+            </a:r>
+            <a:r>
+              <a:rPr lang="en-GB" sz="1400" dirty="0">
+                <a:solidFill>
+                  <a:schemeClr val="accent3">
+                    <a:lumMod val="50000"/>
+                  </a:schemeClr>
+                </a:solidFill>
+              </a:rPr>
+              <a:t>; move literal 32 into “Register B” </a:t>
+            </a:r>
+            <a:endParaRPr lang="en-GB" sz="1400" dirty="0">
+              <a:solidFill>
+                <a:schemeClr val="bg1"/>
+              </a:solidFill>
+            </a:endParaRPr>
+          </a:p>
+          <a:p>
+            <a:endParaRPr lang="en-GB" dirty="0">
+              <a:solidFill>
+                <a:schemeClr val="bg1"/>
+              </a:solidFill>
+            </a:endParaRPr>
+          </a:p>
+          <a:p>
+            <a:r>
+              <a:rPr lang="en-GB" dirty="0">
+                <a:solidFill>
+                  <a:schemeClr val="bg1"/>
+                </a:solidFill>
+              </a:rPr>
+              <a:t>Move register value to  register:</a:t>
+            </a:r>
+          </a:p>
+          <a:p>
+            <a:r>
+              <a:rPr lang="en-GB" dirty="0">
+                <a:solidFill>
+                  <a:schemeClr val="bg1"/>
+                </a:solidFill>
+              </a:rPr>
+              <a:t>	mov REG_A,REG_B</a:t>
+            </a:r>
+            <a:r>
+              <a:rPr lang="en-GB" dirty="0">
+                <a:solidFill>
+                  <a:schemeClr val="accent3">
+                    <a:lumMod val="50000"/>
+                  </a:schemeClr>
+                </a:solidFill>
+              </a:rPr>
+              <a:t>	</a:t>
+            </a:r>
+            <a:r>
+              <a:rPr lang="en-GB" sz="1400" dirty="0">
+                <a:solidFill>
+                  <a:schemeClr val="accent3">
+                    <a:lumMod val="50000"/>
+                  </a:schemeClr>
+                </a:solidFill>
+              </a:rPr>
+              <a:t>; copy “Register B” into “Register A”</a:t>
+            </a:r>
+            <a:endParaRPr lang="en-GB" sz="1400" dirty="0">
+              <a:solidFill>
+                <a:schemeClr val="bg1"/>
+              </a:solidFill>
+            </a:endParaRPr>
+          </a:p>
+          <a:p>
+            <a:endParaRPr lang="en-GB" dirty="0">
+              <a:solidFill>
+                <a:schemeClr val="bg1"/>
+              </a:solidFill>
+            </a:endParaRPr>
+          </a:p>
+          <a:p>
+            <a:r>
+              <a:rPr lang="en-GB" dirty="0">
+                <a:solidFill>
+                  <a:schemeClr val="bg1"/>
+                </a:solidFill>
+              </a:rPr>
+              <a:t>Move register value to  memory:</a:t>
+            </a:r>
+          </a:p>
+          <a:p>
+            <a:r>
+              <a:rPr lang="en-GB" dirty="0">
+                <a:solidFill>
+                  <a:schemeClr val="bg1"/>
+                </a:solidFill>
+              </a:rPr>
+              <a:t>	mov 0x00,REG_A	</a:t>
+            </a:r>
+            <a:r>
+              <a:rPr lang="en-GB" sz="1400" dirty="0">
+                <a:solidFill>
+                  <a:schemeClr val="accent3">
+                    <a:lumMod val="50000"/>
+                  </a:schemeClr>
+                </a:solidFill>
+              </a:rPr>
+              <a:t>; copy “Register A” into memory address 0x00</a:t>
+            </a:r>
+            <a:endParaRPr lang="en-GB" sz="1400" dirty="0">
+              <a:solidFill>
+                <a:schemeClr val="bg1"/>
+              </a:solidFill>
+            </a:endParaRPr>
+          </a:p>
+          <a:p>
+            <a:endParaRPr lang="en-GB" dirty="0">
+              <a:solidFill>
+                <a:schemeClr val="bg1"/>
+              </a:solidFill>
+            </a:endParaRPr>
+          </a:p>
+          <a:p>
+            <a:r>
+              <a:rPr lang="en-GB" dirty="0">
+                <a:solidFill>
+                  <a:schemeClr val="bg1"/>
+                </a:solidFill>
+              </a:rPr>
+              <a:t>Simple program:</a:t>
+            </a:r>
+          </a:p>
+          <a:p>
+            <a:r>
+              <a:rPr lang="en-GB" dirty="0">
+                <a:solidFill>
+                  <a:schemeClr val="bg1"/>
+                </a:solidFill>
+              </a:rPr>
+              <a:t>	mov 0x00,0x0A	</a:t>
+            </a:r>
+            <a:r>
+              <a:rPr lang="en-GB" dirty="0">
+                <a:solidFill>
+                  <a:schemeClr val="accent3">
+                    <a:lumMod val="50000"/>
+                  </a:schemeClr>
+                </a:solidFill>
+              </a:rPr>
+              <a:t>; move literal 10 into memory address 0x00</a:t>
+            </a:r>
+          </a:p>
+          <a:p>
+            <a:r>
+              <a:rPr lang="en-GB" dirty="0">
+                <a:solidFill>
+                  <a:schemeClr val="bg1"/>
+                </a:solidFill>
+              </a:rPr>
+              <a:t>	mov 0x01,0x20	</a:t>
+            </a:r>
+            <a:r>
+              <a:rPr lang="en-GB" dirty="0">
+                <a:solidFill>
+                  <a:schemeClr val="accent3">
+                    <a:lumMod val="50000"/>
+                  </a:schemeClr>
+                </a:solidFill>
+              </a:rPr>
+              <a:t>; move  literal 32 into memory address 0x01</a:t>
+            </a:r>
+            <a:r>
+              <a:rPr lang="en-GB" dirty="0">
+                <a:solidFill>
+                  <a:schemeClr val="bg1"/>
+                </a:solidFill>
+              </a:rPr>
+              <a:t>	</a:t>
+            </a:r>
+          </a:p>
+          <a:p>
+            <a:r>
+              <a:rPr lang="en-GB" dirty="0">
+                <a:solidFill>
+                  <a:schemeClr val="bg1"/>
+                </a:solidFill>
+              </a:rPr>
+              <a:t>	add REG_A,REG_B</a:t>
+            </a:r>
           </a:p>
         </p:txBody>
       </p:sp>
@@ -4559,410 +4899,10 @@
           </a:p>
         </p:txBody>
       </p:sp>
-      <p:sp>
-        <p:nvSpPr>
-          <p:cNvPr id="8" name="Rectangle: Rounded Corners 7">
-            <a:extLst>
-              <a:ext uri="{FF2B5EF4-FFF2-40B4-BE49-F238E27FC236}">
-                <a16:creationId xmlns:a16="http://schemas.microsoft.com/office/drawing/2014/main" id="{0806B8C3-0F19-447B-9827-7080DF848062}"/>
-              </a:ext>
-            </a:extLst>
-          </p:cNvPr>
-          <p:cNvSpPr/>
-          <p:nvPr/>
-        </p:nvSpPr>
-        <p:spPr>
-          <a:xfrm>
-            <a:off x="7620000" y="2381249"/>
-            <a:ext cx="1219200" cy="381000"/>
-          </a:xfrm>
-          <a:prstGeom prst="roundRect">
-            <a:avLst/>
-          </a:prstGeom>
-        </p:spPr>
-        <p:style>
-          <a:lnRef idx="2">
-            <a:schemeClr val="accent1">
-              <a:shade val="50000"/>
-            </a:schemeClr>
-          </a:lnRef>
-          <a:fillRef idx="1">
-            <a:schemeClr val="accent1"/>
-          </a:fillRef>
-          <a:effectRef idx="0">
-            <a:schemeClr val="accent1"/>
-          </a:effectRef>
-          <a:fontRef idx="minor">
-            <a:schemeClr val="lt1"/>
-          </a:fontRef>
-        </p:style>
-        <p:txBody>
-          <a:bodyPr rtlCol="0" anchor="ctr"/>
-          <a:lstStyle/>
-          <a:p>
-            <a:pPr algn="ctr"/>
-            <a:r>
-              <a:rPr lang="en-GB" dirty="0"/>
-              <a:t>REG_SP</a:t>
-            </a:r>
-          </a:p>
-        </p:txBody>
-      </p:sp>
-      <p:sp>
-        <p:nvSpPr>
-          <p:cNvPr id="9" name="Rectangle: Rounded Corners 8">
-            <a:extLst>
-              <a:ext uri="{FF2B5EF4-FFF2-40B4-BE49-F238E27FC236}">
-                <a16:creationId xmlns:a16="http://schemas.microsoft.com/office/drawing/2014/main" id="{2181DA97-9D7A-4F23-A6F3-8EC128375CBF}"/>
-              </a:ext>
-            </a:extLst>
-          </p:cNvPr>
-          <p:cNvSpPr/>
-          <p:nvPr/>
-        </p:nvSpPr>
-        <p:spPr>
-          <a:xfrm>
-            <a:off x="7620000" y="3048000"/>
-            <a:ext cx="1219200" cy="381000"/>
-          </a:xfrm>
-          <a:prstGeom prst="roundRect">
-            <a:avLst/>
-          </a:prstGeom>
-        </p:spPr>
-        <p:style>
-          <a:lnRef idx="2">
-            <a:schemeClr val="accent1">
-              <a:shade val="50000"/>
-            </a:schemeClr>
-          </a:lnRef>
-          <a:fillRef idx="1">
-            <a:schemeClr val="accent1"/>
-          </a:fillRef>
-          <a:effectRef idx="0">
-            <a:schemeClr val="accent1"/>
-          </a:effectRef>
-          <a:fontRef idx="minor">
-            <a:schemeClr val="lt1"/>
-          </a:fontRef>
-        </p:style>
-        <p:txBody>
-          <a:bodyPr rtlCol="0" anchor="ctr"/>
-          <a:lstStyle/>
-          <a:p>
-            <a:pPr algn="ctr"/>
-            <a:r>
-              <a:rPr lang="en-GB" dirty="0"/>
-              <a:t>REG_BP</a:t>
-            </a:r>
-          </a:p>
-        </p:txBody>
-      </p:sp>
-      <p:sp>
-        <p:nvSpPr>
-          <p:cNvPr id="13" name="TextBox 12">
-            <a:extLst>
-              <a:ext uri="{FF2B5EF4-FFF2-40B4-BE49-F238E27FC236}">
-                <a16:creationId xmlns:a16="http://schemas.microsoft.com/office/drawing/2014/main" id="{15267C53-BA1B-48E1-9221-57248D42053E}"/>
-              </a:ext>
-            </a:extLst>
-          </p:cNvPr>
-          <p:cNvSpPr txBox="1"/>
-          <p:nvPr/>
-        </p:nvSpPr>
-        <p:spPr>
-          <a:xfrm>
-            <a:off x="609600" y="928670"/>
-            <a:ext cx="6934200" cy="5632311"/>
-          </a:xfrm>
-          <a:prstGeom prst="rect">
-            <a:avLst/>
-          </a:prstGeom>
-          <a:noFill/>
-        </p:spPr>
-        <p:txBody>
-          <a:bodyPr wrap="square" rtlCol="0">
-            <a:spAutoFit/>
-          </a:bodyPr>
-          <a:lstStyle/>
-          <a:p>
-            <a:r>
-              <a:rPr lang="en-GB" dirty="0">
-                <a:solidFill>
-                  <a:schemeClr val="bg1"/>
-                </a:solidFill>
-              </a:rPr>
-              <a:t>Push literal value onto the Stack:</a:t>
-            </a:r>
-          </a:p>
-          <a:p>
-            <a:r>
-              <a:rPr lang="en-GB" dirty="0">
-                <a:solidFill>
-                  <a:schemeClr val="bg1"/>
-                </a:solidFill>
-              </a:rPr>
-              <a:t>	push 0x0A</a:t>
-            </a:r>
-            <a:r>
-              <a:rPr lang="en-GB" sz="1400" dirty="0">
-                <a:solidFill>
-                  <a:schemeClr val="accent3">
-                    <a:lumMod val="50000"/>
-                  </a:schemeClr>
-                </a:solidFill>
-              </a:rPr>
-              <a:t>	</a:t>
-            </a:r>
-          </a:p>
-          <a:p>
-            <a:r>
-              <a:rPr lang="en-GB" sz="1400" dirty="0">
-                <a:solidFill>
-                  <a:schemeClr val="accent3">
-                    <a:lumMod val="50000"/>
-                  </a:schemeClr>
-                </a:solidFill>
-              </a:rPr>
-              <a:t>	; Same as</a:t>
-            </a:r>
-          </a:p>
-          <a:p>
-            <a:r>
-              <a:rPr lang="en-GB" sz="1400" dirty="0">
-                <a:solidFill>
-                  <a:schemeClr val="accent3">
-                    <a:lumMod val="50000"/>
-                  </a:schemeClr>
-                </a:solidFill>
-              </a:rPr>
-              <a:t>	; mov  [REG_SP],0x0A</a:t>
-            </a:r>
-          </a:p>
-          <a:p>
-            <a:r>
-              <a:rPr lang="en-GB" sz="1400" dirty="0">
-                <a:solidFill>
-                  <a:schemeClr val="accent3">
-                    <a:lumMod val="50000"/>
-                  </a:schemeClr>
-                </a:solidFill>
-              </a:rPr>
-              <a:t>	; sub REG_SP,0x01</a:t>
-            </a:r>
-            <a:endParaRPr lang="en-GB" dirty="0">
-              <a:solidFill>
-                <a:schemeClr val="accent3">
-                  <a:lumMod val="50000"/>
-                </a:schemeClr>
-              </a:solidFill>
-            </a:endParaRPr>
-          </a:p>
-          <a:p>
-            <a:r>
-              <a:rPr lang="en-GB" dirty="0">
-                <a:solidFill>
-                  <a:schemeClr val="bg1"/>
-                </a:solidFill>
-              </a:rPr>
-              <a:t>	push 0x20</a:t>
-            </a:r>
-          </a:p>
-          <a:p>
-            <a:r>
-              <a:rPr lang="en-GB" dirty="0">
-                <a:solidFill>
-                  <a:schemeClr val="accent3">
-                    <a:lumMod val="50000"/>
-                  </a:schemeClr>
-                </a:solidFill>
-              </a:rPr>
-              <a:t>	</a:t>
-            </a:r>
-            <a:r>
-              <a:rPr lang="en-GB" sz="1400" dirty="0">
-                <a:solidFill>
-                  <a:schemeClr val="accent3">
-                    <a:lumMod val="50000"/>
-                  </a:schemeClr>
-                </a:solidFill>
-              </a:rPr>
-              <a:t>; Same as</a:t>
-            </a:r>
-          </a:p>
-          <a:p>
-            <a:r>
-              <a:rPr lang="en-GB" sz="1400" dirty="0">
-                <a:solidFill>
-                  <a:schemeClr val="accent3">
-                    <a:lumMod val="50000"/>
-                  </a:schemeClr>
-                </a:solidFill>
-              </a:rPr>
-              <a:t>	; mov  [REG_SP],0x20</a:t>
-            </a:r>
-          </a:p>
-          <a:p>
-            <a:r>
-              <a:rPr lang="en-GB" sz="1400" dirty="0">
-                <a:solidFill>
-                  <a:schemeClr val="accent3">
-                    <a:lumMod val="50000"/>
-                  </a:schemeClr>
-                </a:solidFill>
-              </a:rPr>
-              <a:t>	; sub REG_SP,0x01</a:t>
-            </a:r>
-          </a:p>
-          <a:p>
-            <a:endParaRPr lang="en-GB" sz="1400" dirty="0">
-              <a:solidFill>
-                <a:schemeClr val="accent3">
-                  <a:lumMod val="50000"/>
-                </a:schemeClr>
-              </a:solidFill>
-            </a:endParaRPr>
-          </a:p>
-          <a:p>
-            <a:r>
-              <a:rPr lang="en-GB" dirty="0">
-                <a:solidFill>
-                  <a:schemeClr val="bg1"/>
-                </a:solidFill>
-              </a:rPr>
-              <a:t>Pop value off the Stack into a Register:</a:t>
-            </a:r>
-          </a:p>
-          <a:p>
-            <a:r>
-              <a:rPr lang="en-GB" dirty="0">
-                <a:solidFill>
-                  <a:schemeClr val="bg1"/>
-                </a:solidFill>
-              </a:rPr>
-              <a:t>	pop REG_A</a:t>
-            </a:r>
-          </a:p>
-          <a:p>
-            <a:r>
-              <a:rPr lang="en-GB" sz="1400" dirty="0">
-                <a:solidFill>
-                  <a:schemeClr val="accent3">
-                    <a:lumMod val="50000"/>
-                  </a:schemeClr>
-                </a:solidFill>
-              </a:rPr>
-              <a:t>	; Same as</a:t>
-            </a:r>
-          </a:p>
-          <a:p>
-            <a:r>
-              <a:rPr lang="en-GB" sz="1400" dirty="0">
-                <a:solidFill>
-                  <a:schemeClr val="accent3">
-                    <a:lumMod val="50000"/>
-                  </a:schemeClr>
-                </a:solidFill>
-              </a:rPr>
-              <a:t>	; mov REG_A,[REG_SP]</a:t>
-            </a:r>
-          </a:p>
-          <a:p>
-            <a:r>
-              <a:rPr lang="en-GB" sz="1400" dirty="0">
-                <a:solidFill>
-                  <a:schemeClr val="accent3">
-                    <a:lumMod val="50000"/>
-                  </a:schemeClr>
-                </a:solidFill>
-              </a:rPr>
-              <a:t>	; add REG_SP,0x01</a:t>
-            </a:r>
-            <a:endParaRPr lang="en-GB" sz="1400" dirty="0">
-              <a:solidFill>
-                <a:schemeClr val="bg1"/>
-              </a:solidFill>
-            </a:endParaRPr>
-          </a:p>
-          <a:p>
-            <a:endParaRPr lang="en-GB" dirty="0">
-              <a:solidFill>
-                <a:schemeClr val="bg1"/>
-              </a:solidFill>
-            </a:endParaRPr>
-          </a:p>
-          <a:p>
-            <a:r>
-              <a:rPr lang="en-GB" dirty="0">
-                <a:solidFill>
-                  <a:schemeClr val="bg1"/>
-                </a:solidFill>
-              </a:rPr>
-              <a:t>Simple program:</a:t>
-            </a:r>
-          </a:p>
-          <a:p>
-            <a:r>
-              <a:rPr lang="en-GB" dirty="0">
-                <a:solidFill>
-                  <a:schemeClr val="bg1"/>
-                </a:solidFill>
-              </a:rPr>
-              <a:t>	push 0x0A</a:t>
-            </a:r>
-          </a:p>
-          <a:p>
-            <a:r>
-              <a:rPr lang="en-GB" dirty="0">
-                <a:solidFill>
-                  <a:schemeClr val="bg1"/>
-                </a:solidFill>
-              </a:rPr>
-              <a:t>	push 0x20</a:t>
-            </a:r>
-          </a:p>
-          <a:p>
-            <a:r>
-              <a:rPr lang="en-GB" dirty="0">
-                <a:solidFill>
-                  <a:schemeClr val="bg1"/>
-                </a:solidFill>
-              </a:rPr>
-              <a:t>	pop REG_B</a:t>
-            </a:r>
-          </a:p>
-          <a:p>
-            <a:r>
-              <a:rPr lang="en-GB" dirty="0">
-                <a:solidFill>
-                  <a:schemeClr val="bg1"/>
-                </a:solidFill>
-              </a:rPr>
-              <a:t>	pop REG_A</a:t>
-            </a:r>
-          </a:p>
-          <a:p>
-            <a:r>
-              <a:rPr lang="en-GB" dirty="0">
-                <a:solidFill>
-                  <a:schemeClr val="bg1"/>
-                </a:solidFill>
-              </a:rPr>
-              <a:t>	add REG_A,REG_B</a:t>
-            </a:r>
-            <a:endParaRPr lang="en-GB" dirty="0">
-              <a:solidFill>
-                <a:schemeClr val="accent3">
-                  <a:lumMod val="50000"/>
-                </a:schemeClr>
-              </a:solidFill>
-            </a:endParaRPr>
-          </a:p>
-        </p:txBody>
-      </p:sp>
     </p:spTree>
     <p:extLst>
       <p:ext uri="{BB962C8B-B14F-4D97-AF65-F5344CB8AC3E}">
-        <p14:creationId xmlns:p14="http://schemas.microsoft.com/office/powerpoint/2010/main" val="2006586446"/>
+        <p14:creationId xmlns:p14="http://schemas.microsoft.com/office/powerpoint/2010/main" val="631902251"/>
       </p:ext>
     </p:extLst>
   </p:cSld>
@@ -5024,7 +4964,7 @@
                 </a:solidFill>
                 <a:latin typeface="Calibri" pitchFamily="34" charset="0"/>
               </a:rPr>
-              <a:t>#. Register / Stack Machine</a:t>
+              <a:t>#. Stack Machine</a:t>
             </a:r>
           </a:p>
         </p:txBody>
@@ -5390,206 +5330,10 @@
       </p:sp>
       <p:sp>
         <p:nvSpPr>
-          <p:cNvPr id="17" name="Rectangle: Rounded Corners 16">
+          <p:cNvPr id="12" name="TextBox 11">
             <a:extLst>
               <a:ext uri="{FF2B5EF4-FFF2-40B4-BE49-F238E27FC236}">
-                <a16:creationId xmlns:a16="http://schemas.microsoft.com/office/drawing/2014/main" id="{55BF22B5-5246-45C5-8640-8BFFF596ECF2}"/>
-              </a:ext>
-            </a:extLst>
-          </p:cNvPr>
-          <p:cNvSpPr/>
-          <p:nvPr/>
-        </p:nvSpPr>
-        <p:spPr>
-          <a:xfrm>
-            <a:off x="7620000" y="1071545"/>
-            <a:ext cx="1219200" cy="381000"/>
-          </a:xfrm>
-          <a:prstGeom prst="roundRect">
-            <a:avLst/>
-          </a:prstGeom>
-        </p:spPr>
-        <p:style>
-          <a:lnRef idx="2">
-            <a:schemeClr val="accent1">
-              <a:shade val="50000"/>
-            </a:schemeClr>
-          </a:lnRef>
-          <a:fillRef idx="1">
-            <a:schemeClr val="accent1"/>
-          </a:fillRef>
-          <a:effectRef idx="0">
-            <a:schemeClr val="accent1"/>
-          </a:effectRef>
-          <a:fontRef idx="minor">
-            <a:schemeClr val="lt1"/>
-          </a:fontRef>
-        </p:style>
-        <p:txBody>
-          <a:bodyPr rtlCol="0" anchor="ctr"/>
-          <a:lstStyle/>
-          <a:p>
-            <a:pPr algn="ctr"/>
-            <a:r>
-              <a:rPr lang="en-GB" dirty="0"/>
-              <a:t>REG_A</a:t>
-            </a:r>
-          </a:p>
-        </p:txBody>
-      </p:sp>
-      <p:sp>
-        <p:nvSpPr>
-          <p:cNvPr id="18" name="Rectangle: Rounded Corners 17">
-            <a:extLst>
-              <a:ext uri="{FF2B5EF4-FFF2-40B4-BE49-F238E27FC236}">
-                <a16:creationId xmlns:a16="http://schemas.microsoft.com/office/drawing/2014/main" id="{C74BACE3-7234-4FBB-AD79-8E9D0C918098}"/>
-              </a:ext>
-            </a:extLst>
-          </p:cNvPr>
-          <p:cNvSpPr/>
-          <p:nvPr/>
-        </p:nvSpPr>
-        <p:spPr>
-          <a:xfrm>
-            <a:off x="7620000" y="1738296"/>
-            <a:ext cx="1219200" cy="381000"/>
-          </a:xfrm>
-          <a:prstGeom prst="roundRect">
-            <a:avLst/>
-          </a:prstGeom>
-        </p:spPr>
-        <p:style>
-          <a:lnRef idx="2">
-            <a:schemeClr val="accent1">
-              <a:shade val="50000"/>
-            </a:schemeClr>
-          </a:lnRef>
-          <a:fillRef idx="1">
-            <a:schemeClr val="accent1"/>
-          </a:fillRef>
-          <a:effectRef idx="0">
-            <a:schemeClr val="accent1"/>
-          </a:effectRef>
-          <a:fontRef idx="minor">
-            <a:schemeClr val="lt1"/>
-          </a:fontRef>
-        </p:style>
-        <p:txBody>
-          <a:bodyPr rtlCol="0" anchor="ctr"/>
-          <a:lstStyle/>
-          <a:p>
-            <a:pPr algn="ctr"/>
-            <a:r>
-              <a:rPr lang="en-GB" dirty="0"/>
-              <a:t>REG_B</a:t>
-            </a:r>
-          </a:p>
-        </p:txBody>
-      </p:sp>
-      <p:sp>
-        <p:nvSpPr>
-          <p:cNvPr id="8" name="Rectangle: Rounded Corners 7">
-            <a:extLst>
-              <a:ext uri="{FF2B5EF4-FFF2-40B4-BE49-F238E27FC236}">
-                <a16:creationId xmlns:a16="http://schemas.microsoft.com/office/drawing/2014/main" id="{0806B8C3-0F19-447B-9827-7080DF848062}"/>
-              </a:ext>
-            </a:extLst>
-          </p:cNvPr>
-          <p:cNvSpPr/>
-          <p:nvPr/>
-        </p:nvSpPr>
-        <p:spPr>
-          <a:xfrm>
-            <a:off x="7620000" y="2381249"/>
-            <a:ext cx="1219200" cy="381000"/>
-          </a:xfrm>
-          <a:prstGeom prst="roundRect">
-            <a:avLst/>
-          </a:prstGeom>
-        </p:spPr>
-        <p:style>
-          <a:lnRef idx="2">
-            <a:schemeClr val="accent1">
-              <a:shade val="50000"/>
-            </a:schemeClr>
-          </a:lnRef>
-          <a:fillRef idx="1">
-            <a:schemeClr val="accent1"/>
-          </a:fillRef>
-          <a:effectRef idx="0">
-            <a:schemeClr val="accent1"/>
-          </a:effectRef>
-          <a:fontRef idx="minor">
-            <a:schemeClr val="lt1"/>
-          </a:fontRef>
-        </p:style>
-        <p:txBody>
-          <a:bodyPr rtlCol="0" anchor="ctr"/>
-          <a:lstStyle/>
-          <a:p>
-            <a:pPr algn="ctr"/>
-            <a:r>
-              <a:rPr lang="en-GB" dirty="0"/>
-              <a:t>REG_SP</a:t>
-            </a:r>
-          </a:p>
-        </p:txBody>
-      </p:sp>
-      <p:sp>
-        <p:nvSpPr>
-          <p:cNvPr id="9" name="Rectangle: Rounded Corners 8">
-            <a:extLst>
-              <a:ext uri="{FF2B5EF4-FFF2-40B4-BE49-F238E27FC236}">
-                <a16:creationId xmlns:a16="http://schemas.microsoft.com/office/drawing/2014/main" id="{2181DA97-9D7A-4F23-A6F3-8EC128375CBF}"/>
-              </a:ext>
-            </a:extLst>
-          </p:cNvPr>
-          <p:cNvSpPr/>
-          <p:nvPr/>
-        </p:nvSpPr>
-        <p:spPr>
-          <a:xfrm>
-            <a:off x="7620000" y="3048000"/>
-            <a:ext cx="1219200" cy="381000"/>
-          </a:xfrm>
-          <a:prstGeom prst="roundRect">
-            <a:avLst/>
-          </a:prstGeom>
-        </p:spPr>
-        <p:style>
-          <a:lnRef idx="2">
-            <a:schemeClr val="accent1">
-              <a:shade val="50000"/>
-            </a:schemeClr>
-          </a:lnRef>
-          <a:fillRef idx="1">
-            <a:schemeClr val="accent1"/>
-          </a:fillRef>
-          <a:effectRef idx="0">
-            <a:schemeClr val="accent1"/>
-          </a:effectRef>
-          <a:fontRef idx="minor">
-            <a:schemeClr val="lt1"/>
-          </a:fontRef>
-        </p:style>
-        <p:txBody>
-          <a:bodyPr rtlCol="0" anchor="ctr"/>
-          <a:lstStyle/>
-          <a:p>
-            <a:pPr algn="ctr"/>
-            <a:r>
-              <a:rPr lang="en-GB" dirty="0"/>
-              <a:t>REG_BP</a:t>
-            </a:r>
-          </a:p>
-        </p:txBody>
-      </p:sp>
-      <p:sp>
-        <p:nvSpPr>
-          <p:cNvPr id="13" name="TextBox 12">
-            <a:extLst>
-              <a:ext uri="{FF2B5EF4-FFF2-40B4-BE49-F238E27FC236}">
-                <a16:creationId xmlns:a16="http://schemas.microsoft.com/office/drawing/2014/main" id="{15267C53-BA1B-48E1-9221-57248D42053E}"/>
+                <a16:creationId xmlns:a16="http://schemas.microsoft.com/office/drawing/2014/main" id="{75B4779D-F76E-4D3C-BC39-F8E44DECE9CA}"/>
               </a:ext>
             </a:extLst>
           </p:cNvPr>
@@ -5599,7 +5343,7 @@
         <p:spPr>
           <a:xfrm>
             <a:off x="609600" y="928670"/>
-            <a:ext cx="6934200" cy="3416320"/>
+            <a:ext cx="7924800" cy="3693319"/>
           </a:xfrm>
           <a:prstGeom prst="rect">
             <a:avLst/>
@@ -5612,6 +5356,123 @@
           </a:bodyPr>
           <a:lstStyle/>
           <a:p>
+            <a:pPr marL="285750" indent="-285750">
+              <a:buFont typeface="Arial" panose="020B0604020202020204" pitchFamily="34" charset="0"/>
+              <a:buChar char="•"/>
+            </a:pPr>
+            <a:r>
+              <a:rPr lang="en-GB" dirty="0">
+                <a:solidFill>
+                  <a:schemeClr val="bg1"/>
+                </a:solidFill>
+              </a:rPr>
+              <a:t>Consists of a memory unit</a:t>
+            </a:r>
+          </a:p>
+          <a:p>
+            <a:pPr marL="285750" indent="-285750">
+              <a:buFont typeface="Arial" panose="020B0604020202020204" pitchFamily="34" charset="0"/>
+              <a:buChar char="•"/>
+            </a:pPr>
+            <a:r>
+              <a:rPr lang="en-GB" dirty="0">
+                <a:solidFill>
+                  <a:schemeClr val="bg1"/>
+                </a:solidFill>
+              </a:rPr>
+              <a:t>Two operations “push” and “pop” </a:t>
+            </a:r>
+            <a:r>
+              <a:rPr lang="en-US" dirty="0">
+                <a:solidFill>
+                  <a:schemeClr val="bg1"/>
+                </a:solidFill>
+              </a:rPr>
+              <a:t>(LIFO)</a:t>
+            </a:r>
+          </a:p>
+          <a:p>
+            <a:pPr marL="285750" indent="-285750">
+              <a:buFont typeface="Arial" panose="020B0604020202020204" pitchFamily="34" charset="0"/>
+              <a:buChar char="•"/>
+            </a:pPr>
+            <a:r>
+              <a:rPr lang="en-GB" dirty="0">
+                <a:solidFill>
+                  <a:schemeClr val="bg1"/>
+                </a:solidFill>
+              </a:rPr>
+              <a:t>Arithmetic operations performed on the stack</a:t>
+            </a:r>
+            <a:endParaRPr lang="en-US" dirty="0">
+              <a:solidFill>
+                <a:schemeClr val="bg1"/>
+              </a:solidFill>
+            </a:endParaRPr>
+          </a:p>
+          <a:p>
+            <a:pPr marL="285750" indent="-285750">
+              <a:buFont typeface="Arial" panose="020B0604020202020204" pitchFamily="34" charset="0"/>
+              <a:buChar char="•"/>
+            </a:pPr>
+            <a:r>
+              <a:rPr lang="en-GB" dirty="0">
+                <a:solidFill>
+                  <a:schemeClr val="bg1"/>
+                </a:solidFill>
+              </a:rPr>
+              <a:t>Arithmetic operations do affect the machine state</a:t>
+            </a:r>
+            <a:endParaRPr lang="en-US" dirty="0">
+              <a:solidFill>
+                <a:schemeClr val="bg1"/>
+              </a:solidFill>
+            </a:endParaRPr>
+          </a:p>
+          <a:p>
+            <a:pPr marL="285750" indent="-285750">
+              <a:buFont typeface="Arial" panose="020B0604020202020204" pitchFamily="34" charset="0"/>
+              <a:buChar char="•"/>
+            </a:pPr>
+            <a:r>
+              <a:rPr lang="en-GB" dirty="0">
+                <a:solidFill>
+                  <a:schemeClr val="bg1"/>
+                </a:solidFill>
+              </a:rPr>
+              <a:t>Internal state management abstracted away</a:t>
+            </a:r>
+          </a:p>
+          <a:p>
+            <a:pPr marL="285750" indent="-285750">
+              <a:buFont typeface="Arial" panose="020B0604020202020204" pitchFamily="34" charset="0"/>
+              <a:buChar char="•"/>
+            </a:pPr>
+            <a:r>
+              <a:rPr lang="en-GB" dirty="0">
+                <a:solidFill>
+                  <a:schemeClr val="bg1"/>
+                </a:solidFill>
+              </a:rPr>
+              <a:t>Branching is simplified</a:t>
+            </a:r>
+          </a:p>
+          <a:p>
+            <a:pPr marL="285750" indent="-285750">
+              <a:buFont typeface="Arial" panose="020B0604020202020204" pitchFamily="34" charset="0"/>
+              <a:buChar char="•"/>
+            </a:pPr>
+            <a:endParaRPr lang="en-US" dirty="0">
+              <a:solidFill>
+                <a:schemeClr val="bg1"/>
+              </a:solidFill>
+            </a:endParaRPr>
+          </a:p>
+          <a:p>
+            <a:pPr marL="285750" indent="-285750">
+              <a:buFont typeface="Arial" panose="020B0604020202020204" pitchFamily="34" charset="0"/>
+              <a:buChar char="•"/>
+            </a:pPr>
             <a:endParaRPr lang="en-GB" dirty="0">
               <a:solidFill>
                 <a:schemeClr val="bg1"/>
@@ -5619,36 +5480,10 @@
             </a:endParaRPr>
           </a:p>
           <a:p>
-            <a:r>
-              <a:rPr lang="en-GB" dirty="0">
-                <a:solidFill>
-                  <a:schemeClr val="bg1"/>
-                </a:solidFill>
-              </a:rPr>
-              <a:t>Branching:</a:t>
-            </a:r>
-          </a:p>
-          <a:p>
-            <a:r>
-              <a:rPr lang="en-GB" dirty="0">
-                <a:solidFill>
-                  <a:schemeClr val="bg1"/>
-                </a:solidFill>
-              </a:rPr>
-              <a:t>	COUNT_TO_TEN:</a:t>
-            </a:r>
-          </a:p>
-          <a:p>
-            <a:r>
-              <a:rPr lang="en-GB" dirty="0">
-                <a:solidFill>
-                  <a:schemeClr val="bg1"/>
-                </a:solidFill>
-              </a:rPr>
-              <a:t>		push REG_SP</a:t>
-            </a:r>
-          </a:p>
-          <a:p>
+            <a:pPr marL="285750" indent="-285750">
+              <a:buFont typeface="Arial" panose="020B0604020202020204" pitchFamily="34" charset="0"/>
+              <a:buChar char="•"/>
+            </a:pPr>
             <a:endParaRPr lang="en-GB" dirty="0">
               <a:solidFill>
                 <a:schemeClr val="bg1"/>
@@ -5656,6 +5491,10 @@
             </a:endParaRPr>
           </a:p>
           <a:p>
+            <a:pPr marL="285750" indent="-285750">
+              <a:buFont typeface="Arial" panose="020B0604020202020204" pitchFamily="34" charset="0"/>
+              <a:buChar char="•"/>
+            </a:pPr>
             <a:endParaRPr lang="en-GB" dirty="0">
               <a:solidFill>
                 <a:schemeClr val="bg1"/>
@@ -5663,33 +5502,10 @@
             </a:endParaRPr>
           </a:p>
           <a:p>
-            <a:r>
-              <a:rPr lang="en-GB" dirty="0">
-                <a:solidFill>
-                  <a:schemeClr val="bg1"/>
-                </a:solidFill>
-              </a:rPr>
-              <a:t>		pop REG_SP</a:t>
-            </a:r>
-          </a:p>
-          <a:p>
-            <a:r>
-              <a:rPr lang="en-GB" dirty="0">
-                <a:solidFill>
-                  <a:schemeClr val="bg1"/>
-                </a:solidFill>
-              </a:rPr>
-              <a:t>		ret</a:t>
-            </a:r>
-            <a:endParaRPr lang="en-GB" dirty="0">
-              <a:solidFill>
-                <a:schemeClr val="accent3">
-                  <a:lumMod val="50000"/>
-                </a:schemeClr>
-              </a:solidFill>
-            </a:endParaRPr>
-          </a:p>
-          <a:p>
+            <a:pPr marL="285750" indent="-285750">
+              <a:buFont typeface="Arial" panose="020B0604020202020204" pitchFamily="34" charset="0"/>
+              <a:buChar char="•"/>
+            </a:pPr>
             <a:endParaRPr lang="en-GB" dirty="0">
               <a:solidFill>
                 <a:schemeClr val="bg1"/>
@@ -5697,6 +5513,10 @@
             </a:endParaRPr>
           </a:p>
           <a:p>
+            <a:pPr marL="285750" indent="-285750">
+              <a:buFont typeface="Arial" panose="020B0604020202020204" pitchFamily="34" charset="0"/>
+              <a:buChar char="•"/>
+            </a:pPr>
             <a:endParaRPr lang="en-GB" dirty="0">
               <a:solidFill>
                 <a:schemeClr val="bg1"/>
@@ -5704,31 +5524,22 @@
             </a:endParaRPr>
           </a:p>
           <a:p>
-            <a:r>
-              <a:rPr lang="en-GB" dirty="0">
-                <a:solidFill>
-                  <a:schemeClr val="bg1"/>
-                </a:solidFill>
-              </a:rPr>
-              <a:t>	push 0x0A</a:t>
-            </a:r>
-          </a:p>
-          <a:p>
-            <a:r>
-              <a:rPr lang="en-GB" dirty="0">
-                <a:solidFill>
-                  <a:schemeClr val="bg1"/>
-                </a:solidFill>
-              </a:rPr>
-              <a:t>	push 0x20</a:t>
-            </a:r>
+            <a:pPr marL="285750" indent="-285750">
+              <a:buFont typeface="Arial" panose="020B0604020202020204" pitchFamily="34" charset="0"/>
+              <a:buChar char="•"/>
+            </a:pPr>
+            <a:endParaRPr lang="en-GB" dirty="0">
+              <a:solidFill>
+                <a:schemeClr val="bg1"/>
+              </a:solidFill>
+            </a:endParaRPr>
           </a:p>
         </p:txBody>
       </p:sp>
     </p:spTree>
     <p:extLst>
       <p:ext uri="{BB962C8B-B14F-4D97-AF65-F5344CB8AC3E}">
-        <p14:creationId xmlns:p14="http://schemas.microsoft.com/office/powerpoint/2010/main" val="899030574"/>
+        <p14:creationId xmlns:p14="http://schemas.microsoft.com/office/powerpoint/2010/main" val="1498515987"/>
       </p:ext>
     </p:extLst>
   </p:cSld>
@@ -5790,7 +5601,7 @@
                 </a:solidFill>
                 <a:latin typeface="Calibri" pitchFamily="34" charset="0"/>
               </a:rPr>
-              <a:t>#. Register Machine</a:t>
+              <a:t>#. Stack Machine</a:t>
             </a:r>
           </a:p>
         </p:txBody>
@@ -6156,10 +5967,108 @@
       </p:sp>
       <p:sp>
         <p:nvSpPr>
-          <p:cNvPr id="2" name="TextBox 1">
+          <p:cNvPr id="8" name="Rectangle: Rounded Corners 7">
             <a:extLst>
               <a:ext uri="{FF2B5EF4-FFF2-40B4-BE49-F238E27FC236}">
-                <a16:creationId xmlns:a16="http://schemas.microsoft.com/office/drawing/2014/main" id="{0B1DCBE0-C301-4738-B027-2A8BA3AF572B}"/>
+                <a16:creationId xmlns:a16="http://schemas.microsoft.com/office/drawing/2014/main" id="{0806B8C3-0F19-447B-9827-7080DF848062}"/>
+              </a:ext>
+            </a:extLst>
+          </p:cNvPr>
+          <p:cNvSpPr/>
+          <p:nvPr/>
+        </p:nvSpPr>
+        <p:spPr>
+          <a:xfrm>
+            <a:off x="7620000" y="2381249"/>
+            <a:ext cx="1219200" cy="381000"/>
+          </a:xfrm>
+          <a:prstGeom prst="roundRect">
+            <a:avLst/>
+          </a:prstGeom>
+        </p:spPr>
+        <p:style>
+          <a:lnRef idx="2">
+            <a:schemeClr val="accent1">
+              <a:shade val="50000"/>
+            </a:schemeClr>
+          </a:lnRef>
+          <a:fillRef idx="1">
+            <a:schemeClr val="accent1"/>
+          </a:fillRef>
+          <a:effectRef idx="0">
+            <a:schemeClr val="accent1"/>
+          </a:effectRef>
+          <a:fontRef idx="minor">
+            <a:schemeClr val="lt1"/>
+          </a:fontRef>
+        </p:style>
+        <p:txBody>
+          <a:bodyPr rtlCol="0" anchor="ctr"/>
+          <a:lstStyle/>
+          <a:p>
+            <a:pPr algn="ctr"/>
+            <a:r>
+              <a:rPr lang="en-GB" dirty="0"/>
+              <a:t>REG_SP</a:t>
+            </a:r>
+          </a:p>
+        </p:txBody>
+      </p:sp>
+      <p:sp>
+        <p:nvSpPr>
+          <p:cNvPr id="9" name="Rectangle: Rounded Corners 8">
+            <a:extLst>
+              <a:ext uri="{FF2B5EF4-FFF2-40B4-BE49-F238E27FC236}">
+                <a16:creationId xmlns:a16="http://schemas.microsoft.com/office/drawing/2014/main" id="{2181DA97-9D7A-4F23-A6F3-8EC128375CBF}"/>
+              </a:ext>
+            </a:extLst>
+          </p:cNvPr>
+          <p:cNvSpPr/>
+          <p:nvPr/>
+        </p:nvSpPr>
+        <p:spPr>
+          <a:xfrm>
+            <a:off x="7620000" y="3048000"/>
+            <a:ext cx="1219200" cy="381000"/>
+          </a:xfrm>
+          <a:prstGeom prst="roundRect">
+            <a:avLst/>
+          </a:prstGeom>
+        </p:spPr>
+        <p:style>
+          <a:lnRef idx="2">
+            <a:schemeClr val="accent1">
+              <a:shade val="50000"/>
+            </a:schemeClr>
+          </a:lnRef>
+          <a:fillRef idx="1">
+            <a:schemeClr val="accent1"/>
+          </a:fillRef>
+          <a:effectRef idx="0">
+            <a:schemeClr val="accent1"/>
+          </a:effectRef>
+          <a:fontRef idx="minor">
+            <a:schemeClr val="lt1"/>
+          </a:fontRef>
+        </p:style>
+        <p:txBody>
+          <a:bodyPr rtlCol="0" anchor="ctr"/>
+          <a:lstStyle/>
+          <a:p>
+            <a:pPr algn="ctr"/>
+            <a:r>
+              <a:rPr lang="en-GB" dirty="0"/>
+              <a:t>REG_BP</a:t>
+            </a:r>
+          </a:p>
+        </p:txBody>
+      </p:sp>
+      <p:sp>
+        <p:nvSpPr>
+          <p:cNvPr id="13" name="TextBox 12">
+            <a:extLst>
+              <a:ext uri="{FF2B5EF4-FFF2-40B4-BE49-F238E27FC236}">
+                <a16:creationId xmlns:a16="http://schemas.microsoft.com/office/drawing/2014/main" id="{15267C53-BA1B-48E1-9221-57248D42053E}"/>
               </a:ext>
             </a:extLst>
           </p:cNvPr>
@@ -6168,8 +6077,8 @@
         </p:nvSpPr>
         <p:spPr>
           <a:xfrm>
-            <a:off x="1749868" y="3244334"/>
-            <a:ext cx="5949064" cy="369332"/>
+            <a:off x="609600" y="928670"/>
+            <a:ext cx="6934200" cy="2308324"/>
           </a:xfrm>
           <a:prstGeom prst="rect">
             <a:avLst/>
@@ -6177,7 +6086,7 @@
           <a:noFill/>
         </p:spPr>
         <p:txBody>
-          <a:bodyPr wrap="none" rtlCol="0">
+          <a:bodyPr wrap="square" rtlCol="0">
             <a:spAutoFit/>
           </a:bodyPr>
           <a:lstStyle/>
@@ -6188,15 +6097,134 @@
                   <a:schemeClr val="bg1"/>
                 </a:solidFill>
               </a:rPr>
-              <a:t>Register Machine can simulate stack machines and vice versa </a:t>
-            </a:r>
+              <a:t>Push literal value onto the Stack:</a:t>
+            </a:r>
+          </a:p>
+          <a:p>
+            <a:r>
+              <a:rPr lang="en-GB" dirty="0">
+                <a:solidFill>
+                  <a:schemeClr val="bg1"/>
+                </a:solidFill>
+              </a:rPr>
+              <a:t>	push 0x0A </a:t>
+            </a:r>
+            <a:r>
+              <a:rPr lang="en-GB" sz="1400" dirty="0">
+                <a:solidFill>
+                  <a:schemeClr val="accent3">
+                    <a:lumMod val="50000"/>
+                  </a:schemeClr>
+                </a:solidFill>
+              </a:rPr>
+              <a:t>; push literal 10 on the stack</a:t>
+            </a:r>
+          </a:p>
+          <a:p>
+            <a:r>
+              <a:rPr lang="en-GB" dirty="0">
+                <a:solidFill>
+                  <a:schemeClr val="bg1"/>
+                </a:solidFill>
+              </a:rPr>
+              <a:t>	push 0x20</a:t>
+            </a:r>
+            <a:r>
+              <a:rPr lang="en-GB" dirty="0">
+                <a:solidFill>
+                  <a:schemeClr val="accent3">
+                    <a:lumMod val="50000"/>
+                  </a:schemeClr>
+                </a:solidFill>
+              </a:rPr>
+              <a:t> </a:t>
+            </a:r>
+            <a:r>
+              <a:rPr lang="en-GB" sz="1400" dirty="0">
+                <a:solidFill>
+                  <a:schemeClr val="accent3">
+                    <a:lumMod val="50000"/>
+                  </a:schemeClr>
+                </a:solidFill>
+              </a:rPr>
+              <a:t>; push literal 32 on the stack</a:t>
+            </a:r>
+            <a:endParaRPr lang="en-GB" dirty="0">
+              <a:solidFill>
+                <a:schemeClr val="bg1"/>
+              </a:solidFill>
+            </a:endParaRPr>
+          </a:p>
+          <a:p>
+            <a:endParaRPr lang="en-GB" dirty="0">
+              <a:solidFill>
+                <a:schemeClr val="bg1"/>
+              </a:solidFill>
+            </a:endParaRPr>
+          </a:p>
+          <a:p>
+            <a:r>
+              <a:rPr lang="en-GB" dirty="0">
+                <a:solidFill>
+                  <a:schemeClr val="bg1"/>
+                </a:solidFill>
+              </a:rPr>
+              <a:t>Simple program:</a:t>
+            </a:r>
+          </a:p>
+          <a:p>
+            <a:r>
+              <a:rPr lang="en-GB" dirty="0">
+                <a:solidFill>
+                  <a:schemeClr val="bg1"/>
+                </a:solidFill>
+              </a:rPr>
+              <a:t>	push 0x0A</a:t>
+            </a:r>
+          </a:p>
+          <a:p>
+            <a:r>
+              <a:rPr lang="en-GB" dirty="0">
+                <a:solidFill>
+                  <a:schemeClr val="bg1"/>
+                </a:solidFill>
+              </a:rPr>
+              <a:t>	push 0x20</a:t>
+            </a:r>
+          </a:p>
+          <a:p>
+            <a:r>
+              <a:rPr lang="en-GB" dirty="0">
+                <a:solidFill>
+                  <a:schemeClr val="bg1"/>
+                </a:solidFill>
+              </a:rPr>
+              <a:t>	add </a:t>
+            </a:r>
+            <a:r>
+              <a:rPr lang="en-GB" sz="1400" dirty="0">
+                <a:solidFill>
+                  <a:schemeClr val="accent3">
+                    <a:lumMod val="50000"/>
+                  </a:schemeClr>
+                </a:solidFill>
+              </a:rPr>
+              <a:t>; pop two values, perform an addition, then push the result</a:t>
+            </a:r>
+            <a:endParaRPr lang="en-GB" dirty="0">
+              <a:solidFill>
+                <a:schemeClr val="accent3">
+                  <a:lumMod val="50000"/>
+                </a:schemeClr>
+              </a:solidFill>
+            </a:endParaRPr>
           </a:p>
         </p:txBody>
       </p:sp>
     </p:spTree>
     <p:extLst>
       <p:ext uri="{BB962C8B-B14F-4D97-AF65-F5344CB8AC3E}">
-        <p14:creationId xmlns:p14="http://schemas.microsoft.com/office/powerpoint/2010/main" val="1304178095"/>
+        <p14:creationId xmlns:p14="http://schemas.microsoft.com/office/powerpoint/2010/main" val="2006586446"/>
       </p:ext>
     </p:extLst>
   </p:cSld>
@@ -6258,7 +6286,7 @@
                 </a:solidFill>
                 <a:latin typeface="Calibri" pitchFamily="34" charset="0"/>
               </a:rPr>
-              <a:t>#. Virtual Machine</a:t>
+              <a:t>#. Hybrid Machine</a:t>
             </a:r>
           </a:p>
         </p:txBody>
@@ -6622,10 +6650,168 @@
           </a:p>
         </p:txBody>
       </p:sp>
+      <p:sp>
+        <p:nvSpPr>
+          <p:cNvPr id="13" name="TextBox 12">
+            <a:extLst>
+              <a:ext uri="{FF2B5EF4-FFF2-40B4-BE49-F238E27FC236}">
+                <a16:creationId xmlns:a16="http://schemas.microsoft.com/office/drawing/2014/main" id="{15267C53-BA1B-48E1-9221-57248D42053E}"/>
+              </a:ext>
+            </a:extLst>
+          </p:cNvPr>
+          <p:cNvSpPr txBox="1"/>
+          <p:nvPr/>
+        </p:nvSpPr>
+        <p:spPr>
+          <a:xfrm>
+            <a:off x="609600" y="928670"/>
+            <a:ext cx="6934200" cy="369332"/>
+          </a:xfrm>
+          <a:prstGeom prst="rect">
+            <a:avLst/>
+          </a:prstGeom>
+          <a:noFill/>
+        </p:spPr>
+        <p:txBody>
+          <a:bodyPr wrap="square" rtlCol="0">
+            <a:spAutoFit/>
+          </a:bodyPr>
+          <a:lstStyle/>
+          <a:p>
+            <a:endParaRPr lang="en-GB" dirty="0">
+              <a:solidFill>
+                <a:schemeClr val="accent3">
+                  <a:lumMod val="50000"/>
+                </a:schemeClr>
+              </a:solidFill>
+            </a:endParaRPr>
+          </a:p>
+        </p:txBody>
+      </p:sp>
+      <p:sp>
+        <p:nvSpPr>
+          <p:cNvPr id="10" name="TextBox 9">
+            <a:extLst>
+              <a:ext uri="{FF2B5EF4-FFF2-40B4-BE49-F238E27FC236}">
+                <a16:creationId xmlns:a16="http://schemas.microsoft.com/office/drawing/2014/main" id="{91007BAC-2C88-483C-A6C3-129FECBD08CF}"/>
+              </a:ext>
+            </a:extLst>
+          </p:cNvPr>
+          <p:cNvSpPr txBox="1"/>
+          <p:nvPr/>
+        </p:nvSpPr>
+        <p:spPr>
+          <a:xfrm>
+            <a:off x="609600" y="928670"/>
+            <a:ext cx="7924800" cy="2308324"/>
+          </a:xfrm>
+          <a:prstGeom prst="rect">
+            <a:avLst/>
+          </a:prstGeom>
+          <a:noFill/>
+        </p:spPr>
+        <p:txBody>
+          <a:bodyPr wrap="square" rtlCol="0">
+            <a:spAutoFit/>
+          </a:bodyPr>
+          <a:lstStyle/>
+          <a:p>
+            <a:pPr marL="285750" indent="-285750">
+              <a:buFont typeface="Arial" panose="020B0604020202020204" pitchFamily="34" charset="0"/>
+              <a:buChar char="•"/>
+            </a:pPr>
+            <a:r>
+              <a:rPr lang="en-GB" dirty="0">
+                <a:solidFill>
+                  <a:schemeClr val="bg1"/>
+                </a:solidFill>
+              </a:rPr>
+              <a:t>Modern CPU architecture is typically a hybrid of these machines.</a:t>
+            </a:r>
+          </a:p>
+          <a:p>
+            <a:pPr marL="285750" indent="-285750">
+              <a:buFont typeface="Arial" panose="020B0604020202020204" pitchFamily="34" charset="0"/>
+              <a:buChar char="•"/>
+            </a:pPr>
+            <a:endParaRPr lang="en-US" dirty="0">
+              <a:solidFill>
+                <a:schemeClr val="bg1"/>
+              </a:solidFill>
+            </a:endParaRPr>
+          </a:p>
+          <a:p>
+            <a:pPr marL="285750" indent="-285750">
+              <a:buFont typeface="Arial" panose="020B0604020202020204" pitchFamily="34" charset="0"/>
+              <a:buChar char="•"/>
+            </a:pPr>
+            <a:endParaRPr lang="en-GB" dirty="0">
+              <a:solidFill>
+                <a:schemeClr val="bg1"/>
+              </a:solidFill>
+            </a:endParaRPr>
+          </a:p>
+          <a:p>
+            <a:pPr marL="285750" indent="-285750">
+              <a:buFont typeface="Arial" panose="020B0604020202020204" pitchFamily="34" charset="0"/>
+              <a:buChar char="•"/>
+            </a:pPr>
+            <a:endParaRPr lang="en-GB" dirty="0">
+              <a:solidFill>
+                <a:schemeClr val="bg1"/>
+              </a:solidFill>
+            </a:endParaRPr>
+          </a:p>
+          <a:p>
+            <a:pPr marL="285750" indent="-285750">
+              <a:buFont typeface="Arial" panose="020B0604020202020204" pitchFamily="34" charset="0"/>
+              <a:buChar char="•"/>
+            </a:pPr>
+            <a:endParaRPr lang="en-GB" dirty="0">
+              <a:solidFill>
+                <a:schemeClr val="bg1"/>
+              </a:solidFill>
+            </a:endParaRPr>
+          </a:p>
+          <a:p>
+            <a:pPr marL="285750" indent="-285750">
+              <a:buFont typeface="Arial" panose="020B0604020202020204" pitchFamily="34" charset="0"/>
+              <a:buChar char="•"/>
+            </a:pPr>
+            <a:endParaRPr lang="en-GB" dirty="0">
+              <a:solidFill>
+                <a:schemeClr val="bg1"/>
+              </a:solidFill>
+            </a:endParaRPr>
+          </a:p>
+          <a:p>
+            <a:pPr marL="285750" indent="-285750">
+              <a:buFont typeface="Arial" panose="020B0604020202020204" pitchFamily="34" charset="0"/>
+              <a:buChar char="•"/>
+            </a:pPr>
+            <a:endParaRPr lang="en-GB" dirty="0">
+              <a:solidFill>
+                <a:schemeClr val="bg1"/>
+              </a:solidFill>
+            </a:endParaRPr>
+          </a:p>
+          <a:p>
+            <a:pPr marL="285750" indent="-285750">
+              <a:buFont typeface="Arial" panose="020B0604020202020204" pitchFamily="34" charset="0"/>
+              <a:buChar char="•"/>
+            </a:pPr>
+            <a:endParaRPr lang="en-GB" dirty="0">
+              <a:solidFill>
+                <a:schemeClr val="bg1"/>
+              </a:solidFill>
+            </a:endParaRPr>
+          </a:p>
+        </p:txBody>
+      </p:sp>
     </p:spTree>
     <p:extLst>
       <p:ext uri="{BB962C8B-B14F-4D97-AF65-F5344CB8AC3E}">
-        <p14:creationId xmlns:p14="http://schemas.microsoft.com/office/powerpoint/2010/main" val="1894145740"/>
+        <p14:creationId xmlns:p14="http://schemas.microsoft.com/office/powerpoint/2010/main" val="160608642"/>
       </p:ext>
     </p:extLst>
   </p:cSld>
@@ -6687,7 +6873,7 @@
                 </a:solidFill>
                 <a:latin typeface="Calibri" pitchFamily="34" charset="0"/>
               </a:rPr>
-              <a:t>#. Machine / Byte Code</a:t>
+              <a:t>#. Stack Machine</a:t>
             </a:r>
           </a:p>
         </p:txBody>
@@ -7051,10 +7237,410 @@
           </a:p>
         </p:txBody>
       </p:sp>
+      <p:sp>
+        <p:nvSpPr>
+          <p:cNvPr id="8" name="Rectangle: Rounded Corners 7">
+            <a:extLst>
+              <a:ext uri="{FF2B5EF4-FFF2-40B4-BE49-F238E27FC236}">
+                <a16:creationId xmlns:a16="http://schemas.microsoft.com/office/drawing/2014/main" id="{0806B8C3-0F19-447B-9827-7080DF848062}"/>
+              </a:ext>
+            </a:extLst>
+          </p:cNvPr>
+          <p:cNvSpPr/>
+          <p:nvPr/>
+        </p:nvSpPr>
+        <p:spPr>
+          <a:xfrm>
+            <a:off x="7620000" y="2381249"/>
+            <a:ext cx="1219200" cy="381000"/>
+          </a:xfrm>
+          <a:prstGeom prst="roundRect">
+            <a:avLst/>
+          </a:prstGeom>
+        </p:spPr>
+        <p:style>
+          <a:lnRef idx="2">
+            <a:schemeClr val="accent1">
+              <a:shade val="50000"/>
+            </a:schemeClr>
+          </a:lnRef>
+          <a:fillRef idx="1">
+            <a:schemeClr val="accent1"/>
+          </a:fillRef>
+          <a:effectRef idx="0">
+            <a:schemeClr val="accent1"/>
+          </a:effectRef>
+          <a:fontRef idx="minor">
+            <a:schemeClr val="lt1"/>
+          </a:fontRef>
+        </p:style>
+        <p:txBody>
+          <a:bodyPr rtlCol="0" anchor="ctr"/>
+          <a:lstStyle/>
+          <a:p>
+            <a:pPr algn="ctr"/>
+            <a:r>
+              <a:rPr lang="en-GB" dirty="0"/>
+              <a:t>REG_SP</a:t>
+            </a:r>
+          </a:p>
+        </p:txBody>
+      </p:sp>
+      <p:sp>
+        <p:nvSpPr>
+          <p:cNvPr id="9" name="Rectangle: Rounded Corners 8">
+            <a:extLst>
+              <a:ext uri="{FF2B5EF4-FFF2-40B4-BE49-F238E27FC236}">
+                <a16:creationId xmlns:a16="http://schemas.microsoft.com/office/drawing/2014/main" id="{2181DA97-9D7A-4F23-A6F3-8EC128375CBF}"/>
+              </a:ext>
+            </a:extLst>
+          </p:cNvPr>
+          <p:cNvSpPr/>
+          <p:nvPr/>
+        </p:nvSpPr>
+        <p:spPr>
+          <a:xfrm>
+            <a:off x="7620000" y="3048000"/>
+            <a:ext cx="1219200" cy="381000"/>
+          </a:xfrm>
+          <a:prstGeom prst="roundRect">
+            <a:avLst/>
+          </a:prstGeom>
+        </p:spPr>
+        <p:style>
+          <a:lnRef idx="2">
+            <a:schemeClr val="accent1">
+              <a:shade val="50000"/>
+            </a:schemeClr>
+          </a:lnRef>
+          <a:fillRef idx="1">
+            <a:schemeClr val="accent1"/>
+          </a:fillRef>
+          <a:effectRef idx="0">
+            <a:schemeClr val="accent1"/>
+          </a:effectRef>
+          <a:fontRef idx="minor">
+            <a:schemeClr val="lt1"/>
+          </a:fontRef>
+        </p:style>
+        <p:txBody>
+          <a:bodyPr rtlCol="0" anchor="ctr"/>
+          <a:lstStyle/>
+          <a:p>
+            <a:pPr algn="ctr"/>
+            <a:r>
+              <a:rPr lang="en-GB" dirty="0"/>
+              <a:t>REG_BP</a:t>
+            </a:r>
+          </a:p>
+        </p:txBody>
+      </p:sp>
+      <p:sp>
+        <p:nvSpPr>
+          <p:cNvPr id="13" name="TextBox 12">
+            <a:extLst>
+              <a:ext uri="{FF2B5EF4-FFF2-40B4-BE49-F238E27FC236}">
+                <a16:creationId xmlns:a16="http://schemas.microsoft.com/office/drawing/2014/main" id="{15267C53-BA1B-48E1-9221-57248D42053E}"/>
+              </a:ext>
+            </a:extLst>
+          </p:cNvPr>
+          <p:cNvSpPr txBox="1"/>
+          <p:nvPr/>
+        </p:nvSpPr>
+        <p:spPr>
+          <a:xfrm>
+            <a:off x="609600" y="928670"/>
+            <a:ext cx="6934200" cy="5632311"/>
+          </a:xfrm>
+          <a:prstGeom prst="rect">
+            <a:avLst/>
+          </a:prstGeom>
+          <a:noFill/>
+        </p:spPr>
+        <p:txBody>
+          <a:bodyPr wrap="square" rtlCol="0">
+            <a:spAutoFit/>
+          </a:bodyPr>
+          <a:lstStyle/>
+          <a:p>
+            <a:r>
+              <a:rPr lang="en-GB" dirty="0">
+                <a:solidFill>
+                  <a:schemeClr val="bg1"/>
+                </a:solidFill>
+              </a:rPr>
+              <a:t>Push literal value onto the Stack:</a:t>
+            </a:r>
+          </a:p>
+          <a:p>
+            <a:r>
+              <a:rPr lang="en-GB" dirty="0">
+                <a:solidFill>
+                  <a:schemeClr val="bg1"/>
+                </a:solidFill>
+              </a:rPr>
+              <a:t>	push 0x0A</a:t>
+            </a:r>
+            <a:r>
+              <a:rPr lang="en-GB" sz="1400" dirty="0">
+                <a:solidFill>
+                  <a:schemeClr val="accent3">
+                    <a:lumMod val="50000"/>
+                  </a:schemeClr>
+                </a:solidFill>
+              </a:rPr>
+              <a:t>	</a:t>
+            </a:r>
+          </a:p>
+          <a:p>
+            <a:r>
+              <a:rPr lang="en-GB" sz="1400" dirty="0">
+                <a:solidFill>
+                  <a:schemeClr val="accent3">
+                    <a:lumMod val="50000"/>
+                  </a:schemeClr>
+                </a:solidFill>
+              </a:rPr>
+              <a:t>	; Same as</a:t>
+            </a:r>
+          </a:p>
+          <a:p>
+            <a:r>
+              <a:rPr lang="en-GB" sz="1400" dirty="0">
+                <a:solidFill>
+                  <a:schemeClr val="accent3">
+                    <a:lumMod val="50000"/>
+                  </a:schemeClr>
+                </a:solidFill>
+              </a:rPr>
+              <a:t>	; mov  [REG_SP],0x0A</a:t>
+            </a:r>
+          </a:p>
+          <a:p>
+            <a:r>
+              <a:rPr lang="en-GB" sz="1400" dirty="0">
+                <a:solidFill>
+                  <a:schemeClr val="accent3">
+                    <a:lumMod val="50000"/>
+                  </a:schemeClr>
+                </a:solidFill>
+              </a:rPr>
+              <a:t>	; sub REG_SP,0x01</a:t>
+            </a:r>
+            <a:endParaRPr lang="en-GB" dirty="0">
+              <a:solidFill>
+                <a:schemeClr val="accent3">
+                  <a:lumMod val="50000"/>
+                </a:schemeClr>
+              </a:solidFill>
+            </a:endParaRPr>
+          </a:p>
+          <a:p>
+            <a:r>
+              <a:rPr lang="en-GB" dirty="0">
+                <a:solidFill>
+                  <a:schemeClr val="bg1"/>
+                </a:solidFill>
+              </a:rPr>
+              <a:t>	push 0x20</a:t>
+            </a:r>
+          </a:p>
+          <a:p>
+            <a:r>
+              <a:rPr lang="en-GB" dirty="0">
+                <a:solidFill>
+                  <a:schemeClr val="accent3">
+                    <a:lumMod val="50000"/>
+                  </a:schemeClr>
+                </a:solidFill>
+              </a:rPr>
+              <a:t>	</a:t>
+            </a:r>
+            <a:r>
+              <a:rPr lang="en-GB" sz="1400" dirty="0">
+                <a:solidFill>
+                  <a:schemeClr val="accent3">
+                    <a:lumMod val="50000"/>
+                  </a:schemeClr>
+                </a:solidFill>
+              </a:rPr>
+              <a:t>; Same as</a:t>
+            </a:r>
+          </a:p>
+          <a:p>
+            <a:r>
+              <a:rPr lang="en-GB" sz="1400" dirty="0">
+                <a:solidFill>
+                  <a:schemeClr val="accent3">
+                    <a:lumMod val="50000"/>
+                  </a:schemeClr>
+                </a:solidFill>
+              </a:rPr>
+              <a:t>	; mov  [REG_SP],0x20</a:t>
+            </a:r>
+          </a:p>
+          <a:p>
+            <a:r>
+              <a:rPr lang="en-GB" sz="1400" dirty="0">
+                <a:solidFill>
+                  <a:schemeClr val="accent3">
+                    <a:lumMod val="50000"/>
+                  </a:schemeClr>
+                </a:solidFill>
+              </a:rPr>
+              <a:t>	; sub REG_SP,0x01</a:t>
+            </a:r>
+          </a:p>
+          <a:p>
+            <a:endParaRPr lang="en-GB" sz="1400" dirty="0">
+              <a:solidFill>
+                <a:schemeClr val="accent3">
+                  <a:lumMod val="50000"/>
+                </a:schemeClr>
+              </a:solidFill>
+            </a:endParaRPr>
+          </a:p>
+          <a:p>
+            <a:r>
+              <a:rPr lang="en-GB" dirty="0">
+                <a:solidFill>
+                  <a:schemeClr val="bg1"/>
+                </a:solidFill>
+              </a:rPr>
+              <a:t>Pop value off the Stack into a Register:</a:t>
+            </a:r>
+          </a:p>
+          <a:p>
+            <a:r>
+              <a:rPr lang="en-GB" dirty="0">
+                <a:solidFill>
+                  <a:schemeClr val="bg1"/>
+                </a:solidFill>
+              </a:rPr>
+              <a:t>	pop REG_A</a:t>
+            </a:r>
+          </a:p>
+          <a:p>
+            <a:r>
+              <a:rPr lang="en-GB" sz="1400" dirty="0">
+                <a:solidFill>
+                  <a:schemeClr val="accent3">
+                    <a:lumMod val="50000"/>
+                  </a:schemeClr>
+                </a:solidFill>
+              </a:rPr>
+              <a:t>	; Same as</a:t>
+            </a:r>
+          </a:p>
+          <a:p>
+            <a:r>
+              <a:rPr lang="en-GB" sz="1400" dirty="0">
+                <a:solidFill>
+                  <a:schemeClr val="accent3">
+                    <a:lumMod val="50000"/>
+                  </a:schemeClr>
+                </a:solidFill>
+              </a:rPr>
+              <a:t>	; mov REG_A,[REG_SP]</a:t>
+            </a:r>
+          </a:p>
+          <a:p>
+            <a:r>
+              <a:rPr lang="en-GB" sz="1400" dirty="0">
+                <a:solidFill>
+                  <a:schemeClr val="accent3">
+                    <a:lumMod val="50000"/>
+                  </a:schemeClr>
+                </a:solidFill>
+              </a:rPr>
+              <a:t>	; add REG_SP,0x01</a:t>
+            </a:r>
+            <a:endParaRPr lang="en-GB" sz="1400" dirty="0">
+              <a:solidFill>
+                <a:schemeClr val="bg1"/>
+              </a:solidFill>
+            </a:endParaRPr>
+          </a:p>
+          <a:p>
+            <a:endParaRPr lang="en-GB" dirty="0">
+              <a:solidFill>
+                <a:schemeClr val="bg1"/>
+              </a:solidFill>
+            </a:endParaRPr>
+          </a:p>
+          <a:p>
+            <a:r>
+              <a:rPr lang="en-GB" dirty="0">
+                <a:solidFill>
+                  <a:schemeClr val="bg1"/>
+                </a:solidFill>
+              </a:rPr>
+              <a:t>Simple program:</a:t>
+            </a:r>
+          </a:p>
+          <a:p>
+            <a:r>
+              <a:rPr lang="en-GB" dirty="0">
+                <a:solidFill>
+                  <a:schemeClr val="bg1"/>
+                </a:solidFill>
+              </a:rPr>
+              <a:t>	push 0x0A</a:t>
+            </a:r>
+          </a:p>
+          <a:p>
+            <a:r>
+              <a:rPr lang="en-GB" dirty="0">
+                <a:solidFill>
+                  <a:schemeClr val="bg1"/>
+                </a:solidFill>
+              </a:rPr>
+              <a:t>	push 0x20</a:t>
+            </a:r>
+          </a:p>
+          <a:p>
+            <a:r>
+              <a:rPr lang="en-GB" dirty="0">
+                <a:solidFill>
+                  <a:schemeClr val="bg1"/>
+                </a:solidFill>
+              </a:rPr>
+              <a:t>	pop REG_B</a:t>
+            </a:r>
+          </a:p>
+          <a:p>
+            <a:r>
+              <a:rPr lang="en-GB" dirty="0">
+                <a:solidFill>
+                  <a:schemeClr val="bg1"/>
+                </a:solidFill>
+              </a:rPr>
+              <a:t>	pop REG_A</a:t>
+            </a:r>
+          </a:p>
+          <a:p>
+            <a:r>
+              <a:rPr lang="en-GB" dirty="0">
+                <a:solidFill>
+                  <a:schemeClr val="bg1"/>
+                </a:solidFill>
+              </a:rPr>
+              <a:t>	add REG_A,REG_B</a:t>
+            </a:r>
+            <a:endParaRPr lang="en-GB" dirty="0">
+              <a:solidFill>
+                <a:schemeClr val="accent3">
+                  <a:lumMod val="50000"/>
+                </a:schemeClr>
+              </a:solidFill>
+            </a:endParaRPr>
+          </a:p>
+        </p:txBody>
+      </p:sp>
     </p:spTree>
     <p:extLst>
       <p:ext uri="{BB962C8B-B14F-4D97-AF65-F5344CB8AC3E}">
-        <p14:creationId xmlns:p14="http://schemas.microsoft.com/office/powerpoint/2010/main" val="758859454"/>
+        <p14:creationId xmlns:p14="http://schemas.microsoft.com/office/powerpoint/2010/main" val="3484647148"/>
       </p:ext>
     </p:extLst>
   </p:cSld>
@@ -7116,7 +7702,7 @@
                 </a:solidFill>
                 <a:latin typeface="Calibri" pitchFamily="34" charset="0"/>
               </a:rPr>
-              <a:t>#. LLVM (Low Level Virtual Machine)</a:t>
+              <a:t>#. Stack Machine</a:t>
             </a:r>
           </a:p>
         </p:txBody>
@@ -7480,10 +8066,508 @@
           </a:p>
         </p:txBody>
       </p:sp>
+      <p:sp>
+        <p:nvSpPr>
+          <p:cNvPr id="17" name="Rectangle: Rounded Corners 16">
+            <a:extLst>
+              <a:ext uri="{FF2B5EF4-FFF2-40B4-BE49-F238E27FC236}">
+                <a16:creationId xmlns:a16="http://schemas.microsoft.com/office/drawing/2014/main" id="{55BF22B5-5246-45C5-8640-8BFFF596ECF2}"/>
+              </a:ext>
+            </a:extLst>
+          </p:cNvPr>
+          <p:cNvSpPr/>
+          <p:nvPr/>
+        </p:nvSpPr>
+        <p:spPr>
+          <a:xfrm>
+            <a:off x="7620000" y="1071545"/>
+            <a:ext cx="1219200" cy="381000"/>
+          </a:xfrm>
+          <a:prstGeom prst="roundRect">
+            <a:avLst/>
+          </a:prstGeom>
+        </p:spPr>
+        <p:style>
+          <a:lnRef idx="2">
+            <a:schemeClr val="accent1">
+              <a:shade val="50000"/>
+            </a:schemeClr>
+          </a:lnRef>
+          <a:fillRef idx="1">
+            <a:schemeClr val="accent1"/>
+          </a:fillRef>
+          <a:effectRef idx="0">
+            <a:schemeClr val="accent1"/>
+          </a:effectRef>
+          <a:fontRef idx="minor">
+            <a:schemeClr val="lt1"/>
+          </a:fontRef>
+        </p:style>
+        <p:txBody>
+          <a:bodyPr rtlCol="0" anchor="ctr"/>
+          <a:lstStyle/>
+          <a:p>
+            <a:pPr algn="ctr"/>
+            <a:r>
+              <a:rPr lang="en-GB" dirty="0"/>
+              <a:t>REG_A</a:t>
+            </a:r>
+          </a:p>
+        </p:txBody>
+      </p:sp>
+      <p:sp>
+        <p:nvSpPr>
+          <p:cNvPr id="18" name="Rectangle: Rounded Corners 17">
+            <a:extLst>
+              <a:ext uri="{FF2B5EF4-FFF2-40B4-BE49-F238E27FC236}">
+                <a16:creationId xmlns:a16="http://schemas.microsoft.com/office/drawing/2014/main" id="{C74BACE3-7234-4FBB-AD79-8E9D0C918098}"/>
+              </a:ext>
+            </a:extLst>
+          </p:cNvPr>
+          <p:cNvSpPr/>
+          <p:nvPr/>
+        </p:nvSpPr>
+        <p:spPr>
+          <a:xfrm>
+            <a:off x="7620000" y="1738296"/>
+            <a:ext cx="1219200" cy="381000"/>
+          </a:xfrm>
+          <a:prstGeom prst="roundRect">
+            <a:avLst/>
+          </a:prstGeom>
+        </p:spPr>
+        <p:style>
+          <a:lnRef idx="2">
+            <a:schemeClr val="accent1">
+              <a:shade val="50000"/>
+            </a:schemeClr>
+          </a:lnRef>
+          <a:fillRef idx="1">
+            <a:schemeClr val="accent1"/>
+          </a:fillRef>
+          <a:effectRef idx="0">
+            <a:schemeClr val="accent1"/>
+          </a:effectRef>
+          <a:fontRef idx="minor">
+            <a:schemeClr val="lt1"/>
+          </a:fontRef>
+        </p:style>
+        <p:txBody>
+          <a:bodyPr rtlCol="0" anchor="ctr"/>
+          <a:lstStyle/>
+          <a:p>
+            <a:pPr algn="ctr"/>
+            <a:r>
+              <a:rPr lang="en-GB" dirty="0"/>
+              <a:t>REG_B</a:t>
+            </a:r>
+          </a:p>
+        </p:txBody>
+      </p:sp>
+      <p:sp>
+        <p:nvSpPr>
+          <p:cNvPr id="8" name="Rectangle: Rounded Corners 7">
+            <a:extLst>
+              <a:ext uri="{FF2B5EF4-FFF2-40B4-BE49-F238E27FC236}">
+                <a16:creationId xmlns:a16="http://schemas.microsoft.com/office/drawing/2014/main" id="{0806B8C3-0F19-447B-9827-7080DF848062}"/>
+              </a:ext>
+            </a:extLst>
+          </p:cNvPr>
+          <p:cNvSpPr/>
+          <p:nvPr/>
+        </p:nvSpPr>
+        <p:spPr>
+          <a:xfrm>
+            <a:off x="7620000" y="2381249"/>
+            <a:ext cx="1219200" cy="381000"/>
+          </a:xfrm>
+          <a:prstGeom prst="roundRect">
+            <a:avLst/>
+          </a:prstGeom>
+        </p:spPr>
+        <p:style>
+          <a:lnRef idx="2">
+            <a:schemeClr val="accent1">
+              <a:shade val="50000"/>
+            </a:schemeClr>
+          </a:lnRef>
+          <a:fillRef idx="1">
+            <a:schemeClr val="accent1"/>
+          </a:fillRef>
+          <a:effectRef idx="0">
+            <a:schemeClr val="accent1"/>
+          </a:effectRef>
+          <a:fontRef idx="minor">
+            <a:schemeClr val="lt1"/>
+          </a:fontRef>
+        </p:style>
+        <p:txBody>
+          <a:bodyPr rtlCol="0" anchor="ctr"/>
+          <a:lstStyle/>
+          <a:p>
+            <a:pPr algn="ctr"/>
+            <a:r>
+              <a:rPr lang="en-GB" dirty="0"/>
+              <a:t>REG_SP</a:t>
+            </a:r>
+          </a:p>
+        </p:txBody>
+      </p:sp>
+      <p:sp>
+        <p:nvSpPr>
+          <p:cNvPr id="9" name="Rectangle: Rounded Corners 8">
+            <a:extLst>
+              <a:ext uri="{FF2B5EF4-FFF2-40B4-BE49-F238E27FC236}">
+                <a16:creationId xmlns:a16="http://schemas.microsoft.com/office/drawing/2014/main" id="{2181DA97-9D7A-4F23-A6F3-8EC128375CBF}"/>
+              </a:ext>
+            </a:extLst>
+          </p:cNvPr>
+          <p:cNvSpPr/>
+          <p:nvPr/>
+        </p:nvSpPr>
+        <p:spPr>
+          <a:xfrm>
+            <a:off x="7620000" y="3048000"/>
+            <a:ext cx="1219200" cy="381000"/>
+          </a:xfrm>
+          <a:prstGeom prst="roundRect">
+            <a:avLst/>
+          </a:prstGeom>
+        </p:spPr>
+        <p:style>
+          <a:lnRef idx="2">
+            <a:schemeClr val="accent1">
+              <a:shade val="50000"/>
+            </a:schemeClr>
+          </a:lnRef>
+          <a:fillRef idx="1">
+            <a:schemeClr val="accent1"/>
+          </a:fillRef>
+          <a:effectRef idx="0">
+            <a:schemeClr val="accent1"/>
+          </a:effectRef>
+          <a:fontRef idx="minor">
+            <a:schemeClr val="lt1"/>
+          </a:fontRef>
+        </p:style>
+        <p:txBody>
+          <a:bodyPr rtlCol="0" anchor="ctr"/>
+          <a:lstStyle/>
+          <a:p>
+            <a:pPr algn="ctr"/>
+            <a:r>
+              <a:rPr lang="en-GB" dirty="0"/>
+              <a:t>REG_BP</a:t>
+            </a:r>
+          </a:p>
+        </p:txBody>
+      </p:sp>
+      <p:sp>
+        <p:nvSpPr>
+          <p:cNvPr id="13" name="TextBox 12">
+            <a:extLst>
+              <a:ext uri="{FF2B5EF4-FFF2-40B4-BE49-F238E27FC236}">
+                <a16:creationId xmlns:a16="http://schemas.microsoft.com/office/drawing/2014/main" id="{15267C53-BA1B-48E1-9221-57248D42053E}"/>
+              </a:ext>
+            </a:extLst>
+          </p:cNvPr>
+          <p:cNvSpPr txBox="1"/>
+          <p:nvPr/>
+        </p:nvSpPr>
+        <p:spPr>
+          <a:xfrm>
+            <a:off x="609600" y="928670"/>
+            <a:ext cx="6934200" cy="5632311"/>
+          </a:xfrm>
+          <a:prstGeom prst="rect">
+            <a:avLst/>
+          </a:prstGeom>
+          <a:noFill/>
+        </p:spPr>
+        <p:txBody>
+          <a:bodyPr wrap="square" rtlCol="0">
+            <a:spAutoFit/>
+          </a:bodyPr>
+          <a:lstStyle/>
+          <a:p>
+            <a:r>
+              <a:rPr lang="en-GB" dirty="0">
+                <a:solidFill>
+                  <a:schemeClr val="bg1"/>
+                </a:solidFill>
+              </a:rPr>
+              <a:t>Push literal value onto the Stack:</a:t>
+            </a:r>
+          </a:p>
+          <a:p>
+            <a:r>
+              <a:rPr lang="en-GB" dirty="0">
+                <a:solidFill>
+                  <a:schemeClr val="bg1"/>
+                </a:solidFill>
+              </a:rPr>
+              <a:t>	push 0x0A</a:t>
+            </a:r>
+            <a:r>
+              <a:rPr lang="en-GB" sz="1400" dirty="0">
+                <a:solidFill>
+                  <a:schemeClr val="accent3">
+                    <a:lumMod val="50000"/>
+                  </a:schemeClr>
+                </a:solidFill>
+              </a:rPr>
+              <a:t>	</a:t>
+            </a:r>
+          </a:p>
+          <a:p>
+            <a:r>
+              <a:rPr lang="en-GB" sz="1400" dirty="0">
+                <a:solidFill>
+                  <a:schemeClr val="accent3">
+                    <a:lumMod val="50000"/>
+                  </a:schemeClr>
+                </a:solidFill>
+              </a:rPr>
+              <a:t>	; Same as</a:t>
+            </a:r>
+          </a:p>
+          <a:p>
+            <a:r>
+              <a:rPr lang="en-GB" sz="1400" dirty="0">
+                <a:solidFill>
+                  <a:schemeClr val="accent3">
+                    <a:lumMod val="50000"/>
+                  </a:schemeClr>
+                </a:solidFill>
+              </a:rPr>
+              <a:t>	; mov  [REG_SP],0x0A</a:t>
+            </a:r>
+          </a:p>
+          <a:p>
+            <a:r>
+              <a:rPr lang="en-GB" sz="1400" dirty="0">
+                <a:solidFill>
+                  <a:schemeClr val="accent3">
+                    <a:lumMod val="50000"/>
+                  </a:schemeClr>
+                </a:solidFill>
+              </a:rPr>
+              <a:t>	; sub REG_SP,0x01</a:t>
+            </a:r>
+            <a:endParaRPr lang="en-GB" dirty="0">
+              <a:solidFill>
+                <a:schemeClr val="accent3">
+                  <a:lumMod val="50000"/>
+                </a:schemeClr>
+              </a:solidFill>
+            </a:endParaRPr>
+          </a:p>
+          <a:p>
+            <a:r>
+              <a:rPr lang="en-GB" dirty="0">
+                <a:solidFill>
+                  <a:schemeClr val="bg1"/>
+                </a:solidFill>
+              </a:rPr>
+              <a:t>	push 0x20</a:t>
+            </a:r>
+          </a:p>
+          <a:p>
+            <a:r>
+              <a:rPr lang="en-GB" dirty="0">
+                <a:solidFill>
+                  <a:schemeClr val="accent3">
+                    <a:lumMod val="50000"/>
+                  </a:schemeClr>
+                </a:solidFill>
+              </a:rPr>
+              <a:t>	</a:t>
+            </a:r>
+            <a:r>
+              <a:rPr lang="en-GB" sz="1400" dirty="0">
+                <a:solidFill>
+                  <a:schemeClr val="accent3">
+                    <a:lumMod val="50000"/>
+                  </a:schemeClr>
+                </a:solidFill>
+              </a:rPr>
+              <a:t>; Same as</a:t>
+            </a:r>
+          </a:p>
+          <a:p>
+            <a:r>
+              <a:rPr lang="en-GB" sz="1400" dirty="0">
+                <a:solidFill>
+                  <a:schemeClr val="accent3">
+                    <a:lumMod val="50000"/>
+                  </a:schemeClr>
+                </a:solidFill>
+              </a:rPr>
+              <a:t>	; mov  [REG_SP],0x20</a:t>
+            </a:r>
+          </a:p>
+          <a:p>
+            <a:r>
+              <a:rPr lang="en-GB" sz="1400" dirty="0">
+                <a:solidFill>
+                  <a:schemeClr val="accent3">
+                    <a:lumMod val="50000"/>
+                  </a:schemeClr>
+                </a:solidFill>
+              </a:rPr>
+              <a:t>	; sub REG_SP,0x01</a:t>
+            </a:r>
+          </a:p>
+          <a:p>
+            <a:endParaRPr lang="en-GB" sz="1400" dirty="0">
+              <a:solidFill>
+                <a:schemeClr val="accent3">
+                  <a:lumMod val="50000"/>
+                </a:schemeClr>
+              </a:solidFill>
+            </a:endParaRPr>
+          </a:p>
+          <a:p>
+            <a:r>
+              <a:rPr lang="en-GB" dirty="0">
+                <a:solidFill>
+                  <a:schemeClr val="bg1"/>
+                </a:solidFill>
+              </a:rPr>
+              <a:t>Pop value off the Stack into a Register:</a:t>
+            </a:r>
+          </a:p>
+          <a:p>
+            <a:r>
+              <a:rPr lang="en-GB" dirty="0">
+                <a:solidFill>
+                  <a:schemeClr val="bg1"/>
+                </a:solidFill>
+              </a:rPr>
+              <a:t>	pop REG_A</a:t>
+            </a:r>
+          </a:p>
+          <a:p>
+            <a:r>
+              <a:rPr lang="en-GB" sz="1400" dirty="0">
+                <a:solidFill>
+                  <a:schemeClr val="accent3">
+                    <a:lumMod val="50000"/>
+                  </a:schemeClr>
+                </a:solidFill>
+              </a:rPr>
+              <a:t>	; Same as</a:t>
+            </a:r>
+          </a:p>
+          <a:p>
+            <a:r>
+              <a:rPr lang="en-GB" sz="1400" dirty="0">
+                <a:solidFill>
+                  <a:schemeClr val="accent3">
+                    <a:lumMod val="50000"/>
+                  </a:schemeClr>
+                </a:solidFill>
+              </a:rPr>
+              <a:t>	; mov REG_A,[REG_SP]</a:t>
+            </a:r>
+          </a:p>
+          <a:p>
+            <a:r>
+              <a:rPr lang="en-GB" sz="1400" dirty="0">
+                <a:solidFill>
+                  <a:schemeClr val="accent3">
+                    <a:lumMod val="50000"/>
+                  </a:schemeClr>
+                </a:solidFill>
+              </a:rPr>
+              <a:t>	; add REG_SP,0x01</a:t>
+            </a:r>
+            <a:endParaRPr lang="en-GB" sz="1400" dirty="0">
+              <a:solidFill>
+                <a:schemeClr val="bg1"/>
+              </a:solidFill>
+            </a:endParaRPr>
+          </a:p>
+          <a:p>
+            <a:endParaRPr lang="en-GB" dirty="0">
+              <a:solidFill>
+                <a:schemeClr val="bg1"/>
+              </a:solidFill>
+            </a:endParaRPr>
+          </a:p>
+          <a:p>
+            <a:r>
+              <a:rPr lang="en-GB" dirty="0">
+                <a:solidFill>
+                  <a:schemeClr val="bg1"/>
+                </a:solidFill>
+              </a:rPr>
+              <a:t>Simple program:</a:t>
+            </a:r>
+          </a:p>
+          <a:p>
+            <a:r>
+              <a:rPr lang="en-GB" dirty="0">
+                <a:solidFill>
+                  <a:schemeClr val="bg1"/>
+                </a:solidFill>
+              </a:rPr>
+              <a:t>	push 0x0A</a:t>
+            </a:r>
+          </a:p>
+          <a:p>
+            <a:r>
+              <a:rPr lang="en-GB" dirty="0">
+                <a:solidFill>
+                  <a:schemeClr val="bg1"/>
+                </a:solidFill>
+              </a:rPr>
+              <a:t>	push 0x20</a:t>
+            </a:r>
+          </a:p>
+          <a:p>
+            <a:r>
+              <a:rPr lang="en-GB" dirty="0">
+                <a:solidFill>
+                  <a:schemeClr val="bg1"/>
+                </a:solidFill>
+              </a:rPr>
+              <a:t>	pop REG_B</a:t>
+            </a:r>
+          </a:p>
+          <a:p>
+            <a:r>
+              <a:rPr lang="en-GB" dirty="0">
+                <a:solidFill>
+                  <a:schemeClr val="bg1"/>
+                </a:solidFill>
+              </a:rPr>
+              <a:t>	pop REG_A</a:t>
+            </a:r>
+          </a:p>
+          <a:p>
+            <a:r>
+              <a:rPr lang="en-GB" dirty="0">
+                <a:solidFill>
+                  <a:schemeClr val="bg1"/>
+                </a:solidFill>
+              </a:rPr>
+              <a:t>	add REG_A,REG_B</a:t>
+            </a:r>
+            <a:endParaRPr lang="en-GB" dirty="0">
+              <a:solidFill>
+                <a:schemeClr val="accent3">
+                  <a:lumMod val="50000"/>
+                </a:schemeClr>
+              </a:solidFill>
+            </a:endParaRPr>
+          </a:p>
+        </p:txBody>
+      </p:sp>
     </p:spTree>
     <p:extLst>
       <p:ext uri="{BB962C8B-B14F-4D97-AF65-F5344CB8AC3E}">
-        <p14:creationId xmlns:p14="http://schemas.microsoft.com/office/powerpoint/2010/main" val="2951858699"/>
+        <p14:creationId xmlns:p14="http://schemas.microsoft.com/office/powerpoint/2010/main" val="1839922010"/>
       </p:ext>
     </p:extLst>
   </p:cSld>
@@ -7545,17 +8629,376 @@
                 </a:solidFill>
                 <a:latin typeface="Calibri" pitchFamily="34" charset="0"/>
               </a:rPr>
-              <a:t>#. WASM under the hood </a:t>
+              <a:t>#. Register / Stack Machine</a:t>
             </a:r>
           </a:p>
         </p:txBody>
       </p:sp>
       <p:sp>
         <p:nvSpPr>
-          <p:cNvPr id="51" name="Rectangle: Rounded Corners 50">
+          <p:cNvPr id="6" name="Content Placeholder 2"/>
+          <p:cNvSpPr txBox="1">
+            <a:spLocks/>
+          </p:cNvSpPr>
+          <p:nvPr/>
+        </p:nvSpPr>
+        <p:spPr>
+          <a:xfrm>
+            <a:off x="457200" y="1071545"/>
+            <a:ext cx="8229600" cy="4857785"/>
+          </a:xfrm>
+          <a:prstGeom prst="rect">
+            <a:avLst/>
+          </a:prstGeom>
+        </p:spPr>
+        <p:txBody>
+          <a:bodyPr vert="horz" lIns="91440" tIns="45720" rIns="91440" bIns="45720" rtlCol="0">
+            <a:normAutofit/>
+          </a:bodyPr>
+          <a:lstStyle>
+            <a:lvl1pPr marL="0" indent="0" algn="l" defTabSz="914400" rtl="0" eaLnBrk="1" latinLnBrk="0" hangingPunct="1">
+              <a:spcBef>
+                <a:spcPct val="20000"/>
+              </a:spcBef>
+              <a:buFont typeface="Arial" pitchFamily="34" charset="0"/>
+              <a:buNone/>
+              <a:defRPr sz="3200" kern="1200">
+                <a:solidFill>
+                  <a:schemeClr val="tx1"/>
+                </a:solidFill>
+                <a:latin typeface="+mn-lt"/>
+                <a:ea typeface="+mn-ea"/>
+                <a:cs typeface="+mn-cs"/>
+              </a:defRPr>
+            </a:lvl1pPr>
+            <a:lvl2pPr marL="457200" indent="0" algn="l" defTabSz="914400" rtl="0" eaLnBrk="1" latinLnBrk="0" hangingPunct="1">
+              <a:spcBef>
+                <a:spcPct val="20000"/>
+              </a:spcBef>
+              <a:buFont typeface="Arial" pitchFamily="34" charset="0"/>
+              <a:buNone/>
+              <a:defRPr sz="2800" kern="1200">
+                <a:solidFill>
+                  <a:schemeClr val="tx1"/>
+                </a:solidFill>
+                <a:latin typeface="+mn-lt"/>
+                <a:ea typeface="+mn-ea"/>
+                <a:cs typeface="+mn-cs"/>
+              </a:defRPr>
+            </a:lvl2pPr>
+            <a:lvl3pPr marL="914400" indent="0" algn="l" defTabSz="914400" rtl="0" eaLnBrk="1" latinLnBrk="0" hangingPunct="1">
+              <a:spcBef>
+                <a:spcPct val="20000"/>
+              </a:spcBef>
+              <a:buFont typeface="Arial" pitchFamily="34" charset="0"/>
+              <a:buNone/>
+              <a:defRPr sz="2400" kern="1200">
+                <a:solidFill>
+                  <a:schemeClr val="tx1"/>
+                </a:solidFill>
+                <a:latin typeface="+mn-lt"/>
+                <a:ea typeface="+mn-ea"/>
+                <a:cs typeface="+mn-cs"/>
+              </a:defRPr>
+            </a:lvl3pPr>
+            <a:lvl4pPr marL="1371600" indent="0" algn="l" defTabSz="914400" rtl="0" eaLnBrk="1" latinLnBrk="0" hangingPunct="1">
+              <a:spcBef>
+                <a:spcPct val="20000"/>
+              </a:spcBef>
+              <a:buFont typeface="Arial" pitchFamily="34" charset="0"/>
+              <a:buNone/>
+              <a:defRPr sz="2000" kern="1200">
+                <a:solidFill>
+                  <a:schemeClr val="tx1"/>
+                </a:solidFill>
+                <a:latin typeface="+mn-lt"/>
+                <a:ea typeface="+mn-ea"/>
+                <a:cs typeface="+mn-cs"/>
+              </a:defRPr>
+            </a:lvl4pPr>
+            <a:lvl5pPr marL="1828800" indent="0" algn="l" defTabSz="914400" rtl="0" eaLnBrk="1" latinLnBrk="0" hangingPunct="1">
+              <a:spcBef>
+                <a:spcPct val="20000"/>
+              </a:spcBef>
+              <a:buFont typeface="Arial" pitchFamily="34" charset="0"/>
+              <a:buNone/>
+              <a:defRPr sz="2000" kern="1200">
+                <a:solidFill>
+                  <a:schemeClr val="tx1"/>
+                </a:solidFill>
+                <a:latin typeface="+mn-lt"/>
+                <a:ea typeface="+mn-ea"/>
+                <a:cs typeface="+mn-cs"/>
+              </a:defRPr>
+            </a:lvl5pPr>
+            <a:lvl6pPr marL="2286000" indent="0" algn="l" defTabSz="914400" rtl="0" eaLnBrk="1" latinLnBrk="0" hangingPunct="1">
+              <a:spcBef>
+                <a:spcPct val="20000"/>
+              </a:spcBef>
+              <a:buFont typeface="Arial" pitchFamily="34" charset="0"/>
+              <a:buNone/>
+              <a:defRPr sz="2000" kern="1200">
+                <a:solidFill>
+                  <a:schemeClr val="tx1"/>
+                </a:solidFill>
+                <a:latin typeface="+mn-lt"/>
+                <a:ea typeface="+mn-ea"/>
+                <a:cs typeface="+mn-cs"/>
+              </a:defRPr>
+            </a:lvl6pPr>
+            <a:lvl7pPr marL="2743200" indent="0" algn="l" defTabSz="914400" rtl="0" eaLnBrk="1" latinLnBrk="0" hangingPunct="1">
+              <a:spcBef>
+                <a:spcPct val="20000"/>
+              </a:spcBef>
+              <a:buFont typeface="Arial" pitchFamily="34" charset="0"/>
+              <a:buNone/>
+              <a:defRPr sz="2000" kern="1200">
+                <a:solidFill>
+                  <a:schemeClr val="tx1"/>
+                </a:solidFill>
+                <a:latin typeface="+mn-lt"/>
+                <a:ea typeface="+mn-ea"/>
+                <a:cs typeface="+mn-cs"/>
+              </a:defRPr>
+            </a:lvl7pPr>
+            <a:lvl8pPr marL="3200400" indent="0" algn="l" defTabSz="914400" rtl="0" eaLnBrk="1" latinLnBrk="0" hangingPunct="1">
+              <a:spcBef>
+                <a:spcPct val="20000"/>
+              </a:spcBef>
+              <a:buFont typeface="Arial" pitchFamily="34" charset="0"/>
+              <a:buNone/>
+              <a:defRPr sz="2000" kern="1200">
+                <a:solidFill>
+                  <a:schemeClr val="tx1"/>
+                </a:solidFill>
+                <a:latin typeface="+mn-lt"/>
+                <a:ea typeface="+mn-ea"/>
+                <a:cs typeface="+mn-cs"/>
+              </a:defRPr>
+            </a:lvl8pPr>
+            <a:lvl9pPr marL="3657600" indent="0" algn="l" defTabSz="914400" rtl="0" eaLnBrk="1" latinLnBrk="0" hangingPunct="1">
+              <a:spcBef>
+                <a:spcPct val="20000"/>
+              </a:spcBef>
+              <a:buFont typeface="Arial" pitchFamily="34" charset="0"/>
+              <a:buNone/>
+              <a:defRPr sz="2000" kern="1200">
+                <a:solidFill>
+                  <a:schemeClr val="tx1"/>
+                </a:solidFill>
+                <a:latin typeface="+mn-lt"/>
+                <a:ea typeface="+mn-ea"/>
+                <a:cs typeface="+mn-cs"/>
+              </a:defRPr>
+            </a:lvl9pPr>
+          </a:lstStyle>
+          <a:p>
+            <a:pPr marL="571500" indent="-571500">
+              <a:buFont typeface="Arial" panose="020B0604020202020204" pitchFamily="34" charset="0"/>
+              <a:buChar char="•"/>
+            </a:pPr>
+            <a:endParaRPr lang="en-GB" dirty="0">
+              <a:solidFill>
+                <a:schemeClr val="bg1"/>
+              </a:solidFill>
+            </a:endParaRPr>
+          </a:p>
+        </p:txBody>
+      </p:sp>
+      <p:sp>
+        <p:nvSpPr>
+          <p:cNvPr id="4" name="Content Placeholder 2">
             <a:extLst>
               <a:ext uri="{FF2B5EF4-FFF2-40B4-BE49-F238E27FC236}">
-                <a16:creationId xmlns:a16="http://schemas.microsoft.com/office/drawing/2014/main" id="{4518D435-74AB-4FE1-9B05-22D83B702CC9}"/>
+                <a16:creationId xmlns:a16="http://schemas.microsoft.com/office/drawing/2014/main" id="{91C127C4-019D-4816-9ECF-D243EFA4189D}"/>
+              </a:ext>
+            </a:extLst>
+          </p:cNvPr>
+          <p:cNvSpPr txBox="1">
+            <a:spLocks/>
+          </p:cNvSpPr>
+          <p:nvPr/>
+        </p:nvSpPr>
+        <p:spPr>
+          <a:xfrm>
+            <a:off x="609600" y="1223945"/>
+            <a:ext cx="8229600" cy="4857785"/>
+          </a:xfrm>
+          <a:prstGeom prst="rect">
+            <a:avLst/>
+          </a:prstGeom>
+        </p:spPr>
+        <p:txBody>
+          <a:bodyPr vert="horz" lIns="91440" tIns="45720" rIns="91440" bIns="45720" rtlCol="0">
+            <a:normAutofit/>
+          </a:bodyPr>
+          <a:lstStyle>
+            <a:lvl1pPr marL="0" indent="0" algn="l" defTabSz="914400" rtl="0" eaLnBrk="1" latinLnBrk="0" hangingPunct="1">
+              <a:spcBef>
+                <a:spcPct val="20000"/>
+              </a:spcBef>
+              <a:buFont typeface="Arial" pitchFamily="34" charset="0"/>
+              <a:buNone/>
+              <a:defRPr sz="3200" kern="1200">
+                <a:solidFill>
+                  <a:schemeClr val="tx1"/>
+                </a:solidFill>
+                <a:latin typeface="+mn-lt"/>
+                <a:ea typeface="+mn-ea"/>
+                <a:cs typeface="+mn-cs"/>
+              </a:defRPr>
+            </a:lvl1pPr>
+            <a:lvl2pPr marL="457200" indent="0" algn="l" defTabSz="914400" rtl="0" eaLnBrk="1" latinLnBrk="0" hangingPunct="1">
+              <a:spcBef>
+                <a:spcPct val="20000"/>
+              </a:spcBef>
+              <a:buFont typeface="Arial" pitchFamily="34" charset="0"/>
+              <a:buNone/>
+              <a:defRPr sz="2800" kern="1200">
+                <a:solidFill>
+                  <a:schemeClr val="tx1"/>
+                </a:solidFill>
+                <a:latin typeface="+mn-lt"/>
+                <a:ea typeface="+mn-ea"/>
+                <a:cs typeface="+mn-cs"/>
+              </a:defRPr>
+            </a:lvl2pPr>
+            <a:lvl3pPr marL="914400" indent="0" algn="l" defTabSz="914400" rtl="0" eaLnBrk="1" latinLnBrk="0" hangingPunct="1">
+              <a:spcBef>
+                <a:spcPct val="20000"/>
+              </a:spcBef>
+              <a:buFont typeface="Arial" pitchFamily="34" charset="0"/>
+              <a:buNone/>
+              <a:defRPr sz="2400" kern="1200">
+                <a:solidFill>
+                  <a:schemeClr val="tx1"/>
+                </a:solidFill>
+                <a:latin typeface="+mn-lt"/>
+                <a:ea typeface="+mn-ea"/>
+                <a:cs typeface="+mn-cs"/>
+              </a:defRPr>
+            </a:lvl3pPr>
+            <a:lvl4pPr marL="1371600" indent="0" algn="l" defTabSz="914400" rtl="0" eaLnBrk="1" latinLnBrk="0" hangingPunct="1">
+              <a:spcBef>
+                <a:spcPct val="20000"/>
+              </a:spcBef>
+              <a:buFont typeface="Arial" pitchFamily="34" charset="0"/>
+              <a:buNone/>
+              <a:defRPr sz="2000" kern="1200">
+                <a:solidFill>
+                  <a:schemeClr val="tx1"/>
+                </a:solidFill>
+                <a:latin typeface="+mn-lt"/>
+                <a:ea typeface="+mn-ea"/>
+                <a:cs typeface="+mn-cs"/>
+              </a:defRPr>
+            </a:lvl4pPr>
+            <a:lvl5pPr marL="1828800" indent="0" algn="l" defTabSz="914400" rtl="0" eaLnBrk="1" latinLnBrk="0" hangingPunct="1">
+              <a:spcBef>
+                <a:spcPct val="20000"/>
+              </a:spcBef>
+              <a:buFont typeface="Arial" pitchFamily="34" charset="0"/>
+              <a:buNone/>
+              <a:defRPr sz="2000" kern="1200">
+                <a:solidFill>
+                  <a:schemeClr val="tx1"/>
+                </a:solidFill>
+                <a:latin typeface="+mn-lt"/>
+                <a:ea typeface="+mn-ea"/>
+                <a:cs typeface="+mn-cs"/>
+              </a:defRPr>
+            </a:lvl5pPr>
+            <a:lvl6pPr marL="2286000" indent="0" algn="l" defTabSz="914400" rtl="0" eaLnBrk="1" latinLnBrk="0" hangingPunct="1">
+              <a:spcBef>
+                <a:spcPct val="20000"/>
+              </a:spcBef>
+              <a:buFont typeface="Arial" pitchFamily="34" charset="0"/>
+              <a:buNone/>
+              <a:defRPr sz="2000" kern="1200">
+                <a:solidFill>
+                  <a:schemeClr val="tx1"/>
+                </a:solidFill>
+                <a:latin typeface="+mn-lt"/>
+                <a:ea typeface="+mn-ea"/>
+                <a:cs typeface="+mn-cs"/>
+              </a:defRPr>
+            </a:lvl6pPr>
+            <a:lvl7pPr marL="2743200" indent="0" algn="l" defTabSz="914400" rtl="0" eaLnBrk="1" latinLnBrk="0" hangingPunct="1">
+              <a:spcBef>
+                <a:spcPct val="20000"/>
+              </a:spcBef>
+              <a:buFont typeface="Arial" pitchFamily="34" charset="0"/>
+              <a:buNone/>
+              <a:defRPr sz="2000" kern="1200">
+                <a:solidFill>
+                  <a:schemeClr val="tx1"/>
+                </a:solidFill>
+                <a:latin typeface="+mn-lt"/>
+                <a:ea typeface="+mn-ea"/>
+                <a:cs typeface="+mn-cs"/>
+              </a:defRPr>
+            </a:lvl7pPr>
+            <a:lvl8pPr marL="3200400" indent="0" algn="l" defTabSz="914400" rtl="0" eaLnBrk="1" latinLnBrk="0" hangingPunct="1">
+              <a:spcBef>
+                <a:spcPct val="20000"/>
+              </a:spcBef>
+              <a:buFont typeface="Arial" pitchFamily="34" charset="0"/>
+              <a:buNone/>
+              <a:defRPr sz="2000" kern="1200">
+                <a:solidFill>
+                  <a:schemeClr val="tx1"/>
+                </a:solidFill>
+                <a:latin typeface="+mn-lt"/>
+                <a:ea typeface="+mn-ea"/>
+                <a:cs typeface="+mn-cs"/>
+              </a:defRPr>
+            </a:lvl8pPr>
+            <a:lvl9pPr marL="3657600" indent="0" algn="l" defTabSz="914400" rtl="0" eaLnBrk="1" latinLnBrk="0" hangingPunct="1">
+              <a:spcBef>
+                <a:spcPct val="20000"/>
+              </a:spcBef>
+              <a:buFont typeface="Arial" pitchFamily="34" charset="0"/>
+              <a:buNone/>
+              <a:defRPr sz="2000" kern="1200">
+                <a:solidFill>
+                  <a:schemeClr val="tx1"/>
+                </a:solidFill>
+                <a:latin typeface="+mn-lt"/>
+                <a:ea typeface="+mn-ea"/>
+                <a:cs typeface="+mn-cs"/>
+              </a:defRPr>
+            </a:lvl9pPr>
+          </a:lstStyle>
+          <a:p>
+            <a:pPr marL="571500" indent="-571500">
+              <a:buFont typeface="Arial" panose="020B0604020202020204" pitchFamily="34" charset="0"/>
+              <a:buChar char="•"/>
+            </a:pPr>
+            <a:endParaRPr lang="en-GB" dirty="0">
+              <a:solidFill>
+                <a:schemeClr val="bg1"/>
+              </a:solidFill>
+            </a:endParaRPr>
+          </a:p>
+          <a:p>
+            <a:pPr marL="571500" indent="-571500">
+              <a:buFont typeface="Arial" panose="020B0604020202020204" pitchFamily="34" charset="0"/>
+              <a:buChar char="•"/>
+            </a:pPr>
+            <a:endParaRPr lang="en-US" dirty="0">
+              <a:solidFill>
+                <a:schemeClr val="bg1"/>
+              </a:solidFill>
+            </a:endParaRPr>
+          </a:p>
+        </p:txBody>
+      </p:sp>
+      <p:sp>
+        <p:nvSpPr>
+          <p:cNvPr id="17" name="Rectangle: Rounded Corners 16">
+            <a:extLst>
+              <a:ext uri="{FF2B5EF4-FFF2-40B4-BE49-F238E27FC236}">
+                <a16:creationId xmlns:a16="http://schemas.microsoft.com/office/drawing/2014/main" id="{55BF22B5-5246-45C5-8640-8BFFF596ECF2}"/>
               </a:ext>
             </a:extLst>
           </p:cNvPr>
@@ -7564,8 +9007,8 @@
         </p:nvSpPr>
         <p:spPr>
           <a:xfrm>
-            <a:off x="381000" y="1219200"/>
-            <a:ext cx="1676400" cy="685800"/>
+            <a:off x="7620000" y="1071545"/>
+            <a:ext cx="1219200" cy="381000"/>
           </a:xfrm>
           <a:prstGeom prst="roundRect">
             <a:avLst/>
@@ -7594,17 +9037,17 @@
             <a:pPr algn="ctr"/>
             <a:r>
               <a:rPr lang="en-GB" dirty="0"/>
-              <a:t>JavaScript</a:t>
+              <a:t>REG_A</a:t>
             </a:r>
           </a:p>
         </p:txBody>
       </p:sp>
       <p:sp>
         <p:nvSpPr>
-          <p:cNvPr id="52" name="Rectangle: Rounded Corners 51">
+          <p:cNvPr id="18" name="Rectangle: Rounded Corners 17">
             <a:extLst>
               <a:ext uri="{FF2B5EF4-FFF2-40B4-BE49-F238E27FC236}">
-                <a16:creationId xmlns:a16="http://schemas.microsoft.com/office/drawing/2014/main" id="{7EC2B06C-32F9-4DDD-B953-FCB0C8F0FEC2}"/>
+                <a16:creationId xmlns:a16="http://schemas.microsoft.com/office/drawing/2014/main" id="{C74BACE3-7234-4FBB-AD79-8E9D0C918098}"/>
               </a:ext>
             </a:extLst>
           </p:cNvPr>
@@ -7613,8 +9056,8 @@
         </p:nvSpPr>
         <p:spPr>
           <a:xfrm>
-            <a:off x="2286000" y="1219200"/>
-            <a:ext cx="1676400" cy="685800"/>
+            <a:off x="7620000" y="1738296"/>
+            <a:ext cx="1219200" cy="381000"/>
           </a:xfrm>
           <a:prstGeom prst="roundRect">
             <a:avLst/>
@@ -7643,17 +9086,17 @@
             <a:pPr algn="ctr"/>
             <a:r>
               <a:rPr lang="en-GB" dirty="0"/>
-              <a:t>AST</a:t>
+              <a:t>REG_B</a:t>
             </a:r>
           </a:p>
         </p:txBody>
       </p:sp>
       <p:sp>
         <p:nvSpPr>
-          <p:cNvPr id="53" name="Rectangle: Rounded Corners 52">
+          <p:cNvPr id="8" name="Rectangle: Rounded Corners 7">
             <a:extLst>
               <a:ext uri="{FF2B5EF4-FFF2-40B4-BE49-F238E27FC236}">
-                <a16:creationId xmlns:a16="http://schemas.microsoft.com/office/drawing/2014/main" id="{DA7B5B27-4C9D-4430-982A-6D02FB84B3D8}"/>
+                <a16:creationId xmlns:a16="http://schemas.microsoft.com/office/drawing/2014/main" id="{0806B8C3-0F19-447B-9827-7080DF848062}"/>
               </a:ext>
             </a:extLst>
           </p:cNvPr>
@@ -7662,8 +9105,8 @@
         </p:nvSpPr>
         <p:spPr>
           <a:xfrm>
-            <a:off x="4724400" y="4435622"/>
-            <a:ext cx="1676400" cy="685800"/>
+            <a:off x="7620000" y="2381249"/>
+            <a:ext cx="1219200" cy="381000"/>
           </a:xfrm>
           <a:prstGeom prst="roundRect">
             <a:avLst/>
@@ -7692,17 +9135,17 @@
             <a:pPr algn="ctr"/>
             <a:r>
               <a:rPr lang="en-GB" dirty="0"/>
-              <a:t>Simple JIT</a:t>
+              <a:t>REG_SP</a:t>
             </a:r>
           </a:p>
         </p:txBody>
       </p:sp>
       <p:sp>
         <p:nvSpPr>
-          <p:cNvPr id="54" name="Rectangle: Rounded Corners 53">
+          <p:cNvPr id="9" name="Rectangle: Rounded Corners 8">
             <a:extLst>
               <a:ext uri="{FF2B5EF4-FFF2-40B4-BE49-F238E27FC236}">
-                <a16:creationId xmlns:a16="http://schemas.microsoft.com/office/drawing/2014/main" id="{FD5973B4-84BF-4A45-850E-6B45F9E7B881}"/>
+                <a16:creationId xmlns:a16="http://schemas.microsoft.com/office/drawing/2014/main" id="{2181DA97-9D7A-4F23-A6F3-8EC128375CBF}"/>
               </a:ext>
             </a:extLst>
           </p:cNvPr>
@@ -7711,8 +9154,8 @@
         </p:nvSpPr>
         <p:spPr>
           <a:xfrm>
-            <a:off x="4724400" y="5562600"/>
-            <a:ext cx="1676400" cy="685800"/>
+            <a:off x="7620000" y="3048000"/>
+            <a:ext cx="1219200" cy="381000"/>
           </a:xfrm>
           <a:prstGeom prst="roundRect">
             <a:avLst/>
@@ -7741,59 +9184,17 @@
             <a:pPr algn="ctr"/>
             <a:r>
               <a:rPr lang="en-GB" dirty="0"/>
-              <a:t>Full JIT</a:t>
+              <a:t>REG_BP</a:t>
             </a:r>
           </a:p>
         </p:txBody>
       </p:sp>
-      <p:cxnSp>
-        <p:nvCxnSpPr>
-          <p:cNvPr id="61" name="Straight Arrow Connector 60">
+      <p:sp>
+        <p:nvSpPr>
+          <p:cNvPr id="13" name="TextBox 12">
             <a:extLst>
               <a:ext uri="{FF2B5EF4-FFF2-40B4-BE49-F238E27FC236}">
-                <a16:creationId xmlns:a16="http://schemas.microsoft.com/office/drawing/2014/main" id="{0F13AB00-B4D9-42C9-A5A3-090BBBC4CFC5}"/>
-              </a:ext>
-            </a:extLst>
-          </p:cNvPr>
-          <p:cNvCxnSpPr>
-            <a:stCxn id="51" idx="3"/>
-            <a:endCxn id="52" idx="1"/>
-          </p:cNvCxnSpPr>
-          <p:nvPr/>
-        </p:nvCxnSpPr>
-        <p:spPr>
-          <a:xfrm>
-            <a:off x="2057400" y="1562100"/>
-            <a:ext cx="228600" cy="0"/>
-          </a:xfrm>
-          <a:prstGeom prst="straightConnector1">
-            <a:avLst/>
-          </a:prstGeom>
-          <a:ln>
-            <a:tailEnd type="triangle"/>
-          </a:ln>
-        </p:spPr>
-        <p:style>
-          <a:lnRef idx="1">
-            <a:schemeClr val="accent1"/>
-          </a:lnRef>
-          <a:fillRef idx="0">
-            <a:schemeClr val="accent1"/>
-          </a:fillRef>
-          <a:effectRef idx="0">
-            <a:schemeClr val="accent1"/>
-          </a:effectRef>
-          <a:fontRef idx="minor">
-            <a:schemeClr val="tx1"/>
-          </a:fontRef>
-        </p:style>
-      </p:cxnSp>
-      <p:sp>
-        <p:nvSpPr>
-          <p:cNvPr id="62" name="TextBox 61">
-            <a:extLst>
-              <a:ext uri="{FF2B5EF4-FFF2-40B4-BE49-F238E27FC236}">
-                <a16:creationId xmlns:a16="http://schemas.microsoft.com/office/drawing/2014/main" id="{A1E33E78-C942-470F-9A5A-43BA86B86583}"/>
+                <a16:creationId xmlns:a16="http://schemas.microsoft.com/office/drawing/2014/main" id="{15267C53-BA1B-48E1-9221-57248D42053E}"/>
               </a:ext>
             </a:extLst>
           </p:cNvPr>
@@ -7802,47 +9203,8 @@
         </p:nvSpPr>
         <p:spPr>
           <a:xfrm>
-            <a:off x="348342" y="4511822"/>
-            <a:ext cx="1442108" cy="369332"/>
-          </a:xfrm>
-          <a:prstGeom prst="rect">
-            <a:avLst/>
-          </a:prstGeom>
-          <a:noFill/>
-        </p:spPr>
-        <p:txBody>
-          <a:bodyPr wrap="square" rtlCol="0" anchor="t" anchorCtr="0">
-            <a:spAutoFit/>
-          </a:bodyPr>
-          <a:lstStyle/>
-          <a:p>
-            <a:r>
-              <a:rPr lang="en-GB" dirty="0">
-                <a:solidFill>
-                  <a:schemeClr val="bg1"/>
-                </a:solidFill>
-              </a:rPr>
-              <a:t>Hot (&gt;1000)</a:t>
-            </a:r>
-          </a:p>
-        </p:txBody>
-      </p:sp>
-      <p:sp>
-        <p:nvSpPr>
-          <p:cNvPr id="64" name="TextBox 63">
-            <a:extLst>
-              <a:ext uri="{FF2B5EF4-FFF2-40B4-BE49-F238E27FC236}">
-                <a16:creationId xmlns:a16="http://schemas.microsoft.com/office/drawing/2014/main" id="{E9475C67-8704-4186-9B54-5A6159A0A880}"/>
-              </a:ext>
-            </a:extLst>
-          </p:cNvPr>
-          <p:cNvSpPr txBox="1"/>
-          <p:nvPr/>
-        </p:nvSpPr>
-        <p:spPr>
-          <a:xfrm>
-            <a:off x="380999" y="5742690"/>
-            <a:ext cx="2438401" cy="369332"/>
+            <a:off x="609600" y="928670"/>
+            <a:ext cx="6934200" cy="3416320"/>
           </a:xfrm>
           <a:prstGeom prst="rect">
             <a:avLst/>
@@ -7855,616 +9217,123 @@
           </a:bodyPr>
           <a:lstStyle/>
           <a:p>
+            <a:endParaRPr lang="en-GB" dirty="0">
+              <a:solidFill>
+                <a:schemeClr val="bg1"/>
+              </a:solidFill>
+            </a:endParaRPr>
+          </a:p>
+          <a:p>
             <a:r>
               <a:rPr lang="en-GB" dirty="0">
                 <a:solidFill>
                   <a:schemeClr val="bg1"/>
                 </a:solidFill>
               </a:rPr>
-              <a:t>Extra Hot (&gt;100000)</a:t>
+              <a:t>Branching:</a:t>
+            </a:r>
+          </a:p>
+          <a:p>
+            <a:r>
+              <a:rPr lang="en-GB" dirty="0">
+                <a:solidFill>
+                  <a:schemeClr val="bg1"/>
+                </a:solidFill>
+              </a:rPr>
+              <a:t>	COUNT_TO_TEN:</a:t>
+            </a:r>
+          </a:p>
+          <a:p>
+            <a:r>
+              <a:rPr lang="en-GB" dirty="0">
+                <a:solidFill>
+                  <a:schemeClr val="bg1"/>
+                </a:solidFill>
+              </a:rPr>
+              <a:t>		push REG_SP</a:t>
+            </a:r>
+          </a:p>
+          <a:p>
+            <a:endParaRPr lang="en-GB" dirty="0">
+              <a:solidFill>
+                <a:schemeClr val="bg1"/>
+              </a:solidFill>
+            </a:endParaRPr>
+          </a:p>
+          <a:p>
+            <a:endParaRPr lang="en-GB" dirty="0">
+              <a:solidFill>
+                <a:schemeClr val="bg1"/>
+              </a:solidFill>
+            </a:endParaRPr>
+          </a:p>
+          <a:p>
+            <a:r>
+              <a:rPr lang="en-GB" dirty="0">
+                <a:solidFill>
+                  <a:schemeClr val="bg1"/>
+                </a:solidFill>
+              </a:rPr>
+              <a:t>		pop REG_SP</a:t>
+            </a:r>
+          </a:p>
+          <a:p>
+            <a:r>
+              <a:rPr lang="en-GB" dirty="0">
+                <a:solidFill>
+                  <a:schemeClr val="bg1"/>
+                </a:solidFill>
+              </a:rPr>
+              <a:t>		ret</a:t>
+            </a:r>
+            <a:endParaRPr lang="en-GB" dirty="0">
+              <a:solidFill>
+                <a:schemeClr val="accent3">
+                  <a:lumMod val="50000"/>
+                </a:schemeClr>
+              </a:solidFill>
+            </a:endParaRPr>
+          </a:p>
+          <a:p>
+            <a:endParaRPr lang="en-GB" dirty="0">
+              <a:solidFill>
+                <a:schemeClr val="bg1"/>
+              </a:solidFill>
+            </a:endParaRPr>
+          </a:p>
+          <a:p>
+            <a:endParaRPr lang="en-GB" dirty="0">
+              <a:solidFill>
+                <a:schemeClr val="bg1"/>
+              </a:solidFill>
+            </a:endParaRPr>
+          </a:p>
+          <a:p>
+            <a:r>
+              <a:rPr lang="en-GB" dirty="0">
+                <a:solidFill>
+                  <a:schemeClr val="bg1"/>
+                </a:solidFill>
+              </a:rPr>
+              <a:t>	push 0x0A</a:t>
+            </a:r>
+          </a:p>
+          <a:p>
+            <a:r>
+              <a:rPr lang="en-GB" dirty="0">
+                <a:solidFill>
+                  <a:schemeClr val="bg1"/>
+                </a:solidFill>
+              </a:rPr>
+              <a:t>	push 0x20</a:t>
             </a:r>
           </a:p>
         </p:txBody>
       </p:sp>
-      <p:sp>
-        <p:nvSpPr>
-          <p:cNvPr id="76" name="TextBox 75">
-            <a:extLst>
-              <a:ext uri="{FF2B5EF4-FFF2-40B4-BE49-F238E27FC236}">
-                <a16:creationId xmlns:a16="http://schemas.microsoft.com/office/drawing/2014/main" id="{F7A70200-CFC6-4442-B4C1-251A137B910C}"/>
-              </a:ext>
-            </a:extLst>
-          </p:cNvPr>
-          <p:cNvSpPr txBox="1"/>
-          <p:nvPr/>
-        </p:nvSpPr>
-        <p:spPr>
-          <a:xfrm>
-            <a:off x="6553200" y="3292622"/>
-            <a:ext cx="846707" cy="369332"/>
-          </a:xfrm>
-          <a:prstGeom prst="rect">
-            <a:avLst/>
-          </a:prstGeom>
-          <a:noFill/>
-        </p:spPr>
-        <p:txBody>
-          <a:bodyPr wrap="none" rtlCol="0">
-            <a:spAutoFit/>
-          </a:bodyPr>
-          <a:lstStyle/>
-          <a:p>
-            <a:r>
-              <a:rPr lang="en-GB" dirty="0">
-                <a:solidFill>
-                  <a:schemeClr val="bg1"/>
-                </a:solidFill>
-              </a:rPr>
-              <a:t>Bailout</a:t>
-            </a:r>
-          </a:p>
-        </p:txBody>
-      </p:sp>
-      <p:sp>
-        <p:nvSpPr>
-          <p:cNvPr id="78" name="Rectangle: Rounded Corners 77">
-            <a:extLst>
-              <a:ext uri="{FF2B5EF4-FFF2-40B4-BE49-F238E27FC236}">
-                <a16:creationId xmlns:a16="http://schemas.microsoft.com/office/drawing/2014/main" id="{B13D2CB9-7351-4EA9-B297-E53D8FDC398C}"/>
-              </a:ext>
-            </a:extLst>
-          </p:cNvPr>
-          <p:cNvSpPr/>
-          <p:nvPr/>
-        </p:nvSpPr>
-        <p:spPr>
-          <a:xfrm>
-            <a:off x="4724400" y="3308644"/>
-            <a:ext cx="1676400" cy="685800"/>
-          </a:xfrm>
-          <a:prstGeom prst="roundRect">
-            <a:avLst/>
-          </a:prstGeom>
-        </p:spPr>
-        <p:style>
-          <a:lnRef idx="2">
-            <a:schemeClr val="accent1">
-              <a:shade val="50000"/>
-            </a:schemeClr>
-          </a:lnRef>
-          <a:fillRef idx="1">
-            <a:schemeClr val="accent1"/>
-          </a:fillRef>
-          <a:effectRef idx="0">
-            <a:schemeClr val="accent1"/>
-          </a:effectRef>
-          <a:fontRef idx="minor">
-            <a:schemeClr val="lt1"/>
-          </a:fontRef>
-        </p:style>
-        <p:txBody>
-          <a:bodyPr rtlCol="0" anchor="ctr"/>
-          <a:lstStyle/>
-          <a:p>
-            <a:pPr algn="ctr"/>
-            <a:r>
-              <a:rPr lang="en-GB" dirty="0"/>
-              <a:t>AST Interpreter</a:t>
-            </a:r>
-          </a:p>
-        </p:txBody>
-      </p:sp>
-      <p:cxnSp>
-        <p:nvCxnSpPr>
-          <p:cNvPr id="84" name="Connector: Elbow 83">
-            <a:extLst>
-              <a:ext uri="{FF2B5EF4-FFF2-40B4-BE49-F238E27FC236}">
-                <a16:creationId xmlns:a16="http://schemas.microsoft.com/office/drawing/2014/main" id="{67094F98-DD9D-48D8-A28D-9185A2BADE91}"/>
-              </a:ext>
-            </a:extLst>
-          </p:cNvPr>
-          <p:cNvCxnSpPr>
-            <a:stCxn id="52" idx="3"/>
-            <a:endCxn id="78" idx="1"/>
-          </p:cNvCxnSpPr>
-          <p:nvPr/>
-        </p:nvCxnSpPr>
-        <p:spPr>
-          <a:xfrm>
-            <a:off x="3962400" y="1562100"/>
-            <a:ext cx="762000" cy="2089444"/>
-          </a:xfrm>
-          <a:prstGeom prst="bentConnector3">
-            <a:avLst/>
-          </a:prstGeom>
-          <a:ln>
-            <a:tailEnd type="triangle"/>
-          </a:ln>
-        </p:spPr>
-        <p:style>
-          <a:lnRef idx="1">
-            <a:schemeClr val="accent1"/>
-          </a:lnRef>
-          <a:fillRef idx="0">
-            <a:schemeClr val="accent1"/>
-          </a:fillRef>
-          <a:effectRef idx="0">
-            <a:schemeClr val="accent1"/>
-          </a:effectRef>
-          <a:fontRef idx="minor">
-            <a:schemeClr val="tx1"/>
-          </a:fontRef>
-        </p:style>
-      </p:cxnSp>
-      <p:cxnSp>
-        <p:nvCxnSpPr>
-          <p:cNvPr id="86" name="Connector: Elbow 85">
-            <a:extLst>
-              <a:ext uri="{FF2B5EF4-FFF2-40B4-BE49-F238E27FC236}">
-                <a16:creationId xmlns:a16="http://schemas.microsoft.com/office/drawing/2014/main" id="{FC0F1233-731D-4F90-9B82-D75DDB422852}"/>
-              </a:ext>
-            </a:extLst>
-          </p:cNvPr>
-          <p:cNvCxnSpPr>
-            <a:stCxn id="52" idx="3"/>
-            <a:endCxn id="53" idx="1"/>
-          </p:cNvCxnSpPr>
-          <p:nvPr/>
-        </p:nvCxnSpPr>
-        <p:spPr>
-          <a:xfrm>
-            <a:off x="3962400" y="1562100"/>
-            <a:ext cx="762000" cy="3216422"/>
-          </a:xfrm>
-          <a:prstGeom prst="bentConnector3">
-            <a:avLst/>
-          </a:prstGeom>
-          <a:ln>
-            <a:tailEnd type="triangle"/>
-          </a:ln>
-        </p:spPr>
-        <p:style>
-          <a:lnRef idx="1">
-            <a:schemeClr val="accent1"/>
-          </a:lnRef>
-          <a:fillRef idx="0">
-            <a:schemeClr val="accent1"/>
-          </a:fillRef>
-          <a:effectRef idx="0">
-            <a:schemeClr val="accent1"/>
-          </a:effectRef>
-          <a:fontRef idx="minor">
-            <a:schemeClr val="tx1"/>
-          </a:fontRef>
-        </p:style>
-      </p:cxnSp>
-      <p:cxnSp>
-        <p:nvCxnSpPr>
-          <p:cNvPr id="88" name="Connector: Elbow 87">
-            <a:extLst>
-              <a:ext uri="{FF2B5EF4-FFF2-40B4-BE49-F238E27FC236}">
-                <a16:creationId xmlns:a16="http://schemas.microsoft.com/office/drawing/2014/main" id="{05A91D2F-96CE-4E82-B43E-9A5472CD63D0}"/>
-              </a:ext>
-            </a:extLst>
-          </p:cNvPr>
-          <p:cNvCxnSpPr>
-            <a:stCxn id="52" idx="3"/>
-            <a:endCxn id="54" idx="1"/>
-          </p:cNvCxnSpPr>
-          <p:nvPr/>
-        </p:nvCxnSpPr>
-        <p:spPr>
-          <a:xfrm>
-            <a:off x="3962400" y="1562100"/>
-            <a:ext cx="762000" cy="4343400"/>
-          </a:xfrm>
-          <a:prstGeom prst="bentConnector3">
-            <a:avLst/>
-          </a:prstGeom>
-          <a:ln>
-            <a:tailEnd type="triangle"/>
-          </a:ln>
-        </p:spPr>
-        <p:style>
-          <a:lnRef idx="1">
-            <a:schemeClr val="accent1"/>
-          </a:lnRef>
-          <a:fillRef idx="0">
-            <a:schemeClr val="accent1"/>
-          </a:fillRef>
-          <a:effectRef idx="0">
-            <a:schemeClr val="accent1"/>
-          </a:effectRef>
-          <a:fontRef idx="minor">
-            <a:schemeClr val="tx1"/>
-          </a:fontRef>
-        </p:style>
-      </p:cxnSp>
-      <p:cxnSp>
-        <p:nvCxnSpPr>
-          <p:cNvPr id="92" name="Connector: Elbow 91">
-            <a:extLst>
-              <a:ext uri="{FF2B5EF4-FFF2-40B4-BE49-F238E27FC236}">
-                <a16:creationId xmlns:a16="http://schemas.microsoft.com/office/drawing/2014/main" id="{FDFCEB2B-8079-4807-A2F3-AEE1DA4D2578}"/>
-              </a:ext>
-            </a:extLst>
-          </p:cNvPr>
-          <p:cNvCxnSpPr>
-            <a:stCxn id="53" idx="3"/>
-            <a:endCxn id="78" idx="3"/>
-          </p:cNvCxnSpPr>
-          <p:nvPr/>
-        </p:nvCxnSpPr>
-        <p:spPr>
-          <a:xfrm flipV="1">
-            <a:off x="6400800" y="3651544"/>
-            <a:ext cx="12700" cy="1126978"/>
-          </a:xfrm>
-          <a:prstGeom prst="bentConnector3">
-            <a:avLst>
-              <a:gd name="adj1" fmla="val 7171433"/>
-            </a:avLst>
-          </a:prstGeom>
-          <a:ln>
-            <a:tailEnd type="triangle"/>
-          </a:ln>
-        </p:spPr>
-        <p:style>
-          <a:lnRef idx="1">
-            <a:schemeClr val="accent1"/>
-          </a:lnRef>
-          <a:fillRef idx="0">
-            <a:schemeClr val="accent1"/>
-          </a:fillRef>
-          <a:effectRef idx="0">
-            <a:schemeClr val="accent1"/>
-          </a:effectRef>
-          <a:fontRef idx="minor">
-            <a:schemeClr val="tx1"/>
-          </a:fontRef>
-        </p:style>
-      </p:cxnSp>
-      <p:cxnSp>
-        <p:nvCxnSpPr>
-          <p:cNvPr id="94" name="Connector: Elbow 93">
-            <a:extLst>
-              <a:ext uri="{FF2B5EF4-FFF2-40B4-BE49-F238E27FC236}">
-                <a16:creationId xmlns:a16="http://schemas.microsoft.com/office/drawing/2014/main" id="{1BC9866A-DF14-410E-BB13-7A15209B725F}"/>
-              </a:ext>
-            </a:extLst>
-          </p:cNvPr>
-          <p:cNvCxnSpPr>
-            <a:stCxn id="54" idx="3"/>
-            <a:endCxn id="78" idx="3"/>
-          </p:cNvCxnSpPr>
-          <p:nvPr/>
-        </p:nvCxnSpPr>
-        <p:spPr>
-          <a:xfrm flipV="1">
-            <a:off x="6400800" y="3651544"/>
-            <a:ext cx="12700" cy="2253956"/>
-          </a:xfrm>
-          <a:prstGeom prst="bentConnector3">
-            <a:avLst>
-              <a:gd name="adj1" fmla="val 7171425"/>
-            </a:avLst>
-          </a:prstGeom>
-          <a:ln>
-            <a:tailEnd type="triangle"/>
-          </a:ln>
-        </p:spPr>
-        <p:style>
-          <a:lnRef idx="1">
-            <a:schemeClr val="accent1"/>
-          </a:lnRef>
-          <a:fillRef idx="0">
-            <a:schemeClr val="accent1"/>
-          </a:fillRef>
-          <a:effectRef idx="0">
-            <a:schemeClr val="accent1"/>
-          </a:effectRef>
-          <a:fontRef idx="minor">
-            <a:schemeClr val="tx1"/>
-          </a:fontRef>
-        </p:style>
-      </p:cxnSp>
-      <p:cxnSp>
-        <p:nvCxnSpPr>
-          <p:cNvPr id="100" name="Straight Connector 99">
-            <a:extLst>
-              <a:ext uri="{FF2B5EF4-FFF2-40B4-BE49-F238E27FC236}">
-                <a16:creationId xmlns:a16="http://schemas.microsoft.com/office/drawing/2014/main" id="{A48269E2-82B7-49E0-A5CD-465B37242EA6}"/>
-              </a:ext>
-            </a:extLst>
-          </p:cNvPr>
-          <p:cNvCxnSpPr>
-            <a:cxnSpLocks/>
-          </p:cNvCxnSpPr>
-          <p:nvPr/>
-        </p:nvCxnSpPr>
-        <p:spPr>
-          <a:xfrm>
-            <a:off x="457200" y="5350022"/>
-            <a:ext cx="8229600" cy="0"/>
-          </a:xfrm>
-          <a:prstGeom prst="line">
-            <a:avLst/>
-          </a:prstGeom>
-        </p:spPr>
-        <p:style>
-          <a:lnRef idx="1">
-            <a:schemeClr val="accent6"/>
-          </a:lnRef>
-          <a:fillRef idx="0">
-            <a:schemeClr val="accent6"/>
-          </a:fillRef>
-          <a:effectRef idx="0">
-            <a:schemeClr val="accent6"/>
-          </a:effectRef>
-          <a:fontRef idx="minor">
-            <a:schemeClr val="tx1"/>
-          </a:fontRef>
-        </p:style>
-      </p:cxnSp>
-      <p:cxnSp>
-        <p:nvCxnSpPr>
-          <p:cNvPr id="103" name="Straight Connector 102">
-            <a:extLst>
-              <a:ext uri="{FF2B5EF4-FFF2-40B4-BE49-F238E27FC236}">
-                <a16:creationId xmlns:a16="http://schemas.microsoft.com/office/drawing/2014/main" id="{8DB488B3-68DB-4A42-BA9B-1B47FC68A1C5}"/>
-              </a:ext>
-            </a:extLst>
-          </p:cNvPr>
-          <p:cNvCxnSpPr>
-            <a:cxnSpLocks/>
-          </p:cNvCxnSpPr>
-          <p:nvPr/>
-        </p:nvCxnSpPr>
-        <p:spPr>
-          <a:xfrm>
-            <a:off x="457200" y="4207022"/>
-            <a:ext cx="8229600" cy="0"/>
-          </a:xfrm>
-          <a:prstGeom prst="line">
-            <a:avLst/>
-          </a:prstGeom>
-        </p:spPr>
-        <p:style>
-          <a:lnRef idx="1">
-            <a:schemeClr val="accent6"/>
-          </a:lnRef>
-          <a:fillRef idx="0">
-            <a:schemeClr val="accent6"/>
-          </a:fillRef>
-          <a:effectRef idx="0">
-            <a:schemeClr val="accent6"/>
-          </a:effectRef>
-          <a:fontRef idx="minor">
-            <a:schemeClr val="tx1"/>
-          </a:fontRef>
-        </p:style>
-      </p:cxnSp>
-      <p:cxnSp>
-        <p:nvCxnSpPr>
-          <p:cNvPr id="104" name="Straight Connector 103">
-            <a:extLst>
-              <a:ext uri="{FF2B5EF4-FFF2-40B4-BE49-F238E27FC236}">
-                <a16:creationId xmlns:a16="http://schemas.microsoft.com/office/drawing/2014/main" id="{B6BFC27F-3E6B-470B-96AF-E59A67ABF196}"/>
-              </a:ext>
-            </a:extLst>
-          </p:cNvPr>
-          <p:cNvCxnSpPr>
-            <a:cxnSpLocks/>
-          </p:cNvCxnSpPr>
-          <p:nvPr/>
-        </p:nvCxnSpPr>
-        <p:spPr>
-          <a:xfrm>
-            <a:off x="457200" y="3064022"/>
-            <a:ext cx="8229600" cy="0"/>
-          </a:xfrm>
-          <a:prstGeom prst="line">
-            <a:avLst/>
-          </a:prstGeom>
-        </p:spPr>
-        <p:style>
-          <a:lnRef idx="1">
-            <a:schemeClr val="accent6"/>
-          </a:lnRef>
-          <a:fillRef idx="0">
-            <a:schemeClr val="accent6"/>
-          </a:fillRef>
-          <a:effectRef idx="0">
-            <a:schemeClr val="accent6"/>
-          </a:effectRef>
-          <a:fontRef idx="minor">
-            <a:schemeClr val="tx1"/>
-          </a:fontRef>
-        </p:style>
-      </p:cxnSp>
-      <p:sp>
-        <p:nvSpPr>
-          <p:cNvPr id="105" name="TextBox 104">
-            <a:extLst>
-              <a:ext uri="{FF2B5EF4-FFF2-40B4-BE49-F238E27FC236}">
-                <a16:creationId xmlns:a16="http://schemas.microsoft.com/office/drawing/2014/main" id="{477236A1-DE73-45A5-B659-C50842C6F0EC}"/>
-              </a:ext>
-            </a:extLst>
-          </p:cNvPr>
-          <p:cNvSpPr txBox="1"/>
-          <p:nvPr/>
-        </p:nvSpPr>
-        <p:spPr>
-          <a:xfrm>
-            <a:off x="380999" y="3406921"/>
-            <a:ext cx="1442108" cy="369332"/>
-          </a:xfrm>
-          <a:prstGeom prst="rect">
-            <a:avLst/>
-          </a:prstGeom>
-          <a:noFill/>
-        </p:spPr>
-        <p:txBody>
-          <a:bodyPr wrap="square" rtlCol="0" anchor="t" anchorCtr="0">
-            <a:spAutoFit/>
-          </a:bodyPr>
-          <a:lstStyle/>
-          <a:p>
-            <a:r>
-              <a:rPr lang="en-GB" dirty="0">
-                <a:solidFill>
-                  <a:schemeClr val="bg1"/>
-                </a:solidFill>
-              </a:rPr>
-              <a:t>Cold</a:t>
-            </a:r>
-          </a:p>
-        </p:txBody>
-      </p:sp>
-      <p:sp>
-        <p:nvSpPr>
-          <p:cNvPr id="21" name="Rectangle: Rounded Corners 20">
-            <a:extLst>
-              <a:ext uri="{FF2B5EF4-FFF2-40B4-BE49-F238E27FC236}">
-                <a16:creationId xmlns:a16="http://schemas.microsoft.com/office/drawing/2014/main" id="{2028A857-EC55-4CB7-9283-65149E8A9597}"/>
-              </a:ext>
-            </a:extLst>
-          </p:cNvPr>
-          <p:cNvSpPr/>
-          <p:nvPr/>
-        </p:nvSpPr>
-        <p:spPr>
-          <a:xfrm>
-            <a:off x="386192" y="2133600"/>
-            <a:ext cx="1676400" cy="685800"/>
-          </a:xfrm>
-          <a:prstGeom prst="roundRect">
-            <a:avLst/>
-          </a:prstGeom>
-        </p:spPr>
-        <p:style>
-          <a:lnRef idx="2">
-            <a:schemeClr val="accent1">
-              <a:shade val="50000"/>
-            </a:schemeClr>
-          </a:lnRef>
-          <a:fillRef idx="1">
-            <a:schemeClr val="accent1"/>
-          </a:fillRef>
-          <a:effectRef idx="0">
-            <a:schemeClr val="accent1"/>
-          </a:effectRef>
-          <a:fontRef idx="minor">
-            <a:schemeClr val="lt1"/>
-          </a:fontRef>
-        </p:style>
-        <p:txBody>
-          <a:bodyPr rtlCol="0" anchor="ctr"/>
-          <a:lstStyle/>
-          <a:p>
-            <a:pPr algn="ctr"/>
-            <a:r>
-              <a:rPr lang="en-GB" dirty="0"/>
-              <a:t>WASM</a:t>
-            </a:r>
-          </a:p>
-        </p:txBody>
-      </p:sp>
-      <p:sp>
-        <p:nvSpPr>
-          <p:cNvPr id="22" name="Rectangle: Rounded Corners 21">
-            <a:extLst>
-              <a:ext uri="{FF2B5EF4-FFF2-40B4-BE49-F238E27FC236}">
-                <a16:creationId xmlns:a16="http://schemas.microsoft.com/office/drawing/2014/main" id="{D8E6D891-B372-4C64-85BD-754FDDB41B4C}"/>
-              </a:ext>
-            </a:extLst>
-          </p:cNvPr>
-          <p:cNvSpPr/>
-          <p:nvPr/>
-        </p:nvSpPr>
-        <p:spPr>
-          <a:xfrm>
-            <a:off x="2451100" y="3319054"/>
-            <a:ext cx="1676400" cy="685800"/>
-          </a:xfrm>
-          <a:prstGeom prst="roundRect">
-            <a:avLst/>
-          </a:prstGeom>
-        </p:spPr>
-        <p:style>
-          <a:lnRef idx="2">
-            <a:schemeClr val="accent1">
-              <a:shade val="50000"/>
-            </a:schemeClr>
-          </a:lnRef>
-          <a:fillRef idx="1">
-            <a:schemeClr val="accent1"/>
-          </a:fillRef>
-          <a:effectRef idx="0">
-            <a:schemeClr val="accent1"/>
-          </a:effectRef>
-          <a:fontRef idx="minor">
-            <a:schemeClr val="lt1"/>
-          </a:fontRef>
-        </p:style>
-        <p:txBody>
-          <a:bodyPr rtlCol="0" anchor="ctr"/>
-          <a:lstStyle/>
-          <a:p>
-            <a:pPr algn="ctr"/>
-            <a:r>
-              <a:rPr lang="en-GB" dirty="0"/>
-              <a:t>WASM VM</a:t>
-            </a:r>
-          </a:p>
-        </p:txBody>
-      </p:sp>
-      <p:cxnSp>
-        <p:nvCxnSpPr>
-          <p:cNvPr id="6" name="Connector: Elbow 5">
-            <a:extLst>
-              <a:ext uri="{FF2B5EF4-FFF2-40B4-BE49-F238E27FC236}">
-                <a16:creationId xmlns:a16="http://schemas.microsoft.com/office/drawing/2014/main" id="{43C41C93-CA17-4712-A614-60A6D44ADA2D}"/>
-              </a:ext>
-            </a:extLst>
-          </p:cNvPr>
-          <p:cNvCxnSpPr>
-            <a:stCxn id="21" idx="3"/>
-            <a:endCxn id="22" idx="1"/>
-          </p:cNvCxnSpPr>
-          <p:nvPr/>
-        </p:nvCxnSpPr>
-        <p:spPr>
-          <a:xfrm>
-            <a:off x="2062592" y="2476500"/>
-            <a:ext cx="388508" cy="1185454"/>
-          </a:xfrm>
-          <a:prstGeom prst="bentConnector3">
-            <a:avLst/>
-          </a:prstGeom>
-          <a:ln>
-            <a:tailEnd type="triangle"/>
-          </a:ln>
-        </p:spPr>
-        <p:style>
-          <a:lnRef idx="1">
-            <a:schemeClr val="accent1"/>
-          </a:lnRef>
-          <a:fillRef idx="0">
-            <a:schemeClr val="accent1"/>
-          </a:fillRef>
-          <a:effectRef idx="0">
-            <a:schemeClr val="accent1"/>
-          </a:effectRef>
-          <a:fontRef idx="minor">
-            <a:schemeClr val="tx1"/>
-          </a:fontRef>
-        </p:style>
-      </p:cxnSp>
     </p:spTree>
     <p:extLst>
       <p:ext uri="{BB962C8B-B14F-4D97-AF65-F5344CB8AC3E}">
-        <p14:creationId xmlns:p14="http://schemas.microsoft.com/office/powerpoint/2010/main" val="71980449"/>
+        <p14:creationId xmlns:p14="http://schemas.microsoft.com/office/powerpoint/2010/main" val="899030574"/>
       </p:ext>
     </p:extLst>
   </p:cSld>
@@ -8526,7 +9395,7 @@
                 </a:solidFill>
                 <a:latin typeface="Calibri" pitchFamily="34" charset="0"/>
               </a:rPr>
-              <a:t>#. Performance</a:t>
+              <a:t>#. Register Machine</a:t>
             </a:r>
           </a:p>
         </p:txBody>
@@ -8890,10 +9759,49 @@
           </a:p>
         </p:txBody>
       </p:sp>
+      <p:sp>
+        <p:nvSpPr>
+          <p:cNvPr id="2" name="TextBox 1">
+            <a:extLst>
+              <a:ext uri="{FF2B5EF4-FFF2-40B4-BE49-F238E27FC236}">
+                <a16:creationId xmlns:a16="http://schemas.microsoft.com/office/drawing/2014/main" id="{0B1DCBE0-C301-4738-B027-2A8BA3AF572B}"/>
+              </a:ext>
+            </a:extLst>
+          </p:cNvPr>
+          <p:cNvSpPr txBox="1"/>
+          <p:nvPr/>
+        </p:nvSpPr>
+        <p:spPr>
+          <a:xfrm>
+            <a:off x="1749868" y="3244334"/>
+            <a:ext cx="5949064" cy="369332"/>
+          </a:xfrm>
+          <a:prstGeom prst="rect">
+            <a:avLst/>
+          </a:prstGeom>
+          <a:noFill/>
+        </p:spPr>
+        <p:txBody>
+          <a:bodyPr wrap="none" rtlCol="0">
+            <a:spAutoFit/>
+          </a:bodyPr>
+          <a:lstStyle/>
+          <a:p>
+            <a:r>
+              <a:rPr lang="en-GB" dirty="0">
+                <a:solidFill>
+                  <a:schemeClr val="bg1"/>
+                </a:solidFill>
+              </a:rPr>
+              <a:t>Register Machine can simulate stack machines and vice versa </a:t>
+            </a:r>
+          </a:p>
+        </p:txBody>
+      </p:sp>
     </p:spTree>
     <p:extLst>
       <p:ext uri="{BB962C8B-B14F-4D97-AF65-F5344CB8AC3E}">
-        <p14:creationId xmlns:p14="http://schemas.microsoft.com/office/powerpoint/2010/main" val="1272949033"/>
+        <p14:creationId xmlns:p14="http://schemas.microsoft.com/office/powerpoint/2010/main" val="1304178095"/>
       </p:ext>
     </p:extLst>
   </p:cSld>
@@ -8955,7 +9863,7 @@
                 </a:solidFill>
                 <a:latin typeface="Calibri" pitchFamily="34" charset="0"/>
               </a:rPr>
-              <a:t>#. Limitations</a:t>
+              <a:t>#. Virtual Machine</a:t>
             </a:r>
           </a:p>
         </p:txBody>
@@ -9322,7 +10230,7 @@
     </p:spTree>
     <p:extLst>
       <p:ext uri="{BB962C8B-B14F-4D97-AF65-F5344CB8AC3E}">
-        <p14:creationId xmlns:p14="http://schemas.microsoft.com/office/powerpoint/2010/main" val="914059676"/>
+        <p14:creationId xmlns:p14="http://schemas.microsoft.com/office/powerpoint/2010/main" val="1894145740"/>
       </p:ext>
     </p:extLst>
   </p:cSld>
@@ -9384,7 +10292,7 @@
                 </a:solidFill>
                 <a:latin typeface="Calibri" pitchFamily="34" charset="0"/>
               </a:rPr>
-              <a:t>#. Real world examples</a:t>
+              <a:t>#. Machine / Byte Code</a:t>
             </a:r>
           </a:p>
         </p:txBody>
@@ -9748,280 +10656,10 @@
           </a:p>
         </p:txBody>
       </p:sp>
-      <p:sp>
-        <p:nvSpPr>
-          <p:cNvPr id="7" name="Content Placeholder 2">
-            <a:extLst>
-              <a:ext uri="{FF2B5EF4-FFF2-40B4-BE49-F238E27FC236}">
-                <a16:creationId xmlns:a16="http://schemas.microsoft.com/office/drawing/2014/main" id="{43AA64BF-AFBE-4DB8-9326-7742FF5AE898}"/>
-              </a:ext>
-            </a:extLst>
-          </p:cNvPr>
-          <p:cNvSpPr txBox="1">
-            <a:spLocks/>
-          </p:cNvSpPr>
-          <p:nvPr/>
-        </p:nvSpPr>
-        <p:spPr>
-          <a:xfrm>
-            <a:off x="152400" y="914401"/>
-            <a:ext cx="6553200" cy="5157805"/>
-          </a:xfrm>
-          <a:prstGeom prst="rect">
-            <a:avLst/>
-          </a:prstGeom>
-        </p:spPr>
-        <p:txBody>
-          <a:bodyPr vert="horz" lIns="91440" tIns="45720" rIns="91440" bIns="45720" rtlCol="0">
-            <a:normAutofit/>
-          </a:bodyPr>
-          <a:lstStyle>
-            <a:lvl1pPr marL="0" indent="0" algn="l" defTabSz="914400" rtl="0" eaLnBrk="1" latinLnBrk="0" hangingPunct="1">
-              <a:spcBef>
-                <a:spcPct val="20000"/>
-              </a:spcBef>
-              <a:buFont typeface="Arial" pitchFamily="34" charset="0"/>
-              <a:buNone/>
-              <a:defRPr sz="3200" kern="1200">
-                <a:solidFill>
-                  <a:schemeClr val="tx1"/>
-                </a:solidFill>
-                <a:latin typeface="+mn-lt"/>
-                <a:ea typeface="+mn-ea"/>
-                <a:cs typeface="+mn-cs"/>
-              </a:defRPr>
-            </a:lvl1pPr>
-            <a:lvl2pPr marL="457200" indent="0" algn="l" defTabSz="914400" rtl="0" eaLnBrk="1" latinLnBrk="0" hangingPunct="1">
-              <a:spcBef>
-                <a:spcPct val="20000"/>
-              </a:spcBef>
-              <a:buFont typeface="Arial" pitchFamily="34" charset="0"/>
-              <a:buNone/>
-              <a:defRPr sz="2800" kern="1200">
-                <a:solidFill>
-                  <a:schemeClr val="tx1"/>
-                </a:solidFill>
-                <a:latin typeface="+mn-lt"/>
-                <a:ea typeface="+mn-ea"/>
-                <a:cs typeface="+mn-cs"/>
-              </a:defRPr>
-            </a:lvl2pPr>
-            <a:lvl3pPr marL="914400" indent="0" algn="l" defTabSz="914400" rtl="0" eaLnBrk="1" latinLnBrk="0" hangingPunct="1">
-              <a:spcBef>
-                <a:spcPct val="20000"/>
-              </a:spcBef>
-              <a:buFont typeface="Arial" pitchFamily="34" charset="0"/>
-              <a:buNone/>
-              <a:defRPr sz="2400" kern="1200">
-                <a:solidFill>
-                  <a:schemeClr val="tx1"/>
-                </a:solidFill>
-                <a:latin typeface="+mn-lt"/>
-                <a:ea typeface="+mn-ea"/>
-                <a:cs typeface="+mn-cs"/>
-              </a:defRPr>
-            </a:lvl3pPr>
-            <a:lvl4pPr marL="1371600" indent="0" algn="l" defTabSz="914400" rtl="0" eaLnBrk="1" latinLnBrk="0" hangingPunct="1">
-              <a:spcBef>
-                <a:spcPct val="20000"/>
-              </a:spcBef>
-              <a:buFont typeface="Arial" pitchFamily="34" charset="0"/>
-              <a:buNone/>
-              <a:defRPr sz="2000" kern="1200">
-                <a:solidFill>
-                  <a:schemeClr val="tx1"/>
-                </a:solidFill>
-                <a:latin typeface="+mn-lt"/>
-                <a:ea typeface="+mn-ea"/>
-                <a:cs typeface="+mn-cs"/>
-              </a:defRPr>
-            </a:lvl4pPr>
-            <a:lvl5pPr marL="1828800" indent="0" algn="l" defTabSz="914400" rtl="0" eaLnBrk="1" latinLnBrk="0" hangingPunct="1">
-              <a:spcBef>
-                <a:spcPct val="20000"/>
-              </a:spcBef>
-              <a:buFont typeface="Arial" pitchFamily="34" charset="0"/>
-              <a:buNone/>
-              <a:defRPr sz="2000" kern="1200">
-                <a:solidFill>
-                  <a:schemeClr val="tx1"/>
-                </a:solidFill>
-                <a:latin typeface="+mn-lt"/>
-                <a:ea typeface="+mn-ea"/>
-                <a:cs typeface="+mn-cs"/>
-              </a:defRPr>
-            </a:lvl5pPr>
-            <a:lvl6pPr marL="2286000" indent="0" algn="l" defTabSz="914400" rtl="0" eaLnBrk="1" latinLnBrk="0" hangingPunct="1">
-              <a:spcBef>
-                <a:spcPct val="20000"/>
-              </a:spcBef>
-              <a:buFont typeface="Arial" pitchFamily="34" charset="0"/>
-              <a:buNone/>
-              <a:defRPr sz="2000" kern="1200">
-                <a:solidFill>
-                  <a:schemeClr val="tx1"/>
-                </a:solidFill>
-                <a:latin typeface="+mn-lt"/>
-                <a:ea typeface="+mn-ea"/>
-                <a:cs typeface="+mn-cs"/>
-              </a:defRPr>
-            </a:lvl6pPr>
-            <a:lvl7pPr marL="2743200" indent="0" algn="l" defTabSz="914400" rtl="0" eaLnBrk="1" latinLnBrk="0" hangingPunct="1">
-              <a:spcBef>
-                <a:spcPct val="20000"/>
-              </a:spcBef>
-              <a:buFont typeface="Arial" pitchFamily="34" charset="0"/>
-              <a:buNone/>
-              <a:defRPr sz="2000" kern="1200">
-                <a:solidFill>
-                  <a:schemeClr val="tx1"/>
-                </a:solidFill>
-                <a:latin typeface="+mn-lt"/>
-                <a:ea typeface="+mn-ea"/>
-                <a:cs typeface="+mn-cs"/>
-              </a:defRPr>
-            </a:lvl7pPr>
-            <a:lvl8pPr marL="3200400" indent="0" algn="l" defTabSz="914400" rtl="0" eaLnBrk="1" latinLnBrk="0" hangingPunct="1">
-              <a:spcBef>
-                <a:spcPct val="20000"/>
-              </a:spcBef>
-              <a:buFont typeface="Arial" pitchFamily="34" charset="0"/>
-              <a:buNone/>
-              <a:defRPr sz="2000" kern="1200">
-                <a:solidFill>
-                  <a:schemeClr val="tx1"/>
-                </a:solidFill>
-                <a:latin typeface="+mn-lt"/>
-                <a:ea typeface="+mn-ea"/>
-                <a:cs typeface="+mn-cs"/>
-              </a:defRPr>
-            </a:lvl8pPr>
-            <a:lvl9pPr marL="3657600" indent="0" algn="l" defTabSz="914400" rtl="0" eaLnBrk="1" latinLnBrk="0" hangingPunct="1">
-              <a:spcBef>
-                <a:spcPct val="20000"/>
-              </a:spcBef>
-              <a:buFont typeface="Arial" pitchFamily="34" charset="0"/>
-              <a:buNone/>
-              <a:defRPr sz="2000" kern="1200">
-                <a:solidFill>
-                  <a:schemeClr val="tx1"/>
-                </a:solidFill>
-                <a:latin typeface="+mn-lt"/>
-                <a:ea typeface="+mn-ea"/>
-                <a:cs typeface="+mn-cs"/>
-              </a:defRPr>
-            </a:lvl9pPr>
-          </a:lstStyle>
-          <a:p>
-            <a:pPr marL="457200" indent="-457200">
-              <a:buFont typeface="Arial" panose="020B0604020202020204" pitchFamily="34" charset="0"/>
-              <a:buChar char="•"/>
-            </a:pPr>
-            <a:r>
-              <a:rPr lang="en-GB" dirty="0">
-                <a:solidFill>
-                  <a:schemeClr val="bg1"/>
-                </a:solidFill>
-                <a:hlinkClick r:id="rId2">
-                  <a:extLst>
-                    <a:ext uri="{A12FA001-AC4F-418D-AE19-62706E023703}">
-                      <ahyp:hlinkClr xmlns:ahyp="http://schemas.microsoft.com/office/drawing/2018/hyperlinkcolor" val="tx"/>
-                    </a:ext>
-                  </a:extLst>
-                </a:hlinkClick>
-              </a:rPr>
-              <a:t>Google Earth </a:t>
-            </a:r>
-            <a:endParaRPr lang="en-GB" dirty="0">
-              <a:solidFill>
-                <a:schemeClr val="bg1"/>
-              </a:solidFill>
-            </a:endParaRPr>
-          </a:p>
-          <a:p>
-            <a:pPr marL="457200" indent="-457200">
-              <a:buFont typeface="Arial" panose="020B0604020202020204" pitchFamily="34" charset="0"/>
-              <a:buChar char="•"/>
-            </a:pPr>
-            <a:r>
-              <a:rPr lang="en-US" dirty="0">
-                <a:solidFill>
-                  <a:schemeClr val="bg1"/>
-                </a:solidFill>
-                <a:hlinkClick r:id="rId3">
-                  <a:extLst>
-                    <a:ext uri="{A12FA001-AC4F-418D-AE19-62706E023703}">
-                      <ahyp:hlinkClr xmlns:ahyp="http://schemas.microsoft.com/office/drawing/2018/hyperlinkcolor" val="tx"/>
-                    </a:ext>
-                  </a:extLst>
-                </a:hlinkClick>
-              </a:rPr>
-              <a:t>Perspective</a:t>
-            </a:r>
-            <a:endParaRPr lang="en-US" dirty="0">
-              <a:solidFill>
-                <a:schemeClr val="bg1"/>
-              </a:solidFill>
-            </a:endParaRPr>
-          </a:p>
-          <a:p>
-            <a:pPr marL="457200" indent="-457200">
-              <a:buFont typeface="Arial" panose="020B0604020202020204" pitchFamily="34" charset="0"/>
-              <a:buChar char="•"/>
-            </a:pPr>
-            <a:r>
-              <a:rPr lang="en-US" dirty="0">
-                <a:solidFill>
-                  <a:schemeClr val="bg1"/>
-                </a:solidFill>
-                <a:hlinkClick r:id="rId4">
-                  <a:extLst>
-                    <a:ext uri="{A12FA001-AC4F-418D-AE19-62706E023703}">
-                      <ahyp:hlinkClr xmlns:ahyp="http://schemas.microsoft.com/office/drawing/2018/hyperlinkcolor" val="tx"/>
-                    </a:ext>
-                  </a:extLst>
-                </a:hlinkClick>
-              </a:rPr>
-              <a:t>D3</a:t>
-            </a:r>
-            <a:endParaRPr lang="en-US" dirty="0">
-              <a:solidFill>
-                <a:schemeClr val="bg1"/>
-              </a:solidFill>
-            </a:endParaRPr>
-          </a:p>
-          <a:p>
-            <a:pPr marL="457200" indent="-457200">
-              <a:buFont typeface="Arial" panose="020B0604020202020204" pitchFamily="34" charset="0"/>
-              <a:buChar char="•"/>
-            </a:pPr>
-            <a:r>
-              <a:rPr lang="en-US" dirty="0">
-                <a:solidFill>
-                  <a:schemeClr val="bg1"/>
-                </a:solidFill>
-                <a:hlinkClick r:id="rId5">
-                  <a:extLst>
-                    <a:ext uri="{A12FA001-AC4F-418D-AE19-62706E023703}">
-                      <ahyp:hlinkClr xmlns:ahyp="http://schemas.microsoft.com/office/drawing/2018/hyperlinkcolor" val="tx"/>
-                    </a:ext>
-                  </a:extLst>
-                </a:hlinkClick>
-              </a:rPr>
-              <a:t>PSPDFKit</a:t>
-            </a:r>
-            <a:endParaRPr lang="en-US" dirty="0">
-              <a:solidFill>
-                <a:schemeClr val="bg1"/>
-              </a:solidFill>
-            </a:endParaRPr>
-          </a:p>
-        </p:txBody>
-      </p:sp>
     </p:spTree>
     <p:extLst>
       <p:ext uri="{BB962C8B-B14F-4D97-AF65-F5344CB8AC3E}">
-        <p14:creationId xmlns:p14="http://schemas.microsoft.com/office/powerpoint/2010/main" val="3895076446"/>
+        <p14:creationId xmlns:p14="http://schemas.microsoft.com/office/powerpoint/2010/main" val="758859454"/>
       </p:ext>
     </p:extLst>
   </p:cSld>
@@ -10511,7 +11149,7 @@
                 </a:solidFill>
                 <a:latin typeface="Calibri" pitchFamily="34" charset="0"/>
               </a:rPr>
-              <a:t>#. Do we still need JavaScript?</a:t>
+              <a:t>#. LLVM (Low Level Virtual Machine)</a:t>
             </a:r>
           </a:p>
         </p:txBody>
@@ -10875,6 +11513,2973 @@
           </a:p>
         </p:txBody>
       </p:sp>
+    </p:spTree>
+    <p:extLst>
+      <p:ext uri="{BB962C8B-B14F-4D97-AF65-F5344CB8AC3E}">
+        <p14:creationId xmlns:p14="http://schemas.microsoft.com/office/powerpoint/2010/main" val="2951858699"/>
+      </p:ext>
+    </p:extLst>
+  </p:cSld>
+  <p:clrMapOvr>
+    <a:masterClrMapping/>
+  </p:clrMapOvr>
+</p:sld>
+</file>
+
+<file path=ppt/slides/slide21.xml><?xml version="1.0" encoding="utf-8"?>
+<p:sld xmlns:a="http://schemas.openxmlformats.org/drawingml/2006/main" xmlns:r="http://schemas.openxmlformats.org/officeDocument/2006/relationships" xmlns:p="http://schemas.openxmlformats.org/presentationml/2006/main">
+  <p:cSld>
+    <p:spTree>
+      <p:nvGrpSpPr>
+        <p:cNvPr id="1" name=""/>
+        <p:cNvGrpSpPr/>
+        <p:nvPr/>
+      </p:nvGrpSpPr>
+      <p:grpSpPr>
+        <a:xfrm>
+          <a:off x="0" y="0"/>
+          <a:ext cx="0" cy="0"/>
+          <a:chOff x="0" y="0"/>
+          <a:chExt cx="0" cy="0"/>
+        </a:xfrm>
+      </p:grpSpPr>
+      <p:sp>
+        <p:nvSpPr>
+          <p:cNvPr id="5" name="Title 1"/>
+          <p:cNvSpPr>
+            <a:spLocks noGrp="1"/>
+          </p:cNvSpPr>
+          <p:nvPr>
+            <p:ph type="title"/>
+          </p:nvPr>
+        </p:nvSpPr>
+        <p:spPr>
+          <a:xfrm>
+            <a:off x="457200" y="274638"/>
+            <a:ext cx="8229600" cy="511156"/>
+          </a:xfrm>
+        </p:spPr>
+        <p:txBody>
+          <a:bodyPr>
+            <a:noAutofit/>
+          </a:bodyPr>
+          <a:lstStyle/>
+          <a:p>
+            <a:pPr fontAlgn="base">
+              <a:spcAft>
+                <a:spcPct val="0"/>
+              </a:spcAft>
+              <a:defRPr/>
+            </a:pPr>
+            <a:r>
+              <a:rPr lang="en-GB" sz="4000" kern="0" dirty="0">
+                <a:solidFill>
+                  <a:srgbClr val="0098D4"/>
+                </a:solidFill>
+                <a:latin typeface="Calibri" pitchFamily="34" charset="0"/>
+              </a:rPr>
+              <a:t>#. WASM under the hood </a:t>
+            </a:r>
+          </a:p>
+        </p:txBody>
+      </p:sp>
+      <p:sp>
+        <p:nvSpPr>
+          <p:cNvPr id="51" name="Rectangle: Rounded Corners 50">
+            <a:extLst>
+              <a:ext uri="{FF2B5EF4-FFF2-40B4-BE49-F238E27FC236}">
+                <a16:creationId xmlns:a16="http://schemas.microsoft.com/office/drawing/2014/main" id="{4518D435-74AB-4FE1-9B05-22D83B702CC9}"/>
+              </a:ext>
+            </a:extLst>
+          </p:cNvPr>
+          <p:cNvSpPr/>
+          <p:nvPr/>
+        </p:nvSpPr>
+        <p:spPr>
+          <a:xfrm>
+            <a:off x="381000" y="1219200"/>
+            <a:ext cx="1676400" cy="685800"/>
+          </a:xfrm>
+          <a:prstGeom prst="roundRect">
+            <a:avLst/>
+          </a:prstGeom>
+        </p:spPr>
+        <p:style>
+          <a:lnRef idx="2">
+            <a:schemeClr val="accent1">
+              <a:shade val="50000"/>
+            </a:schemeClr>
+          </a:lnRef>
+          <a:fillRef idx="1">
+            <a:schemeClr val="accent1"/>
+          </a:fillRef>
+          <a:effectRef idx="0">
+            <a:schemeClr val="accent1"/>
+          </a:effectRef>
+          <a:fontRef idx="minor">
+            <a:schemeClr val="lt1"/>
+          </a:fontRef>
+        </p:style>
+        <p:txBody>
+          <a:bodyPr rtlCol="0" anchor="ctr"/>
+          <a:lstStyle/>
+          <a:p>
+            <a:pPr algn="ctr"/>
+            <a:r>
+              <a:rPr lang="en-GB" dirty="0"/>
+              <a:t>JavaScript</a:t>
+            </a:r>
+          </a:p>
+        </p:txBody>
+      </p:sp>
+      <p:sp>
+        <p:nvSpPr>
+          <p:cNvPr id="52" name="Rectangle: Rounded Corners 51">
+            <a:extLst>
+              <a:ext uri="{FF2B5EF4-FFF2-40B4-BE49-F238E27FC236}">
+                <a16:creationId xmlns:a16="http://schemas.microsoft.com/office/drawing/2014/main" id="{7EC2B06C-32F9-4DDD-B953-FCB0C8F0FEC2}"/>
+              </a:ext>
+            </a:extLst>
+          </p:cNvPr>
+          <p:cNvSpPr/>
+          <p:nvPr/>
+        </p:nvSpPr>
+        <p:spPr>
+          <a:xfrm>
+            <a:off x="2286000" y="1219200"/>
+            <a:ext cx="1676400" cy="685800"/>
+          </a:xfrm>
+          <a:prstGeom prst="roundRect">
+            <a:avLst/>
+          </a:prstGeom>
+        </p:spPr>
+        <p:style>
+          <a:lnRef idx="2">
+            <a:schemeClr val="accent1">
+              <a:shade val="50000"/>
+            </a:schemeClr>
+          </a:lnRef>
+          <a:fillRef idx="1">
+            <a:schemeClr val="accent1"/>
+          </a:fillRef>
+          <a:effectRef idx="0">
+            <a:schemeClr val="accent1"/>
+          </a:effectRef>
+          <a:fontRef idx="minor">
+            <a:schemeClr val="lt1"/>
+          </a:fontRef>
+        </p:style>
+        <p:txBody>
+          <a:bodyPr rtlCol="0" anchor="ctr"/>
+          <a:lstStyle/>
+          <a:p>
+            <a:pPr algn="ctr"/>
+            <a:r>
+              <a:rPr lang="en-GB" dirty="0"/>
+              <a:t>AST</a:t>
+            </a:r>
+          </a:p>
+        </p:txBody>
+      </p:sp>
+      <p:sp>
+        <p:nvSpPr>
+          <p:cNvPr id="53" name="Rectangle: Rounded Corners 52">
+            <a:extLst>
+              <a:ext uri="{FF2B5EF4-FFF2-40B4-BE49-F238E27FC236}">
+                <a16:creationId xmlns:a16="http://schemas.microsoft.com/office/drawing/2014/main" id="{DA7B5B27-4C9D-4430-982A-6D02FB84B3D8}"/>
+              </a:ext>
+            </a:extLst>
+          </p:cNvPr>
+          <p:cNvSpPr/>
+          <p:nvPr/>
+        </p:nvSpPr>
+        <p:spPr>
+          <a:xfrm>
+            <a:off x="4724400" y="4435622"/>
+            <a:ext cx="1676400" cy="685800"/>
+          </a:xfrm>
+          <a:prstGeom prst="roundRect">
+            <a:avLst/>
+          </a:prstGeom>
+        </p:spPr>
+        <p:style>
+          <a:lnRef idx="2">
+            <a:schemeClr val="accent1">
+              <a:shade val="50000"/>
+            </a:schemeClr>
+          </a:lnRef>
+          <a:fillRef idx="1">
+            <a:schemeClr val="accent1"/>
+          </a:fillRef>
+          <a:effectRef idx="0">
+            <a:schemeClr val="accent1"/>
+          </a:effectRef>
+          <a:fontRef idx="minor">
+            <a:schemeClr val="lt1"/>
+          </a:fontRef>
+        </p:style>
+        <p:txBody>
+          <a:bodyPr rtlCol="0" anchor="ctr"/>
+          <a:lstStyle/>
+          <a:p>
+            <a:pPr algn="ctr"/>
+            <a:r>
+              <a:rPr lang="en-GB" dirty="0"/>
+              <a:t>Simple JIT</a:t>
+            </a:r>
+          </a:p>
+        </p:txBody>
+      </p:sp>
+      <p:sp>
+        <p:nvSpPr>
+          <p:cNvPr id="54" name="Rectangle: Rounded Corners 53">
+            <a:extLst>
+              <a:ext uri="{FF2B5EF4-FFF2-40B4-BE49-F238E27FC236}">
+                <a16:creationId xmlns:a16="http://schemas.microsoft.com/office/drawing/2014/main" id="{FD5973B4-84BF-4A45-850E-6B45F9E7B881}"/>
+              </a:ext>
+            </a:extLst>
+          </p:cNvPr>
+          <p:cNvSpPr/>
+          <p:nvPr/>
+        </p:nvSpPr>
+        <p:spPr>
+          <a:xfrm>
+            <a:off x="4724400" y="5562600"/>
+            <a:ext cx="1676400" cy="685800"/>
+          </a:xfrm>
+          <a:prstGeom prst="roundRect">
+            <a:avLst/>
+          </a:prstGeom>
+        </p:spPr>
+        <p:style>
+          <a:lnRef idx="2">
+            <a:schemeClr val="accent1">
+              <a:shade val="50000"/>
+            </a:schemeClr>
+          </a:lnRef>
+          <a:fillRef idx="1">
+            <a:schemeClr val="accent1"/>
+          </a:fillRef>
+          <a:effectRef idx="0">
+            <a:schemeClr val="accent1"/>
+          </a:effectRef>
+          <a:fontRef idx="minor">
+            <a:schemeClr val="lt1"/>
+          </a:fontRef>
+        </p:style>
+        <p:txBody>
+          <a:bodyPr rtlCol="0" anchor="ctr"/>
+          <a:lstStyle/>
+          <a:p>
+            <a:pPr algn="ctr"/>
+            <a:r>
+              <a:rPr lang="en-GB" dirty="0"/>
+              <a:t>Full JIT</a:t>
+            </a:r>
+          </a:p>
+        </p:txBody>
+      </p:sp>
+      <p:cxnSp>
+        <p:nvCxnSpPr>
+          <p:cNvPr id="61" name="Straight Arrow Connector 60">
+            <a:extLst>
+              <a:ext uri="{FF2B5EF4-FFF2-40B4-BE49-F238E27FC236}">
+                <a16:creationId xmlns:a16="http://schemas.microsoft.com/office/drawing/2014/main" id="{0F13AB00-B4D9-42C9-A5A3-090BBBC4CFC5}"/>
+              </a:ext>
+            </a:extLst>
+          </p:cNvPr>
+          <p:cNvCxnSpPr>
+            <a:stCxn id="51" idx="3"/>
+            <a:endCxn id="52" idx="1"/>
+          </p:cNvCxnSpPr>
+          <p:nvPr/>
+        </p:nvCxnSpPr>
+        <p:spPr>
+          <a:xfrm>
+            <a:off x="2057400" y="1562100"/>
+            <a:ext cx="228600" cy="0"/>
+          </a:xfrm>
+          <a:prstGeom prst="straightConnector1">
+            <a:avLst/>
+          </a:prstGeom>
+          <a:ln>
+            <a:tailEnd type="triangle"/>
+          </a:ln>
+        </p:spPr>
+        <p:style>
+          <a:lnRef idx="1">
+            <a:schemeClr val="accent1"/>
+          </a:lnRef>
+          <a:fillRef idx="0">
+            <a:schemeClr val="accent1"/>
+          </a:fillRef>
+          <a:effectRef idx="0">
+            <a:schemeClr val="accent1"/>
+          </a:effectRef>
+          <a:fontRef idx="minor">
+            <a:schemeClr val="tx1"/>
+          </a:fontRef>
+        </p:style>
+      </p:cxnSp>
+      <p:sp>
+        <p:nvSpPr>
+          <p:cNvPr id="62" name="TextBox 61">
+            <a:extLst>
+              <a:ext uri="{FF2B5EF4-FFF2-40B4-BE49-F238E27FC236}">
+                <a16:creationId xmlns:a16="http://schemas.microsoft.com/office/drawing/2014/main" id="{A1E33E78-C942-470F-9A5A-43BA86B86583}"/>
+              </a:ext>
+            </a:extLst>
+          </p:cNvPr>
+          <p:cNvSpPr txBox="1"/>
+          <p:nvPr/>
+        </p:nvSpPr>
+        <p:spPr>
+          <a:xfrm>
+            <a:off x="348342" y="4511822"/>
+            <a:ext cx="1442108" cy="369332"/>
+          </a:xfrm>
+          <a:prstGeom prst="rect">
+            <a:avLst/>
+          </a:prstGeom>
+          <a:noFill/>
+        </p:spPr>
+        <p:txBody>
+          <a:bodyPr wrap="square" rtlCol="0" anchor="t" anchorCtr="0">
+            <a:spAutoFit/>
+          </a:bodyPr>
+          <a:lstStyle/>
+          <a:p>
+            <a:r>
+              <a:rPr lang="en-GB" dirty="0">
+                <a:solidFill>
+                  <a:schemeClr val="bg1"/>
+                </a:solidFill>
+              </a:rPr>
+              <a:t>Hot (&gt;1000)</a:t>
+            </a:r>
+          </a:p>
+        </p:txBody>
+      </p:sp>
+      <p:sp>
+        <p:nvSpPr>
+          <p:cNvPr id="64" name="TextBox 63">
+            <a:extLst>
+              <a:ext uri="{FF2B5EF4-FFF2-40B4-BE49-F238E27FC236}">
+                <a16:creationId xmlns:a16="http://schemas.microsoft.com/office/drawing/2014/main" id="{E9475C67-8704-4186-9B54-5A6159A0A880}"/>
+              </a:ext>
+            </a:extLst>
+          </p:cNvPr>
+          <p:cNvSpPr txBox="1"/>
+          <p:nvPr/>
+        </p:nvSpPr>
+        <p:spPr>
+          <a:xfrm>
+            <a:off x="380999" y="5742690"/>
+            <a:ext cx="2438401" cy="369332"/>
+          </a:xfrm>
+          <a:prstGeom prst="rect">
+            <a:avLst/>
+          </a:prstGeom>
+          <a:noFill/>
+        </p:spPr>
+        <p:txBody>
+          <a:bodyPr wrap="square" rtlCol="0">
+            <a:spAutoFit/>
+          </a:bodyPr>
+          <a:lstStyle/>
+          <a:p>
+            <a:r>
+              <a:rPr lang="en-GB" dirty="0">
+                <a:solidFill>
+                  <a:schemeClr val="bg1"/>
+                </a:solidFill>
+              </a:rPr>
+              <a:t>Extra Hot (&gt;100000)</a:t>
+            </a:r>
+          </a:p>
+        </p:txBody>
+      </p:sp>
+      <p:sp>
+        <p:nvSpPr>
+          <p:cNvPr id="76" name="TextBox 75">
+            <a:extLst>
+              <a:ext uri="{FF2B5EF4-FFF2-40B4-BE49-F238E27FC236}">
+                <a16:creationId xmlns:a16="http://schemas.microsoft.com/office/drawing/2014/main" id="{F7A70200-CFC6-4442-B4C1-251A137B910C}"/>
+              </a:ext>
+            </a:extLst>
+          </p:cNvPr>
+          <p:cNvSpPr txBox="1"/>
+          <p:nvPr/>
+        </p:nvSpPr>
+        <p:spPr>
+          <a:xfrm>
+            <a:off x="6553200" y="3292622"/>
+            <a:ext cx="846707" cy="369332"/>
+          </a:xfrm>
+          <a:prstGeom prst="rect">
+            <a:avLst/>
+          </a:prstGeom>
+          <a:noFill/>
+        </p:spPr>
+        <p:txBody>
+          <a:bodyPr wrap="none" rtlCol="0">
+            <a:spAutoFit/>
+          </a:bodyPr>
+          <a:lstStyle/>
+          <a:p>
+            <a:r>
+              <a:rPr lang="en-GB" dirty="0">
+                <a:solidFill>
+                  <a:schemeClr val="bg1"/>
+                </a:solidFill>
+              </a:rPr>
+              <a:t>Bailout</a:t>
+            </a:r>
+          </a:p>
+        </p:txBody>
+      </p:sp>
+      <p:sp>
+        <p:nvSpPr>
+          <p:cNvPr id="78" name="Rectangle: Rounded Corners 77">
+            <a:extLst>
+              <a:ext uri="{FF2B5EF4-FFF2-40B4-BE49-F238E27FC236}">
+                <a16:creationId xmlns:a16="http://schemas.microsoft.com/office/drawing/2014/main" id="{B13D2CB9-7351-4EA9-B297-E53D8FDC398C}"/>
+              </a:ext>
+            </a:extLst>
+          </p:cNvPr>
+          <p:cNvSpPr/>
+          <p:nvPr/>
+        </p:nvSpPr>
+        <p:spPr>
+          <a:xfrm>
+            <a:off x="4724400" y="3308644"/>
+            <a:ext cx="1676400" cy="685800"/>
+          </a:xfrm>
+          <a:prstGeom prst="roundRect">
+            <a:avLst/>
+          </a:prstGeom>
+        </p:spPr>
+        <p:style>
+          <a:lnRef idx="2">
+            <a:schemeClr val="accent1">
+              <a:shade val="50000"/>
+            </a:schemeClr>
+          </a:lnRef>
+          <a:fillRef idx="1">
+            <a:schemeClr val="accent1"/>
+          </a:fillRef>
+          <a:effectRef idx="0">
+            <a:schemeClr val="accent1"/>
+          </a:effectRef>
+          <a:fontRef idx="minor">
+            <a:schemeClr val="lt1"/>
+          </a:fontRef>
+        </p:style>
+        <p:txBody>
+          <a:bodyPr rtlCol="0" anchor="ctr"/>
+          <a:lstStyle/>
+          <a:p>
+            <a:pPr algn="ctr"/>
+            <a:r>
+              <a:rPr lang="en-GB" dirty="0"/>
+              <a:t>AST Interpreter</a:t>
+            </a:r>
+          </a:p>
+        </p:txBody>
+      </p:sp>
+      <p:cxnSp>
+        <p:nvCxnSpPr>
+          <p:cNvPr id="84" name="Connector: Elbow 83">
+            <a:extLst>
+              <a:ext uri="{FF2B5EF4-FFF2-40B4-BE49-F238E27FC236}">
+                <a16:creationId xmlns:a16="http://schemas.microsoft.com/office/drawing/2014/main" id="{67094F98-DD9D-48D8-A28D-9185A2BADE91}"/>
+              </a:ext>
+            </a:extLst>
+          </p:cNvPr>
+          <p:cNvCxnSpPr>
+            <a:stCxn id="52" idx="3"/>
+            <a:endCxn id="78" idx="1"/>
+          </p:cNvCxnSpPr>
+          <p:nvPr/>
+        </p:nvCxnSpPr>
+        <p:spPr>
+          <a:xfrm>
+            <a:off x="3962400" y="1562100"/>
+            <a:ext cx="762000" cy="2089444"/>
+          </a:xfrm>
+          <a:prstGeom prst="bentConnector3">
+            <a:avLst/>
+          </a:prstGeom>
+          <a:ln>
+            <a:tailEnd type="triangle"/>
+          </a:ln>
+        </p:spPr>
+        <p:style>
+          <a:lnRef idx="1">
+            <a:schemeClr val="accent1"/>
+          </a:lnRef>
+          <a:fillRef idx="0">
+            <a:schemeClr val="accent1"/>
+          </a:fillRef>
+          <a:effectRef idx="0">
+            <a:schemeClr val="accent1"/>
+          </a:effectRef>
+          <a:fontRef idx="minor">
+            <a:schemeClr val="tx1"/>
+          </a:fontRef>
+        </p:style>
+      </p:cxnSp>
+      <p:cxnSp>
+        <p:nvCxnSpPr>
+          <p:cNvPr id="86" name="Connector: Elbow 85">
+            <a:extLst>
+              <a:ext uri="{FF2B5EF4-FFF2-40B4-BE49-F238E27FC236}">
+                <a16:creationId xmlns:a16="http://schemas.microsoft.com/office/drawing/2014/main" id="{FC0F1233-731D-4F90-9B82-D75DDB422852}"/>
+              </a:ext>
+            </a:extLst>
+          </p:cNvPr>
+          <p:cNvCxnSpPr>
+            <a:stCxn id="52" idx="3"/>
+            <a:endCxn id="53" idx="1"/>
+          </p:cNvCxnSpPr>
+          <p:nvPr/>
+        </p:nvCxnSpPr>
+        <p:spPr>
+          <a:xfrm>
+            <a:off x="3962400" y="1562100"/>
+            <a:ext cx="762000" cy="3216422"/>
+          </a:xfrm>
+          <a:prstGeom prst="bentConnector3">
+            <a:avLst/>
+          </a:prstGeom>
+          <a:ln>
+            <a:tailEnd type="triangle"/>
+          </a:ln>
+        </p:spPr>
+        <p:style>
+          <a:lnRef idx="1">
+            <a:schemeClr val="accent1"/>
+          </a:lnRef>
+          <a:fillRef idx="0">
+            <a:schemeClr val="accent1"/>
+          </a:fillRef>
+          <a:effectRef idx="0">
+            <a:schemeClr val="accent1"/>
+          </a:effectRef>
+          <a:fontRef idx="minor">
+            <a:schemeClr val="tx1"/>
+          </a:fontRef>
+        </p:style>
+      </p:cxnSp>
+      <p:cxnSp>
+        <p:nvCxnSpPr>
+          <p:cNvPr id="88" name="Connector: Elbow 87">
+            <a:extLst>
+              <a:ext uri="{FF2B5EF4-FFF2-40B4-BE49-F238E27FC236}">
+                <a16:creationId xmlns:a16="http://schemas.microsoft.com/office/drawing/2014/main" id="{05A91D2F-96CE-4E82-B43E-9A5472CD63D0}"/>
+              </a:ext>
+            </a:extLst>
+          </p:cNvPr>
+          <p:cNvCxnSpPr>
+            <a:stCxn id="52" idx="3"/>
+            <a:endCxn id="54" idx="1"/>
+          </p:cNvCxnSpPr>
+          <p:nvPr/>
+        </p:nvCxnSpPr>
+        <p:spPr>
+          <a:xfrm>
+            <a:off x="3962400" y="1562100"/>
+            <a:ext cx="762000" cy="4343400"/>
+          </a:xfrm>
+          <a:prstGeom prst="bentConnector3">
+            <a:avLst/>
+          </a:prstGeom>
+          <a:ln>
+            <a:tailEnd type="triangle"/>
+          </a:ln>
+        </p:spPr>
+        <p:style>
+          <a:lnRef idx="1">
+            <a:schemeClr val="accent1"/>
+          </a:lnRef>
+          <a:fillRef idx="0">
+            <a:schemeClr val="accent1"/>
+          </a:fillRef>
+          <a:effectRef idx="0">
+            <a:schemeClr val="accent1"/>
+          </a:effectRef>
+          <a:fontRef idx="minor">
+            <a:schemeClr val="tx1"/>
+          </a:fontRef>
+        </p:style>
+      </p:cxnSp>
+      <p:cxnSp>
+        <p:nvCxnSpPr>
+          <p:cNvPr id="92" name="Connector: Elbow 91">
+            <a:extLst>
+              <a:ext uri="{FF2B5EF4-FFF2-40B4-BE49-F238E27FC236}">
+                <a16:creationId xmlns:a16="http://schemas.microsoft.com/office/drawing/2014/main" id="{FDFCEB2B-8079-4807-A2F3-AEE1DA4D2578}"/>
+              </a:ext>
+            </a:extLst>
+          </p:cNvPr>
+          <p:cNvCxnSpPr>
+            <a:stCxn id="53" idx="3"/>
+            <a:endCxn id="78" idx="3"/>
+          </p:cNvCxnSpPr>
+          <p:nvPr/>
+        </p:nvCxnSpPr>
+        <p:spPr>
+          <a:xfrm flipV="1">
+            <a:off x="6400800" y="3651544"/>
+            <a:ext cx="12700" cy="1126978"/>
+          </a:xfrm>
+          <a:prstGeom prst="bentConnector3">
+            <a:avLst>
+              <a:gd name="adj1" fmla="val 7171433"/>
+            </a:avLst>
+          </a:prstGeom>
+          <a:ln>
+            <a:tailEnd type="triangle"/>
+          </a:ln>
+        </p:spPr>
+        <p:style>
+          <a:lnRef idx="1">
+            <a:schemeClr val="accent1"/>
+          </a:lnRef>
+          <a:fillRef idx="0">
+            <a:schemeClr val="accent1"/>
+          </a:fillRef>
+          <a:effectRef idx="0">
+            <a:schemeClr val="accent1"/>
+          </a:effectRef>
+          <a:fontRef idx="minor">
+            <a:schemeClr val="tx1"/>
+          </a:fontRef>
+        </p:style>
+      </p:cxnSp>
+      <p:cxnSp>
+        <p:nvCxnSpPr>
+          <p:cNvPr id="94" name="Connector: Elbow 93">
+            <a:extLst>
+              <a:ext uri="{FF2B5EF4-FFF2-40B4-BE49-F238E27FC236}">
+                <a16:creationId xmlns:a16="http://schemas.microsoft.com/office/drawing/2014/main" id="{1BC9866A-DF14-410E-BB13-7A15209B725F}"/>
+              </a:ext>
+            </a:extLst>
+          </p:cNvPr>
+          <p:cNvCxnSpPr>
+            <a:stCxn id="54" idx="3"/>
+            <a:endCxn id="78" idx="3"/>
+          </p:cNvCxnSpPr>
+          <p:nvPr/>
+        </p:nvCxnSpPr>
+        <p:spPr>
+          <a:xfrm flipV="1">
+            <a:off x="6400800" y="3651544"/>
+            <a:ext cx="12700" cy="2253956"/>
+          </a:xfrm>
+          <a:prstGeom prst="bentConnector3">
+            <a:avLst>
+              <a:gd name="adj1" fmla="val 7171425"/>
+            </a:avLst>
+          </a:prstGeom>
+          <a:ln>
+            <a:tailEnd type="triangle"/>
+          </a:ln>
+        </p:spPr>
+        <p:style>
+          <a:lnRef idx="1">
+            <a:schemeClr val="accent1"/>
+          </a:lnRef>
+          <a:fillRef idx="0">
+            <a:schemeClr val="accent1"/>
+          </a:fillRef>
+          <a:effectRef idx="0">
+            <a:schemeClr val="accent1"/>
+          </a:effectRef>
+          <a:fontRef idx="minor">
+            <a:schemeClr val="tx1"/>
+          </a:fontRef>
+        </p:style>
+      </p:cxnSp>
+      <p:cxnSp>
+        <p:nvCxnSpPr>
+          <p:cNvPr id="100" name="Straight Connector 99">
+            <a:extLst>
+              <a:ext uri="{FF2B5EF4-FFF2-40B4-BE49-F238E27FC236}">
+                <a16:creationId xmlns:a16="http://schemas.microsoft.com/office/drawing/2014/main" id="{A48269E2-82B7-49E0-A5CD-465B37242EA6}"/>
+              </a:ext>
+            </a:extLst>
+          </p:cNvPr>
+          <p:cNvCxnSpPr>
+            <a:cxnSpLocks/>
+          </p:cNvCxnSpPr>
+          <p:nvPr/>
+        </p:nvCxnSpPr>
+        <p:spPr>
+          <a:xfrm>
+            <a:off x="457200" y="5350022"/>
+            <a:ext cx="8229600" cy="0"/>
+          </a:xfrm>
+          <a:prstGeom prst="line">
+            <a:avLst/>
+          </a:prstGeom>
+        </p:spPr>
+        <p:style>
+          <a:lnRef idx="1">
+            <a:schemeClr val="accent6"/>
+          </a:lnRef>
+          <a:fillRef idx="0">
+            <a:schemeClr val="accent6"/>
+          </a:fillRef>
+          <a:effectRef idx="0">
+            <a:schemeClr val="accent6"/>
+          </a:effectRef>
+          <a:fontRef idx="minor">
+            <a:schemeClr val="tx1"/>
+          </a:fontRef>
+        </p:style>
+      </p:cxnSp>
+      <p:cxnSp>
+        <p:nvCxnSpPr>
+          <p:cNvPr id="103" name="Straight Connector 102">
+            <a:extLst>
+              <a:ext uri="{FF2B5EF4-FFF2-40B4-BE49-F238E27FC236}">
+                <a16:creationId xmlns:a16="http://schemas.microsoft.com/office/drawing/2014/main" id="{8DB488B3-68DB-4A42-BA9B-1B47FC68A1C5}"/>
+              </a:ext>
+            </a:extLst>
+          </p:cNvPr>
+          <p:cNvCxnSpPr>
+            <a:cxnSpLocks/>
+          </p:cNvCxnSpPr>
+          <p:nvPr/>
+        </p:nvCxnSpPr>
+        <p:spPr>
+          <a:xfrm>
+            <a:off x="457200" y="4207022"/>
+            <a:ext cx="8229600" cy="0"/>
+          </a:xfrm>
+          <a:prstGeom prst="line">
+            <a:avLst/>
+          </a:prstGeom>
+        </p:spPr>
+        <p:style>
+          <a:lnRef idx="1">
+            <a:schemeClr val="accent6"/>
+          </a:lnRef>
+          <a:fillRef idx="0">
+            <a:schemeClr val="accent6"/>
+          </a:fillRef>
+          <a:effectRef idx="0">
+            <a:schemeClr val="accent6"/>
+          </a:effectRef>
+          <a:fontRef idx="minor">
+            <a:schemeClr val="tx1"/>
+          </a:fontRef>
+        </p:style>
+      </p:cxnSp>
+      <p:cxnSp>
+        <p:nvCxnSpPr>
+          <p:cNvPr id="104" name="Straight Connector 103">
+            <a:extLst>
+              <a:ext uri="{FF2B5EF4-FFF2-40B4-BE49-F238E27FC236}">
+                <a16:creationId xmlns:a16="http://schemas.microsoft.com/office/drawing/2014/main" id="{B6BFC27F-3E6B-470B-96AF-E59A67ABF196}"/>
+              </a:ext>
+            </a:extLst>
+          </p:cNvPr>
+          <p:cNvCxnSpPr>
+            <a:cxnSpLocks/>
+          </p:cNvCxnSpPr>
+          <p:nvPr/>
+        </p:nvCxnSpPr>
+        <p:spPr>
+          <a:xfrm>
+            <a:off x="457200" y="3064022"/>
+            <a:ext cx="8229600" cy="0"/>
+          </a:xfrm>
+          <a:prstGeom prst="line">
+            <a:avLst/>
+          </a:prstGeom>
+        </p:spPr>
+        <p:style>
+          <a:lnRef idx="1">
+            <a:schemeClr val="accent6"/>
+          </a:lnRef>
+          <a:fillRef idx="0">
+            <a:schemeClr val="accent6"/>
+          </a:fillRef>
+          <a:effectRef idx="0">
+            <a:schemeClr val="accent6"/>
+          </a:effectRef>
+          <a:fontRef idx="minor">
+            <a:schemeClr val="tx1"/>
+          </a:fontRef>
+        </p:style>
+      </p:cxnSp>
+      <p:sp>
+        <p:nvSpPr>
+          <p:cNvPr id="105" name="TextBox 104">
+            <a:extLst>
+              <a:ext uri="{FF2B5EF4-FFF2-40B4-BE49-F238E27FC236}">
+                <a16:creationId xmlns:a16="http://schemas.microsoft.com/office/drawing/2014/main" id="{477236A1-DE73-45A5-B659-C50842C6F0EC}"/>
+              </a:ext>
+            </a:extLst>
+          </p:cNvPr>
+          <p:cNvSpPr txBox="1"/>
+          <p:nvPr/>
+        </p:nvSpPr>
+        <p:spPr>
+          <a:xfrm>
+            <a:off x="380999" y="3406921"/>
+            <a:ext cx="1442108" cy="369332"/>
+          </a:xfrm>
+          <a:prstGeom prst="rect">
+            <a:avLst/>
+          </a:prstGeom>
+          <a:noFill/>
+        </p:spPr>
+        <p:txBody>
+          <a:bodyPr wrap="square" rtlCol="0" anchor="t" anchorCtr="0">
+            <a:spAutoFit/>
+          </a:bodyPr>
+          <a:lstStyle/>
+          <a:p>
+            <a:r>
+              <a:rPr lang="en-GB" dirty="0">
+                <a:solidFill>
+                  <a:schemeClr val="bg1"/>
+                </a:solidFill>
+              </a:rPr>
+              <a:t>Cold</a:t>
+            </a:r>
+          </a:p>
+        </p:txBody>
+      </p:sp>
+      <p:sp>
+        <p:nvSpPr>
+          <p:cNvPr id="21" name="Rectangle: Rounded Corners 20">
+            <a:extLst>
+              <a:ext uri="{FF2B5EF4-FFF2-40B4-BE49-F238E27FC236}">
+                <a16:creationId xmlns:a16="http://schemas.microsoft.com/office/drawing/2014/main" id="{2028A857-EC55-4CB7-9283-65149E8A9597}"/>
+              </a:ext>
+            </a:extLst>
+          </p:cNvPr>
+          <p:cNvSpPr/>
+          <p:nvPr/>
+        </p:nvSpPr>
+        <p:spPr>
+          <a:xfrm>
+            <a:off x="386192" y="2133600"/>
+            <a:ext cx="1676400" cy="685800"/>
+          </a:xfrm>
+          <a:prstGeom prst="roundRect">
+            <a:avLst/>
+          </a:prstGeom>
+        </p:spPr>
+        <p:style>
+          <a:lnRef idx="2">
+            <a:schemeClr val="accent1">
+              <a:shade val="50000"/>
+            </a:schemeClr>
+          </a:lnRef>
+          <a:fillRef idx="1">
+            <a:schemeClr val="accent1"/>
+          </a:fillRef>
+          <a:effectRef idx="0">
+            <a:schemeClr val="accent1"/>
+          </a:effectRef>
+          <a:fontRef idx="minor">
+            <a:schemeClr val="lt1"/>
+          </a:fontRef>
+        </p:style>
+        <p:txBody>
+          <a:bodyPr rtlCol="0" anchor="ctr"/>
+          <a:lstStyle/>
+          <a:p>
+            <a:pPr algn="ctr"/>
+            <a:r>
+              <a:rPr lang="en-GB" dirty="0"/>
+              <a:t>WASM</a:t>
+            </a:r>
+          </a:p>
+        </p:txBody>
+      </p:sp>
+      <p:sp>
+        <p:nvSpPr>
+          <p:cNvPr id="22" name="Rectangle: Rounded Corners 21">
+            <a:extLst>
+              <a:ext uri="{FF2B5EF4-FFF2-40B4-BE49-F238E27FC236}">
+                <a16:creationId xmlns:a16="http://schemas.microsoft.com/office/drawing/2014/main" id="{D8E6D891-B372-4C64-85BD-754FDDB41B4C}"/>
+              </a:ext>
+            </a:extLst>
+          </p:cNvPr>
+          <p:cNvSpPr/>
+          <p:nvPr/>
+        </p:nvSpPr>
+        <p:spPr>
+          <a:xfrm>
+            <a:off x="2451100" y="3319054"/>
+            <a:ext cx="1676400" cy="685800"/>
+          </a:xfrm>
+          <a:prstGeom prst="roundRect">
+            <a:avLst/>
+          </a:prstGeom>
+        </p:spPr>
+        <p:style>
+          <a:lnRef idx="2">
+            <a:schemeClr val="accent1">
+              <a:shade val="50000"/>
+            </a:schemeClr>
+          </a:lnRef>
+          <a:fillRef idx="1">
+            <a:schemeClr val="accent1"/>
+          </a:fillRef>
+          <a:effectRef idx="0">
+            <a:schemeClr val="accent1"/>
+          </a:effectRef>
+          <a:fontRef idx="minor">
+            <a:schemeClr val="lt1"/>
+          </a:fontRef>
+        </p:style>
+        <p:txBody>
+          <a:bodyPr rtlCol="0" anchor="ctr"/>
+          <a:lstStyle/>
+          <a:p>
+            <a:pPr algn="ctr"/>
+            <a:r>
+              <a:rPr lang="en-GB" dirty="0"/>
+              <a:t>WASM VM</a:t>
+            </a:r>
+          </a:p>
+        </p:txBody>
+      </p:sp>
+      <p:cxnSp>
+        <p:nvCxnSpPr>
+          <p:cNvPr id="6" name="Connector: Elbow 5">
+            <a:extLst>
+              <a:ext uri="{FF2B5EF4-FFF2-40B4-BE49-F238E27FC236}">
+                <a16:creationId xmlns:a16="http://schemas.microsoft.com/office/drawing/2014/main" id="{43C41C93-CA17-4712-A614-60A6D44ADA2D}"/>
+              </a:ext>
+            </a:extLst>
+          </p:cNvPr>
+          <p:cNvCxnSpPr>
+            <a:stCxn id="21" idx="3"/>
+            <a:endCxn id="22" idx="1"/>
+          </p:cNvCxnSpPr>
+          <p:nvPr/>
+        </p:nvCxnSpPr>
+        <p:spPr>
+          <a:xfrm>
+            <a:off x="2062592" y="2476500"/>
+            <a:ext cx="388508" cy="1185454"/>
+          </a:xfrm>
+          <a:prstGeom prst="bentConnector3">
+            <a:avLst/>
+          </a:prstGeom>
+          <a:ln>
+            <a:tailEnd type="triangle"/>
+          </a:ln>
+        </p:spPr>
+        <p:style>
+          <a:lnRef idx="1">
+            <a:schemeClr val="accent1"/>
+          </a:lnRef>
+          <a:fillRef idx="0">
+            <a:schemeClr val="accent1"/>
+          </a:fillRef>
+          <a:effectRef idx="0">
+            <a:schemeClr val="accent1"/>
+          </a:effectRef>
+          <a:fontRef idx="minor">
+            <a:schemeClr val="tx1"/>
+          </a:fontRef>
+        </p:style>
+      </p:cxnSp>
+    </p:spTree>
+    <p:extLst>
+      <p:ext uri="{BB962C8B-B14F-4D97-AF65-F5344CB8AC3E}">
+        <p14:creationId xmlns:p14="http://schemas.microsoft.com/office/powerpoint/2010/main" val="71980449"/>
+      </p:ext>
+    </p:extLst>
+  </p:cSld>
+  <p:clrMapOvr>
+    <a:masterClrMapping/>
+  </p:clrMapOvr>
+</p:sld>
+</file>
+
+<file path=ppt/slides/slide22.xml><?xml version="1.0" encoding="utf-8"?>
+<p:sld xmlns:a="http://schemas.openxmlformats.org/drawingml/2006/main" xmlns:r="http://schemas.openxmlformats.org/officeDocument/2006/relationships" xmlns:p="http://schemas.openxmlformats.org/presentationml/2006/main">
+  <p:cSld>
+    <p:spTree>
+      <p:nvGrpSpPr>
+        <p:cNvPr id="1" name=""/>
+        <p:cNvGrpSpPr/>
+        <p:nvPr/>
+      </p:nvGrpSpPr>
+      <p:grpSpPr>
+        <a:xfrm>
+          <a:off x="0" y="0"/>
+          <a:ext cx="0" cy="0"/>
+          <a:chOff x="0" y="0"/>
+          <a:chExt cx="0" cy="0"/>
+        </a:xfrm>
+      </p:grpSpPr>
+      <p:sp>
+        <p:nvSpPr>
+          <p:cNvPr id="5" name="Title 1"/>
+          <p:cNvSpPr>
+            <a:spLocks noGrp="1"/>
+          </p:cNvSpPr>
+          <p:nvPr>
+            <p:ph type="title"/>
+          </p:nvPr>
+        </p:nvSpPr>
+        <p:spPr>
+          <a:xfrm>
+            <a:off x="457200" y="274638"/>
+            <a:ext cx="8229600" cy="511156"/>
+          </a:xfrm>
+        </p:spPr>
+        <p:txBody>
+          <a:bodyPr>
+            <a:noAutofit/>
+          </a:bodyPr>
+          <a:lstStyle/>
+          <a:p>
+            <a:pPr fontAlgn="base">
+              <a:spcAft>
+                <a:spcPct val="0"/>
+              </a:spcAft>
+              <a:defRPr/>
+            </a:pPr>
+            <a:r>
+              <a:rPr lang="en-GB" sz="4000" kern="0" dirty="0">
+                <a:solidFill>
+                  <a:srgbClr val="0098D4"/>
+                </a:solidFill>
+                <a:latin typeface="Calibri" pitchFamily="34" charset="0"/>
+              </a:rPr>
+              <a:t>#. Performance</a:t>
+            </a:r>
+          </a:p>
+        </p:txBody>
+      </p:sp>
+      <p:sp>
+        <p:nvSpPr>
+          <p:cNvPr id="6" name="Content Placeholder 2"/>
+          <p:cNvSpPr txBox="1">
+            <a:spLocks/>
+          </p:cNvSpPr>
+          <p:nvPr/>
+        </p:nvSpPr>
+        <p:spPr>
+          <a:xfrm>
+            <a:off x="457200" y="1071545"/>
+            <a:ext cx="8229600" cy="4857785"/>
+          </a:xfrm>
+          <a:prstGeom prst="rect">
+            <a:avLst/>
+          </a:prstGeom>
+        </p:spPr>
+        <p:txBody>
+          <a:bodyPr vert="horz" lIns="91440" tIns="45720" rIns="91440" bIns="45720" rtlCol="0">
+            <a:normAutofit/>
+          </a:bodyPr>
+          <a:lstStyle>
+            <a:lvl1pPr marL="0" indent="0" algn="l" defTabSz="914400" rtl="0" eaLnBrk="1" latinLnBrk="0" hangingPunct="1">
+              <a:spcBef>
+                <a:spcPct val="20000"/>
+              </a:spcBef>
+              <a:buFont typeface="Arial" pitchFamily="34" charset="0"/>
+              <a:buNone/>
+              <a:defRPr sz="3200" kern="1200">
+                <a:solidFill>
+                  <a:schemeClr val="tx1"/>
+                </a:solidFill>
+                <a:latin typeface="+mn-lt"/>
+                <a:ea typeface="+mn-ea"/>
+                <a:cs typeface="+mn-cs"/>
+              </a:defRPr>
+            </a:lvl1pPr>
+            <a:lvl2pPr marL="457200" indent="0" algn="l" defTabSz="914400" rtl="0" eaLnBrk="1" latinLnBrk="0" hangingPunct="1">
+              <a:spcBef>
+                <a:spcPct val="20000"/>
+              </a:spcBef>
+              <a:buFont typeface="Arial" pitchFamily="34" charset="0"/>
+              <a:buNone/>
+              <a:defRPr sz="2800" kern="1200">
+                <a:solidFill>
+                  <a:schemeClr val="tx1"/>
+                </a:solidFill>
+                <a:latin typeface="+mn-lt"/>
+                <a:ea typeface="+mn-ea"/>
+                <a:cs typeface="+mn-cs"/>
+              </a:defRPr>
+            </a:lvl2pPr>
+            <a:lvl3pPr marL="914400" indent="0" algn="l" defTabSz="914400" rtl="0" eaLnBrk="1" latinLnBrk="0" hangingPunct="1">
+              <a:spcBef>
+                <a:spcPct val="20000"/>
+              </a:spcBef>
+              <a:buFont typeface="Arial" pitchFamily="34" charset="0"/>
+              <a:buNone/>
+              <a:defRPr sz="2400" kern="1200">
+                <a:solidFill>
+                  <a:schemeClr val="tx1"/>
+                </a:solidFill>
+                <a:latin typeface="+mn-lt"/>
+                <a:ea typeface="+mn-ea"/>
+                <a:cs typeface="+mn-cs"/>
+              </a:defRPr>
+            </a:lvl3pPr>
+            <a:lvl4pPr marL="1371600" indent="0" algn="l" defTabSz="914400" rtl="0" eaLnBrk="1" latinLnBrk="0" hangingPunct="1">
+              <a:spcBef>
+                <a:spcPct val="20000"/>
+              </a:spcBef>
+              <a:buFont typeface="Arial" pitchFamily="34" charset="0"/>
+              <a:buNone/>
+              <a:defRPr sz="2000" kern="1200">
+                <a:solidFill>
+                  <a:schemeClr val="tx1"/>
+                </a:solidFill>
+                <a:latin typeface="+mn-lt"/>
+                <a:ea typeface="+mn-ea"/>
+                <a:cs typeface="+mn-cs"/>
+              </a:defRPr>
+            </a:lvl4pPr>
+            <a:lvl5pPr marL="1828800" indent="0" algn="l" defTabSz="914400" rtl="0" eaLnBrk="1" latinLnBrk="0" hangingPunct="1">
+              <a:spcBef>
+                <a:spcPct val="20000"/>
+              </a:spcBef>
+              <a:buFont typeface="Arial" pitchFamily="34" charset="0"/>
+              <a:buNone/>
+              <a:defRPr sz="2000" kern="1200">
+                <a:solidFill>
+                  <a:schemeClr val="tx1"/>
+                </a:solidFill>
+                <a:latin typeface="+mn-lt"/>
+                <a:ea typeface="+mn-ea"/>
+                <a:cs typeface="+mn-cs"/>
+              </a:defRPr>
+            </a:lvl5pPr>
+            <a:lvl6pPr marL="2286000" indent="0" algn="l" defTabSz="914400" rtl="0" eaLnBrk="1" latinLnBrk="0" hangingPunct="1">
+              <a:spcBef>
+                <a:spcPct val="20000"/>
+              </a:spcBef>
+              <a:buFont typeface="Arial" pitchFamily="34" charset="0"/>
+              <a:buNone/>
+              <a:defRPr sz="2000" kern="1200">
+                <a:solidFill>
+                  <a:schemeClr val="tx1"/>
+                </a:solidFill>
+                <a:latin typeface="+mn-lt"/>
+                <a:ea typeface="+mn-ea"/>
+                <a:cs typeface="+mn-cs"/>
+              </a:defRPr>
+            </a:lvl6pPr>
+            <a:lvl7pPr marL="2743200" indent="0" algn="l" defTabSz="914400" rtl="0" eaLnBrk="1" latinLnBrk="0" hangingPunct="1">
+              <a:spcBef>
+                <a:spcPct val="20000"/>
+              </a:spcBef>
+              <a:buFont typeface="Arial" pitchFamily="34" charset="0"/>
+              <a:buNone/>
+              <a:defRPr sz="2000" kern="1200">
+                <a:solidFill>
+                  <a:schemeClr val="tx1"/>
+                </a:solidFill>
+                <a:latin typeface="+mn-lt"/>
+                <a:ea typeface="+mn-ea"/>
+                <a:cs typeface="+mn-cs"/>
+              </a:defRPr>
+            </a:lvl7pPr>
+            <a:lvl8pPr marL="3200400" indent="0" algn="l" defTabSz="914400" rtl="0" eaLnBrk="1" latinLnBrk="0" hangingPunct="1">
+              <a:spcBef>
+                <a:spcPct val="20000"/>
+              </a:spcBef>
+              <a:buFont typeface="Arial" pitchFamily="34" charset="0"/>
+              <a:buNone/>
+              <a:defRPr sz="2000" kern="1200">
+                <a:solidFill>
+                  <a:schemeClr val="tx1"/>
+                </a:solidFill>
+                <a:latin typeface="+mn-lt"/>
+                <a:ea typeface="+mn-ea"/>
+                <a:cs typeface="+mn-cs"/>
+              </a:defRPr>
+            </a:lvl8pPr>
+            <a:lvl9pPr marL="3657600" indent="0" algn="l" defTabSz="914400" rtl="0" eaLnBrk="1" latinLnBrk="0" hangingPunct="1">
+              <a:spcBef>
+                <a:spcPct val="20000"/>
+              </a:spcBef>
+              <a:buFont typeface="Arial" pitchFamily="34" charset="0"/>
+              <a:buNone/>
+              <a:defRPr sz="2000" kern="1200">
+                <a:solidFill>
+                  <a:schemeClr val="tx1"/>
+                </a:solidFill>
+                <a:latin typeface="+mn-lt"/>
+                <a:ea typeface="+mn-ea"/>
+                <a:cs typeface="+mn-cs"/>
+              </a:defRPr>
+            </a:lvl9pPr>
+          </a:lstStyle>
+          <a:p>
+            <a:pPr marL="571500" indent="-571500">
+              <a:buFont typeface="Arial" panose="020B0604020202020204" pitchFamily="34" charset="0"/>
+              <a:buChar char="•"/>
+            </a:pPr>
+            <a:endParaRPr lang="en-GB" dirty="0">
+              <a:solidFill>
+                <a:schemeClr val="bg1"/>
+              </a:solidFill>
+            </a:endParaRPr>
+          </a:p>
+        </p:txBody>
+      </p:sp>
+      <p:sp>
+        <p:nvSpPr>
+          <p:cNvPr id="4" name="Content Placeholder 2">
+            <a:extLst>
+              <a:ext uri="{FF2B5EF4-FFF2-40B4-BE49-F238E27FC236}">
+                <a16:creationId xmlns:a16="http://schemas.microsoft.com/office/drawing/2014/main" id="{91C127C4-019D-4816-9ECF-D243EFA4189D}"/>
+              </a:ext>
+            </a:extLst>
+          </p:cNvPr>
+          <p:cNvSpPr txBox="1">
+            <a:spLocks/>
+          </p:cNvSpPr>
+          <p:nvPr/>
+        </p:nvSpPr>
+        <p:spPr>
+          <a:xfrm>
+            <a:off x="609600" y="1223945"/>
+            <a:ext cx="8229600" cy="4857785"/>
+          </a:xfrm>
+          <a:prstGeom prst="rect">
+            <a:avLst/>
+          </a:prstGeom>
+        </p:spPr>
+        <p:txBody>
+          <a:bodyPr vert="horz" lIns="91440" tIns="45720" rIns="91440" bIns="45720" rtlCol="0">
+            <a:normAutofit/>
+          </a:bodyPr>
+          <a:lstStyle>
+            <a:lvl1pPr marL="0" indent="0" algn="l" defTabSz="914400" rtl="0" eaLnBrk="1" latinLnBrk="0" hangingPunct="1">
+              <a:spcBef>
+                <a:spcPct val="20000"/>
+              </a:spcBef>
+              <a:buFont typeface="Arial" pitchFamily="34" charset="0"/>
+              <a:buNone/>
+              <a:defRPr sz="3200" kern="1200">
+                <a:solidFill>
+                  <a:schemeClr val="tx1"/>
+                </a:solidFill>
+                <a:latin typeface="+mn-lt"/>
+                <a:ea typeface="+mn-ea"/>
+                <a:cs typeface="+mn-cs"/>
+              </a:defRPr>
+            </a:lvl1pPr>
+            <a:lvl2pPr marL="457200" indent="0" algn="l" defTabSz="914400" rtl="0" eaLnBrk="1" latinLnBrk="0" hangingPunct="1">
+              <a:spcBef>
+                <a:spcPct val="20000"/>
+              </a:spcBef>
+              <a:buFont typeface="Arial" pitchFamily="34" charset="0"/>
+              <a:buNone/>
+              <a:defRPr sz="2800" kern="1200">
+                <a:solidFill>
+                  <a:schemeClr val="tx1"/>
+                </a:solidFill>
+                <a:latin typeface="+mn-lt"/>
+                <a:ea typeface="+mn-ea"/>
+                <a:cs typeface="+mn-cs"/>
+              </a:defRPr>
+            </a:lvl2pPr>
+            <a:lvl3pPr marL="914400" indent="0" algn="l" defTabSz="914400" rtl="0" eaLnBrk="1" latinLnBrk="0" hangingPunct="1">
+              <a:spcBef>
+                <a:spcPct val="20000"/>
+              </a:spcBef>
+              <a:buFont typeface="Arial" pitchFamily="34" charset="0"/>
+              <a:buNone/>
+              <a:defRPr sz="2400" kern="1200">
+                <a:solidFill>
+                  <a:schemeClr val="tx1"/>
+                </a:solidFill>
+                <a:latin typeface="+mn-lt"/>
+                <a:ea typeface="+mn-ea"/>
+                <a:cs typeface="+mn-cs"/>
+              </a:defRPr>
+            </a:lvl3pPr>
+            <a:lvl4pPr marL="1371600" indent="0" algn="l" defTabSz="914400" rtl="0" eaLnBrk="1" latinLnBrk="0" hangingPunct="1">
+              <a:spcBef>
+                <a:spcPct val="20000"/>
+              </a:spcBef>
+              <a:buFont typeface="Arial" pitchFamily="34" charset="0"/>
+              <a:buNone/>
+              <a:defRPr sz="2000" kern="1200">
+                <a:solidFill>
+                  <a:schemeClr val="tx1"/>
+                </a:solidFill>
+                <a:latin typeface="+mn-lt"/>
+                <a:ea typeface="+mn-ea"/>
+                <a:cs typeface="+mn-cs"/>
+              </a:defRPr>
+            </a:lvl4pPr>
+            <a:lvl5pPr marL="1828800" indent="0" algn="l" defTabSz="914400" rtl="0" eaLnBrk="1" latinLnBrk="0" hangingPunct="1">
+              <a:spcBef>
+                <a:spcPct val="20000"/>
+              </a:spcBef>
+              <a:buFont typeface="Arial" pitchFamily="34" charset="0"/>
+              <a:buNone/>
+              <a:defRPr sz="2000" kern="1200">
+                <a:solidFill>
+                  <a:schemeClr val="tx1"/>
+                </a:solidFill>
+                <a:latin typeface="+mn-lt"/>
+                <a:ea typeface="+mn-ea"/>
+                <a:cs typeface="+mn-cs"/>
+              </a:defRPr>
+            </a:lvl5pPr>
+            <a:lvl6pPr marL="2286000" indent="0" algn="l" defTabSz="914400" rtl="0" eaLnBrk="1" latinLnBrk="0" hangingPunct="1">
+              <a:spcBef>
+                <a:spcPct val="20000"/>
+              </a:spcBef>
+              <a:buFont typeface="Arial" pitchFamily="34" charset="0"/>
+              <a:buNone/>
+              <a:defRPr sz="2000" kern="1200">
+                <a:solidFill>
+                  <a:schemeClr val="tx1"/>
+                </a:solidFill>
+                <a:latin typeface="+mn-lt"/>
+                <a:ea typeface="+mn-ea"/>
+                <a:cs typeface="+mn-cs"/>
+              </a:defRPr>
+            </a:lvl6pPr>
+            <a:lvl7pPr marL="2743200" indent="0" algn="l" defTabSz="914400" rtl="0" eaLnBrk="1" latinLnBrk="0" hangingPunct="1">
+              <a:spcBef>
+                <a:spcPct val="20000"/>
+              </a:spcBef>
+              <a:buFont typeface="Arial" pitchFamily="34" charset="0"/>
+              <a:buNone/>
+              <a:defRPr sz="2000" kern="1200">
+                <a:solidFill>
+                  <a:schemeClr val="tx1"/>
+                </a:solidFill>
+                <a:latin typeface="+mn-lt"/>
+                <a:ea typeface="+mn-ea"/>
+                <a:cs typeface="+mn-cs"/>
+              </a:defRPr>
+            </a:lvl7pPr>
+            <a:lvl8pPr marL="3200400" indent="0" algn="l" defTabSz="914400" rtl="0" eaLnBrk="1" latinLnBrk="0" hangingPunct="1">
+              <a:spcBef>
+                <a:spcPct val="20000"/>
+              </a:spcBef>
+              <a:buFont typeface="Arial" pitchFamily="34" charset="0"/>
+              <a:buNone/>
+              <a:defRPr sz="2000" kern="1200">
+                <a:solidFill>
+                  <a:schemeClr val="tx1"/>
+                </a:solidFill>
+                <a:latin typeface="+mn-lt"/>
+                <a:ea typeface="+mn-ea"/>
+                <a:cs typeface="+mn-cs"/>
+              </a:defRPr>
+            </a:lvl8pPr>
+            <a:lvl9pPr marL="3657600" indent="0" algn="l" defTabSz="914400" rtl="0" eaLnBrk="1" latinLnBrk="0" hangingPunct="1">
+              <a:spcBef>
+                <a:spcPct val="20000"/>
+              </a:spcBef>
+              <a:buFont typeface="Arial" pitchFamily="34" charset="0"/>
+              <a:buNone/>
+              <a:defRPr sz="2000" kern="1200">
+                <a:solidFill>
+                  <a:schemeClr val="tx1"/>
+                </a:solidFill>
+                <a:latin typeface="+mn-lt"/>
+                <a:ea typeface="+mn-ea"/>
+                <a:cs typeface="+mn-cs"/>
+              </a:defRPr>
+            </a:lvl9pPr>
+          </a:lstStyle>
+          <a:p>
+            <a:pPr marL="571500" indent="-571500">
+              <a:buFont typeface="Arial" panose="020B0604020202020204" pitchFamily="34" charset="0"/>
+              <a:buChar char="•"/>
+            </a:pPr>
+            <a:endParaRPr lang="en-GB" dirty="0">
+              <a:solidFill>
+                <a:schemeClr val="bg1"/>
+              </a:solidFill>
+            </a:endParaRPr>
+          </a:p>
+          <a:p>
+            <a:pPr marL="571500" indent="-571500">
+              <a:buFont typeface="Arial" panose="020B0604020202020204" pitchFamily="34" charset="0"/>
+              <a:buChar char="•"/>
+            </a:pPr>
+            <a:endParaRPr lang="en-US" dirty="0">
+              <a:solidFill>
+                <a:schemeClr val="bg1"/>
+              </a:solidFill>
+            </a:endParaRPr>
+          </a:p>
+        </p:txBody>
+      </p:sp>
+    </p:spTree>
+    <p:extLst>
+      <p:ext uri="{BB962C8B-B14F-4D97-AF65-F5344CB8AC3E}">
+        <p14:creationId xmlns:p14="http://schemas.microsoft.com/office/powerpoint/2010/main" val="1272949033"/>
+      </p:ext>
+    </p:extLst>
+  </p:cSld>
+  <p:clrMapOvr>
+    <a:masterClrMapping/>
+  </p:clrMapOvr>
+</p:sld>
+</file>
+
+<file path=ppt/slides/slide23.xml><?xml version="1.0" encoding="utf-8"?>
+<p:sld xmlns:a="http://schemas.openxmlformats.org/drawingml/2006/main" xmlns:r="http://schemas.openxmlformats.org/officeDocument/2006/relationships" xmlns:p="http://schemas.openxmlformats.org/presentationml/2006/main">
+  <p:cSld>
+    <p:spTree>
+      <p:nvGrpSpPr>
+        <p:cNvPr id="1" name=""/>
+        <p:cNvGrpSpPr/>
+        <p:nvPr/>
+      </p:nvGrpSpPr>
+      <p:grpSpPr>
+        <a:xfrm>
+          <a:off x="0" y="0"/>
+          <a:ext cx="0" cy="0"/>
+          <a:chOff x="0" y="0"/>
+          <a:chExt cx="0" cy="0"/>
+        </a:xfrm>
+      </p:grpSpPr>
+      <p:sp>
+        <p:nvSpPr>
+          <p:cNvPr id="5" name="Title 1"/>
+          <p:cNvSpPr>
+            <a:spLocks noGrp="1"/>
+          </p:cNvSpPr>
+          <p:nvPr>
+            <p:ph type="title"/>
+          </p:nvPr>
+        </p:nvSpPr>
+        <p:spPr>
+          <a:xfrm>
+            <a:off x="457200" y="274638"/>
+            <a:ext cx="8229600" cy="511156"/>
+          </a:xfrm>
+        </p:spPr>
+        <p:txBody>
+          <a:bodyPr>
+            <a:noAutofit/>
+          </a:bodyPr>
+          <a:lstStyle/>
+          <a:p>
+            <a:pPr fontAlgn="base">
+              <a:spcAft>
+                <a:spcPct val="0"/>
+              </a:spcAft>
+              <a:defRPr/>
+            </a:pPr>
+            <a:r>
+              <a:rPr lang="en-GB" sz="4000" kern="0" dirty="0">
+                <a:solidFill>
+                  <a:srgbClr val="0098D4"/>
+                </a:solidFill>
+                <a:latin typeface="Calibri" pitchFamily="34" charset="0"/>
+              </a:rPr>
+              <a:t>#. Limitations</a:t>
+            </a:r>
+          </a:p>
+        </p:txBody>
+      </p:sp>
+      <p:sp>
+        <p:nvSpPr>
+          <p:cNvPr id="6" name="Content Placeholder 2"/>
+          <p:cNvSpPr txBox="1">
+            <a:spLocks/>
+          </p:cNvSpPr>
+          <p:nvPr/>
+        </p:nvSpPr>
+        <p:spPr>
+          <a:xfrm>
+            <a:off x="457200" y="1071545"/>
+            <a:ext cx="8229600" cy="4857785"/>
+          </a:xfrm>
+          <a:prstGeom prst="rect">
+            <a:avLst/>
+          </a:prstGeom>
+        </p:spPr>
+        <p:txBody>
+          <a:bodyPr vert="horz" lIns="91440" tIns="45720" rIns="91440" bIns="45720" rtlCol="0">
+            <a:normAutofit/>
+          </a:bodyPr>
+          <a:lstStyle>
+            <a:lvl1pPr marL="0" indent="0" algn="l" defTabSz="914400" rtl="0" eaLnBrk="1" latinLnBrk="0" hangingPunct="1">
+              <a:spcBef>
+                <a:spcPct val="20000"/>
+              </a:spcBef>
+              <a:buFont typeface="Arial" pitchFamily="34" charset="0"/>
+              <a:buNone/>
+              <a:defRPr sz="3200" kern="1200">
+                <a:solidFill>
+                  <a:schemeClr val="tx1"/>
+                </a:solidFill>
+                <a:latin typeface="+mn-lt"/>
+                <a:ea typeface="+mn-ea"/>
+                <a:cs typeface="+mn-cs"/>
+              </a:defRPr>
+            </a:lvl1pPr>
+            <a:lvl2pPr marL="457200" indent="0" algn="l" defTabSz="914400" rtl="0" eaLnBrk="1" latinLnBrk="0" hangingPunct="1">
+              <a:spcBef>
+                <a:spcPct val="20000"/>
+              </a:spcBef>
+              <a:buFont typeface="Arial" pitchFamily="34" charset="0"/>
+              <a:buNone/>
+              <a:defRPr sz="2800" kern="1200">
+                <a:solidFill>
+                  <a:schemeClr val="tx1"/>
+                </a:solidFill>
+                <a:latin typeface="+mn-lt"/>
+                <a:ea typeface="+mn-ea"/>
+                <a:cs typeface="+mn-cs"/>
+              </a:defRPr>
+            </a:lvl2pPr>
+            <a:lvl3pPr marL="914400" indent="0" algn="l" defTabSz="914400" rtl="0" eaLnBrk="1" latinLnBrk="0" hangingPunct="1">
+              <a:spcBef>
+                <a:spcPct val="20000"/>
+              </a:spcBef>
+              <a:buFont typeface="Arial" pitchFamily="34" charset="0"/>
+              <a:buNone/>
+              <a:defRPr sz="2400" kern="1200">
+                <a:solidFill>
+                  <a:schemeClr val="tx1"/>
+                </a:solidFill>
+                <a:latin typeface="+mn-lt"/>
+                <a:ea typeface="+mn-ea"/>
+                <a:cs typeface="+mn-cs"/>
+              </a:defRPr>
+            </a:lvl3pPr>
+            <a:lvl4pPr marL="1371600" indent="0" algn="l" defTabSz="914400" rtl="0" eaLnBrk="1" latinLnBrk="0" hangingPunct="1">
+              <a:spcBef>
+                <a:spcPct val="20000"/>
+              </a:spcBef>
+              <a:buFont typeface="Arial" pitchFamily="34" charset="0"/>
+              <a:buNone/>
+              <a:defRPr sz="2000" kern="1200">
+                <a:solidFill>
+                  <a:schemeClr val="tx1"/>
+                </a:solidFill>
+                <a:latin typeface="+mn-lt"/>
+                <a:ea typeface="+mn-ea"/>
+                <a:cs typeface="+mn-cs"/>
+              </a:defRPr>
+            </a:lvl4pPr>
+            <a:lvl5pPr marL="1828800" indent="0" algn="l" defTabSz="914400" rtl="0" eaLnBrk="1" latinLnBrk="0" hangingPunct="1">
+              <a:spcBef>
+                <a:spcPct val="20000"/>
+              </a:spcBef>
+              <a:buFont typeface="Arial" pitchFamily="34" charset="0"/>
+              <a:buNone/>
+              <a:defRPr sz="2000" kern="1200">
+                <a:solidFill>
+                  <a:schemeClr val="tx1"/>
+                </a:solidFill>
+                <a:latin typeface="+mn-lt"/>
+                <a:ea typeface="+mn-ea"/>
+                <a:cs typeface="+mn-cs"/>
+              </a:defRPr>
+            </a:lvl5pPr>
+            <a:lvl6pPr marL="2286000" indent="0" algn="l" defTabSz="914400" rtl="0" eaLnBrk="1" latinLnBrk="0" hangingPunct="1">
+              <a:spcBef>
+                <a:spcPct val="20000"/>
+              </a:spcBef>
+              <a:buFont typeface="Arial" pitchFamily="34" charset="0"/>
+              <a:buNone/>
+              <a:defRPr sz="2000" kern="1200">
+                <a:solidFill>
+                  <a:schemeClr val="tx1"/>
+                </a:solidFill>
+                <a:latin typeface="+mn-lt"/>
+                <a:ea typeface="+mn-ea"/>
+                <a:cs typeface="+mn-cs"/>
+              </a:defRPr>
+            </a:lvl6pPr>
+            <a:lvl7pPr marL="2743200" indent="0" algn="l" defTabSz="914400" rtl="0" eaLnBrk="1" latinLnBrk="0" hangingPunct="1">
+              <a:spcBef>
+                <a:spcPct val="20000"/>
+              </a:spcBef>
+              <a:buFont typeface="Arial" pitchFamily="34" charset="0"/>
+              <a:buNone/>
+              <a:defRPr sz="2000" kern="1200">
+                <a:solidFill>
+                  <a:schemeClr val="tx1"/>
+                </a:solidFill>
+                <a:latin typeface="+mn-lt"/>
+                <a:ea typeface="+mn-ea"/>
+                <a:cs typeface="+mn-cs"/>
+              </a:defRPr>
+            </a:lvl7pPr>
+            <a:lvl8pPr marL="3200400" indent="0" algn="l" defTabSz="914400" rtl="0" eaLnBrk="1" latinLnBrk="0" hangingPunct="1">
+              <a:spcBef>
+                <a:spcPct val="20000"/>
+              </a:spcBef>
+              <a:buFont typeface="Arial" pitchFamily="34" charset="0"/>
+              <a:buNone/>
+              <a:defRPr sz="2000" kern="1200">
+                <a:solidFill>
+                  <a:schemeClr val="tx1"/>
+                </a:solidFill>
+                <a:latin typeface="+mn-lt"/>
+                <a:ea typeface="+mn-ea"/>
+                <a:cs typeface="+mn-cs"/>
+              </a:defRPr>
+            </a:lvl8pPr>
+            <a:lvl9pPr marL="3657600" indent="0" algn="l" defTabSz="914400" rtl="0" eaLnBrk="1" latinLnBrk="0" hangingPunct="1">
+              <a:spcBef>
+                <a:spcPct val="20000"/>
+              </a:spcBef>
+              <a:buFont typeface="Arial" pitchFamily="34" charset="0"/>
+              <a:buNone/>
+              <a:defRPr sz="2000" kern="1200">
+                <a:solidFill>
+                  <a:schemeClr val="tx1"/>
+                </a:solidFill>
+                <a:latin typeface="+mn-lt"/>
+                <a:ea typeface="+mn-ea"/>
+                <a:cs typeface="+mn-cs"/>
+              </a:defRPr>
+            </a:lvl9pPr>
+          </a:lstStyle>
+          <a:p>
+            <a:pPr marL="571500" indent="-571500">
+              <a:buFont typeface="Arial" panose="020B0604020202020204" pitchFamily="34" charset="0"/>
+              <a:buChar char="•"/>
+            </a:pPr>
+            <a:endParaRPr lang="en-GB" dirty="0">
+              <a:solidFill>
+                <a:schemeClr val="bg1"/>
+              </a:solidFill>
+            </a:endParaRPr>
+          </a:p>
+        </p:txBody>
+      </p:sp>
+      <p:sp>
+        <p:nvSpPr>
+          <p:cNvPr id="4" name="Content Placeholder 2">
+            <a:extLst>
+              <a:ext uri="{FF2B5EF4-FFF2-40B4-BE49-F238E27FC236}">
+                <a16:creationId xmlns:a16="http://schemas.microsoft.com/office/drawing/2014/main" id="{91C127C4-019D-4816-9ECF-D243EFA4189D}"/>
+              </a:ext>
+            </a:extLst>
+          </p:cNvPr>
+          <p:cNvSpPr txBox="1">
+            <a:spLocks/>
+          </p:cNvSpPr>
+          <p:nvPr/>
+        </p:nvSpPr>
+        <p:spPr>
+          <a:xfrm>
+            <a:off x="609600" y="1223945"/>
+            <a:ext cx="8229600" cy="4857785"/>
+          </a:xfrm>
+          <a:prstGeom prst="rect">
+            <a:avLst/>
+          </a:prstGeom>
+        </p:spPr>
+        <p:txBody>
+          <a:bodyPr vert="horz" lIns="91440" tIns="45720" rIns="91440" bIns="45720" rtlCol="0">
+            <a:normAutofit/>
+          </a:bodyPr>
+          <a:lstStyle>
+            <a:lvl1pPr marL="0" indent="0" algn="l" defTabSz="914400" rtl="0" eaLnBrk="1" latinLnBrk="0" hangingPunct="1">
+              <a:spcBef>
+                <a:spcPct val="20000"/>
+              </a:spcBef>
+              <a:buFont typeface="Arial" pitchFamily="34" charset="0"/>
+              <a:buNone/>
+              <a:defRPr sz="3200" kern="1200">
+                <a:solidFill>
+                  <a:schemeClr val="tx1"/>
+                </a:solidFill>
+                <a:latin typeface="+mn-lt"/>
+                <a:ea typeface="+mn-ea"/>
+                <a:cs typeface="+mn-cs"/>
+              </a:defRPr>
+            </a:lvl1pPr>
+            <a:lvl2pPr marL="457200" indent="0" algn="l" defTabSz="914400" rtl="0" eaLnBrk="1" latinLnBrk="0" hangingPunct="1">
+              <a:spcBef>
+                <a:spcPct val="20000"/>
+              </a:spcBef>
+              <a:buFont typeface="Arial" pitchFamily="34" charset="0"/>
+              <a:buNone/>
+              <a:defRPr sz="2800" kern="1200">
+                <a:solidFill>
+                  <a:schemeClr val="tx1"/>
+                </a:solidFill>
+                <a:latin typeface="+mn-lt"/>
+                <a:ea typeface="+mn-ea"/>
+                <a:cs typeface="+mn-cs"/>
+              </a:defRPr>
+            </a:lvl2pPr>
+            <a:lvl3pPr marL="914400" indent="0" algn="l" defTabSz="914400" rtl="0" eaLnBrk="1" latinLnBrk="0" hangingPunct="1">
+              <a:spcBef>
+                <a:spcPct val="20000"/>
+              </a:spcBef>
+              <a:buFont typeface="Arial" pitchFamily="34" charset="0"/>
+              <a:buNone/>
+              <a:defRPr sz="2400" kern="1200">
+                <a:solidFill>
+                  <a:schemeClr val="tx1"/>
+                </a:solidFill>
+                <a:latin typeface="+mn-lt"/>
+                <a:ea typeface="+mn-ea"/>
+                <a:cs typeface="+mn-cs"/>
+              </a:defRPr>
+            </a:lvl3pPr>
+            <a:lvl4pPr marL="1371600" indent="0" algn="l" defTabSz="914400" rtl="0" eaLnBrk="1" latinLnBrk="0" hangingPunct="1">
+              <a:spcBef>
+                <a:spcPct val="20000"/>
+              </a:spcBef>
+              <a:buFont typeface="Arial" pitchFamily="34" charset="0"/>
+              <a:buNone/>
+              <a:defRPr sz="2000" kern="1200">
+                <a:solidFill>
+                  <a:schemeClr val="tx1"/>
+                </a:solidFill>
+                <a:latin typeface="+mn-lt"/>
+                <a:ea typeface="+mn-ea"/>
+                <a:cs typeface="+mn-cs"/>
+              </a:defRPr>
+            </a:lvl4pPr>
+            <a:lvl5pPr marL="1828800" indent="0" algn="l" defTabSz="914400" rtl="0" eaLnBrk="1" latinLnBrk="0" hangingPunct="1">
+              <a:spcBef>
+                <a:spcPct val="20000"/>
+              </a:spcBef>
+              <a:buFont typeface="Arial" pitchFamily="34" charset="0"/>
+              <a:buNone/>
+              <a:defRPr sz="2000" kern="1200">
+                <a:solidFill>
+                  <a:schemeClr val="tx1"/>
+                </a:solidFill>
+                <a:latin typeface="+mn-lt"/>
+                <a:ea typeface="+mn-ea"/>
+                <a:cs typeface="+mn-cs"/>
+              </a:defRPr>
+            </a:lvl5pPr>
+            <a:lvl6pPr marL="2286000" indent="0" algn="l" defTabSz="914400" rtl="0" eaLnBrk="1" latinLnBrk="0" hangingPunct="1">
+              <a:spcBef>
+                <a:spcPct val="20000"/>
+              </a:spcBef>
+              <a:buFont typeface="Arial" pitchFamily="34" charset="0"/>
+              <a:buNone/>
+              <a:defRPr sz="2000" kern="1200">
+                <a:solidFill>
+                  <a:schemeClr val="tx1"/>
+                </a:solidFill>
+                <a:latin typeface="+mn-lt"/>
+                <a:ea typeface="+mn-ea"/>
+                <a:cs typeface="+mn-cs"/>
+              </a:defRPr>
+            </a:lvl6pPr>
+            <a:lvl7pPr marL="2743200" indent="0" algn="l" defTabSz="914400" rtl="0" eaLnBrk="1" latinLnBrk="0" hangingPunct="1">
+              <a:spcBef>
+                <a:spcPct val="20000"/>
+              </a:spcBef>
+              <a:buFont typeface="Arial" pitchFamily="34" charset="0"/>
+              <a:buNone/>
+              <a:defRPr sz="2000" kern="1200">
+                <a:solidFill>
+                  <a:schemeClr val="tx1"/>
+                </a:solidFill>
+                <a:latin typeface="+mn-lt"/>
+                <a:ea typeface="+mn-ea"/>
+                <a:cs typeface="+mn-cs"/>
+              </a:defRPr>
+            </a:lvl7pPr>
+            <a:lvl8pPr marL="3200400" indent="0" algn="l" defTabSz="914400" rtl="0" eaLnBrk="1" latinLnBrk="0" hangingPunct="1">
+              <a:spcBef>
+                <a:spcPct val="20000"/>
+              </a:spcBef>
+              <a:buFont typeface="Arial" pitchFamily="34" charset="0"/>
+              <a:buNone/>
+              <a:defRPr sz="2000" kern="1200">
+                <a:solidFill>
+                  <a:schemeClr val="tx1"/>
+                </a:solidFill>
+                <a:latin typeface="+mn-lt"/>
+                <a:ea typeface="+mn-ea"/>
+                <a:cs typeface="+mn-cs"/>
+              </a:defRPr>
+            </a:lvl8pPr>
+            <a:lvl9pPr marL="3657600" indent="0" algn="l" defTabSz="914400" rtl="0" eaLnBrk="1" latinLnBrk="0" hangingPunct="1">
+              <a:spcBef>
+                <a:spcPct val="20000"/>
+              </a:spcBef>
+              <a:buFont typeface="Arial" pitchFamily="34" charset="0"/>
+              <a:buNone/>
+              <a:defRPr sz="2000" kern="1200">
+                <a:solidFill>
+                  <a:schemeClr val="tx1"/>
+                </a:solidFill>
+                <a:latin typeface="+mn-lt"/>
+                <a:ea typeface="+mn-ea"/>
+                <a:cs typeface="+mn-cs"/>
+              </a:defRPr>
+            </a:lvl9pPr>
+          </a:lstStyle>
+          <a:p>
+            <a:pPr marL="571500" indent="-571500">
+              <a:buFont typeface="Arial" panose="020B0604020202020204" pitchFamily="34" charset="0"/>
+              <a:buChar char="•"/>
+            </a:pPr>
+            <a:endParaRPr lang="en-GB" dirty="0">
+              <a:solidFill>
+                <a:schemeClr val="bg1"/>
+              </a:solidFill>
+            </a:endParaRPr>
+          </a:p>
+          <a:p>
+            <a:pPr marL="571500" indent="-571500">
+              <a:buFont typeface="Arial" panose="020B0604020202020204" pitchFamily="34" charset="0"/>
+              <a:buChar char="•"/>
+            </a:pPr>
+            <a:endParaRPr lang="en-US" dirty="0">
+              <a:solidFill>
+                <a:schemeClr val="bg1"/>
+              </a:solidFill>
+            </a:endParaRPr>
+          </a:p>
+        </p:txBody>
+      </p:sp>
+    </p:spTree>
+    <p:extLst>
+      <p:ext uri="{BB962C8B-B14F-4D97-AF65-F5344CB8AC3E}">
+        <p14:creationId xmlns:p14="http://schemas.microsoft.com/office/powerpoint/2010/main" val="914059676"/>
+      </p:ext>
+    </p:extLst>
+  </p:cSld>
+  <p:clrMapOvr>
+    <a:masterClrMapping/>
+  </p:clrMapOvr>
+</p:sld>
+</file>
+
+<file path=ppt/slides/slide24.xml><?xml version="1.0" encoding="utf-8"?>
+<p:sld xmlns:a="http://schemas.openxmlformats.org/drawingml/2006/main" xmlns:r="http://schemas.openxmlformats.org/officeDocument/2006/relationships" xmlns:p="http://schemas.openxmlformats.org/presentationml/2006/main">
+  <p:cSld>
+    <p:spTree>
+      <p:nvGrpSpPr>
+        <p:cNvPr id="1" name=""/>
+        <p:cNvGrpSpPr/>
+        <p:nvPr/>
+      </p:nvGrpSpPr>
+      <p:grpSpPr>
+        <a:xfrm>
+          <a:off x="0" y="0"/>
+          <a:ext cx="0" cy="0"/>
+          <a:chOff x="0" y="0"/>
+          <a:chExt cx="0" cy="0"/>
+        </a:xfrm>
+      </p:grpSpPr>
+      <p:sp>
+        <p:nvSpPr>
+          <p:cNvPr id="5" name="Title 1"/>
+          <p:cNvSpPr>
+            <a:spLocks noGrp="1"/>
+          </p:cNvSpPr>
+          <p:nvPr>
+            <p:ph type="title"/>
+          </p:nvPr>
+        </p:nvSpPr>
+        <p:spPr>
+          <a:xfrm>
+            <a:off x="457200" y="274638"/>
+            <a:ext cx="8229600" cy="511156"/>
+          </a:xfrm>
+        </p:spPr>
+        <p:txBody>
+          <a:bodyPr>
+            <a:noAutofit/>
+          </a:bodyPr>
+          <a:lstStyle/>
+          <a:p>
+            <a:pPr fontAlgn="base">
+              <a:spcAft>
+                <a:spcPct val="0"/>
+              </a:spcAft>
+              <a:defRPr/>
+            </a:pPr>
+            <a:r>
+              <a:rPr lang="en-GB" sz="4000" kern="0" dirty="0">
+                <a:solidFill>
+                  <a:srgbClr val="0098D4"/>
+                </a:solidFill>
+                <a:latin typeface="Calibri" pitchFamily="34" charset="0"/>
+              </a:rPr>
+              <a:t>#. Real world examples</a:t>
+            </a:r>
+          </a:p>
+        </p:txBody>
+      </p:sp>
+      <p:sp>
+        <p:nvSpPr>
+          <p:cNvPr id="6" name="Content Placeholder 2"/>
+          <p:cNvSpPr txBox="1">
+            <a:spLocks/>
+          </p:cNvSpPr>
+          <p:nvPr/>
+        </p:nvSpPr>
+        <p:spPr>
+          <a:xfrm>
+            <a:off x="457200" y="1071545"/>
+            <a:ext cx="8229600" cy="4857785"/>
+          </a:xfrm>
+          <a:prstGeom prst="rect">
+            <a:avLst/>
+          </a:prstGeom>
+        </p:spPr>
+        <p:txBody>
+          <a:bodyPr vert="horz" lIns="91440" tIns="45720" rIns="91440" bIns="45720" rtlCol="0">
+            <a:normAutofit/>
+          </a:bodyPr>
+          <a:lstStyle>
+            <a:lvl1pPr marL="0" indent="0" algn="l" defTabSz="914400" rtl="0" eaLnBrk="1" latinLnBrk="0" hangingPunct="1">
+              <a:spcBef>
+                <a:spcPct val="20000"/>
+              </a:spcBef>
+              <a:buFont typeface="Arial" pitchFamily="34" charset="0"/>
+              <a:buNone/>
+              <a:defRPr sz="3200" kern="1200">
+                <a:solidFill>
+                  <a:schemeClr val="tx1"/>
+                </a:solidFill>
+                <a:latin typeface="+mn-lt"/>
+                <a:ea typeface="+mn-ea"/>
+                <a:cs typeface="+mn-cs"/>
+              </a:defRPr>
+            </a:lvl1pPr>
+            <a:lvl2pPr marL="457200" indent="0" algn="l" defTabSz="914400" rtl="0" eaLnBrk="1" latinLnBrk="0" hangingPunct="1">
+              <a:spcBef>
+                <a:spcPct val="20000"/>
+              </a:spcBef>
+              <a:buFont typeface="Arial" pitchFamily="34" charset="0"/>
+              <a:buNone/>
+              <a:defRPr sz="2800" kern="1200">
+                <a:solidFill>
+                  <a:schemeClr val="tx1"/>
+                </a:solidFill>
+                <a:latin typeface="+mn-lt"/>
+                <a:ea typeface="+mn-ea"/>
+                <a:cs typeface="+mn-cs"/>
+              </a:defRPr>
+            </a:lvl2pPr>
+            <a:lvl3pPr marL="914400" indent="0" algn="l" defTabSz="914400" rtl="0" eaLnBrk="1" latinLnBrk="0" hangingPunct="1">
+              <a:spcBef>
+                <a:spcPct val="20000"/>
+              </a:spcBef>
+              <a:buFont typeface="Arial" pitchFamily="34" charset="0"/>
+              <a:buNone/>
+              <a:defRPr sz="2400" kern="1200">
+                <a:solidFill>
+                  <a:schemeClr val="tx1"/>
+                </a:solidFill>
+                <a:latin typeface="+mn-lt"/>
+                <a:ea typeface="+mn-ea"/>
+                <a:cs typeface="+mn-cs"/>
+              </a:defRPr>
+            </a:lvl3pPr>
+            <a:lvl4pPr marL="1371600" indent="0" algn="l" defTabSz="914400" rtl="0" eaLnBrk="1" latinLnBrk="0" hangingPunct="1">
+              <a:spcBef>
+                <a:spcPct val="20000"/>
+              </a:spcBef>
+              <a:buFont typeface="Arial" pitchFamily="34" charset="0"/>
+              <a:buNone/>
+              <a:defRPr sz="2000" kern="1200">
+                <a:solidFill>
+                  <a:schemeClr val="tx1"/>
+                </a:solidFill>
+                <a:latin typeface="+mn-lt"/>
+                <a:ea typeface="+mn-ea"/>
+                <a:cs typeface="+mn-cs"/>
+              </a:defRPr>
+            </a:lvl4pPr>
+            <a:lvl5pPr marL="1828800" indent="0" algn="l" defTabSz="914400" rtl="0" eaLnBrk="1" latinLnBrk="0" hangingPunct="1">
+              <a:spcBef>
+                <a:spcPct val="20000"/>
+              </a:spcBef>
+              <a:buFont typeface="Arial" pitchFamily="34" charset="0"/>
+              <a:buNone/>
+              <a:defRPr sz="2000" kern="1200">
+                <a:solidFill>
+                  <a:schemeClr val="tx1"/>
+                </a:solidFill>
+                <a:latin typeface="+mn-lt"/>
+                <a:ea typeface="+mn-ea"/>
+                <a:cs typeface="+mn-cs"/>
+              </a:defRPr>
+            </a:lvl5pPr>
+            <a:lvl6pPr marL="2286000" indent="0" algn="l" defTabSz="914400" rtl="0" eaLnBrk="1" latinLnBrk="0" hangingPunct="1">
+              <a:spcBef>
+                <a:spcPct val="20000"/>
+              </a:spcBef>
+              <a:buFont typeface="Arial" pitchFamily="34" charset="0"/>
+              <a:buNone/>
+              <a:defRPr sz="2000" kern="1200">
+                <a:solidFill>
+                  <a:schemeClr val="tx1"/>
+                </a:solidFill>
+                <a:latin typeface="+mn-lt"/>
+                <a:ea typeface="+mn-ea"/>
+                <a:cs typeface="+mn-cs"/>
+              </a:defRPr>
+            </a:lvl6pPr>
+            <a:lvl7pPr marL="2743200" indent="0" algn="l" defTabSz="914400" rtl="0" eaLnBrk="1" latinLnBrk="0" hangingPunct="1">
+              <a:spcBef>
+                <a:spcPct val="20000"/>
+              </a:spcBef>
+              <a:buFont typeface="Arial" pitchFamily="34" charset="0"/>
+              <a:buNone/>
+              <a:defRPr sz="2000" kern="1200">
+                <a:solidFill>
+                  <a:schemeClr val="tx1"/>
+                </a:solidFill>
+                <a:latin typeface="+mn-lt"/>
+                <a:ea typeface="+mn-ea"/>
+                <a:cs typeface="+mn-cs"/>
+              </a:defRPr>
+            </a:lvl7pPr>
+            <a:lvl8pPr marL="3200400" indent="0" algn="l" defTabSz="914400" rtl="0" eaLnBrk="1" latinLnBrk="0" hangingPunct="1">
+              <a:spcBef>
+                <a:spcPct val="20000"/>
+              </a:spcBef>
+              <a:buFont typeface="Arial" pitchFamily="34" charset="0"/>
+              <a:buNone/>
+              <a:defRPr sz="2000" kern="1200">
+                <a:solidFill>
+                  <a:schemeClr val="tx1"/>
+                </a:solidFill>
+                <a:latin typeface="+mn-lt"/>
+                <a:ea typeface="+mn-ea"/>
+                <a:cs typeface="+mn-cs"/>
+              </a:defRPr>
+            </a:lvl8pPr>
+            <a:lvl9pPr marL="3657600" indent="0" algn="l" defTabSz="914400" rtl="0" eaLnBrk="1" latinLnBrk="0" hangingPunct="1">
+              <a:spcBef>
+                <a:spcPct val="20000"/>
+              </a:spcBef>
+              <a:buFont typeface="Arial" pitchFamily="34" charset="0"/>
+              <a:buNone/>
+              <a:defRPr sz="2000" kern="1200">
+                <a:solidFill>
+                  <a:schemeClr val="tx1"/>
+                </a:solidFill>
+                <a:latin typeface="+mn-lt"/>
+                <a:ea typeface="+mn-ea"/>
+                <a:cs typeface="+mn-cs"/>
+              </a:defRPr>
+            </a:lvl9pPr>
+          </a:lstStyle>
+          <a:p>
+            <a:pPr marL="571500" indent="-571500">
+              <a:buFont typeface="Arial" panose="020B0604020202020204" pitchFamily="34" charset="0"/>
+              <a:buChar char="•"/>
+            </a:pPr>
+            <a:endParaRPr lang="en-GB" dirty="0">
+              <a:solidFill>
+                <a:schemeClr val="bg1"/>
+              </a:solidFill>
+            </a:endParaRPr>
+          </a:p>
+        </p:txBody>
+      </p:sp>
+      <p:sp>
+        <p:nvSpPr>
+          <p:cNvPr id="4" name="Content Placeholder 2">
+            <a:extLst>
+              <a:ext uri="{FF2B5EF4-FFF2-40B4-BE49-F238E27FC236}">
+                <a16:creationId xmlns:a16="http://schemas.microsoft.com/office/drawing/2014/main" id="{91C127C4-019D-4816-9ECF-D243EFA4189D}"/>
+              </a:ext>
+            </a:extLst>
+          </p:cNvPr>
+          <p:cNvSpPr txBox="1">
+            <a:spLocks/>
+          </p:cNvSpPr>
+          <p:nvPr/>
+        </p:nvSpPr>
+        <p:spPr>
+          <a:xfrm>
+            <a:off x="609600" y="1223945"/>
+            <a:ext cx="8229600" cy="4857785"/>
+          </a:xfrm>
+          <a:prstGeom prst="rect">
+            <a:avLst/>
+          </a:prstGeom>
+        </p:spPr>
+        <p:txBody>
+          <a:bodyPr vert="horz" lIns="91440" tIns="45720" rIns="91440" bIns="45720" rtlCol="0">
+            <a:normAutofit/>
+          </a:bodyPr>
+          <a:lstStyle>
+            <a:lvl1pPr marL="0" indent="0" algn="l" defTabSz="914400" rtl="0" eaLnBrk="1" latinLnBrk="0" hangingPunct="1">
+              <a:spcBef>
+                <a:spcPct val="20000"/>
+              </a:spcBef>
+              <a:buFont typeface="Arial" pitchFamily="34" charset="0"/>
+              <a:buNone/>
+              <a:defRPr sz="3200" kern="1200">
+                <a:solidFill>
+                  <a:schemeClr val="tx1"/>
+                </a:solidFill>
+                <a:latin typeface="+mn-lt"/>
+                <a:ea typeface="+mn-ea"/>
+                <a:cs typeface="+mn-cs"/>
+              </a:defRPr>
+            </a:lvl1pPr>
+            <a:lvl2pPr marL="457200" indent="0" algn="l" defTabSz="914400" rtl="0" eaLnBrk="1" latinLnBrk="0" hangingPunct="1">
+              <a:spcBef>
+                <a:spcPct val="20000"/>
+              </a:spcBef>
+              <a:buFont typeface="Arial" pitchFamily="34" charset="0"/>
+              <a:buNone/>
+              <a:defRPr sz="2800" kern="1200">
+                <a:solidFill>
+                  <a:schemeClr val="tx1"/>
+                </a:solidFill>
+                <a:latin typeface="+mn-lt"/>
+                <a:ea typeface="+mn-ea"/>
+                <a:cs typeface="+mn-cs"/>
+              </a:defRPr>
+            </a:lvl2pPr>
+            <a:lvl3pPr marL="914400" indent="0" algn="l" defTabSz="914400" rtl="0" eaLnBrk="1" latinLnBrk="0" hangingPunct="1">
+              <a:spcBef>
+                <a:spcPct val="20000"/>
+              </a:spcBef>
+              <a:buFont typeface="Arial" pitchFamily="34" charset="0"/>
+              <a:buNone/>
+              <a:defRPr sz="2400" kern="1200">
+                <a:solidFill>
+                  <a:schemeClr val="tx1"/>
+                </a:solidFill>
+                <a:latin typeface="+mn-lt"/>
+                <a:ea typeface="+mn-ea"/>
+                <a:cs typeface="+mn-cs"/>
+              </a:defRPr>
+            </a:lvl3pPr>
+            <a:lvl4pPr marL="1371600" indent="0" algn="l" defTabSz="914400" rtl="0" eaLnBrk="1" latinLnBrk="0" hangingPunct="1">
+              <a:spcBef>
+                <a:spcPct val="20000"/>
+              </a:spcBef>
+              <a:buFont typeface="Arial" pitchFamily="34" charset="0"/>
+              <a:buNone/>
+              <a:defRPr sz="2000" kern="1200">
+                <a:solidFill>
+                  <a:schemeClr val="tx1"/>
+                </a:solidFill>
+                <a:latin typeface="+mn-lt"/>
+                <a:ea typeface="+mn-ea"/>
+                <a:cs typeface="+mn-cs"/>
+              </a:defRPr>
+            </a:lvl4pPr>
+            <a:lvl5pPr marL="1828800" indent="0" algn="l" defTabSz="914400" rtl="0" eaLnBrk="1" latinLnBrk="0" hangingPunct="1">
+              <a:spcBef>
+                <a:spcPct val="20000"/>
+              </a:spcBef>
+              <a:buFont typeface="Arial" pitchFamily="34" charset="0"/>
+              <a:buNone/>
+              <a:defRPr sz="2000" kern="1200">
+                <a:solidFill>
+                  <a:schemeClr val="tx1"/>
+                </a:solidFill>
+                <a:latin typeface="+mn-lt"/>
+                <a:ea typeface="+mn-ea"/>
+                <a:cs typeface="+mn-cs"/>
+              </a:defRPr>
+            </a:lvl5pPr>
+            <a:lvl6pPr marL="2286000" indent="0" algn="l" defTabSz="914400" rtl="0" eaLnBrk="1" latinLnBrk="0" hangingPunct="1">
+              <a:spcBef>
+                <a:spcPct val="20000"/>
+              </a:spcBef>
+              <a:buFont typeface="Arial" pitchFamily="34" charset="0"/>
+              <a:buNone/>
+              <a:defRPr sz="2000" kern="1200">
+                <a:solidFill>
+                  <a:schemeClr val="tx1"/>
+                </a:solidFill>
+                <a:latin typeface="+mn-lt"/>
+                <a:ea typeface="+mn-ea"/>
+                <a:cs typeface="+mn-cs"/>
+              </a:defRPr>
+            </a:lvl6pPr>
+            <a:lvl7pPr marL="2743200" indent="0" algn="l" defTabSz="914400" rtl="0" eaLnBrk="1" latinLnBrk="0" hangingPunct="1">
+              <a:spcBef>
+                <a:spcPct val="20000"/>
+              </a:spcBef>
+              <a:buFont typeface="Arial" pitchFamily="34" charset="0"/>
+              <a:buNone/>
+              <a:defRPr sz="2000" kern="1200">
+                <a:solidFill>
+                  <a:schemeClr val="tx1"/>
+                </a:solidFill>
+                <a:latin typeface="+mn-lt"/>
+                <a:ea typeface="+mn-ea"/>
+                <a:cs typeface="+mn-cs"/>
+              </a:defRPr>
+            </a:lvl7pPr>
+            <a:lvl8pPr marL="3200400" indent="0" algn="l" defTabSz="914400" rtl="0" eaLnBrk="1" latinLnBrk="0" hangingPunct="1">
+              <a:spcBef>
+                <a:spcPct val="20000"/>
+              </a:spcBef>
+              <a:buFont typeface="Arial" pitchFamily="34" charset="0"/>
+              <a:buNone/>
+              <a:defRPr sz="2000" kern="1200">
+                <a:solidFill>
+                  <a:schemeClr val="tx1"/>
+                </a:solidFill>
+                <a:latin typeface="+mn-lt"/>
+                <a:ea typeface="+mn-ea"/>
+                <a:cs typeface="+mn-cs"/>
+              </a:defRPr>
+            </a:lvl8pPr>
+            <a:lvl9pPr marL="3657600" indent="0" algn="l" defTabSz="914400" rtl="0" eaLnBrk="1" latinLnBrk="0" hangingPunct="1">
+              <a:spcBef>
+                <a:spcPct val="20000"/>
+              </a:spcBef>
+              <a:buFont typeface="Arial" pitchFamily="34" charset="0"/>
+              <a:buNone/>
+              <a:defRPr sz="2000" kern="1200">
+                <a:solidFill>
+                  <a:schemeClr val="tx1"/>
+                </a:solidFill>
+                <a:latin typeface="+mn-lt"/>
+                <a:ea typeface="+mn-ea"/>
+                <a:cs typeface="+mn-cs"/>
+              </a:defRPr>
+            </a:lvl9pPr>
+          </a:lstStyle>
+          <a:p>
+            <a:pPr marL="571500" indent="-571500">
+              <a:buFont typeface="Arial" panose="020B0604020202020204" pitchFamily="34" charset="0"/>
+              <a:buChar char="•"/>
+            </a:pPr>
+            <a:endParaRPr lang="en-GB" dirty="0">
+              <a:solidFill>
+                <a:schemeClr val="bg1"/>
+              </a:solidFill>
+            </a:endParaRPr>
+          </a:p>
+          <a:p>
+            <a:pPr marL="571500" indent="-571500">
+              <a:buFont typeface="Arial" panose="020B0604020202020204" pitchFamily="34" charset="0"/>
+              <a:buChar char="•"/>
+            </a:pPr>
+            <a:endParaRPr lang="en-US" dirty="0">
+              <a:solidFill>
+                <a:schemeClr val="bg1"/>
+              </a:solidFill>
+            </a:endParaRPr>
+          </a:p>
+        </p:txBody>
+      </p:sp>
+      <p:sp>
+        <p:nvSpPr>
+          <p:cNvPr id="7" name="Content Placeholder 2">
+            <a:extLst>
+              <a:ext uri="{FF2B5EF4-FFF2-40B4-BE49-F238E27FC236}">
+                <a16:creationId xmlns:a16="http://schemas.microsoft.com/office/drawing/2014/main" id="{43AA64BF-AFBE-4DB8-9326-7742FF5AE898}"/>
+              </a:ext>
+            </a:extLst>
+          </p:cNvPr>
+          <p:cNvSpPr txBox="1">
+            <a:spLocks/>
+          </p:cNvSpPr>
+          <p:nvPr/>
+        </p:nvSpPr>
+        <p:spPr>
+          <a:xfrm>
+            <a:off x="152400" y="914401"/>
+            <a:ext cx="6553200" cy="5157805"/>
+          </a:xfrm>
+          <a:prstGeom prst="rect">
+            <a:avLst/>
+          </a:prstGeom>
+        </p:spPr>
+        <p:txBody>
+          <a:bodyPr vert="horz" lIns="91440" tIns="45720" rIns="91440" bIns="45720" rtlCol="0">
+            <a:normAutofit/>
+          </a:bodyPr>
+          <a:lstStyle>
+            <a:lvl1pPr marL="0" indent="0" algn="l" defTabSz="914400" rtl="0" eaLnBrk="1" latinLnBrk="0" hangingPunct="1">
+              <a:spcBef>
+                <a:spcPct val="20000"/>
+              </a:spcBef>
+              <a:buFont typeface="Arial" pitchFamily="34" charset="0"/>
+              <a:buNone/>
+              <a:defRPr sz="3200" kern="1200">
+                <a:solidFill>
+                  <a:schemeClr val="tx1"/>
+                </a:solidFill>
+                <a:latin typeface="+mn-lt"/>
+                <a:ea typeface="+mn-ea"/>
+                <a:cs typeface="+mn-cs"/>
+              </a:defRPr>
+            </a:lvl1pPr>
+            <a:lvl2pPr marL="457200" indent="0" algn="l" defTabSz="914400" rtl="0" eaLnBrk="1" latinLnBrk="0" hangingPunct="1">
+              <a:spcBef>
+                <a:spcPct val="20000"/>
+              </a:spcBef>
+              <a:buFont typeface="Arial" pitchFamily="34" charset="0"/>
+              <a:buNone/>
+              <a:defRPr sz="2800" kern="1200">
+                <a:solidFill>
+                  <a:schemeClr val="tx1"/>
+                </a:solidFill>
+                <a:latin typeface="+mn-lt"/>
+                <a:ea typeface="+mn-ea"/>
+                <a:cs typeface="+mn-cs"/>
+              </a:defRPr>
+            </a:lvl2pPr>
+            <a:lvl3pPr marL="914400" indent="0" algn="l" defTabSz="914400" rtl="0" eaLnBrk="1" latinLnBrk="0" hangingPunct="1">
+              <a:spcBef>
+                <a:spcPct val="20000"/>
+              </a:spcBef>
+              <a:buFont typeface="Arial" pitchFamily="34" charset="0"/>
+              <a:buNone/>
+              <a:defRPr sz="2400" kern="1200">
+                <a:solidFill>
+                  <a:schemeClr val="tx1"/>
+                </a:solidFill>
+                <a:latin typeface="+mn-lt"/>
+                <a:ea typeface="+mn-ea"/>
+                <a:cs typeface="+mn-cs"/>
+              </a:defRPr>
+            </a:lvl3pPr>
+            <a:lvl4pPr marL="1371600" indent="0" algn="l" defTabSz="914400" rtl="0" eaLnBrk="1" latinLnBrk="0" hangingPunct="1">
+              <a:spcBef>
+                <a:spcPct val="20000"/>
+              </a:spcBef>
+              <a:buFont typeface="Arial" pitchFamily="34" charset="0"/>
+              <a:buNone/>
+              <a:defRPr sz="2000" kern="1200">
+                <a:solidFill>
+                  <a:schemeClr val="tx1"/>
+                </a:solidFill>
+                <a:latin typeface="+mn-lt"/>
+                <a:ea typeface="+mn-ea"/>
+                <a:cs typeface="+mn-cs"/>
+              </a:defRPr>
+            </a:lvl4pPr>
+            <a:lvl5pPr marL="1828800" indent="0" algn="l" defTabSz="914400" rtl="0" eaLnBrk="1" latinLnBrk="0" hangingPunct="1">
+              <a:spcBef>
+                <a:spcPct val="20000"/>
+              </a:spcBef>
+              <a:buFont typeface="Arial" pitchFamily="34" charset="0"/>
+              <a:buNone/>
+              <a:defRPr sz="2000" kern="1200">
+                <a:solidFill>
+                  <a:schemeClr val="tx1"/>
+                </a:solidFill>
+                <a:latin typeface="+mn-lt"/>
+                <a:ea typeface="+mn-ea"/>
+                <a:cs typeface="+mn-cs"/>
+              </a:defRPr>
+            </a:lvl5pPr>
+            <a:lvl6pPr marL="2286000" indent="0" algn="l" defTabSz="914400" rtl="0" eaLnBrk="1" latinLnBrk="0" hangingPunct="1">
+              <a:spcBef>
+                <a:spcPct val="20000"/>
+              </a:spcBef>
+              <a:buFont typeface="Arial" pitchFamily="34" charset="0"/>
+              <a:buNone/>
+              <a:defRPr sz="2000" kern="1200">
+                <a:solidFill>
+                  <a:schemeClr val="tx1"/>
+                </a:solidFill>
+                <a:latin typeface="+mn-lt"/>
+                <a:ea typeface="+mn-ea"/>
+                <a:cs typeface="+mn-cs"/>
+              </a:defRPr>
+            </a:lvl6pPr>
+            <a:lvl7pPr marL="2743200" indent="0" algn="l" defTabSz="914400" rtl="0" eaLnBrk="1" latinLnBrk="0" hangingPunct="1">
+              <a:spcBef>
+                <a:spcPct val="20000"/>
+              </a:spcBef>
+              <a:buFont typeface="Arial" pitchFamily="34" charset="0"/>
+              <a:buNone/>
+              <a:defRPr sz="2000" kern="1200">
+                <a:solidFill>
+                  <a:schemeClr val="tx1"/>
+                </a:solidFill>
+                <a:latin typeface="+mn-lt"/>
+                <a:ea typeface="+mn-ea"/>
+                <a:cs typeface="+mn-cs"/>
+              </a:defRPr>
+            </a:lvl7pPr>
+            <a:lvl8pPr marL="3200400" indent="0" algn="l" defTabSz="914400" rtl="0" eaLnBrk="1" latinLnBrk="0" hangingPunct="1">
+              <a:spcBef>
+                <a:spcPct val="20000"/>
+              </a:spcBef>
+              <a:buFont typeface="Arial" pitchFamily="34" charset="0"/>
+              <a:buNone/>
+              <a:defRPr sz="2000" kern="1200">
+                <a:solidFill>
+                  <a:schemeClr val="tx1"/>
+                </a:solidFill>
+                <a:latin typeface="+mn-lt"/>
+                <a:ea typeface="+mn-ea"/>
+                <a:cs typeface="+mn-cs"/>
+              </a:defRPr>
+            </a:lvl8pPr>
+            <a:lvl9pPr marL="3657600" indent="0" algn="l" defTabSz="914400" rtl="0" eaLnBrk="1" latinLnBrk="0" hangingPunct="1">
+              <a:spcBef>
+                <a:spcPct val="20000"/>
+              </a:spcBef>
+              <a:buFont typeface="Arial" pitchFamily="34" charset="0"/>
+              <a:buNone/>
+              <a:defRPr sz="2000" kern="1200">
+                <a:solidFill>
+                  <a:schemeClr val="tx1"/>
+                </a:solidFill>
+                <a:latin typeface="+mn-lt"/>
+                <a:ea typeface="+mn-ea"/>
+                <a:cs typeface="+mn-cs"/>
+              </a:defRPr>
+            </a:lvl9pPr>
+          </a:lstStyle>
+          <a:p>
+            <a:pPr marL="457200" indent="-457200">
+              <a:buFont typeface="Arial" panose="020B0604020202020204" pitchFamily="34" charset="0"/>
+              <a:buChar char="•"/>
+            </a:pPr>
+            <a:r>
+              <a:rPr lang="en-GB" dirty="0">
+                <a:solidFill>
+                  <a:schemeClr val="bg1"/>
+                </a:solidFill>
+                <a:hlinkClick r:id="rId2">
+                  <a:extLst>
+                    <a:ext uri="{A12FA001-AC4F-418D-AE19-62706E023703}">
+                      <ahyp:hlinkClr xmlns:ahyp="http://schemas.microsoft.com/office/drawing/2018/hyperlinkcolor" val="tx"/>
+                    </a:ext>
+                  </a:extLst>
+                </a:hlinkClick>
+              </a:rPr>
+              <a:t>Google Earth </a:t>
+            </a:r>
+            <a:endParaRPr lang="en-GB" dirty="0">
+              <a:solidFill>
+                <a:schemeClr val="bg1"/>
+              </a:solidFill>
+            </a:endParaRPr>
+          </a:p>
+          <a:p>
+            <a:pPr marL="457200" indent="-457200">
+              <a:buFont typeface="Arial" panose="020B0604020202020204" pitchFamily="34" charset="0"/>
+              <a:buChar char="•"/>
+            </a:pPr>
+            <a:r>
+              <a:rPr lang="en-US" dirty="0">
+                <a:solidFill>
+                  <a:schemeClr val="bg1"/>
+                </a:solidFill>
+                <a:hlinkClick r:id="rId3">
+                  <a:extLst>
+                    <a:ext uri="{A12FA001-AC4F-418D-AE19-62706E023703}">
+                      <ahyp:hlinkClr xmlns:ahyp="http://schemas.microsoft.com/office/drawing/2018/hyperlinkcolor" val="tx"/>
+                    </a:ext>
+                  </a:extLst>
+                </a:hlinkClick>
+              </a:rPr>
+              <a:t>Perspective</a:t>
+            </a:r>
+            <a:endParaRPr lang="en-US" dirty="0">
+              <a:solidFill>
+                <a:schemeClr val="bg1"/>
+              </a:solidFill>
+            </a:endParaRPr>
+          </a:p>
+          <a:p>
+            <a:pPr marL="457200" indent="-457200">
+              <a:buFont typeface="Arial" panose="020B0604020202020204" pitchFamily="34" charset="0"/>
+              <a:buChar char="•"/>
+            </a:pPr>
+            <a:r>
+              <a:rPr lang="en-US" dirty="0">
+                <a:solidFill>
+                  <a:schemeClr val="bg1"/>
+                </a:solidFill>
+                <a:hlinkClick r:id="rId4">
+                  <a:extLst>
+                    <a:ext uri="{A12FA001-AC4F-418D-AE19-62706E023703}">
+                      <ahyp:hlinkClr xmlns:ahyp="http://schemas.microsoft.com/office/drawing/2018/hyperlinkcolor" val="tx"/>
+                    </a:ext>
+                  </a:extLst>
+                </a:hlinkClick>
+              </a:rPr>
+              <a:t>D3</a:t>
+            </a:r>
+            <a:endParaRPr lang="en-US" dirty="0">
+              <a:solidFill>
+                <a:schemeClr val="bg1"/>
+              </a:solidFill>
+            </a:endParaRPr>
+          </a:p>
+          <a:p>
+            <a:pPr marL="457200" indent="-457200">
+              <a:buFont typeface="Arial" panose="020B0604020202020204" pitchFamily="34" charset="0"/>
+              <a:buChar char="•"/>
+            </a:pPr>
+            <a:r>
+              <a:rPr lang="en-US" dirty="0">
+                <a:solidFill>
+                  <a:schemeClr val="bg1"/>
+                </a:solidFill>
+                <a:hlinkClick r:id="rId5">
+                  <a:extLst>
+                    <a:ext uri="{A12FA001-AC4F-418D-AE19-62706E023703}">
+                      <ahyp:hlinkClr xmlns:ahyp="http://schemas.microsoft.com/office/drawing/2018/hyperlinkcolor" val="tx"/>
+                    </a:ext>
+                  </a:extLst>
+                </a:hlinkClick>
+              </a:rPr>
+              <a:t>PSPDFKit</a:t>
+            </a:r>
+            <a:endParaRPr lang="en-US" dirty="0">
+              <a:solidFill>
+                <a:schemeClr val="bg1"/>
+              </a:solidFill>
+            </a:endParaRPr>
+          </a:p>
+        </p:txBody>
+      </p:sp>
+    </p:spTree>
+    <p:extLst>
+      <p:ext uri="{BB962C8B-B14F-4D97-AF65-F5344CB8AC3E}">
+        <p14:creationId xmlns:p14="http://schemas.microsoft.com/office/powerpoint/2010/main" val="3895076446"/>
+      </p:ext>
+    </p:extLst>
+  </p:cSld>
+  <p:clrMapOvr>
+    <a:masterClrMapping/>
+  </p:clrMapOvr>
+</p:sld>
+</file>
+
+<file path=ppt/slides/slide25.xml><?xml version="1.0" encoding="utf-8"?>
+<p:sld xmlns:a="http://schemas.openxmlformats.org/drawingml/2006/main" xmlns:r="http://schemas.openxmlformats.org/officeDocument/2006/relationships" xmlns:p="http://schemas.openxmlformats.org/presentationml/2006/main">
+  <p:cSld>
+    <p:spTree>
+      <p:nvGrpSpPr>
+        <p:cNvPr id="1" name=""/>
+        <p:cNvGrpSpPr/>
+        <p:nvPr/>
+      </p:nvGrpSpPr>
+      <p:grpSpPr>
+        <a:xfrm>
+          <a:off x="0" y="0"/>
+          <a:ext cx="0" cy="0"/>
+          <a:chOff x="0" y="0"/>
+          <a:chExt cx="0" cy="0"/>
+        </a:xfrm>
+      </p:grpSpPr>
+      <p:sp>
+        <p:nvSpPr>
+          <p:cNvPr id="5" name="Title 1"/>
+          <p:cNvSpPr>
+            <a:spLocks noGrp="1"/>
+          </p:cNvSpPr>
+          <p:nvPr>
+            <p:ph type="title"/>
+          </p:nvPr>
+        </p:nvSpPr>
+        <p:spPr>
+          <a:xfrm>
+            <a:off x="457200" y="274638"/>
+            <a:ext cx="8229600" cy="511156"/>
+          </a:xfrm>
+        </p:spPr>
+        <p:txBody>
+          <a:bodyPr>
+            <a:noAutofit/>
+          </a:bodyPr>
+          <a:lstStyle/>
+          <a:p>
+            <a:pPr fontAlgn="base">
+              <a:spcAft>
+                <a:spcPct val="0"/>
+              </a:spcAft>
+              <a:defRPr/>
+            </a:pPr>
+            <a:r>
+              <a:rPr lang="en-GB" sz="4000" kern="0" dirty="0">
+                <a:solidFill>
+                  <a:srgbClr val="0098D4"/>
+                </a:solidFill>
+                <a:latin typeface="Calibri" pitchFamily="34" charset="0"/>
+              </a:rPr>
+              <a:t>#. Do we still need JavaScript?</a:t>
+            </a:r>
+          </a:p>
+        </p:txBody>
+      </p:sp>
+      <p:sp>
+        <p:nvSpPr>
+          <p:cNvPr id="6" name="Content Placeholder 2"/>
+          <p:cNvSpPr txBox="1">
+            <a:spLocks/>
+          </p:cNvSpPr>
+          <p:nvPr/>
+        </p:nvSpPr>
+        <p:spPr>
+          <a:xfrm>
+            <a:off x="457200" y="1071545"/>
+            <a:ext cx="8229600" cy="4857785"/>
+          </a:xfrm>
+          <a:prstGeom prst="rect">
+            <a:avLst/>
+          </a:prstGeom>
+        </p:spPr>
+        <p:txBody>
+          <a:bodyPr vert="horz" lIns="91440" tIns="45720" rIns="91440" bIns="45720" rtlCol="0">
+            <a:normAutofit/>
+          </a:bodyPr>
+          <a:lstStyle>
+            <a:lvl1pPr marL="0" indent="0" algn="l" defTabSz="914400" rtl="0" eaLnBrk="1" latinLnBrk="0" hangingPunct="1">
+              <a:spcBef>
+                <a:spcPct val="20000"/>
+              </a:spcBef>
+              <a:buFont typeface="Arial" pitchFamily="34" charset="0"/>
+              <a:buNone/>
+              <a:defRPr sz="3200" kern="1200">
+                <a:solidFill>
+                  <a:schemeClr val="tx1"/>
+                </a:solidFill>
+                <a:latin typeface="+mn-lt"/>
+                <a:ea typeface="+mn-ea"/>
+                <a:cs typeface="+mn-cs"/>
+              </a:defRPr>
+            </a:lvl1pPr>
+            <a:lvl2pPr marL="457200" indent="0" algn="l" defTabSz="914400" rtl="0" eaLnBrk="1" latinLnBrk="0" hangingPunct="1">
+              <a:spcBef>
+                <a:spcPct val="20000"/>
+              </a:spcBef>
+              <a:buFont typeface="Arial" pitchFamily="34" charset="0"/>
+              <a:buNone/>
+              <a:defRPr sz="2800" kern="1200">
+                <a:solidFill>
+                  <a:schemeClr val="tx1"/>
+                </a:solidFill>
+                <a:latin typeface="+mn-lt"/>
+                <a:ea typeface="+mn-ea"/>
+                <a:cs typeface="+mn-cs"/>
+              </a:defRPr>
+            </a:lvl2pPr>
+            <a:lvl3pPr marL="914400" indent="0" algn="l" defTabSz="914400" rtl="0" eaLnBrk="1" latinLnBrk="0" hangingPunct="1">
+              <a:spcBef>
+                <a:spcPct val="20000"/>
+              </a:spcBef>
+              <a:buFont typeface="Arial" pitchFamily="34" charset="0"/>
+              <a:buNone/>
+              <a:defRPr sz="2400" kern="1200">
+                <a:solidFill>
+                  <a:schemeClr val="tx1"/>
+                </a:solidFill>
+                <a:latin typeface="+mn-lt"/>
+                <a:ea typeface="+mn-ea"/>
+                <a:cs typeface="+mn-cs"/>
+              </a:defRPr>
+            </a:lvl3pPr>
+            <a:lvl4pPr marL="1371600" indent="0" algn="l" defTabSz="914400" rtl="0" eaLnBrk="1" latinLnBrk="0" hangingPunct="1">
+              <a:spcBef>
+                <a:spcPct val="20000"/>
+              </a:spcBef>
+              <a:buFont typeface="Arial" pitchFamily="34" charset="0"/>
+              <a:buNone/>
+              <a:defRPr sz="2000" kern="1200">
+                <a:solidFill>
+                  <a:schemeClr val="tx1"/>
+                </a:solidFill>
+                <a:latin typeface="+mn-lt"/>
+                <a:ea typeface="+mn-ea"/>
+                <a:cs typeface="+mn-cs"/>
+              </a:defRPr>
+            </a:lvl4pPr>
+            <a:lvl5pPr marL="1828800" indent="0" algn="l" defTabSz="914400" rtl="0" eaLnBrk="1" latinLnBrk="0" hangingPunct="1">
+              <a:spcBef>
+                <a:spcPct val="20000"/>
+              </a:spcBef>
+              <a:buFont typeface="Arial" pitchFamily="34" charset="0"/>
+              <a:buNone/>
+              <a:defRPr sz="2000" kern="1200">
+                <a:solidFill>
+                  <a:schemeClr val="tx1"/>
+                </a:solidFill>
+                <a:latin typeface="+mn-lt"/>
+                <a:ea typeface="+mn-ea"/>
+                <a:cs typeface="+mn-cs"/>
+              </a:defRPr>
+            </a:lvl5pPr>
+            <a:lvl6pPr marL="2286000" indent="0" algn="l" defTabSz="914400" rtl="0" eaLnBrk="1" latinLnBrk="0" hangingPunct="1">
+              <a:spcBef>
+                <a:spcPct val="20000"/>
+              </a:spcBef>
+              <a:buFont typeface="Arial" pitchFamily="34" charset="0"/>
+              <a:buNone/>
+              <a:defRPr sz="2000" kern="1200">
+                <a:solidFill>
+                  <a:schemeClr val="tx1"/>
+                </a:solidFill>
+                <a:latin typeface="+mn-lt"/>
+                <a:ea typeface="+mn-ea"/>
+                <a:cs typeface="+mn-cs"/>
+              </a:defRPr>
+            </a:lvl6pPr>
+            <a:lvl7pPr marL="2743200" indent="0" algn="l" defTabSz="914400" rtl="0" eaLnBrk="1" latinLnBrk="0" hangingPunct="1">
+              <a:spcBef>
+                <a:spcPct val="20000"/>
+              </a:spcBef>
+              <a:buFont typeface="Arial" pitchFamily="34" charset="0"/>
+              <a:buNone/>
+              <a:defRPr sz="2000" kern="1200">
+                <a:solidFill>
+                  <a:schemeClr val="tx1"/>
+                </a:solidFill>
+                <a:latin typeface="+mn-lt"/>
+                <a:ea typeface="+mn-ea"/>
+                <a:cs typeface="+mn-cs"/>
+              </a:defRPr>
+            </a:lvl7pPr>
+            <a:lvl8pPr marL="3200400" indent="0" algn="l" defTabSz="914400" rtl="0" eaLnBrk="1" latinLnBrk="0" hangingPunct="1">
+              <a:spcBef>
+                <a:spcPct val="20000"/>
+              </a:spcBef>
+              <a:buFont typeface="Arial" pitchFamily="34" charset="0"/>
+              <a:buNone/>
+              <a:defRPr sz="2000" kern="1200">
+                <a:solidFill>
+                  <a:schemeClr val="tx1"/>
+                </a:solidFill>
+                <a:latin typeface="+mn-lt"/>
+                <a:ea typeface="+mn-ea"/>
+                <a:cs typeface="+mn-cs"/>
+              </a:defRPr>
+            </a:lvl8pPr>
+            <a:lvl9pPr marL="3657600" indent="0" algn="l" defTabSz="914400" rtl="0" eaLnBrk="1" latinLnBrk="0" hangingPunct="1">
+              <a:spcBef>
+                <a:spcPct val="20000"/>
+              </a:spcBef>
+              <a:buFont typeface="Arial" pitchFamily="34" charset="0"/>
+              <a:buNone/>
+              <a:defRPr sz="2000" kern="1200">
+                <a:solidFill>
+                  <a:schemeClr val="tx1"/>
+                </a:solidFill>
+                <a:latin typeface="+mn-lt"/>
+                <a:ea typeface="+mn-ea"/>
+                <a:cs typeface="+mn-cs"/>
+              </a:defRPr>
+            </a:lvl9pPr>
+          </a:lstStyle>
+          <a:p>
+            <a:pPr marL="571500" indent="-571500">
+              <a:buFont typeface="Arial" panose="020B0604020202020204" pitchFamily="34" charset="0"/>
+              <a:buChar char="•"/>
+            </a:pPr>
+            <a:endParaRPr lang="en-GB" dirty="0">
+              <a:solidFill>
+                <a:schemeClr val="bg1"/>
+              </a:solidFill>
+            </a:endParaRPr>
+          </a:p>
+        </p:txBody>
+      </p:sp>
+      <p:sp>
+        <p:nvSpPr>
+          <p:cNvPr id="4" name="Content Placeholder 2">
+            <a:extLst>
+              <a:ext uri="{FF2B5EF4-FFF2-40B4-BE49-F238E27FC236}">
+                <a16:creationId xmlns:a16="http://schemas.microsoft.com/office/drawing/2014/main" id="{91C127C4-019D-4816-9ECF-D243EFA4189D}"/>
+              </a:ext>
+            </a:extLst>
+          </p:cNvPr>
+          <p:cNvSpPr txBox="1">
+            <a:spLocks/>
+          </p:cNvSpPr>
+          <p:nvPr/>
+        </p:nvSpPr>
+        <p:spPr>
+          <a:xfrm>
+            <a:off x="609600" y="1223945"/>
+            <a:ext cx="8229600" cy="4857785"/>
+          </a:xfrm>
+          <a:prstGeom prst="rect">
+            <a:avLst/>
+          </a:prstGeom>
+        </p:spPr>
+        <p:txBody>
+          <a:bodyPr vert="horz" lIns="91440" tIns="45720" rIns="91440" bIns="45720" rtlCol="0">
+            <a:normAutofit/>
+          </a:bodyPr>
+          <a:lstStyle>
+            <a:lvl1pPr marL="0" indent="0" algn="l" defTabSz="914400" rtl="0" eaLnBrk="1" latinLnBrk="0" hangingPunct="1">
+              <a:spcBef>
+                <a:spcPct val="20000"/>
+              </a:spcBef>
+              <a:buFont typeface="Arial" pitchFamily="34" charset="0"/>
+              <a:buNone/>
+              <a:defRPr sz="3200" kern="1200">
+                <a:solidFill>
+                  <a:schemeClr val="tx1"/>
+                </a:solidFill>
+                <a:latin typeface="+mn-lt"/>
+                <a:ea typeface="+mn-ea"/>
+                <a:cs typeface="+mn-cs"/>
+              </a:defRPr>
+            </a:lvl1pPr>
+            <a:lvl2pPr marL="457200" indent="0" algn="l" defTabSz="914400" rtl="0" eaLnBrk="1" latinLnBrk="0" hangingPunct="1">
+              <a:spcBef>
+                <a:spcPct val="20000"/>
+              </a:spcBef>
+              <a:buFont typeface="Arial" pitchFamily="34" charset="0"/>
+              <a:buNone/>
+              <a:defRPr sz="2800" kern="1200">
+                <a:solidFill>
+                  <a:schemeClr val="tx1"/>
+                </a:solidFill>
+                <a:latin typeface="+mn-lt"/>
+                <a:ea typeface="+mn-ea"/>
+                <a:cs typeface="+mn-cs"/>
+              </a:defRPr>
+            </a:lvl2pPr>
+            <a:lvl3pPr marL="914400" indent="0" algn="l" defTabSz="914400" rtl="0" eaLnBrk="1" latinLnBrk="0" hangingPunct="1">
+              <a:spcBef>
+                <a:spcPct val="20000"/>
+              </a:spcBef>
+              <a:buFont typeface="Arial" pitchFamily="34" charset="0"/>
+              <a:buNone/>
+              <a:defRPr sz="2400" kern="1200">
+                <a:solidFill>
+                  <a:schemeClr val="tx1"/>
+                </a:solidFill>
+                <a:latin typeface="+mn-lt"/>
+                <a:ea typeface="+mn-ea"/>
+                <a:cs typeface="+mn-cs"/>
+              </a:defRPr>
+            </a:lvl3pPr>
+            <a:lvl4pPr marL="1371600" indent="0" algn="l" defTabSz="914400" rtl="0" eaLnBrk="1" latinLnBrk="0" hangingPunct="1">
+              <a:spcBef>
+                <a:spcPct val="20000"/>
+              </a:spcBef>
+              <a:buFont typeface="Arial" pitchFamily="34" charset="0"/>
+              <a:buNone/>
+              <a:defRPr sz="2000" kern="1200">
+                <a:solidFill>
+                  <a:schemeClr val="tx1"/>
+                </a:solidFill>
+                <a:latin typeface="+mn-lt"/>
+                <a:ea typeface="+mn-ea"/>
+                <a:cs typeface="+mn-cs"/>
+              </a:defRPr>
+            </a:lvl4pPr>
+            <a:lvl5pPr marL="1828800" indent="0" algn="l" defTabSz="914400" rtl="0" eaLnBrk="1" latinLnBrk="0" hangingPunct="1">
+              <a:spcBef>
+                <a:spcPct val="20000"/>
+              </a:spcBef>
+              <a:buFont typeface="Arial" pitchFamily="34" charset="0"/>
+              <a:buNone/>
+              <a:defRPr sz="2000" kern="1200">
+                <a:solidFill>
+                  <a:schemeClr val="tx1"/>
+                </a:solidFill>
+                <a:latin typeface="+mn-lt"/>
+                <a:ea typeface="+mn-ea"/>
+                <a:cs typeface="+mn-cs"/>
+              </a:defRPr>
+            </a:lvl5pPr>
+            <a:lvl6pPr marL="2286000" indent="0" algn="l" defTabSz="914400" rtl="0" eaLnBrk="1" latinLnBrk="0" hangingPunct="1">
+              <a:spcBef>
+                <a:spcPct val="20000"/>
+              </a:spcBef>
+              <a:buFont typeface="Arial" pitchFamily="34" charset="0"/>
+              <a:buNone/>
+              <a:defRPr sz="2000" kern="1200">
+                <a:solidFill>
+                  <a:schemeClr val="tx1"/>
+                </a:solidFill>
+                <a:latin typeface="+mn-lt"/>
+                <a:ea typeface="+mn-ea"/>
+                <a:cs typeface="+mn-cs"/>
+              </a:defRPr>
+            </a:lvl6pPr>
+            <a:lvl7pPr marL="2743200" indent="0" algn="l" defTabSz="914400" rtl="0" eaLnBrk="1" latinLnBrk="0" hangingPunct="1">
+              <a:spcBef>
+                <a:spcPct val="20000"/>
+              </a:spcBef>
+              <a:buFont typeface="Arial" pitchFamily="34" charset="0"/>
+              <a:buNone/>
+              <a:defRPr sz="2000" kern="1200">
+                <a:solidFill>
+                  <a:schemeClr val="tx1"/>
+                </a:solidFill>
+                <a:latin typeface="+mn-lt"/>
+                <a:ea typeface="+mn-ea"/>
+                <a:cs typeface="+mn-cs"/>
+              </a:defRPr>
+            </a:lvl7pPr>
+            <a:lvl8pPr marL="3200400" indent="0" algn="l" defTabSz="914400" rtl="0" eaLnBrk="1" latinLnBrk="0" hangingPunct="1">
+              <a:spcBef>
+                <a:spcPct val="20000"/>
+              </a:spcBef>
+              <a:buFont typeface="Arial" pitchFamily="34" charset="0"/>
+              <a:buNone/>
+              <a:defRPr sz="2000" kern="1200">
+                <a:solidFill>
+                  <a:schemeClr val="tx1"/>
+                </a:solidFill>
+                <a:latin typeface="+mn-lt"/>
+                <a:ea typeface="+mn-ea"/>
+                <a:cs typeface="+mn-cs"/>
+              </a:defRPr>
+            </a:lvl8pPr>
+            <a:lvl9pPr marL="3657600" indent="0" algn="l" defTabSz="914400" rtl="0" eaLnBrk="1" latinLnBrk="0" hangingPunct="1">
+              <a:spcBef>
+                <a:spcPct val="20000"/>
+              </a:spcBef>
+              <a:buFont typeface="Arial" pitchFamily="34" charset="0"/>
+              <a:buNone/>
+              <a:defRPr sz="2000" kern="1200">
+                <a:solidFill>
+                  <a:schemeClr val="tx1"/>
+                </a:solidFill>
+                <a:latin typeface="+mn-lt"/>
+                <a:ea typeface="+mn-ea"/>
+                <a:cs typeface="+mn-cs"/>
+              </a:defRPr>
+            </a:lvl9pPr>
+          </a:lstStyle>
+          <a:p>
+            <a:pPr marL="571500" indent="-571500">
+              <a:buFont typeface="Arial" panose="020B0604020202020204" pitchFamily="34" charset="0"/>
+              <a:buChar char="•"/>
+            </a:pPr>
+            <a:endParaRPr lang="en-GB" dirty="0">
+              <a:solidFill>
+                <a:schemeClr val="bg1"/>
+              </a:solidFill>
+            </a:endParaRPr>
+          </a:p>
+          <a:p>
+            <a:pPr marL="571500" indent="-571500">
+              <a:buFont typeface="Arial" panose="020B0604020202020204" pitchFamily="34" charset="0"/>
+              <a:buChar char="•"/>
+            </a:pPr>
+            <a:endParaRPr lang="en-US" dirty="0">
+              <a:solidFill>
+                <a:schemeClr val="bg1"/>
+              </a:solidFill>
+            </a:endParaRPr>
+          </a:p>
+        </p:txBody>
+      </p:sp>
       <p:sp>
         <p:nvSpPr>
           <p:cNvPr id="2" name="TextBox 1">
@@ -10927,7 +14532,7 @@
 </p:sld>
 </file>
 
-<file path=ppt/slides/slide21.xml><?xml version="1.0" encoding="utf-8"?>
+<file path=ppt/slides/slide26.xml><?xml version="1.0" encoding="utf-8"?>
 <p:sld xmlns:a="http://schemas.openxmlformats.org/drawingml/2006/main" xmlns:r="http://schemas.openxmlformats.org/officeDocument/2006/relationships" xmlns:p="http://schemas.openxmlformats.org/presentationml/2006/main">
   <p:cSld>
     <p:spTree>
@@ -16219,7 +19824,7 @@
         <p:spPr>
           <a:xfrm>
             <a:off x="609600" y="928670"/>
-            <a:ext cx="7924800" cy="5078313"/>
+            <a:ext cx="7924800" cy="3416320"/>
           </a:xfrm>
           <a:prstGeom prst="rect">
             <a:avLst/>
@@ -16232,63 +19837,94 @@
           </a:bodyPr>
           <a:lstStyle/>
           <a:p>
+            <a:pPr marL="285750" indent="-285750">
+              <a:buFont typeface="Arial" panose="020B0604020202020204" pitchFamily="34" charset="0"/>
+              <a:buChar char="•"/>
+            </a:pPr>
             <a:r>
               <a:rPr lang="en-GB" dirty="0">
                 <a:solidFill>
                   <a:schemeClr val="bg1"/>
                 </a:solidFill>
               </a:rPr>
-              <a:t>Move literal value to memory:</a:t>
-            </a:r>
-          </a:p>
-          <a:p>
+              <a:t>Consists of a finite set of registers, and a memory unit</a:t>
+            </a:r>
+          </a:p>
+          <a:p>
+            <a:pPr marL="285750" indent="-285750">
+              <a:buFont typeface="Arial" panose="020B0604020202020204" pitchFamily="34" charset="0"/>
+              <a:buChar char="•"/>
+            </a:pPr>
             <a:r>
               <a:rPr lang="en-GB" dirty="0">
                 <a:solidFill>
                   <a:schemeClr val="bg1"/>
                 </a:solidFill>
               </a:rPr>
-              <a:t>	mov 0x00,0x0A	</a:t>
-            </a:r>
-            <a:r>
-              <a:rPr lang="en-GB" sz="1400" dirty="0">
-                <a:solidFill>
-                  <a:schemeClr val="accent3">
-                    <a:lumMod val="50000"/>
-                  </a:schemeClr>
+              <a:t>Data can be moved between registers and/or the memory unit</a:t>
+            </a:r>
+          </a:p>
+          <a:p>
+            <a:pPr marL="285750" indent="-285750">
+              <a:buFont typeface="Arial" panose="020B0604020202020204" pitchFamily="34" charset="0"/>
+              <a:buChar char="•"/>
+            </a:pPr>
+            <a:r>
+              <a:rPr lang="en-GB" dirty="0">
+                <a:solidFill>
+                  <a:schemeClr val="bg1"/>
                 </a:solidFill>
               </a:rPr>
-              <a:t>; move literal 10 into memory address 0x00</a:t>
-            </a:r>
-            <a:endParaRPr lang="en-GB" dirty="0">
-              <a:solidFill>
-                <a:schemeClr val="accent3">
-                  <a:lumMod val="50000"/>
-                </a:schemeClr>
-              </a:solidFill>
-            </a:endParaRPr>
-          </a:p>
-          <a:p>
+              <a:t>Arithmetic operations performed on registers only</a:t>
+            </a:r>
+          </a:p>
+          <a:p>
+            <a:pPr marL="285750" indent="-285750">
+              <a:buFont typeface="Arial" panose="020B0604020202020204" pitchFamily="34" charset="0"/>
+              <a:buChar char="•"/>
+            </a:pPr>
             <a:r>
               <a:rPr lang="en-GB" dirty="0">
                 <a:solidFill>
                   <a:schemeClr val="bg1"/>
                 </a:solidFill>
               </a:rPr>
-              <a:t>	mov 0x01,0x20	</a:t>
-            </a:r>
-            <a:r>
-              <a:rPr lang="en-GB" sz="1400" dirty="0">
-                <a:solidFill>
-                  <a:schemeClr val="accent3">
-                    <a:lumMod val="50000"/>
-                  </a:schemeClr>
+              <a:t>Finite control of register assignment</a:t>
+            </a:r>
+          </a:p>
+          <a:p>
+            <a:pPr marL="285750" indent="-285750">
+              <a:buFont typeface="Arial" panose="020B0604020202020204" pitchFamily="34" charset="0"/>
+              <a:buChar char="•"/>
+            </a:pPr>
+            <a:r>
+              <a:rPr lang="en-GB" dirty="0">
+                <a:solidFill>
+                  <a:schemeClr val="bg1"/>
                 </a:solidFill>
               </a:rPr>
-              <a:t>; move  literal 32 into memory address 0x01</a:t>
-            </a:r>
-          </a:p>
-          <a:p>
+              <a:t>Arithmetic operations do not effect the machine state</a:t>
+            </a:r>
+          </a:p>
+          <a:p>
+            <a:pPr marL="285750" indent="-285750">
+              <a:buFont typeface="Arial" panose="020B0604020202020204" pitchFamily="34" charset="0"/>
+              <a:buChar char="•"/>
+            </a:pPr>
+            <a:r>
+              <a:rPr lang="en-GB" dirty="0">
+                <a:solidFill>
+                  <a:schemeClr val="bg1"/>
+                </a:solidFill>
+              </a:rPr>
+              <a:t>Branching becomes complex</a:t>
+            </a:r>
+          </a:p>
+          <a:p>
+            <a:pPr marL="285750" indent="-285750">
+              <a:buFont typeface="Arial" panose="020B0604020202020204" pitchFamily="34" charset="0"/>
+              <a:buChar char="•"/>
+            </a:pPr>
             <a:endParaRPr lang="en-GB" dirty="0">
               <a:solidFill>
                 <a:schemeClr val="bg1"/>
@@ -16296,79 +19932,10 @@
             </a:endParaRPr>
           </a:p>
           <a:p>
-            <a:r>
-              <a:rPr lang="en-GB" dirty="0">
-                <a:solidFill>
-                  <a:schemeClr val="bg1"/>
-                </a:solidFill>
-              </a:rPr>
-              <a:t>Move literal value to register:</a:t>
-            </a:r>
-          </a:p>
-          <a:p>
-            <a:r>
-              <a:rPr lang="en-GB" dirty="0">
-                <a:solidFill>
-                  <a:schemeClr val="bg1"/>
-                </a:solidFill>
-              </a:rPr>
-              <a:t>	mov REG_A,0x0A</a:t>
-            </a:r>
-            <a:r>
-              <a:rPr lang="en-GB" sz="1400" dirty="0">
-                <a:solidFill>
-                  <a:schemeClr val="accent3">
-                    <a:lumMod val="50000"/>
-                  </a:schemeClr>
-                </a:solidFill>
-              </a:rPr>
-              <a:t> 	; move literal 10 into “Register A” </a:t>
-            </a:r>
-          </a:p>
-          <a:p>
-            <a:r>
-              <a:rPr lang="en-GB" sz="1400" dirty="0">
-                <a:solidFill>
-                  <a:schemeClr val="accent3">
-                    <a:lumMod val="50000"/>
-                  </a:schemeClr>
-                </a:solidFill>
-              </a:rPr>
-              <a:t>	</a:t>
-            </a:r>
-            <a:r>
-              <a:rPr lang="en-GB" dirty="0">
-                <a:solidFill>
-                  <a:schemeClr val="bg1"/>
-                </a:solidFill>
-              </a:rPr>
-              <a:t>mov REG_B,0x20 	</a:t>
-            </a:r>
-            <a:r>
-              <a:rPr lang="en-GB" sz="1400" dirty="0">
-                <a:solidFill>
-                  <a:schemeClr val="bg1"/>
-                </a:solidFill>
-              </a:rPr>
-              <a:t> </a:t>
-            </a:r>
-            <a:r>
-              <a:rPr lang="en-GB" sz="1400" dirty="0">
-                <a:solidFill>
-                  <a:schemeClr val="accent3">
-                    <a:lumMod val="50000"/>
-                  </a:schemeClr>
-                </a:solidFill>
-              </a:rPr>
-              <a:t>; move literal 32 into “Register B” </a:t>
-            </a:r>
-            <a:endParaRPr lang="en-GB" sz="1400" dirty="0">
-              <a:solidFill>
-                <a:schemeClr val="bg1"/>
-              </a:solidFill>
-            </a:endParaRPr>
-          </a:p>
-          <a:p>
+            <a:pPr marL="285750" indent="-285750">
+              <a:buFont typeface="Arial" panose="020B0604020202020204" pitchFamily="34" charset="0"/>
+              <a:buChar char="•"/>
+            </a:pPr>
             <a:endParaRPr lang="en-GB" dirty="0">
               <a:solidFill>
                 <a:schemeClr val="bg1"/>
@@ -16376,51 +19943,10 @@
             </a:endParaRPr>
           </a:p>
           <a:p>
-            <a:r>
-              <a:rPr lang="en-GB" dirty="0">
-                <a:solidFill>
-                  <a:schemeClr val="bg1"/>
-                </a:solidFill>
-              </a:rPr>
-              <a:t>Move register value to  register:</a:t>
-            </a:r>
-          </a:p>
-          <a:p>
-            <a:r>
-              <a:rPr lang="en-GB" dirty="0">
-                <a:solidFill>
-                  <a:schemeClr val="bg1"/>
-                </a:solidFill>
-              </a:rPr>
-              <a:t>	mov REG_A,REG_B</a:t>
-            </a:r>
-            <a:r>
-              <a:rPr lang="en-GB" dirty="0">
-                <a:solidFill>
-                  <a:schemeClr val="accent3">
-                    <a:lumMod val="50000"/>
-                  </a:schemeClr>
-                </a:solidFill>
-              </a:rPr>
-              <a:t>	</a:t>
-            </a:r>
-            <a:r>
-              <a:rPr lang="en-GB" sz="1400" dirty="0">
-                <a:solidFill>
-                  <a:schemeClr val="accent3">
-                    <a:lumMod val="50000"/>
-                  </a:schemeClr>
-                </a:solidFill>
-              </a:rPr>
-              <a:t>; copy “Register B” into “Register A”</a:t>
-            </a:r>
-            <a:endParaRPr lang="en-GB" sz="1400" dirty="0">
-              <a:solidFill>
-                <a:schemeClr val="bg1"/>
-              </a:solidFill>
-            </a:endParaRPr>
-          </a:p>
-          <a:p>
+            <a:pPr marL="285750" indent="-285750">
+              <a:buFont typeface="Arial" panose="020B0604020202020204" pitchFamily="34" charset="0"/>
+              <a:buChar char="•"/>
+            </a:pPr>
             <a:endParaRPr lang="en-GB" dirty="0">
               <a:solidFill>
                 <a:schemeClr val="bg1"/>
@@ -16428,41 +19954,10 @@
             </a:endParaRPr>
           </a:p>
           <a:p>
-            <a:r>
-              <a:rPr lang="en-GB" dirty="0">
-                <a:solidFill>
-                  <a:schemeClr val="bg1"/>
-                </a:solidFill>
-              </a:rPr>
-              <a:t>Move register value to  memory:</a:t>
-            </a:r>
-          </a:p>
-          <a:p>
-            <a:r>
-              <a:rPr lang="en-GB" dirty="0">
-                <a:solidFill>
-                  <a:schemeClr val="bg1"/>
-                </a:solidFill>
-              </a:rPr>
-              <a:t>	mov 0x00,REG_A	</a:t>
-            </a:r>
-            <a:r>
-              <a:rPr lang="en-GB" sz="1400" dirty="0">
-                <a:solidFill>
-                  <a:schemeClr val="accent3">
-                    <a:lumMod val="50000"/>
-                  </a:schemeClr>
-                </a:solidFill>
-              </a:rPr>
-              <a:t>; copy “Register A” into memory address 0x00</a:t>
-            </a:r>
-            <a:endParaRPr lang="en-GB" sz="1400" dirty="0">
-              <a:solidFill>
-                <a:schemeClr val="bg1"/>
-              </a:solidFill>
-            </a:endParaRPr>
-          </a:p>
-          <a:p>
+            <a:pPr marL="285750" indent="-285750">
+              <a:buFont typeface="Arial" panose="020B0604020202020204" pitchFamily="34" charset="0"/>
+              <a:buChar char="•"/>
+            </a:pPr>
             <a:endParaRPr lang="en-GB" dirty="0">
               <a:solidFill>
                 <a:schemeClr val="bg1"/>
@@ -16470,152 +19965,26 @@
             </a:endParaRPr>
           </a:p>
           <a:p>
-            <a:r>
-              <a:rPr lang="en-GB" dirty="0">
-                <a:solidFill>
-                  <a:schemeClr val="bg1"/>
-                </a:solidFill>
-              </a:rPr>
-              <a:t>Simple program:</a:t>
-            </a:r>
-          </a:p>
-          <a:p>
-            <a:r>
-              <a:rPr lang="en-GB" dirty="0">
-                <a:solidFill>
-                  <a:schemeClr val="bg1"/>
-                </a:solidFill>
-              </a:rPr>
-              <a:t>	mov REG_A,0x0A	</a:t>
-            </a:r>
-          </a:p>
-          <a:p>
-            <a:r>
-              <a:rPr lang="en-GB" sz="1400" dirty="0">
-                <a:solidFill>
-                  <a:schemeClr val="accent3">
-                    <a:lumMod val="50000"/>
-                  </a:schemeClr>
-                </a:solidFill>
-              </a:rPr>
-              <a:t>	</a:t>
-            </a:r>
-            <a:r>
-              <a:rPr lang="en-GB" dirty="0">
-                <a:solidFill>
-                  <a:schemeClr val="bg1"/>
-                </a:solidFill>
-              </a:rPr>
-              <a:t>mov REG_B,0x20	</a:t>
-            </a:r>
-          </a:p>
-          <a:p>
-            <a:r>
-              <a:rPr lang="en-GB" dirty="0">
-                <a:solidFill>
-                  <a:schemeClr val="bg1"/>
-                </a:solidFill>
-              </a:rPr>
-              <a:t>	add REG_A,REG_B</a:t>
-            </a:r>
-          </a:p>
-        </p:txBody>
-      </p:sp>
-      <p:sp>
-        <p:nvSpPr>
-          <p:cNvPr id="17" name="Rectangle: Rounded Corners 16">
-            <a:extLst>
-              <a:ext uri="{FF2B5EF4-FFF2-40B4-BE49-F238E27FC236}">
-                <a16:creationId xmlns:a16="http://schemas.microsoft.com/office/drawing/2014/main" id="{55BF22B5-5246-45C5-8640-8BFFF596ECF2}"/>
-              </a:ext>
-            </a:extLst>
-          </p:cNvPr>
-          <p:cNvSpPr/>
-          <p:nvPr/>
-        </p:nvSpPr>
-        <p:spPr>
-          <a:xfrm>
-            <a:off x="7620000" y="1071545"/>
-            <a:ext cx="1219200" cy="381000"/>
-          </a:xfrm>
-          <a:prstGeom prst="roundRect">
-            <a:avLst/>
-          </a:prstGeom>
-        </p:spPr>
-        <p:style>
-          <a:lnRef idx="2">
-            <a:schemeClr val="accent1">
-              <a:shade val="50000"/>
-            </a:schemeClr>
-          </a:lnRef>
-          <a:fillRef idx="1">
-            <a:schemeClr val="accent1"/>
-          </a:fillRef>
-          <a:effectRef idx="0">
-            <a:schemeClr val="accent1"/>
-          </a:effectRef>
-          <a:fontRef idx="minor">
-            <a:schemeClr val="lt1"/>
-          </a:fontRef>
-        </p:style>
-        <p:txBody>
-          <a:bodyPr rtlCol="0" anchor="ctr"/>
-          <a:lstStyle/>
-          <a:p>
-            <a:pPr algn="ctr"/>
-            <a:r>
-              <a:rPr lang="en-GB" dirty="0"/>
-              <a:t>REG_A</a:t>
-            </a:r>
-          </a:p>
-        </p:txBody>
-      </p:sp>
-      <p:sp>
-        <p:nvSpPr>
-          <p:cNvPr id="18" name="Rectangle: Rounded Corners 17">
-            <a:extLst>
-              <a:ext uri="{FF2B5EF4-FFF2-40B4-BE49-F238E27FC236}">
-                <a16:creationId xmlns:a16="http://schemas.microsoft.com/office/drawing/2014/main" id="{C74BACE3-7234-4FBB-AD79-8E9D0C918098}"/>
-              </a:ext>
-            </a:extLst>
-          </p:cNvPr>
-          <p:cNvSpPr/>
-          <p:nvPr/>
-        </p:nvSpPr>
-        <p:spPr>
-          <a:xfrm>
-            <a:off x="7620000" y="1738296"/>
-            <a:ext cx="1219200" cy="381000"/>
-          </a:xfrm>
-          <a:prstGeom prst="roundRect">
-            <a:avLst/>
-          </a:prstGeom>
-        </p:spPr>
-        <p:style>
-          <a:lnRef idx="2">
-            <a:schemeClr val="accent1">
-              <a:shade val="50000"/>
-            </a:schemeClr>
-          </a:lnRef>
-          <a:fillRef idx="1">
-            <a:schemeClr val="accent1"/>
-          </a:fillRef>
-          <a:effectRef idx="0">
-            <a:schemeClr val="accent1"/>
-          </a:effectRef>
-          <a:fontRef idx="minor">
-            <a:schemeClr val="lt1"/>
-          </a:fontRef>
-        </p:style>
-        <p:txBody>
-          <a:bodyPr rtlCol="0" anchor="ctr"/>
-          <a:lstStyle/>
-          <a:p>
-            <a:pPr algn="ctr"/>
-            <a:r>
-              <a:rPr lang="en-GB" dirty="0"/>
-              <a:t>REG_B</a:t>
-            </a:r>
+            <a:pPr marL="285750" indent="-285750">
+              <a:buFont typeface="Arial" panose="020B0604020202020204" pitchFamily="34" charset="0"/>
+              <a:buChar char="•"/>
+            </a:pPr>
+            <a:endParaRPr lang="en-GB" dirty="0">
+              <a:solidFill>
+                <a:schemeClr val="bg1"/>
+              </a:solidFill>
+            </a:endParaRPr>
+          </a:p>
+          <a:p>
+            <a:pPr marL="285750" indent="-285750">
+              <a:buFont typeface="Arial" panose="020B0604020202020204" pitchFamily="34" charset="0"/>
+              <a:buChar char="•"/>
+            </a:pPr>
+            <a:endParaRPr lang="en-GB" dirty="0">
+              <a:solidFill>
+                <a:schemeClr val="bg1"/>
+              </a:solidFill>
+            </a:endParaRPr>
           </a:p>
         </p:txBody>
       </p:sp>

--- a/Imperial_College_29-01-2020/Presentation.pptx
+++ b/Imperial_College_29-01-2020/Presentation.pptx
@@ -4817,6 +4817,305 @@
           </a:p>
         </p:txBody>
       </p:sp>
+      <p:graphicFrame>
+        <p:nvGraphicFramePr>
+          <p:cNvPr id="10" name="Table 13">
+            <a:extLst>
+              <a:ext uri="{FF2B5EF4-FFF2-40B4-BE49-F238E27FC236}">
+                <a16:creationId xmlns:a16="http://schemas.microsoft.com/office/drawing/2014/main" id="{B391AED4-70A3-4D53-AEEA-BBFF6DFEBF7C}"/>
+              </a:ext>
+            </a:extLst>
+          </p:cNvPr>
+          <p:cNvGraphicFramePr>
+            <a:graphicFrameLocks noGrp="1"/>
+          </p:cNvGraphicFramePr>
+          <p:nvPr>
+            <p:extLst>
+              <p:ext uri="{D42A27DB-BD31-4B8C-83A1-F6EECF244321}">
+                <p14:modId xmlns:p14="http://schemas.microsoft.com/office/powerpoint/2010/main" val="1275843548"/>
+              </p:ext>
+            </p:extLst>
+          </p:nvPr>
+        </p:nvGraphicFramePr>
+        <p:xfrm>
+          <a:off x="4695463" y="5187649"/>
+          <a:ext cx="4273408" cy="1483360"/>
+        </p:xfrm>
+        <a:graphic>
+          <a:graphicData uri="http://schemas.openxmlformats.org/drawingml/2006/table">
+            <a:tbl>
+              <a:tblPr firstRow="1" bandRow="1">
+                <a:tableStyleId>{5C22544A-7EE6-4342-B048-85BDC9FD1C3A}</a:tableStyleId>
+              </a:tblPr>
+              <a:tblGrid>
+                <a:gridCol w="2136704">
+                  <a:extLst>
+                    <a:ext uri="{9D8B030D-6E8A-4147-A177-3AD203B41FA5}">
+                      <a16:colId xmlns:a16="http://schemas.microsoft.com/office/drawing/2014/main" val="817990671"/>
+                    </a:ext>
+                  </a:extLst>
+                </a:gridCol>
+                <a:gridCol w="2136704">
+                  <a:extLst>
+                    <a:ext uri="{9D8B030D-6E8A-4147-A177-3AD203B41FA5}">
+                      <a16:colId xmlns:a16="http://schemas.microsoft.com/office/drawing/2014/main" val="3344692481"/>
+                    </a:ext>
+                  </a:extLst>
+                </a:gridCol>
+              </a:tblGrid>
+              <a:tr h="370840">
+                <a:tc>
+                  <a:txBody>
+                    <a:bodyPr/>
+                    <a:lstStyle/>
+                    <a:p>
+                      <a:r>
+                        <a:rPr lang="en-GB" dirty="0"/>
+                        <a:t>Opcode</a:t>
+                      </a:r>
+                    </a:p>
+                  </a:txBody>
+                  <a:tcPr/>
+                </a:tc>
+                <a:tc>
+                  <a:txBody>
+                    <a:bodyPr/>
+                    <a:lstStyle/>
+                    <a:p>
+                      <a:r>
+                        <a:rPr lang="en-GB" dirty="0"/>
+                        <a:t>Mnemonic</a:t>
+                      </a:r>
+                    </a:p>
+                  </a:txBody>
+                  <a:tcPr/>
+                </a:tc>
+                <a:extLst>
+                  <a:ext uri="{0D108BD9-81ED-4DB2-BD59-A6C34878D82A}">
+                    <a16:rowId xmlns:a16="http://schemas.microsoft.com/office/drawing/2014/main" val="3172306758"/>
+                  </a:ext>
+                </a:extLst>
+              </a:tr>
+              <a:tr h="370840">
+                <a:tc>
+                  <a:txBody>
+                    <a:bodyPr/>
+                    <a:lstStyle/>
+                    <a:p>
+                      <a:r>
+                        <a:rPr lang="en-GB" dirty="0"/>
+                        <a:t>0x0</a:t>
+                      </a:r>
+                    </a:p>
+                  </a:txBody>
+                  <a:tcPr/>
+                </a:tc>
+                <a:tc>
+                  <a:txBody>
+                    <a:bodyPr/>
+                    <a:lstStyle/>
+                    <a:p>
+                      <a:pPr marL="0" marR="0" lvl="0" indent="0" algn="l" defTabSz="914400" rtl="0" eaLnBrk="1" fontAlgn="auto" latinLnBrk="0" hangingPunct="1">
+                        <a:lnSpc>
+                          <a:spcPct val="100000"/>
+                        </a:lnSpc>
+                        <a:spcBef>
+                          <a:spcPts val="0"/>
+                        </a:spcBef>
+                        <a:spcAft>
+                          <a:spcPts val="0"/>
+                        </a:spcAft>
+                        <a:buClrTx/>
+                        <a:buSzTx/>
+                        <a:buFontTx/>
+                        <a:buNone/>
+                        <a:tabLst/>
+                        <a:defRPr/>
+                      </a:pPr>
+                      <a:r>
+                        <a:rPr lang="en-GB" dirty="0"/>
+                        <a:t>mov byte REG_A </a:t>
+                      </a:r>
+                    </a:p>
+                  </a:txBody>
+                  <a:tcPr/>
+                </a:tc>
+                <a:extLst>
+                  <a:ext uri="{0D108BD9-81ED-4DB2-BD59-A6C34878D82A}">
+                    <a16:rowId xmlns:a16="http://schemas.microsoft.com/office/drawing/2014/main" val="2162908104"/>
+                  </a:ext>
+                </a:extLst>
+              </a:tr>
+              <a:tr h="370840">
+                <a:tc>
+                  <a:txBody>
+                    <a:bodyPr/>
+                    <a:lstStyle/>
+                    <a:p>
+                      <a:r>
+                        <a:rPr lang="en-GB" dirty="0"/>
+                        <a:t>0x1</a:t>
+                      </a:r>
+                    </a:p>
+                  </a:txBody>
+                  <a:tcPr/>
+                </a:tc>
+                <a:tc>
+                  <a:txBody>
+                    <a:bodyPr/>
+                    <a:lstStyle/>
+                    <a:p>
+                      <a:pPr marL="0" marR="0" lvl="0" indent="0" algn="l" defTabSz="914400" rtl="0" eaLnBrk="1" fontAlgn="auto" latinLnBrk="0" hangingPunct="1">
+                        <a:lnSpc>
+                          <a:spcPct val="100000"/>
+                        </a:lnSpc>
+                        <a:spcBef>
+                          <a:spcPts val="0"/>
+                        </a:spcBef>
+                        <a:spcAft>
+                          <a:spcPts val="0"/>
+                        </a:spcAft>
+                        <a:buClrTx/>
+                        <a:buSzTx/>
+                        <a:buFontTx/>
+                        <a:buNone/>
+                        <a:tabLst/>
+                        <a:defRPr/>
+                      </a:pPr>
+                      <a:r>
+                        <a:rPr lang="en-GB" dirty="0"/>
+                        <a:t>mov byte REG_B</a:t>
+                      </a:r>
+                    </a:p>
+                  </a:txBody>
+                  <a:tcPr/>
+                </a:tc>
+                <a:extLst>
+                  <a:ext uri="{0D108BD9-81ED-4DB2-BD59-A6C34878D82A}">
+                    <a16:rowId xmlns:a16="http://schemas.microsoft.com/office/drawing/2014/main" val="1667610318"/>
+                  </a:ext>
+                </a:extLst>
+              </a:tr>
+              <a:tr h="370840">
+                <a:tc>
+                  <a:txBody>
+                    <a:bodyPr/>
+                    <a:lstStyle/>
+                    <a:p>
+                      <a:r>
+                        <a:rPr lang="en-GB" dirty="0"/>
+                        <a:t>0x2</a:t>
+                      </a:r>
+                    </a:p>
+                  </a:txBody>
+                  <a:tcPr/>
+                </a:tc>
+                <a:tc>
+                  <a:txBody>
+                    <a:bodyPr/>
+                    <a:lstStyle/>
+                    <a:p>
+                      <a:pPr marL="0" marR="0" lvl="0" indent="0" algn="l" defTabSz="914400" rtl="0" eaLnBrk="1" fontAlgn="auto" latinLnBrk="0" hangingPunct="1">
+                        <a:lnSpc>
+                          <a:spcPct val="100000"/>
+                        </a:lnSpc>
+                        <a:spcBef>
+                          <a:spcPts val="0"/>
+                        </a:spcBef>
+                        <a:spcAft>
+                          <a:spcPts val="0"/>
+                        </a:spcAft>
+                        <a:buClrTx/>
+                        <a:buSzTx/>
+                        <a:buFontTx/>
+                        <a:buNone/>
+                        <a:tabLst/>
+                        <a:defRPr/>
+                      </a:pPr>
+                      <a:r>
+                        <a:rPr lang="en-GB" dirty="0"/>
+                        <a:t>add REG_A,REG_B</a:t>
+                      </a:r>
+                    </a:p>
+                  </a:txBody>
+                  <a:tcPr/>
+                </a:tc>
+                <a:extLst>
+                  <a:ext uri="{0D108BD9-81ED-4DB2-BD59-A6C34878D82A}">
+                    <a16:rowId xmlns:a16="http://schemas.microsoft.com/office/drawing/2014/main" val="1591009497"/>
+                  </a:ext>
+                </a:extLst>
+              </a:tr>
+            </a:tbl>
+          </a:graphicData>
+        </a:graphic>
+      </p:graphicFrame>
+      <p:sp>
+        <p:nvSpPr>
+          <p:cNvPr id="15" name="TextBox 14">
+            <a:extLst>
+              <a:ext uri="{FF2B5EF4-FFF2-40B4-BE49-F238E27FC236}">
+                <a16:creationId xmlns:a16="http://schemas.microsoft.com/office/drawing/2014/main" id="{19F2932F-D1D3-45E5-B80D-B3227E6C63DF}"/>
+              </a:ext>
+            </a:extLst>
+          </p:cNvPr>
+          <p:cNvSpPr txBox="1"/>
+          <p:nvPr/>
+        </p:nvSpPr>
+        <p:spPr>
+          <a:xfrm>
+            <a:off x="457200" y="5187649"/>
+            <a:ext cx="2347117" cy="1200329"/>
+          </a:xfrm>
+          <a:prstGeom prst="rect">
+            <a:avLst/>
+          </a:prstGeom>
+          <a:noFill/>
+        </p:spPr>
+        <p:txBody>
+          <a:bodyPr wrap="none" rtlCol="0">
+            <a:spAutoFit/>
+          </a:bodyPr>
+          <a:lstStyle/>
+          <a:p>
+            <a:r>
+              <a:rPr lang="en-GB" dirty="0">
+                <a:solidFill>
+                  <a:schemeClr val="bg1"/>
+                </a:solidFill>
+              </a:rPr>
+              <a:t>Machine Code:</a:t>
+            </a:r>
+          </a:p>
+          <a:p>
+            <a:r>
+              <a:rPr lang="en-GB" dirty="0">
+                <a:solidFill>
+                  <a:schemeClr val="bg1"/>
+                </a:solidFill>
+              </a:rPr>
+              <a:t>0x0, 0x0, 0x1, 0x1, 0x2 </a:t>
+            </a:r>
+          </a:p>
+          <a:p>
+            <a:r>
+              <a:rPr lang="en-GB" dirty="0">
+                <a:solidFill>
+                  <a:schemeClr val="bg1"/>
+                </a:solidFill>
+              </a:rPr>
+              <a:t>0x1, 0x2, 0x2, 0x1, 0x3</a:t>
+            </a:r>
+          </a:p>
+          <a:p>
+            <a:endParaRPr lang="en-GB" dirty="0">
+              <a:solidFill>
+                <a:schemeClr val="bg1"/>
+              </a:solidFill>
+            </a:endParaRPr>
+          </a:p>
+        </p:txBody>
+      </p:sp>
     </p:spTree>
     <p:extLst>
       <p:ext uri="{BB962C8B-B14F-4D97-AF65-F5344CB8AC3E}">
@@ -14188,6 +14487,255 @@
                 <a:schemeClr val="accent3">
                   <a:lumMod val="50000"/>
                 </a:schemeClr>
+              </a:solidFill>
+            </a:endParaRPr>
+          </a:p>
+        </p:txBody>
+      </p:sp>
+      <p:graphicFrame>
+        <p:nvGraphicFramePr>
+          <p:cNvPr id="26" name="Table 13">
+            <a:extLst>
+              <a:ext uri="{FF2B5EF4-FFF2-40B4-BE49-F238E27FC236}">
+                <a16:creationId xmlns:a16="http://schemas.microsoft.com/office/drawing/2014/main" id="{A785EABB-9B60-4EE8-9B23-E88C2B56FF9A}"/>
+              </a:ext>
+            </a:extLst>
+          </p:cNvPr>
+          <p:cNvGraphicFramePr>
+            <a:graphicFrameLocks noGrp="1"/>
+          </p:cNvGraphicFramePr>
+          <p:nvPr>
+            <p:extLst>
+              <p:ext uri="{D42A27DB-BD31-4B8C-83A1-F6EECF244321}">
+                <p14:modId xmlns:p14="http://schemas.microsoft.com/office/powerpoint/2010/main" val="3779634927"/>
+              </p:ext>
+            </p:extLst>
+          </p:nvPr>
+        </p:nvGraphicFramePr>
+        <p:xfrm>
+          <a:off x="4695463" y="5187649"/>
+          <a:ext cx="4273408" cy="1112520"/>
+        </p:xfrm>
+        <a:graphic>
+          <a:graphicData uri="http://schemas.openxmlformats.org/drawingml/2006/table">
+            <a:tbl>
+              <a:tblPr firstRow="1" bandRow="1">
+                <a:tableStyleId>{5C22544A-7EE6-4342-B048-85BDC9FD1C3A}</a:tableStyleId>
+              </a:tblPr>
+              <a:tblGrid>
+                <a:gridCol w="2136704">
+                  <a:extLst>
+                    <a:ext uri="{9D8B030D-6E8A-4147-A177-3AD203B41FA5}">
+                      <a16:colId xmlns:a16="http://schemas.microsoft.com/office/drawing/2014/main" val="817990671"/>
+                    </a:ext>
+                  </a:extLst>
+                </a:gridCol>
+                <a:gridCol w="2136704">
+                  <a:extLst>
+                    <a:ext uri="{9D8B030D-6E8A-4147-A177-3AD203B41FA5}">
+                      <a16:colId xmlns:a16="http://schemas.microsoft.com/office/drawing/2014/main" val="3344692481"/>
+                    </a:ext>
+                  </a:extLst>
+                </a:gridCol>
+              </a:tblGrid>
+              <a:tr h="370840">
+                <a:tc>
+                  <a:txBody>
+                    <a:bodyPr/>
+                    <a:lstStyle/>
+                    <a:p>
+                      <a:r>
+                        <a:rPr lang="en-GB" dirty="0"/>
+                        <a:t>Opcode</a:t>
+                      </a:r>
+                    </a:p>
+                  </a:txBody>
+                  <a:tcPr/>
+                </a:tc>
+                <a:tc>
+                  <a:txBody>
+                    <a:bodyPr/>
+                    <a:lstStyle/>
+                    <a:p>
+                      <a:r>
+                        <a:rPr lang="en-GB" dirty="0"/>
+                        <a:t>Mnemonic</a:t>
+                      </a:r>
+                    </a:p>
+                  </a:txBody>
+                  <a:tcPr/>
+                </a:tc>
+                <a:extLst>
+                  <a:ext uri="{0D108BD9-81ED-4DB2-BD59-A6C34878D82A}">
+                    <a16:rowId xmlns:a16="http://schemas.microsoft.com/office/drawing/2014/main" val="3172306758"/>
+                  </a:ext>
+                </a:extLst>
+              </a:tr>
+              <a:tr h="370840">
+                <a:tc>
+                  <a:txBody>
+                    <a:bodyPr/>
+                    <a:lstStyle/>
+                    <a:p>
+                      <a:r>
+                        <a:rPr lang="en-GB" dirty="0"/>
+                        <a:t>0x0</a:t>
+                      </a:r>
+                    </a:p>
+                  </a:txBody>
+                  <a:tcPr/>
+                </a:tc>
+                <a:tc>
+                  <a:txBody>
+                    <a:bodyPr/>
+                    <a:lstStyle/>
+                    <a:p>
+                      <a:pPr marL="0" marR="0" lvl="0" indent="0" algn="l" defTabSz="914400" rtl="0" eaLnBrk="1" fontAlgn="auto" latinLnBrk="0" hangingPunct="1">
+                        <a:lnSpc>
+                          <a:spcPct val="100000"/>
+                        </a:lnSpc>
+                        <a:spcBef>
+                          <a:spcPts val="0"/>
+                        </a:spcBef>
+                        <a:spcAft>
+                          <a:spcPts val="0"/>
+                        </a:spcAft>
+                        <a:buClrTx/>
+                        <a:buSzTx/>
+                        <a:buFontTx/>
+                        <a:buNone/>
+                        <a:tabLst/>
+                        <a:defRPr/>
+                      </a:pPr>
+                      <a:r>
+                        <a:rPr lang="en-GB" dirty="0"/>
+                        <a:t>push</a:t>
+                      </a:r>
+                    </a:p>
+                  </a:txBody>
+                  <a:tcPr/>
+                </a:tc>
+                <a:extLst>
+                  <a:ext uri="{0D108BD9-81ED-4DB2-BD59-A6C34878D82A}">
+                    <a16:rowId xmlns:a16="http://schemas.microsoft.com/office/drawing/2014/main" val="2162908104"/>
+                  </a:ext>
+                </a:extLst>
+              </a:tr>
+              <a:tr h="370840">
+                <a:tc>
+                  <a:txBody>
+                    <a:bodyPr/>
+                    <a:lstStyle/>
+                    <a:p>
+                      <a:r>
+                        <a:rPr lang="en-GB" dirty="0"/>
+                        <a:t>0x1</a:t>
+                      </a:r>
+                    </a:p>
+                  </a:txBody>
+                  <a:tcPr/>
+                </a:tc>
+                <a:tc>
+                  <a:txBody>
+                    <a:bodyPr/>
+                    <a:lstStyle/>
+                    <a:p>
+                      <a:pPr marL="0" marR="0" lvl="0" indent="0" algn="l" defTabSz="914400" rtl="0" eaLnBrk="1" fontAlgn="auto" latinLnBrk="0" hangingPunct="1">
+                        <a:lnSpc>
+                          <a:spcPct val="100000"/>
+                        </a:lnSpc>
+                        <a:spcBef>
+                          <a:spcPts val="0"/>
+                        </a:spcBef>
+                        <a:spcAft>
+                          <a:spcPts val="0"/>
+                        </a:spcAft>
+                        <a:buClrTx/>
+                        <a:buSzTx/>
+                        <a:buFontTx/>
+                        <a:buNone/>
+                        <a:tabLst/>
+                        <a:defRPr/>
+                      </a:pPr>
+                      <a:r>
+                        <a:rPr lang="en-GB" dirty="0"/>
+                        <a:t>add</a:t>
+                      </a:r>
+                    </a:p>
+                  </a:txBody>
+                  <a:tcPr/>
+                </a:tc>
+                <a:extLst>
+                  <a:ext uri="{0D108BD9-81ED-4DB2-BD59-A6C34878D82A}">
+                    <a16:rowId xmlns:a16="http://schemas.microsoft.com/office/drawing/2014/main" val="1667610318"/>
+                  </a:ext>
+                </a:extLst>
+              </a:tr>
+            </a:tbl>
+          </a:graphicData>
+        </a:graphic>
+      </p:graphicFrame>
+      <p:sp>
+        <p:nvSpPr>
+          <p:cNvPr id="27" name="TextBox 26">
+            <a:extLst>
+              <a:ext uri="{FF2B5EF4-FFF2-40B4-BE49-F238E27FC236}">
+                <a16:creationId xmlns:a16="http://schemas.microsoft.com/office/drawing/2014/main" id="{AAAA5F1D-E6BF-461C-B0B4-DB2F70E6EF25}"/>
+              </a:ext>
+            </a:extLst>
+          </p:cNvPr>
+          <p:cNvSpPr txBox="1"/>
+          <p:nvPr/>
+        </p:nvSpPr>
+        <p:spPr>
+          <a:xfrm>
+            <a:off x="457200" y="5187649"/>
+            <a:ext cx="2738250" cy="1200329"/>
+          </a:xfrm>
+          <a:prstGeom prst="rect">
+            <a:avLst/>
+          </a:prstGeom>
+          <a:noFill/>
+        </p:spPr>
+        <p:txBody>
+          <a:bodyPr wrap="none" rtlCol="0">
+            <a:spAutoFit/>
+          </a:bodyPr>
+          <a:lstStyle/>
+          <a:p>
+            <a:r>
+              <a:rPr lang="en-GB" dirty="0">
+                <a:solidFill>
+                  <a:schemeClr val="bg1"/>
+                </a:solidFill>
+              </a:rPr>
+              <a:t>Machine Code:</a:t>
+            </a:r>
+          </a:p>
+          <a:p>
+            <a:r>
+              <a:rPr lang="en-GB" dirty="0">
+                <a:solidFill>
+                  <a:schemeClr val="bg1"/>
+                </a:solidFill>
+              </a:rPr>
+              <a:t>0x0, 0x0, 0x0, 0x1, 0x0, 0x2</a:t>
+            </a:r>
+          </a:p>
+          <a:p>
+            <a:r>
+              <a:rPr lang="en-GB" dirty="0">
+                <a:solidFill>
+                  <a:schemeClr val="bg1"/>
+                </a:solidFill>
+              </a:rPr>
+              <a:t>0x1, 0x1, 0x1 </a:t>
+            </a:r>
+          </a:p>
+          <a:p>
+            <a:endParaRPr lang="en-GB" dirty="0">
+              <a:solidFill>
+                <a:schemeClr val="bg1"/>
               </a:solidFill>
             </a:endParaRPr>
           </a:p>

--- a/Imperial_College_29-01-2020/Presentation.pptx
+++ b/Imperial_College_29-01-2020/Presentation.pptx
@@ -5,7 +5,7 @@
     <p:sldMasterId id="2147483648" r:id="rId1"/>
   </p:sldMasterIdLst>
   <p:notesMasterIdLst>
-    <p:notesMasterId r:id="rId43"/>
+    <p:notesMasterId r:id="rId39"/>
   </p:notesMasterIdLst>
   <p:sldIdLst>
     <p:sldId id="272" r:id="rId2"/>
@@ -36,19 +36,15 @@
     <p:sldId id="423" r:id="rId27"/>
     <p:sldId id="424" r:id="rId28"/>
     <p:sldId id="406" r:id="rId29"/>
-    <p:sldId id="408" r:id="rId30"/>
-    <p:sldId id="407" r:id="rId31"/>
-    <p:sldId id="403" r:id="rId32"/>
-    <p:sldId id="390" r:id="rId33"/>
-    <p:sldId id="376" r:id="rId34"/>
-    <p:sldId id="379" r:id="rId35"/>
-    <p:sldId id="380" r:id="rId36"/>
-    <p:sldId id="398" r:id="rId37"/>
-    <p:sldId id="383" r:id="rId38"/>
-    <p:sldId id="384" r:id="rId39"/>
-    <p:sldId id="388" r:id="rId40"/>
-    <p:sldId id="385" r:id="rId41"/>
-    <p:sldId id="375" r:id="rId42"/>
+    <p:sldId id="376" r:id="rId30"/>
+    <p:sldId id="379" r:id="rId31"/>
+    <p:sldId id="380" r:id="rId32"/>
+    <p:sldId id="398" r:id="rId33"/>
+    <p:sldId id="383" r:id="rId34"/>
+    <p:sldId id="384" r:id="rId35"/>
+    <p:sldId id="388" r:id="rId36"/>
+    <p:sldId id="385" r:id="rId37"/>
+    <p:sldId id="375" r:id="rId38"/>
   </p:sldIdLst>
   <p:sldSz cx="9144000" cy="6858000" type="screen4x3"/>
   <p:notesSz cx="7099300" cy="10234613"/>
@@ -24827,7 +24823,7 @@
         <p:spPr>
           <a:xfrm>
             <a:off x="609600" y="928670"/>
-            <a:ext cx="7924800" cy="2308324"/>
+            <a:ext cx="7924800" cy="3416320"/>
           </a:xfrm>
           <a:prstGeom prst="rect">
             <a:avLst/>
@@ -24850,7 +24846,49 @@
                   <a:schemeClr val="bg1"/>
                 </a:solidFill>
               </a:rPr>
-              <a:t>Modern CPU architecture is typically a hybrid of these machines.</a:t>
+              <a:t>Modern CPU architectures are typically a hybrid of Stack and Register Machines.</a:t>
+            </a:r>
+          </a:p>
+          <a:p>
+            <a:pPr marL="285750" indent="-285750">
+              <a:buFont typeface="Arial" panose="020B0604020202020204" pitchFamily="34" charset="0"/>
+              <a:buChar char="•"/>
+            </a:pPr>
+            <a:r>
+              <a:rPr lang="en-GB" dirty="0">
+                <a:solidFill>
+                  <a:schemeClr val="bg1"/>
+                </a:solidFill>
+              </a:rPr>
+              <a:t>Allows efficient use of both paradigms (Languages such as C/C++ take advantage of this using both a stack and heap)</a:t>
+            </a:r>
+          </a:p>
+          <a:p>
+            <a:pPr marL="285750" indent="-285750">
+              <a:buFont typeface="Arial" panose="020B0604020202020204" pitchFamily="34" charset="0"/>
+              <a:buChar char="•"/>
+            </a:pPr>
+            <a:r>
+              <a:rPr lang="en-GB" dirty="0">
+                <a:solidFill>
+                  <a:schemeClr val="bg1"/>
+                </a:solidFill>
+              </a:rPr>
+              <a:t>Simplifies Branching</a:t>
+            </a:r>
+          </a:p>
+          <a:p>
+            <a:pPr marL="285750" indent="-285750">
+              <a:buFont typeface="Arial" panose="020B0604020202020204" pitchFamily="34" charset="0"/>
+              <a:buChar char="•"/>
+            </a:pPr>
+            <a:r>
+              <a:rPr lang="en-GB" dirty="0">
+                <a:solidFill>
+                  <a:schemeClr val="bg1"/>
+                </a:solidFill>
+              </a:rPr>
+              <a:t>Reduces the Machine Code size </a:t>
             </a:r>
           </a:p>
           <a:p>
@@ -24997,7 +25035,7 @@
                 </a:solidFill>
                 <a:latin typeface="Calibri" pitchFamily="34" charset="0"/>
               </a:rPr>
-              <a:t>#. Stack Machine</a:t>
+              <a:t>#. Virtual Machine</a:t>
             </a:r>
           </a:p>
         </p:txBody>
@@ -25361,410 +25399,10 @@
           </a:p>
         </p:txBody>
       </p:sp>
-      <p:sp>
-        <p:nvSpPr>
-          <p:cNvPr id="8" name="Rectangle: Rounded Corners 7">
-            <a:extLst>
-              <a:ext uri="{FF2B5EF4-FFF2-40B4-BE49-F238E27FC236}">
-                <a16:creationId xmlns:a16="http://schemas.microsoft.com/office/drawing/2014/main" id="{0806B8C3-0F19-447B-9827-7080DF848062}"/>
-              </a:ext>
-            </a:extLst>
-          </p:cNvPr>
-          <p:cNvSpPr/>
-          <p:nvPr/>
-        </p:nvSpPr>
-        <p:spPr>
-          <a:xfrm>
-            <a:off x="7620000" y="2381249"/>
-            <a:ext cx="1219200" cy="381000"/>
-          </a:xfrm>
-          <a:prstGeom prst="roundRect">
-            <a:avLst/>
-          </a:prstGeom>
-        </p:spPr>
-        <p:style>
-          <a:lnRef idx="2">
-            <a:schemeClr val="accent1">
-              <a:shade val="50000"/>
-            </a:schemeClr>
-          </a:lnRef>
-          <a:fillRef idx="1">
-            <a:schemeClr val="accent1"/>
-          </a:fillRef>
-          <a:effectRef idx="0">
-            <a:schemeClr val="accent1"/>
-          </a:effectRef>
-          <a:fontRef idx="minor">
-            <a:schemeClr val="lt1"/>
-          </a:fontRef>
-        </p:style>
-        <p:txBody>
-          <a:bodyPr rtlCol="0" anchor="ctr"/>
-          <a:lstStyle/>
-          <a:p>
-            <a:pPr algn="ctr"/>
-            <a:r>
-              <a:rPr lang="en-GB" dirty="0"/>
-              <a:t>REG_SP</a:t>
-            </a:r>
-          </a:p>
-        </p:txBody>
-      </p:sp>
-      <p:sp>
-        <p:nvSpPr>
-          <p:cNvPr id="9" name="Rectangle: Rounded Corners 8">
-            <a:extLst>
-              <a:ext uri="{FF2B5EF4-FFF2-40B4-BE49-F238E27FC236}">
-                <a16:creationId xmlns:a16="http://schemas.microsoft.com/office/drawing/2014/main" id="{2181DA97-9D7A-4F23-A6F3-8EC128375CBF}"/>
-              </a:ext>
-            </a:extLst>
-          </p:cNvPr>
-          <p:cNvSpPr/>
-          <p:nvPr/>
-        </p:nvSpPr>
-        <p:spPr>
-          <a:xfrm>
-            <a:off x="7620000" y="3048000"/>
-            <a:ext cx="1219200" cy="381000"/>
-          </a:xfrm>
-          <a:prstGeom prst="roundRect">
-            <a:avLst/>
-          </a:prstGeom>
-        </p:spPr>
-        <p:style>
-          <a:lnRef idx="2">
-            <a:schemeClr val="accent1">
-              <a:shade val="50000"/>
-            </a:schemeClr>
-          </a:lnRef>
-          <a:fillRef idx="1">
-            <a:schemeClr val="accent1"/>
-          </a:fillRef>
-          <a:effectRef idx="0">
-            <a:schemeClr val="accent1"/>
-          </a:effectRef>
-          <a:fontRef idx="minor">
-            <a:schemeClr val="lt1"/>
-          </a:fontRef>
-        </p:style>
-        <p:txBody>
-          <a:bodyPr rtlCol="0" anchor="ctr"/>
-          <a:lstStyle/>
-          <a:p>
-            <a:pPr algn="ctr"/>
-            <a:r>
-              <a:rPr lang="en-GB" dirty="0"/>
-              <a:t>REG_BP</a:t>
-            </a:r>
-          </a:p>
-        </p:txBody>
-      </p:sp>
-      <p:sp>
-        <p:nvSpPr>
-          <p:cNvPr id="13" name="TextBox 12">
-            <a:extLst>
-              <a:ext uri="{FF2B5EF4-FFF2-40B4-BE49-F238E27FC236}">
-                <a16:creationId xmlns:a16="http://schemas.microsoft.com/office/drawing/2014/main" id="{15267C53-BA1B-48E1-9221-57248D42053E}"/>
-              </a:ext>
-            </a:extLst>
-          </p:cNvPr>
-          <p:cNvSpPr txBox="1"/>
-          <p:nvPr/>
-        </p:nvSpPr>
-        <p:spPr>
-          <a:xfrm>
-            <a:off x="609600" y="928670"/>
-            <a:ext cx="6934200" cy="5632311"/>
-          </a:xfrm>
-          <a:prstGeom prst="rect">
-            <a:avLst/>
-          </a:prstGeom>
-          <a:noFill/>
-        </p:spPr>
-        <p:txBody>
-          <a:bodyPr wrap="square" rtlCol="0">
-            <a:spAutoFit/>
-          </a:bodyPr>
-          <a:lstStyle/>
-          <a:p>
-            <a:r>
-              <a:rPr lang="en-GB" dirty="0">
-                <a:solidFill>
-                  <a:schemeClr val="bg1"/>
-                </a:solidFill>
-              </a:rPr>
-              <a:t>Push literal value onto the Stack:</a:t>
-            </a:r>
-          </a:p>
-          <a:p>
-            <a:r>
-              <a:rPr lang="en-GB" dirty="0">
-                <a:solidFill>
-                  <a:schemeClr val="bg1"/>
-                </a:solidFill>
-              </a:rPr>
-              <a:t>	push 0x0A</a:t>
-            </a:r>
-            <a:r>
-              <a:rPr lang="en-GB" sz="1400" dirty="0">
-                <a:solidFill>
-                  <a:schemeClr val="accent3">
-                    <a:lumMod val="50000"/>
-                  </a:schemeClr>
-                </a:solidFill>
-              </a:rPr>
-              <a:t>	</a:t>
-            </a:r>
-          </a:p>
-          <a:p>
-            <a:r>
-              <a:rPr lang="en-GB" sz="1400" dirty="0">
-                <a:solidFill>
-                  <a:schemeClr val="accent3">
-                    <a:lumMod val="50000"/>
-                  </a:schemeClr>
-                </a:solidFill>
-              </a:rPr>
-              <a:t>	; Same as</a:t>
-            </a:r>
-          </a:p>
-          <a:p>
-            <a:r>
-              <a:rPr lang="en-GB" sz="1400" dirty="0">
-                <a:solidFill>
-                  <a:schemeClr val="accent3">
-                    <a:lumMod val="50000"/>
-                  </a:schemeClr>
-                </a:solidFill>
-              </a:rPr>
-              <a:t>	; mov  [REG_SP],0x0A</a:t>
-            </a:r>
-          </a:p>
-          <a:p>
-            <a:r>
-              <a:rPr lang="en-GB" sz="1400" dirty="0">
-                <a:solidFill>
-                  <a:schemeClr val="accent3">
-                    <a:lumMod val="50000"/>
-                  </a:schemeClr>
-                </a:solidFill>
-              </a:rPr>
-              <a:t>	; sub REG_SP,0x01</a:t>
-            </a:r>
-            <a:endParaRPr lang="en-GB" dirty="0">
-              <a:solidFill>
-                <a:schemeClr val="accent3">
-                  <a:lumMod val="50000"/>
-                </a:schemeClr>
-              </a:solidFill>
-            </a:endParaRPr>
-          </a:p>
-          <a:p>
-            <a:r>
-              <a:rPr lang="en-GB" dirty="0">
-                <a:solidFill>
-                  <a:schemeClr val="bg1"/>
-                </a:solidFill>
-              </a:rPr>
-              <a:t>	push 0x20</a:t>
-            </a:r>
-          </a:p>
-          <a:p>
-            <a:r>
-              <a:rPr lang="en-GB" dirty="0">
-                <a:solidFill>
-                  <a:schemeClr val="accent3">
-                    <a:lumMod val="50000"/>
-                  </a:schemeClr>
-                </a:solidFill>
-              </a:rPr>
-              <a:t>	</a:t>
-            </a:r>
-            <a:r>
-              <a:rPr lang="en-GB" sz="1400" dirty="0">
-                <a:solidFill>
-                  <a:schemeClr val="accent3">
-                    <a:lumMod val="50000"/>
-                  </a:schemeClr>
-                </a:solidFill>
-              </a:rPr>
-              <a:t>; Same as</a:t>
-            </a:r>
-          </a:p>
-          <a:p>
-            <a:r>
-              <a:rPr lang="en-GB" sz="1400" dirty="0">
-                <a:solidFill>
-                  <a:schemeClr val="accent3">
-                    <a:lumMod val="50000"/>
-                  </a:schemeClr>
-                </a:solidFill>
-              </a:rPr>
-              <a:t>	; mov  [REG_SP],0x20</a:t>
-            </a:r>
-          </a:p>
-          <a:p>
-            <a:r>
-              <a:rPr lang="en-GB" sz="1400" dirty="0">
-                <a:solidFill>
-                  <a:schemeClr val="accent3">
-                    <a:lumMod val="50000"/>
-                  </a:schemeClr>
-                </a:solidFill>
-              </a:rPr>
-              <a:t>	; sub REG_SP,0x01</a:t>
-            </a:r>
-          </a:p>
-          <a:p>
-            <a:endParaRPr lang="en-GB" sz="1400" dirty="0">
-              <a:solidFill>
-                <a:schemeClr val="accent3">
-                  <a:lumMod val="50000"/>
-                </a:schemeClr>
-              </a:solidFill>
-            </a:endParaRPr>
-          </a:p>
-          <a:p>
-            <a:r>
-              <a:rPr lang="en-GB" dirty="0">
-                <a:solidFill>
-                  <a:schemeClr val="bg1"/>
-                </a:solidFill>
-              </a:rPr>
-              <a:t>Pop value off the Stack into a Register:</a:t>
-            </a:r>
-          </a:p>
-          <a:p>
-            <a:r>
-              <a:rPr lang="en-GB" dirty="0">
-                <a:solidFill>
-                  <a:schemeClr val="bg1"/>
-                </a:solidFill>
-              </a:rPr>
-              <a:t>	pop REG_A</a:t>
-            </a:r>
-          </a:p>
-          <a:p>
-            <a:r>
-              <a:rPr lang="en-GB" sz="1400" dirty="0">
-                <a:solidFill>
-                  <a:schemeClr val="accent3">
-                    <a:lumMod val="50000"/>
-                  </a:schemeClr>
-                </a:solidFill>
-              </a:rPr>
-              <a:t>	; Same as</a:t>
-            </a:r>
-          </a:p>
-          <a:p>
-            <a:r>
-              <a:rPr lang="en-GB" sz="1400" dirty="0">
-                <a:solidFill>
-                  <a:schemeClr val="accent3">
-                    <a:lumMod val="50000"/>
-                  </a:schemeClr>
-                </a:solidFill>
-              </a:rPr>
-              <a:t>	; mov REG_A,[REG_SP]</a:t>
-            </a:r>
-          </a:p>
-          <a:p>
-            <a:r>
-              <a:rPr lang="en-GB" sz="1400" dirty="0">
-                <a:solidFill>
-                  <a:schemeClr val="accent3">
-                    <a:lumMod val="50000"/>
-                  </a:schemeClr>
-                </a:solidFill>
-              </a:rPr>
-              <a:t>	; add REG_SP,0x01</a:t>
-            </a:r>
-            <a:endParaRPr lang="en-GB" sz="1400" dirty="0">
-              <a:solidFill>
-                <a:schemeClr val="bg1"/>
-              </a:solidFill>
-            </a:endParaRPr>
-          </a:p>
-          <a:p>
-            <a:endParaRPr lang="en-GB" dirty="0">
-              <a:solidFill>
-                <a:schemeClr val="bg1"/>
-              </a:solidFill>
-            </a:endParaRPr>
-          </a:p>
-          <a:p>
-            <a:r>
-              <a:rPr lang="en-GB" dirty="0">
-                <a:solidFill>
-                  <a:schemeClr val="bg1"/>
-                </a:solidFill>
-              </a:rPr>
-              <a:t>Simple program:</a:t>
-            </a:r>
-          </a:p>
-          <a:p>
-            <a:r>
-              <a:rPr lang="en-GB" dirty="0">
-                <a:solidFill>
-                  <a:schemeClr val="bg1"/>
-                </a:solidFill>
-              </a:rPr>
-              <a:t>	push 0x0A</a:t>
-            </a:r>
-          </a:p>
-          <a:p>
-            <a:r>
-              <a:rPr lang="en-GB" dirty="0">
-                <a:solidFill>
-                  <a:schemeClr val="bg1"/>
-                </a:solidFill>
-              </a:rPr>
-              <a:t>	push 0x20</a:t>
-            </a:r>
-          </a:p>
-          <a:p>
-            <a:r>
-              <a:rPr lang="en-GB" dirty="0">
-                <a:solidFill>
-                  <a:schemeClr val="bg1"/>
-                </a:solidFill>
-              </a:rPr>
-              <a:t>	pop REG_B</a:t>
-            </a:r>
-          </a:p>
-          <a:p>
-            <a:r>
-              <a:rPr lang="en-GB" dirty="0">
-                <a:solidFill>
-                  <a:schemeClr val="bg1"/>
-                </a:solidFill>
-              </a:rPr>
-              <a:t>	pop REG_A</a:t>
-            </a:r>
-          </a:p>
-          <a:p>
-            <a:r>
-              <a:rPr lang="en-GB" dirty="0">
-                <a:solidFill>
-                  <a:schemeClr val="bg1"/>
-                </a:solidFill>
-              </a:rPr>
-              <a:t>	add REG_A,REG_B</a:t>
-            </a:r>
-            <a:endParaRPr lang="en-GB" dirty="0">
-              <a:solidFill>
-                <a:schemeClr val="accent3">
-                  <a:lumMod val="50000"/>
-                </a:schemeClr>
-              </a:solidFill>
-            </a:endParaRPr>
-          </a:p>
-        </p:txBody>
-      </p:sp>
     </p:spTree>
     <p:extLst>
       <p:ext uri="{BB962C8B-B14F-4D97-AF65-F5344CB8AC3E}">
-        <p14:creationId xmlns:p14="http://schemas.microsoft.com/office/powerpoint/2010/main" val="3484647148"/>
+        <p14:creationId xmlns:p14="http://schemas.microsoft.com/office/powerpoint/2010/main" val="1894145740"/>
       </p:ext>
     </p:extLst>
   </p:cSld>
@@ -26557,7 +26195,7 @@
                 </a:solidFill>
                 <a:latin typeface="Calibri" pitchFamily="34" charset="0"/>
               </a:rPr>
-              <a:t>#. Stack Machine</a:t>
+              <a:t>#. Machine / Byte Code</a:t>
             </a:r>
           </a:p>
         </p:txBody>
@@ -26921,508 +26559,10 @@
           </a:p>
         </p:txBody>
       </p:sp>
-      <p:sp>
-        <p:nvSpPr>
-          <p:cNvPr id="17" name="Rectangle: Rounded Corners 16">
-            <a:extLst>
-              <a:ext uri="{FF2B5EF4-FFF2-40B4-BE49-F238E27FC236}">
-                <a16:creationId xmlns:a16="http://schemas.microsoft.com/office/drawing/2014/main" id="{55BF22B5-5246-45C5-8640-8BFFF596ECF2}"/>
-              </a:ext>
-            </a:extLst>
-          </p:cNvPr>
-          <p:cNvSpPr/>
-          <p:nvPr/>
-        </p:nvSpPr>
-        <p:spPr>
-          <a:xfrm>
-            <a:off x="7620000" y="1071545"/>
-            <a:ext cx="1219200" cy="381000"/>
-          </a:xfrm>
-          <a:prstGeom prst="roundRect">
-            <a:avLst/>
-          </a:prstGeom>
-        </p:spPr>
-        <p:style>
-          <a:lnRef idx="2">
-            <a:schemeClr val="accent1">
-              <a:shade val="50000"/>
-            </a:schemeClr>
-          </a:lnRef>
-          <a:fillRef idx="1">
-            <a:schemeClr val="accent1"/>
-          </a:fillRef>
-          <a:effectRef idx="0">
-            <a:schemeClr val="accent1"/>
-          </a:effectRef>
-          <a:fontRef idx="minor">
-            <a:schemeClr val="lt1"/>
-          </a:fontRef>
-        </p:style>
-        <p:txBody>
-          <a:bodyPr rtlCol="0" anchor="ctr"/>
-          <a:lstStyle/>
-          <a:p>
-            <a:pPr algn="ctr"/>
-            <a:r>
-              <a:rPr lang="en-GB" dirty="0"/>
-              <a:t>REG_A</a:t>
-            </a:r>
-          </a:p>
-        </p:txBody>
-      </p:sp>
-      <p:sp>
-        <p:nvSpPr>
-          <p:cNvPr id="18" name="Rectangle: Rounded Corners 17">
-            <a:extLst>
-              <a:ext uri="{FF2B5EF4-FFF2-40B4-BE49-F238E27FC236}">
-                <a16:creationId xmlns:a16="http://schemas.microsoft.com/office/drawing/2014/main" id="{C74BACE3-7234-4FBB-AD79-8E9D0C918098}"/>
-              </a:ext>
-            </a:extLst>
-          </p:cNvPr>
-          <p:cNvSpPr/>
-          <p:nvPr/>
-        </p:nvSpPr>
-        <p:spPr>
-          <a:xfrm>
-            <a:off x="7620000" y="1738296"/>
-            <a:ext cx="1219200" cy="381000"/>
-          </a:xfrm>
-          <a:prstGeom prst="roundRect">
-            <a:avLst/>
-          </a:prstGeom>
-        </p:spPr>
-        <p:style>
-          <a:lnRef idx="2">
-            <a:schemeClr val="accent1">
-              <a:shade val="50000"/>
-            </a:schemeClr>
-          </a:lnRef>
-          <a:fillRef idx="1">
-            <a:schemeClr val="accent1"/>
-          </a:fillRef>
-          <a:effectRef idx="0">
-            <a:schemeClr val="accent1"/>
-          </a:effectRef>
-          <a:fontRef idx="minor">
-            <a:schemeClr val="lt1"/>
-          </a:fontRef>
-        </p:style>
-        <p:txBody>
-          <a:bodyPr rtlCol="0" anchor="ctr"/>
-          <a:lstStyle/>
-          <a:p>
-            <a:pPr algn="ctr"/>
-            <a:r>
-              <a:rPr lang="en-GB" dirty="0"/>
-              <a:t>REG_B</a:t>
-            </a:r>
-          </a:p>
-        </p:txBody>
-      </p:sp>
-      <p:sp>
-        <p:nvSpPr>
-          <p:cNvPr id="8" name="Rectangle: Rounded Corners 7">
-            <a:extLst>
-              <a:ext uri="{FF2B5EF4-FFF2-40B4-BE49-F238E27FC236}">
-                <a16:creationId xmlns:a16="http://schemas.microsoft.com/office/drawing/2014/main" id="{0806B8C3-0F19-447B-9827-7080DF848062}"/>
-              </a:ext>
-            </a:extLst>
-          </p:cNvPr>
-          <p:cNvSpPr/>
-          <p:nvPr/>
-        </p:nvSpPr>
-        <p:spPr>
-          <a:xfrm>
-            <a:off x="7620000" y="2381249"/>
-            <a:ext cx="1219200" cy="381000"/>
-          </a:xfrm>
-          <a:prstGeom prst="roundRect">
-            <a:avLst/>
-          </a:prstGeom>
-        </p:spPr>
-        <p:style>
-          <a:lnRef idx="2">
-            <a:schemeClr val="accent1">
-              <a:shade val="50000"/>
-            </a:schemeClr>
-          </a:lnRef>
-          <a:fillRef idx="1">
-            <a:schemeClr val="accent1"/>
-          </a:fillRef>
-          <a:effectRef idx="0">
-            <a:schemeClr val="accent1"/>
-          </a:effectRef>
-          <a:fontRef idx="minor">
-            <a:schemeClr val="lt1"/>
-          </a:fontRef>
-        </p:style>
-        <p:txBody>
-          <a:bodyPr rtlCol="0" anchor="ctr"/>
-          <a:lstStyle/>
-          <a:p>
-            <a:pPr algn="ctr"/>
-            <a:r>
-              <a:rPr lang="en-GB" dirty="0"/>
-              <a:t>REG_SP</a:t>
-            </a:r>
-          </a:p>
-        </p:txBody>
-      </p:sp>
-      <p:sp>
-        <p:nvSpPr>
-          <p:cNvPr id="9" name="Rectangle: Rounded Corners 8">
-            <a:extLst>
-              <a:ext uri="{FF2B5EF4-FFF2-40B4-BE49-F238E27FC236}">
-                <a16:creationId xmlns:a16="http://schemas.microsoft.com/office/drawing/2014/main" id="{2181DA97-9D7A-4F23-A6F3-8EC128375CBF}"/>
-              </a:ext>
-            </a:extLst>
-          </p:cNvPr>
-          <p:cNvSpPr/>
-          <p:nvPr/>
-        </p:nvSpPr>
-        <p:spPr>
-          <a:xfrm>
-            <a:off x="7620000" y="3048000"/>
-            <a:ext cx="1219200" cy="381000"/>
-          </a:xfrm>
-          <a:prstGeom prst="roundRect">
-            <a:avLst/>
-          </a:prstGeom>
-        </p:spPr>
-        <p:style>
-          <a:lnRef idx="2">
-            <a:schemeClr val="accent1">
-              <a:shade val="50000"/>
-            </a:schemeClr>
-          </a:lnRef>
-          <a:fillRef idx="1">
-            <a:schemeClr val="accent1"/>
-          </a:fillRef>
-          <a:effectRef idx="0">
-            <a:schemeClr val="accent1"/>
-          </a:effectRef>
-          <a:fontRef idx="minor">
-            <a:schemeClr val="lt1"/>
-          </a:fontRef>
-        </p:style>
-        <p:txBody>
-          <a:bodyPr rtlCol="0" anchor="ctr"/>
-          <a:lstStyle/>
-          <a:p>
-            <a:pPr algn="ctr"/>
-            <a:r>
-              <a:rPr lang="en-GB" dirty="0"/>
-              <a:t>REG_BP</a:t>
-            </a:r>
-          </a:p>
-        </p:txBody>
-      </p:sp>
-      <p:sp>
-        <p:nvSpPr>
-          <p:cNvPr id="13" name="TextBox 12">
-            <a:extLst>
-              <a:ext uri="{FF2B5EF4-FFF2-40B4-BE49-F238E27FC236}">
-                <a16:creationId xmlns:a16="http://schemas.microsoft.com/office/drawing/2014/main" id="{15267C53-BA1B-48E1-9221-57248D42053E}"/>
-              </a:ext>
-            </a:extLst>
-          </p:cNvPr>
-          <p:cNvSpPr txBox="1"/>
-          <p:nvPr/>
-        </p:nvSpPr>
-        <p:spPr>
-          <a:xfrm>
-            <a:off x="609600" y="928670"/>
-            <a:ext cx="6934200" cy="5632311"/>
-          </a:xfrm>
-          <a:prstGeom prst="rect">
-            <a:avLst/>
-          </a:prstGeom>
-          <a:noFill/>
-        </p:spPr>
-        <p:txBody>
-          <a:bodyPr wrap="square" rtlCol="0">
-            <a:spAutoFit/>
-          </a:bodyPr>
-          <a:lstStyle/>
-          <a:p>
-            <a:r>
-              <a:rPr lang="en-GB" dirty="0">
-                <a:solidFill>
-                  <a:schemeClr val="bg1"/>
-                </a:solidFill>
-              </a:rPr>
-              <a:t>Push literal value onto the Stack:</a:t>
-            </a:r>
-          </a:p>
-          <a:p>
-            <a:r>
-              <a:rPr lang="en-GB" dirty="0">
-                <a:solidFill>
-                  <a:schemeClr val="bg1"/>
-                </a:solidFill>
-              </a:rPr>
-              <a:t>	push 0x0A</a:t>
-            </a:r>
-            <a:r>
-              <a:rPr lang="en-GB" sz="1400" dirty="0">
-                <a:solidFill>
-                  <a:schemeClr val="accent3">
-                    <a:lumMod val="50000"/>
-                  </a:schemeClr>
-                </a:solidFill>
-              </a:rPr>
-              <a:t>	</a:t>
-            </a:r>
-          </a:p>
-          <a:p>
-            <a:r>
-              <a:rPr lang="en-GB" sz="1400" dirty="0">
-                <a:solidFill>
-                  <a:schemeClr val="accent3">
-                    <a:lumMod val="50000"/>
-                  </a:schemeClr>
-                </a:solidFill>
-              </a:rPr>
-              <a:t>	; Same as</a:t>
-            </a:r>
-          </a:p>
-          <a:p>
-            <a:r>
-              <a:rPr lang="en-GB" sz="1400" dirty="0">
-                <a:solidFill>
-                  <a:schemeClr val="accent3">
-                    <a:lumMod val="50000"/>
-                  </a:schemeClr>
-                </a:solidFill>
-              </a:rPr>
-              <a:t>	; mov  [REG_SP],0x0A</a:t>
-            </a:r>
-          </a:p>
-          <a:p>
-            <a:r>
-              <a:rPr lang="en-GB" sz="1400" dirty="0">
-                <a:solidFill>
-                  <a:schemeClr val="accent3">
-                    <a:lumMod val="50000"/>
-                  </a:schemeClr>
-                </a:solidFill>
-              </a:rPr>
-              <a:t>	; sub REG_SP,0x01</a:t>
-            </a:r>
-            <a:endParaRPr lang="en-GB" dirty="0">
-              <a:solidFill>
-                <a:schemeClr val="accent3">
-                  <a:lumMod val="50000"/>
-                </a:schemeClr>
-              </a:solidFill>
-            </a:endParaRPr>
-          </a:p>
-          <a:p>
-            <a:r>
-              <a:rPr lang="en-GB" dirty="0">
-                <a:solidFill>
-                  <a:schemeClr val="bg1"/>
-                </a:solidFill>
-              </a:rPr>
-              <a:t>	push 0x20</a:t>
-            </a:r>
-          </a:p>
-          <a:p>
-            <a:r>
-              <a:rPr lang="en-GB" dirty="0">
-                <a:solidFill>
-                  <a:schemeClr val="accent3">
-                    <a:lumMod val="50000"/>
-                  </a:schemeClr>
-                </a:solidFill>
-              </a:rPr>
-              <a:t>	</a:t>
-            </a:r>
-            <a:r>
-              <a:rPr lang="en-GB" sz="1400" dirty="0">
-                <a:solidFill>
-                  <a:schemeClr val="accent3">
-                    <a:lumMod val="50000"/>
-                  </a:schemeClr>
-                </a:solidFill>
-              </a:rPr>
-              <a:t>; Same as</a:t>
-            </a:r>
-          </a:p>
-          <a:p>
-            <a:r>
-              <a:rPr lang="en-GB" sz="1400" dirty="0">
-                <a:solidFill>
-                  <a:schemeClr val="accent3">
-                    <a:lumMod val="50000"/>
-                  </a:schemeClr>
-                </a:solidFill>
-              </a:rPr>
-              <a:t>	; mov  [REG_SP],0x20</a:t>
-            </a:r>
-          </a:p>
-          <a:p>
-            <a:r>
-              <a:rPr lang="en-GB" sz="1400" dirty="0">
-                <a:solidFill>
-                  <a:schemeClr val="accent3">
-                    <a:lumMod val="50000"/>
-                  </a:schemeClr>
-                </a:solidFill>
-              </a:rPr>
-              <a:t>	; sub REG_SP,0x01</a:t>
-            </a:r>
-          </a:p>
-          <a:p>
-            <a:endParaRPr lang="en-GB" sz="1400" dirty="0">
-              <a:solidFill>
-                <a:schemeClr val="accent3">
-                  <a:lumMod val="50000"/>
-                </a:schemeClr>
-              </a:solidFill>
-            </a:endParaRPr>
-          </a:p>
-          <a:p>
-            <a:r>
-              <a:rPr lang="en-GB" dirty="0">
-                <a:solidFill>
-                  <a:schemeClr val="bg1"/>
-                </a:solidFill>
-              </a:rPr>
-              <a:t>Pop value off the Stack into a Register:</a:t>
-            </a:r>
-          </a:p>
-          <a:p>
-            <a:r>
-              <a:rPr lang="en-GB" dirty="0">
-                <a:solidFill>
-                  <a:schemeClr val="bg1"/>
-                </a:solidFill>
-              </a:rPr>
-              <a:t>	pop REG_A</a:t>
-            </a:r>
-          </a:p>
-          <a:p>
-            <a:r>
-              <a:rPr lang="en-GB" sz="1400" dirty="0">
-                <a:solidFill>
-                  <a:schemeClr val="accent3">
-                    <a:lumMod val="50000"/>
-                  </a:schemeClr>
-                </a:solidFill>
-              </a:rPr>
-              <a:t>	; Same as</a:t>
-            </a:r>
-          </a:p>
-          <a:p>
-            <a:r>
-              <a:rPr lang="en-GB" sz="1400" dirty="0">
-                <a:solidFill>
-                  <a:schemeClr val="accent3">
-                    <a:lumMod val="50000"/>
-                  </a:schemeClr>
-                </a:solidFill>
-              </a:rPr>
-              <a:t>	; mov REG_A,[REG_SP]</a:t>
-            </a:r>
-          </a:p>
-          <a:p>
-            <a:r>
-              <a:rPr lang="en-GB" sz="1400" dirty="0">
-                <a:solidFill>
-                  <a:schemeClr val="accent3">
-                    <a:lumMod val="50000"/>
-                  </a:schemeClr>
-                </a:solidFill>
-              </a:rPr>
-              <a:t>	; add REG_SP,0x01</a:t>
-            </a:r>
-            <a:endParaRPr lang="en-GB" sz="1400" dirty="0">
-              <a:solidFill>
-                <a:schemeClr val="bg1"/>
-              </a:solidFill>
-            </a:endParaRPr>
-          </a:p>
-          <a:p>
-            <a:endParaRPr lang="en-GB" dirty="0">
-              <a:solidFill>
-                <a:schemeClr val="bg1"/>
-              </a:solidFill>
-            </a:endParaRPr>
-          </a:p>
-          <a:p>
-            <a:r>
-              <a:rPr lang="en-GB" dirty="0">
-                <a:solidFill>
-                  <a:schemeClr val="bg1"/>
-                </a:solidFill>
-              </a:rPr>
-              <a:t>Simple program:</a:t>
-            </a:r>
-          </a:p>
-          <a:p>
-            <a:r>
-              <a:rPr lang="en-GB" dirty="0">
-                <a:solidFill>
-                  <a:schemeClr val="bg1"/>
-                </a:solidFill>
-              </a:rPr>
-              <a:t>	push 0x0A</a:t>
-            </a:r>
-          </a:p>
-          <a:p>
-            <a:r>
-              <a:rPr lang="en-GB" dirty="0">
-                <a:solidFill>
-                  <a:schemeClr val="bg1"/>
-                </a:solidFill>
-              </a:rPr>
-              <a:t>	push 0x20</a:t>
-            </a:r>
-          </a:p>
-          <a:p>
-            <a:r>
-              <a:rPr lang="en-GB" dirty="0">
-                <a:solidFill>
-                  <a:schemeClr val="bg1"/>
-                </a:solidFill>
-              </a:rPr>
-              <a:t>	pop REG_B</a:t>
-            </a:r>
-          </a:p>
-          <a:p>
-            <a:r>
-              <a:rPr lang="en-GB" dirty="0">
-                <a:solidFill>
-                  <a:schemeClr val="bg1"/>
-                </a:solidFill>
-              </a:rPr>
-              <a:t>	pop REG_A</a:t>
-            </a:r>
-          </a:p>
-          <a:p>
-            <a:r>
-              <a:rPr lang="en-GB" dirty="0">
-                <a:solidFill>
-                  <a:schemeClr val="bg1"/>
-                </a:solidFill>
-              </a:rPr>
-              <a:t>	add REG_A,REG_B</a:t>
-            </a:r>
-            <a:endParaRPr lang="en-GB" dirty="0">
-              <a:solidFill>
-                <a:schemeClr val="accent3">
-                  <a:lumMod val="50000"/>
-                </a:schemeClr>
-              </a:solidFill>
-            </a:endParaRPr>
-          </a:p>
-        </p:txBody>
-      </p:sp>
     </p:spTree>
     <p:extLst>
       <p:ext uri="{BB962C8B-B14F-4D97-AF65-F5344CB8AC3E}">
-        <p14:creationId xmlns:p14="http://schemas.microsoft.com/office/powerpoint/2010/main" val="1839922010"/>
+        <p14:creationId xmlns:p14="http://schemas.microsoft.com/office/powerpoint/2010/main" val="758859454"/>
       </p:ext>
     </p:extLst>
   </p:cSld>
@@ -27484,7 +26624,7 @@
                 </a:solidFill>
                 <a:latin typeface="Calibri" pitchFamily="34" charset="0"/>
               </a:rPr>
-              <a:t>#. Register / Stack Machine</a:t>
+              <a:t>#. LLVM (Low Level Virtual Machine)</a:t>
             </a:r>
           </a:p>
         </p:txBody>
@@ -27848,347 +26988,10 @@
           </a:p>
         </p:txBody>
       </p:sp>
-      <p:sp>
-        <p:nvSpPr>
-          <p:cNvPr id="17" name="Rectangle: Rounded Corners 16">
-            <a:extLst>
-              <a:ext uri="{FF2B5EF4-FFF2-40B4-BE49-F238E27FC236}">
-                <a16:creationId xmlns:a16="http://schemas.microsoft.com/office/drawing/2014/main" id="{55BF22B5-5246-45C5-8640-8BFFF596ECF2}"/>
-              </a:ext>
-            </a:extLst>
-          </p:cNvPr>
-          <p:cNvSpPr/>
-          <p:nvPr/>
-        </p:nvSpPr>
-        <p:spPr>
-          <a:xfrm>
-            <a:off x="7620000" y="1071545"/>
-            <a:ext cx="1219200" cy="381000"/>
-          </a:xfrm>
-          <a:prstGeom prst="roundRect">
-            <a:avLst/>
-          </a:prstGeom>
-        </p:spPr>
-        <p:style>
-          <a:lnRef idx="2">
-            <a:schemeClr val="accent1">
-              <a:shade val="50000"/>
-            </a:schemeClr>
-          </a:lnRef>
-          <a:fillRef idx="1">
-            <a:schemeClr val="accent1"/>
-          </a:fillRef>
-          <a:effectRef idx="0">
-            <a:schemeClr val="accent1"/>
-          </a:effectRef>
-          <a:fontRef idx="minor">
-            <a:schemeClr val="lt1"/>
-          </a:fontRef>
-        </p:style>
-        <p:txBody>
-          <a:bodyPr rtlCol="0" anchor="ctr"/>
-          <a:lstStyle/>
-          <a:p>
-            <a:pPr algn="ctr"/>
-            <a:r>
-              <a:rPr lang="en-GB" dirty="0"/>
-              <a:t>REG_A</a:t>
-            </a:r>
-          </a:p>
-        </p:txBody>
-      </p:sp>
-      <p:sp>
-        <p:nvSpPr>
-          <p:cNvPr id="18" name="Rectangle: Rounded Corners 17">
-            <a:extLst>
-              <a:ext uri="{FF2B5EF4-FFF2-40B4-BE49-F238E27FC236}">
-                <a16:creationId xmlns:a16="http://schemas.microsoft.com/office/drawing/2014/main" id="{C74BACE3-7234-4FBB-AD79-8E9D0C918098}"/>
-              </a:ext>
-            </a:extLst>
-          </p:cNvPr>
-          <p:cNvSpPr/>
-          <p:nvPr/>
-        </p:nvSpPr>
-        <p:spPr>
-          <a:xfrm>
-            <a:off x="7620000" y="1738296"/>
-            <a:ext cx="1219200" cy="381000"/>
-          </a:xfrm>
-          <a:prstGeom prst="roundRect">
-            <a:avLst/>
-          </a:prstGeom>
-        </p:spPr>
-        <p:style>
-          <a:lnRef idx="2">
-            <a:schemeClr val="accent1">
-              <a:shade val="50000"/>
-            </a:schemeClr>
-          </a:lnRef>
-          <a:fillRef idx="1">
-            <a:schemeClr val="accent1"/>
-          </a:fillRef>
-          <a:effectRef idx="0">
-            <a:schemeClr val="accent1"/>
-          </a:effectRef>
-          <a:fontRef idx="minor">
-            <a:schemeClr val="lt1"/>
-          </a:fontRef>
-        </p:style>
-        <p:txBody>
-          <a:bodyPr rtlCol="0" anchor="ctr"/>
-          <a:lstStyle/>
-          <a:p>
-            <a:pPr algn="ctr"/>
-            <a:r>
-              <a:rPr lang="en-GB" dirty="0"/>
-              <a:t>REG_B</a:t>
-            </a:r>
-          </a:p>
-        </p:txBody>
-      </p:sp>
-      <p:sp>
-        <p:nvSpPr>
-          <p:cNvPr id="8" name="Rectangle: Rounded Corners 7">
-            <a:extLst>
-              <a:ext uri="{FF2B5EF4-FFF2-40B4-BE49-F238E27FC236}">
-                <a16:creationId xmlns:a16="http://schemas.microsoft.com/office/drawing/2014/main" id="{0806B8C3-0F19-447B-9827-7080DF848062}"/>
-              </a:ext>
-            </a:extLst>
-          </p:cNvPr>
-          <p:cNvSpPr/>
-          <p:nvPr/>
-        </p:nvSpPr>
-        <p:spPr>
-          <a:xfrm>
-            <a:off x="7620000" y="2381249"/>
-            <a:ext cx="1219200" cy="381000"/>
-          </a:xfrm>
-          <a:prstGeom prst="roundRect">
-            <a:avLst/>
-          </a:prstGeom>
-        </p:spPr>
-        <p:style>
-          <a:lnRef idx="2">
-            <a:schemeClr val="accent1">
-              <a:shade val="50000"/>
-            </a:schemeClr>
-          </a:lnRef>
-          <a:fillRef idx="1">
-            <a:schemeClr val="accent1"/>
-          </a:fillRef>
-          <a:effectRef idx="0">
-            <a:schemeClr val="accent1"/>
-          </a:effectRef>
-          <a:fontRef idx="minor">
-            <a:schemeClr val="lt1"/>
-          </a:fontRef>
-        </p:style>
-        <p:txBody>
-          <a:bodyPr rtlCol="0" anchor="ctr"/>
-          <a:lstStyle/>
-          <a:p>
-            <a:pPr algn="ctr"/>
-            <a:r>
-              <a:rPr lang="en-GB" dirty="0"/>
-              <a:t>REG_SP</a:t>
-            </a:r>
-          </a:p>
-        </p:txBody>
-      </p:sp>
-      <p:sp>
-        <p:nvSpPr>
-          <p:cNvPr id="9" name="Rectangle: Rounded Corners 8">
-            <a:extLst>
-              <a:ext uri="{FF2B5EF4-FFF2-40B4-BE49-F238E27FC236}">
-                <a16:creationId xmlns:a16="http://schemas.microsoft.com/office/drawing/2014/main" id="{2181DA97-9D7A-4F23-A6F3-8EC128375CBF}"/>
-              </a:ext>
-            </a:extLst>
-          </p:cNvPr>
-          <p:cNvSpPr/>
-          <p:nvPr/>
-        </p:nvSpPr>
-        <p:spPr>
-          <a:xfrm>
-            <a:off x="7620000" y="3048000"/>
-            <a:ext cx="1219200" cy="381000"/>
-          </a:xfrm>
-          <a:prstGeom prst="roundRect">
-            <a:avLst/>
-          </a:prstGeom>
-        </p:spPr>
-        <p:style>
-          <a:lnRef idx="2">
-            <a:schemeClr val="accent1">
-              <a:shade val="50000"/>
-            </a:schemeClr>
-          </a:lnRef>
-          <a:fillRef idx="1">
-            <a:schemeClr val="accent1"/>
-          </a:fillRef>
-          <a:effectRef idx="0">
-            <a:schemeClr val="accent1"/>
-          </a:effectRef>
-          <a:fontRef idx="minor">
-            <a:schemeClr val="lt1"/>
-          </a:fontRef>
-        </p:style>
-        <p:txBody>
-          <a:bodyPr rtlCol="0" anchor="ctr"/>
-          <a:lstStyle/>
-          <a:p>
-            <a:pPr algn="ctr"/>
-            <a:r>
-              <a:rPr lang="en-GB" dirty="0"/>
-              <a:t>REG_BP</a:t>
-            </a:r>
-          </a:p>
-        </p:txBody>
-      </p:sp>
-      <p:sp>
-        <p:nvSpPr>
-          <p:cNvPr id="13" name="TextBox 12">
-            <a:extLst>
-              <a:ext uri="{FF2B5EF4-FFF2-40B4-BE49-F238E27FC236}">
-                <a16:creationId xmlns:a16="http://schemas.microsoft.com/office/drawing/2014/main" id="{15267C53-BA1B-48E1-9221-57248D42053E}"/>
-              </a:ext>
-            </a:extLst>
-          </p:cNvPr>
-          <p:cNvSpPr txBox="1"/>
-          <p:nvPr/>
-        </p:nvSpPr>
-        <p:spPr>
-          <a:xfrm>
-            <a:off x="609600" y="928670"/>
-            <a:ext cx="6934200" cy="3416320"/>
-          </a:xfrm>
-          <a:prstGeom prst="rect">
-            <a:avLst/>
-          </a:prstGeom>
-          <a:noFill/>
-        </p:spPr>
-        <p:txBody>
-          <a:bodyPr wrap="square" rtlCol="0">
-            <a:spAutoFit/>
-          </a:bodyPr>
-          <a:lstStyle/>
-          <a:p>
-            <a:endParaRPr lang="en-GB" dirty="0">
-              <a:solidFill>
-                <a:schemeClr val="bg1"/>
-              </a:solidFill>
-            </a:endParaRPr>
-          </a:p>
-          <a:p>
-            <a:r>
-              <a:rPr lang="en-GB" dirty="0">
-                <a:solidFill>
-                  <a:schemeClr val="bg1"/>
-                </a:solidFill>
-              </a:rPr>
-              <a:t>Branching:</a:t>
-            </a:r>
-          </a:p>
-          <a:p>
-            <a:r>
-              <a:rPr lang="en-GB" dirty="0">
-                <a:solidFill>
-                  <a:schemeClr val="bg1"/>
-                </a:solidFill>
-              </a:rPr>
-              <a:t>	COUNT_TO_TEN:</a:t>
-            </a:r>
-          </a:p>
-          <a:p>
-            <a:r>
-              <a:rPr lang="en-GB" dirty="0">
-                <a:solidFill>
-                  <a:schemeClr val="bg1"/>
-                </a:solidFill>
-              </a:rPr>
-              <a:t>		push REG_SP</a:t>
-            </a:r>
-          </a:p>
-          <a:p>
-            <a:endParaRPr lang="en-GB" dirty="0">
-              <a:solidFill>
-                <a:schemeClr val="bg1"/>
-              </a:solidFill>
-            </a:endParaRPr>
-          </a:p>
-          <a:p>
-            <a:endParaRPr lang="en-GB" dirty="0">
-              <a:solidFill>
-                <a:schemeClr val="bg1"/>
-              </a:solidFill>
-            </a:endParaRPr>
-          </a:p>
-          <a:p>
-            <a:r>
-              <a:rPr lang="en-GB" dirty="0">
-                <a:solidFill>
-                  <a:schemeClr val="bg1"/>
-                </a:solidFill>
-              </a:rPr>
-              <a:t>		pop REG_SP</a:t>
-            </a:r>
-          </a:p>
-          <a:p>
-            <a:r>
-              <a:rPr lang="en-GB" dirty="0">
-                <a:solidFill>
-                  <a:schemeClr val="bg1"/>
-                </a:solidFill>
-              </a:rPr>
-              <a:t>		ret</a:t>
-            </a:r>
-            <a:endParaRPr lang="en-GB" dirty="0">
-              <a:solidFill>
-                <a:schemeClr val="accent3">
-                  <a:lumMod val="50000"/>
-                </a:schemeClr>
-              </a:solidFill>
-            </a:endParaRPr>
-          </a:p>
-          <a:p>
-            <a:endParaRPr lang="en-GB" dirty="0">
-              <a:solidFill>
-                <a:schemeClr val="bg1"/>
-              </a:solidFill>
-            </a:endParaRPr>
-          </a:p>
-          <a:p>
-            <a:endParaRPr lang="en-GB" dirty="0">
-              <a:solidFill>
-                <a:schemeClr val="bg1"/>
-              </a:solidFill>
-            </a:endParaRPr>
-          </a:p>
-          <a:p>
-            <a:r>
-              <a:rPr lang="en-GB" dirty="0">
-                <a:solidFill>
-                  <a:schemeClr val="bg1"/>
-                </a:solidFill>
-              </a:rPr>
-              <a:t>	push 0x0A</a:t>
-            </a:r>
-          </a:p>
-          <a:p>
-            <a:r>
-              <a:rPr lang="en-GB" dirty="0">
-                <a:solidFill>
-                  <a:schemeClr val="bg1"/>
-                </a:solidFill>
-              </a:rPr>
-              <a:t>	push 0x20</a:t>
-            </a:r>
-          </a:p>
-        </p:txBody>
-      </p:sp>
     </p:spTree>
     <p:extLst>
       <p:ext uri="{BB962C8B-B14F-4D97-AF65-F5344CB8AC3E}">
-        <p14:creationId xmlns:p14="http://schemas.microsoft.com/office/powerpoint/2010/main" val="899030574"/>
+        <p14:creationId xmlns:p14="http://schemas.microsoft.com/office/powerpoint/2010/main" val="2951858699"/>
       </p:ext>
     </p:extLst>
   </p:cSld>
@@ -28250,376 +27053,255 @@
                 </a:solidFill>
                 <a:latin typeface="Calibri" pitchFamily="34" charset="0"/>
               </a:rPr>
-              <a:t>#. Register Machine</a:t>
+              <a:t>#. WASM under the hood </a:t>
             </a:r>
           </a:p>
         </p:txBody>
       </p:sp>
       <p:sp>
         <p:nvSpPr>
-          <p:cNvPr id="6" name="Content Placeholder 2"/>
-          <p:cNvSpPr txBox="1">
-            <a:spLocks/>
-          </p:cNvSpPr>
+          <p:cNvPr id="51" name="Rectangle: Rounded Corners 50">
+            <a:extLst>
+              <a:ext uri="{FF2B5EF4-FFF2-40B4-BE49-F238E27FC236}">
+                <a16:creationId xmlns:a16="http://schemas.microsoft.com/office/drawing/2014/main" id="{4518D435-74AB-4FE1-9B05-22D83B702CC9}"/>
+              </a:ext>
+            </a:extLst>
+          </p:cNvPr>
+          <p:cNvSpPr/>
           <p:nvPr/>
         </p:nvSpPr>
         <p:spPr>
           <a:xfrm>
-            <a:off x="457200" y="1071545"/>
-            <a:ext cx="8229600" cy="4857785"/>
-          </a:xfrm>
-          <a:prstGeom prst="rect">
+            <a:off x="381000" y="1219200"/>
+            <a:ext cx="1676400" cy="685800"/>
+          </a:xfrm>
+          <a:prstGeom prst="roundRect">
             <a:avLst/>
           </a:prstGeom>
         </p:spPr>
+        <p:style>
+          <a:lnRef idx="2">
+            <a:schemeClr val="accent1">
+              <a:shade val="50000"/>
+            </a:schemeClr>
+          </a:lnRef>
+          <a:fillRef idx="1">
+            <a:schemeClr val="accent1"/>
+          </a:fillRef>
+          <a:effectRef idx="0">
+            <a:schemeClr val="accent1"/>
+          </a:effectRef>
+          <a:fontRef idx="minor">
+            <a:schemeClr val="lt1"/>
+          </a:fontRef>
+        </p:style>
         <p:txBody>
-          <a:bodyPr vert="horz" lIns="91440" tIns="45720" rIns="91440" bIns="45720" rtlCol="0">
-            <a:normAutofit/>
-          </a:bodyPr>
-          <a:lstStyle>
-            <a:lvl1pPr marL="0" indent="0" algn="l" defTabSz="914400" rtl="0" eaLnBrk="1" latinLnBrk="0" hangingPunct="1">
-              <a:spcBef>
-                <a:spcPct val="20000"/>
-              </a:spcBef>
-              <a:buFont typeface="Arial" pitchFamily="34" charset="0"/>
-              <a:buNone/>
-              <a:defRPr sz="3200" kern="1200">
-                <a:solidFill>
-                  <a:schemeClr val="tx1"/>
-                </a:solidFill>
-                <a:latin typeface="+mn-lt"/>
-                <a:ea typeface="+mn-ea"/>
-                <a:cs typeface="+mn-cs"/>
-              </a:defRPr>
-            </a:lvl1pPr>
-            <a:lvl2pPr marL="457200" indent="0" algn="l" defTabSz="914400" rtl="0" eaLnBrk="1" latinLnBrk="0" hangingPunct="1">
-              <a:spcBef>
-                <a:spcPct val="20000"/>
-              </a:spcBef>
-              <a:buFont typeface="Arial" pitchFamily="34" charset="0"/>
-              <a:buNone/>
-              <a:defRPr sz="2800" kern="1200">
-                <a:solidFill>
-                  <a:schemeClr val="tx1"/>
-                </a:solidFill>
-                <a:latin typeface="+mn-lt"/>
-                <a:ea typeface="+mn-ea"/>
-                <a:cs typeface="+mn-cs"/>
-              </a:defRPr>
-            </a:lvl2pPr>
-            <a:lvl3pPr marL="914400" indent="0" algn="l" defTabSz="914400" rtl="0" eaLnBrk="1" latinLnBrk="0" hangingPunct="1">
-              <a:spcBef>
-                <a:spcPct val="20000"/>
-              </a:spcBef>
-              <a:buFont typeface="Arial" pitchFamily="34" charset="0"/>
-              <a:buNone/>
-              <a:defRPr sz="2400" kern="1200">
-                <a:solidFill>
-                  <a:schemeClr val="tx1"/>
-                </a:solidFill>
-                <a:latin typeface="+mn-lt"/>
-                <a:ea typeface="+mn-ea"/>
-                <a:cs typeface="+mn-cs"/>
-              </a:defRPr>
-            </a:lvl3pPr>
-            <a:lvl4pPr marL="1371600" indent="0" algn="l" defTabSz="914400" rtl="0" eaLnBrk="1" latinLnBrk="0" hangingPunct="1">
-              <a:spcBef>
-                <a:spcPct val="20000"/>
-              </a:spcBef>
-              <a:buFont typeface="Arial" pitchFamily="34" charset="0"/>
-              <a:buNone/>
-              <a:defRPr sz="2000" kern="1200">
-                <a:solidFill>
-                  <a:schemeClr val="tx1"/>
-                </a:solidFill>
-                <a:latin typeface="+mn-lt"/>
-                <a:ea typeface="+mn-ea"/>
-                <a:cs typeface="+mn-cs"/>
-              </a:defRPr>
-            </a:lvl4pPr>
-            <a:lvl5pPr marL="1828800" indent="0" algn="l" defTabSz="914400" rtl="0" eaLnBrk="1" latinLnBrk="0" hangingPunct="1">
-              <a:spcBef>
-                <a:spcPct val="20000"/>
-              </a:spcBef>
-              <a:buFont typeface="Arial" pitchFamily="34" charset="0"/>
-              <a:buNone/>
-              <a:defRPr sz="2000" kern="1200">
-                <a:solidFill>
-                  <a:schemeClr val="tx1"/>
-                </a:solidFill>
-                <a:latin typeface="+mn-lt"/>
-                <a:ea typeface="+mn-ea"/>
-                <a:cs typeface="+mn-cs"/>
-              </a:defRPr>
-            </a:lvl5pPr>
-            <a:lvl6pPr marL="2286000" indent="0" algn="l" defTabSz="914400" rtl="0" eaLnBrk="1" latinLnBrk="0" hangingPunct="1">
-              <a:spcBef>
-                <a:spcPct val="20000"/>
-              </a:spcBef>
-              <a:buFont typeface="Arial" pitchFamily="34" charset="0"/>
-              <a:buNone/>
-              <a:defRPr sz="2000" kern="1200">
-                <a:solidFill>
-                  <a:schemeClr val="tx1"/>
-                </a:solidFill>
-                <a:latin typeface="+mn-lt"/>
-                <a:ea typeface="+mn-ea"/>
-                <a:cs typeface="+mn-cs"/>
-              </a:defRPr>
-            </a:lvl6pPr>
-            <a:lvl7pPr marL="2743200" indent="0" algn="l" defTabSz="914400" rtl="0" eaLnBrk="1" latinLnBrk="0" hangingPunct="1">
-              <a:spcBef>
-                <a:spcPct val="20000"/>
-              </a:spcBef>
-              <a:buFont typeface="Arial" pitchFamily="34" charset="0"/>
-              <a:buNone/>
-              <a:defRPr sz="2000" kern="1200">
-                <a:solidFill>
-                  <a:schemeClr val="tx1"/>
-                </a:solidFill>
-                <a:latin typeface="+mn-lt"/>
-                <a:ea typeface="+mn-ea"/>
-                <a:cs typeface="+mn-cs"/>
-              </a:defRPr>
-            </a:lvl7pPr>
-            <a:lvl8pPr marL="3200400" indent="0" algn="l" defTabSz="914400" rtl="0" eaLnBrk="1" latinLnBrk="0" hangingPunct="1">
-              <a:spcBef>
-                <a:spcPct val="20000"/>
-              </a:spcBef>
-              <a:buFont typeface="Arial" pitchFamily="34" charset="0"/>
-              <a:buNone/>
-              <a:defRPr sz="2000" kern="1200">
-                <a:solidFill>
-                  <a:schemeClr val="tx1"/>
-                </a:solidFill>
-                <a:latin typeface="+mn-lt"/>
-                <a:ea typeface="+mn-ea"/>
-                <a:cs typeface="+mn-cs"/>
-              </a:defRPr>
-            </a:lvl8pPr>
-            <a:lvl9pPr marL="3657600" indent="0" algn="l" defTabSz="914400" rtl="0" eaLnBrk="1" latinLnBrk="0" hangingPunct="1">
-              <a:spcBef>
-                <a:spcPct val="20000"/>
-              </a:spcBef>
-              <a:buFont typeface="Arial" pitchFamily="34" charset="0"/>
-              <a:buNone/>
-              <a:defRPr sz="2000" kern="1200">
-                <a:solidFill>
-                  <a:schemeClr val="tx1"/>
-                </a:solidFill>
-                <a:latin typeface="+mn-lt"/>
-                <a:ea typeface="+mn-ea"/>
-                <a:cs typeface="+mn-cs"/>
-              </a:defRPr>
-            </a:lvl9pPr>
-          </a:lstStyle>
-          <a:p>
-            <a:pPr marL="571500" indent="-571500">
-              <a:buFont typeface="Arial" panose="020B0604020202020204" pitchFamily="34" charset="0"/>
-              <a:buChar char="•"/>
-            </a:pPr>
-            <a:endParaRPr lang="en-GB" dirty="0">
-              <a:solidFill>
-                <a:schemeClr val="bg1"/>
-              </a:solidFill>
-            </a:endParaRPr>
+          <a:bodyPr rtlCol="0" anchor="ctr"/>
+          <a:lstStyle/>
+          <a:p>
+            <a:pPr algn="ctr"/>
+            <a:r>
+              <a:rPr lang="en-GB" dirty="0"/>
+              <a:t>JavaScript</a:t>
+            </a:r>
           </a:p>
         </p:txBody>
       </p:sp>
       <p:sp>
         <p:nvSpPr>
-          <p:cNvPr id="4" name="Content Placeholder 2">
+          <p:cNvPr id="52" name="Rectangle: Rounded Corners 51">
             <a:extLst>
               <a:ext uri="{FF2B5EF4-FFF2-40B4-BE49-F238E27FC236}">
-                <a16:creationId xmlns:a16="http://schemas.microsoft.com/office/drawing/2014/main" id="{91C127C4-019D-4816-9ECF-D243EFA4189D}"/>
+                <a16:creationId xmlns:a16="http://schemas.microsoft.com/office/drawing/2014/main" id="{7EC2B06C-32F9-4DDD-B953-FCB0C8F0FEC2}"/>
               </a:ext>
             </a:extLst>
           </p:cNvPr>
-          <p:cNvSpPr txBox="1">
-            <a:spLocks/>
-          </p:cNvSpPr>
+          <p:cNvSpPr/>
           <p:nvPr/>
         </p:nvSpPr>
         <p:spPr>
           <a:xfrm>
-            <a:off x="609600" y="1223945"/>
-            <a:ext cx="8229600" cy="4857785"/>
-          </a:xfrm>
-          <a:prstGeom prst="rect">
+            <a:off x="2286000" y="1219200"/>
+            <a:ext cx="1676400" cy="685800"/>
+          </a:xfrm>
+          <a:prstGeom prst="roundRect">
             <a:avLst/>
           </a:prstGeom>
         </p:spPr>
+        <p:style>
+          <a:lnRef idx="2">
+            <a:schemeClr val="accent1">
+              <a:shade val="50000"/>
+            </a:schemeClr>
+          </a:lnRef>
+          <a:fillRef idx="1">
+            <a:schemeClr val="accent1"/>
+          </a:fillRef>
+          <a:effectRef idx="0">
+            <a:schemeClr val="accent1"/>
+          </a:effectRef>
+          <a:fontRef idx="minor">
+            <a:schemeClr val="lt1"/>
+          </a:fontRef>
+        </p:style>
         <p:txBody>
-          <a:bodyPr vert="horz" lIns="91440" tIns="45720" rIns="91440" bIns="45720" rtlCol="0">
-            <a:normAutofit/>
-          </a:bodyPr>
-          <a:lstStyle>
-            <a:lvl1pPr marL="0" indent="0" algn="l" defTabSz="914400" rtl="0" eaLnBrk="1" latinLnBrk="0" hangingPunct="1">
-              <a:spcBef>
-                <a:spcPct val="20000"/>
-              </a:spcBef>
-              <a:buFont typeface="Arial" pitchFamily="34" charset="0"/>
-              <a:buNone/>
-              <a:defRPr sz="3200" kern="1200">
-                <a:solidFill>
-                  <a:schemeClr val="tx1"/>
-                </a:solidFill>
-                <a:latin typeface="+mn-lt"/>
-                <a:ea typeface="+mn-ea"/>
-                <a:cs typeface="+mn-cs"/>
-              </a:defRPr>
-            </a:lvl1pPr>
-            <a:lvl2pPr marL="457200" indent="0" algn="l" defTabSz="914400" rtl="0" eaLnBrk="1" latinLnBrk="0" hangingPunct="1">
-              <a:spcBef>
-                <a:spcPct val="20000"/>
-              </a:spcBef>
-              <a:buFont typeface="Arial" pitchFamily="34" charset="0"/>
-              <a:buNone/>
-              <a:defRPr sz="2800" kern="1200">
-                <a:solidFill>
-                  <a:schemeClr val="tx1"/>
-                </a:solidFill>
-                <a:latin typeface="+mn-lt"/>
-                <a:ea typeface="+mn-ea"/>
-                <a:cs typeface="+mn-cs"/>
-              </a:defRPr>
-            </a:lvl2pPr>
-            <a:lvl3pPr marL="914400" indent="0" algn="l" defTabSz="914400" rtl="0" eaLnBrk="1" latinLnBrk="0" hangingPunct="1">
-              <a:spcBef>
-                <a:spcPct val="20000"/>
-              </a:spcBef>
-              <a:buFont typeface="Arial" pitchFamily="34" charset="0"/>
-              <a:buNone/>
-              <a:defRPr sz="2400" kern="1200">
-                <a:solidFill>
-                  <a:schemeClr val="tx1"/>
-                </a:solidFill>
-                <a:latin typeface="+mn-lt"/>
-                <a:ea typeface="+mn-ea"/>
-                <a:cs typeface="+mn-cs"/>
-              </a:defRPr>
-            </a:lvl3pPr>
-            <a:lvl4pPr marL="1371600" indent="0" algn="l" defTabSz="914400" rtl="0" eaLnBrk="1" latinLnBrk="0" hangingPunct="1">
-              <a:spcBef>
-                <a:spcPct val="20000"/>
-              </a:spcBef>
-              <a:buFont typeface="Arial" pitchFamily="34" charset="0"/>
-              <a:buNone/>
-              <a:defRPr sz="2000" kern="1200">
-                <a:solidFill>
-                  <a:schemeClr val="tx1"/>
-                </a:solidFill>
-                <a:latin typeface="+mn-lt"/>
-                <a:ea typeface="+mn-ea"/>
-                <a:cs typeface="+mn-cs"/>
-              </a:defRPr>
-            </a:lvl4pPr>
-            <a:lvl5pPr marL="1828800" indent="0" algn="l" defTabSz="914400" rtl="0" eaLnBrk="1" latinLnBrk="0" hangingPunct="1">
-              <a:spcBef>
-                <a:spcPct val="20000"/>
-              </a:spcBef>
-              <a:buFont typeface="Arial" pitchFamily="34" charset="0"/>
-              <a:buNone/>
-              <a:defRPr sz="2000" kern="1200">
-                <a:solidFill>
-                  <a:schemeClr val="tx1"/>
-                </a:solidFill>
-                <a:latin typeface="+mn-lt"/>
-                <a:ea typeface="+mn-ea"/>
-                <a:cs typeface="+mn-cs"/>
-              </a:defRPr>
-            </a:lvl5pPr>
-            <a:lvl6pPr marL="2286000" indent="0" algn="l" defTabSz="914400" rtl="0" eaLnBrk="1" latinLnBrk="0" hangingPunct="1">
-              <a:spcBef>
-                <a:spcPct val="20000"/>
-              </a:spcBef>
-              <a:buFont typeface="Arial" pitchFamily="34" charset="0"/>
-              <a:buNone/>
-              <a:defRPr sz="2000" kern="1200">
-                <a:solidFill>
-                  <a:schemeClr val="tx1"/>
-                </a:solidFill>
-                <a:latin typeface="+mn-lt"/>
-                <a:ea typeface="+mn-ea"/>
-                <a:cs typeface="+mn-cs"/>
-              </a:defRPr>
-            </a:lvl6pPr>
-            <a:lvl7pPr marL="2743200" indent="0" algn="l" defTabSz="914400" rtl="0" eaLnBrk="1" latinLnBrk="0" hangingPunct="1">
-              <a:spcBef>
-                <a:spcPct val="20000"/>
-              </a:spcBef>
-              <a:buFont typeface="Arial" pitchFamily="34" charset="0"/>
-              <a:buNone/>
-              <a:defRPr sz="2000" kern="1200">
-                <a:solidFill>
-                  <a:schemeClr val="tx1"/>
-                </a:solidFill>
-                <a:latin typeface="+mn-lt"/>
-                <a:ea typeface="+mn-ea"/>
-                <a:cs typeface="+mn-cs"/>
-              </a:defRPr>
-            </a:lvl7pPr>
-            <a:lvl8pPr marL="3200400" indent="0" algn="l" defTabSz="914400" rtl="0" eaLnBrk="1" latinLnBrk="0" hangingPunct="1">
-              <a:spcBef>
-                <a:spcPct val="20000"/>
-              </a:spcBef>
-              <a:buFont typeface="Arial" pitchFamily="34" charset="0"/>
-              <a:buNone/>
-              <a:defRPr sz="2000" kern="1200">
-                <a:solidFill>
-                  <a:schemeClr val="tx1"/>
-                </a:solidFill>
-                <a:latin typeface="+mn-lt"/>
-                <a:ea typeface="+mn-ea"/>
-                <a:cs typeface="+mn-cs"/>
-              </a:defRPr>
-            </a:lvl8pPr>
-            <a:lvl9pPr marL="3657600" indent="0" algn="l" defTabSz="914400" rtl="0" eaLnBrk="1" latinLnBrk="0" hangingPunct="1">
-              <a:spcBef>
-                <a:spcPct val="20000"/>
-              </a:spcBef>
-              <a:buFont typeface="Arial" pitchFamily="34" charset="0"/>
-              <a:buNone/>
-              <a:defRPr sz="2000" kern="1200">
-                <a:solidFill>
-                  <a:schemeClr val="tx1"/>
-                </a:solidFill>
-                <a:latin typeface="+mn-lt"/>
-                <a:ea typeface="+mn-ea"/>
-                <a:cs typeface="+mn-cs"/>
-              </a:defRPr>
-            </a:lvl9pPr>
-          </a:lstStyle>
-          <a:p>
-            <a:pPr marL="571500" indent="-571500">
-              <a:buFont typeface="Arial" panose="020B0604020202020204" pitchFamily="34" charset="0"/>
-              <a:buChar char="•"/>
-            </a:pPr>
-            <a:endParaRPr lang="en-GB" dirty="0">
-              <a:solidFill>
-                <a:schemeClr val="bg1"/>
-              </a:solidFill>
-            </a:endParaRPr>
-          </a:p>
-          <a:p>
-            <a:pPr marL="571500" indent="-571500">
-              <a:buFont typeface="Arial" panose="020B0604020202020204" pitchFamily="34" charset="0"/>
-              <a:buChar char="•"/>
-            </a:pPr>
-            <a:endParaRPr lang="en-US" dirty="0">
-              <a:solidFill>
-                <a:schemeClr val="bg1"/>
-              </a:solidFill>
-            </a:endParaRPr>
+          <a:bodyPr rtlCol="0" anchor="ctr"/>
+          <a:lstStyle/>
+          <a:p>
+            <a:pPr algn="ctr"/>
+            <a:r>
+              <a:rPr lang="en-GB" dirty="0"/>
+              <a:t>AST</a:t>
+            </a:r>
           </a:p>
         </p:txBody>
       </p:sp>
       <p:sp>
         <p:nvSpPr>
-          <p:cNvPr id="2" name="TextBox 1">
+          <p:cNvPr id="53" name="Rectangle: Rounded Corners 52">
             <a:extLst>
               <a:ext uri="{FF2B5EF4-FFF2-40B4-BE49-F238E27FC236}">
-                <a16:creationId xmlns:a16="http://schemas.microsoft.com/office/drawing/2014/main" id="{0B1DCBE0-C301-4738-B027-2A8BA3AF572B}"/>
+                <a16:creationId xmlns:a16="http://schemas.microsoft.com/office/drawing/2014/main" id="{DA7B5B27-4C9D-4430-982A-6D02FB84B3D8}"/>
+              </a:ext>
+            </a:extLst>
+          </p:cNvPr>
+          <p:cNvSpPr/>
+          <p:nvPr/>
+        </p:nvSpPr>
+        <p:spPr>
+          <a:xfrm>
+            <a:off x="4724400" y="4435622"/>
+            <a:ext cx="1676400" cy="685800"/>
+          </a:xfrm>
+          <a:prstGeom prst="roundRect">
+            <a:avLst/>
+          </a:prstGeom>
+        </p:spPr>
+        <p:style>
+          <a:lnRef idx="2">
+            <a:schemeClr val="accent1">
+              <a:shade val="50000"/>
+            </a:schemeClr>
+          </a:lnRef>
+          <a:fillRef idx="1">
+            <a:schemeClr val="accent1"/>
+          </a:fillRef>
+          <a:effectRef idx="0">
+            <a:schemeClr val="accent1"/>
+          </a:effectRef>
+          <a:fontRef idx="minor">
+            <a:schemeClr val="lt1"/>
+          </a:fontRef>
+        </p:style>
+        <p:txBody>
+          <a:bodyPr rtlCol="0" anchor="ctr"/>
+          <a:lstStyle/>
+          <a:p>
+            <a:pPr algn="ctr"/>
+            <a:r>
+              <a:rPr lang="en-GB" dirty="0"/>
+              <a:t>Simple JIT</a:t>
+            </a:r>
+          </a:p>
+        </p:txBody>
+      </p:sp>
+      <p:sp>
+        <p:nvSpPr>
+          <p:cNvPr id="54" name="Rectangle: Rounded Corners 53">
+            <a:extLst>
+              <a:ext uri="{FF2B5EF4-FFF2-40B4-BE49-F238E27FC236}">
+                <a16:creationId xmlns:a16="http://schemas.microsoft.com/office/drawing/2014/main" id="{FD5973B4-84BF-4A45-850E-6B45F9E7B881}"/>
+              </a:ext>
+            </a:extLst>
+          </p:cNvPr>
+          <p:cNvSpPr/>
+          <p:nvPr/>
+        </p:nvSpPr>
+        <p:spPr>
+          <a:xfrm>
+            <a:off x="4724400" y="5562600"/>
+            <a:ext cx="1676400" cy="685800"/>
+          </a:xfrm>
+          <a:prstGeom prst="roundRect">
+            <a:avLst/>
+          </a:prstGeom>
+        </p:spPr>
+        <p:style>
+          <a:lnRef idx="2">
+            <a:schemeClr val="accent1">
+              <a:shade val="50000"/>
+            </a:schemeClr>
+          </a:lnRef>
+          <a:fillRef idx="1">
+            <a:schemeClr val="accent1"/>
+          </a:fillRef>
+          <a:effectRef idx="0">
+            <a:schemeClr val="accent1"/>
+          </a:effectRef>
+          <a:fontRef idx="minor">
+            <a:schemeClr val="lt1"/>
+          </a:fontRef>
+        </p:style>
+        <p:txBody>
+          <a:bodyPr rtlCol="0" anchor="ctr"/>
+          <a:lstStyle/>
+          <a:p>
+            <a:pPr algn="ctr"/>
+            <a:r>
+              <a:rPr lang="en-GB" dirty="0"/>
+              <a:t>Full JIT</a:t>
+            </a:r>
+          </a:p>
+        </p:txBody>
+      </p:sp>
+      <p:cxnSp>
+        <p:nvCxnSpPr>
+          <p:cNvPr id="61" name="Straight Arrow Connector 60">
+            <a:extLst>
+              <a:ext uri="{FF2B5EF4-FFF2-40B4-BE49-F238E27FC236}">
+                <a16:creationId xmlns:a16="http://schemas.microsoft.com/office/drawing/2014/main" id="{0F13AB00-B4D9-42C9-A5A3-090BBBC4CFC5}"/>
+              </a:ext>
+            </a:extLst>
+          </p:cNvPr>
+          <p:cNvCxnSpPr>
+            <a:stCxn id="51" idx="3"/>
+            <a:endCxn id="52" idx="1"/>
+          </p:cNvCxnSpPr>
+          <p:nvPr/>
+        </p:nvCxnSpPr>
+        <p:spPr>
+          <a:xfrm>
+            <a:off x="2057400" y="1562100"/>
+            <a:ext cx="228600" cy="0"/>
+          </a:xfrm>
+          <a:prstGeom prst="straightConnector1">
+            <a:avLst/>
+          </a:prstGeom>
+          <a:ln>
+            <a:tailEnd type="triangle"/>
+          </a:ln>
+        </p:spPr>
+        <p:style>
+          <a:lnRef idx="1">
+            <a:schemeClr val="accent1"/>
+          </a:lnRef>
+          <a:fillRef idx="0">
+            <a:schemeClr val="accent1"/>
+          </a:fillRef>
+          <a:effectRef idx="0">
+            <a:schemeClr val="accent1"/>
+          </a:effectRef>
+          <a:fontRef idx="minor">
+            <a:schemeClr val="tx1"/>
+          </a:fontRef>
+        </p:style>
+      </p:cxnSp>
+      <p:sp>
+        <p:nvSpPr>
+          <p:cNvPr id="62" name="TextBox 61">
+            <a:extLst>
+              <a:ext uri="{FF2B5EF4-FFF2-40B4-BE49-F238E27FC236}">
+                <a16:creationId xmlns:a16="http://schemas.microsoft.com/office/drawing/2014/main" id="{A1E33E78-C942-470F-9A5A-43BA86B86583}"/>
               </a:ext>
             </a:extLst>
           </p:cNvPr>
@@ -28628,8 +27310,86 @@
         </p:nvSpPr>
         <p:spPr>
           <a:xfrm>
-            <a:off x="1749868" y="3244334"/>
-            <a:ext cx="5949064" cy="369332"/>
+            <a:off x="348342" y="4511822"/>
+            <a:ext cx="1442108" cy="369332"/>
+          </a:xfrm>
+          <a:prstGeom prst="rect">
+            <a:avLst/>
+          </a:prstGeom>
+          <a:noFill/>
+        </p:spPr>
+        <p:txBody>
+          <a:bodyPr wrap="square" rtlCol="0" anchor="t" anchorCtr="0">
+            <a:spAutoFit/>
+          </a:bodyPr>
+          <a:lstStyle/>
+          <a:p>
+            <a:r>
+              <a:rPr lang="en-GB" dirty="0">
+                <a:solidFill>
+                  <a:schemeClr val="bg1"/>
+                </a:solidFill>
+              </a:rPr>
+              <a:t>Hot (&gt;1000)</a:t>
+            </a:r>
+          </a:p>
+        </p:txBody>
+      </p:sp>
+      <p:sp>
+        <p:nvSpPr>
+          <p:cNvPr id="64" name="TextBox 63">
+            <a:extLst>
+              <a:ext uri="{FF2B5EF4-FFF2-40B4-BE49-F238E27FC236}">
+                <a16:creationId xmlns:a16="http://schemas.microsoft.com/office/drawing/2014/main" id="{E9475C67-8704-4186-9B54-5A6159A0A880}"/>
+              </a:ext>
+            </a:extLst>
+          </p:cNvPr>
+          <p:cNvSpPr txBox="1"/>
+          <p:nvPr/>
+        </p:nvSpPr>
+        <p:spPr>
+          <a:xfrm>
+            <a:off x="380999" y="5742690"/>
+            <a:ext cx="2438401" cy="369332"/>
+          </a:xfrm>
+          <a:prstGeom prst="rect">
+            <a:avLst/>
+          </a:prstGeom>
+          <a:noFill/>
+        </p:spPr>
+        <p:txBody>
+          <a:bodyPr wrap="square" rtlCol="0">
+            <a:spAutoFit/>
+          </a:bodyPr>
+          <a:lstStyle/>
+          <a:p>
+            <a:r>
+              <a:rPr lang="en-GB" dirty="0">
+                <a:solidFill>
+                  <a:schemeClr val="bg1"/>
+                </a:solidFill>
+              </a:rPr>
+              <a:t>Extra Hot (&gt;100000)</a:t>
+            </a:r>
+          </a:p>
+        </p:txBody>
+      </p:sp>
+      <p:sp>
+        <p:nvSpPr>
+          <p:cNvPr id="76" name="TextBox 75">
+            <a:extLst>
+              <a:ext uri="{FF2B5EF4-FFF2-40B4-BE49-F238E27FC236}">
+                <a16:creationId xmlns:a16="http://schemas.microsoft.com/office/drawing/2014/main" id="{F7A70200-CFC6-4442-B4C1-251A137B910C}"/>
+              </a:ext>
+            </a:extLst>
+          </p:cNvPr>
+          <p:cNvSpPr txBox="1"/>
+          <p:nvPr/>
+        </p:nvSpPr>
+        <p:spPr>
+          <a:xfrm>
+            <a:off x="6553200" y="3292622"/>
+            <a:ext cx="846707" cy="369332"/>
           </a:xfrm>
           <a:prstGeom prst="rect">
             <a:avLst/>
@@ -28648,15 +27408,571 @@
                   <a:schemeClr val="bg1"/>
                 </a:solidFill>
               </a:rPr>
-              <a:t>Register Machine can simulate stack machines and vice versa </a:t>
+              <a:t>Bailout</a:t>
             </a:r>
           </a:p>
         </p:txBody>
       </p:sp>
+      <p:sp>
+        <p:nvSpPr>
+          <p:cNvPr id="78" name="Rectangle: Rounded Corners 77">
+            <a:extLst>
+              <a:ext uri="{FF2B5EF4-FFF2-40B4-BE49-F238E27FC236}">
+                <a16:creationId xmlns:a16="http://schemas.microsoft.com/office/drawing/2014/main" id="{B13D2CB9-7351-4EA9-B297-E53D8FDC398C}"/>
+              </a:ext>
+            </a:extLst>
+          </p:cNvPr>
+          <p:cNvSpPr/>
+          <p:nvPr/>
+        </p:nvSpPr>
+        <p:spPr>
+          <a:xfrm>
+            <a:off x="4724400" y="3308644"/>
+            <a:ext cx="1676400" cy="685800"/>
+          </a:xfrm>
+          <a:prstGeom prst="roundRect">
+            <a:avLst/>
+          </a:prstGeom>
+        </p:spPr>
+        <p:style>
+          <a:lnRef idx="2">
+            <a:schemeClr val="accent1">
+              <a:shade val="50000"/>
+            </a:schemeClr>
+          </a:lnRef>
+          <a:fillRef idx="1">
+            <a:schemeClr val="accent1"/>
+          </a:fillRef>
+          <a:effectRef idx="0">
+            <a:schemeClr val="accent1"/>
+          </a:effectRef>
+          <a:fontRef idx="minor">
+            <a:schemeClr val="lt1"/>
+          </a:fontRef>
+        </p:style>
+        <p:txBody>
+          <a:bodyPr rtlCol="0" anchor="ctr"/>
+          <a:lstStyle/>
+          <a:p>
+            <a:pPr algn="ctr"/>
+            <a:r>
+              <a:rPr lang="en-GB" dirty="0"/>
+              <a:t>AST Interpreter</a:t>
+            </a:r>
+          </a:p>
+        </p:txBody>
+      </p:sp>
+      <p:cxnSp>
+        <p:nvCxnSpPr>
+          <p:cNvPr id="84" name="Connector: Elbow 83">
+            <a:extLst>
+              <a:ext uri="{FF2B5EF4-FFF2-40B4-BE49-F238E27FC236}">
+                <a16:creationId xmlns:a16="http://schemas.microsoft.com/office/drawing/2014/main" id="{67094F98-DD9D-48D8-A28D-9185A2BADE91}"/>
+              </a:ext>
+            </a:extLst>
+          </p:cNvPr>
+          <p:cNvCxnSpPr>
+            <a:stCxn id="52" idx="3"/>
+            <a:endCxn id="78" idx="1"/>
+          </p:cNvCxnSpPr>
+          <p:nvPr/>
+        </p:nvCxnSpPr>
+        <p:spPr>
+          <a:xfrm>
+            <a:off x="3962400" y="1562100"/>
+            <a:ext cx="762000" cy="2089444"/>
+          </a:xfrm>
+          <a:prstGeom prst="bentConnector3">
+            <a:avLst/>
+          </a:prstGeom>
+          <a:ln>
+            <a:tailEnd type="triangle"/>
+          </a:ln>
+        </p:spPr>
+        <p:style>
+          <a:lnRef idx="1">
+            <a:schemeClr val="accent1"/>
+          </a:lnRef>
+          <a:fillRef idx="0">
+            <a:schemeClr val="accent1"/>
+          </a:fillRef>
+          <a:effectRef idx="0">
+            <a:schemeClr val="accent1"/>
+          </a:effectRef>
+          <a:fontRef idx="minor">
+            <a:schemeClr val="tx1"/>
+          </a:fontRef>
+        </p:style>
+      </p:cxnSp>
+      <p:cxnSp>
+        <p:nvCxnSpPr>
+          <p:cNvPr id="86" name="Connector: Elbow 85">
+            <a:extLst>
+              <a:ext uri="{FF2B5EF4-FFF2-40B4-BE49-F238E27FC236}">
+                <a16:creationId xmlns:a16="http://schemas.microsoft.com/office/drawing/2014/main" id="{FC0F1233-731D-4F90-9B82-D75DDB422852}"/>
+              </a:ext>
+            </a:extLst>
+          </p:cNvPr>
+          <p:cNvCxnSpPr>
+            <a:stCxn id="52" idx="3"/>
+            <a:endCxn id="53" idx="1"/>
+          </p:cNvCxnSpPr>
+          <p:nvPr/>
+        </p:nvCxnSpPr>
+        <p:spPr>
+          <a:xfrm>
+            <a:off x="3962400" y="1562100"/>
+            <a:ext cx="762000" cy="3216422"/>
+          </a:xfrm>
+          <a:prstGeom prst="bentConnector3">
+            <a:avLst/>
+          </a:prstGeom>
+          <a:ln>
+            <a:tailEnd type="triangle"/>
+          </a:ln>
+        </p:spPr>
+        <p:style>
+          <a:lnRef idx="1">
+            <a:schemeClr val="accent1"/>
+          </a:lnRef>
+          <a:fillRef idx="0">
+            <a:schemeClr val="accent1"/>
+          </a:fillRef>
+          <a:effectRef idx="0">
+            <a:schemeClr val="accent1"/>
+          </a:effectRef>
+          <a:fontRef idx="minor">
+            <a:schemeClr val="tx1"/>
+          </a:fontRef>
+        </p:style>
+      </p:cxnSp>
+      <p:cxnSp>
+        <p:nvCxnSpPr>
+          <p:cNvPr id="88" name="Connector: Elbow 87">
+            <a:extLst>
+              <a:ext uri="{FF2B5EF4-FFF2-40B4-BE49-F238E27FC236}">
+                <a16:creationId xmlns:a16="http://schemas.microsoft.com/office/drawing/2014/main" id="{05A91D2F-96CE-4E82-B43E-9A5472CD63D0}"/>
+              </a:ext>
+            </a:extLst>
+          </p:cNvPr>
+          <p:cNvCxnSpPr>
+            <a:stCxn id="52" idx="3"/>
+            <a:endCxn id="54" idx="1"/>
+          </p:cNvCxnSpPr>
+          <p:nvPr/>
+        </p:nvCxnSpPr>
+        <p:spPr>
+          <a:xfrm>
+            <a:off x="3962400" y="1562100"/>
+            <a:ext cx="762000" cy="4343400"/>
+          </a:xfrm>
+          <a:prstGeom prst="bentConnector3">
+            <a:avLst/>
+          </a:prstGeom>
+          <a:ln>
+            <a:tailEnd type="triangle"/>
+          </a:ln>
+        </p:spPr>
+        <p:style>
+          <a:lnRef idx="1">
+            <a:schemeClr val="accent1"/>
+          </a:lnRef>
+          <a:fillRef idx="0">
+            <a:schemeClr val="accent1"/>
+          </a:fillRef>
+          <a:effectRef idx="0">
+            <a:schemeClr val="accent1"/>
+          </a:effectRef>
+          <a:fontRef idx="minor">
+            <a:schemeClr val="tx1"/>
+          </a:fontRef>
+        </p:style>
+      </p:cxnSp>
+      <p:cxnSp>
+        <p:nvCxnSpPr>
+          <p:cNvPr id="92" name="Connector: Elbow 91">
+            <a:extLst>
+              <a:ext uri="{FF2B5EF4-FFF2-40B4-BE49-F238E27FC236}">
+                <a16:creationId xmlns:a16="http://schemas.microsoft.com/office/drawing/2014/main" id="{FDFCEB2B-8079-4807-A2F3-AEE1DA4D2578}"/>
+              </a:ext>
+            </a:extLst>
+          </p:cNvPr>
+          <p:cNvCxnSpPr>
+            <a:stCxn id="53" idx="3"/>
+            <a:endCxn id="78" idx="3"/>
+          </p:cNvCxnSpPr>
+          <p:nvPr/>
+        </p:nvCxnSpPr>
+        <p:spPr>
+          <a:xfrm flipV="1">
+            <a:off x="6400800" y="3651544"/>
+            <a:ext cx="12700" cy="1126978"/>
+          </a:xfrm>
+          <a:prstGeom prst="bentConnector3">
+            <a:avLst>
+              <a:gd name="adj1" fmla="val 7171433"/>
+            </a:avLst>
+          </a:prstGeom>
+          <a:ln>
+            <a:tailEnd type="triangle"/>
+          </a:ln>
+        </p:spPr>
+        <p:style>
+          <a:lnRef idx="1">
+            <a:schemeClr val="accent1"/>
+          </a:lnRef>
+          <a:fillRef idx="0">
+            <a:schemeClr val="accent1"/>
+          </a:fillRef>
+          <a:effectRef idx="0">
+            <a:schemeClr val="accent1"/>
+          </a:effectRef>
+          <a:fontRef idx="minor">
+            <a:schemeClr val="tx1"/>
+          </a:fontRef>
+        </p:style>
+      </p:cxnSp>
+      <p:cxnSp>
+        <p:nvCxnSpPr>
+          <p:cNvPr id="94" name="Connector: Elbow 93">
+            <a:extLst>
+              <a:ext uri="{FF2B5EF4-FFF2-40B4-BE49-F238E27FC236}">
+                <a16:creationId xmlns:a16="http://schemas.microsoft.com/office/drawing/2014/main" id="{1BC9866A-DF14-410E-BB13-7A15209B725F}"/>
+              </a:ext>
+            </a:extLst>
+          </p:cNvPr>
+          <p:cNvCxnSpPr>
+            <a:stCxn id="54" idx="3"/>
+            <a:endCxn id="78" idx="3"/>
+          </p:cNvCxnSpPr>
+          <p:nvPr/>
+        </p:nvCxnSpPr>
+        <p:spPr>
+          <a:xfrm flipV="1">
+            <a:off x="6400800" y="3651544"/>
+            <a:ext cx="12700" cy="2253956"/>
+          </a:xfrm>
+          <a:prstGeom prst="bentConnector3">
+            <a:avLst>
+              <a:gd name="adj1" fmla="val 7171425"/>
+            </a:avLst>
+          </a:prstGeom>
+          <a:ln>
+            <a:tailEnd type="triangle"/>
+          </a:ln>
+        </p:spPr>
+        <p:style>
+          <a:lnRef idx="1">
+            <a:schemeClr val="accent1"/>
+          </a:lnRef>
+          <a:fillRef idx="0">
+            <a:schemeClr val="accent1"/>
+          </a:fillRef>
+          <a:effectRef idx="0">
+            <a:schemeClr val="accent1"/>
+          </a:effectRef>
+          <a:fontRef idx="minor">
+            <a:schemeClr val="tx1"/>
+          </a:fontRef>
+        </p:style>
+      </p:cxnSp>
+      <p:cxnSp>
+        <p:nvCxnSpPr>
+          <p:cNvPr id="100" name="Straight Connector 99">
+            <a:extLst>
+              <a:ext uri="{FF2B5EF4-FFF2-40B4-BE49-F238E27FC236}">
+                <a16:creationId xmlns:a16="http://schemas.microsoft.com/office/drawing/2014/main" id="{A48269E2-82B7-49E0-A5CD-465B37242EA6}"/>
+              </a:ext>
+            </a:extLst>
+          </p:cNvPr>
+          <p:cNvCxnSpPr>
+            <a:cxnSpLocks/>
+          </p:cNvCxnSpPr>
+          <p:nvPr/>
+        </p:nvCxnSpPr>
+        <p:spPr>
+          <a:xfrm>
+            <a:off x="457200" y="5350022"/>
+            <a:ext cx="8229600" cy="0"/>
+          </a:xfrm>
+          <a:prstGeom prst="line">
+            <a:avLst/>
+          </a:prstGeom>
+        </p:spPr>
+        <p:style>
+          <a:lnRef idx="1">
+            <a:schemeClr val="accent6"/>
+          </a:lnRef>
+          <a:fillRef idx="0">
+            <a:schemeClr val="accent6"/>
+          </a:fillRef>
+          <a:effectRef idx="0">
+            <a:schemeClr val="accent6"/>
+          </a:effectRef>
+          <a:fontRef idx="minor">
+            <a:schemeClr val="tx1"/>
+          </a:fontRef>
+        </p:style>
+      </p:cxnSp>
+      <p:cxnSp>
+        <p:nvCxnSpPr>
+          <p:cNvPr id="103" name="Straight Connector 102">
+            <a:extLst>
+              <a:ext uri="{FF2B5EF4-FFF2-40B4-BE49-F238E27FC236}">
+                <a16:creationId xmlns:a16="http://schemas.microsoft.com/office/drawing/2014/main" id="{8DB488B3-68DB-4A42-BA9B-1B47FC68A1C5}"/>
+              </a:ext>
+            </a:extLst>
+          </p:cNvPr>
+          <p:cNvCxnSpPr>
+            <a:cxnSpLocks/>
+          </p:cNvCxnSpPr>
+          <p:nvPr/>
+        </p:nvCxnSpPr>
+        <p:spPr>
+          <a:xfrm>
+            <a:off x="457200" y="4207022"/>
+            <a:ext cx="8229600" cy="0"/>
+          </a:xfrm>
+          <a:prstGeom prst="line">
+            <a:avLst/>
+          </a:prstGeom>
+        </p:spPr>
+        <p:style>
+          <a:lnRef idx="1">
+            <a:schemeClr val="accent6"/>
+          </a:lnRef>
+          <a:fillRef idx="0">
+            <a:schemeClr val="accent6"/>
+          </a:fillRef>
+          <a:effectRef idx="0">
+            <a:schemeClr val="accent6"/>
+          </a:effectRef>
+          <a:fontRef idx="minor">
+            <a:schemeClr val="tx1"/>
+          </a:fontRef>
+        </p:style>
+      </p:cxnSp>
+      <p:cxnSp>
+        <p:nvCxnSpPr>
+          <p:cNvPr id="104" name="Straight Connector 103">
+            <a:extLst>
+              <a:ext uri="{FF2B5EF4-FFF2-40B4-BE49-F238E27FC236}">
+                <a16:creationId xmlns:a16="http://schemas.microsoft.com/office/drawing/2014/main" id="{B6BFC27F-3E6B-470B-96AF-E59A67ABF196}"/>
+              </a:ext>
+            </a:extLst>
+          </p:cNvPr>
+          <p:cNvCxnSpPr>
+            <a:cxnSpLocks/>
+          </p:cNvCxnSpPr>
+          <p:nvPr/>
+        </p:nvCxnSpPr>
+        <p:spPr>
+          <a:xfrm>
+            <a:off x="457200" y="3064022"/>
+            <a:ext cx="8229600" cy="0"/>
+          </a:xfrm>
+          <a:prstGeom prst="line">
+            <a:avLst/>
+          </a:prstGeom>
+        </p:spPr>
+        <p:style>
+          <a:lnRef idx="1">
+            <a:schemeClr val="accent6"/>
+          </a:lnRef>
+          <a:fillRef idx="0">
+            <a:schemeClr val="accent6"/>
+          </a:fillRef>
+          <a:effectRef idx="0">
+            <a:schemeClr val="accent6"/>
+          </a:effectRef>
+          <a:fontRef idx="minor">
+            <a:schemeClr val="tx1"/>
+          </a:fontRef>
+        </p:style>
+      </p:cxnSp>
+      <p:sp>
+        <p:nvSpPr>
+          <p:cNvPr id="105" name="TextBox 104">
+            <a:extLst>
+              <a:ext uri="{FF2B5EF4-FFF2-40B4-BE49-F238E27FC236}">
+                <a16:creationId xmlns:a16="http://schemas.microsoft.com/office/drawing/2014/main" id="{477236A1-DE73-45A5-B659-C50842C6F0EC}"/>
+              </a:ext>
+            </a:extLst>
+          </p:cNvPr>
+          <p:cNvSpPr txBox="1"/>
+          <p:nvPr/>
+        </p:nvSpPr>
+        <p:spPr>
+          <a:xfrm>
+            <a:off x="380999" y="3406921"/>
+            <a:ext cx="1442108" cy="369332"/>
+          </a:xfrm>
+          <a:prstGeom prst="rect">
+            <a:avLst/>
+          </a:prstGeom>
+          <a:noFill/>
+        </p:spPr>
+        <p:txBody>
+          <a:bodyPr wrap="square" rtlCol="0" anchor="t" anchorCtr="0">
+            <a:spAutoFit/>
+          </a:bodyPr>
+          <a:lstStyle/>
+          <a:p>
+            <a:r>
+              <a:rPr lang="en-GB" dirty="0">
+                <a:solidFill>
+                  <a:schemeClr val="bg1"/>
+                </a:solidFill>
+              </a:rPr>
+              <a:t>Cold</a:t>
+            </a:r>
+          </a:p>
+        </p:txBody>
+      </p:sp>
+      <p:sp>
+        <p:nvSpPr>
+          <p:cNvPr id="21" name="Rectangle: Rounded Corners 20">
+            <a:extLst>
+              <a:ext uri="{FF2B5EF4-FFF2-40B4-BE49-F238E27FC236}">
+                <a16:creationId xmlns:a16="http://schemas.microsoft.com/office/drawing/2014/main" id="{2028A857-EC55-4CB7-9283-65149E8A9597}"/>
+              </a:ext>
+            </a:extLst>
+          </p:cNvPr>
+          <p:cNvSpPr/>
+          <p:nvPr/>
+        </p:nvSpPr>
+        <p:spPr>
+          <a:xfrm>
+            <a:off x="386192" y="2133600"/>
+            <a:ext cx="1676400" cy="685800"/>
+          </a:xfrm>
+          <a:prstGeom prst="roundRect">
+            <a:avLst/>
+          </a:prstGeom>
+        </p:spPr>
+        <p:style>
+          <a:lnRef idx="2">
+            <a:schemeClr val="accent1">
+              <a:shade val="50000"/>
+            </a:schemeClr>
+          </a:lnRef>
+          <a:fillRef idx="1">
+            <a:schemeClr val="accent1"/>
+          </a:fillRef>
+          <a:effectRef idx="0">
+            <a:schemeClr val="accent1"/>
+          </a:effectRef>
+          <a:fontRef idx="minor">
+            <a:schemeClr val="lt1"/>
+          </a:fontRef>
+        </p:style>
+        <p:txBody>
+          <a:bodyPr rtlCol="0" anchor="ctr"/>
+          <a:lstStyle/>
+          <a:p>
+            <a:pPr algn="ctr"/>
+            <a:r>
+              <a:rPr lang="en-GB" dirty="0"/>
+              <a:t>WASM</a:t>
+            </a:r>
+          </a:p>
+        </p:txBody>
+      </p:sp>
+      <p:sp>
+        <p:nvSpPr>
+          <p:cNvPr id="22" name="Rectangle: Rounded Corners 21">
+            <a:extLst>
+              <a:ext uri="{FF2B5EF4-FFF2-40B4-BE49-F238E27FC236}">
+                <a16:creationId xmlns:a16="http://schemas.microsoft.com/office/drawing/2014/main" id="{D8E6D891-B372-4C64-85BD-754FDDB41B4C}"/>
+              </a:ext>
+            </a:extLst>
+          </p:cNvPr>
+          <p:cNvSpPr/>
+          <p:nvPr/>
+        </p:nvSpPr>
+        <p:spPr>
+          <a:xfrm>
+            <a:off x="2451100" y="3319054"/>
+            <a:ext cx="1676400" cy="685800"/>
+          </a:xfrm>
+          <a:prstGeom prst="roundRect">
+            <a:avLst/>
+          </a:prstGeom>
+        </p:spPr>
+        <p:style>
+          <a:lnRef idx="2">
+            <a:schemeClr val="accent1">
+              <a:shade val="50000"/>
+            </a:schemeClr>
+          </a:lnRef>
+          <a:fillRef idx="1">
+            <a:schemeClr val="accent1"/>
+          </a:fillRef>
+          <a:effectRef idx="0">
+            <a:schemeClr val="accent1"/>
+          </a:effectRef>
+          <a:fontRef idx="minor">
+            <a:schemeClr val="lt1"/>
+          </a:fontRef>
+        </p:style>
+        <p:txBody>
+          <a:bodyPr rtlCol="0" anchor="ctr"/>
+          <a:lstStyle/>
+          <a:p>
+            <a:pPr algn="ctr"/>
+            <a:r>
+              <a:rPr lang="en-GB" dirty="0"/>
+              <a:t>WASM VM</a:t>
+            </a:r>
+          </a:p>
+        </p:txBody>
+      </p:sp>
+      <p:cxnSp>
+        <p:nvCxnSpPr>
+          <p:cNvPr id="6" name="Connector: Elbow 5">
+            <a:extLst>
+              <a:ext uri="{FF2B5EF4-FFF2-40B4-BE49-F238E27FC236}">
+                <a16:creationId xmlns:a16="http://schemas.microsoft.com/office/drawing/2014/main" id="{43C41C93-CA17-4712-A614-60A6D44ADA2D}"/>
+              </a:ext>
+            </a:extLst>
+          </p:cNvPr>
+          <p:cNvCxnSpPr>
+            <a:stCxn id="21" idx="3"/>
+            <a:endCxn id="22" idx="1"/>
+          </p:cNvCxnSpPr>
+          <p:nvPr/>
+        </p:nvCxnSpPr>
+        <p:spPr>
+          <a:xfrm>
+            <a:off x="2062592" y="2476500"/>
+            <a:ext cx="388508" cy="1185454"/>
+          </a:xfrm>
+          <a:prstGeom prst="bentConnector3">
+            <a:avLst/>
+          </a:prstGeom>
+          <a:ln>
+            <a:tailEnd type="triangle"/>
+          </a:ln>
+        </p:spPr>
+        <p:style>
+          <a:lnRef idx="1">
+            <a:schemeClr val="accent1"/>
+          </a:lnRef>
+          <a:fillRef idx="0">
+            <a:schemeClr val="accent1"/>
+          </a:fillRef>
+          <a:effectRef idx="0">
+            <a:schemeClr val="accent1"/>
+          </a:effectRef>
+          <a:fontRef idx="minor">
+            <a:schemeClr val="tx1"/>
+          </a:fontRef>
+        </p:style>
+      </p:cxnSp>
     </p:spTree>
     <p:extLst>
       <p:ext uri="{BB962C8B-B14F-4D97-AF65-F5344CB8AC3E}">
-        <p14:creationId xmlns:p14="http://schemas.microsoft.com/office/powerpoint/2010/main" val="1304178095"/>
+        <p14:creationId xmlns:p14="http://schemas.microsoft.com/office/powerpoint/2010/main" val="71980449"/>
       </p:ext>
     </p:extLst>
   </p:cSld>
@@ -28718,7 +28034,7 @@
                 </a:solidFill>
                 <a:latin typeface="Calibri" pitchFamily="34" charset="0"/>
               </a:rPr>
-              <a:t>#. Virtual Machine</a:t>
+              <a:t>#. Performance</a:t>
             </a:r>
           </a:p>
         </p:txBody>
@@ -29085,7 +28401,7 @@
     </p:spTree>
     <p:extLst>
       <p:ext uri="{BB962C8B-B14F-4D97-AF65-F5344CB8AC3E}">
-        <p14:creationId xmlns:p14="http://schemas.microsoft.com/office/powerpoint/2010/main" val="1894145740"/>
+        <p14:creationId xmlns:p14="http://schemas.microsoft.com/office/powerpoint/2010/main" val="1272949033"/>
       </p:ext>
     </p:extLst>
   </p:cSld>
@@ -29147,7 +28463,7 @@
                 </a:solidFill>
                 <a:latin typeface="Calibri" pitchFamily="34" charset="0"/>
               </a:rPr>
-              <a:t>#. Machine / Byte Code</a:t>
+              <a:t>#. Limitations</a:t>
             </a:r>
           </a:p>
         </p:txBody>
@@ -29514,7 +28830,7 @@
     </p:spTree>
     <p:extLst>
       <p:ext uri="{BB962C8B-B14F-4D97-AF65-F5344CB8AC3E}">
-        <p14:creationId xmlns:p14="http://schemas.microsoft.com/office/powerpoint/2010/main" val="758859454"/>
+        <p14:creationId xmlns:p14="http://schemas.microsoft.com/office/powerpoint/2010/main" val="914059676"/>
       </p:ext>
     </p:extLst>
   </p:cSld>
@@ -29576,7 +28892,7 @@
                 </a:solidFill>
                 <a:latin typeface="Calibri" pitchFamily="34" charset="0"/>
               </a:rPr>
-              <a:t>#. LLVM (Low Level Virtual Machine)</a:t>
+              <a:t>#. Real world examples</a:t>
             </a:r>
           </a:p>
         </p:txBody>
@@ -29940,10 +29256,280 @@
           </a:p>
         </p:txBody>
       </p:sp>
+      <p:sp>
+        <p:nvSpPr>
+          <p:cNvPr id="7" name="Content Placeholder 2">
+            <a:extLst>
+              <a:ext uri="{FF2B5EF4-FFF2-40B4-BE49-F238E27FC236}">
+                <a16:creationId xmlns:a16="http://schemas.microsoft.com/office/drawing/2014/main" id="{43AA64BF-AFBE-4DB8-9326-7742FF5AE898}"/>
+              </a:ext>
+            </a:extLst>
+          </p:cNvPr>
+          <p:cNvSpPr txBox="1">
+            <a:spLocks/>
+          </p:cNvSpPr>
+          <p:nvPr/>
+        </p:nvSpPr>
+        <p:spPr>
+          <a:xfrm>
+            <a:off x="152400" y="914401"/>
+            <a:ext cx="6553200" cy="5157805"/>
+          </a:xfrm>
+          <a:prstGeom prst="rect">
+            <a:avLst/>
+          </a:prstGeom>
+        </p:spPr>
+        <p:txBody>
+          <a:bodyPr vert="horz" lIns="91440" tIns="45720" rIns="91440" bIns="45720" rtlCol="0">
+            <a:normAutofit/>
+          </a:bodyPr>
+          <a:lstStyle>
+            <a:lvl1pPr marL="0" indent="0" algn="l" defTabSz="914400" rtl="0" eaLnBrk="1" latinLnBrk="0" hangingPunct="1">
+              <a:spcBef>
+                <a:spcPct val="20000"/>
+              </a:spcBef>
+              <a:buFont typeface="Arial" pitchFamily="34" charset="0"/>
+              <a:buNone/>
+              <a:defRPr sz="3200" kern="1200">
+                <a:solidFill>
+                  <a:schemeClr val="tx1"/>
+                </a:solidFill>
+                <a:latin typeface="+mn-lt"/>
+                <a:ea typeface="+mn-ea"/>
+                <a:cs typeface="+mn-cs"/>
+              </a:defRPr>
+            </a:lvl1pPr>
+            <a:lvl2pPr marL="457200" indent="0" algn="l" defTabSz="914400" rtl="0" eaLnBrk="1" latinLnBrk="0" hangingPunct="1">
+              <a:spcBef>
+                <a:spcPct val="20000"/>
+              </a:spcBef>
+              <a:buFont typeface="Arial" pitchFamily="34" charset="0"/>
+              <a:buNone/>
+              <a:defRPr sz="2800" kern="1200">
+                <a:solidFill>
+                  <a:schemeClr val="tx1"/>
+                </a:solidFill>
+                <a:latin typeface="+mn-lt"/>
+                <a:ea typeface="+mn-ea"/>
+                <a:cs typeface="+mn-cs"/>
+              </a:defRPr>
+            </a:lvl2pPr>
+            <a:lvl3pPr marL="914400" indent="0" algn="l" defTabSz="914400" rtl="0" eaLnBrk="1" latinLnBrk="0" hangingPunct="1">
+              <a:spcBef>
+                <a:spcPct val="20000"/>
+              </a:spcBef>
+              <a:buFont typeface="Arial" pitchFamily="34" charset="0"/>
+              <a:buNone/>
+              <a:defRPr sz="2400" kern="1200">
+                <a:solidFill>
+                  <a:schemeClr val="tx1"/>
+                </a:solidFill>
+                <a:latin typeface="+mn-lt"/>
+                <a:ea typeface="+mn-ea"/>
+                <a:cs typeface="+mn-cs"/>
+              </a:defRPr>
+            </a:lvl3pPr>
+            <a:lvl4pPr marL="1371600" indent="0" algn="l" defTabSz="914400" rtl="0" eaLnBrk="1" latinLnBrk="0" hangingPunct="1">
+              <a:spcBef>
+                <a:spcPct val="20000"/>
+              </a:spcBef>
+              <a:buFont typeface="Arial" pitchFamily="34" charset="0"/>
+              <a:buNone/>
+              <a:defRPr sz="2000" kern="1200">
+                <a:solidFill>
+                  <a:schemeClr val="tx1"/>
+                </a:solidFill>
+                <a:latin typeface="+mn-lt"/>
+                <a:ea typeface="+mn-ea"/>
+                <a:cs typeface="+mn-cs"/>
+              </a:defRPr>
+            </a:lvl4pPr>
+            <a:lvl5pPr marL="1828800" indent="0" algn="l" defTabSz="914400" rtl="0" eaLnBrk="1" latinLnBrk="0" hangingPunct="1">
+              <a:spcBef>
+                <a:spcPct val="20000"/>
+              </a:spcBef>
+              <a:buFont typeface="Arial" pitchFamily="34" charset="0"/>
+              <a:buNone/>
+              <a:defRPr sz="2000" kern="1200">
+                <a:solidFill>
+                  <a:schemeClr val="tx1"/>
+                </a:solidFill>
+                <a:latin typeface="+mn-lt"/>
+                <a:ea typeface="+mn-ea"/>
+                <a:cs typeface="+mn-cs"/>
+              </a:defRPr>
+            </a:lvl5pPr>
+            <a:lvl6pPr marL="2286000" indent="0" algn="l" defTabSz="914400" rtl="0" eaLnBrk="1" latinLnBrk="0" hangingPunct="1">
+              <a:spcBef>
+                <a:spcPct val="20000"/>
+              </a:spcBef>
+              <a:buFont typeface="Arial" pitchFamily="34" charset="0"/>
+              <a:buNone/>
+              <a:defRPr sz="2000" kern="1200">
+                <a:solidFill>
+                  <a:schemeClr val="tx1"/>
+                </a:solidFill>
+                <a:latin typeface="+mn-lt"/>
+                <a:ea typeface="+mn-ea"/>
+                <a:cs typeface="+mn-cs"/>
+              </a:defRPr>
+            </a:lvl6pPr>
+            <a:lvl7pPr marL="2743200" indent="0" algn="l" defTabSz="914400" rtl="0" eaLnBrk="1" latinLnBrk="0" hangingPunct="1">
+              <a:spcBef>
+                <a:spcPct val="20000"/>
+              </a:spcBef>
+              <a:buFont typeface="Arial" pitchFamily="34" charset="0"/>
+              <a:buNone/>
+              <a:defRPr sz="2000" kern="1200">
+                <a:solidFill>
+                  <a:schemeClr val="tx1"/>
+                </a:solidFill>
+                <a:latin typeface="+mn-lt"/>
+                <a:ea typeface="+mn-ea"/>
+                <a:cs typeface="+mn-cs"/>
+              </a:defRPr>
+            </a:lvl7pPr>
+            <a:lvl8pPr marL="3200400" indent="0" algn="l" defTabSz="914400" rtl="0" eaLnBrk="1" latinLnBrk="0" hangingPunct="1">
+              <a:spcBef>
+                <a:spcPct val="20000"/>
+              </a:spcBef>
+              <a:buFont typeface="Arial" pitchFamily="34" charset="0"/>
+              <a:buNone/>
+              <a:defRPr sz="2000" kern="1200">
+                <a:solidFill>
+                  <a:schemeClr val="tx1"/>
+                </a:solidFill>
+                <a:latin typeface="+mn-lt"/>
+                <a:ea typeface="+mn-ea"/>
+                <a:cs typeface="+mn-cs"/>
+              </a:defRPr>
+            </a:lvl8pPr>
+            <a:lvl9pPr marL="3657600" indent="0" algn="l" defTabSz="914400" rtl="0" eaLnBrk="1" latinLnBrk="0" hangingPunct="1">
+              <a:spcBef>
+                <a:spcPct val="20000"/>
+              </a:spcBef>
+              <a:buFont typeface="Arial" pitchFamily="34" charset="0"/>
+              <a:buNone/>
+              <a:defRPr sz="2000" kern="1200">
+                <a:solidFill>
+                  <a:schemeClr val="tx1"/>
+                </a:solidFill>
+                <a:latin typeface="+mn-lt"/>
+                <a:ea typeface="+mn-ea"/>
+                <a:cs typeface="+mn-cs"/>
+              </a:defRPr>
+            </a:lvl9pPr>
+          </a:lstStyle>
+          <a:p>
+            <a:pPr marL="457200" indent="-457200">
+              <a:buFont typeface="Arial" panose="020B0604020202020204" pitchFamily="34" charset="0"/>
+              <a:buChar char="•"/>
+            </a:pPr>
+            <a:r>
+              <a:rPr lang="en-GB" dirty="0">
+                <a:solidFill>
+                  <a:schemeClr val="bg1"/>
+                </a:solidFill>
+                <a:hlinkClick r:id="rId2">
+                  <a:extLst>
+                    <a:ext uri="{A12FA001-AC4F-418D-AE19-62706E023703}">
+                      <ahyp:hlinkClr xmlns:ahyp="http://schemas.microsoft.com/office/drawing/2018/hyperlinkcolor" val="tx"/>
+                    </a:ext>
+                  </a:extLst>
+                </a:hlinkClick>
+              </a:rPr>
+              <a:t>Google Earth </a:t>
+            </a:r>
+            <a:endParaRPr lang="en-GB" dirty="0">
+              <a:solidFill>
+                <a:schemeClr val="bg1"/>
+              </a:solidFill>
+            </a:endParaRPr>
+          </a:p>
+          <a:p>
+            <a:pPr marL="457200" indent="-457200">
+              <a:buFont typeface="Arial" panose="020B0604020202020204" pitchFamily="34" charset="0"/>
+              <a:buChar char="•"/>
+            </a:pPr>
+            <a:r>
+              <a:rPr lang="en-US" dirty="0">
+                <a:solidFill>
+                  <a:schemeClr val="bg1"/>
+                </a:solidFill>
+                <a:hlinkClick r:id="rId3">
+                  <a:extLst>
+                    <a:ext uri="{A12FA001-AC4F-418D-AE19-62706E023703}">
+                      <ahyp:hlinkClr xmlns:ahyp="http://schemas.microsoft.com/office/drawing/2018/hyperlinkcolor" val="tx"/>
+                    </a:ext>
+                  </a:extLst>
+                </a:hlinkClick>
+              </a:rPr>
+              <a:t>Perspective</a:t>
+            </a:r>
+            <a:endParaRPr lang="en-US" dirty="0">
+              <a:solidFill>
+                <a:schemeClr val="bg1"/>
+              </a:solidFill>
+            </a:endParaRPr>
+          </a:p>
+          <a:p>
+            <a:pPr marL="457200" indent="-457200">
+              <a:buFont typeface="Arial" panose="020B0604020202020204" pitchFamily="34" charset="0"/>
+              <a:buChar char="•"/>
+            </a:pPr>
+            <a:r>
+              <a:rPr lang="en-US" dirty="0">
+                <a:solidFill>
+                  <a:schemeClr val="bg1"/>
+                </a:solidFill>
+                <a:hlinkClick r:id="rId4">
+                  <a:extLst>
+                    <a:ext uri="{A12FA001-AC4F-418D-AE19-62706E023703}">
+                      <ahyp:hlinkClr xmlns:ahyp="http://schemas.microsoft.com/office/drawing/2018/hyperlinkcolor" val="tx"/>
+                    </a:ext>
+                  </a:extLst>
+                </a:hlinkClick>
+              </a:rPr>
+              <a:t>D3</a:t>
+            </a:r>
+            <a:endParaRPr lang="en-US" dirty="0">
+              <a:solidFill>
+                <a:schemeClr val="bg1"/>
+              </a:solidFill>
+            </a:endParaRPr>
+          </a:p>
+          <a:p>
+            <a:pPr marL="457200" indent="-457200">
+              <a:buFont typeface="Arial" panose="020B0604020202020204" pitchFamily="34" charset="0"/>
+              <a:buChar char="•"/>
+            </a:pPr>
+            <a:r>
+              <a:rPr lang="en-US" dirty="0">
+                <a:solidFill>
+                  <a:schemeClr val="bg1"/>
+                </a:solidFill>
+                <a:hlinkClick r:id="rId5">
+                  <a:extLst>
+                    <a:ext uri="{A12FA001-AC4F-418D-AE19-62706E023703}">
+                      <ahyp:hlinkClr xmlns:ahyp="http://schemas.microsoft.com/office/drawing/2018/hyperlinkcolor" val="tx"/>
+                    </a:ext>
+                  </a:extLst>
+                </a:hlinkClick>
+              </a:rPr>
+              <a:t>PSPDFKit</a:t>
+            </a:r>
+            <a:endParaRPr lang="en-US" dirty="0">
+              <a:solidFill>
+                <a:schemeClr val="bg1"/>
+              </a:solidFill>
+            </a:endParaRPr>
+          </a:p>
+        </p:txBody>
+      </p:sp>
     </p:spTree>
     <p:extLst>
       <p:ext uri="{BB962C8B-B14F-4D97-AF65-F5344CB8AC3E}">
-        <p14:creationId xmlns:p14="http://schemas.microsoft.com/office/powerpoint/2010/main" val="2951858699"/>
+        <p14:creationId xmlns:p14="http://schemas.microsoft.com/office/powerpoint/2010/main" val="3895076446"/>
       </p:ext>
     </p:extLst>
   </p:cSld>
@@ -30005,255 +29591,376 @@
                 </a:solidFill>
                 <a:latin typeface="Calibri" pitchFamily="34" charset="0"/>
               </a:rPr>
-              <a:t>#. WASM under the hood </a:t>
+              <a:t>#. Do we still need JavaScript?</a:t>
             </a:r>
           </a:p>
         </p:txBody>
       </p:sp>
       <p:sp>
         <p:nvSpPr>
-          <p:cNvPr id="51" name="Rectangle: Rounded Corners 50">
-            <a:extLst>
-              <a:ext uri="{FF2B5EF4-FFF2-40B4-BE49-F238E27FC236}">
-                <a16:creationId xmlns:a16="http://schemas.microsoft.com/office/drawing/2014/main" id="{4518D435-74AB-4FE1-9B05-22D83B702CC9}"/>
-              </a:ext>
-            </a:extLst>
-          </p:cNvPr>
-          <p:cNvSpPr/>
+          <p:cNvPr id="6" name="Content Placeholder 2"/>
+          <p:cNvSpPr txBox="1">
+            <a:spLocks/>
+          </p:cNvSpPr>
           <p:nvPr/>
         </p:nvSpPr>
         <p:spPr>
           <a:xfrm>
-            <a:off x="381000" y="1219200"/>
-            <a:ext cx="1676400" cy="685800"/>
-          </a:xfrm>
-          <a:prstGeom prst="roundRect">
+            <a:off x="457200" y="1071545"/>
+            <a:ext cx="8229600" cy="4857785"/>
+          </a:xfrm>
+          <a:prstGeom prst="rect">
             <a:avLst/>
           </a:prstGeom>
         </p:spPr>
-        <p:style>
-          <a:lnRef idx="2">
-            <a:schemeClr val="accent1">
-              <a:shade val="50000"/>
-            </a:schemeClr>
-          </a:lnRef>
-          <a:fillRef idx="1">
-            <a:schemeClr val="accent1"/>
-          </a:fillRef>
-          <a:effectRef idx="0">
-            <a:schemeClr val="accent1"/>
-          </a:effectRef>
-          <a:fontRef idx="minor">
-            <a:schemeClr val="lt1"/>
-          </a:fontRef>
-        </p:style>
         <p:txBody>
-          <a:bodyPr rtlCol="0" anchor="ctr"/>
-          <a:lstStyle/>
-          <a:p>
-            <a:pPr algn="ctr"/>
-            <a:r>
-              <a:rPr lang="en-GB" dirty="0"/>
-              <a:t>JavaScript</a:t>
-            </a:r>
+          <a:bodyPr vert="horz" lIns="91440" tIns="45720" rIns="91440" bIns="45720" rtlCol="0">
+            <a:normAutofit/>
+          </a:bodyPr>
+          <a:lstStyle>
+            <a:lvl1pPr marL="0" indent="0" algn="l" defTabSz="914400" rtl="0" eaLnBrk="1" latinLnBrk="0" hangingPunct="1">
+              <a:spcBef>
+                <a:spcPct val="20000"/>
+              </a:spcBef>
+              <a:buFont typeface="Arial" pitchFamily="34" charset="0"/>
+              <a:buNone/>
+              <a:defRPr sz="3200" kern="1200">
+                <a:solidFill>
+                  <a:schemeClr val="tx1"/>
+                </a:solidFill>
+                <a:latin typeface="+mn-lt"/>
+                <a:ea typeface="+mn-ea"/>
+                <a:cs typeface="+mn-cs"/>
+              </a:defRPr>
+            </a:lvl1pPr>
+            <a:lvl2pPr marL="457200" indent="0" algn="l" defTabSz="914400" rtl="0" eaLnBrk="1" latinLnBrk="0" hangingPunct="1">
+              <a:spcBef>
+                <a:spcPct val="20000"/>
+              </a:spcBef>
+              <a:buFont typeface="Arial" pitchFamily="34" charset="0"/>
+              <a:buNone/>
+              <a:defRPr sz="2800" kern="1200">
+                <a:solidFill>
+                  <a:schemeClr val="tx1"/>
+                </a:solidFill>
+                <a:latin typeface="+mn-lt"/>
+                <a:ea typeface="+mn-ea"/>
+                <a:cs typeface="+mn-cs"/>
+              </a:defRPr>
+            </a:lvl2pPr>
+            <a:lvl3pPr marL="914400" indent="0" algn="l" defTabSz="914400" rtl="0" eaLnBrk="1" latinLnBrk="0" hangingPunct="1">
+              <a:spcBef>
+                <a:spcPct val="20000"/>
+              </a:spcBef>
+              <a:buFont typeface="Arial" pitchFamily="34" charset="0"/>
+              <a:buNone/>
+              <a:defRPr sz="2400" kern="1200">
+                <a:solidFill>
+                  <a:schemeClr val="tx1"/>
+                </a:solidFill>
+                <a:latin typeface="+mn-lt"/>
+                <a:ea typeface="+mn-ea"/>
+                <a:cs typeface="+mn-cs"/>
+              </a:defRPr>
+            </a:lvl3pPr>
+            <a:lvl4pPr marL="1371600" indent="0" algn="l" defTabSz="914400" rtl="0" eaLnBrk="1" latinLnBrk="0" hangingPunct="1">
+              <a:spcBef>
+                <a:spcPct val="20000"/>
+              </a:spcBef>
+              <a:buFont typeface="Arial" pitchFamily="34" charset="0"/>
+              <a:buNone/>
+              <a:defRPr sz="2000" kern="1200">
+                <a:solidFill>
+                  <a:schemeClr val="tx1"/>
+                </a:solidFill>
+                <a:latin typeface="+mn-lt"/>
+                <a:ea typeface="+mn-ea"/>
+                <a:cs typeface="+mn-cs"/>
+              </a:defRPr>
+            </a:lvl4pPr>
+            <a:lvl5pPr marL="1828800" indent="0" algn="l" defTabSz="914400" rtl="0" eaLnBrk="1" latinLnBrk="0" hangingPunct="1">
+              <a:spcBef>
+                <a:spcPct val="20000"/>
+              </a:spcBef>
+              <a:buFont typeface="Arial" pitchFamily="34" charset="0"/>
+              <a:buNone/>
+              <a:defRPr sz="2000" kern="1200">
+                <a:solidFill>
+                  <a:schemeClr val="tx1"/>
+                </a:solidFill>
+                <a:latin typeface="+mn-lt"/>
+                <a:ea typeface="+mn-ea"/>
+                <a:cs typeface="+mn-cs"/>
+              </a:defRPr>
+            </a:lvl5pPr>
+            <a:lvl6pPr marL="2286000" indent="0" algn="l" defTabSz="914400" rtl="0" eaLnBrk="1" latinLnBrk="0" hangingPunct="1">
+              <a:spcBef>
+                <a:spcPct val="20000"/>
+              </a:spcBef>
+              <a:buFont typeface="Arial" pitchFamily="34" charset="0"/>
+              <a:buNone/>
+              <a:defRPr sz="2000" kern="1200">
+                <a:solidFill>
+                  <a:schemeClr val="tx1"/>
+                </a:solidFill>
+                <a:latin typeface="+mn-lt"/>
+                <a:ea typeface="+mn-ea"/>
+                <a:cs typeface="+mn-cs"/>
+              </a:defRPr>
+            </a:lvl6pPr>
+            <a:lvl7pPr marL="2743200" indent="0" algn="l" defTabSz="914400" rtl="0" eaLnBrk="1" latinLnBrk="0" hangingPunct="1">
+              <a:spcBef>
+                <a:spcPct val="20000"/>
+              </a:spcBef>
+              <a:buFont typeface="Arial" pitchFamily="34" charset="0"/>
+              <a:buNone/>
+              <a:defRPr sz="2000" kern="1200">
+                <a:solidFill>
+                  <a:schemeClr val="tx1"/>
+                </a:solidFill>
+                <a:latin typeface="+mn-lt"/>
+                <a:ea typeface="+mn-ea"/>
+                <a:cs typeface="+mn-cs"/>
+              </a:defRPr>
+            </a:lvl7pPr>
+            <a:lvl8pPr marL="3200400" indent="0" algn="l" defTabSz="914400" rtl="0" eaLnBrk="1" latinLnBrk="0" hangingPunct="1">
+              <a:spcBef>
+                <a:spcPct val="20000"/>
+              </a:spcBef>
+              <a:buFont typeface="Arial" pitchFamily="34" charset="0"/>
+              <a:buNone/>
+              <a:defRPr sz="2000" kern="1200">
+                <a:solidFill>
+                  <a:schemeClr val="tx1"/>
+                </a:solidFill>
+                <a:latin typeface="+mn-lt"/>
+                <a:ea typeface="+mn-ea"/>
+                <a:cs typeface="+mn-cs"/>
+              </a:defRPr>
+            </a:lvl8pPr>
+            <a:lvl9pPr marL="3657600" indent="0" algn="l" defTabSz="914400" rtl="0" eaLnBrk="1" latinLnBrk="0" hangingPunct="1">
+              <a:spcBef>
+                <a:spcPct val="20000"/>
+              </a:spcBef>
+              <a:buFont typeface="Arial" pitchFamily="34" charset="0"/>
+              <a:buNone/>
+              <a:defRPr sz="2000" kern="1200">
+                <a:solidFill>
+                  <a:schemeClr val="tx1"/>
+                </a:solidFill>
+                <a:latin typeface="+mn-lt"/>
+                <a:ea typeface="+mn-ea"/>
+                <a:cs typeface="+mn-cs"/>
+              </a:defRPr>
+            </a:lvl9pPr>
+          </a:lstStyle>
+          <a:p>
+            <a:pPr marL="571500" indent="-571500">
+              <a:buFont typeface="Arial" panose="020B0604020202020204" pitchFamily="34" charset="0"/>
+              <a:buChar char="•"/>
+            </a:pPr>
+            <a:endParaRPr lang="en-GB" dirty="0">
+              <a:solidFill>
+                <a:schemeClr val="bg1"/>
+              </a:solidFill>
+            </a:endParaRPr>
           </a:p>
         </p:txBody>
       </p:sp>
       <p:sp>
         <p:nvSpPr>
-          <p:cNvPr id="52" name="Rectangle: Rounded Corners 51">
+          <p:cNvPr id="4" name="Content Placeholder 2">
             <a:extLst>
               <a:ext uri="{FF2B5EF4-FFF2-40B4-BE49-F238E27FC236}">
-                <a16:creationId xmlns:a16="http://schemas.microsoft.com/office/drawing/2014/main" id="{7EC2B06C-32F9-4DDD-B953-FCB0C8F0FEC2}"/>
+                <a16:creationId xmlns:a16="http://schemas.microsoft.com/office/drawing/2014/main" id="{91C127C4-019D-4816-9ECF-D243EFA4189D}"/>
               </a:ext>
             </a:extLst>
           </p:cNvPr>
-          <p:cNvSpPr/>
+          <p:cNvSpPr txBox="1">
+            <a:spLocks/>
+          </p:cNvSpPr>
           <p:nvPr/>
         </p:nvSpPr>
         <p:spPr>
           <a:xfrm>
-            <a:off x="2286000" y="1219200"/>
-            <a:ext cx="1676400" cy="685800"/>
-          </a:xfrm>
-          <a:prstGeom prst="roundRect">
+            <a:off x="609600" y="1223945"/>
+            <a:ext cx="8229600" cy="4857785"/>
+          </a:xfrm>
+          <a:prstGeom prst="rect">
             <a:avLst/>
           </a:prstGeom>
         </p:spPr>
-        <p:style>
-          <a:lnRef idx="2">
-            <a:schemeClr val="accent1">
-              <a:shade val="50000"/>
-            </a:schemeClr>
-          </a:lnRef>
-          <a:fillRef idx="1">
-            <a:schemeClr val="accent1"/>
-          </a:fillRef>
-          <a:effectRef idx="0">
-            <a:schemeClr val="accent1"/>
-          </a:effectRef>
-          <a:fontRef idx="minor">
-            <a:schemeClr val="lt1"/>
-          </a:fontRef>
-        </p:style>
         <p:txBody>
-          <a:bodyPr rtlCol="0" anchor="ctr"/>
-          <a:lstStyle/>
-          <a:p>
-            <a:pPr algn="ctr"/>
-            <a:r>
-              <a:rPr lang="en-GB" dirty="0"/>
-              <a:t>AST</a:t>
-            </a:r>
+          <a:bodyPr vert="horz" lIns="91440" tIns="45720" rIns="91440" bIns="45720" rtlCol="0">
+            <a:normAutofit/>
+          </a:bodyPr>
+          <a:lstStyle>
+            <a:lvl1pPr marL="0" indent="0" algn="l" defTabSz="914400" rtl="0" eaLnBrk="1" latinLnBrk="0" hangingPunct="1">
+              <a:spcBef>
+                <a:spcPct val="20000"/>
+              </a:spcBef>
+              <a:buFont typeface="Arial" pitchFamily="34" charset="0"/>
+              <a:buNone/>
+              <a:defRPr sz="3200" kern="1200">
+                <a:solidFill>
+                  <a:schemeClr val="tx1"/>
+                </a:solidFill>
+                <a:latin typeface="+mn-lt"/>
+                <a:ea typeface="+mn-ea"/>
+                <a:cs typeface="+mn-cs"/>
+              </a:defRPr>
+            </a:lvl1pPr>
+            <a:lvl2pPr marL="457200" indent="0" algn="l" defTabSz="914400" rtl="0" eaLnBrk="1" latinLnBrk="0" hangingPunct="1">
+              <a:spcBef>
+                <a:spcPct val="20000"/>
+              </a:spcBef>
+              <a:buFont typeface="Arial" pitchFamily="34" charset="0"/>
+              <a:buNone/>
+              <a:defRPr sz="2800" kern="1200">
+                <a:solidFill>
+                  <a:schemeClr val="tx1"/>
+                </a:solidFill>
+                <a:latin typeface="+mn-lt"/>
+                <a:ea typeface="+mn-ea"/>
+                <a:cs typeface="+mn-cs"/>
+              </a:defRPr>
+            </a:lvl2pPr>
+            <a:lvl3pPr marL="914400" indent="0" algn="l" defTabSz="914400" rtl="0" eaLnBrk="1" latinLnBrk="0" hangingPunct="1">
+              <a:spcBef>
+                <a:spcPct val="20000"/>
+              </a:spcBef>
+              <a:buFont typeface="Arial" pitchFamily="34" charset="0"/>
+              <a:buNone/>
+              <a:defRPr sz="2400" kern="1200">
+                <a:solidFill>
+                  <a:schemeClr val="tx1"/>
+                </a:solidFill>
+                <a:latin typeface="+mn-lt"/>
+                <a:ea typeface="+mn-ea"/>
+                <a:cs typeface="+mn-cs"/>
+              </a:defRPr>
+            </a:lvl3pPr>
+            <a:lvl4pPr marL="1371600" indent="0" algn="l" defTabSz="914400" rtl="0" eaLnBrk="1" latinLnBrk="0" hangingPunct="1">
+              <a:spcBef>
+                <a:spcPct val="20000"/>
+              </a:spcBef>
+              <a:buFont typeface="Arial" pitchFamily="34" charset="0"/>
+              <a:buNone/>
+              <a:defRPr sz="2000" kern="1200">
+                <a:solidFill>
+                  <a:schemeClr val="tx1"/>
+                </a:solidFill>
+                <a:latin typeface="+mn-lt"/>
+                <a:ea typeface="+mn-ea"/>
+                <a:cs typeface="+mn-cs"/>
+              </a:defRPr>
+            </a:lvl4pPr>
+            <a:lvl5pPr marL="1828800" indent="0" algn="l" defTabSz="914400" rtl="0" eaLnBrk="1" latinLnBrk="0" hangingPunct="1">
+              <a:spcBef>
+                <a:spcPct val="20000"/>
+              </a:spcBef>
+              <a:buFont typeface="Arial" pitchFamily="34" charset="0"/>
+              <a:buNone/>
+              <a:defRPr sz="2000" kern="1200">
+                <a:solidFill>
+                  <a:schemeClr val="tx1"/>
+                </a:solidFill>
+                <a:latin typeface="+mn-lt"/>
+                <a:ea typeface="+mn-ea"/>
+                <a:cs typeface="+mn-cs"/>
+              </a:defRPr>
+            </a:lvl5pPr>
+            <a:lvl6pPr marL="2286000" indent="0" algn="l" defTabSz="914400" rtl="0" eaLnBrk="1" latinLnBrk="0" hangingPunct="1">
+              <a:spcBef>
+                <a:spcPct val="20000"/>
+              </a:spcBef>
+              <a:buFont typeface="Arial" pitchFamily="34" charset="0"/>
+              <a:buNone/>
+              <a:defRPr sz="2000" kern="1200">
+                <a:solidFill>
+                  <a:schemeClr val="tx1"/>
+                </a:solidFill>
+                <a:latin typeface="+mn-lt"/>
+                <a:ea typeface="+mn-ea"/>
+                <a:cs typeface="+mn-cs"/>
+              </a:defRPr>
+            </a:lvl6pPr>
+            <a:lvl7pPr marL="2743200" indent="0" algn="l" defTabSz="914400" rtl="0" eaLnBrk="1" latinLnBrk="0" hangingPunct="1">
+              <a:spcBef>
+                <a:spcPct val="20000"/>
+              </a:spcBef>
+              <a:buFont typeface="Arial" pitchFamily="34" charset="0"/>
+              <a:buNone/>
+              <a:defRPr sz="2000" kern="1200">
+                <a:solidFill>
+                  <a:schemeClr val="tx1"/>
+                </a:solidFill>
+                <a:latin typeface="+mn-lt"/>
+                <a:ea typeface="+mn-ea"/>
+                <a:cs typeface="+mn-cs"/>
+              </a:defRPr>
+            </a:lvl7pPr>
+            <a:lvl8pPr marL="3200400" indent="0" algn="l" defTabSz="914400" rtl="0" eaLnBrk="1" latinLnBrk="0" hangingPunct="1">
+              <a:spcBef>
+                <a:spcPct val="20000"/>
+              </a:spcBef>
+              <a:buFont typeface="Arial" pitchFamily="34" charset="0"/>
+              <a:buNone/>
+              <a:defRPr sz="2000" kern="1200">
+                <a:solidFill>
+                  <a:schemeClr val="tx1"/>
+                </a:solidFill>
+                <a:latin typeface="+mn-lt"/>
+                <a:ea typeface="+mn-ea"/>
+                <a:cs typeface="+mn-cs"/>
+              </a:defRPr>
+            </a:lvl8pPr>
+            <a:lvl9pPr marL="3657600" indent="0" algn="l" defTabSz="914400" rtl="0" eaLnBrk="1" latinLnBrk="0" hangingPunct="1">
+              <a:spcBef>
+                <a:spcPct val="20000"/>
+              </a:spcBef>
+              <a:buFont typeface="Arial" pitchFamily="34" charset="0"/>
+              <a:buNone/>
+              <a:defRPr sz="2000" kern="1200">
+                <a:solidFill>
+                  <a:schemeClr val="tx1"/>
+                </a:solidFill>
+                <a:latin typeface="+mn-lt"/>
+                <a:ea typeface="+mn-ea"/>
+                <a:cs typeface="+mn-cs"/>
+              </a:defRPr>
+            </a:lvl9pPr>
+          </a:lstStyle>
+          <a:p>
+            <a:pPr marL="571500" indent="-571500">
+              <a:buFont typeface="Arial" panose="020B0604020202020204" pitchFamily="34" charset="0"/>
+              <a:buChar char="•"/>
+            </a:pPr>
+            <a:endParaRPr lang="en-GB" dirty="0">
+              <a:solidFill>
+                <a:schemeClr val="bg1"/>
+              </a:solidFill>
+            </a:endParaRPr>
+          </a:p>
+          <a:p>
+            <a:pPr marL="571500" indent="-571500">
+              <a:buFont typeface="Arial" panose="020B0604020202020204" pitchFamily="34" charset="0"/>
+              <a:buChar char="•"/>
+            </a:pPr>
+            <a:endParaRPr lang="en-US" dirty="0">
+              <a:solidFill>
+                <a:schemeClr val="bg1"/>
+              </a:solidFill>
+            </a:endParaRPr>
           </a:p>
         </p:txBody>
       </p:sp>
       <p:sp>
         <p:nvSpPr>
-          <p:cNvPr id="53" name="Rectangle: Rounded Corners 52">
+          <p:cNvPr id="2" name="TextBox 1">
             <a:extLst>
               <a:ext uri="{FF2B5EF4-FFF2-40B4-BE49-F238E27FC236}">
-                <a16:creationId xmlns:a16="http://schemas.microsoft.com/office/drawing/2014/main" id="{DA7B5B27-4C9D-4430-982A-6D02FB84B3D8}"/>
-              </a:ext>
-            </a:extLst>
-          </p:cNvPr>
-          <p:cNvSpPr/>
-          <p:nvPr/>
-        </p:nvSpPr>
-        <p:spPr>
-          <a:xfrm>
-            <a:off x="4724400" y="4435622"/>
-            <a:ext cx="1676400" cy="685800"/>
-          </a:xfrm>
-          <a:prstGeom prst="roundRect">
-            <a:avLst/>
-          </a:prstGeom>
-        </p:spPr>
-        <p:style>
-          <a:lnRef idx="2">
-            <a:schemeClr val="accent1">
-              <a:shade val="50000"/>
-            </a:schemeClr>
-          </a:lnRef>
-          <a:fillRef idx="1">
-            <a:schemeClr val="accent1"/>
-          </a:fillRef>
-          <a:effectRef idx="0">
-            <a:schemeClr val="accent1"/>
-          </a:effectRef>
-          <a:fontRef idx="minor">
-            <a:schemeClr val="lt1"/>
-          </a:fontRef>
-        </p:style>
-        <p:txBody>
-          <a:bodyPr rtlCol="0" anchor="ctr"/>
-          <a:lstStyle/>
-          <a:p>
-            <a:pPr algn="ctr"/>
-            <a:r>
-              <a:rPr lang="en-GB" dirty="0"/>
-              <a:t>Simple JIT</a:t>
-            </a:r>
-          </a:p>
-        </p:txBody>
-      </p:sp>
-      <p:sp>
-        <p:nvSpPr>
-          <p:cNvPr id="54" name="Rectangle: Rounded Corners 53">
-            <a:extLst>
-              <a:ext uri="{FF2B5EF4-FFF2-40B4-BE49-F238E27FC236}">
-                <a16:creationId xmlns:a16="http://schemas.microsoft.com/office/drawing/2014/main" id="{FD5973B4-84BF-4A45-850E-6B45F9E7B881}"/>
-              </a:ext>
-            </a:extLst>
-          </p:cNvPr>
-          <p:cNvSpPr/>
-          <p:nvPr/>
-        </p:nvSpPr>
-        <p:spPr>
-          <a:xfrm>
-            <a:off x="4724400" y="5562600"/>
-            <a:ext cx="1676400" cy="685800"/>
-          </a:xfrm>
-          <a:prstGeom prst="roundRect">
-            <a:avLst/>
-          </a:prstGeom>
-        </p:spPr>
-        <p:style>
-          <a:lnRef idx="2">
-            <a:schemeClr val="accent1">
-              <a:shade val="50000"/>
-            </a:schemeClr>
-          </a:lnRef>
-          <a:fillRef idx="1">
-            <a:schemeClr val="accent1"/>
-          </a:fillRef>
-          <a:effectRef idx="0">
-            <a:schemeClr val="accent1"/>
-          </a:effectRef>
-          <a:fontRef idx="minor">
-            <a:schemeClr val="lt1"/>
-          </a:fontRef>
-        </p:style>
-        <p:txBody>
-          <a:bodyPr rtlCol="0" anchor="ctr"/>
-          <a:lstStyle/>
-          <a:p>
-            <a:pPr algn="ctr"/>
-            <a:r>
-              <a:rPr lang="en-GB" dirty="0"/>
-              <a:t>Full JIT</a:t>
-            </a:r>
-          </a:p>
-        </p:txBody>
-      </p:sp>
-      <p:cxnSp>
-        <p:nvCxnSpPr>
-          <p:cNvPr id="61" name="Straight Arrow Connector 60">
-            <a:extLst>
-              <a:ext uri="{FF2B5EF4-FFF2-40B4-BE49-F238E27FC236}">
-                <a16:creationId xmlns:a16="http://schemas.microsoft.com/office/drawing/2014/main" id="{0F13AB00-B4D9-42C9-A5A3-090BBBC4CFC5}"/>
-              </a:ext>
-            </a:extLst>
-          </p:cNvPr>
-          <p:cNvCxnSpPr>
-            <a:stCxn id="51" idx="3"/>
-            <a:endCxn id="52" idx="1"/>
-          </p:cNvCxnSpPr>
-          <p:nvPr/>
-        </p:nvCxnSpPr>
-        <p:spPr>
-          <a:xfrm>
-            <a:off x="2057400" y="1562100"/>
-            <a:ext cx="228600" cy="0"/>
-          </a:xfrm>
-          <a:prstGeom prst="straightConnector1">
-            <a:avLst/>
-          </a:prstGeom>
-          <a:ln>
-            <a:tailEnd type="triangle"/>
-          </a:ln>
-        </p:spPr>
-        <p:style>
-          <a:lnRef idx="1">
-            <a:schemeClr val="accent1"/>
-          </a:lnRef>
-          <a:fillRef idx="0">
-            <a:schemeClr val="accent1"/>
-          </a:fillRef>
-          <a:effectRef idx="0">
-            <a:schemeClr val="accent1"/>
-          </a:effectRef>
-          <a:fontRef idx="minor">
-            <a:schemeClr val="tx1"/>
-          </a:fontRef>
-        </p:style>
-      </p:cxnSp>
-      <p:sp>
-        <p:nvSpPr>
-          <p:cNvPr id="62" name="TextBox 61">
-            <a:extLst>
-              <a:ext uri="{FF2B5EF4-FFF2-40B4-BE49-F238E27FC236}">
-                <a16:creationId xmlns:a16="http://schemas.microsoft.com/office/drawing/2014/main" id="{A1E33E78-C942-470F-9A5A-43BA86B86583}"/>
+                <a16:creationId xmlns:a16="http://schemas.microsoft.com/office/drawing/2014/main" id="{2751BAC8-2BD3-4F83-BF12-F314B43EB4B8}"/>
               </a:ext>
             </a:extLst>
           </p:cNvPr>
@@ -30262,86 +29969,8 @@
         </p:nvSpPr>
         <p:spPr>
           <a:xfrm>
-            <a:off x="348342" y="4511822"/>
-            <a:ext cx="1442108" cy="369332"/>
-          </a:xfrm>
-          <a:prstGeom prst="rect">
-            <a:avLst/>
-          </a:prstGeom>
-          <a:noFill/>
-        </p:spPr>
-        <p:txBody>
-          <a:bodyPr wrap="square" rtlCol="0" anchor="t" anchorCtr="0">
-            <a:spAutoFit/>
-          </a:bodyPr>
-          <a:lstStyle/>
-          <a:p>
-            <a:r>
-              <a:rPr lang="en-GB" dirty="0">
-                <a:solidFill>
-                  <a:schemeClr val="bg1"/>
-                </a:solidFill>
-              </a:rPr>
-              <a:t>Hot (&gt;1000)</a:t>
-            </a:r>
-          </a:p>
-        </p:txBody>
-      </p:sp>
-      <p:sp>
-        <p:nvSpPr>
-          <p:cNvPr id="64" name="TextBox 63">
-            <a:extLst>
-              <a:ext uri="{FF2B5EF4-FFF2-40B4-BE49-F238E27FC236}">
-                <a16:creationId xmlns:a16="http://schemas.microsoft.com/office/drawing/2014/main" id="{E9475C67-8704-4186-9B54-5A6159A0A880}"/>
-              </a:ext>
-            </a:extLst>
-          </p:cNvPr>
-          <p:cNvSpPr txBox="1"/>
-          <p:nvPr/>
-        </p:nvSpPr>
-        <p:spPr>
-          <a:xfrm>
-            <a:off x="380999" y="5742690"/>
-            <a:ext cx="2438401" cy="369332"/>
-          </a:xfrm>
-          <a:prstGeom prst="rect">
-            <a:avLst/>
-          </a:prstGeom>
-          <a:noFill/>
-        </p:spPr>
-        <p:txBody>
-          <a:bodyPr wrap="square" rtlCol="0">
-            <a:spAutoFit/>
-          </a:bodyPr>
-          <a:lstStyle/>
-          <a:p>
-            <a:r>
-              <a:rPr lang="en-GB" dirty="0">
-                <a:solidFill>
-                  <a:schemeClr val="bg1"/>
-                </a:solidFill>
-              </a:rPr>
-              <a:t>Extra Hot (&gt;100000)</a:t>
-            </a:r>
-          </a:p>
-        </p:txBody>
-      </p:sp>
-      <p:sp>
-        <p:nvSpPr>
-          <p:cNvPr id="76" name="TextBox 75">
-            <a:extLst>
-              <a:ext uri="{FF2B5EF4-FFF2-40B4-BE49-F238E27FC236}">
-                <a16:creationId xmlns:a16="http://schemas.microsoft.com/office/drawing/2014/main" id="{F7A70200-CFC6-4442-B4C1-251A137B910C}"/>
-              </a:ext>
-            </a:extLst>
-          </p:cNvPr>
-          <p:cNvSpPr txBox="1"/>
-          <p:nvPr/>
-        </p:nvSpPr>
-        <p:spPr>
-          <a:xfrm>
-            <a:off x="6553200" y="3292622"/>
-            <a:ext cx="846707" cy="369332"/>
+            <a:off x="2616144" y="2105561"/>
+            <a:ext cx="3911712" cy="2646878"/>
           </a:xfrm>
           <a:prstGeom prst="rect">
             <a:avLst/>
@@ -30355,576 +29984,20 @@
           <a:lstStyle/>
           <a:p>
             <a:r>
-              <a:rPr lang="en-GB" dirty="0">
+              <a:rPr lang="en-GB" sz="16600" dirty="0">
                 <a:solidFill>
                   <a:schemeClr val="bg1"/>
                 </a:solidFill>
               </a:rPr>
-              <a:t>Bailout</a:t>
+              <a:t>YES!</a:t>
             </a:r>
           </a:p>
         </p:txBody>
       </p:sp>
-      <p:sp>
-        <p:nvSpPr>
-          <p:cNvPr id="78" name="Rectangle: Rounded Corners 77">
-            <a:extLst>
-              <a:ext uri="{FF2B5EF4-FFF2-40B4-BE49-F238E27FC236}">
-                <a16:creationId xmlns:a16="http://schemas.microsoft.com/office/drawing/2014/main" id="{B13D2CB9-7351-4EA9-B297-E53D8FDC398C}"/>
-              </a:ext>
-            </a:extLst>
-          </p:cNvPr>
-          <p:cNvSpPr/>
-          <p:nvPr/>
-        </p:nvSpPr>
-        <p:spPr>
-          <a:xfrm>
-            <a:off x="4724400" y="3308644"/>
-            <a:ext cx="1676400" cy="685800"/>
-          </a:xfrm>
-          <a:prstGeom prst="roundRect">
-            <a:avLst/>
-          </a:prstGeom>
-        </p:spPr>
-        <p:style>
-          <a:lnRef idx="2">
-            <a:schemeClr val="accent1">
-              <a:shade val="50000"/>
-            </a:schemeClr>
-          </a:lnRef>
-          <a:fillRef idx="1">
-            <a:schemeClr val="accent1"/>
-          </a:fillRef>
-          <a:effectRef idx="0">
-            <a:schemeClr val="accent1"/>
-          </a:effectRef>
-          <a:fontRef idx="minor">
-            <a:schemeClr val="lt1"/>
-          </a:fontRef>
-        </p:style>
-        <p:txBody>
-          <a:bodyPr rtlCol="0" anchor="ctr"/>
-          <a:lstStyle/>
-          <a:p>
-            <a:pPr algn="ctr"/>
-            <a:r>
-              <a:rPr lang="en-GB" dirty="0"/>
-              <a:t>AST Interpreter</a:t>
-            </a:r>
-          </a:p>
-        </p:txBody>
-      </p:sp>
-      <p:cxnSp>
-        <p:nvCxnSpPr>
-          <p:cNvPr id="84" name="Connector: Elbow 83">
-            <a:extLst>
-              <a:ext uri="{FF2B5EF4-FFF2-40B4-BE49-F238E27FC236}">
-                <a16:creationId xmlns:a16="http://schemas.microsoft.com/office/drawing/2014/main" id="{67094F98-DD9D-48D8-A28D-9185A2BADE91}"/>
-              </a:ext>
-            </a:extLst>
-          </p:cNvPr>
-          <p:cNvCxnSpPr>
-            <a:stCxn id="52" idx="3"/>
-            <a:endCxn id="78" idx="1"/>
-          </p:cNvCxnSpPr>
-          <p:nvPr/>
-        </p:nvCxnSpPr>
-        <p:spPr>
-          <a:xfrm>
-            <a:off x="3962400" y="1562100"/>
-            <a:ext cx="762000" cy="2089444"/>
-          </a:xfrm>
-          <a:prstGeom prst="bentConnector3">
-            <a:avLst/>
-          </a:prstGeom>
-          <a:ln>
-            <a:tailEnd type="triangle"/>
-          </a:ln>
-        </p:spPr>
-        <p:style>
-          <a:lnRef idx="1">
-            <a:schemeClr val="accent1"/>
-          </a:lnRef>
-          <a:fillRef idx="0">
-            <a:schemeClr val="accent1"/>
-          </a:fillRef>
-          <a:effectRef idx="0">
-            <a:schemeClr val="accent1"/>
-          </a:effectRef>
-          <a:fontRef idx="minor">
-            <a:schemeClr val="tx1"/>
-          </a:fontRef>
-        </p:style>
-      </p:cxnSp>
-      <p:cxnSp>
-        <p:nvCxnSpPr>
-          <p:cNvPr id="86" name="Connector: Elbow 85">
-            <a:extLst>
-              <a:ext uri="{FF2B5EF4-FFF2-40B4-BE49-F238E27FC236}">
-                <a16:creationId xmlns:a16="http://schemas.microsoft.com/office/drawing/2014/main" id="{FC0F1233-731D-4F90-9B82-D75DDB422852}"/>
-              </a:ext>
-            </a:extLst>
-          </p:cNvPr>
-          <p:cNvCxnSpPr>
-            <a:stCxn id="52" idx="3"/>
-            <a:endCxn id="53" idx="1"/>
-          </p:cNvCxnSpPr>
-          <p:nvPr/>
-        </p:nvCxnSpPr>
-        <p:spPr>
-          <a:xfrm>
-            <a:off x="3962400" y="1562100"/>
-            <a:ext cx="762000" cy="3216422"/>
-          </a:xfrm>
-          <a:prstGeom prst="bentConnector3">
-            <a:avLst/>
-          </a:prstGeom>
-          <a:ln>
-            <a:tailEnd type="triangle"/>
-          </a:ln>
-        </p:spPr>
-        <p:style>
-          <a:lnRef idx="1">
-            <a:schemeClr val="accent1"/>
-          </a:lnRef>
-          <a:fillRef idx="0">
-            <a:schemeClr val="accent1"/>
-          </a:fillRef>
-          <a:effectRef idx="0">
-            <a:schemeClr val="accent1"/>
-          </a:effectRef>
-          <a:fontRef idx="minor">
-            <a:schemeClr val="tx1"/>
-          </a:fontRef>
-        </p:style>
-      </p:cxnSp>
-      <p:cxnSp>
-        <p:nvCxnSpPr>
-          <p:cNvPr id="88" name="Connector: Elbow 87">
-            <a:extLst>
-              <a:ext uri="{FF2B5EF4-FFF2-40B4-BE49-F238E27FC236}">
-                <a16:creationId xmlns:a16="http://schemas.microsoft.com/office/drawing/2014/main" id="{05A91D2F-96CE-4E82-B43E-9A5472CD63D0}"/>
-              </a:ext>
-            </a:extLst>
-          </p:cNvPr>
-          <p:cNvCxnSpPr>
-            <a:stCxn id="52" idx="3"/>
-            <a:endCxn id="54" idx="1"/>
-          </p:cNvCxnSpPr>
-          <p:nvPr/>
-        </p:nvCxnSpPr>
-        <p:spPr>
-          <a:xfrm>
-            <a:off x="3962400" y="1562100"/>
-            <a:ext cx="762000" cy="4343400"/>
-          </a:xfrm>
-          <a:prstGeom prst="bentConnector3">
-            <a:avLst/>
-          </a:prstGeom>
-          <a:ln>
-            <a:tailEnd type="triangle"/>
-          </a:ln>
-        </p:spPr>
-        <p:style>
-          <a:lnRef idx="1">
-            <a:schemeClr val="accent1"/>
-          </a:lnRef>
-          <a:fillRef idx="0">
-            <a:schemeClr val="accent1"/>
-          </a:fillRef>
-          <a:effectRef idx="0">
-            <a:schemeClr val="accent1"/>
-          </a:effectRef>
-          <a:fontRef idx="minor">
-            <a:schemeClr val="tx1"/>
-          </a:fontRef>
-        </p:style>
-      </p:cxnSp>
-      <p:cxnSp>
-        <p:nvCxnSpPr>
-          <p:cNvPr id="92" name="Connector: Elbow 91">
-            <a:extLst>
-              <a:ext uri="{FF2B5EF4-FFF2-40B4-BE49-F238E27FC236}">
-                <a16:creationId xmlns:a16="http://schemas.microsoft.com/office/drawing/2014/main" id="{FDFCEB2B-8079-4807-A2F3-AEE1DA4D2578}"/>
-              </a:ext>
-            </a:extLst>
-          </p:cNvPr>
-          <p:cNvCxnSpPr>
-            <a:stCxn id="53" idx="3"/>
-            <a:endCxn id="78" idx="3"/>
-          </p:cNvCxnSpPr>
-          <p:nvPr/>
-        </p:nvCxnSpPr>
-        <p:spPr>
-          <a:xfrm flipV="1">
-            <a:off x="6400800" y="3651544"/>
-            <a:ext cx="12700" cy="1126978"/>
-          </a:xfrm>
-          <a:prstGeom prst="bentConnector3">
-            <a:avLst>
-              <a:gd name="adj1" fmla="val 7171433"/>
-            </a:avLst>
-          </a:prstGeom>
-          <a:ln>
-            <a:tailEnd type="triangle"/>
-          </a:ln>
-        </p:spPr>
-        <p:style>
-          <a:lnRef idx="1">
-            <a:schemeClr val="accent1"/>
-          </a:lnRef>
-          <a:fillRef idx="0">
-            <a:schemeClr val="accent1"/>
-          </a:fillRef>
-          <a:effectRef idx="0">
-            <a:schemeClr val="accent1"/>
-          </a:effectRef>
-          <a:fontRef idx="minor">
-            <a:schemeClr val="tx1"/>
-          </a:fontRef>
-        </p:style>
-      </p:cxnSp>
-      <p:cxnSp>
-        <p:nvCxnSpPr>
-          <p:cNvPr id="94" name="Connector: Elbow 93">
-            <a:extLst>
-              <a:ext uri="{FF2B5EF4-FFF2-40B4-BE49-F238E27FC236}">
-                <a16:creationId xmlns:a16="http://schemas.microsoft.com/office/drawing/2014/main" id="{1BC9866A-DF14-410E-BB13-7A15209B725F}"/>
-              </a:ext>
-            </a:extLst>
-          </p:cNvPr>
-          <p:cNvCxnSpPr>
-            <a:stCxn id="54" idx="3"/>
-            <a:endCxn id="78" idx="3"/>
-          </p:cNvCxnSpPr>
-          <p:nvPr/>
-        </p:nvCxnSpPr>
-        <p:spPr>
-          <a:xfrm flipV="1">
-            <a:off x="6400800" y="3651544"/>
-            <a:ext cx="12700" cy="2253956"/>
-          </a:xfrm>
-          <a:prstGeom prst="bentConnector3">
-            <a:avLst>
-              <a:gd name="adj1" fmla="val 7171425"/>
-            </a:avLst>
-          </a:prstGeom>
-          <a:ln>
-            <a:tailEnd type="triangle"/>
-          </a:ln>
-        </p:spPr>
-        <p:style>
-          <a:lnRef idx="1">
-            <a:schemeClr val="accent1"/>
-          </a:lnRef>
-          <a:fillRef idx="0">
-            <a:schemeClr val="accent1"/>
-          </a:fillRef>
-          <a:effectRef idx="0">
-            <a:schemeClr val="accent1"/>
-          </a:effectRef>
-          <a:fontRef idx="minor">
-            <a:schemeClr val="tx1"/>
-          </a:fontRef>
-        </p:style>
-      </p:cxnSp>
-      <p:cxnSp>
-        <p:nvCxnSpPr>
-          <p:cNvPr id="100" name="Straight Connector 99">
-            <a:extLst>
-              <a:ext uri="{FF2B5EF4-FFF2-40B4-BE49-F238E27FC236}">
-                <a16:creationId xmlns:a16="http://schemas.microsoft.com/office/drawing/2014/main" id="{A48269E2-82B7-49E0-A5CD-465B37242EA6}"/>
-              </a:ext>
-            </a:extLst>
-          </p:cNvPr>
-          <p:cNvCxnSpPr>
-            <a:cxnSpLocks/>
-          </p:cNvCxnSpPr>
-          <p:nvPr/>
-        </p:nvCxnSpPr>
-        <p:spPr>
-          <a:xfrm>
-            <a:off x="457200" y="5350022"/>
-            <a:ext cx="8229600" cy="0"/>
-          </a:xfrm>
-          <a:prstGeom prst="line">
-            <a:avLst/>
-          </a:prstGeom>
-        </p:spPr>
-        <p:style>
-          <a:lnRef idx="1">
-            <a:schemeClr val="accent6"/>
-          </a:lnRef>
-          <a:fillRef idx="0">
-            <a:schemeClr val="accent6"/>
-          </a:fillRef>
-          <a:effectRef idx="0">
-            <a:schemeClr val="accent6"/>
-          </a:effectRef>
-          <a:fontRef idx="minor">
-            <a:schemeClr val="tx1"/>
-          </a:fontRef>
-        </p:style>
-      </p:cxnSp>
-      <p:cxnSp>
-        <p:nvCxnSpPr>
-          <p:cNvPr id="103" name="Straight Connector 102">
-            <a:extLst>
-              <a:ext uri="{FF2B5EF4-FFF2-40B4-BE49-F238E27FC236}">
-                <a16:creationId xmlns:a16="http://schemas.microsoft.com/office/drawing/2014/main" id="{8DB488B3-68DB-4A42-BA9B-1B47FC68A1C5}"/>
-              </a:ext>
-            </a:extLst>
-          </p:cNvPr>
-          <p:cNvCxnSpPr>
-            <a:cxnSpLocks/>
-          </p:cNvCxnSpPr>
-          <p:nvPr/>
-        </p:nvCxnSpPr>
-        <p:spPr>
-          <a:xfrm>
-            <a:off x="457200" y="4207022"/>
-            <a:ext cx="8229600" cy="0"/>
-          </a:xfrm>
-          <a:prstGeom prst="line">
-            <a:avLst/>
-          </a:prstGeom>
-        </p:spPr>
-        <p:style>
-          <a:lnRef idx="1">
-            <a:schemeClr val="accent6"/>
-          </a:lnRef>
-          <a:fillRef idx="0">
-            <a:schemeClr val="accent6"/>
-          </a:fillRef>
-          <a:effectRef idx="0">
-            <a:schemeClr val="accent6"/>
-          </a:effectRef>
-          <a:fontRef idx="minor">
-            <a:schemeClr val="tx1"/>
-          </a:fontRef>
-        </p:style>
-      </p:cxnSp>
-      <p:cxnSp>
-        <p:nvCxnSpPr>
-          <p:cNvPr id="104" name="Straight Connector 103">
-            <a:extLst>
-              <a:ext uri="{FF2B5EF4-FFF2-40B4-BE49-F238E27FC236}">
-                <a16:creationId xmlns:a16="http://schemas.microsoft.com/office/drawing/2014/main" id="{B6BFC27F-3E6B-470B-96AF-E59A67ABF196}"/>
-              </a:ext>
-            </a:extLst>
-          </p:cNvPr>
-          <p:cNvCxnSpPr>
-            <a:cxnSpLocks/>
-          </p:cNvCxnSpPr>
-          <p:nvPr/>
-        </p:nvCxnSpPr>
-        <p:spPr>
-          <a:xfrm>
-            <a:off x="457200" y="3064022"/>
-            <a:ext cx="8229600" cy="0"/>
-          </a:xfrm>
-          <a:prstGeom prst="line">
-            <a:avLst/>
-          </a:prstGeom>
-        </p:spPr>
-        <p:style>
-          <a:lnRef idx="1">
-            <a:schemeClr val="accent6"/>
-          </a:lnRef>
-          <a:fillRef idx="0">
-            <a:schemeClr val="accent6"/>
-          </a:fillRef>
-          <a:effectRef idx="0">
-            <a:schemeClr val="accent6"/>
-          </a:effectRef>
-          <a:fontRef idx="minor">
-            <a:schemeClr val="tx1"/>
-          </a:fontRef>
-        </p:style>
-      </p:cxnSp>
-      <p:sp>
-        <p:nvSpPr>
-          <p:cNvPr id="105" name="TextBox 104">
-            <a:extLst>
-              <a:ext uri="{FF2B5EF4-FFF2-40B4-BE49-F238E27FC236}">
-                <a16:creationId xmlns:a16="http://schemas.microsoft.com/office/drawing/2014/main" id="{477236A1-DE73-45A5-B659-C50842C6F0EC}"/>
-              </a:ext>
-            </a:extLst>
-          </p:cNvPr>
-          <p:cNvSpPr txBox="1"/>
-          <p:nvPr/>
-        </p:nvSpPr>
-        <p:spPr>
-          <a:xfrm>
-            <a:off x="380999" y="3406921"/>
-            <a:ext cx="1442108" cy="369332"/>
-          </a:xfrm>
-          <a:prstGeom prst="rect">
-            <a:avLst/>
-          </a:prstGeom>
-          <a:noFill/>
-        </p:spPr>
-        <p:txBody>
-          <a:bodyPr wrap="square" rtlCol="0" anchor="t" anchorCtr="0">
-            <a:spAutoFit/>
-          </a:bodyPr>
-          <a:lstStyle/>
-          <a:p>
-            <a:r>
-              <a:rPr lang="en-GB" dirty="0">
-                <a:solidFill>
-                  <a:schemeClr val="bg1"/>
-                </a:solidFill>
-              </a:rPr>
-              <a:t>Cold</a:t>
-            </a:r>
-          </a:p>
-        </p:txBody>
-      </p:sp>
-      <p:sp>
-        <p:nvSpPr>
-          <p:cNvPr id="21" name="Rectangle: Rounded Corners 20">
-            <a:extLst>
-              <a:ext uri="{FF2B5EF4-FFF2-40B4-BE49-F238E27FC236}">
-                <a16:creationId xmlns:a16="http://schemas.microsoft.com/office/drawing/2014/main" id="{2028A857-EC55-4CB7-9283-65149E8A9597}"/>
-              </a:ext>
-            </a:extLst>
-          </p:cNvPr>
-          <p:cNvSpPr/>
-          <p:nvPr/>
-        </p:nvSpPr>
-        <p:spPr>
-          <a:xfrm>
-            <a:off x="386192" y="2133600"/>
-            <a:ext cx="1676400" cy="685800"/>
-          </a:xfrm>
-          <a:prstGeom prst="roundRect">
-            <a:avLst/>
-          </a:prstGeom>
-        </p:spPr>
-        <p:style>
-          <a:lnRef idx="2">
-            <a:schemeClr val="accent1">
-              <a:shade val="50000"/>
-            </a:schemeClr>
-          </a:lnRef>
-          <a:fillRef idx="1">
-            <a:schemeClr val="accent1"/>
-          </a:fillRef>
-          <a:effectRef idx="0">
-            <a:schemeClr val="accent1"/>
-          </a:effectRef>
-          <a:fontRef idx="minor">
-            <a:schemeClr val="lt1"/>
-          </a:fontRef>
-        </p:style>
-        <p:txBody>
-          <a:bodyPr rtlCol="0" anchor="ctr"/>
-          <a:lstStyle/>
-          <a:p>
-            <a:pPr algn="ctr"/>
-            <a:r>
-              <a:rPr lang="en-GB" dirty="0"/>
-              <a:t>WASM</a:t>
-            </a:r>
-          </a:p>
-        </p:txBody>
-      </p:sp>
-      <p:sp>
-        <p:nvSpPr>
-          <p:cNvPr id="22" name="Rectangle: Rounded Corners 21">
-            <a:extLst>
-              <a:ext uri="{FF2B5EF4-FFF2-40B4-BE49-F238E27FC236}">
-                <a16:creationId xmlns:a16="http://schemas.microsoft.com/office/drawing/2014/main" id="{D8E6D891-B372-4C64-85BD-754FDDB41B4C}"/>
-              </a:ext>
-            </a:extLst>
-          </p:cNvPr>
-          <p:cNvSpPr/>
-          <p:nvPr/>
-        </p:nvSpPr>
-        <p:spPr>
-          <a:xfrm>
-            <a:off x="2451100" y="3319054"/>
-            <a:ext cx="1676400" cy="685800"/>
-          </a:xfrm>
-          <a:prstGeom prst="roundRect">
-            <a:avLst/>
-          </a:prstGeom>
-        </p:spPr>
-        <p:style>
-          <a:lnRef idx="2">
-            <a:schemeClr val="accent1">
-              <a:shade val="50000"/>
-            </a:schemeClr>
-          </a:lnRef>
-          <a:fillRef idx="1">
-            <a:schemeClr val="accent1"/>
-          </a:fillRef>
-          <a:effectRef idx="0">
-            <a:schemeClr val="accent1"/>
-          </a:effectRef>
-          <a:fontRef idx="minor">
-            <a:schemeClr val="lt1"/>
-          </a:fontRef>
-        </p:style>
-        <p:txBody>
-          <a:bodyPr rtlCol="0" anchor="ctr"/>
-          <a:lstStyle/>
-          <a:p>
-            <a:pPr algn="ctr"/>
-            <a:r>
-              <a:rPr lang="en-GB" dirty="0"/>
-              <a:t>WASM VM</a:t>
-            </a:r>
-          </a:p>
-        </p:txBody>
-      </p:sp>
-      <p:cxnSp>
-        <p:nvCxnSpPr>
-          <p:cNvPr id="6" name="Connector: Elbow 5">
-            <a:extLst>
-              <a:ext uri="{FF2B5EF4-FFF2-40B4-BE49-F238E27FC236}">
-                <a16:creationId xmlns:a16="http://schemas.microsoft.com/office/drawing/2014/main" id="{43C41C93-CA17-4712-A614-60A6D44ADA2D}"/>
-              </a:ext>
-            </a:extLst>
-          </p:cNvPr>
-          <p:cNvCxnSpPr>
-            <a:stCxn id="21" idx="3"/>
-            <a:endCxn id="22" idx="1"/>
-          </p:cNvCxnSpPr>
-          <p:nvPr/>
-        </p:nvCxnSpPr>
-        <p:spPr>
-          <a:xfrm>
-            <a:off x="2062592" y="2476500"/>
-            <a:ext cx="388508" cy="1185454"/>
-          </a:xfrm>
-          <a:prstGeom prst="bentConnector3">
-            <a:avLst/>
-          </a:prstGeom>
-          <a:ln>
-            <a:tailEnd type="triangle"/>
-          </a:ln>
-        </p:spPr>
-        <p:style>
-          <a:lnRef idx="1">
-            <a:schemeClr val="accent1"/>
-          </a:lnRef>
-          <a:fillRef idx="0">
-            <a:schemeClr val="accent1"/>
-          </a:fillRef>
-          <a:effectRef idx="0">
-            <a:schemeClr val="accent1"/>
-          </a:effectRef>
-          <a:fontRef idx="minor">
-            <a:schemeClr val="tx1"/>
-          </a:fontRef>
-        </p:style>
-      </p:cxnSp>
     </p:spTree>
     <p:extLst>
       <p:ext uri="{BB962C8B-B14F-4D97-AF65-F5344CB8AC3E}">
-        <p14:creationId xmlns:p14="http://schemas.microsoft.com/office/powerpoint/2010/main" val="71980449"/>
+        <p14:creationId xmlns:p14="http://schemas.microsoft.com/office/powerpoint/2010/main" val="2187455491"/>
       </p:ext>
     </p:extLst>
   </p:cSld>
@@ -30953,221 +30026,10 @@
       </p:grpSpPr>
       <p:sp>
         <p:nvSpPr>
-          <p:cNvPr id="5" name="Title 1"/>
-          <p:cNvSpPr>
-            <a:spLocks noGrp="1"/>
-          </p:cNvSpPr>
-          <p:nvPr>
-            <p:ph type="title"/>
-          </p:nvPr>
-        </p:nvSpPr>
-        <p:spPr>
-          <a:xfrm>
-            <a:off x="457200" y="274638"/>
-            <a:ext cx="8229600" cy="511156"/>
-          </a:xfrm>
-        </p:spPr>
-        <p:txBody>
-          <a:bodyPr>
-            <a:noAutofit/>
-          </a:bodyPr>
-          <a:lstStyle/>
-          <a:p>
-            <a:pPr fontAlgn="base">
-              <a:spcAft>
-                <a:spcPct val="0"/>
-              </a:spcAft>
-              <a:defRPr/>
-            </a:pPr>
-            <a:r>
-              <a:rPr lang="en-GB" sz="4000" kern="0" dirty="0">
-                <a:solidFill>
-                  <a:srgbClr val="0098D4"/>
-                </a:solidFill>
-                <a:latin typeface="Calibri" pitchFamily="34" charset="0"/>
-              </a:rPr>
-              <a:t>#. Performance</a:t>
-            </a:r>
-          </a:p>
-        </p:txBody>
-      </p:sp>
-      <p:sp>
-        <p:nvSpPr>
-          <p:cNvPr id="6" name="Content Placeholder 2"/>
-          <p:cNvSpPr txBox="1">
-            <a:spLocks/>
-          </p:cNvSpPr>
-          <p:nvPr/>
-        </p:nvSpPr>
-        <p:spPr>
-          <a:xfrm>
-            <a:off x="457200" y="1071545"/>
-            <a:ext cx="8229600" cy="4857785"/>
-          </a:xfrm>
-          <a:prstGeom prst="rect">
-            <a:avLst/>
-          </a:prstGeom>
-        </p:spPr>
-        <p:txBody>
-          <a:bodyPr vert="horz" lIns="91440" tIns="45720" rIns="91440" bIns="45720" rtlCol="0">
-            <a:normAutofit/>
-          </a:bodyPr>
-          <a:lstStyle>
-            <a:lvl1pPr marL="0" indent="0" algn="l" defTabSz="914400" rtl="0" eaLnBrk="1" latinLnBrk="0" hangingPunct="1">
-              <a:spcBef>
-                <a:spcPct val="20000"/>
-              </a:spcBef>
-              <a:buFont typeface="Arial" pitchFamily="34" charset="0"/>
-              <a:buNone/>
-              <a:defRPr sz="3200" kern="1200">
-                <a:solidFill>
-                  <a:schemeClr val="tx1"/>
-                </a:solidFill>
-                <a:latin typeface="+mn-lt"/>
-                <a:ea typeface="+mn-ea"/>
-                <a:cs typeface="+mn-cs"/>
-              </a:defRPr>
-            </a:lvl1pPr>
-            <a:lvl2pPr marL="457200" indent="0" algn="l" defTabSz="914400" rtl="0" eaLnBrk="1" latinLnBrk="0" hangingPunct="1">
-              <a:spcBef>
-                <a:spcPct val="20000"/>
-              </a:spcBef>
-              <a:buFont typeface="Arial" pitchFamily="34" charset="0"/>
-              <a:buNone/>
-              <a:defRPr sz="2800" kern="1200">
-                <a:solidFill>
-                  <a:schemeClr val="tx1"/>
-                </a:solidFill>
-                <a:latin typeface="+mn-lt"/>
-                <a:ea typeface="+mn-ea"/>
-                <a:cs typeface="+mn-cs"/>
-              </a:defRPr>
-            </a:lvl2pPr>
-            <a:lvl3pPr marL="914400" indent="0" algn="l" defTabSz="914400" rtl="0" eaLnBrk="1" latinLnBrk="0" hangingPunct="1">
-              <a:spcBef>
-                <a:spcPct val="20000"/>
-              </a:spcBef>
-              <a:buFont typeface="Arial" pitchFamily="34" charset="0"/>
-              <a:buNone/>
-              <a:defRPr sz="2400" kern="1200">
-                <a:solidFill>
-                  <a:schemeClr val="tx1"/>
-                </a:solidFill>
-                <a:latin typeface="+mn-lt"/>
-                <a:ea typeface="+mn-ea"/>
-                <a:cs typeface="+mn-cs"/>
-              </a:defRPr>
-            </a:lvl3pPr>
-            <a:lvl4pPr marL="1371600" indent="0" algn="l" defTabSz="914400" rtl="0" eaLnBrk="1" latinLnBrk="0" hangingPunct="1">
-              <a:spcBef>
-                <a:spcPct val="20000"/>
-              </a:spcBef>
-              <a:buFont typeface="Arial" pitchFamily="34" charset="0"/>
-              <a:buNone/>
-              <a:defRPr sz="2000" kern="1200">
-                <a:solidFill>
-                  <a:schemeClr val="tx1"/>
-                </a:solidFill>
-                <a:latin typeface="+mn-lt"/>
-                <a:ea typeface="+mn-ea"/>
-                <a:cs typeface="+mn-cs"/>
-              </a:defRPr>
-            </a:lvl4pPr>
-            <a:lvl5pPr marL="1828800" indent="0" algn="l" defTabSz="914400" rtl="0" eaLnBrk="1" latinLnBrk="0" hangingPunct="1">
-              <a:spcBef>
-                <a:spcPct val="20000"/>
-              </a:spcBef>
-              <a:buFont typeface="Arial" pitchFamily="34" charset="0"/>
-              <a:buNone/>
-              <a:defRPr sz="2000" kern="1200">
-                <a:solidFill>
-                  <a:schemeClr val="tx1"/>
-                </a:solidFill>
-                <a:latin typeface="+mn-lt"/>
-                <a:ea typeface="+mn-ea"/>
-                <a:cs typeface="+mn-cs"/>
-              </a:defRPr>
-            </a:lvl5pPr>
-            <a:lvl6pPr marL="2286000" indent="0" algn="l" defTabSz="914400" rtl="0" eaLnBrk="1" latinLnBrk="0" hangingPunct="1">
-              <a:spcBef>
-                <a:spcPct val="20000"/>
-              </a:spcBef>
-              <a:buFont typeface="Arial" pitchFamily="34" charset="0"/>
-              <a:buNone/>
-              <a:defRPr sz="2000" kern="1200">
-                <a:solidFill>
-                  <a:schemeClr val="tx1"/>
-                </a:solidFill>
-                <a:latin typeface="+mn-lt"/>
-                <a:ea typeface="+mn-ea"/>
-                <a:cs typeface="+mn-cs"/>
-              </a:defRPr>
-            </a:lvl6pPr>
-            <a:lvl7pPr marL="2743200" indent="0" algn="l" defTabSz="914400" rtl="0" eaLnBrk="1" latinLnBrk="0" hangingPunct="1">
-              <a:spcBef>
-                <a:spcPct val="20000"/>
-              </a:spcBef>
-              <a:buFont typeface="Arial" pitchFamily="34" charset="0"/>
-              <a:buNone/>
-              <a:defRPr sz="2000" kern="1200">
-                <a:solidFill>
-                  <a:schemeClr val="tx1"/>
-                </a:solidFill>
-                <a:latin typeface="+mn-lt"/>
-                <a:ea typeface="+mn-ea"/>
-                <a:cs typeface="+mn-cs"/>
-              </a:defRPr>
-            </a:lvl7pPr>
-            <a:lvl8pPr marL="3200400" indent="0" algn="l" defTabSz="914400" rtl="0" eaLnBrk="1" latinLnBrk="0" hangingPunct="1">
-              <a:spcBef>
-                <a:spcPct val="20000"/>
-              </a:spcBef>
-              <a:buFont typeface="Arial" pitchFamily="34" charset="0"/>
-              <a:buNone/>
-              <a:defRPr sz="2000" kern="1200">
-                <a:solidFill>
-                  <a:schemeClr val="tx1"/>
-                </a:solidFill>
-                <a:latin typeface="+mn-lt"/>
-                <a:ea typeface="+mn-ea"/>
-                <a:cs typeface="+mn-cs"/>
-              </a:defRPr>
-            </a:lvl8pPr>
-            <a:lvl9pPr marL="3657600" indent="0" algn="l" defTabSz="914400" rtl="0" eaLnBrk="1" latinLnBrk="0" hangingPunct="1">
-              <a:spcBef>
-                <a:spcPct val="20000"/>
-              </a:spcBef>
-              <a:buFont typeface="Arial" pitchFamily="34" charset="0"/>
-              <a:buNone/>
-              <a:defRPr sz="2000" kern="1200">
-                <a:solidFill>
-                  <a:schemeClr val="tx1"/>
-                </a:solidFill>
-                <a:latin typeface="+mn-lt"/>
-                <a:ea typeface="+mn-ea"/>
-                <a:cs typeface="+mn-cs"/>
-              </a:defRPr>
-            </a:lvl9pPr>
-          </a:lstStyle>
-          <a:p>
-            <a:pPr marL="571500" indent="-571500">
-              <a:buFont typeface="Arial" panose="020B0604020202020204" pitchFamily="34" charset="0"/>
-              <a:buChar char="•"/>
-            </a:pPr>
-            <a:endParaRPr lang="en-GB" dirty="0">
-              <a:solidFill>
-                <a:schemeClr val="bg1"/>
-              </a:solidFill>
-            </a:endParaRPr>
-          </a:p>
-        </p:txBody>
-      </p:sp>
-      <p:sp>
-        <p:nvSpPr>
-          <p:cNvPr id="4" name="Content Placeholder 2">
+          <p:cNvPr id="5" name="Title 1">
             <a:extLst>
               <a:ext uri="{FF2B5EF4-FFF2-40B4-BE49-F238E27FC236}">
-                <a16:creationId xmlns:a16="http://schemas.microsoft.com/office/drawing/2014/main" id="{91C127C4-019D-4816-9ECF-D243EFA4189D}"/>
+                <a16:creationId xmlns:a16="http://schemas.microsoft.com/office/drawing/2014/main" id="{C900B82A-5E19-49EE-8045-59CDFBFE5B5F}"/>
               </a:ext>
             </a:extLst>
           </p:cNvPr>
@@ -31178,1310 +30040,129 @@
         </p:nvSpPr>
         <p:spPr>
           <a:xfrm>
-            <a:off x="609600" y="1223945"/>
-            <a:ext cx="8229600" cy="4857785"/>
+            <a:off x="0" y="3192860"/>
+            <a:ext cx="9144000" cy="472281"/>
           </a:xfrm>
           <a:prstGeom prst="rect">
             <a:avLst/>
           </a:prstGeom>
         </p:spPr>
         <p:txBody>
-          <a:bodyPr vert="horz" lIns="91440" tIns="45720" rIns="91440" bIns="45720" rtlCol="0">
-            <a:normAutofit/>
+          <a:bodyPr vert="horz" lIns="91440" tIns="45720" rIns="91440" bIns="45720" rtlCol="0" anchor="b">
+            <a:noAutofit/>
           </a:bodyPr>
           <a:lstStyle>
-            <a:lvl1pPr marL="0" indent="0" algn="l" defTabSz="914400" rtl="0" eaLnBrk="1" latinLnBrk="0" hangingPunct="1">
-              <a:spcBef>
-                <a:spcPct val="20000"/>
-              </a:spcBef>
-              <a:buFont typeface="Arial" pitchFamily="34" charset="0"/>
-              <a:buNone/>
-              <a:defRPr sz="3200" kern="1200">
-                <a:solidFill>
-                  <a:schemeClr val="tx1"/>
-                </a:solidFill>
-                <a:latin typeface="+mn-lt"/>
-                <a:ea typeface="+mn-ea"/>
-                <a:cs typeface="+mn-cs"/>
+            <a:lvl1pPr algn="l" defTabSz="914400" rtl="0" eaLnBrk="1" latinLnBrk="0" hangingPunct="1">
+              <a:spcBef>
+                <a:spcPct val="0"/>
+              </a:spcBef>
+              <a:buNone/>
+              <a:defRPr sz="2000" b="1" kern="1200">
+                <a:solidFill>
+                  <a:schemeClr val="tx1"/>
+                </a:solidFill>
+                <a:latin typeface="+mj-lt"/>
+                <a:ea typeface="+mj-ea"/>
+                <a:cs typeface="+mj-cs"/>
               </a:defRPr>
             </a:lvl1pPr>
-            <a:lvl2pPr marL="457200" indent="0" algn="l" defTabSz="914400" rtl="0" eaLnBrk="1" latinLnBrk="0" hangingPunct="1">
-              <a:spcBef>
-                <a:spcPct val="20000"/>
-              </a:spcBef>
-              <a:buFont typeface="Arial" pitchFamily="34" charset="0"/>
-              <a:buNone/>
-              <a:defRPr sz="2800" kern="1200">
-                <a:solidFill>
-                  <a:schemeClr val="tx1"/>
-                </a:solidFill>
-                <a:latin typeface="+mn-lt"/>
-                <a:ea typeface="+mn-ea"/>
-                <a:cs typeface="+mn-cs"/>
-              </a:defRPr>
-            </a:lvl2pPr>
-            <a:lvl3pPr marL="914400" indent="0" algn="l" defTabSz="914400" rtl="0" eaLnBrk="1" latinLnBrk="0" hangingPunct="1">
-              <a:spcBef>
-                <a:spcPct val="20000"/>
-              </a:spcBef>
-              <a:buFont typeface="Arial" pitchFamily="34" charset="0"/>
-              <a:buNone/>
-              <a:defRPr sz="2400" kern="1200">
-                <a:solidFill>
-                  <a:schemeClr val="tx1"/>
-                </a:solidFill>
-                <a:latin typeface="+mn-lt"/>
-                <a:ea typeface="+mn-ea"/>
-                <a:cs typeface="+mn-cs"/>
-              </a:defRPr>
-            </a:lvl3pPr>
-            <a:lvl4pPr marL="1371600" indent="0" algn="l" defTabSz="914400" rtl="0" eaLnBrk="1" latinLnBrk="0" hangingPunct="1">
-              <a:spcBef>
-                <a:spcPct val="20000"/>
-              </a:spcBef>
-              <a:buFont typeface="Arial" pitchFamily="34" charset="0"/>
-              <a:buNone/>
-              <a:defRPr sz="2000" kern="1200">
-                <a:solidFill>
-                  <a:schemeClr val="tx1"/>
-                </a:solidFill>
-                <a:latin typeface="+mn-lt"/>
-                <a:ea typeface="+mn-ea"/>
-                <a:cs typeface="+mn-cs"/>
-              </a:defRPr>
-            </a:lvl4pPr>
-            <a:lvl5pPr marL="1828800" indent="0" algn="l" defTabSz="914400" rtl="0" eaLnBrk="1" latinLnBrk="0" hangingPunct="1">
-              <a:spcBef>
-                <a:spcPct val="20000"/>
-              </a:spcBef>
-              <a:buFont typeface="Arial" pitchFamily="34" charset="0"/>
-              <a:buNone/>
-              <a:defRPr sz="2000" kern="1200">
-                <a:solidFill>
-                  <a:schemeClr val="tx1"/>
-                </a:solidFill>
-                <a:latin typeface="+mn-lt"/>
-                <a:ea typeface="+mn-ea"/>
-                <a:cs typeface="+mn-cs"/>
-              </a:defRPr>
-            </a:lvl5pPr>
-            <a:lvl6pPr marL="2286000" indent="0" algn="l" defTabSz="914400" rtl="0" eaLnBrk="1" latinLnBrk="0" hangingPunct="1">
-              <a:spcBef>
-                <a:spcPct val="20000"/>
-              </a:spcBef>
-              <a:buFont typeface="Arial" pitchFamily="34" charset="0"/>
-              <a:buNone/>
-              <a:defRPr sz="2000" kern="1200">
-                <a:solidFill>
-                  <a:schemeClr val="tx1"/>
-                </a:solidFill>
-                <a:latin typeface="+mn-lt"/>
-                <a:ea typeface="+mn-ea"/>
-                <a:cs typeface="+mn-cs"/>
-              </a:defRPr>
-            </a:lvl6pPr>
-            <a:lvl7pPr marL="2743200" indent="0" algn="l" defTabSz="914400" rtl="0" eaLnBrk="1" latinLnBrk="0" hangingPunct="1">
-              <a:spcBef>
-                <a:spcPct val="20000"/>
-              </a:spcBef>
-              <a:buFont typeface="Arial" pitchFamily="34" charset="0"/>
-              <a:buNone/>
-              <a:defRPr sz="2000" kern="1200">
-                <a:solidFill>
-                  <a:schemeClr val="tx1"/>
-                </a:solidFill>
-                <a:latin typeface="+mn-lt"/>
-                <a:ea typeface="+mn-ea"/>
-                <a:cs typeface="+mn-cs"/>
-              </a:defRPr>
-            </a:lvl7pPr>
-            <a:lvl8pPr marL="3200400" indent="0" algn="l" defTabSz="914400" rtl="0" eaLnBrk="1" latinLnBrk="0" hangingPunct="1">
-              <a:spcBef>
-                <a:spcPct val="20000"/>
-              </a:spcBef>
-              <a:buFont typeface="Arial" pitchFamily="34" charset="0"/>
-              <a:buNone/>
-              <a:defRPr sz="2000" kern="1200">
-                <a:solidFill>
-                  <a:schemeClr val="tx1"/>
-                </a:solidFill>
-                <a:latin typeface="+mn-lt"/>
-                <a:ea typeface="+mn-ea"/>
-                <a:cs typeface="+mn-cs"/>
-              </a:defRPr>
-            </a:lvl8pPr>
-            <a:lvl9pPr marL="3657600" indent="0" algn="l" defTabSz="914400" rtl="0" eaLnBrk="1" latinLnBrk="0" hangingPunct="1">
-              <a:spcBef>
-                <a:spcPct val="20000"/>
-              </a:spcBef>
-              <a:buFont typeface="Arial" pitchFamily="34" charset="0"/>
-              <a:buNone/>
-              <a:defRPr sz="2000" kern="1200">
-                <a:solidFill>
-                  <a:schemeClr val="tx1"/>
-                </a:solidFill>
-                <a:latin typeface="+mn-lt"/>
-                <a:ea typeface="+mn-ea"/>
-                <a:cs typeface="+mn-cs"/>
-              </a:defRPr>
-            </a:lvl9pPr>
           </a:lstStyle>
           <a:p>
-            <a:pPr marL="571500" indent="-571500">
-              <a:buFont typeface="Arial" panose="020B0604020202020204" pitchFamily="34" charset="0"/>
-              <a:buChar char="•"/>
+            <a:pPr algn="ctr" fontAlgn="base">
+              <a:spcAft>
+                <a:spcPct val="0"/>
+              </a:spcAft>
+              <a:defRPr/>
             </a:pPr>
-            <a:endParaRPr lang="en-GB" dirty="0">
+            <a:endParaRPr lang="en-GB" sz="4000" kern="0" dirty="0">
               <a:solidFill>
-                <a:schemeClr val="bg1"/>
+                <a:srgbClr val="0098D4"/>
               </a:solidFill>
+              <a:latin typeface="Calibri" pitchFamily="34" charset="0"/>
             </a:endParaRPr>
           </a:p>
           <a:p>
-            <a:pPr marL="571500" indent="-571500">
-              <a:buFont typeface="Arial" panose="020B0604020202020204" pitchFamily="34" charset="0"/>
-              <a:buChar char="•"/>
+            <a:pPr algn="ctr" fontAlgn="base">
+              <a:spcAft>
+                <a:spcPct val="0"/>
+              </a:spcAft>
+              <a:defRPr/>
             </a:pPr>
-            <a:endParaRPr lang="en-US" dirty="0">
+            <a:endParaRPr lang="en-GB" sz="4000" kern="0" dirty="0">
               <a:solidFill>
-                <a:schemeClr val="bg1"/>
+                <a:srgbClr val="0098D4"/>
               </a:solidFill>
+              <a:latin typeface="Calibri" pitchFamily="34" charset="0"/>
             </a:endParaRPr>
+          </a:p>
+          <a:p>
+            <a:pPr algn="ctr" fontAlgn="base">
+              <a:spcAft>
+                <a:spcPct val="0"/>
+              </a:spcAft>
+              <a:defRPr/>
+            </a:pPr>
+            <a:endParaRPr lang="en-GB" sz="4000" kern="0" dirty="0">
+              <a:solidFill>
+                <a:srgbClr val="0098D4"/>
+              </a:solidFill>
+              <a:latin typeface="Calibri" pitchFamily="34" charset="0"/>
+            </a:endParaRPr>
+          </a:p>
+          <a:p>
+            <a:pPr algn="ctr" fontAlgn="base">
+              <a:spcAft>
+                <a:spcPct val="0"/>
+              </a:spcAft>
+              <a:defRPr/>
+            </a:pPr>
+            <a:endParaRPr lang="en-GB" sz="4000" kern="0" dirty="0">
+              <a:solidFill>
+                <a:srgbClr val="0098D4"/>
+              </a:solidFill>
+              <a:latin typeface="Calibri" pitchFamily="34" charset="0"/>
+            </a:endParaRPr>
+          </a:p>
+          <a:p>
+            <a:pPr algn="ctr" fontAlgn="base">
+              <a:spcAft>
+                <a:spcPct val="0"/>
+              </a:spcAft>
+              <a:defRPr/>
+            </a:pPr>
+            <a:r>
+              <a:rPr lang="en-GB" sz="4000" kern="0" dirty="0">
+                <a:solidFill>
+                  <a:srgbClr val="0098D4"/>
+                </a:solidFill>
+                <a:latin typeface="Calibri" pitchFamily="34" charset="0"/>
+              </a:rPr>
+              <a:t>THANK YOU!</a:t>
+            </a:r>
+          </a:p>
+          <a:p>
+            <a:pPr algn="ctr" fontAlgn="base">
+              <a:spcAft>
+                <a:spcPct val="0"/>
+              </a:spcAft>
+              <a:defRPr/>
+            </a:pPr>
+            <a:r>
+              <a:rPr lang="en-GB" sz="4000" kern="0" dirty="0">
+                <a:solidFill>
+                  <a:srgbClr val="0098D4"/>
+                </a:solidFill>
+                <a:latin typeface="Calibri" pitchFamily="34" charset="0"/>
+              </a:rPr>
+              <a:t>Questions?</a:t>
+            </a:r>
           </a:p>
         </p:txBody>
       </p:sp>
     </p:spTree>
     <p:extLst>
       <p:ext uri="{BB962C8B-B14F-4D97-AF65-F5344CB8AC3E}">
-        <p14:creationId xmlns:p14="http://schemas.microsoft.com/office/powerpoint/2010/main" val="1272949033"/>
-      </p:ext>
-    </p:extLst>
-  </p:cSld>
-  <p:clrMapOvr>
-    <a:masterClrMapping/>
-  </p:clrMapOvr>
-</p:sld>
-</file>
-
-<file path=ppt/slides/slide38.xml><?xml version="1.0" encoding="utf-8"?>
-<p:sld xmlns:a="http://schemas.openxmlformats.org/drawingml/2006/main" xmlns:r="http://schemas.openxmlformats.org/officeDocument/2006/relationships" xmlns:p="http://schemas.openxmlformats.org/presentationml/2006/main">
-  <p:cSld>
-    <p:spTree>
-      <p:nvGrpSpPr>
-        <p:cNvPr id="1" name=""/>
-        <p:cNvGrpSpPr/>
-        <p:nvPr/>
-      </p:nvGrpSpPr>
-      <p:grpSpPr>
-        <a:xfrm>
-          <a:off x="0" y="0"/>
-          <a:ext cx="0" cy="0"/>
-          <a:chOff x="0" y="0"/>
-          <a:chExt cx="0" cy="0"/>
-        </a:xfrm>
-      </p:grpSpPr>
-      <p:sp>
-        <p:nvSpPr>
-          <p:cNvPr id="5" name="Title 1"/>
-          <p:cNvSpPr>
-            <a:spLocks noGrp="1"/>
-          </p:cNvSpPr>
-          <p:nvPr>
-            <p:ph type="title"/>
-          </p:nvPr>
-        </p:nvSpPr>
-        <p:spPr>
-          <a:xfrm>
-            <a:off x="457200" y="274638"/>
-            <a:ext cx="8229600" cy="511156"/>
-          </a:xfrm>
-        </p:spPr>
-        <p:txBody>
-          <a:bodyPr>
-            <a:noAutofit/>
-          </a:bodyPr>
-          <a:lstStyle/>
-          <a:p>
-            <a:pPr fontAlgn="base">
-              <a:spcAft>
-                <a:spcPct val="0"/>
-              </a:spcAft>
-              <a:defRPr/>
-            </a:pPr>
-            <a:r>
-              <a:rPr lang="en-GB" sz="4000" kern="0" dirty="0">
-                <a:solidFill>
-                  <a:srgbClr val="0098D4"/>
-                </a:solidFill>
-                <a:latin typeface="Calibri" pitchFamily="34" charset="0"/>
-              </a:rPr>
-              <a:t>#. Limitations</a:t>
-            </a:r>
-          </a:p>
-        </p:txBody>
-      </p:sp>
-      <p:sp>
-        <p:nvSpPr>
-          <p:cNvPr id="6" name="Content Placeholder 2"/>
-          <p:cNvSpPr txBox="1">
-            <a:spLocks/>
-          </p:cNvSpPr>
-          <p:nvPr/>
-        </p:nvSpPr>
-        <p:spPr>
-          <a:xfrm>
-            <a:off x="457200" y="1071545"/>
-            <a:ext cx="8229600" cy="4857785"/>
-          </a:xfrm>
-          <a:prstGeom prst="rect">
-            <a:avLst/>
-          </a:prstGeom>
-        </p:spPr>
-        <p:txBody>
-          <a:bodyPr vert="horz" lIns="91440" tIns="45720" rIns="91440" bIns="45720" rtlCol="0">
-            <a:normAutofit/>
-          </a:bodyPr>
-          <a:lstStyle>
-            <a:lvl1pPr marL="0" indent="0" algn="l" defTabSz="914400" rtl="0" eaLnBrk="1" latinLnBrk="0" hangingPunct="1">
-              <a:spcBef>
-                <a:spcPct val="20000"/>
-              </a:spcBef>
-              <a:buFont typeface="Arial" pitchFamily="34" charset="0"/>
-              <a:buNone/>
-              <a:defRPr sz="3200" kern="1200">
-                <a:solidFill>
-                  <a:schemeClr val="tx1"/>
-                </a:solidFill>
-                <a:latin typeface="+mn-lt"/>
-                <a:ea typeface="+mn-ea"/>
-                <a:cs typeface="+mn-cs"/>
-              </a:defRPr>
-            </a:lvl1pPr>
-            <a:lvl2pPr marL="457200" indent="0" algn="l" defTabSz="914400" rtl="0" eaLnBrk="1" latinLnBrk="0" hangingPunct="1">
-              <a:spcBef>
-                <a:spcPct val="20000"/>
-              </a:spcBef>
-              <a:buFont typeface="Arial" pitchFamily="34" charset="0"/>
-              <a:buNone/>
-              <a:defRPr sz="2800" kern="1200">
-                <a:solidFill>
-                  <a:schemeClr val="tx1"/>
-                </a:solidFill>
-                <a:latin typeface="+mn-lt"/>
-                <a:ea typeface="+mn-ea"/>
-                <a:cs typeface="+mn-cs"/>
-              </a:defRPr>
-            </a:lvl2pPr>
-            <a:lvl3pPr marL="914400" indent="0" algn="l" defTabSz="914400" rtl="0" eaLnBrk="1" latinLnBrk="0" hangingPunct="1">
-              <a:spcBef>
-                <a:spcPct val="20000"/>
-              </a:spcBef>
-              <a:buFont typeface="Arial" pitchFamily="34" charset="0"/>
-              <a:buNone/>
-              <a:defRPr sz="2400" kern="1200">
-                <a:solidFill>
-                  <a:schemeClr val="tx1"/>
-                </a:solidFill>
-                <a:latin typeface="+mn-lt"/>
-                <a:ea typeface="+mn-ea"/>
-                <a:cs typeface="+mn-cs"/>
-              </a:defRPr>
-            </a:lvl3pPr>
-            <a:lvl4pPr marL="1371600" indent="0" algn="l" defTabSz="914400" rtl="0" eaLnBrk="1" latinLnBrk="0" hangingPunct="1">
-              <a:spcBef>
-                <a:spcPct val="20000"/>
-              </a:spcBef>
-              <a:buFont typeface="Arial" pitchFamily="34" charset="0"/>
-              <a:buNone/>
-              <a:defRPr sz="2000" kern="1200">
-                <a:solidFill>
-                  <a:schemeClr val="tx1"/>
-                </a:solidFill>
-                <a:latin typeface="+mn-lt"/>
-                <a:ea typeface="+mn-ea"/>
-                <a:cs typeface="+mn-cs"/>
-              </a:defRPr>
-            </a:lvl4pPr>
-            <a:lvl5pPr marL="1828800" indent="0" algn="l" defTabSz="914400" rtl="0" eaLnBrk="1" latinLnBrk="0" hangingPunct="1">
-              <a:spcBef>
-                <a:spcPct val="20000"/>
-              </a:spcBef>
-              <a:buFont typeface="Arial" pitchFamily="34" charset="0"/>
-              <a:buNone/>
-              <a:defRPr sz="2000" kern="1200">
-                <a:solidFill>
-                  <a:schemeClr val="tx1"/>
-                </a:solidFill>
-                <a:latin typeface="+mn-lt"/>
-                <a:ea typeface="+mn-ea"/>
-                <a:cs typeface="+mn-cs"/>
-              </a:defRPr>
-            </a:lvl5pPr>
-            <a:lvl6pPr marL="2286000" indent="0" algn="l" defTabSz="914400" rtl="0" eaLnBrk="1" latinLnBrk="0" hangingPunct="1">
-              <a:spcBef>
-                <a:spcPct val="20000"/>
-              </a:spcBef>
-              <a:buFont typeface="Arial" pitchFamily="34" charset="0"/>
-              <a:buNone/>
-              <a:defRPr sz="2000" kern="1200">
-                <a:solidFill>
-                  <a:schemeClr val="tx1"/>
-                </a:solidFill>
-                <a:latin typeface="+mn-lt"/>
-                <a:ea typeface="+mn-ea"/>
-                <a:cs typeface="+mn-cs"/>
-              </a:defRPr>
-            </a:lvl6pPr>
-            <a:lvl7pPr marL="2743200" indent="0" algn="l" defTabSz="914400" rtl="0" eaLnBrk="1" latinLnBrk="0" hangingPunct="1">
-              <a:spcBef>
-                <a:spcPct val="20000"/>
-              </a:spcBef>
-              <a:buFont typeface="Arial" pitchFamily="34" charset="0"/>
-              <a:buNone/>
-              <a:defRPr sz="2000" kern="1200">
-                <a:solidFill>
-                  <a:schemeClr val="tx1"/>
-                </a:solidFill>
-                <a:latin typeface="+mn-lt"/>
-                <a:ea typeface="+mn-ea"/>
-                <a:cs typeface="+mn-cs"/>
-              </a:defRPr>
-            </a:lvl7pPr>
-            <a:lvl8pPr marL="3200400" indent="0" algn="l" defTabSz="914400" rtl="0" eaLnBrk="1" latinLnBrk="0" hangingPunct="1">
-              <a:spcBef>
-                <a:spcPct val="20000"/>
-              </a:spcBef>
-              <a:buFont typeface="Arial" pitchFamily="34" charset="0"/>
-              <a:buNone/>
-              <a:defRPr sz="2000" kern="1200">
-                <a:solidFill>
-                  <a:schemeClr val="tx1"/>
-                </a:solidFill>
-                <a:latin typeface="+mn-lt"/>
-                <a:ea typeface="+mn-ea"/>
-                <a:cs typeface="+mn-cs"/>
-              </a:defRPr>
-            </a:lvl8pPr>
-            <a:lvl9pPr marL="3657600" indent="0" algn="l" defTabSz="914400" rtl="0" eaLnBrk="1" latinLnBrk="0" hangingPunct="1">
-              <a:spcBef>
-                <a:spcPct val="20000"/>
-              </a:spcBef>
-              <a:buFont typeface="Arial" pitchFamily="34" charset="0"/>
-              <a:buNone/>
-              <a:defRPr sz="2000" kern="1200">
-                <a:solidFill>
-                  <a:schemeClr val="tx1"/>
-                </a:solidFill>
-                <a:latin typeface="+mn-lt"/>
-                <a:ea typeface="+mn-ea"/>
-                <a:cs typeface="+mn-cs"/>
-              </a:defRPr>
-            </a:lvl9pPr>
-          </a:lstStyle>
-          <a:p>
-            <a:pPr marL="571500" indent="-571500">
-              <a:buFont typeface="Arial" panose="020B0604020202020204" pitchFamily="34" charset="0"/>
-              <a:buChar char="•"/>
-            </a:pPr>
-            <a:endParaRPr lang="en-GB" dirty="0">
-              <a:solidFill>
-                <a:schemeClr val="bg1"/>
-              </a:solidFill>
-            </a:endParaRPr>
-          </a:p>
-        </p:txBody>
-      </p:sp>
-      <p:sp>
-        <p:nvSpPr>
-          <p:cNvPr id="4" name="Content Placeholder 2">
-            <a:extLst>
-              <a:ext uri="{FF2B5EF4-FFF2-40B4-BE49-F238E27FC236}">
-                <a16:creationId xmlns:a16="http://schemas.microsoft.com/office/drawing/2014/main" id="{91C127C4-019D-4816-9ECF-D243EFA4189D}"/>
-              </a:ext>
-            </a:extLst>
-          </p:cNvPr>
-          <p:cNvSpPr txBox="1">
-            <a:spLocks/>
-          </p:cNvSpPr>
-          <p:nvPr/>
-        </p:nvSpPr>
-        <p:spPr>
-          <a:xfrm>
-            <a:off x="609600" y="1223945"/>
-            <a:ext cx="8229600" cy="4857785"/>
-          </a:xfrm>
-          <a:prstGeom prst="rect">
-            <a:avLst/>
-          </a:prstGeom>
-        </p:spPr>
-        <p:txBody>
-          <a:bodyPr vert="horz" lIns="91440" tIns="45720" rIns="91440" bIns="45720" rtlCol="0">
-            <a:normAutofit/>
-          </a:bodyPr>
-          <a:lstStyle>
-            <a:lvl1pPr marL="0" indent="0" algn="l" defTabSz="914400" rtl="0" eaLnBrk="1" latinLnBrk="0" hangingPunct="1">
-              <a:spcBef>
-                <a:spcPct val="20000"/>
-              </a:spcBef>
-              <a:buFont typeface="Arial" pitchFamily="34" charset="0"/>
-              <a:buNone/>
-              <a:defRPr sz="3200" kern="1200">
-                <a:solidFill>
-                  <a:schemeClr val="tx1"/>
-                </a:solidFill>
-                <a:latin typeface="+mn-lt"/>
-                <a:ea typeface="+mn-ea"/>
-                <a:cs typeface="+mn-cs"/>
-              </a:defRPr>
-            </a:lvl1pPr>
-            <a:lvl2pPr marL="457200" indent="0" algn="l" defTabSz="914400" rtl="0" eaLnBrk="1" latinLnBrk="0" hangingPunct="1">
-              <a:spcBef>
-                <a:spcPct val="20000"/>
-              </a:spcBef>
-              <a:buFont typeface="Arial" pitchFamily="34" charset="0"/>
-              <a:buNone/>
-              <a:defRPr sz="2800" kern="1200">
-                <a:solidFill>
-                  <a:schemeClr val="tx1"/>
-                </a:solidFill>
-                <a:latin typeface="+mn-lt"/>
-                <a:ea typeface="+mn-ea"/>
-                <a:cs typeface="+mn-cs"/>
-              </a:defRPr>
-            </a:lvl2pPr>
-            <a:lvl3pPr marL="914400" indent="0" algn="l" defTabSz="914400" rtl="0" eaLnBrk="1" latinLnBrk="0" hangingPunct="1">
-              <a:spcBef>
-                <a:spcPct val="20000"/>
-              </a:spcBef>
-              <a:buFont typeface="Arial" pitchFamily="34" charset="0"/>
-              <a:buNone/>
-              <a:defRPr sz="2400" kern="1200">
-                <a:solidFill>
-                  <a:schemeClr val="tx1"/>
-                </a:solidFill>
-                <a:latin typeface="+mn-lt"/>
-                <a:ea typeface="+mn-ea"/>
-                <a:cs typeface="+mn-cs"/>
-              </a:defRPr>
-            </a:lvl3pPr>
-            <a:lvl4pPr marL="1371600" indent="0" algn="l" defTabSz="914400" rtl="0" eaLnBrk="1" latinLnBrk="0" hangingPunct="1">
-              <a:spcBef>
-                <a:spcPct val="20000"/>
-              </a:spcBef>
-              <a:buFont typeface="Arial" pitchFamily="34" charset="0"/>
-              <a:buNone/>
-              <a:defRPr sz="2000" kern="1200">
-                <a:solidFill>
-                  <a:schemeClr val="tx1"/>
-                </a:solidFill>
-                <a:latin typeface="+mn-lt"/>
-                <a:ea typeface="+mn-ea"/>
-                <a:cs typeface="+mn-cs"/>
-              </a:defRPr>
-            </a:lvl4pPr>
-            <a:lvl5pPr marL="1828800" indent="0" algn="l" defTabSz="914400" rtl="0" eaLnBrk="1" latinLnBrk="0" hangingPunct="1">
-              <a:spcBef>
-                <a:spcPct val="20000"/>
-              </a:spcBef>
-              <a:buFont typeface="Arial" pitchFamily="34" charset="0"/>
-              <a:buNone/>
-              <a:defRPr sz="2000" kern="1200">
-                <a:solidFill>
-                  <a:schemeClr val="tx1"/>
-                </a:solidFill>
-                <a:latin typeface="+mn-lt"/>
-                <a:ea typeface="+mn-ea"/>
-                <a:cs typeface="+mn-cs"/>
-              </a:defRPr>
-            </a:lvl5pPr>
-            <a:lvl6pPr marL="2286000" indent="0" algn="l" defTabSz="914400" rtl="0" eaLnBrk="1" latinLnBrk="0" hangingPunct="1">
-              <a:spcBef>
-                <a:spcPct val="20000"/>
-              </a:spcBef>
-              <a:buFont typeface="Arial" pitchFamily="34" charset="0"/>
-              <a:buNone/>
-              <a:defRPr sz="2000" kern="1200">
-                <a:solidFill>
-                  <a:schemeClr val="tx1"/>
-                </a:solidFill>
-                <a:latin typeface="+mn-lt"/>
-                <a:ea typeface="+mn-ea"/>
-                <a:cs typeface="+mn-cs"/>
-              </a:defRPr>
-            </a:lvl6pPr>
-            <a:lvl7pPr marL="2743200" indent="0" algn="l" defTabSz="914400" rtl="0" eaLnBrk="1" latinLnBrk="0" hangingPunct="1">
-              <a:spcBef>
-                <a:spcPct val="20000"/>
-              </a:spcBef>
-              <a:buFont typeface="Arial" pitchFamily="34" charset="0"/>
-              <a:buNone/>
-              <a:defRPr sz="2000" kern="1200">
-                <a:solidFill>
-                  <a:schemeClr val="tx1"/>
-                </a:solidFill>
-                <a:latin typeface="+mn-lt"/>
-                <a:ea typeface="+mn-ea"/>
-                <a:cs typeface="+mn-cs"/>
-              </a:defRPr>
-            </a:lvl7pPr>
-            <a:lvl8pPr marL="3200400" indent="0" algn="l" defTabSz="914400" rtl="0" eaLnBrk="1" latinLnBrk="0" hangingPunct="1">
-              <a:spcBef>
-                <a:spcPct val="20000"/>
-              </a:spcBef>
-              <a:buFont typeface="Arial" pitchFamily="34" charset="0"/>
-              <a:buNone/>
-              <a:defRPr sz="2000" kern="1200">
-                <a:solidFill>
-                  <a:schemeClr val="tx1"/>
-                </a:solidFill>
-                <a:latin typeface="+mn-lt"/>
-                <a:ea typeface="+mn-ea"/>
-                <a:cs typeface="+mn-cs"/>
-              </a:defRPr>
-            </a:lvl8pPr>
-            <a:lvl9pPr marL="3657600" indent="0" algn="l" defTabSz="914400" rtl="0" eaLnBrk="1" latinLnBrk="0" hangingPunct="1">
-              <a:spcBef>
-                <a:spcPct val="20000"/>
-              </a:spcBef>
-              <a:buFont typeface="Arial" pitchFamily="34" charset="0"/>
-              <a:buNone/>
-              <a:defRPr sz="2000" kern="1200">
-                <a:solidFill>
-                  <a:schemeClr val="tx1"/>
-                </a:solidFill>
-                <a:latin typeface="+mn-lt"/>
-                <a:ea typeface="+mn-ea"/>
-                <a:cs typeface="+mn-cs"/>
-              </a:defRPr>
-            </a:lvl9pPr>
-          </a:lstStyle>
-          <a:p>
-            <a:pPr marL="571500" indent="-571500">
-              <a:buFont typeface="Arial" panose="020B0604020202020204" pitchFamily="34" charset="0"/>
-              <a:buChar char="•"/>
-            </a:pPr>
-            <a:endParaRPr lang="en-GB" dirty="0">
-              <a:solidFill>
-                <a:schemeClr val="bg1"/>
-              </a:solidFill>
-            </a:endParaRPr>
-          </a:p>
-          <a:p>
-            <a:pPr marL="571500" indent="-571500">
-              <a:buFont typeface="Arial" panose="020B0604020202020204" pitchFamily="34" charset="0"/>
-              <a:buChar char="•"/>
-            </a:pPr>
-            <a:endParaRPr lang="en-US" dirty="0">
-              <a:solidFill>
-                <a:schemeClr val="bg1"/>
-              </a:solidFill>
-            </a:endParaRPr>
-          </a:p>
-        </p:txBody>
-      </p:sp>
-    </p:spTree>
-    <p:extLst>
-      <p:ext uri="{BB962C8B-B14F-4D97-AF65-F5344CB8AC3E}">
-        <p14:creationId xmlns:p14="http://schemas.microsoft.com/office/powerpoint/2010/main" val="914059676"/>
-      </p:ext>
-    </p:extLst>
-  </p:cSld>
-  <p:clrMapOvr>
-    <a:masterClrMapping/>
-  </p:clrMapOvr>
-</p:sld>
-</file>
-
-<file path=ppt/slides/slide39.xml><?xml version="1.0" encoding="utf-8"?>
-<p:sld xmlns:a="http://schemas.openxmlformats.org/drawingml/2006/main" xmlns:r="http://schemas.openxmlformats.org/officeDocument/2006/relationships" xmlns:p="http://schemas.openxmlformats.org/presentationml/2006/main">
-  <p:cSld>
-    <p:spTree>
-      <p:nvGrpSpPr>
-        <p:cNvPr id="1" name=""/>
-        <p:cNvGrpSpPr/>
-        <p:nvPr/>
-      </p:nvGrpSpPr>
-      <p:grpSpPr>
-        <a:xfrm>
-          <a:off x="0" y="0"/>
-          <a:ext cx="0" cy="0"/>
-          <a:chOff x="0" y="0"/>
-          <a:chExt cx="0" cy="0"/>
-        </a:xfrm>
-      </p:grpSpPr>
-      <p:sp>
-        <p:nvSpPr>
-          <p:cNvPr id="5" name="Title 1"/>
-          <p:cNvSpPr>
-            <a:spLocks noGrp="1"/>
-          </p:cNvSpPr>
-          <p:nvPr>
-            <p:ph type="title"/>
-          </p:nvPr>
-        </p:nvSpPr>
-        <p:spPr>
-          <a:xfrm>
-            <a:off x="457200" y="274638"/>
-            <a:ext cx="8229600" cy="511156"/>
-          </a:xfrm>
-        </p:spPr>
-        <p:txBody>
-          <a:bodyPr>
-            <a:noAutofit/>
-          </a:bodyPr>
-          <a:lstStyle/>
-          <a:p>
-            <a:pPr fontAlgn="base">
-              <a:spcAft>
-                <a:spcPct val="0"/>
-              </a:spcAft>
-              <a:defRPr/>
-            </a:pPr>
-            <a:r>
-              <a:rPr lang="en-GB" sz="4000" kern="0" dirty="0">
-                <a:solidFill>
-                  <a:srgbClr val="0098D4"/>
-                </a:solidFill>
-                <a:latin typeface="Calibri" pitchFamily="34" charset="0"/>
-              </a:rPr>
-              <a:t>#. Real world examples</a:t>
-            </a:r>
-          </a:p>
-        </p:txBody>
-      </p:sp>
-      <p:sp>
-        <p:nvSpPr>
-          <p:cNvPr id="6" name="Content Placeholder 2"/>
-          <p:cNvSpPr txBox="1">
-            <a:spLocks/>
-          </p:cNvSpPr>
-          <p:nvPr/>
-        </p:nvSpPr>
-        <p:spPr>
-          <a:xfrm>
-            <a:off x="457200" y="1071545"/>
-            <a:ext cx="8229600" cy="4857785"/>
-          </a:xfrm>
-          <a:prstGeom prst="rect">
-            <a:avLst/>
-          </a:prstGeom>
-        </p:spPr>
-        <p:txBody>
-          <a:bodyPr vert="horz" lIns="91440" tIns="45720" rIns="91440" bIns="45720" rtlCol="0">
-            <a:normAutofit/>
-          </a:bodyPr>
-          <a:lstStyle>
-            <a:lvl1pPr marL="0" indent="0" algn="l" defTabSz="914400" rtl="0" eaLnBrk="1" latinLnBrk="0" hangingPunct="1">
-              <a:spcBef>
-                <a:spcPct val="20000"/>
-              </a:spcBef>
-              <a:buFont typeface="Arial" pitchFamily="34" charset="0"/>
-              <a:buNone/>
-              <a:defRPr sz="3200" kern="1200">
-                <a:solidFill>
-                  <a:schemeClr val="tx1"/>
-                </a:solidFill>
-                <a:latin typeface="+mn-lt"/>
-                <a:ea typeface="+mn-ea"/>
-                <a:cs typeface="+mn-cs"/>
-              </a:defRPr>
-            </a:lvl1pPr>
-            <a:lvl2pPr marL="457200" indent="0" algn="l" defTabSz="914400" rtl="0" eaLnBrk="1" latinLnBrk="0" hangingPunct="1">
-              <a:spcBef>
-                <a:spcPct val="20000"/>
-              </a:spcBef>
-              <a:buFont typeface="Arial" pitchFamily="34" charset="0"/>
-              <a:buNone/>
-              <a:defRPr sz="2800" kern="1200">
-                <a:solidFill>
-                  <a:schemeClr val="tx1"/>
-                </a:solidFill>
-                <a:latin typeface="+mn-lt"/>
-                <a:ea typeface="+mn-ea"/>
-                <a:cs typeface="+mn-cs"/>
-              </a:defRPr>
-            </a:lvl2pPr>
-            <a:lvl3pPr marL="914400" indent="0" algn="l" defTabSz="914400" rtl="0" eaLnBrk="1" latinLnBrk="0" hangingPunct="1">
-              <a:spcBef>
-                <a:spcPct val="20000"/>
-              </a:spcBef>
-              <a:buFont typeface="Arial" pitchFamily="34" charset="0"/>
-              <a:buNone/>
-              <a:defRPr sz="2400" kern="1200">
-                <a:solidFill>
-                  <a:schemeClr val="tx1"/>
-                </a:solidFill>
-                <a:latin typeface="+mn-lt"/>
-                <a:ea typeface="+mn-ea"/>
-                <a:cs typeface="+mn-cs"/>
-              </a:defRPr>
-            </a:lvl3pPr>
-            <a:lvl4pPr marL="1371600" indent="0" algn="l" defTabSz="914400" rtl="0" eaLnBrk="1" latinLnBrk="0" hangingPunct="1">
-              <a:spcBef>
-                <a:spcPct val="20000"/>
-              </a:spcBef>
-              <a:buFont typeface="Arial" pitchFamily="34" charset="0"/>
-              <a:buNone/>
-              <a:defRPr sz="2000" kern="1200">
-                <a:solidFill>
-                  <a:schemeClr val="tx1"/>
-                </a:solidFill>
-                <a:latin typeface="+mn-lt"/>
-                <a:ea typeface="+mn-ea"/>
-                <a:cs typeface="+mn-cs"/>
-              </a:defRPr>
-            </a:lvl4pPr>
-            <a:lvl5pPr marL="1828800" indent="0" algn="l" defTabSz="914400" rtl="0" eaLnBrk="1" latinLnBrk="0" hangingPunct="1">
-              <a:spcBef>
-                <a:spcPct val="20000"/>
-              </a:spcBef>
-              <a:buFont typeface="Arial" pitchFamily="34" charset="0"/>
-              <a:buNone/>
-              <a:defRPr sz="2000" kern="1200">
-                <a:solidFill>
-                  <a:schemeClr val="tx1"/>
-                </a:solidFill>
-                <a:latin typeface="+mn-lt"/>
-                <a:ea typeface="+mn-ea"/>
-                <a:cs typeface="+mn-cs"/>
-              </a:defRPr>
-            </a:lvl5pPr>
-            <a:lvl6pPr marL="2286000" indent="0" algn="l" defTabSz="914400" rtl="0" eaLnBrk="1" latinLnBrk="0" hangingPunct="1">
-              <a:spcBef>
-                <a:spcPct val="20000"/>
-              </a:spcBef>
-              <a:buFont typeface="Arial" pitchFamily="34" charset="0"/>
-              <a:buNone/>
-              <a:defRPr sz="2000" kern="1200">
-                <a:solidFill>
-                  <a:schemeClr val="tx1"/>
-                </a:solidFill>
-                <a:latin typeface="+mn-lt"/>
-                <a:ea typeface="+mn-ea"/>
-                <a:cs typeface="+mn-cs"/>
-              </a:defRPr>
-            </a:lvl6pPr>
-            <a:lvl7pPr marL="2743200" indent="0" algn="l" defTabSz="914400" rtl="0" eaLnBrk="1" latinLnBrk="0" hangingPunct="1">
-              <a:spcBef>
-                <a:spcPct val="20000"/>
-              </a:spcBef>
-              <a:buFont typeface="Arial" pitchFamily="34" charset="0"/>
-              <a:buNone/>
-              <a:defRPr sz="2000" kern="1200">
-                <a:solidFill>
-                  <a:schemeClr val="tx1"/>
-                </a:solidFill>
-                <a:latin typeface="+mn-lt"/>
-                <a:ea typeface="+mn-ea"/>
-                <a:cs typeface="+mn-cs"/>
-              </a:defRPr>
-            </a:lvl7pPr>
-            <a:lvl8pPr marL="3200400" indent="0" algn="l" defTabSz="914400" rtl="0" eaLnBrk="1" latinLnBrk="0" hangingPunct="1">
-              <a:spcBef>
-                <a:spcPct val="20000"/>
-              </a:spcBef>
-              <a:buFont typeface="Arial" pitchFamily="34" charset="0"/>
-              <a:buNone/>
-              <a:defRPr sz="2000" kern="1200">
-                <a:solidFill>
-                  <a:schemeClr val="tx1"/>
-                </a:solidFill>
-                <a:latin typeface="+mn-lt"/>
-                <a:ea typeface="+mn-ea"/>
-                <a:cs typeface="+mn-cs"/>
-              </a:defRPr>
-            </a:lvl8pPr>
-            <a:lvl9pPr marL="3657600" indent="0" algn="l" defTabSz="914400" rtl="0" eaLnBrk="1" latinLnBrk="0" hangingPunct="1">
-              <a:spcBef>
-                <a:spcPct val="20000"/>
-              </a:spcBef>
-              <a:buFont typeface="Arial" pitchFamily="34" charset="0"/>
-              <a:buNone/>
-              <a:defRPr sz="2000" kern="1200">
-                <a:solidFill>
-                  <a:schemeClr val="tx1"/>
-                </a:solidFill>
-                <a:latin typeface="+mn-lt"/>
-                <a:ea typeface="+mn-ea"/>
-                <a:cs typeface="+mn-cs"/>
-              </a:defRPr>
-            </a:lvl9pPr>
-          </a:lstStyle>
-          <a:p>
-            <a:pPr marL="571500" indent="-571500">
-              <a:buFont typeface="Arial" panose="020B0604020202020204" pitchFamily="34" charset="0"/>
-              <a:buChar char="•"/>
-            </a:pPr>
-            <a:endParaRPr lang="en-GB" dirty="0">
-              <a:solidFill>
-                <a:schemeClr val="bg1"/>
-              </a:solidFill>
-            </a:endParaRPr>
-          </a:p>
-        </p:txBody>
-      </p:sp>
-      <p:sp>
-        <p:nvSpPr>
-          <p:cNvPr id="4" name="Content Placeholder 2">
-            <a:extLst>
-              <a:ext uri="{FF2B5EF4-FFF2-40B4-BE49-F238E27FC236}">
-                <a16:creationId xmlns:a16="http://schemas.microsoft.com/office/drawing/2014/main" id="{91C127C4-019D-4816-9ECF-D243EFA4189D}"/>
-              </a:ext>
-            </a:extLst>
-          </p:cNvPr>
-          <p:cNvSpPr txBox="1">
-            <a:spLocks/>
-          </p:cNvSpPr>
-          <p:nvPr/>
-        </p:nvSpPr>
-        <p:spPr>
-          <a:xfrm>
-            <a:off x="609600" y="1223945"/>
-            <a:ext cx="8229600" cy="4857785"/>
-          </a:xfrm>
-          <a:prstGeom prst="rect">
-            <a:avLst/>
-          </a:prstGeom>
-        </p:spPr>
-        <p:txBody>
-          <a:bodyPr vert="horz" lIns="91440" tIns="45720" rIns="91440" bIns="45720" rtlCol="0">
-            <a:normAutofit/>
-          </a:bodyPr>
-          <a:lstStyle>
-            <a:lvl1pPr marL="0" indent="0" algn="l" defTabSz="914400" rtl="0" eaLnBrk="1" latinLnBrk="0" hangingPunct="1">
-              <a:spcBef>
-                <a:spcPct val="20000"/>
-              </a:spcBef>
-              <a:buFont typeface="Arial" pitchFamily="34" charset="0"/>
-              <a:buNone/>
-              <a:defRPr sz="3200" kern="1200">
-                <a:solidFill>
-                  <a:schemeClr val="tx1"/>
-                </a:solidFill>
-                <a:latin typeface="+mn-lt"/>
-                <a:ea typeface="+mn-ea"/>
-                <a:cs typeface="+mn-cs"/>
-              </a:defRPr>
-            </a:lvl1pPr>
-            <a:lvl2pPr marL="457200" indent="0" algn="l" defTabSz="914400" rtl="0" eaLnBrk="1" latinLnBrk="0" hangingPunct="1">
-              <a:spcBef>
-                <a:spcPct val="20000"/>
-              </a:spcBef>
-              <a:buFont typeface="Arial" pitchFamily="34" charset="0"/>
-              <a:buNone/>
-              <a:defRPr sz="2800" kern="1200">
-                <a:solidFill>
-                  <a:schemeClr val="tx1"/>
-                </a:solidFill>
-                <a:latin typeface="+mn-lt"/>
-                <a:ea typeface="+mn-ea"/>
-                <a:cs typeface="+mn-cs"/>
-              </a:defRPr>
-            </a:lvl2pPr>
-            <a:lvl3pPr marL="914400" indent="0" algn="l" defTabSz="914400" rtl="0" eaLnBrk="1" latinLnBrk="0" hangingPunct="1">
-              <a:spcBef>
-                <a:spcPct val="20000"/>
-              </a:spcBef>
-              <a:buFont typeface="Arial" pitchFamily="34" charset="0"/>
-              <a:buNone/>
-              <a:defRPr sz="2400" kern="1200">
-                <a:solidFill>
-                  <a:schemeClr val="tx1"/>
-                </a:solidFill>
-                <a:latin typeface="+mn-lt"/>
-                <a:ea typeface="+mn-ea"/>
-                <a:cs typeface="+mn-cs"/>
-              </a:defRPr>
-            </a:lvl3pPr>
-            <a:lvl4pPr marL="1371600" indent="0" algn="l" defTabSz="914400" rtl="0" eaLnBrk="1" latinLnBrk="0" hangingPunct="1">
-              <a:spcBef>
-                <a:spcPct val="20000"/>
-              </a:spcBef>
-              <a:buFont typeface="Arial" pitchFamily="34" charset="0"/>
-              <a:buNone/>
-              <a:defRPr sz="2000" kern="1200">
-                <a:solidFill>
-                  <a:schemeClr val="tx1"/>
-                </a:solidFill>
-                <a:latin typeface="+mn-lt"/>
-                <a:ea typeface="+mn-ea"/>
-                <a:cs typeface="+mn-cs"/>
-              </a:defRPr>
-            </a:lvl4pPr>
-            <a:lvl5pPr marL="1828800" indent="0" algn="l" defTabSz="914400" rtl="0" eaLnBrk="1" latinLnBrk="0" hangingPunct="1">
-              <a:spcBef>
-                <a:spcPct val="20000"/>
-              </a:spcBef>
-              <a:buFont typeface="Arial" pitchFamily="34" charset="0"/>
-              <a:buNone/>
-              <a:defRPr sz="2000" kern="1200">
-                <a:solidFill>
-                  <a:schemeClr val="tx1"/>
-                </a:solidFill>
-                <a:latin typeface="+mn-lt"/>
-                <a:ea typeface="+mn-ea"/>
-                <a:cs typeface="+mn-cs"/>
-              </a:defRPr>
-            </a:lvl5pPr>
-            <a:lvl6pPr marL="2286000" indent="0" algn="l" defTabSz="914400" rtl="0" eaLnBrk="1" latinLnBrk="0" hangingPunct="1">
-              <a:spcBef>
-                <a:spcPct val="20000"/>
-              </a:spcBef>
-              <a:buFont typeface="Arial" pitchFamily="34" charset="0"/>
-              <a:buNone/>
-              <a:defRPr sz="2000" kern="1200">
-                <a:solidFill>
-                  <a:schemeClr val="tx1"/>
-                </a:solidFill>
-                <a:latin typeface="+mn-lt"/>
-                <a:ea typeface="+mn-ea"/>
-                <a:cs typeface="+mn-cs"/>
-              </a:defRPr>
-            </a:lvl6pPr>
-            <a:lvl7pPr marL="2743200" indent="0" algn="l" defTabSz="914400" rtl="0" eaLnBrk="1" latinLnBrk="0" hangingPunct="1">
-              <a:spcBef>
-                <a:spcPct val="20000"/>
-              </a:spcBef>
-              <a:buFont typeface="Arial" pitchFamily="34" charset="0"/>
-              <a:buNone/>
-              <a:defRPr sz="2000" kern="1200">
-                <a:solidFill>
-                  <a:schemeClr val="tx1"/>
-                </a:solidFill>
-                <a:latin typeface="+mn-lt"/>
-                <a:ea typeface="+mn-ea"/>
-                <a:cs typeface="+mn-cs"/>
-              </a:defRPr>
-            </a:lvl7pPr>
-            <a:lvl8pPr marL="3200400" indent="0" algn="l" defTabSz="914400" rtl="0" eaLnBrk="1" latinLnBrk="0" hangingPunct="1">
-              <a:spcBef>
-                <a:spcPct val="20000"/>
-              </a:spcBef>
-              <a:buFont typeface="Arial" pitchFamily="34" charset="0"/>
-              <a:buNone/>
-              <a:defRPr sz="2000" kern="1200">
-                <a:solidFill>
-                  <a:schemeClr val="tx1"/>
-                </a:solidFill>
-                <a:latin typeface="+mn-lt"/>
-                <a:ea typeface="+mn-ea"/>
-                <a:cs typeface="+mn-cs"/>
-              </a:defRPr>
-            </a:lvl8pPr>
-            <a:lvl9pPr marL="3657600" indent="0" algn="l" defTabSz="914400" rtl="0" eaLnBrk="1" latinLnBrk="0" hangingPunct="1">
-              <a:spcBef>
-                <a:spcPct val="20000"/>
-              </a:spcBef>
-              <a:buFont typeface="Arial" pitchFamily="34" charset="0"/>
-              <a:buNone/>
-              <a:defRPr sz="2000" kern="1200">
-                <a:solidFill>
-                  <a:schemeClr val="tx1"/>
-                </a:solidFill>
-                <a:latin typeface="+mn-lt"/>
-                <a:ea typeface="+mn-ea"/>
-                <a:cs typeface="+mn-cs"/>
-              </a:defRPr>
-            </a:lvl9pPr>
-          </a:lstStyle>
-          <a:p>
-            <a:pPr marL="571500" indent="-571500">
-              <a:buFont typeface="Arial" panose="020B0604020202020204" pitchFamily="34" charset="0"/>
-              <a:buChar char="•"/>
-            </a:pPr>
-            <a:endParaRPr lang="en-GB" dirty="0">
-              <a:solidFill>
-                <a:schemeClr val="bg1"/>
-              </a:solidFill>
-            </a:endParaRPr>
-          </a:p>
-          <a:p>
-            <a:pPr marL="571500" indent="-571500">
-              <a:buFont typeface="Arial" panose="020B0604020202020204" pitchFamily="34" charset="0"/>
-              <a:buChar char="•"/>
-            </a:pPr>
-            <a:endParaRPr lang="en-US" dirty="0">
-              <a:solidFill>
-                <a:schemeClr val="bg1"/>
-              </a:solidFill>
-            </a:endParaRPr>
-          </a:p>
-        </p:txBody>
-      </p:sp>
-      <p:sp>
-        <p:nvSpPr>
-          <p:cNvPr id="7" name="Content Placeholder 2">
-            <a:extLst>
-              <a:ext uri="{FF2B5EF4-FFF2-40B4-BE49-F238E27FC236}">
-                <a16:creationId xmlns:a16="http://schemas.microsoft.com/office/drawing/2014/main" id="{43AA64BF-AFBE-4DB8-9326-7742FF5AE898}"/>
-              </a:ext>
-            </a:extLst>
-          </p:cNvPr>
-          <p:cNvSpPr txBox="1">
-            <a:spLocks/>
-          </p:cNvSpPr>
-          <p:nvPr/>
-        </p:nvSpPr>
-        <p:spPr>
-          <a:xfrm>
-            <a:off x="152400" y="914401"/>
-            <a:ext cx="6553200" cy="5157805"/>
-          </a:xfrm>
-          <a:prstGeom prst="rect">
-            <a:avLst/>
-          </a:prstGeom>
-        </p:spPr>
-        <p:txBody>
-          <a:bodyPr vert="horz" lIns="91440" tIns="45720" rIns="91440" bIns="45720" rtlCol="0">
-            <a:normAutofit/>
-          </a:bodyPr>
-          <a:lstStyle>
-            <a:lvl1pPr marL="0" indent="0" algn="l" defTabSz="914400" rtl="0" eaLnBrk="1" latinLnBrk="0" hangingPunct="1">
-              <a:spcBef>
-                <a:spcPct val="20000"/>
-              </a:spcBef>
-              <a:buFont typeface="Arial" pitchFamily="34" charset="0"/>
-              <a:buNone/>
-              <a:defRPr sz="3200" kern="1200">
-                <a:solidFill>
-                  <a:schemeClr val="tx1"/>
-                </a:solidFill>
-                <a:latin typeface="+mn-lt"/>
-                <a:ea typeface="+mn-ea"/>
-                <a:cs typeface="+mn-cs"/>
-              </a:defRPr>
-            </a:lvl1pPr>
-            <a:lvl2pPr marL="457200" indent="0" algn="l" defTabSz="914400" rtl="0" eaLnBrk="1" latinLnBrk="0" hangingPunct="1">
-              <a:spcBef>
-                <a:spcPct val="20000"/>
-              </a:spcBef>
-              <a:buFont typeface="Arial" pitchFamily="34" charset="0"/>
-              <a:buNone/>
-              <a:defRPr sz="2800" kern="1200">
-                <a:solidFill>
-                  <a:schemeClr val="tx1"/>
-                </a:solidFill>
-                <a:latin typeface="+mn-lt"/>
-                <a:ea typeface="+mn-ea"/>
-                <a:cs typeface="+mn-cs"/>
-              </a:defRPr>
-            </a:lvl2pPr>
-            <a:lvl3pPr marL="914400" indent="0" algn="l" defTabSz="914400" rtl="0" eaLnBrk="1" latinLnBrk="0" hangingPunct="1">
-              <a:spcBef>
-                <a:spcPct val="20000"/>
-              </a:spcBef>
-              <a:buFont typeface="Arial" pitchFamily="34" charset="0"/>
-              <a:buNone/>
-              <a:defRPr sz="2400" kern="1200">
-                <a:solidFill>
-                  <a:schemeClr val="tx1"/>
-                </a:solidFill>
-                <a:latin typeface="+mn-lt"/>
-                <a:ea typeface="+mn-ea"/>
-                <a:cs typeface="+mn-cs"/>
-              </a:defRPr>
-            </a:lvl3pPr>
-            <a:lvl4pPr marL="1371600" indent="0" algn="l" defTabSz="914400" rtl="0" eaLnBrk="1" latinLnBrk="0" hangingPunct="1">
-              <a:spcBef>
-                <a:spcPct val="20000"/>
-              </a:spcBef>
-              <a:buFont typeface="Arial" pitchFamily="34" charset="0"/>
-              <a:buNone/>
-              <a:defRPr sz="2000" kern="1200">
-                <a:solidFill>
-                  <a:schemeClr val="tx1"/>
-                </a:solidFill>
-                <a:latin typeface="+mn-lt"/>
-                <a:ea typeface="+mn-ea"/>
-                <a:cs typeface="+mn-cs"/>
-              </a:defRPr>
-            </a:lvl4pPr>
-            <a:lvl5pPr marL="1828800" indent="0" algn="l" defTabSz="914400" rtl="0" eaLnBrk="1" latinLnBrk="0" hangingPunct="1">
-              <a:spcBef>
-                <a:spcPct val="20000"/>
-              </a:spcBef>
-              <a:buFont typeface="Arial" pitchFamily="34" charset="0"/>
-              <a:buNone/>
-              <a:defRPr sz="2000" kern="1200">
-                <a:solidFill>
-                  <a:schemeClr val="tx1"/>
-                </a:solidFill>
-                <a:latin typeface="+mn-lt"/>
-                <a:ea typeface="+mn-ea"/>
-                <a:cs typeface="+mn-cs"/>
-              </a:defRPr>
-            </a:lvl5pPr>
-            <a:lvl6pPr marL="2286000" indent="0" algn="l" defTabSz="914400" rtl="0" eaLnBrk="1" latinLnBrk="0" hangingPunct="1">
-              <a:spcBef>
-                <a:spcPct val="20000"/>
-              </a:spcBef>
-              <a:buFont typeface="Arial" pitchFamily="34" charset="0"/>
-              <a:buNone/>
-              <a:defRPr sz="2000" kern="1200">
-                <a:solidFill>
-                  <a:schemeClr val="tx1"/>
-                </a:solidFill>
-                <a:latin typeface="+mn-lt"/>
-                <a:ea typeface="+mn-ea"/>
-                <a:cs typeface="+mn-cs"/>
-              </a:defRPr>
-            </a:lvl6pPr>
-            <a:lvl7pPr marL="2743200" indent="0" algn="l" defTabSz="914400" rtl="0" eaLnBrk="1" latinLnBrk="0" hangingPunct="1">
-              <a:spcBef>
-                <a:spcPct val="20000"/>
-              </a:spcBef>
-              <a:buFont typeface="Arial" pitchFamily="34" charset="0"/>
-              <a:buNone/>
-              <a:defRPr sz="2000" kern="1200">
-                <a:solidFill>
-                  <a:schemeClr val="tx1"/>
-                </a:solidFill>
-                <a:latin typeface="+mn-lt"/>
-                <a:ea typeface="+mn-ea"/>
-                <a:cs typeface="+mn-cs"/>
-              </a:defRPr>
-            </a:lvl7pPr>
-            <a:lvl8pPr marL="3200400" indent="0" algn="l" defTabSz="914400" rtl="0" eaLnBrk="1" latinLnBrk="0" hangingPunct="1">
-              <a:spcBef>
-                <a:spcPct val="20000"/>
-              </a:spcBef>
-              <a:buFont typeface="Arial" pitchFamily="34" charset="0"/>
-              <a:buNone/>
-              <a:defRPr sz="2000" kern="1200">
-                <a:solidFill>
-                  <a:schemeClr val="tx1"/>
-                </a:solidFill>
-                <a:latin typeface="+mn-lt"/>
-                <a:ea typeface="+mn-ea"/>
-                <a:cs typeface="+mn-cs"/>
-              </a:defRPr>
-            </a:lvl8pPr>
-            <a:lvl9pPr marL="3657600" indent="0" algn="l" defTabSz="914400" rtl="0" eaLnBrk="1" latinLnBrk="0" hangingPunct="1">
-              <a:spcBef>
-                <a:spcPct val="20000"/>
-              </a:spcBef>
-              <a:buFont typeface="Arial" pitchFamily="34" charset="0"/>
-              <a:buNone/>
-              <a:defRPr sz="2000" kern="1200">
-                <a:solidFill>
-                  <a:schemeClr val="tx1"/>
-                </a:solidFill>
-                <a:latin typeface="+mn-lt"/>
-                <a:ea typeface="+mn-ea"/>
-                <a:cs typeface="+mn-cs"/>
-              </a:defRPr>
-            </a:lvl9pPr>
-          </a:lstStyle>
-          <a:p>
-            <a:pPr marL="457200" indent="-457200">
-              <a:buFont typeface="Arial" panose="020B0604020202020204" pitchFamily="34" charset="0"/>
-              <a:buChar char="•"/>
-            </a:pPr>
-            <a:r>
-              <a:rPr lang="en-GB" dirty="0">
-                <a:solidFill>
-                  <a:schemeClr val="bg1"/>
-                </a:solidFill>
-                <a:hlinkClick r:id="rId2">
-                  <a:extLst>
-                    <a:ext uri="{A12FA001-AC4F-418D-AE19-62706E023703}">
-                      <ahyp:hlinkClr xmlns:ahyp="http://schemas.microsoft.com/office/drawing/2018/hyperlinkcolor" val="tx"/>
-                    </a:ext>
-                  </a:extLst>
-                </a:hlinkClick>
-              </a:rPr>
-              <a:t>Google Earth </a:t>
-            </a:r>
-            <a:endParaRPr lang="en-GB" dirty="0">
-              <a:solidFill>
-                <a:schemeClr val="bg1"/>
-              </a:solidFill>
-            </a:endParaRPr>
-          </a:p>
-          <a:p>
-            <a:pPr marL="457200" indent="-457200">
-              <a:buFont typeface="Arial" panose="020B0604020202020204" pitchFamily="34" charset="0"/>
-              <a:buChar char="•"/>
-            </a:pPr>
-            <a:r>
-              <a:rPr lang="en-US" dirty="0">
-                <a:solidFill>
-                  <a:schemeClr val="bg1"/>
-                </a:solidFill>
-                <a:hlinkClick r:id="rId3">
-                  <a:extLst>
-                    <a:ext uri="{A12FA001-AC4F-418D-AE19-62706E023703}">
-                      <ahyp:hlinkClr xmlns:ahyp="http://schemas.microsoft.com/office/drawing/2018/hyperlinkcolor" val="tx"/>
-                    </a:ext>
-                  </a:extLst>
-                </a:hlinkClick>
-              </a:rPr>
-              <a:t>Perspective</a:t>
-            </a:r>
-            <a:endParaRPr lang="en-US" dirty="0">
-              <a:solidFill>
-                <a:schemeClr val="bg1"/>
-              </a:solidFill>
-            </a:endParaRPr>
-          </a:p>
-          <a:p>
-            <a:pPr marL="457200" indent="-457200">
-              <a:buFont typeface="Arial" panose="020B0604020202020204" pitchFamily="34" charset="0"/>
-              <a:buChar char="•"/>
-            </a:pPr>
-            <a:r>
-              <a:rPr lang="en-US" dirty="0">
-                <a:solidFill>
-                  <a:schemeClr val="bg1"/>
-                </a:solidFill>
-                <a:hlinkClick r:id="rId4">
-                  <a:extLst>
-                    <a:ext uri="{A12FA001-AC4F-418D-AE19-62706E023703}">
-                      <ahyp:hlinkClr xmlns:ahyp="http://schemas.microsoft.com/office/drawing/2018/hyperlinkcolor" val="tx"/>
-                    </a:ext>
-                  </a:extLst>
-                </a:hlinkClick>
-              </a:rPr>
-              <a:t>D3</a:t>
-            </a:r>
-            <a:endParaRPr lang="en-US" dirty="0">
-              <a:solidFill>
-                <a:schemeClr val="bg1"/>
-              </a:solidFill>
-            </a:endParaRPr>
-          </a:p>
-          <a:p>
-            <a:pPr marL="457200" indent="-457200">
-              <a:buFont typeface="Arial" panose="020B0604020202020204" pitchFamily="34" charset="0"/>
-              <a:buChar char="•"/>
-            </a:pPr>
-            <a:r>
-              <a:rPr lang="en-US" dirty="0">
-                <a:solidFill>
-                  <a:schemeClr val="bg1"/>
-                </a:solidFill>
-                <a:hlinkClick r:id="rId5">
-                  <a:extLst>
-                    <a:ext uri="{A12FA001-AC4F-418D-AE19-62706E023703}">
-                      <ahyp:hlinkClr xmlns:ahyp="http://schemas.microsoft.com/office/drawing/2018/hyperlinkcolor" val="tx"/>
-                    </a:ext>
-                  </a:extLst>
-                </a:hlinkClick>
-              </a:rPr>
-              <a:t>PSPDFKit</a:t>
-            </a:r>
-            <a:endParaRPr lang="en-US" dirty="0">
-              <a:solidFill>
-                <a:schemeClr val="bg1"/>
-              </a:solidFill>
-            </a:endParaRPr>
-          </a:p>
-        </p:txBody>
-      </p:sp>
-    </p:spTree>
-    <p:extLst>
-      <p:ext uri="{BB962C8B-B14F-4D97-AF65-F5344CB8AC3E}">
-        <p14:creationId xmlns:p14="http://schemas.microsoft.com/office/powerpoint/2010/main" val="3895076446"/>
+        <p14:creationId xmlns:p14="http://schemas.microsoft.com/office/powerpoint/2010/main" val="2372896710"/>
       </p:ext>
     </p:extLst>
   </p:cSld>
@@ -33129,639 +30810,6 @@
     <p:extLst>
       <p:ext uri="{BB962C8B-B14F-4D97-AF65-F5344CB8AC3E}">
         <p14:creationId xmlns:p14="http://schemas.microsoft.com/office/powerpoint/2010/main" val="394741120"/>
-      </p:ext>
-    </p:extLst>
-  </p:cSld>
-  <p:clrMapOvr>
-    <a:masterClrMapping/>
-  </p:clrMapOvr>
-</p:sld>
-</file>
-
-<file path=ppt/slides/slide40.xml><?xml version="1.0" encoding="utf-8"?>
-<p:sld xmlns:a="http://schemas.openxmlformats.org/drawingml/2006/main" xmlns:r="http://schemas.openxmlformats.org/officeDocument/2006/relationships" xmlns:p="http://schemas.openxmlformats.org/presentationml/2006/main">
-  <p:cSld>
-    <p:spTree>
-      <p:nvGrpSpPr>
-        <p:cNvPr id="1" name=""/>
-        <p:cNvGrpSpPr/>
-        <p:nvPr/>
-      </p:nvGrpSpPr>
-      <p:grpSpPr>
-        <a:xfrm>
-          <a:off x="0" y="0"/>
-          <a:ext cx="0" cy="0"/>
-          <a:chOff x="0" y="0"/>
-          <a:chExt cx="0" cy="0"/>
-        </a:xfrm>
-      </p:grpSpPr>
-      <p:sp>
-        <p:nvSpPr>
-          <p:cNvPr id="5" name="Title 1"/>
-          <p:cNvSpPr>
-            <a:spLocks noGrp="1"/>
-          </p:cNvSpPr>
-          <p:nvPr>
-            <p:ph type="title"/>
-          </p:nvPr>
-        </p:nvSpPr>
-        <p:spPr>
-          <a:xfrm>
-            <a:off x="457200" y="274638"/>
-            <a:ext cx="8229600" cy="511156"/>
-          </a:xfrm>
-        </p:spPr>
-        <p:txBody>
-          <a:bodyPr>
-            <a:noAutofit/>
-          </a:bodyPr>
-          <a:lstStyle/>
-          <a:p>
-            <a:pPr fontAlgn="base">
-              <a:spcAft>
-                <a:spcPct val="0"/>
-              </a:spcAft>
-              <a:defRPr/>
-            </a:pPr>
-            <a:r>
-              <a:rPr lang="en-GB" sz="4000" kern="0" dirty="0">
-                <a:solidFill>
-                  <a:srgbClr val="0098D4"/>
-                </a:solidFill>
-                <a:latin typeface="Calibri" pitchFamily="34" charset="0"/>
-              </a:rPr>
-              <a:t>#. Do we still need JavaScript?</a:t>
-            </a:r>
-          </a:p>
-        </p:txBody>
-      </p:sp>
-      <p:sp>
-        <p:nvSpPr>
-          <p:cNvPr id="6" name="Content Placeholder 2"/>
-          <p:cNvSpPr txBox="1">
-            <a:spLocks/>
-          </p:cNvSpPr>
-          <p:nvPr/>
-        </p:nvSpPr>
-        <p:spPr>
-          <a:xfrm>
-            <a:off x="457200" y="1071545"/>
-            <a:ext cx="8229600" cy="4857785"/>
-          </a:xfrm>
-          <a:prstGeom prst="rect">
-            <a:avLst/>
-          </a:prstGeom>
-        </p:spPr>
-        <p:txBody>
-          <a:bodyPr vert="horz" lIns="91440" tIns="45720" rIns="91440" bIns="45720" rtlCol="0">
-            <a:normAutofit/>
-          </a:bodyPr>
-          <a:lstStyle>
-            <a:lvl1pPr marL="0" indent="0" algn="l" defTabSz="914400" rtl="0" eaLnBrk="1" latinLnBrk="0" hangingPunct="1">
-              <a:spcBef>
-                <a:spcPct val="20000"/>
-              </a:spcBef>
-              <a:buFont typeface="Arial" pitchFamily="34" charset="0"/>
-              <a:buNone/>
-              <a:defRPr sz="3200" kern="1200">
-                <a:solidFill>
-                  <a:schemeClr val="tx1"/>
-                </a:solidFill>
-                <a:latin typeface="+mn-lt"/>
-                <a:ea typeface="+mn-ea"/>
-                <a:cs typeface="+mn-cs"/>
-              </a:defRPr>
-            </a:lvl1pPr>
-            <a:lvl2pPr marL="457200" indent="0" algn="l" defTabSz="914400" rtl="0" eaLnBrk="1" latinLnBrk="0" hangingPunct="1">
-              <a:spcBef>
-                <a:spcPct val="20000"/>
-              </a:spcBef>
-              <a:buFont typeface="Arial" pitchFamily="34" charset="0"/>
-              <a:buNone/>
-              <a:defRPr sz="2800" kern="1200">
-                <a:solidFill>
-                  <a:schemeClr val="tx1"/>
-                </a:solidFill>
-                <a:latin typeface="+mn-lt"/>
-                <a:ea typeface="+mn-ea"/>
-                <a:cs typeface="+mn-cs"/>
-              </a:defRPr>
-            </a:lvl2pPr>
-            <a:lvl3pPr marL="914400" indent="0" algn="l" defTabSz="914400" rtl="0" eaLnBrk="1" latinLnBrk="0" hangingPunct="1">
-              <a:spcBef>
-                <a:spcPct val="20000"/>
-              </a:spcBef>
-              <a:buFont typeface="Arial" pitchFamily="34" charset="0"/>
-              <a:buNone/>
-              <a:defRPr sz="2400" kern="1200">
-                <a:solidFill>
-                  <a:schemeClr val="tx1"/>
-                </a:solidFill>
-                <a:latin typeface="+mn-lt"/>
-                <a:ea typeface="+mn-ea"/>
-                <a:cs typeface="+mn-cs"/>
-              </a:defRPr>
-            </a:lvl3pPr>
-            <a:lvl4pPr marL="1371600" indent="0" algn="l" defTabSz="914400" rtl="0" eaLnBrk="1" latinLnBrk="0" hangingPunct="1">
-              <a:spcBef>
-                <a:spcPct val="20000"/>
-              </a:spcBef>
-              <a:buFont typeface="Arial" pitchFamily="34" charset="0"/>
-              <a:buNone/>
-              <a:defRPr sz="2000" kern="1200">
-                <a:solidFill>
-                  <a:schemeClr val="tx1"/>
-                </a:solidFill>
-                <a:latin typeface="+mn-lt"/>
-                <a:ea typeface="+mn-ea"/>
-                <a:cs typeface="+mn-cs"/>
-              </a:defRPr>
-            </a:lvl4pPr>
-            <a:lvl5pPr marL="1828800" indent="0" algn="l" defTabSz="914400" rtl="0" eaLnBrk="1" latinLnBrk="0" hangingPunct="1">
-              <a:spcBef>
-                <a:spcPct val="20000"/>
-              </a:spcBef>
-              <a:buFont typeface="Arial" pitchFamily="34" charset="0"/>
-              <a:buNone/>
-              <a:defRPr sz="2000" kern="1200">
-                <a:solidFill>
-                  <a:schemeClr val="tx1"/>
-                </a:solidFill>
-                <a:latin typeface="+mn-lt"/>
-                <a:ea typeface="+mn-ea"/>
-                <a:cs typeface="+mn-cs"/>
-              </a:defRPr>
-            </a:lvl5pPr>
-            <a:lvl6pPr marL="2286000" indent="0" algn="l" defTabSz="914400" rtl="0" eaLnBrk="1" latinLnBrk="0" hangingPunct="1">
-              <a:spcBef>
-                <a:spcPct val="20000"/>
-              </a:spcBef>
-              <a:buFont typeface="Arial" pitchFamily="34" charset="0"/>
-              <a:buNone/>
-              <a:defRPr sz="2000" kern="1200">
-                <a:solidFill>
-                  <a:schemeClr val="tx1"/>
-                </a:solidFill>
-                <a:latin typeface="+mn-lt"/>
-                <a:ea typeface="+mn-ea"/>
-                <a:cs typeface="+mn-cs"/>
-              </a:defRPr>
-            </a:lvl6pPr>
-            <a:lvl7pPr marL="2743200" indent="0" algn="l" defTabSz="914400" rtl="0" eaLnBrk="1" latinLnBrk="0" hangingPunct="1">
-              <a:spcBef>
-                <a:spcPct val="20000"/>
-              </a:spcBef>
-              <a:buFont typeface="Arial" pitchFamily="34" charset="0"/>
-              <a:buNone/>
-              <a:defRPr sz="2000" kern="1200">
-                <a:solidFill>
-                  <a:schemeClr val="tx1"/>
-                </a:solidFill>
-                <a:latin typeface="+mn-lt"/>
-                <a:ea typeface="+mn-ea"/>
-                <a:cs typeface="+mn-cs"/>
-              </a:defRPr>
-            </a:lvl7pPr>
-            <a:lvl8pPr marL="3200400" indent="0" algn="l" defTabSz="914400" rtl="0" eaLnBrk="1" latinLnBrk="0" hangingPunct="1">
-              <a:spcBef>
-                <a:spcPct val="20000"/>
-              </a:spcBef>
-              <a:buFont typeface="Arial" pitchFamily="34" charset="0"/>
-              <a:buNone/>
-              <a:defRPr sz="2000" kern="1200">
-                <a:solidFill>
-                  <a:schemeClr val="tx1"/>
-                </a:solidFill>
-                <a:latin typeface="+mn-lt"/>
-                <a:ea typeface="+mn-ea"/>
-                <a:cs typeface="+mn-cs"/>
-              </a:defRPr>
-            </a:lvl8pPr>
-            <a:lvl9pPr marL="3657600" indent="0" algn="l" defTabSz="914400" rtl="0" eaLnBrk="1" latinLnBrk="0" hangingPunct="1">
-              <a:spcBef>
-                <a:spcPct val="20000"/>
-              </a:spcBef>
-              <a:buFont typeface="Arial" pitchFamily="34" charset="0"/>
-              <a:buNone/>
-              <a:defRPr sz="2000" kern="1200">
-                <a:solidFill>
-                  <a:schemeClr val="tx1"/>
-                </a:solidFill>
-                <a:latin typeface="+mn-lt"/>
-                <a:ea typeface="+mn-ea"/>
-                <a:cs typeface="+mn-cs"/>
-              </a:defRPr>
-            </a:lvl9pPr>
-          </a:lstStyle>
-          <a:p>
-            <a:pPr marL="571500" indent="-571500">
-              <a:buFont typeface="Arial" panose="020B0604020202020204" pitchFamily="34" charset="0"/>
-              <a:buChar char="•"/>
-            </a:pPr>
-            <a:endParaRPr lang="en-GB" dirty="0">
-              <a:solidFill>
-                <a:schemeClr val="bg1"/>
-              </a:solidFill>
-            </a:endParaRPr>
-          </a:p>
-        </p:txBody>
-      </p:sp>
-      <p:sp>
-        <p:nvSpPr>
-          <p:cNvPr id="4" name="Content Placeholder 2">
-            <a:extLst>
-              <a:ext uri="{FF2B5EF4-FFF2-40B4-BE49-F238E27FC236}">
-                <a16:creationId xmlns:a16="http://schemas.microsoft.com/office/drawing/2014/main" id="{91C127C4-019D-4816-9ECF-D243EFA4189D}"/>
-              </a:ext>
-            </a:extLst>
-          </p:cNvPr>
-          <p:cNvSpPr txBox="1">
-            <a:spLocks/>
-          </p:cNvSpPr>
-          <p:nvPr/>
-        </p:nvSpPr>
-        <p:spPr>
-          <a:xfrm>
-            <a:off x="609600" y="1223945"/>
-            <a:ext cx="8229600" cy="4857785"/>
-          </a:xfrm>
-          <a:prstGeom prst="rect">
-            <a:avLst/>
-          </a:prstGeom>
-        </p:spPr>
-        <p:txBody>
-          <a:bodyPr vert="horz" lIns="91440" tIns="45720" rIns="91440" bIns="45720" rtlCol="0">
-            <a:normAutofit/>
-          </a:bodyPr>
-          <a:lstStyle>
-            <a:lvl1pPr marL="0" indent="0" algn="l" defTabSz="914400" rtl="0" eaLnBrk="1" latinLnBrk="0" hangingPunct="1">
-              <a:spcBef>
-                <a:spcPct val="20000"/>
-              </a:spcBef>
-              <a:buFont typeface="Arial" pitchFamily="34" charset="0"/>
-              <a:buNone/>
-              <a:defRPr sz="3200" kern="1200">
-                <a:solidFill>
-                  <a:schemeClr val="tx1"/>
-                </a:solidFill>
-                <a:latin typeface="+mn-lt"/>
-                <a:ea typeface="+mn-ea"/>
-                <a:cs typeface="+mn-cs"/>
-              </a:defRPr>
-            </a:lvl1pPr>
-            <a:lvl2pPr marL="457200" indent="0" algn="l" defTabSz="914400" rtl="0" eaLnBrk="1" latinLnBrk="0" hangingPunct="1">
-              <a:spcBef>
-                <a:spcPct val="20000"/>
-              </a:spcBef>
-              <a:buFont typeface="Arial" pitchFamily="34" charset="0"/>
-              <a:buNone/>
-              <a:defRPr sz="2800" kern="1200">
-                <a:solidFill>
-                  <a:schemeClr val="tx1"/>
-                </a:solidFill>
-                <a:latin typeface="+mn-lt"/>
-                <a:ea typeface="+mn-ea"/>
-                <a:cs typeface="+mn-cs"/>
-              </a:defRPr>
-            </a:lvl2pPr>
-            <a:lvl3pPr marL="914400" indent="0" algn="l" defTabSz="914400" rtl="0" eaLnBrk="1" latinLnBrk="0" hangingPunct="1">
-              <a:spcBef>
-                <a:spcPct val="20000"/>
-              </a:spcBef>
-              <a:buFont typeface="Arial" pitchFamily="34" charset="0"/>
-              <a:buNone/>
-              <a:defRPr sz="2400" kern="1200">
-                <a:solidFill>
-                  <a:schemeClr val="tx1"/>
-                </a:solidFill>
-                <a:latin typeface="+mn-lt"/>
-                <a:ea typeface="+mn-ea"/>
-                <a:cs typeface="+mn-cs"/>
-              </a:defRPr>
-            </a:lvl3pPr>
-            <a:lvl4pPr marL="1371600" indent="0" algn="l" defTabSz="914400" rtl="0" eaLnBrk="1" latinLnBrk="0" hangingPunct="1">
-              <a:spcBef>
-                <a:spcPct val="20000"/>
-              </a:spcBef>
-              <a:buFont typeface="Arial" pitchFamily="34" charset="0"/>
-              <a:buNone/>
-              <a:defRPr sz="2000" kern="1200">
-                <a:solidFill>
-                  <a:schemeClr val="tx1"/>
-                </a:solidFill>
-                <a:latin typeface="+mn-lt"/>
-                <a:ea typeface="+mn-ea"/>
-                <a:cs typeface="+mn-cs"/>
-              </a:defRPr>
-            </a:lvl4pPr>
-            <a:lvl5pPr marL="1828800" indent="0" algn="l" defTabSz="914400" rtl="0" eaLnBrk="1" latinLnBrk="0" hangingPunct="1">
-              <a:spcBef>
-                <a:spcPct val="20000"/>
-              </a:spcBef>
-              <a:buFont typeface="Arial" pitchFamily="34" charset="0"/>
-              <a:buNone/>
-              <a:defRPr sz="2000" kern="1200">
-                <a:solidFill>
-                  <a:schemeClr val="tx1"/>
-                </a:solidFill>
-                <a:latin typeface="+mn-lt"/>
-                <a:ea typeface="+mn-ea"/>
-                <a:cs typeface="+mn-cs"/>
-              </a:defRPr>
-            </a:lvl5pPr>
-            <a:lvl6pPr marL="2286000" indent="0" algn="l" defTabSz="914400" rtl="0" eaLnBrk="1" latinLnBrk="0" hangingPunct="1">
-              <a:spcBef>
-                <a:spcPct val="20000"/>
-              </a:spcBef>
-              <a:buFont typeface="Arial" pitchFamily="34" charset="0"/>
-              <a:buNone/>
-              <a:defRPr sz="2000" kern="1200">
-                <a:solidFill>
-                  <a:schemeClr val="tx1"/>
-                </a:solidFill>
-                <a:latin typeface="+mn-lt"/>
-                <a:ea typeface="+mn-ea"/>
-                <a:cs typeface="+mn-cs"/>
-              </a:defRPr>
-            </a:lvl6pPr>
-            <a:lvl7pPr marL="2743200" indent="0" algn="l" defTabSz="914400" rtl="0" eaLnBrk="1" latinLnBrk="0" hangingPunct="1">
-              <a:spcBef>
-                <a:spcPct val="20000"/>
-              </a:spcBef>
-              <a:buFont typeface="Arial" pitchFamily="34" charset="0"/>
-              <a:buNone/>
-              <a:defRPr sz="2000" kern="1200">
-                <a:solidFill>
-                  <a:schemeClr val="tx1"/>
-                </a:solidFill>
-                <a:latin typeface="+mn-lt"/>
-                <a:ea typeface="+mn-ea"/>
-                <a:cs typeface="+mn-cs"/>
-              </a:defRPr>
-            </a:lvl7pPr>
-            <a:lvl8pPr marL="3200400" indent="0" algn="l" defTabSz="914400" rtl="0" eaLnBrk="1" latinLnBrk="0" hangingPunct="1">
-              <a:spcBef>
-                <a:spcPct val="20000"/>
-              </a:spcBef>
-              <a:buFont typeface="Arial" pitchFamily="34" charset="0"/>
-              <a:buNone/>
-              <a:defRPr sz="2000" kern="1200">
-                <a:solidFill>
-                  <a:schemeClr val="tx1"/>
-                </a:solidFill>
-                <a:latin typeface="+mn-lt"/>
-                <a:ea typeface="+mn-ea"/>
-                <a:cs typeface="+mn-cs"/>
-              </a:defRPr>
-            </a:lvl8pPr>
-            <a:lvl9pPr marL="3657600" indent="0" algn="l" defTabSz="914400" rtl="0" eaLnBrk="1" latinLnBrk="0" hangingPunct="1">
-              <a:spcBef>
-                <a:spcPct val="20000"/>
-              </a:spcBef>
-              <a:buFont typeface="Arial" pitchFamily="34" charset="0"/>
-              <a:buNone/>
-              <a:defRPr sz="2000" kern="1200">
-                <a:solidFill>
-                  <a:schemeClr val="tx1"/>
-                </a:solidFill>
-                <a:latin typeface="+mn-lt"/>
-                <a:ea typeface="+mn-ea"/>
-                <a:cs typeface="+mn-cs"/>
-              </a:defRPr>
-            </a:lvl9pPr>
-          </a:lstStyle>
-          <a:p>
-            <a:pPr marL="571500" indent="-571500">
-              <a:buFont typeface="Arial" panose="020B0604020202020204" pitchFamily="34" charset="0"/>
-              <a:buChar char="•"/>
-            </a:pPr>
-            <a:endParaRPr lang="en-GB" dirty="0">
-              <a:solidFill>
-                <a:schemeClr val="bg1"/>
-              </a:solidFill>
-            </a:endParaRPr>
-          </a:p>
-          <a:p>
-            <a:pPr marL="571500" indent="-571500">
-              <a:buFont typeface="Arial" panose="020B0604020202020204" pitchFamily="34" charset="0"/>
-              <a:buChar char="•"/>
-            </a:pPr>
-            <a:endParaRPr lang="en-US" dirty="0">
-              <a:solidFill>
-                <a:schemeClr val="bg1"/>
-              </a:solidFill>
-            </a:endParaRPr>
-          </a:p>
-        </p:txBody>
-      </p:sp>
-      <p:sp>
-        <p:nvSpPr>
-          <p:cNvPr id="2" name="TextBox 1">
-            <a:extLst>
-              <a:ext uri="{FF2B5EF4-FFF2-40B4-BE49-F238E27FC236}">
-                <a16:creationId xmlns:a16="http://schemas.microsoft.com/office/drawing/2014/main" id="{2751BAC8-2BD3-4F83-BF12-F314B43EB4B8}"/>
-              </a:ext>
-            </a:extLst>
-          </p:cNvPr>
-          <p:cNvSpPr txBox="1"/>
-          <p:nvPr/>
-        </p:nvSpPr>
-        <p:spPr>
-          <a:xfrm>
-            <a:off x="2616144" y="2105561"/>
-            <a:ext cx="3911712" cy="2646878"/>
-          </a:xfrm>
-          <a:prstGeom prst="rect">
-            <a:avLst/>
-          </a:prstGeom>
-          <a:noFill/>
-        </p:spPr>
-        <p:txBody>
-          <a:bodyPr wrap="none" rtlCol="0">
-            <a:spAutoFit/>
-          </a:bodyPr>
-          <a:lstStyle/>
-          <a:p>
-            <a:r>
-              <a:rPr lang="en-GB" sz="16600" dirty="0">
-                <a:solidFill>
-                  <a:schemeClr val="bg1"/>
-                </a:solidFill>
-              </a:rPr>
-              <a:t>YES!</a:t>
-            </a:r>
-          </a:p>
-        </p:txBody>
-      </p:sp>
-    </p:spTree>
-    <p:extLst>
-      <p:ext uri="{BB962C8B-B14F-4D97-AF65-F5344CB8AC3E}">
-        <p14:creationId xmlns:p14="http://schemas.microsoft.com/office/powerpoint/2010/main" val="2187455491"/>
-      </p:ext>
-    </p:extLst>
-  </p:cSld>
-  <p:clrMapOvr>
-    <a:masterClrMapping/>
-  </p:clrMapOvr>
-</p:sld>
-</file>
-
-<file path=ppt/slides/slide41.xml><?xml version="1.0" encoding="utf-8"?>
-<p:sld xmlns:a="http://schemas.openxmlformats.org/drawingml/2006/main" xmlns:r="http://schemas.openxmlformats.org/officeDocument/2006/relationships" xmlns:p="http://schemas.openxmlformats.org/presentationml/2006/main">
-  <p:cSld>
-    <p:spTree>
-      <p:nvGrpSpPr>
-        <p:cNvPr id="1" name=""/>
-        <p:cNvGrpSpPr/>
-        <p:nvPr/>
-      </p:nvGrpSpPr>
-      <p:grpSpPr>
-        <a:xfrm>
-          <a:off x="0" y="0"/>
-          <a:ext cx="0" cy="0"/>
-          <a:chOff x="0" y="0"/>
-          <a:chExt cx="0" cy="0"/>
-        </a:xfrm>
-      </p:grpSpPr>
-      <p:sp>
-        <p:nvSpPr>
-          <p:cNvPr id="5" name="Title 1">
-            <a:extLst>
-              <a:ext uri="{FF2B5EF4-FFF2-40B4-BE49-F238E27FC236}">
-                <a16:creationId xmlns:a16="http://schemas.microsoft.com/office/drawing/2014/main" id="{C900B82A-5E19-49EE-8045-59CDFBFE5B5F}"/>
-              </a:ext>
-            </a:extLst>
-          </p:cNvPr>
-          <p:cNvSpPr txBox="1">
-            <a:spLocks/>
-          </p:cNvSpPr>
-          <p:nvPr/>
-        </p:nvSpPr>
-        <p:spPr>
-          <a:xfrm>
-            <a:off x="0" y="3192860"/>
-            <a:ext cx="9144000" cy="472281"/>
-          </a:xfrm>
-          <a:prstGeom prst="rect">
-            <a:avLst/>
-          </a:prstGeom>
-        </p:spPr>
-        <p:txBody>
-          <a:bodyPr vert="horz" lIns="91440" tIns="45720" rIns="91440" bIns="45720" rtlCol="0" anchor="b">
-            <a:noAutofit/>
-          </a:bodyPr>
-          <a:lstStyle>
-            <a:lvl1pPr algn="l" defTabSz="914400" rtl="0" eaLnBrk="1" latinLnBrk="0" hangingPunct="1">
-              <a:spcBef>
-                <a:spcPct val="0"/>
-              </a:spcBef>
-              <a:buNone/>
-              <a:defRPr sz="2000" b="1" kern="1200">
-                <a:solidFill>
-                  <a:schemeClr val="tx1"/>
-                </a:solidFill>
-                <a:latin typeface="+mj-lt"/>
-                <a:ea typeface="+mj-ea"/>
-                <a:cs typeface="+mj-cs"/>
-              </a:defRPr>
-            </a:lvl1pPr>
-          </a:lstStyle>
-          <a:p>
-            <a:pPr algn="ctr" fontAlgn="base">
-              <a:spcAft>
-                <a:spcPct val="0"/>
-              </a:spcAft>
-              <a:defRPr/>
-            </a:pPr>
-            <a:endParaRPr lang="en-GB" sz="4000" kern="0" dirty="0">
-              <a:solidFill>
-                <a:srgbClr val="0098D4"/>
-              </a:solidFill>
-              <a:latin typeface="Calibri" pitchFamily="34" charset="0"/>
-            </a:endParaRPr>
-          </a:p>
-          <a:p>
-            <a:pPr algn="ctr" fontAlgn="base">
-              <a:spcAft>
-                <a:spcPct val="0"/>
-              </a:spcAft>
-              <a:defRPr/>
-            </a:pPr>
-            <a:endParaRPr lang="en-GB" sz="4000" kern="0" dirty="0">
-              <a:solidFill>
-                <a:srgbClr val="0098D4"/>
-              </a:solidFill>
-              <a:latin typeface="Calibri" pitchFamily="34" charset="0"/>
-            </a:endParaRPr>
-          </a:p>
-          <a:p>
-            <a:pPr algn="ctr" fontAlgn="base">
-              <a:spcAft>
-                <a:spcPct val="0"/>
-              </a:spcAft>
-              <a:defRPr/>
-            </a:pPr>
-            <a:endParaRPr lang="en-GB" sz="4000" kern="0" dirty="0">
-              <a:solidFill>
-                <a:srgbClr val="0098D4"/>
-              </a:solidFill>
-              <a:latin typeface="Calibri" pitchFamily="34" charset="0"/>
-            </a:endParaRPr>
-          </a:p>
-          <a:p>
-            <a:pPr algn="ctr" fontAlgn="base">
-              <a:spcAft>
-                <a:spcPct val="0"/>
-              </a:spcAft>
-              <a:defRPr/>
-            </a:pPr>
-            <a:endParaRPr lang="en-GB" sz="4000" kern="0" dirty="0">
-              <a:solidFill>
-                <a:srgbClr val="0098D4"/>
-              </a:solidFill>
-              <a:latin typeface="Calibri" pitchFamily="34" charset="0"/>
-            </a:endParaRPr>
-          </a:p>
-          <a:p>
-            <a:pPr algn="ctr" fontAlgn="base">
-              <a:spcAft>
-                <a:spcPct val="0"/>
-              </a:spcAft>
-              <a:defRPr/>
-            </a:pPr>
-            <a:r>
-              <a:rPr lang="en-GB" sz="4000" kern="0" dirty="0">
-                <a:solidFill>
-                  <a:srgbClr val="0098D4"/>
-                </a:solidFill>
-                <a:latin typeface="Calibri" pitchFamily="34" charset="0"/>
-              </a:rPr>
-              <a:t>THANK YOU!</a:t>
-            </a:r>
-          </a:p>
-          <a:p>
-            <a:pPr algn="ctr" fontAlgn="base">
-              <a:spcAft>
-                <a:spcPct val="0"/>
-              </a:spcAft>
-              <a:defRPr/>
-            </a:pPr>
-            <a:r>
-              <a:rPr lang="en-GB" sz="4000" kern="0" dirty="0">
-                <a:solidFill>
-                  <a:srgbClr val="0098D4"/>
-                </a:solidFill>
-                <a:latin typeface="Calibri" pitchFamily="34" charset="0"/>
-              </a:rPr>
-              <a:t>Questions?</a:t>
-            </a:r>
-          </a:p>
-        </p:txBody>
-      </p:sp>
-    </p:spTree>
-    <p:extLst>
-      <p:ext uri="{BB962C8B-B14F-4D97-AF65-F5344CB8AC3E}">
-        <p14:creationId xmlns:p14="http://schemas.microsoft.com/office/powerpoint/2010/main" val="2372896710"/>
       </p:ext>
     </p:extLst>
   </p:cSld>

--- a/Imperial_College_29-01-2020/Presentation.pptx
+++ b/Imperial_College_29-01-2020/Presentation.pptx
@@ -4579,7 +4579,7 @@
         <p:spPr>
           <a:xfrm>
             <a:off x="609600" y="928670"/>
-            <a:ext cx="7924800" cy="3139321"/>
+            <a:ext cx="7924800" cy="2585323"/>
           </a:xfrm>
           <a:prstGeom prst="rect">
             <a:avLst/>
@@ -4598,7 +4598,7 @@
                   <a:schemeClr val="bg1"/>
                 </a:solidFill>
               </a:rPr>
-              <a:t>mov byte REG_A,0x0	</a:t>
+              <a:t>mov REG_A,0x0		</a:t>
             </a:r>
             <a:r>
               <a:rPr lang="en-GB" sz="1400" dirty="0">
@@ -4625,7 +4625,7 @@
                   <a:schemeClr val="bg1"/>
                 </a:solidFill>
               </a:rPr>
-              <a:t>mov byte REG_B,0x1	</a:t>
+              <a:t>mov REG_B,0x1		</a:t>
             </a:r>
             <a:r>
               <a:rPr lang="en-GB" sz="1400" dirty="0">
@@ -4679,7 +4679,7 @@
                   <a:schemeClr val="bg1"/>
                 </a:solidFill>
               </a:rPr>
-              <a:t>mov byte REG_B,0x2	</a:t>
+              <a:t>mov REG_B,0x2		</a:t>
             </a:r>
             <a:r>
               <a:rPr lang="en-GB" sz="1400" dirty="0">
@@ -4737,23 +4737,7 @@
                   <a:prstClr val="white"/>
                 </a:solidFill>
               </a:rPr>
-              <a:t>mov </a:t>
-            </a:r>
-            <a:r>
-              <a:rPr lang="en-GB" dirty="0">
-                <a:solidFill>
-                  <a:schemeClr val="bg1"/>
-                </a:solidFill>
-              </a:rPr>
-              <a:t>byte </a:t>
-            </a:r>
-            <a:r>
-              <a:rPr lang="en-GB" dirty="0">
-                <a:solidFill>
-                  <a:prstClr val="white"/>
-                </a:solidFill>
-              </a:rPr>
-              <a:t>REG_B,0x3	</a:t>
+              <a:t>mov REG_B,0x3		</a:t>
             </a:r>
             <a:r>
               <a:rPr lang="en-GB" sz="1400" dirty="0">
@@ -4794,24 +4778,6 @@
               </a:rPr>
               <a:t>; perform an assignment addition (REG_A += REG_B)</a:t>
             </a:r>
-          </a:p>
-          <a:p>
-            <a:endParaRPr lang="en-GB" dirty="0">
-              <a:solidFill>
-                <a:schemeClr val="accent3">
-                  <a:lumMod val="50000"/>
-                </a:schemeClr>
-              </a:solidFill>
-            </a:endParaRPr>
-          </a:p>
-          <a:p>
-            <a:endParaRPr lang="en-GB" dirty="0">
-              <a:solidFill>
-                <a:schemeClr val="accent3">
-                  <a:lumMod val="50000"/>
-                </a:schemeClr>
-              </a:solidFill>
-            </a:endParaRPr>
           </a:p>
         </p:txBody>
       </p:sp>
@@ -5244,257 +5210,6 @@
           </a:p>
         </p:txBody>
       </p:sp>
-      <p:sp>
-        <p:nvSpPr>
-          <p:cNvPr id="12" name="TextBox 11">
-            <a:extLst>
-              <a:ext uri="{FF2B5EF4-FFF2-40B4-BE49-F238E27FC236}">
-                <a16:creationId xmlns:a16="http://schemas.microsoft.com/office/drawing/2014/main" id="{75B4779D-F76E-4D3C-BC39-F8E44DECE9CA}"/>
-              </a:ext>
-            </a:extLst>
-          </p:cNvPr>
-          <p:cNvSpPr txBox="1"/>
-          <p:nvPr/>
-        </p:nvSpPr>
-        <p:spPr>
-          <a:xfrm>
-            <a:off x="609600" y="928670"/>
-            <a:ext cx="7924800" cy="3139321"/>
-          </a:xfrm>
-          <a:prstGeom prst="rect">
-            <a:avLst/>
-          </a:prstGeom>
-          <a:noFill/>
-        </p:spPr>
-        <p:txBody>
-          <a:bodyPr wrap="square" rtlCol="0">
-            <a:spAutoFit/>
-          </a:bodyPr>
-          <a:lstStyle/>
-          <a:p>
-            <a:r>
-              <a:rPr lang="en-GB" dirty="0">
-                <a:solidFill>
-                  <a:schemeClr val="bg1"/>
-                </a:solidFill>
-              </a:rPr>
-              <a:t>mov byte REG_A,0x0	</a:t>
-            </a:r>
-            <a:r>
-              <a:rPr lang="en-GB" sz="1400" dirty="0">
-                <a:solidFill>
-                  <a:schemeClr val="accent3">
-                    <a:lumMod val="50000"/>
-                  </a:schemeClr>
-                </a:solidFill>
-              </a:rPr>
-              <a:t>; move 0x0 into “Register A”</a:t>
-            </a:r>
-            <a:endParaRPr lang="en-GB" sz="2000" dirty="0">
-              <a:solidFill>
-                <a:schemeClr val="accent3">
-                  <a:lumMod val="50000"/>
-                </a:schemeClr>
-              </a:solidFill>
-            </a:endParaRPr>
-          </a:p>
-          <a:p>
-            <a:r>
-              <a:rPr lang="en-GB" dirty="0">
-                <a:solidFill>
-                  <a:schemeClr val="bg1"/>
-                </a:solidFill>
-              </a:rPr>
-              <a:t>mov byte REG_B,0x1	</a:t>
-            </a:r>
-            <a:r>
-              <a:rPr lang="en-GB" sz="1400" dirty="0">
-                <a:solidFill>
-                  <a:schemeClr val="accent3">
-                    <a:lumMod val="50000"/>
-                  </a:schemeClr>
-                </a:solidFill>
-              </a:rPr>
-              <a:t>; move 0x1 into “Register B”</a:t>
-            </a:r>
-            <a:endParaRPr lang="en-GB" sz="2000" dirty="0">
-              <a:solidFill>
-                <a:schemeClr val="accent3">
-                  <a:lumMod val="50000"/>
-                </a:schemeClr>
-              </a:solidFill>
-            </a:endParaRPr>
-          </a:p>
-          <a:p>
-            <a:r>
-              <a:rPr lang="en-GB" dirty="0">
-                <a:solidFill>
-                  <a:schemeClr val="bg1"/>
-                </a:solidFill>
-              </a:rPr>
-              <a:t>add REG_A,REG_B  		</a:t>
-            </a:r>
-            <a:r>
-              <a:rPr lang="en-GB" sz="1400" dirty="0">
-                <a:solidFill>
-                  <a:schemeClr val="accent3">
-                    <a:lumMod val="50000"/>
-                  </a:schemeClr>
-                </a:solidFill>
-              </a:rPr>
-              <a:t>; perform an assignment addition (REG_A += REG_B)</a:t>
-            </a:r>
-          </a:p>
-          <a:p>
-            <a:endParaRPr lang="en-GB" dirty="0">
-              <a:solidFill>
-                <a:schemeClr val="bg1"/>
-              </a:solidFill>
-            </a:endParaRPr>
-          </a:p>
-          <a:p>
-            <a:r>
-              <a:rPr lang="en-GB" dirty="0">
-                <a:solidFill>
-                  <a:schemeClr val="bg1"/>
-                </a:solidFill>
-              </a:rPr>
-              <a:t>mov byte REG_B,0x2	</a:t>
-            </a:r>
-            <a:r>
-              <a:rPr lang="en-GB" sz="1400" dirty="0">
-                <a:solidFill>
-                  <a:schemeClr val="accent3">
-                    <a:lumMod val="50000"/>
-                  </a:schemeClr>
-                </a:solidFill>
-              </a:rPr>
-              <a:t>; move 0x2 into “Register B”</a:t>
-            </a:r>
-          </a:p>
-          <a:p>
-            <a:r>
-              <a:rPr lang="en-GB" dirty="0">
-                <a:solidFill>
-                  <a:schemeClr val="bg1"/>
-                </a:solidFill>
-              </a:rPr>
-              <a:t>add REG_A,REG_B </a:t>
-            </a:r>
-            <a:r>
-              <a:rPr lang="en-GB" sz="1400" dirty="0">
-                <a:solidFill>
-                  <a:schemeClr val="bg1"/>
-                </a:solidFill>
-              </a:rPr>
-              <a:t> 		</a:t>
-            </a:r>
-            <a:r>
-              <a:rPr lang="en-GB" sz="1400" dirty="0">
-                <a:solidFill>
-                  <a:schemeClr val="accent3">
-                    <a:lumMod val="50000"/>
-                  </a:schemeClr>
-                </a:solidFill>
-              </a:rPr>
-              <a:t>; perform an assignment addition (REG_A += REG_B)</a:t>
-            </a:r>
-          </a:p>
-          <a:p>
-            <a:endParaRPr lang="en-GB" dirty="0">
-              <a:solidFill>
-                <a:schemeClr val="accent3">
-                  <a:lumMod val="50000"/>
-                </a:schemeClr>
-              </a:solidFill>
-            </a:endParaRPr>
-          </a:p>
-          <a:p>
-            <a:pPr lvl="0"/>
-            <a:r>
-              <a:rPr lang="en-GB" dirty="0">
-                <a:solidFill>
-                  <a:prstClr val="white"/>
-                </a:solidFill>
-              </a:rPr>
-              <a:t>mov </a:t>
-            </a:r>
-            <a:r>
-              <a:rPr lang="en-GB" dirty="0">
-                <a:solidFill>
-                  <a:schemeClr val="bg1"/>
-                </a:solidFill>
-              </a:rPr>
-              <a:t>byte </a:t>
-            </a:r>
-            <a:r>
-              <a:rPr lang="en-GB" dirty="0">
-                <a:solidFill>
-                  <a:prstClr val="white"/>
-                </a:solidFill>
-              </a:rPr>
-              <a:t>REG_B,0x3	</a:t>
-            </a:r>
-            <a:r>
-              <a:rPr lang="en-GB" sz="1400" dirty="0">
-                <a:solidFill>
-                  <a:srgbClr val="9BBB59">
-                    <a:lumMod val="50000"/>
-                  </a:srgbClr>
-                </a:solidFill>
-              </a:rPr>
-              <a:t>; move 0x3 into “Register B”</a:t>
-            </a:r>
-          </a:p>
-          <a:p>
-            <a:pPr lvl="0"/>
-            <a:r>
-              <a:rPr lang="en-GB" dirty="0">
-                <a:solidFill>
-                  <a:prstClr val="white"/>
-                </a:solidFill>
-              </a:rPr>
-              <a:t>add REG_A,REG_B 		</a:t>
-            </a:r>
-            <a:r>
-              <a:rPr lang="en-GB" sz="1400" dirty="0">
-                <a:solidFill>
-                  <a:prstClr val="white"/>
-                </a:solidFill>
-              </a:rPr>
-              <a:t> </a:t>
-            </a:r>
-            <a:r>
-              <a:rPr lang="en-GB" sz="1400" dirty="0">
-                <a:solidFill>
-                  <a:srgbClr val="9BBB59">
-                    <a:lumMod val="50000"/>
-                  </a:srgbClr>
-                </a:solidFill>
-              </a:rPr>
-              <a:t>; perform an assignment addition (REG_A += REG_B)</a:t>
-            </a:r>
-          </a:p>
-          <a:p>
-            <a:endParaRPr lang="en-GB" dirty="0">
-              <a:solidFill>
-                <a:schemeClr val="accent3">
-                  <a:lumMod val="50000"/>
-                </a:schemeClr>
-              </a:solidFill>
-            </a:endParaRPr>
-          </a:p>
-          <a:p>
-            <a:endParaRPr lang="en-GB" dirty="0">
-              <a:solidFill>
-                <a:schemeClr val="accent3">
-                  <a:lumMod val="50000"/>
-                </a:schemeClr>
-              </a:solidFill>
-            </a:endParaRPr>
-          </a:p>
-        </p:txBody>
-      </p:sp>
       <p:graphicFrame>
         <p:nvGraphicFramePr>
           <p:cNvPr id="10" name="Table 13">
@@ -5510,7 +5225,7 @@
           <p:nvPr>
             <p:extLst>
               <p:ext uri="{D42A27DB-BD31-4B8C-83A1-F6EECF244321}">
-                <p14:modId xmlns:p14="http://schemas.microsoft.com/office/powerpoint/2010/main" val="1275843548"/>
+                <p14:modId xmlns:p14="http://schemas.microsoft.com/office/powerpoint/2010/main" val="2723013278"/>
               </p:ext>
             </p:extLst>
           </p:nvPr>
@@ -5612,7 +5327,7 @@
                       </a:pPr>
                       <a:r>
                         <a:rPr lang="en-GB" dirty="0"/>
-                        <a:t>mov byte REG_A </a:t>
+                        <a:t>mov REG_A </a:t>
                       </a:r>
                     </a:p>
                   </a:txBody>
@@ -5662,7 +5377,7 @@
                       </a:pPr>
                       <a:r>
                         <a:rPr lang="en-GB" dirty="0"/>
-                        <a:t>mov byte REG_B</a:t>
+                        <a:t>mov REG_B</a:t>
                       </a:r>
                     </a:p>
                   </a:txBody>
@@ -5794,6 +5509,223 @@
           </a:p>
         </p:txBody>
       </p:sp>
+      <p:sp>
+        <p:nvSpPr>
+          <p:cNvPr id="19" name="TextBox 18">
+            <a:extLst>
+              <a:ext uri="{FF2B5EF4-FFF2-40B4-BE49-F238E27FC236}">
+                <a16:creationId xmlns:a16="http://schemas.microsoft.com/office/drawing/2014/main" id="{C161155C-82FA-4EC4-8937-15583CE9E21D}"/>
+              </a:ext>
+            </a:extLst>
+          </p:cNvPr>
+          <p:cNvSpPr txBox="1"/>
+          <p:nvPr/>
+        </p:nvSpPr>
+        <p:spPr>
+          <a:xfrm>
+            <a:off x="609600" y="928670"/>
+            <a:ext cx="7924800" cy="2585323"/>
+          </a:xfrm>
+          <a:prstGeom prst="rect">
+            <a:avLst/>
+          </a:prstGeom>
+          <a:noFill/>
+        </p:spPr>
+        <p:txBody>
+          <a:bodyPr wrap="square" rtlCol="0">
+            <a:spAutoFit/>
+          </a:bodyPr>
+          <a:lstStyle/>
+          <a:p>
+            <a:r>
+              <a:rPr lang="en-GB" dirty="0">
+                <a:solidFill>
+                  <a:schemeClr val="bg1"/>
+                </a:solidFill>
+              </a:rPr>
+              <a:t>mov REG_A,0x0		</a:t>
+            </a:r>
+            <a:r>
+              <a:rPr lang="en-GB" sz="1400" dirty="0">
+                <a:solidFill>
+                  <a:schemeClr val="accent3">
+                    <a:lumMod val="50000"/>
+                  </a:schemeClr>
+                </a:solidFill>
+              </a:rPr>
+              <a:t>; move 0x0 into “Register A”</a:t>
+            </a:r>
+            <a:endParaRPr lang="en-GB" sz="2000" dirty="0">
+              <a:solidFill>
+                <a:schemeClr val="accent3">
+                  <a:lumMod val="50000"/>
+                </a:schemeClr>
+              </a:solidFill>
+            </a:endParaRPr>
+          </a:p>
+          <a:p>
+            <a:r>
+              <a:rPr lang="en-GB" dirty="0">
+                <a:solidFill>
+                  <a:schemeClr val="bg1"/>
+                </a:solidFill>
+              </a:rPr>
+              <a:t>mov REG_B,0x1		</a:t>
+            </a:r>
+            <a:r>
+              <a:rPr lang="en-GB" sz="1400" dirty="0">
+                <a:solidFill>
+                  <a:schemeClr val="accent3">
+                    <a:lumMod val="50000"/>
+                  </a:schemeClr>
+                </a:solidFill>
+              </a:rPr>
+              <a:t>; move 0x1 into “Register B”</a:t>
+            </a:r>
+            <a:endParaRPr lang="en-GB" sz="2000" dirty="0">
+              <a:solidFill>
+                <a:schemeClr val="accent3">
+                  <a:lumMod val="50000"/>
+                </a:schemeClr>
+              </a:solidFill>
+            </a:endParaRPr>
+          </a:p>
+          <a:p>
+            <a:r>
+              <a:rPr lang="en-GB" dirty="0">
+                <a:solidFill>
+                  <a:schemeClr val="bg1"/>
+                </a:solidFill>
+              </a:rPr>
+              <a:t>add REG_A,REG_B  		</a:t>
+            </a:r>
+            <a:r>
+              <a:rPr lang="en-GB" sz="1400" dirty="0">
+                <a:solidFill>
+                  <a:schemeClr val="accent3">
+                    <a:lumMod val="50000"/>
+                  </a:schemeClr>
+                </a:solidFill>
+              </a:rPr>
+              <a:t>; perform an assignment addition (REG_A += REG_B)</a:t>
+            </a:r>
+          </a:p>
+          <a:p>
+            <a:endParaRPr lang="en-GB" dirty="0">
+              <a:solidFill>
+                <a:schemeClr val="bg1"/>
+              </a:solidFill>
+            </a:endParaRPr>
+          </a:p>
+          <a:p>
+            <a:r>
+              <a:rPr lang="en-GB" dirty="0">
+                <a:solidFill>
+                  <a:schemeClr val="bg1"/>
+                </a:solidFill>
+              </a:rPr>
+              <a:t>mov REG_B,0x2		</a:t>
+            </a:r>
+            <a:r>
+              <a:rPr lang="en-GB" sz="1400" dirty="0">
+                <a:solidFill>
+                  <a:schemeClr val="accent3">
+                    <a:lumMod val="50000"/>
+                  </a:schemeClr>
+                </a:solidFill>
+              </a:rPr>
+              <a:t>; move 0x2 into “Register B”</a:t>
+            </a:r>
+          </a:p>
+          <a:p>
+            <a:r>
+              <a:rPr lang="en-GB" dirty="0">
+                <a:solidFill>
+                  <a:schemeClr val="bg1"/>
+                </a:solidFill>
+              </a:rPr>
+              <a:t>add REG_A,REG_B </a:t>
+            </a:r>
+            <a:r>
+              <a:rPr lang="en-GB" sz="1400" dirty="0">
+                <a:solidFill>
+                  <a:schemeClr val="bg1"/>
+                </a:solidFill>
+              </a:rPr>
+              <a:t> 		</a:t>
+            </a:r>
+            <a:r>
+              <a:rPr lang="en-GB" sz="1400" dirty="0">
+                <a:solidFill>
+                  <a:schemeClr val="accent3">
+                    <a:lumMod val="50000"/>
+                  </a:schemeClr>
+                </a:solidFill>
+              </a:rPr>
+              <a:t>; perform an assignment addition (REG_A += REG_B)</a:t>
+            </a:r>
+          </a:p>
+          <a:p>
+            <a:endParaRPr lang="en-GB" dirty="0">
+              <a:solidFill>
+                <a:schemeClr val="accent3">
+                  <a:lumMod val="50000"/>
+                </a:schemeClr>
+              </a:solidFill>
+            </a:endParaRPr>
+          </a:p>
+          <a:p>
+            <a:pPr lvl="0"/>
+            <a:r>
+              <a:rPr lang="en-GB" dirty="0">
+                <a:solidFill>
+                  <a:prstClr val="white"/>
+                </a:solidFill>
+              </a:rPr>
+              <a:t>mov REG_B,0x3		</a:t>
+            </a:r>
+            <a:r>
+              <a:rPr lang="en-GB" sz="1400" dirty="0">
+                <a:solidFill>
+                  <a:srgbClr val="9BBB59">
+                    <a:lumMod val="50000"/>
+                  </a:srgbClr>
+                </a:solidFill>
+              </a:rPr>
+              <a:t>; move 0x3 into “Register B”</a:t>
+            </a:r>
+          </a:p>
+          <a:p>
+            <a:pPr lvl="0"/>
+            <a:r>
+              <a:rPr lang="en-GB" dirty="0">
+                <a:solidFill>
+                  <a:prstClr val="white"/>
+                </a:solidFill>
+              </a:rPr>
+              <a:t>add REG_A,REG_B 		</a:t>
+            </a:r>
+            <a:r>
+              <a:rPr lang="en-GB" sz="1400" dirty="0">
+                <a:solidFill>
+                  <a:prstClr val="white"/>
+                </a:solidFill>
+              </a:rPr>
+              <a:t> </a:t>
+            </a:r>
+            <a:r>
+              <a:rPr lang="en-GB" sz="1400" dirty="0">
+                <a:solidFill>
+                  <a:srgbClr val="9BBB59">
+                    <a:lumMod val="50000"/>
+                  </a:srgbClr>
+                </a:solidFill>
+              </a:rPr>
+              <a:t>; perform an assignment addition (REG_A += REG_B)</a:t>
+            </a:r>
+          </a:p>
+        </p:txBody>
+      </p:sp>
     </p:spTree>
     <p:extLst>
       <p:ext uri="{BB962C8B-B14F-4D97-AF65-F5344CB8AC3E}">
@@ -6218,257 +6150,6 @@
             <a:endParaRPr lang="en-US" dirty="0">
               <a:solidFill>
                 <a:schemeClr val="bg1"/>
-              </a:solidFill>
-            </a:endParaRPr>
-          </a:p>
-        </p:txBody>
-      </p:sp>
-      <p:sp>
-        <p:nvSpPr>
-          <p:cNvPr id="12" name="TextBox 11">
-            <a:extLst>
-              <a:ext uri="{FF2B5EF4-FFF2-40B4-BE49-F238E27FC236}">
-                <a16:creationId xmlns:a16="http://schemas.microsoft.com/office/drawing/2014/main" id="{75B4779D-F76E-4D3C-BC39-F8E44DECE9CA}"/>
-              </a:ext>
-            </a:extLst>
-          </p:cNvPr>
-          <p:cNvSpPr txBox="1"/>
-          <p:nvPr/>
-        </p:nvSpPr>
-        <p:spPr>
-          <a:xfrm>
-            <a:off x="609600" y="928670"/>
-            <a:ext cx="7924800" cy="3139321"/>
-          </a:xfrm>
-          <a:prstGeom prst="rect">
-            <a:avLst/>
-          </a:prstGeom>
-          <a:noFill/>
-        </p:spPr>
-        <p:txBody>
-          <a:bodyPr wrap="square" rtlCol="0">
-            <a:spAutoFit/>
-          </a:bodyPr>
-          <a:lstStyle/>
-          <a:p>
-            <a:r>
-              <a:rPr lang="en-GB" dirty="0">
-                <a:solidFill>
-                  <a:schemeClr val="bg1"/>
-                </a:solidFill>
-              </a:rPr>
-              <a:t>mov byte REG_A,0x0	</a:t>
-            </a:r>
-            <a:r>
-              <a:rPr lang="en-GB" sz="1400" dirty="0">
-                <a:solidFill>
-                  <a:schemeClr val="accent3">
-                    <a:lumMod val="50000"/>
-                  </a:schemeClr>
-                </a:solidFill>
-              </a:rPr>
-              <a:t>; move 0x0 into “Register A”</a:t>
-            </a:r>
-            <a:endParaRPr lang="en-GB" sz="2000" dirty="0">
-              <a:solidFill>
-                <a:schemeClr val="accent3">
-                  <a:lumMod val="50000"/>
-                </a:schemeClr>
-              </a:solidFill>
-            </a:endParaRPr>
-          </a:p>
-          <a:p>
-            <a:r>
-              <a:rPr lang="en-GB" dirty="0">
-                <a:solidFill>
-                  <a:schemeClr val="bg1"/>
-                </a:solidFill>
-              </a:rPr>
-              <a:t>mov byte REG_B,0x1	</a:t>
-            </a:r>
-            <a:r>
-              <a:rPr lang="en-GB" sz="1400" dirty="0">
-                <a:solidFill>
-                  <a:schemeClr val="accent3">
-                    <a:lumMod val="50000"/>
-                  </a:schemeClr>
-                </a:solidFill>
-              </a:rPr>
-              <a:t>; move 0x1 into “Register B”</a:t>
-            </a:r>
-            <a:endParaRPr lang="en-GB" sz="2000" dirty="0">
-              <a:solidFill>
-                <a:schemeClr val="accent3">
-                  <a:lumMod val="50000"/>
-                </a:schemeClr>
-              </a:solidFill>
-            </a:endParaRPr>
-          </a:p>
-          <a:p>
-            <a:r>
-              <a:rPr lang="en-GB" dirty="0">
-                <a:solidFill>
-                  <a:schemeClr val="bg1"/>
-                </a:solidFill>
-              </a:rPr>
-              <a:t>add REG_A,REG_B  		</a:t>
-            </a:r>
-            <a:r>
-              <a:rPr lang="en-GB" sz="1400" dirty="0">
-                <a:solidFill>
-                  <a:schemeClr val="accent3">
-                    <a:lumMod val="50000"/>
-                  </a:schemeClr>
-                </a:solidFill>
-              </a:rPr>
-              <a:t>; perform an assignment addition (REG_A += REG_B)</a:t>
-            </a:r>
-          </a:p>
-          <a:p>
-            <a:endParaRPr lang="en-GB" dirty="0">
-              <a:solidFill>
-                <a:schemeClr val="bg1"/>
-              </a:solidFill>
-            </a:endParaRPr>
-          </a:p>
-          <a:p>
-            <a:r>
-              <a:rPr lang="en-GB" dirty="0">
-                <a:solidFill>
-                  <a:schemeClr val="bg1"/>
-                </a:solidFill>
-              </a:rPr>
-              <a:t>mov byte REG_B,0x2	</a:t>
-            </a:r>
-            <a:r>
-              <a:rPr lang="en-GB" sz="1400" dirty="0">
-                <a:solidFill>
-                  <a:schemeClr val="accent3">
-                    <a:lumMod val="50000"/>
-                  </a:schemeClr>
-                </a:solidFill>
-              </a:rPr>
-              <a:t>; move 0x2 into “Register B”</a:t>
-            </a:r>
-          </a:p>
-          <a:p>
-            <a:r>
-              <a:rPr lang="en-GB" dirty="0">
-                <a:solidFill>
-                  <a:schemeClr val="bg1"/>
-                </a:solidFill>
-              </a:rPr>
-              <a:t>add REG_A,REG_B </a:t>
-            </a:r>
-            <a:r>
-              <a:rPr lang="en-GB" sz="1400" dirty="0">
-                <a:solidFill>
-                  <a:schemeClr val="bg1"/>
-                </a:solidFill>
-              </a:rPr>
-              <a:t> 		</a:t>
-            </a:r>
-            <a:r>
-              <a:rPr lang="en-GB" sz="1400" dirty="0">
-                <a:solidFill>
-                  <a:schemeClr val="accent3">
-                    <a:lumMod val="50000"/>
-                  </a:schemeClr>
-                </a:solidFill>
-              </a:rPr>
-              <a:t>; perform an assignment addition (REG_A += REG_B)</a:t>
-            </a:r>
-          </a:p>
-          <a:p>
-            <a:endParaRPr lang="en-GB" dirty="0">
-              <a:solidFill>
-                <a:schemeClr val="accent3">
-                  <a:lumMod val="50000"/>
-                </a:schemeClr>
-              </a:solidFill>
-            </a:endParaRPr>
-          </a:p>
-          <a:p>
-            <a:pPr lvl="0"/>
-            <a:r>
-              <a:rPr lang="en-GB" dirty="0">
-                <a:solidFill>
-                  <a:prstClr val="white"/>
-                </a:solidFill>
-              </a:rPr>
-              <a:t>mov </a:t>
-            </a:r>
-            <a:r>
-              <a:rPr lang="en-GB" dirty="0">
-                <a:solidFill>
-                  <a:schemeClr val="bg1"/>
-                </a:solidFill>
-              </a:rPr>
-              <a:t>byte </a:t>
-            </a:r>
-            <a:r>
-              <a:rPr lang="en-GB" dirty="0">
-                <a:solidFill>
-                  <a:prstClr val="white"/>
-                </a:solidFill>
-              </a:rPr>
-              <a:t>REG_B,0x3	</a:t>
-            </a:r>
-            <a:r>
-              <a:rPr lang="en-GB" sz="1400" dirty="0">
-                <a:solidFill>
-                  <a:srgbClr val="9BBB59">
-                    <a:lumMod val="50000"/>
-                  </a:srgbClr>
-                </a:solidFill>
-              </a:rPr>
-              <a:t>; move 0x3 into “Register B”</a:t>
-            </a:r>
-          </a:p>
-          <a:p>
-            <a:pPr lvl="0"/>
-            <a:r>
-              <a:rPr lang="en-GB" dirty="0">
-                <a:solidFill>
-                  <a:prstClr val="white"/>
-                </a:solidFill>
-              </a:rPr>
-              <a:t>add REG_A,REG_B 		</a:t>
-            </a:r>
-            <a:r>
-              <a:rPr lang="en-GB" sz="1400" dirty="0">
-                <a:solidFill>
-                  <a:prstClr val="white"/>
-                </a:solidFill>
-              </a:rPr>
-              <a:t> </a:t>
-            </a:r>
-            <a:r>
-              <a:rPr lang="en-GB" sz="1400" dirty="0">
-                <a:solidFill>
-                  <a:srgbClr val="9BBB59">
-                    <a:lumMod val="50000"/>
-                  </a:srgbClr>
-                </a:solidFill>
-              </a:rPr>
-              <a:t>; perform an assignment addition (REG_A += REG_B)</a:t>
-            </a:r>
-          </a:p>
-          <a:p>
-            <a:endParaRPr lang="en-GB" dirty="0">
-              <a:solidFill>
-                <a:schemeClr val="accent3">
-                  <a:lumMod val="50000"/>
-                </a:schemeClr>
-              </a:solidFill>
-            </a:endParaRPr>
-          </a:p>
-          <a:p>
-            <a:endParaRPr lang="en-GB" dirty="0">
-              <a:solidFill>
-                <a:schemeClr val="accent3">
-                  <a:lumMod val="50000"/>
-                </a:schemeClr>
               </a:solidFill>
             </a:endParaRPr>
           </a:p>
@@ -6940,6 +6621,223 @@
           </a:fontRef>
         </p:style>
       </p:cxnSp>
+      <p:sp>
+        <p:nvSpPr>
+          <p:cNvPr id="32" name="TextBox 31">
+            <a:extLst>
+              <a:ext uri="{FF2B5EF4-FFF2-40B4-BE49-F238E27FC236}">
+                <a16:creationId xmlns:a16="http://schemas.microsoft.com/office/drawing/2014/main" id="{D8F0938F-3461-4A1F-822E-1FFB5F5DB4A7}"/>
+              </a:ext>
+            </a:extLst>
+          </p:cNvPr>
+          <p:cNvSpPr txBox="1"/>
+          <p:nvPr/>
+        </p:nvSpPr>
+        <p:spPr>
+          <a:xfrm>
+            <a:off x="609600" y="928670"/>
+            <a:ext cx="7924800" cy="2585323"/>
+          </a:xfrm>
+          <a:prstGeom prst="rect">
+            <a:avLst/>
+          </a:prstGeom>
+          <a:noFill/>
+        </p:spPr>
+        <p:txBody>
+          <a:bodyPr wrap="square" rtlCol="0">
+            <a:spAutoFit/>
+          </a:bodyPr>
+          <a:lstStyle/>
+          <a:p>
+            <a:r>
+              <a:rPr lang="en-GB" dirty="0">
+                <a:solidFill>
+                  <a:schemeClr val="bg1"/>
+                </a:solidFill>
+              </a:rPr>
+              <a:t>mov REG_A,0x0		</a:t>
+            </a:r>
+            <a:r>
+              <a:rPr lang="en-GB" sz="1400" dirty="0">
+                <a:solidFill>
+                  <a:schemeClr val="accent3">
+                    <a:lumMod val="50000"/>
+                  </a:schemeClr>
+                </a:solidFill>
+              </a:rPr>
+              <a:t>; move 0x0 into “Register A”</a:t>
+            </a:r>
+            <a:endParaRPr lang="en-GB" sz="2000" dirty="0">
+              <a:solidFill>
+                <a:schemeClr val="accent3">
+                  <a:lumMod val="50000"/>
+                </a:schemeClr>
+              </a:solidFill>
+            </a:endParaRPr>
+          </a:p>
+          <a:p>
+            <a:r>
+              <a:rPr lang="en-GB" dirty="0">
+                <a:solidFill>
+                  <a:schemeClr val="bg1"/>
+                </a:solidFill>
+              </a:rPr>
+              <a:t>mov REG_B,0x1		</a:t>
+            </a:r>
+            <a:r>
+              <a:rPr lang="en-GB" sz="1400" dirty="0">
+                <a:solidFill>
+                  <a:schemeClr val="accent3">
+                    <a:lumMod val="50000"/>
+                  </a:schemeClr>
+                </a:solidFill>
+              </a:rPr>
+              <a:t>; move 0x1 into “Register B”</a:t>
+            </a:r>
+            <a:endParaRPr lang="en-GB" sz="2000" dirty="0">
+              <a:solidFill>
+                <a:schemeClr val="accent3">
+                  <a:lumMod val="50000"/>
+                </a:schemeClr>
+              </a:solidFill>
+            </a:endParaRPr>
+          </a:p>
+          <a:p>
+            <a:r>
+              <a:rPr lang="en-GB" dirty="0">
+                <a:solidFill>
+                  <a:schemeClr val="bg1"/>
+                </a:solidFill>
+              </a:rPr>
+              <a:t>add REG_A,REG_B  		</a:t>
+            </a:r>
+            <a:r>
+              <a:rPr lang="en-GB" sz="1400" dirty="0">
+                <a:solidFill>
+                  <a:schemeClr val="accent3">
+                    <a:lumMod val="50000"/>
+                  </a:schemeClr>
+                </a:solidFill>
+              </a:rPr>
+              <a:t>; perform an assignment addition (REG_A += REG_B)</a:t>
+            </a:r>
+          </a:p>
+          <a:p>
+            <a:endParaRPr lang="en-GB" dirty="0">
+              <a:solidFill>
+                <a:schemeClr val="bg1"/>
+              </a:solidFill>
+            </a:endParaRPr>
+          </a:p>
+          <a:p>
+            <a:r>
+              <a:rPr lang="en-GB" dirty="0">
+                <a:solidFill>
+                  <a:schemeClr val="bg1"/>
+                </a:solidFill>
+              </a:rPr>
+              <a:t>mov REG_B,0x2		</a:t>
+            </a:r>
+            <a:r>
+              <a:rPr lang="en-GB" sz="1400" dirty="0">
+                <a:solidFill>
+                  <a:schemeClr val="accent3">
+                    <a:lumMod val="50000"/>
+                  </a:schemeClr>
+                </a:solidFill>
+              </a:rPr>
+              <a:t>; move 0x2 into “Register B”</a:t>
+            </a:r>
+          </a:p>
+          <a:p>
+            <a:r>
+              <a:rPr lang="en-GB" dirty="0">
+                <a:solidFill>
+                  <a:schemeClr val="bg1"/>
+                </a:solidFill>
+              </a:rPr>
+              <a:t>add REG_A,REG_B </a:t>
+            </a:r>
+            <a:r>
+              <a:rPr lang="en-GB" sz="1400" dirty="0">
+                <a:solidFill>
+                  <a:schemeClr val="bg1"/>
+                </a:solidFill>
+              </a:rPr>
+              <a:t> 		</a:t>
+            </a:r>
+            <a:r>
+              <a:rPr lang="en-GB" sz="1400" dirty="0">
+                <a:solidFill>
+                  <a:schemeClr val="accent3">
+                    <a:lumMod val="50000"/>
+                  </a:schemeClr>
+                </a:solidFill>
+              </a:rPr>
+              <a:t>; perform an assignment addition (REG_A += REG_B)</a:t>
+            </a:r>
+          </a:p>
+          <a:p>
+            <a:endParaRPr lang="en-GB" dirty="0">
+              <a:solidFill>
+                <a:schemeClr val="accent3">
+                  <a:lumMod val="50000"/>
+                </a:schemeClr>
+              </a:solidFill>
+            </a:endParaRPr>
+          </a:p>
+          <a:p>
+            <a:pPr lvl="0"/>
+            <a:r>
+              <a:rPr lang="en-GB" dirty="0">
+                <a:solidFill>
+                  <a:prstClr val="white"/>
+                </a:solidFill>
+              </a:rPr>
+              <a:t>mov REG_B,0x3		</a:t>
+            </a:r>
+            <a:r>
+              <a:rPr lang="en-GB" sz="1400" dirty="0">
+                <a:solidFill>
+                  <a:srgbClr val="9BBB59">
+                    <a:lumMod val="50000"/>
+                  </a:srgbClr>
+                </a:solidFill>
+              </a:rPr>
+              <a:t>; move 0x3 into “Register B”</a:t>
+            </a:r>
+          </a:p>
+          <a:p>
+            <a:pPr lvl="0"/>
+            <a:r>
+              <a:rPr lang="en-GB" dirty="0">
+                <a:solidFill>
+                  <a:prstClr val="white"/>
+                </a:solidFill>
+              </a:rPr>
+              <a:t>add REG_A,REG_B 		</a:t>
+            </a:r>
+            <a:r>
+              <a:rPr lang="en-GB" sz="1400" dirty="0">
+                <a:solidFill>
+                  <a:prstClr val="white"/>
+                </a:solidFill>
+              </a:rPr>
+              <a:t> </a:t>
+            </a:r>
+            <a:r>
+              <a:rPr lang="en-GB" sz="1400" dirty="0">
+                <a:solidFill>
+                  <a:srgbClr val="9BBB59">
+                    <a:lumMod val="50000"/>
+                  </a:srgbClr>
+                </a:solidFill>
+              </a:rPr>
+              <a:t>; perform an assignment addition (REG_A += REG_B)</a:t>
+            </a:r>
+          </a:p>
+        </p:txBody>
+      </p:sp>
     </p:spTree>
     <p:extLst>
       <p:ext uri="{BB962C8B-B14F-4D97-AF65-F5344CB8AC3E}">
@@ -7364,257 +7262,6 @@
             <a:endParaRPr lang="en-US" dirty="0">
               <a:solidFill>
                 <a:schemeClr val="bg1"/>
-              </a:solidFill>
-            </a:endParaRPr>
-          </a:p>
-        </p:txBody>
-      </p:sp>
-      <p:sp>
-        <p:nvSpPr>
-          <p:cNvPr id="12" name="TextBox 11">
-            <a:extLst>
-              <a:ext uri="{FF2B5EF4-FFF2-40B4-BE49-F238E27FC236}">
-                <a16:creationId xmlns:a16="http://schemas.microsoft.com/office/drawing/2014/main" id="{75B4779D-F76E-4D3C-BC39-F8E44DECE9CA}"/>
-              </a:ext>
-            </a:extLst>
-          </p:cNvPr>
-          <p:cNvSpPr txBox="1"/>
-          <p:nvPr/>
-        </p:nvSpPr>
-        <p:spPr>
-          <a:xfrm>
-            <a:off x="609600" y="928670"/>
-            <a:ext cx="7924800" cy="3139321"/>
-          </a:xfrm>
-          <a:prstGeom prst="rect">
-            <a:avLst/>
-          </a:prstGeom>
-          <a:noFill/>
-        </p:spPr>
-        <p:txBody>
-          <a:bodyPr wrap="square" rtlCol="0">
-            <a:spAutoFit/>
-          </a:bodyPr>
-          <a:lstStyle/>
-          <a:p>
-            <a:r>
-              <a:rPr lang="en-GB" dirty="0">
-                <a:solidFill>
-                  <a:schemeClr val="bg1"/>
-                </a:solidFill>
-              </a:rPr>
-              <a:t>mov byte REG_A,0x0	</a:t>
-            </a:r>
-            <a:r>
-              <a:rPr lang="en-GB" sz="1400" dirty="0">
-                <a:solidFill>
-                  <a:schemeClr val="accent3">
-                    <a:lumMod val="50000"/>
-                  </a:schemeClr>
-                </a:solidFill>
-              </a:rPr>
-              <a:t>; move 0x0 into “Register A”</a:t>
-            </a:r>
-            <a:endParaRPr lang="en-GB" sz="2000" dirty="0">
-              <a:solidFill>
-                <a:schemeClr val="accent3">
-                  <a:lumMod val="50000"/>
-                </a:schemeClr>
-              </a:solidFill>
-            </a:endParaRPr>
-          </a:p>
-          <a:p>
-            <a:r>
-              <a:rPr lang="en-GB" dirty="0">
-                <a:solidFill>
-                  <a:schemeClr val="bg1"/>
-                </a:solidFill>
-              </a:rPr>
-              <a:t>mov byte REG_B,0x1	</a:t>
-            </a:r>
-            <a:r>
-              <a:rPr lang="en-GB" sz="1400" dirty="0">
-                <a:solidFill>
-                  <a:schemeClr val="accent3">
-                    <a:lumMod val="50000"/>
-                  </a:schemeClr>
-                </a:solidFill>
-              </a:rPr>
-              <a:t>; move 0x1 into “Register B”</a:t>
-            </a:r>
-            <a:endParaRPr lang="en-GB" sz="2000" dirty="0">
-              <a:solidFill>
-                <a:schemeClr val="accent3">
-                  <a:lumMod val="50000"/>
-                </a:schemeClr>
-              </a:solidFill>
-            </a:endParaRPr>
-          </a:p>
-          <a:p>
-            <a:r>
-              <a:rPr lang="en-GB" dirty="0">
-                <a:solidFill>
-                  <a:schemeClr val="bg1"/>
-                </a:solidFill>
-              </a:rPr>
-              <a:t>add REG_A,REG_B  		</a:t>
-            </a:r>
-            <a:r>
-              <a:rPr lang="en-GB" sz="1400" dirty="0">
-                <a:solidFill>
-                  <a:schemeClr val="accent3">
-                    <a:lumMod val="50000"/>
-                  </a:schemeClr>
-                </a:solidFill>
-              </a:rPr>
-              <a:t>; perform an assignment addition (REG_A += REG_B)</a:t>
-            </a:r>
-          </a:p>
-          <a:p>
-            <a:endParaRPr lang="en-GB" dirty="0">
-              <a:solidFill>
-                <a:schemeClr val="bg1"/>
-              </a:solidFill>
-            </a:endParaRPr>
-          </a:p>
-          <a:p>
-            <a:r>
-              <a:rPr lang="en-GB" dirty="0">
-                <a:solidFill>
-                  <a:schemeClr val="bg1"/>
-                </a:solidFill>
-              </a:rPr>
-              <a:t>mov byte REG_B,0x2	</a:t>
-            </a:r>
-            <a:r>
-              <a:rPr lang="en-GB" sz="1400" dirty="0">
-                <a:solidFill>
-                  <a:schemeClr val="accent3">
-                    <a:lumMod val="50000"/>
-                  </a:schemeClr>
-                </a:solidFill>
-              </a:rPr>
-              <a:t>; move 0x2 into “Register B”</a:t>
-            </a:r>
-          </a:p>
-          <a:p>
-            <a:r>
-              <a:rPr lang="en-GB" dirty="0">
-                <a:solidFill>
-                  <a:schemeClr val="bg1"/>
-                </a:solidFill>
-              </a:rPr>
-              <a:t>add REG_A,REG_B </a:t>
-            </a:r>
-            <a:r>
-              <a:rPr lang="en-GB" sz="1400" dirty="0">
-                <a:solidFill>
-                  <a:schemeClr val="bg1"/>
-                </a:solidFill>
-              </a:rPr>
-              <a:t> 		</a:t>
-            </a:r>
-            <a:r>
-              <a:rPr lang="en-GB" sz="1400" dirty="0">
-                <a:solidFill>
-                  <a:schemeClr val="accent3">
-                    <a:lumMod val="50000"/>
-                  </a:schemeClr>
-                </a:solidFill>
-              </a:rPr>
-              <a:t>; perform an assignment addition (REG_A += REG_B)</a:t>
-            </a:r>
-          </a:p>
-          <a:p>
-            <a:endParaRPr lang="en-GB" dirty="0">
-              <a:solidFill>
-                <a:schemeClr val="accent3">
-                  <a:lumMod val="50000"/>
-                </a:schemeClr>
-              </a:solidFill>
-            </a:endParaRPr>
-          </a:p>
-          <a:p>
-            <a:pPr lvl="0"/>
-            <a:r>
-              <a:rPr lang="en-GB" dirty="0">
-                <a:solidFill>
-                  <a:prstClr val="white"/>
-                </a:solidFill>
-              </a:rPr>
-              <a:t>mov </a:t>
-            </a:r>
-            <a:r>
-              <a:rPr lang="en-GB" dirty="0">
-                <a:solidFill>
-                  <a:schemeClr val="bg1"/>
-                </a:solidFill>
-              </a:rPr>
-              <a:t>byte </a:t>
-            </a:r>
-            <a:r>
-              <a:rPr lang="en-GB" dirty="0">
-                <a:solidFill>
-                  <a:prstClr val="white"/>
-                </a:solidFill>
-              </a:rPr>
-              <a:t>REG_B,0x3	</a:t>
-            </a:r>
-            <a:r>
-              <a:rPr lang="en-GB" sz="1400" dirty="0">
-                <a:solidFill>
-                  <a:srgbClr val="9BBB59">
-                    <a:lumMod val="50000"/>
-                  </a:srgbClr>
-                </a:solidFill>
-              </a:rPr>
-              <a:t>; move 0x3 into “Register B”</a:t>
-            </a:r>
-          </a:p>
-          <a:p>
-            <a:pPr lvl="0"/>
-            <a:r>
-              <a:rPr lang="en-GB" dirty="0">
-                <a:solidFill>
-                  <a:prstClr val="white"/>
-                </a:solidFill>
-              </a:rPr>
-              <a:t>add REG_A,REG_B 		</a:t>
-            </a:r>
-            <a:r>
-              <a:rPr lang="en-GB" sz="1400" dirty="0">
-                <a:solidFill>
-                  <a:prstClr val="white"/>
-                </a:solidFill>
-              </a:rPr>
-              <a:t> </a:t>
-            </a:r>
-            <a:r>
-              <a:rPr lang="en-GB" sz="1400" dirty="0">
-                <a:solidFill>
-                  <a:srgbClr val="9BBB59">
-                    <a:lumMod val="50000"/>
-                  </a:srgbClr>
-                </a:solidFill>
-              </a:rPr>
-              <a:t>; perform an assignment addition (REG_A += REG_B)</a:t>
-            </a:r>
-          </a:p>
-          <a:p>
-            <a:endParaRPr lang="en-GB" dirty="0">
-              <a:solidFill>
-                <a:schemeClr val="accent3">
-                  <a:lumMod val="50000"/>
-                </a:schemeClr>
-              </a:solidFill>
-            </a:endParaRPr>
-          </a:p>
-          <a:p>
-            <a:endParaRPr lang="en-GB" dirty="0">
-              <a:solidFill>
-                <a:schemeClr val="accent3">
-                  <a:lumMod val="50000"/>
-                </a:schemeClr>
               </a:solidFill>
             </a:endParaRPr>
           </a:p>
@@ -8081,6 +7728,223 @@
           </a:fontRef>
         </p:style>
       </p:cxnSp>
+      <p:sp>
+        <p:nvSpPr>
+          <p:cNvPr id="19" name="TextBox 18">
+            <a:extLst>
+              <a:ext uri="{FF2B5EF4-FFF2-40B4-BE49-F238E27FC236}">
+                <a16:creationId xmlns:a16="http://schemas.microsoft.com/office/drawing/2014/main" id="{8A286DC1-8972-4D10-8E2D-A15D35511506}"/>
+              </a:ext>
+            </a:extLst>
+          </p:cNvPr>
+          <p:cNvSpPr txBox="1"/>
+          <p:nvPr/>
+        </p:nvSpPr>
+        <p:spPr>
+          <a:xfrm>
+            <a:off x="609600" y="928670"/>
+            <a:ext cx="7924800" cy="2585323"/>
+          </a:xfrm>
+          <a:prstGeom prst="rect">
+            <a:avLst/>
+          </a:prstGeom>
+          <a:noFill/>
+        </p:spPr>
+        <p:txBody>
+          <a:bodyPr wrap="square" rtlCol="0">
+            <a:spAutoFit/>
+          </a:bodyPr>
+          <a:lstStyle/>
+          <a:p>
+            <a:r>
+              <a:rPr lang="en-GB" dirty="0">
+                <a:solidFill>
+                  <a:schemeClr val="bg1"/>
+                </a:solidFill>
+              </a:rPr>
+              <a:t>mov REG_A,0x0		</a:t>
+            </a:r>
+            <a:r>
+              <a:rPr lang="en-GB" sz="1400" dirty="0">
+                <a:solidFill>
+                  <a:schemeClr val="accent3">
+                    <a:lumMod val="50000"/>
+                  </a:schemeClr>
+                </a:solidFill>
+              </a:rPr>
+              <a:t>; move 0x0 into “Register A”</a:t>
+            </a:r>
+            <a:endParaRPr lang="en-GB" sz="2000" dirty="0">
+              <a:solidFill>
+                <a:schemeClr val="accent3">
+                  <a:lumMod val="50000"/>
+                </a:schemeClr>
+              </a:solidFill>
+            </a:endParaRPr>
+          </a:p>
+          <a:p>
+            <a:r>
+              <a:rPr lang="en-GB" dirty="0">
+                <a:solidFill>
+                  <a:schemeClr val="bg1"/>
+                </a:solidFill>
+              </a:rPr>
+              <a:t>mov REG_B,0x1		</a:t>
+            </a:r>
+            <a:r>
+              <a:rPr lang="en-GB" sz="1400" dirty="0">
+                <a:solidFill>
+                  <a:schemeClr val="accent3">
+                    <a:lumMod val="50000"/>
+                  </a:schemeClr>
+                </a:solidFill>
+              </a:rPr>
+              <a:t>; move 0x1 into “Register B”</a:t>
+            </a:r>
+            <a:endParaRPr lang="en-GB" sz="2000" dirty="0">
+              <a:solidFill>
+                <a:schemeClr val="accent3">
+                  <a:lumMod val="50000"/>
+                </a:schemeClr>
+              </a:solidFill>
+            </a:endParaRPr>
+          </a:p>
+          <a:p>
+            <a:r>
+              <a:rPr lang="en-GB" dirty="0">
+                <a:solidFill>
+                  <a:schemeClr val="bg1"/>
+                </a:solidFill>
+              </a:rPr>
+              <a:t>add REG_A,REG_B  		</a:t>
+            </a:r>
+            <a:r>
+              <a:rPr lang="en-GB" sz="1400" dirty="0">
+                <a:solidFill>
+                  <a:schemeClr val="accent3">
+                    <a:lumMod val="50000"/>
+                  </a:schemeClr>
+                </a:solidFill>
+              </a:rPr>
+              <a:t>; perform an assignment addition (REG_A += REG_B)</a:t>
+            </a:r>
+          </a:p>
+          <a:p>
+            <a:endParaRPr lang="en-GB" dirty="0">
+              <a:solidFill>
+                <a:schemeClr val="bg1"/>
+              </a:solidFill>
+            </a:endParaRPr>
+          </a:p>
+          <a:p>
+            <a:r>
+              <a:rPr lang="en-GB" dirty="0">
+                <a:solidFill>
+                  <a:schemeClr val="bg1"/>
+                </a:solidFill>
+              </a:rPr>
+              <a:t>mov REG_B,0x2		</a:t>
+            </a:r>
+            <a:r>
+              <a:rPr lang="en-GB" sz="1400" dirty="0">
+                <a:solidFill>
+                  <a:schemeClr val="accent3">
+                    <a:lumMod val="50000"/>
+                  </a:schemeClr>
+                </a:solidFill>
+              </a:rPr>
+              <a:t>; move 0x2 into “Register B”</a:t>
+            </a:r>
+          </a:p>
+          <a:p>
+            <a:r>
+              <a:rPr lang="en-GB" dirty="0">
+                <a:solidFill>
+                  <a:schemeClr val="bg1"/>
+                </a:solidFill>
+              </a:rPr>
+              <a:t>add REG_A,REG_B </a:t>
+            </a:r>
+            <a:r>
+              <a:rPr lang="en-GB" sz="1400" dirty="0">
+                <a:solidFill>
+                  <a:schemeClr val="bg1"/>
+                </a:solidFill>
+              </a:rPr>
+              <a:t> 		</a:t>
+            </a:r>
+            <a:r>
+              <a:rPr lang="en-GB" sz="1400" dirty="0">
+                <a:solidFill>
+                  <a:schemeClr val="accent3">
+                    <a:lumMod val="50000"/>
+                  </a:schemeClr>
+                </a:solidFill>
+              </a:rPr>
+              <a:t>; perform an assignment addition (REG_A += REG_B)</a:t>
+            </a:r>
+          </a:p>
+          <a:p>
+            <a:endParaRPr lang="en-GB" dirty="0">
+              <a:solidFill>
+                <a:schemeClr val="accent3">
+                  <a:lumMod val="50000"/>
+                </a:schemeClr>
+              </a:solidFill>
+            </a:endParaRPr>
+          </a:p>
+          <a:p>
+            <a:pPr lvl="0"/>
+            <a:r>
+              <a:rPr lang="en-GB" dirty="0">
+                <a:solidFill>
+                  <a:prstClr val="white"/>
+                </a:solidFill>
+              </a:rPr>
+              <a:t>mov REG_B,0x3		</a:t>
+            </a:r>
+            <a:r>
+              <a:rPr lang="en-GB" sz="1400" dirty="0">
+                <a:solidFill>
+                  <a:srgbClr val="9BBB59">
+                    <a:lumMod val="50000"/>
+                  </a:srgbClr>
+                </a:solidFill>
+              </a:rPr>
+              <a:t>; move 0x3 into “Register B”</a:t>
+            </a:r>
+          </a:p>
+          <a:p>
+            <a:pPr lvl="0"/>
+            <a:r>
+              <a:rPr lang="en-GB" dirty="0">
+                <a:solidFill>
+                  <a:prstClr val="white"/>
+                </a:solidFill>
+              </a:rPr>
+              <a:t>add REG_A,REG_B 		</a:t>
+            </a:r>
+            <a:r>
+              <a:rPr lang="en-GB" sz="1400" dirty="0">
+                <a:solidFill>
+                  <a:prstClr val="white"/>
+                </a:solidFill>
+              </a:rPr>
+              <a:t> </a:t>
+            </a:r>
+            <a:r>
+              <a:rPr lang="en-GB" sz="1400" dirty="0">
+                <a:solidFill>
+                  <a:srgbClr val="9BBB59">
+                    <a:lumMod val="50000"/>
+                  </a:srgbClr>
+                </a:solidFill>
+              </a:rPr>
+              <a:t>; perform an assignment addition (REG_A += REG_B)</a:t>
+            </a:r>
+          </a:p>
+        </p:txBody>
+      </p:sp>
     </p:spTree>
     <p:extLst>
       <p:ext uri="{BB962C8B-B14F-4D97-AF65-F5344CB8AC3E}">
@@ -8505,257 +8369,6 @@
             <a:endParaRPr lang="en-US" dirty="0">
               <a:solidFill>
                 <a:schemeClr val="bg1"/>
-              </a:solidFill>
-            </a:endParaRPr>
-          </a:p>
-        </p:txBody>
-      </p:sp>
-      <p:sp>
-        <p:nvSpPr>
-          <p:cNvPr id="12" name="TextBox 11">
-            <a:extLst>
-              <a:ext uri="{FF2B5EF4-FFF2-40B4-BE49-F238E27FC236}">
-                <a16:creationId xmlns:a16="http://schemas.microsoft.com/office/drawing/2014/main" id="{75B4779D-F76E-4D3C-BC39-F8E44DECE9CA}"/>
-              </a:ext>
-            </a:extLst>
-          </p:cNvPr>
-          <p:cNvSpPr txBox="1"/>
-          <p:nvPr/>
-        </p:nvSpPr>
-        <p:spPr>
-          <a:xfrm>
-            <a:off x="609600" y="928670"/>
-            <a:ext cx="7924800" cy="3139321"/>
-          </a:xfrm>
-          <a:prstGeom prst="rect">
-            <a:avLst/>
-          </a:prstGeom>
-          <a:noFill/>
-        </p:spPr>
-        <p:txBody>
-          <a:bodyPr wrap="square" rtlCol="0">
-            <a:spAutoFit/>
-          </a:bodyPr>
-          <a:lstStyle/>
-          <a:p>
-            <a:r>
-              <a:rPr lang="en-GB" dirty="0">
-                <a:solidFill>
-                  <a:schemeClr val="bg1"/>
-                </a:solidFill>
-              </a:rPr>
-              <a:t>mov byte REG_A,0x0	</a:t>
-            </a:r>
-            <a:r>
-              <a:rPr lang="en-GB" sz="1400" dirty="0">
-                <a:solidFill>
-                  <a:schemeClr val="accent3">
-                    <a:lumMod val="50000"/>
-                  </a:schemeClr>
-                </a:solidFill>
-              </a:rPr>
-              <a:t>; move 0x0 into “Register A”</a:t>
-            </a:r>
-            <a:endParaRPr lang="en-GB" sz="2000" dirty="0">
-              <a:solidFill>
-                <a:schemeClr val="accent3">
-                  <a:lumMod val="50000"/>
-                </a:schemeClr>
-              </a:solidFill>
-            </a:endParaRPr>
-          </a:p>
-          <a:p>
-            <a:r>
-              <a:rPr lang="en-GB" dirty="0">
-                <a:solidFill>
-                  <a:schemeClr val="bg1"/>
-                </a:solidFill>
-              </a:rPr>
-              <a:t>mov byte REG_B,0x1	</a:t>
-            </a:r>
-            <a:r>
-              <a:rPr lang="en-GB" sz="1400" dirty="0">
-                <a:solidFill>
-                  <a:schemeClr val="accent3">
-                    <a:lumMod val="50000"/>
-                  </a:schemeClr>
-                </a:solidFill>
-              </a:rPr>
-              <a:t>; move 0x1 into “Register B”</a:t>
-            </a:r>
-            <a:endParaRPr lang="en-GB" sz="2000" dirty="0">
-              <a:solidFill>
-                <a:schemeClr val="accent3">
-                  <a:lumMod val="50000"/>
-                </a:schemeClr>
-              </a:solidFill>
-            </a:endParaRPr>
-          </a:p>
-          <a:p>
-            <a:r>
-              <a:rPr lang="en-GB" dirty="0">
-                <a:solidFill>
-                  <a:schemeClr val="bg1"/>
-                </a:solidFill>
-              </a:rPr>
-              <a:t>add REG_A,REG_B  		</a:t>
-            </a:r>
-            <a:r>
-              <a:rPr lang="en-GB" sz="1400" dirty="0">
-                <a:solidFill>
-                  <a:schemeClr val="accent3">
-                    <a:lumMod val="50000"/>
-                  </a:schemeClr>
-                </a:solidFill>
-              </a:rPr>
-              <a:t>; perform an assignment addition (REG_A += REG_B)</a:t>
-            </a:r>
-          </a:p>
-          <a:p>
-            <a:endParaRPr lang="en-GB" dirty="0">
-              <a:solidFill>
-                <a:schemeClr val="bg1"/>
-              </a:solidFill>
-            </a:endParaRPr>
-          </a:p>
-          <a:p>
-            <a:r>
-              <a:rPr lang="en-GB" dirty="0">
-                <a:solidFill>
-                  <a:schemeClr val="bg1"/>
-                </a:solidFill>
-              </a:rPr>
-              <a:t>mov byte REG_B,0x2	</a:t>
-            </a:r>
-            <a:r>
-              <a:rPr lang="en-GB" sz="1400" dirty="0">
-                <a:solidFill>
-                  <a:schemeClr val="accent3">
-                    <a:lumMod val="50000"/>
-                  </a:schemeClr>
-                </a:solidFill>
-              </a:rPr>
-              <a:t>; move 0x2 into “Register B”</a:t>
-            </a:r>
-          </a:p>
-          <a:p>
-            <a:r>
-              <a:rPr lang="en-GB" dirty="0">
-                <a:solidFill>
-                  <a:schemeClr val="bg1"/>
-                </a:solidFill>
-              </a:rPr>
-              <a:t>add REG_A,REG_B </a:t>
-            </a:r>
-            <a:r>
-              <a:rPr lang="en-GB" sz="1400" dirty="0">
-                <a:solidFill>
-                  <a:schemeClr val="bg1"/>
-                </a:solidFill>
-              </a:rPr>
-              <a:t> 		</a:t>
-            </a:r>
-            <a:r>
-              <a:rPr lang="en-GB" sz="1400" dirty="0">
-                <a:solidFill>
-                  <a:schemeClr val="accent3">
-                    <a:lumMod val="50000"/>
-                  </a:schemeClr>
-                </a:solidFill>
-              </a:rPr>
-              <a:t>; perform an assignment addition (REG_A += REG_B)</a:t>
-            </a:r>
-          </a:p>
-          <a:p>
-            <a:endParaRPr lang="en-GB" dirty="0">
-              <a:solidFill>
-                <a:schemeClr val="accent3">
-                  <a:lumMod val="50000"/>
-                </a:schemeClr>
-              </a:solidFill>
-            </a:endParaRPr>
-          </a:p>
-          <a:p>
-            <a:pPr lvl="0"/>
-            <a:r>
-              <a:rPr lang="en-GB" dirty="0">
-                <a:solidFill>
-                  <a:prstClr val="white"/>
-                </a:solidFill>
-              </a:rPr>
-              <a:t>mov </a:t>
-            </a:r>
-            <a:r>
-              <a:rPr lang="en-GB" dirty="0">
-                <a:solidFill>
-                  <a:schemeClr val="bg1"/>
-                </a:solidFill>
-              </a:rPr>
-              <a:t>byte </a:t>
-            </a:r>
-            <a:r>
-              <a:rPr lang="en-GB" dirty="0">
-                <a:solidFill>
-                  <a:prstClr val="white"/>
-                </a:solidFill>
-              </a:rPr>
-              <a:t>REG_B,0x3	</a:t>
-            </a:r>
-            <a:r>
-              <a:rPr lang="en-GB" sz="1400" dirty="0">
-                <a:solidFill>
-                  <a:srgbClr val="9BBB59">
-                    <a:lumMod val="50000"/>
-                  </a:srgbClr>
-                </a:solidFill>
-              </a:rPr>
-              <a:t>; move 0x3 into “Register B”</a:t>
-            </a:r>
-          </a:p>
-          <a:p>
-            <a:pPr lvl="0"/>
-            <a:r>
-              <a:rPr lang="en-GB" dirty="0">
-                <a:solidFill>
-                  <a:prstClr val="white"/>
-                </a:solidFill>
-              </a:rPr>
-              <a:t>add REG_A,REG_B 		</a:t>
-            </a:r>
-            <a:r>
-              <a:rPr lang="en-GB" sz="1400" dirty="0">
-                <a:solidFill>
-                  <a:prstClr val="white"/>
-                </a:solidFill>
-              </a:rPr>
-              <a:t> </a:t>
-            </a:r>
-            <a:r>
-              <a:rPr lang="en-GB" sz="1400" dirty="0">
-                <a:solidFill>
-                  <a:srgbClr val="9BBB59">
-                    <a:lumMod val="50000"/>
-                  </a:srgbClr>
-                </a:solidFill>
-              </a:rPr>
-              <a:t>; perform an assignment addition (REG_A += REG_B)</a:t>
-            </a:r>
-          </a:p>
-          <a:p>
-            <a:endParaRPr lang="en-GB" dirty="0">
-              <a:solidFill>
-                <a:schemeClr val="accent3">
-                  <a:lumMod val="50000"/>
-                </a:schemeClr>
-              </a:solidFill>
-            </a:endParaRPr>
-          </a:p>
-          <a:p>
-            <a:endParaRPr lang="en-GB" dirty="0">
-              <a:solidFill>
-                <a:schemeClr val="accent3">
-                  <a:lumMod val="50000"/>
-                </a:schemeClr>
               </a:solidFill>
             </a:endParaRPr>
           </a:p>
@@ -9262,6 +8875,223 @@
           </a:p>
         </p:txBody>
       </p:sp>
+      <p:sp>
+        <p:nvSpPr>
+          <p:cNvPr id="20" name="TextBox 19">
+            <a:extLst>
+              <a:ext uri="{FF2B5EF4-FFF2-40B4-BE49-F238E27FC236}">
+                <a16:creationId xmlns:a16="http://schemas.microsoft.com/office/drawing/2014/main" id="{773D054E-354C-4C1A-B05A-730C11DE2075}"/>
+              </a:ext>
+            </a:extLst>
+          </p:cNvPr>
+          <p:cNvSpPr txBox="1"/>
+          <p:nvPr/>
+        </p:nvSpPr>
+        <p:spPr>
+          <a:xfrm>
+            <a:off x="609600" y="928670"/>
+            <a:ext cx="7924800" cy="2585323"/>
+          </a:xfrm>
+          <a:prstGeom prst="rect">
+            <a:avLst/>
+          </a:prstGeom>
+          <a:noFill/>
+        </p:spPr>
+        <p:txBody>
+          <a:bodyPr wrap="square" rtlCol="0">
+            <a:spAutoFit/>
+          </a:bodyPr>
+          <a:lstStyle/>
+          <a:p>
+            <a:r>
+              <a:rPr lang="en-GB" dirty="0">
+                <a:solidFill>
+                  <a:schemeClr val="bg1"/>
+                </a:solidFill>
+              </a:rPr>
+              <a:t>mov REG_A,0x0		</a:t>
+            </a:r>
+            <a:r>
+              <a:rPr lang="en-GB" sz="1400" dirty="0">
+                <a:solidFill>
+                  <a:schemeClr val="accent3">
+                    <a:lumMod val="50000"/>
+                  </a:schemeClr>
+                </a:solidFill>
+              </a:rPr>
+              <a:t>; move 0x0 into “Register A”</a:t>
+            </a:r>
+            <a:endParaRPr lang="en-GB" sz="2000" dirty="0">
+              <a:solidFill>
+                <a:schemeClr val="accent3">
+                  <a:lumMod val="50000"/>
+                </a:schemeClr>
+              </a:solidFill>
+            </a:endParaRPr>
+          </a:p>
+          <a:p>
+            <a:r>
+              <a:rPr lang="en-GB" dirty="0">
+                <a:solidFill>
+                  <a:schemeClr val="bg1"/>
+                </a:solidFill>
+              </a:rPr>
+              <a:t>mov REG_B,0x1		</a:t>
+            </a:r>
+            <a:r>
+              <a:rPr lang="en-GB" sz="1400" dirty="0">
+                <a:solidFill>
+                  <a:schemeClr val="accent3">
+                    <a:lumMod val="50000"/>
+                  </a:schemeClr>
+                </a:solidFill>
+              </a:rPr>
+              <a:t>; move 0x1 into “Register B”</a:t>
+            </a:r>
+            <a:endParaRPr lang="en-GB" sz="2000" dirty="0">
+              <a:solidFill>
+                <a:schemeClr val="accent3">
+                  <a:lumMod val="50000"/>
+                </a:schemeClr>
+              </a:solidFill>
+            </a:endParaRPr>
+          </a:p>
+          <a:p>
+            <a:r>
+              <a:rPr lang="en-GB" dirty="0">
+                <a:solidFill>
+                  <a:schemeClr val="bg1"/>
+                </a:solidFill>
+              </a:rPr>
+              <a:t>add REG_A,REG_B  		</a:t>
+            </a:r>
+            <a:r>
+              <a:rPr lang="en-GB" sz="1400" dirty="0">
+                <a:solidFill>
+                  <a:schemeClr val="accent3">
+                    <a:lumMod val="50000"/>
+                  </a:schemeClr>
+                </a:solidFill>
+              </a:rPr>
+              <a:t>; perform an assignment addition (REG_A += REG_B)</a:t>
+            </a:r>
+          </a:p>
+          <a:p>
+            <a:endParaRPr lang="en-GB" dirty="0">
+              <a:solidFill>
+                <a:schemeClr val="bg1"/>
+              </a:solidFill>
+            </a:endParaRPr>
+          </a:p>
+          <a:p>
+            <a:r>
+              <a:rPr lang="en-GB" dirty="0">
+                <a:solidFill>
+                  <a:schemeClr val="bg1"/>
+                </a:solidFill>
+              </a:rPr>
+              <a:t>mov REG_B,0x2		</a:t>
+            </a:r>
+            <a:r>
+              <a:rPr lang="en-GB" sz="1400" dirty="0">
+                <a:solidFill>
+                  <a:schemeClr val="accent3">
+                    <a:lumMod val="50000"/>
+                  </a:schemeClr>
+                </a:solidFill>
+              </a:rPr>
+              <a:t>; move 0x2 into “Register B”</a:t>
+            </a:r>
+          </a:p>
+          <a:p>
+            <a:r>
+              <a:rPr lang="en-GB" dirty="0">
+                <a:solidFill>
+                  <a:schemeClr val="bg1"/>
+                </a:solidFill>
+              </a:rPr>
+              <a:t>add REG_A,REG_B </a:t>
+            </a:r>
+            <a:r>
+              <a:rPr lang="en-GB" sz="1400" dirty="0">
+                <a:solidFill>
+                  <a:schemeClr val="bg1"/>
+                </a:solidFill>
+              </a:rPr>
+              <a:t> 		</a:t>
+            </a:r>
+            <a:r>
+              <a:rPr lang="en-GB" sz="1400" dirty="0">
+                <a:solidFill>
+                  <a:schemeClr val="accent3">
+                    <a:lumMod val="50000"/>
+                  </a:schemeClr>
+                </a:solidFill>
+              </a:rPr>
+              <a:t>; perform an assignment addition (REG_A += REG_B)</a:t>
+            </a:r>
+          </a:p>
+          <a:p>
+            <a:endParaRPr lang="en-GB" dirty="0">
+              <a:solidFill>
+                <a:schemeClr val="accent3">
+                  <a:lumMod val="50000"/>
+                </a:schemeClr>
+              </a:solidFill>
+            </a:endParaRPr>
+          </a:p>
+          <a:p>
+            <a:pPr lvl="0"/>
+            <a:r>
+              <a:rPr lang="en-GB" dirty="0">
+                <a:solidFill>
+                  <a:prstClr val="white"/>
+                </a:solidFill>
+              </a:rPr>
+              <a:t>mov REG_B,0x3		</a:t>
+            </a:r>
+            <a:r>
+              <a:rPr lang="en-GB" sz="1400" dirty="0">
+                <a:solidFill>
+                  <a:srgbClr val="9BBB59">
+                    <a:lumMod val="50000"/>
+                  </a:srgbClr>
+                </a:solidFill>
+              </a:rPr>
+              <a:t>; move 0x3 into “Register B”</a:t>
+            </a:r>
+          </a:p>
+          <a:p>
+            <a:pPr lvl="0"/>
+            <a:r>
+              <a:rPr lang="en-GB" dirty="0">
+                <a:solidFill>
+                  <a:prstClr val="white"/>
+                </a:solidFill>
+              </a:rPr>
+              <a:t>add REG_A,REG_B 		</a:t>
+            </a:r>
+            <a:r>
+              <a:rPr lang="en-GB" sz="1400" dirty="0">
+                <a:solidFill>
+                  <a:prstClr val="white"/>
+                </a:solidFill>
+              </a:rPr>
+              <a:t> </a:t>
+            </a:r>
+            <a:r>
+              <a:rPr lang="en-GB" sz="1400" dirty="0">
+                <a:solidFill>
+                  <a:srgbClr val="9BBB59">
+                    <a:lumMod val="50000"/>
+                  </a:srgbClr>
+                </a:solidFill>
+              </a:rPr>
+              <a:t>; perform an assignment addition (REG_A += REG_B)</a:t>
+            </a:r>
+          </a:p>
+        </p:txBody>
+      </p:sp>
     </p:spTree>
     <p:extLst>
       <p:ext uri="{BB962C8B-B14F-4D97-AF65-F5344CB8AC3E}">
@@ -9686,257 +9516,6 @@
             <a:endParaRPr lang="en-US" dirty="0">
               <a:solidFill>
                 <a:schemeClr val="bg1"/>
-              </a:solidFill>
-            </a:endParaRPr>
-          </a:p>
-        </p:txBody>
-      </p:sp>
-      <p:sp>
-        <p:nvSpPr>
-          <p:cNvPr id="12" name="TextBox 11">
-            <a:extLst>
-              <a:ext uri="{FF2B5EF4-FFF2-40B4-BE49-F238E27FC236}">
-                <a16:creationId xmlns:a16="http://schemas.microsoft.com/office/drawing/2014/main" id="{75B4779D-F76E-4D3C-BC39-F8E44DECE9CA}"/>
-              </a:ext>
-            </a:extLst>
-          </p:cNvPr>
-          <p:cNvSpPr txBox="1"/>
-          <p:nvPr/>
-        </p:nvSpPr>
-        <p:spPr>
-          <a:xfrm>
-            <a:off x="609600" y="928670"/>
-            <a:ext cx="7924800" cy="3139321"/>
-          </a:xfrm>
-          <a:prstGeom prst="rect">
-            <a:avLst/>
-          </a:prstGeom>
-          <a:noFill/>
-        </p:spPr>
-        <p:txBody>
-          <a:bodyPr wrap="square" rtlCol="0">
-            <a:spAutoFit/>
-          </a:bodyPr>
-          <a:lstStyle/>
-          <a:p>
-            <a:r>
-              <a:rPr lang="en-GB" dirty="0">
-                <a:solidFill>
-                  <a:schemeClr val="bg1"/>
-                </a:solidFill>
-              </a:rPr>
-              <a:t>mov byte REG_A,0x0	</a:t>
-            </a:r>
-            <a:r>
-              <a:rPr lang="en-GB" sz="1400" dirty="0">
-                <a:solidFill>
-                  <a:schemeClr val="accent3">
-                    <a:lumMod val="50000"/>
-                  </a:schemeClr>
-                </a:solidFill>
-              </a:rPr>
-              <a:t>; move 0x0 into “Register A”</a:t>
-            </a:r>
-            <a:endParaRPr lang="en-GB" sz="2000" dirty="0">
-              <a:solidFill>
-                <a:schemeClr val="accent3">
-                  <a:lumMod val="50000"/>
-                </a:schemeClr>
-              </a:solidFill>
-            </a:endParaRPr>
-          </a:p>
-          <a:p>
-            <a:r>
-              <a:rPr lang="en-GB" dirty="0">
-                <a:solidFill>
-                  <a:schemeClr val="bg1"/>
-                </a:solidFill>
-              </a:rPr>
-              <a:t>mov byte REG_B,0x1	</a:t>
-            </a:r>
-            <a:r>
-              <a:rPr lang="en-GB" sz="1400" dirty="0">
-                <a:solidFill>
-                  <a:schemeClr val="accent3">
-                    <a:lumMod val="50000"/>
-                  </a:schemeClr>
-                </a:solidFill>
-              </a:rPr>
-              <a:t>; move 0x1 into “Register B”</a:t>
-            </a:r>
-            <a:endParaRPr lang="en-GB" sz="2000" dirty="0">
-              <a:solidFill>
-                <a:schemeClr val="accent3">
-                  <a:lumMod val="50000"/>
-                </a:schemeClr>
-              </a:solidFill>
-            </a:endParaRPr>
-          </a:p>
-          <a:p>
-            <a:r>
-              <a:rPr lang="en-GB" dirty="0">
-                <a:solidFill>
-                  <a:schemeClr val="bg1"/>
-                </a:solidFill>
-              </a:rPr>
-              <a:t>add REG_A,REG_B  		</a:t>
-            </a:r>
-            <a:r>
-              <a:rPr lang="en-GB" sz="1400" dirty="0">
-                <a:solidFill>
-                  <a:schemeClr val="accent3">
-                    <a:lumMod val="50000"/>
-                  </a:schemeClr>
-                </a:solidFill>
-              </a:rPr>
-              <a:t>; perform an assignment addition (REG_A += REG_B)</a:t>
-            </a:r>
-          </a:p>
-          <a:p>
-            <a:endParaRPr lang="en-GB" dirty="0">
-              <a:solidFill>
-                <a:schemeClr val="bg1"/>
-              </a:solidFill>
-            </a:endParaRPr>
-          </a:p>
-          <a:p>
-            <a:r>
-              <a:rPr lang="en-GB" dirty="0">
-                <a:solidFill>
-                  <a:schemeClr val="bg1"/>
-                </a:solidFill>
-              </a:rPr>
-              <a:t>mov byte REG_B,0x2	</a:t>
-            </a:r>
-            <a:r>
-              <a:rPr lang="en-GB" sz="1400" dirty="0">
-                <a:solidFill>
-                  <a:schemeClr val="accent3">
-                    <a:lumMod val="50000"/>
-                  </a:schemeClr>
-                </a:solidFill>
-              </a:rPr>
-              <a:t>; move 0x2 into “Register B”</a:t>
-            </a:r>
-          </a:p>
-          <a:p>
-            <a:r>
-              <a:rPr lang="en-GB" dirty="0">
-                <a:solidFill>
-                  <a:schemeClr val="bg1"/>
-                </a:solidFill>
-              </a:rPr>
-              <a:t>add REG_A,REG_B </a:t>
-            </a:r>
-            <a:r>
-              <a:rPr lang="en-GB" sz="1400" dirty="0">
-                <a:solidFill>
-                  <a:schemeClr val="bg1"/>
-                </a:solidFill>
-              </a:rPr>
-              <a:t> 		</a:t>
-            </a:r>
-            <a:r>
-              <a:rPr lang="en-GB" sz="1400" dirty="0">
-                <a:solidFill>
-                  <a:schemeClr val="accent3">
-                    <a:lumMod val="50000"/>
-                  </a:schemeClr>
-                </a:solidFill>
-              </a:rPr>
-              <a:t>; perform an assignment addition (REG_A += REG_B)</a:t>
-            </a:r>
-          </a:p>
-          <a:p>
-            <a:endParaRPr lang="en-GB" dirty="0">
-              <a:solidFill>
-                <a:schemeClr val="accent3">
-                  <a:lumMod val="50000"/>
-                </a:schemeClr>
-              </a:solidFill>
-            </a:endParaRPr>
-          </a:p>
-          <a:p>
-            <a:pPr lvl="0"/>
-            <a:r>
-              <a:rPr lang="en-GB" dirty="0">
-                <a:solidFill>
-                  <a:prstClr val="white"/>
-                </a:solidFill>
-              </a:rPr>
-              <a:t>mov </a:t>
-            </a:r>
-            <a:r>
-              <a:rPr lang="en-GB" dirty="0">
-                <a:solidFill>
-                  <a:schemeClr val="bg1"/>
-                </a:solidFill>
-              </a:rPr>
-              <a:t>byte </a:t>
-            </a:r>
-            <a:r>
-              <a:rPr lang="en-GB" dirty="0">
-                <a:solidFill>
-                  <a:prstClr val="white"/>
-                </a:solidFill>
-              </a:rPr>
-              <a:t>REG_B,0x3	</a:t>
-            </a:r>
-            <a:r>
-              <a:rPr lang="en-GB" sz="1400" dirty="0">
-                <a:solidFill>
-                  <a:srgbClr val="9BBB59">
-                    <a:lumMod val="50000"/>
-                  </a:srgbClr>
-                </a:solidFill>
-              </a:rPr>
-              <a:t>; move 0x3 into “Register B”</a:t>
-            </a:r>
-          </a:p>
-          <a:p>
-            <a:pPr lvl="0"/>
-            <a:r>
-              <a:rPr lang="en-GB" dirty="0">
-                <a:solidFill>
-                  <a:prstClr val="white"/>
-                </a:solidFill>
-              </a:rPr>
-              <a:t>add REG_A,REG_B 		</a:t>
-            </a:r>
-            <a:r>
-              <a:rPr lang="en-GB" sz="1400" dirty="0">
-                <a:solidFill>
-                  <a:prstClr val="white"/>
-                </a:solidFill>
-              </a:rPr>
-              <a:t> </a:t>
-            </a:r>
-            <a:r>
-              <a:rPr lang="en-GB" sz="1400" dirty="0">
-                <a:solidFill>
-                  <a:srgbClr val="9BBB59">
-                    <a:lumMod val="50000"/>
-                  </a:srgbClr>
-                </a:solidFill>
-              </a:rPr>
-              <a:t>; perform an assignment addition (REG_A += REG_B)</a:t>
-            </a:r>
-          </a:p>
-          <a:p>
-            <a:endParaRPr lang="en-GB" dirty="0">
-              <a:solidFill>
-                <a:schemeClr val="accent3">
-                  <a:lumMod val="50000"/>
-                </a:schemeClr>
-              </a:solidFill>
-            </a:endParaRPr>
-          </a:p>
-          <a:p>
-            <a:endParaRPr lang="en-GB" dirty="0">
-              <a:solidFill>
-                <a:schemeClr val="accent3">
-                  <a:lumMod val="50000"/>
-                </a:schemeClr>
               </a:solidFill>
             </a:endParaRPr>
           </a:p>
@@ -10403,6 +9982,223 @@
           </a:fontRef>
         </p:style>
       </p:cxnSp>
+      <p:sp>
+        <p:nvSpPr>
+          <p:cNvPr id="18" name="TextBox 17">
+            <a:extLst>
+              <a:ext uri="{FF2B5EF4-FFF2-40B4-BE49-F238E27FC236}">
+                <a16:creationId xmlns:a16="http://schemas.microsoft.com/office/drawing/2014/main" id="{97694FDB-1A80-47EB-BBCE-45F54C12574A}"/>
+              </a:ext>
+            </a:extLst>
+          </p:cNvPr>
+          <p:cNvSpPr txBox="1"/>
+          <p:nvPr/>
+        </p:nvSpPr>
+        <p:spPr>
+          <a:xfrm>
+            <a:off x="609600" y="928670"/>
+            <a:ext cx="7924800" cy="2585323"/>
+          </a:xfrm>
+          <a:prstGeom prst="rect">
+            <a:avLst/>
+          </a:prstGeom>
+          <a:noFill/>
+        </p:spPr>
+        <p:txBody>
+          <a:bodyPr wrap="square" rtlCol="0">
+            <a:spAutoFit/>
+          </a:bodyPr>
+          <a:lstStyle/>
+          <a:p>
+            <a:r>
+              <a:rPr lang="en-GB" dirty="0">
+                <a:solidFill>
+                  <a:schemeClr val="bg1"/>
+                </a:solidFill>
+              </a:rPr>
+              <a:t>mov REG_A,0x0		</a:t>
+            </a:r>
+            <a:r>
+              <a:rPr lang="en-GB" sz="1400" dirty="0">
+                <a:solidFill>
+                  <a:schemeClr val="accent3">
+                    <a:lumMod val="50000"/>
+                  </a:schemeClr>
+                </a:solidFill>
+              </a:rPr>
+              <a:t>; move 0x0 into “Register A”</a:t>
+            </a:r>
+            <a:endParaRPr lang="en-GB" sz="2000" dirty="0">
+              <a:solidFill>
+                <a:schemeClr val="accent3">
+                  <a:lumMod val="50000"/>
+                </a:schemeClr>
+              </a:solidFill>
+            </a:endParaRPr>
+          </a:p>
+          <a:p>
+            <a:r>
+              <a:rPr lang="en-GB" dirty="0">
+                <a:solidFill>
+                  <a:schemeClr val="bg1"/>
+                </a:solidFill>
+              </a:rPr>
+              <a:t>mov REG_B,0x1		</a:t>
+            </a:r>
+            <a:r>
+              <a:rPr lang="en-GB" sz="1400" dirty="0">
+                <a:solidFill>
+                  <a:schemeClr val="accent3">
+                    <a:lumMod val="50000"/>
+                  </a:schemeClr>
+                </a:solidFill>
+              </a:rPr>
+              <a:t>; move 0x1 into “Register B”</a:t>
+            </a:r>
+            <a:endParaRPr lang="en-GB" sz="2000" dirty="0">
+              <a:solidFill>
+                <a:schemeClr val="accent3">
+                  <a:lumMod val="50000"/>
+                </a:schemeClr>
+              </a:solidFill>
+            </a:endParaRPr>
+          </a:p>
+          <a:p>
+            <a:r>
+              <a:rPr lang="en-GB" dirty="0">
+                <a:solidFill>
+                  <a:schemeClr val="bg1"/>
+                </a:solidFill>
+              </a:rPr>
+              <a:t>add REG_A,REG_B  		</a:t>
+            </a:r>
+            <a:r>
+              <a:rPr lang="en-GB" sz="1400" dirty="0">
+                <a:solidFill>
+                  <a:schemeClr val="accent3">
+                    <a:lumMod val="50000"/>
+                  </a:schemeClr>
+                </a:solidFill>
+              </a:rPr>
+              <a:t>; perform an assignment addition (REG_A += REG_B)</a:t>
+            </a:r>
+          </a:p>
+          <a:p>
+            <a:endParaRPr lang="en-GB" dirty="0">
+              <a:solidFill>
+                <a:schemeClr val="bg1"/>
+              </a:solidFill>
+            </a:endParaRPr>
+          </a:p>
+          <a:p>
+            <a:r>
+              <a:rPr lang="en-GB" dirty="0">
+                <a:solidFill>
+                  <a:schemeClr val="bg1"/>
+                </a:solidFill>
+              </a:rPr>
+              <a:t>mov REG_B,0x2		</a:t>
+            </a:r>
+            <a:r>
+              <a:rPr lang="en-GB" sz="1400" dirty="0">
+                <a:solidFill>
+                  <a:schemeClr val="accent3">
+                    <a:lumMod val="50000"/>
+                  </a:schemeClr>
+                </a:solidFill>
+              </a:rPr>
+              <a:t>; move 0x2 into “Register B”</a:t>
+            </a:r>
+          </a:p>
+          <a:p>
+            <a:r>
+              <a:rPr lang="en-GB" dirty="0">
+                <a:solidFill>
+                  <a:schemeClr val="bg1"/>
+                </a:solidFill>
+              </a:rPr>
+              <a:t>add REG_A,REG_B </a:t>
+            </a:r>
+            <a:r>
+              <a:rPr lang="en-GB" sz="1400" dirty="0">
+                <a:solidFill>
+                  <a:schemeClr val="bg1"/>
+                </a:solidFill>
+              </a:rPr>
+              <a:t> 		</a:t>
+            </a:r>
+            <a:r>
+              <a:rPr lang="en-GB" sz="1400" dirty="0">
+                <a:solidFill>
+                  <a:schemeClr val="accent3">
+                    <a:lumMod val="50000"/>
+                  </a:schemeClr>
+                </a:solidFill>
+              </a:rPr>
+              <a:t>; perform an assignment addition (REG_A += REG_B)</a:t>
+            </a:r>
+          </a:p>
+          <a:p>
+            <a:endParaRPr lang="en-GB" dirty="0">
+              <a:solidFill>
+                <a:schemeClr val="accent3">
+                  <a:lumMod val="50000"/>
+                </a:schemeClr>
+              </a:solidFill>
+            </a:endParaRPr>
+          </a:p>
+          <a:p>
+            <a:pPr lvl="0"/>
+            <a:r>
+              <a:rPr lang="en-GB" dirty="0">
+                <a:solidFill>
+                  <a:prstClr val="white"/>
+                </a:solidFill>
+              </a:rPr>
+              <a:t>mov REG_B,0x3		</a:t>
+            </a:r>
+            <a:r>
+              <a:rPr lang="en-GB" sz="1400" dirty="0">
+                <a:solidFill>
+                  <a:srgbClr val="9BBB59">
+                    <a:lumMod val="50000"/>
+                  </a:srgbClr>
+                </a:solidFill>
+              </a:rPr>
+              <a:t>; move 0x3 into “Register B”</a:t>
+            </a:r>
+          </a:p>
+          <a:p>
+            <a:pPr lvl="0"/>
+            <a:r>
+              <a:rPr lang="en-GB" dirty="0">
+                <a:solidFill>
+                  <a:prstClr val="white"/>
+                </a:solidFill>
+              </a:rPr>
+              <a:t>add REG_A,REG_B 		</a:t>
+            </a:r>
+            <a:r>
+              <a:rPr lang="en-GB" sz="1400" dirty="0">
+                <a:solidFill>
+                  <a:prstClr val="white"/>
+                </a:solidFill>
+              </a:rPr>
+              <a:t> </a:t>
+            </a:r>
+            <a:r>
+              <a:rPr lang="en-GB" sz="1400" dirty="0">
+                <a:solidFill>
+                  <a:srgbClr val="9BBB59">
+                    <a:lumMod val="50000"/>
+                  </a:srgbClr>
+                </a:solidFill>
+              </a:rPr>
+              <a:t>; perform an assignment addition (REG_A += REG_B)</a:t>
+            </a:r>
+          </a:p>
+        </p:txBody>
+      </p:sp>
     </p:spTree>
     <p:extLst>
       <p:ext uri="{BB962C8B-B14F-4D97-AF65-F5344CB8AC3E}">
@@ -10827,257 +10623,6 @@
             <a:endParaRPr lang="en-US" dirty="0">
               <a:solidFill>
                 <a:schemeClr val="bg1"/>
-              </a:solidFill>
-            </a:endParaRPr>
-          </a:p>
-        </p:txBody>
-      </p:sp>
-      <p:sp>
-        <p:nvSpPr>
-          <p:cNvPr id="12" name="TextBox 11">
-            <a:extLst>
-              <a:ext uri="{FF2B5EF4-FFF2-40B4-BE49-F238E27FC236}">
-                <a16:creationId xmlns:a16="http://schemas.microsoft.com/office/drawing/2014/main" id="{75B4779D-F76E-4D3C-BC39-F8E44DECE9CA}"/>
-              </a:ext>
-            </a:extLst>
-          </p:cNvPr>
-          <p:cNvSpPr txBox="1"/>
-          <p:nvPr/>
-        </p:nvSpPr>
-        <p:spPr>
-          <a:xfrm>
-            <a:off x="609600" y="928670"/>
-            <a:ext cx="7924800" cy="3139321"/>
-          </a:xfrm>
-          <a:prstGeom prst="rect">
-            <a:avLst/>
-          </a:prstGeom>
-          <a:noFill/>
-        </p:spPr>
-        <p:txBody>
-          <a:bodyPr wrap="square" rtlCol="0">
-            <a:spAutoFit/>
-          </a:bodyPr>
-          <a:lstStyle/>
-          <a:p>
-            <a:r>
-              <a:rPr lang="en-GB" dirty="0">
-                <a:solidFill>
-                  <a:schemeClr val="bg1"/>
-                </a:solidFill>
-              </a:rPr>
-              <a:t>mov byte REG_A,0x0	</a:t>
-            </a:r>
-            <a:r>
-              <a:rPr lang="en-GB" sz="1400" dirty="0">
-                <a:solidFill>
-                  <a:schemeClr val="accent3">
-                    <a:lumMod val="50000"/>
-                  </a:schemeClr>
-                </a:solidFill>
-              </a:rPr>
-              <a:t>; move 0x0 into “Register A”</a:t>
-            </a:r>
-            <a:endParaRPr lang="en-GB" sz="2000" dirty="0">
-              <a:solidFill>
-                <a:schemeClr val="accent3">
-                  <a:lumMod val="50000"/>
-                </a:schemeClr>
-              </a:solidFill>
-            </a:endParaRPr>
-          </a:p>
-          <a:p>
-            <a:r>
-              <a:rPr lang="en-GB" dirty="0">
-                <a:solidFill>
-                  <a:schemeClr val="bg1"/>
-                </a:solidFill>
-              </a:rPr>
-              <a:t>mov byte REG_B,0x1	</a:t>
-            </a:r>
-            <a:r>
-              <a:rPr lang="en-GB" sz="1400" dirty="0">
-                <a:solidFill>
-                  <a:schemeClr val="accent3">
-                    <a:lumMod val="50000"/>
-                  </a:schemeClr>
-                </a:solidFill>
-              </a:rPr>
-              <a:t>; move 0x1 into “Register B”</a:t>
-            </a:r>
-            <a:endParaRPr lang="en-GB" sz="2000" dirty="0">
-              <a:solidFill>
-                <a:schemeClr val="accent3">
-                  <a:lumMod val="50000"/>
-                </a:schemeClr>
-              </a:solidFill>
-            </a:endParaRPr>
-          </a:p>
-          <a:p>
-            <a:r>
-              <a:rPr lang="en-GB" dirty="0">
-                <a:solidFill>
-                  <a:schemeClr val="bg1"/>
-                </a:solidFill>
-              </a:rPr>
-              <a:t>add REG_A,REG_B  		</a:t>
-            </a:r>
-            <a:r>
-              <a:rPr lang="en-GB" sz="1400" dirty="0">
-                <a:solidFill>
-                  <a:schemeClr val="accent3">
-                    <a:lumMod val="50000"/>
-                  </a:schemeClr>
-                </a:solidFill>
-              </a:rPr>
-              <a:t>; perform an assignment addition (REG_A += REG_B)</a:t>
-            </a:r>
-          </a:p>
-          <a:p>
-            <a:endParaRPr lang="en-GB" dirty="0">
-              <a:solidFill>
-                <a:schemeClr val="bg1"/>
-              </a:solidFill>
-            </a:endParaRPr>
-          </a:p>
-          <a:p>
-            <a:r>
-              <a:rPr lang="en-GB" dirty="0">
-                <a:solidFill>
-                  <a:schemeClr val="bg1"/>
-                </a:solidFill>
-              </a:rPr>
-              <a:t>mov byte REG_B,0x2	</a:t>
-            </a:r>
-            <a:r>
-              <a:rPr lang="en-GB" sz="1400" dirty="0">
-                <a:solidFill>
-                  <a:schemeClr val="accent3">
-                    <a:lumMod val="50000"/>
-                  </a:schemeClr>
-                </a:solidFill>
-              </a:rPr>
-              <a:t>; move 0x2 into “Register B”</a:t>
-            </a:r>
-          </a:p>
-          <a:p>
-            <a:r>
-              <a:rPr lang="en-GB" dirty="0">
-                <a:solidFill>
-                  <a:schemeClr val="bg1"/>
-                </a:solidFill>
-              </a:rPr>
-              <a:t>add REG_A,REG_B </a:t>
-            </a:r>
-            <a:r>
-              <a:rPr lang="en-GB" sz="1400" dirty="0">
-                <a:solidFill>
-                  <a:schemeClr val="bg1"/>
-                </a:solidFill>
-              </a:rPr>
-              <a:t> 		</a:t>
-            </a:r>
-            <a:r>
-              <a:rPr lang="en-GB" sz="1400" dirty="0">
-                <a:solidFill>
-                  <a:schemeClr val="accent3">
-                    <a:lumMod val="50000"/>
-                  </a:schemeClr>
-                </a:solidFill>
-              </a:rPr>
-              <a:t>; perform an assignment addition (REG_A += REG_B)</a:t>
-            </a:r>
-          </a:p>
-          <a:p>
-            <a:endParaRPr lang="en-GB" dirty="0">
-              <a:solidFill>
-                <a:schemeClr val="accent3">
-                  <a:lumMod val="50000"/>
-                </a:schemeClr>
-              </a:solidFill>
-            </a:endParaRPr>
-          </a:p>
-          <a:p>
-            <a:pPr lvl="0"/>
-            <a:r>
-              <a:rPr lang="en-GB" dirty="0">
-                <a:solidFill>
-                  <a:prstClr val="white"/>
-                </a:solidFill>
-              </a:rPr>
-              <a:t>mov </a:t>
-            </a:r>
-            <a:r>
-              <a:rPr lang="en-GB" dirty="0">
-                <a:solidFill>
-                  <a:schemeClr val="bg1"/>
-                </a:solidFill>
-              </a:rPr>
-              <a:t>byte </a:t>
-            </a:r>
-            <a:r>
-              <a:rPr lang="en-GB" dirty="0">
-                <a:solidFill>
-                  <a:prstClr val="white"/>
-                </a:solidFill>
-              </a:rPr>
-              <a:t>REG_B,0x3	</a:t>
-            </a:r>
-            <a:r>
-              <a:rPr lang="en-GB" sz="1400" dirty="0">
-                <a:solidFill>
-                  <a:srgbClr val="9BBB59">
-                    <a:lumMod val="50000"/>
-                  </a:srgbClr>
-                </a:solidFill>
-              </a:rPr>
-              <a:t>; move 0x3 into “Register B”</a:t>
-            </a:r>
-          </a:p>
-          <a:p>
-            <a:pPr lvl="0"/>
-            <a:r>
-              <a:rPr lang="en-GB" dirty="0">
-                <a:solidFill>
-                  <a:prstClr val="white"/>
-                </a:solidFill>
-              </a:rPr>
-              <a:t>add REG_A,REG_B 		</a:t>
-            </a:r>
-            <a:r>
-              <a:rPr lang="en-GB" sz="1400" dirty="0">
-                <a:solidFill>
-                  <a:prstClr val="white"/>
-                </a:solidFill>
-              </a:rPr>
-              <a:t> </a:t>
-            </a:r>
-            <a:r>
-              <a:rPr lang="en-GB" sz="1400" dirty="0">
-                <a:solidFill>
-                  <a:srgbClr val="9BBB59">
-                    <a:lumMod val="50000"/>
-                  </a:srgbClr>
-                </a:solidFill>
-              </a:rPr>
-              <a:t>; perform an assignment addition (REG_A += REG_B)</a:t>
-            </a:r>
-          </a:p>
-          <a:p>
-            <a:endParaRPr lang="en-GB" dirty="0">
-              <a:solidFill>
-                <a:schemeClr val="accent3">
-                  <a:lumMod val="50000"/>
-                </a:schemeClr>
-              </a:solidFill>
-            </a:endParaRPr>
-          </a:p>
-          <a:p>
-            <a:endParaRPr lang="en-GB" dirty="0">
-              <a:solidFill>
-                <a:schemeClr val="accent3">
-                  <a:lumMod val="50000"/>
-                </a:schemeClr>
               </a:solidFill>
             </a:endParaRPr>
           </a:p>
@@ -11584,6 +11129,223 @@
           </a:p>
         </p:txBody>
       </p:sp>
+      <p:sp>
+        <p:nvSpPr>
+          <p:cNvPr id="16" name="TextBox 15">
+            <a:extLst>
+              <a:ext uri="{FF2B5EF4-FFF2-40B4-BE49-F238E27FC236}">
+                <a16:creationId xmlns:a16="http://schemas.microsoft.com/office/drawing/2014/main" id="{9864DF97-39BF-4EE9-AD67-CCF10258E95A}"/>
+              </a:ext>
+            </a:extLst>
+          </p:cNvPr>
+          <p:cNvSpPr txBox="1"/>
+          <p:nvPr/>
+        </p:nvSpPr>
+        <p:spPr>
+          <a:xfrm>
+            <a:off x="609600" y="928670"/>
+            <a:ext cx="7924800" cy="2585323"/>
+          </a:xfrm>
+          <a:prstGeom prst="rect">
+            <a:avLst/>
+          </a:prstGeom>
+          <a:noFill/>
+        </p:spPr>
+        <p:txBody>
+          <a:bodyPr wrap="square" rtlCol="0">
+            <a:spAutoFit/>
+          </a:bodyPr>
+          <a:lstStyle/>
+          <a:p>
+            <a:r>
+              <a:rPr lang="en-GB" dirty="0">
+                <a:solidFill>
+                  <a:schemeClr val="bg1"/>
+                </a:solidFill>
+              </a:rPr>
+              <a:t>mov REG_A,0x0		</a:t>
+            </a:r>
+            <a:r>
+              <a:rPr lang="en-GB" sz="1400" dirty="0">
+                <a:solidFill>
+                  <a:schemeClr val="accent3">
+                    <a:lumMod val="50000"/>
+                  </a:schemeClr>
+                </a:solidFill>
+              </a:rPr>
+              <a:t>; move 0x0 into “Register A”</a:t>
+            </a:r>
+            <a:endParaRPr lang="en-GB" sz="2000" dirty="0">
+              <a:solidFill>
+                <a:schemeClr val="accent3">
+                  <a:lumMod val="50000"/>
+                </a:schemeClr>
+              </a:solidFill>
+            </a:endParaRPr>
+          </a:p>
+          <a:p>
+            <a:r>
+              <a:rPr lang="en-GB" dirty="0">
+                <a:solidFill>
+                  <a:schemeClr val="bg1"/>
+                </a:solidFill>
+              </a:rPr>
+              <a:t>mov REG_B,0x1		</a:t>
+            </a:r>
+            <a:r>
+              <a:rPr lang="en-GB" sz="1400" dirty="0">
+                <a:solidFill>
+                  <a:schemeClr val="accent3">
+                    <a:lumMod val="50000"/>
+                  </a:schemeClr>
+                </a:solidFill>
+              </a:rPr>
+              <a:t>; move 0x1 into “Register B”</a:t>
+            </a:r>
+            <a:endParaRPr lang="en-GB" sz="2000" dirty="0">
+              <a:solidFill>
+                <a:schemeClr val="accent3">
+                  <a:lumMod val="50000"/>
+                </a:schemeClr>
+              </a:solidFill>
+            </a:endParaRPr>
+          </a:p>
+          <a:p>
+            <a:r>
+              <a:rPr lang="en-GB" dirty="0">
+                <a:solidFill>
+                  <a:schemeClr val="bg1"/>
+                </a:solidFill>
+              </a:rPr>
+              <a:t>add REG_A,REG_B  		</a:t>
+            </a:r>
+            <a:r>
+              <a:rPr lang="en-GB" sz="1400" dirty="0">
+                <a:solidFill>
+                  <a:schemeClr val="accent3">
+                    <a:lumMod val="50000"/>
+                  </a:schemeClr>
+                </a:solidFill>
+              </a:rPr>
+              <a:t>; perform an assignment addition (REG_A += REG_B)</a:t>
+            </a:r>
+          </a:p>
+          <a:p>
+            <a:endParaRPr lang="en-GB" dirty="0">
+              <a:solidFill>
+                <a:schemeClr val="bg1"/>
+              </a:solidFill>
+            </a:endParaRPr>
+          </a:p>
+          <a:p>
+            <a:r>
+              <a:rPr lang="en-GB" dirty="0">
+                <a:solidFill>
+                  <a:schemeClr val="bg1"/>
+                </a:solidFill>
+              </a:rPr>
+              <a:t>mov REG_B,0x2		</a:t>
+            </a:r>
+            <a:r>
+              <a:rPr lang="en-GB" sz="1400" dirty="0">
+                <a:solidFill>
+                  <a:schemeClr val="accent3">
+                    <a:lumMod val="50000"/>
+                  </a:schemeClr>
+                </a:solidFill>
+              </a:rPr>
+              <a:t>; move 0x2 into “Register B”</a:t>
+            </a:r>
+          </a:p>
+          <a:p>
+            <a:r>
+              <a:rPr lang="en-GB" dirty="0">
+                <a:solidFill>
+                  <a:schemeClr val="bg1"/>
+                </a:solidFill>
+              </a:rPr>
+              <a:t>add REG_A,REG_B </a:t>
+            </a:r>
+            <a:r>
+              <a:rPr lang="en-GB" sz="1400" dirty="0">
+                <a:solidFill>
+                  <a:schemeClr val="bg1"/>
+                </a:solidFill>
+              </a:rPr>
+              <a:t> 		</a:t>
+            </a:r>
+            <a:r>
+              <a:rPr lang="en-GB" sz="1400" dirty="0">
+                <a:solidFill>
+                  <a:schemeClr val="accent3">
+                    <a:lumMod val="50000"/>
+                  </a:schemeClr>
+                </a:solidFill>
+              </a:rPr>
+              <a:t>; perform an assignment addition (REG_A += REG_B)</a:t>
+            </a:r>
+          </a:p>
+          <a:p>
+            <a:endParaRPr lang="en-GB" dirty="0">
+              <a:solidFill>
+                <a:schemeClr val="accent3">
+                  <a:lumMod val="50000"/>
+                </a:schemeClr>
+              </a:solidFill>
+            </a:endParaRPr>
+          </a:p>
+          <a:p>
+            <a:pPr lvl="0"/>
+            <a:r>
+              <a:rPr lang="en-GB" dirty="0">
+                <a:solidFill>
+                  <a:prstClr val="white"/>
+                </a:solidFill>
+              </a:rPr>
+              <a:t>mov REG_B,0x3		</a:t>
+            </a:r>
+            <a:r>
+              <a:rPr lang="en-GB" sz="1400" dirty="0">
+                <a:solidFill>
+                  <a:srgbClr val="9BBB59">
+                    <a:lumMod val="50000"/>
+                  </a:srgbClr>
+                </a:solidFill>
+              </a:rPr>
+              <a:t>; move 0x3 into “Register B”</a:t>
+            </a:r>
+          </a:p>
+          <a:p>
+            <a:pPr lvl="0"/>
+            <a:r>
+              <a:rPr lang="en-GB" dirty="0">
+                <a:solidFill>
+                  <a:prstClr val="white"/>
+                </a:solidFill>
+              </a:rPr>
+              <a:t>add REG_A,REG_B 		</a:t>
+            </a:r>
+            <a:r>
+              <a:rPr lang="en-GB" sz="1400" dirty="0">
+                <a:solidFill>
+                  <a:prstClr val="white"/>
+                </a:solidFill>
+              </a:rPr>
+              <a:t> </a:t>
+            </a:r>
+            <a:r>
+              <a:rPr lang="en-GB" sz="1400" dirty="0">
+                <a:solidFill>
+                  <a:srgbClr val="9BBB59">
+                    <a:lumMod val="50000"/>
+                  </a:srgbClr>
+                </a:solidFill>
+              </a:rPr>
+              <a:t>; perform an assignment addition (REG_A += REG_B)</a:t>
+            </a:r>
+          </a:p>
+        </p:txBody>
+      </p:sp>
     </p:spTree>
     <p:extLst>
       <p:ext uri="{BB962C8B-B14F-4D97-AF65-F5344CB8AC3E}">
@@ -12008,257 +11770,6 @@
             <a:endParaRPr lang="en-US" dirty="0">
               <a:solidFill>
                 <a:schemeClr val="bg1"/>
-              </a:solidFill>
-            </a:endParaRPr>
-          </a:p>
-        </p:txBody>
-      </p:sp>
-      <p:sp>
-        <p:nvSpPr>
-          <p:cNvPr id="12" name="TextBox 11">
-            <a:extLst>
-              <a:ext uri="{FF2B5EF4-FFF2-40B4-BE49-F238E27FC236}">
-                <a16:creationId xmlns:a16="http://schemas.microsoft.com/office/drawing/2014/main" id="{75B4779D-F76E-4D3C-BC39-F8E44DECE9CA}"/>
-              </a:ext>
-            </a:extLst>
-          </p:cNvPr>
-          <p:cNvSpPr txBox="1"/>
-          <p:nvPr/>
-        </p:nvSpPr>
-        <p:spPr>
-          <a:xfrm>
-            <a:off x="609600" y="928670"/>
-            <a:ext cx="7924800" cy="3139321"/>
-          </a:xfrm>
-          <a:prstGeom prst="rect">
-            <a:avLst/>
-          </a:prstGeom>
-          <a:noFill/>
-        </p:spPr>
-        <p:txBody>
-          <a:bodyPr wrap="square" rtlCol="0">
-            <a:spAutoFit/>
-          </a:bodyPr>
-          <a:lstStyle/>
-          <a:p>
-            <a:r>
-              <a:rPr lang="en-GB" dirty="0">
-                <a:solidFill>
-                  <a:schemeClr val="bg1"/>
-                </a:solidFill>
-              </a:rPr>
-              <a:t>mov byte REG_A,0x0	</a:t>
-            </a:r>
-            <a:r>
-              <a:rPr lang="en-GB" sz="1400" dirty="0">
-                <a:solidFill>
-                  <a:schemeClr val="accent3">
-                    <a:lumMod val="50000"/>
-                  </a:schemeClr>
-                </a:solidFill>
-              </a:rPr>
-              <a:t>; move 0x0 into “Register A”</a:t>
-            </a:r>
-            <a:endParaRPr lang="en-GB" sz="2000" dirty="0">
-              <a:solidFill>
-                <a:schemeClr val="accent3">
-                  <a:lumMod val="50000"/>
-                </a:schemeClr>
-              </a:solidFill>
-            </a:endParaRPr>
-          </a:p>
-          <a:p>
-            <a:r>
-              <a:rPr lang="en-GB" dirty="0">
-                <a:solidFill>
-                  <a:schemeClr val="bg1"/>
-                </a:solidFill>
-              </a:rPr>
-              <a:t>mov byte REG_B,0x1	</a:t>
-            </a:r>
-            <a:r>
-              <a:rPr lang="en-GB" sz="1400" dirty="0">
-                <a:solidFill>
-                  <a:schemeClr val="accent3">
-                    <a:lumMod val="50000"/>
-                  </a:schemeClr>
-                </a:solidFill>
-              </a:rPr>
-              <a:t>; move 0x1 into “Register B”</a:t>
-            </a:r>
-            <a:endParaRPr lang="en-GB" sz="2000" dirty="0">
-              <a:solidFill>
-                <a:schemeClr val="accent3">
-                  <a:lumMod val="50000"/>
-                </a:schemeClr>
-              </a:solidFill>
-            </a:endParaRPr>
-          </a:p>
-          <a:p>
-            <a:r>
-              <a:rPr lang="en-GB" dirty="0">
-                <a:solidFill>
-                  <a:schemeClr val="bg1"/>
-                </a:solidFill>
-              </a:rPr>
-              <a:t>add REG_A,REG_B  		</a:t>
-            </a:r>
-            <a:r>
-              <a:rPr lang="en-GB" sz="1400" dirty="0">
-                <a:solidFill>
-                  <a:schemeClr val="accent3">
-                    <a:lumMod val="50000"/>
-                  </a:schemeClr>
-                </a:solidFill>
-              </a:rPr>
-              <a:t>; perform an assignment addition (REG_A += REG_B)</a:t>
-            </a:r>
-          </a:p>
-          <a:p>
-            <a:endParaRPr lang="en-GB" dirty="0">
-              <a:solidFill>
-                <a:schemeClr val="bg1"/>
-              </a:solidFill>
-            </a:endParaRPr>
-          </a:p>
-          <a:p>
-            <a:r>
-              <a:rPr lang="en-GB" dirty="0">
-                <a:solidFill>
-                  <a:schemeClr val="bg1"/>
-                </a:solidFill>
-              </a:rPr>
-              <a:t>mov byte REG_B,0x2	</a:t>
-            </a:r>
-            <a:r>
-              <a:rPr lang="en-GB" sz="1400" dirty="0">
-                <a:solidFill>
-                  <a:schemeClr val="accent3">
-                    <a:lumMod val="50000"/>
-                  </a:schemeClr>
-                </a:solidFill>
-              </a:rPr>
-              <a:t>; move 0x2 into “Register B”</a:t>
-            </a:r>
-          </a:p>
-          <a:p>
-            <a:r>
-              <a:rPr lang="en-GB" dirty="0">
-                <a:solidFill>
-                  <a:schemeClr val="bg1"/>
-                </a:solidFill>
-              </a:rPr>
-              <a:t>add REG_A,REG_B </a:t>
-            </a:r>
-            <a:r>
-              <a:rPr lang="en-GB" sz="1400" dirty="0">
-                <a:solidFill>
-                  <a:schemeClr val="bg1"/>
-                </a:solidFill>
-              </a:rPr>
-              <a:t> 		</a:t>
-            </a:r>
-            <a:r>
-              <a:rPr lang="en-GB" sz="1400" dirty="0">
-                <a:solidFill>
-                  <a:schemeClr val="accent3">
-                    <a:lumMod val="50000"/>
-                  </a:schemeClr>
-                </a:solidFill>
-              </a:rPr>
-              <a:t>; perform an assignment addition (REG_A += REG_B)</a:t>
-            </a:r>
-          </a:p>
-          <a:p>
-            <a:endParaRPr lang="en-GB" dirty="0">
-              <a:solidFill>
-                <a:schemeClr val="accent3">
-                  <a:lumMod val="50000"/>
-                </a:schemeClr>
-              </a:solidFill>
-            </a:endParaRPr>
-          </a:p>
-          <a:p>
-            <a:pPr lvl="0"/>
-            <a:r>
-              <a:rPr lang="en-GB" dirty="0">
-                <a:solidFill>
-                  <a:prstClr val="white"/>
-                </a:solidFill>
-              </a:rPr>
-              <a:t>mov </a:t>
-            </a:r>
-            <a:r>
-              <a:rPr lang="en-GB" dirty="0">
-                <a:solidFill>
-                  <a:schemeClr val="bg1"/>
-                </a:solidFill>
-              </a:rPr>
-              <a:t>byte </a:t>
-            </a:r>
-            <a:r>
-              <a:rPr lang="en-GB" dirty="0">
-                <a:solidFill>
-                  <a:prstClr val="white"/>
-                </a:solidFill>
-              </a:rPr>
-              <a:t>REG_B,0x3	</a:t>
-            </a:r>
-            <a:r>
-              <a:rPr lang="en-GB" sz="1400" dirty="0">
-                <a:solidFill>
-                  <a:srgbClr val="9BBB59">
-                    <a:lumMod val="50000"/>
-                  </a:srgbClr>
-                </a:solidFill>
-              </a:rPr>
-              <a:t>; move 0x3 into “Register B”</a:t>
-            </a:r>
-          </a:p>
-          <a:p>
-            <a:pPr lvl="0"/>
-            <a:r>
-              <a:rPr lang="en-GB" dirty="0">
-                <a:solidFill>
-                  <a:prstClr val="white"/>
-                </a:solidFill>
-              </a:rPr>
-              <a:t>add REG_A,REG_B 		</a:t>
-            </a:r>
-            <a:r>
-              <a:rPr lang="en-GB" sz="1400" dirty="0">
-                <a:solidFill>
-                  <a:prstClr val="white"/>
-                </a:solidFill>
-              </a:rPr>
-              <a:t> </a:t>
-            </a:r>
-            <a:r>
-              <a:rPr lang="en-GB" sz="1400" dirty="0">
-                <a:solidFill>
-                  <a:srgbClr val="9BBB59">
-                    <a:lumMod val="50000"/>
-                  </a:srgbClr>
-                </a:solidFill>
-              </a:rPr>
-              <a:t>; perform an assignment addition (REG_A += REG_B)</a:t>
-            </a:r>
-          </a:p>
-          <a:p>
-            <a:endParaRPr lang="en-GB" dirty="0">
-              <a:solidFill>
-                <a:schemeClr val="accent3">
-                  <a:lumMod val="50000"/>
-                </a:schemeClr>
-              </a:solidFill>
-            </a:endParaRPr>
-          </a:p>
-          <a:p>
-            <a:endParaRPr lang="en-GB" dirty="0">
-              <a:solidFill>
-                <a:schemeClr val="accent3">
-                  <a:lumMod val="50000"/>
-                </a:schemeClr>
               </a:solidFill>
             </a:endParaRPr>
           </a:p>
@@ -12725,6 +12236,223 @@
           </a:fontRef>
         </p:style>
       </p:cxnSp>
+      <p:sp>
+        <p:nvSpPr>
+          <p:cNvPr id="17" name="TextBox 16">
+            <a:extLst>
+              <a:ext uri="{FF2B5EF4-FFF2-40B4-BE49-F238E27FC236}">
+                <a16:creationId xmlns:a16="http://schemas.microsoft.com/office/drawing/2014/main" id="{046A2B4B-AFA2-498C-851E-D743FB190D60}"/>
+              </a:ext>
+            </a:extLst>
+          </p:cNvPr>
+          <p:cNvSpPr txBox="1"/>
+          <p:nvPr/>
+        </p:nvSpPr>
+        <p:spPr>
+          <a:xfrm>
+            <a:off x="609600" y="928670"/>
+            <a:ext cx="7924800" cy="2585323"/>
+          </a:xfrm>
+          <a:prstGeom prst="rect">
+            <a:avLst/>
+          </a:prstGeom>
+          <a:noFill/>
+        </p:spPr>
+        <p:txBody>
+          <a:bodyPr wrap="square" rtlCol="0">
+            <a:spAutoFit/>
+          </a:bodyPr>
+          <a:lstStyle/>
+          <a:p>
+            <a:r>
+              <a:rPr lang="en-GB" dirty="0">
+                <a:solidFill>
+                  <a:schemeClr val="bg1"/>
+                </a:solidFill>
+              </a:rPr>
+              <a:t>mov REG_A,0x0		</a:t>
+            </a:r>
+            <a:r>
+              <a:rPr lang="en-GB" sz="1400" dirty="0">
+                <a:solidFill>
+                  <a:schemeClr val="accent3">
+                    <a:lumMod val="50000"/>
+                  </a:schemeClr>
+                </a:solidFill>
+              </a:rPr>
+              <a:t>; move 0x0 into “Register A”</a:t>
+            </a:r>
+            <a:endParaRPr lang="en-GB" sz="2000" dirty="0">
+              <a:solidFill>
+                <a:schemeClr val="accent3">
+                  <a:lumMod val="50000"/>
+                </a:schemeClr>
+              </a:solidFill>
+            </a:endParaRPr>
+          </a:p>
+          <a:p>
+            <a:r>
+              <a:rPr lang="en-GB" dirty="0">
+                <a:solidFill>
+                  <a:schemeClr val="bg1"/>
+                </a:solidFill>
+              </a:rPr>
+              <a:t>mov REG_B,0x1		</a:t>
+            </a:r>
+            <a:r>
+              <a:rPr lang="en-GB" sz="1400" dirty="0">
+                <a:solidFill>
+                  <a:schemeClr val="accent3">
+                    <a:lumMod val="50000"/>
+                  </a:schemeClr>
+                </a:solidFill>
+              </a:rPr>
+              <a:t>; move 0x1 into “Register B”</a:t>
+            </a:r>
+            <a:endParaRPr lang="en-GB" sz="2000" dirty="0">
+              <a:solidFill>
+                <a:schemeClr val="accent3">
+                  <a:lumMod val="50000"/>
+                </a:schemeClr>
+              </a:solidFill>
+            </a:endParaRPr>
+          </a:p>
+          <a:p>
+            <a:r>
+              <a:rPr lang="en-GB" dirty="0">
+                <a:solidFill>
+                  <a:schemeClr val="bg1"/>
+                </a:solidFill>
+              </a:rPr>
+              <a:t>add REG_A,REG_B  		</a:t>
+            </a:r>
+            <a:r>
+              <a:rPr lang="en-GB" sz="1400" dirty="0">
+                <a:solidFill>
+                  <a:schemeClr val="accent3">
+                    <a:lumMod val="50000"/>
+                  </a:schemeClr>
+                </a:solidFill>
+              </a:rPr>
+              <a:t>; perform an assignment addition (REG_A += REG_B)</a:t>
+            </a:r>
+          </a:p>
+          <a:p>
+            <a:endParaRPr lang="en-GB" dirty="0">
+              <a:solidFill>
+                <a:schemeClr val="bg1"/>
+              </a:solidFill>
+            </a:endParaRPr>
+          </a:p>
+          <a:p>
+            <a:r>
+              <a:rPr lang="en-GB" dirty="0">
+                <a:solidFill>
+                  <a:schemeClr val="bg1"/>
+                </a:solidFill>
+              </a:rPr>
+              <a:t>mov REG_B,0x2		</a:t>
+            </a:r>
+            <a:r>
+              <a:rPr lang="en-GB" sz="1400" dirty="0">
+                <a:solidFill>
+                  <a:schemeClr val="accent3">
+                    <a:lumMod val="50000"/>
+                  </a:schemeClr>
+                </a:solidFill>
+              </a:rPr>
+              <a:t>; move 0x2 into “Register B”</a:t>
+            </a:r>
+          </a:p>
+          <a:p>
+            <a:r>
+              <a:rPr lang="en-GB" dirty="0">
+                <a:solidFill>
+                  <a:schemeClr val="bg1"/>
+                </a:solidFill>
+              </a:rPr>
+              <a:t>add REG_A,REG_B </a:t>
+            </a:r>
+            <a:r>
+              <a:rPr lang="en-GB" sz="1400" dirty="0">
+                <a:solidFill>
+                  <a:schemeClr val="bg1"/>
+                </a:solidFill>
+              </a:rPr>
+              <a:t> 		</a:t>
+            </a:r>
+            <a:r>
+              <a:rPr lang="en-GB" sz="1400" dirty="0">
+                <a:solidFill>
+                  <a:schemeClr val="accent3">
+                    <a:lumMod val="50000"/>
+                  </a:schemeClr>
+                </a:solidFill>
+              </a:rPr>
+              <a:t>; perform an assignment addition (REG_A += REG_B)</a:t>
+            </a:r>
+          </a:p>
+          <a:p>
+            <a:endParaRPr lang="en-GB" dirty="0">
+              <a:solidFill>
+                <a:schemeClr val="accent3">
+                  <a:lumMod val="50000"/>
+                </a:schemeClr>
+              </a:solidFill>
+            </a:endParaRPr>
+          </a:p>
+          <a:p>
+            <a:pPr lvl="0"/>
+            <a:r>
+              <a:rPr lang="en-GB" dirty="0">
+                <a:solidFill>
+                  <a:prstClr val="white"/>
+                </a:solidFill>
+              </a:rPr>
+              <a:t>mov REG_B,0x3		</a:t>
+            </a:r>
+            <a:r>
+              <a:rPr lang="en-GB" sz="1400" dirty="0">
+                <a:solidFill>
+                  <a:srgbClr val="9BBB59">
+                    <a:lumMod val="50000"/>
+                  </a:srgbClr>
+                </a:solidFill>
+              </a:rPr>
+              <a:t>; move 0x3 into “Register B”</a:t>
+            </a:r>
+          </a:p>
+          <a:p>
+            <a:pPr lvl="0"/>
+            <a:r>
+              <a:rPr lang="en-GB" dirty="0">
+                <a:solidFill>
+                  <a:prstClr val="white"/>
+                </a:solidFill>
+              </a:rPr>
+              <a:t>add REG_A,REG_B 		</a:t>
+            </a:r>
+            <a:r>
+              <a:rPr lang="en-GB" sz="1400" dirty="0">
+                <a:solidFill>
+                  <a:prstClr val="white"/>
+                </a:solidFill>
+              </a:rPr>
+              <a:t> </a:t>
+            </a:r>
+            <a:r>
+              <a:rPr lang="en-GB" sz="1400" dirty="0">
+                <a:solidFill>
+                  <a:srgbClr val="9BBB59">
+                    <a:lumMod val="50000"/>
+                  </a:srgbClr>
+                </a:solidFill>
+              </a:rPr>
+              <a:t>; perform an assignment addition (REG_A += REG_B)</a:t>
+            </a:r>
+          </a:p>
+        </p:txBody>
+      </p:sp>
     </p:spTree>
     <p:extLst>
       <p:ext uri="{BB962C8B-B14F-4D97-AF65-F5344CB8AC3E}">
@@ -13149,257 +12877,6 @@
             <a:endParaRPr lang="en-US" dirty="0">
               <a:solidFill>
                 <a:schemeClr val="bg1"/>
-              </a:solidFill>
-            </a:endParaRPr>
-          </a:p>
-        </p:txBody>
-      </p:sp>
-      <p:sp>
-        <p:nvSpPr>
-          <p:cNvPr id="12" name="TextBox 11">
-            <a:extLst>
-              <a:ext uri="{FF2B5EF4-FFF2-40B4-BE49-F238E27FC236}">
-                <a16:creationId xmlns:a16="http://schemas.microsoft.com/office/drawing/2014/main" id="{75B4779D-F76E-4D3C-BC39-F8E44DECE9CA}"/>
-              </a:ext>
-            </a:extLst>
-          </p:cNvPr>
-          <p:cNvSpPr txBox="1"/>
-          <p:nvPr/>
-        </p:nvSpPr>
-        <p:spPr>
-          <a:xfrm>
-            <a:off x="609600" y="928670"/>
-            <a:ext cx="7924800" cy="3139321"/>
-          </a:xfrm>
-          <a:prstGeom prst="rect">
-            <a:avLst/>
-          </a:prstGeom>
-          <a:noFill/>
-        </p:spPr>
-        <p:txBody>
-          <a:bodyPr wrap="square" rtlCol="0">
-            <a:spAutoFit/>
-          </a:bodyPr>
-          <a:lstStyle/>
-          <a:p>
-            <a:r>
-              <a:rPr lang="en-GB" dirty="0">
-                <a:solidFill>
-                  <a:schemeClr val="bg1"/>
-                </a:solidFill>
-              </a:rPr>
-              <a:t>mov byte REG_A,0x0	</a:t>
-            </a:r>
-            <a:r>
-              <a:rPr lang="en-GB" sz="1400" dirty="0">
-                <a:solidFill>
-                  <a:schemeClr val="accent3">
-                    <a:lumMod val="50000"/>
-                  </a:schemeClr>
-                </a:solidFill>
-              </a:rPr>
-              <a:t>; move 0x0 into “Register A”</a:t>
-            </a:r>
-            <a:endParaRPr lang="en-GB" sz="2000" dirty="0">
-              <a:solidFill>
-                <a:schemeClr val="accent3">
-                  <a:lumMod val="50000"/>
-                </a:schemeClr>
-              </a:solidFill>
-            </a:endParaRPr>
-          </a:p>
-          <a:p>
-            <a:r>
-              <a:rPr lang="en-GB" dirty="0">
-                <a:solidFill>
-                  <a:schemeClr val="bg1"/>
-                </a:solidFill>
-              </a:rPr>
-              <a:t>mov byte REG_B,0x1	</a:t>
-            </a:r>
-            <a:r>
-              <a:rPr lang="en-GB" sz="1400" dirty="0">
-                <a:solidFill>
-                  <a:schemeClr val="accent3">
-                    <a:lumMod val="50000"/>
-                  </a:schemeClr>
-                </a:solidFill>
-              </a:rPr>
-              <a:t>; move 0x1 into “Register B”</a:t>
-            </a:r>
-            <a:endParaRPr lang="en-GB" sz="2000" dirty="0">
-              <a:solidFill>
-                <a:schemeClr val="accent3">
-                  <a:lumMod val="50000"/>
-                </a:schemeClr>
-              </a:solidFill>
-            </a:endParaRPr>
-          </a:p>
-          <a:p>
-            <a:r>
-              <a:rPr lang="en-GB" dirty="0">
-                <a:solidFill>
-                  <a:schemeClr val="bg1"/>
-                </a:solidFill>
-              </a:rPr>
-              <a:t>add REG_A,REG_B  		</a:t>
-            </a:r>
-            <a:r>
-              <a:rPr lang="en-GB" sz="1400" dirty="0">
-                <a:solidFill>
-                  <a:schemeClr val="accent3">
-                    <a:lumMod val="50000"/>
-                  </a:schemeClr>
-                </a:solidFill>
-              </a:rPr>
-              <a:t>; perform an assignment addition (REG_A += REG_B)</a:t>
-            </a:r>
-          </a:p>
-          <a:p>
-            <a:endParaRPr lang="en-GB" dirty="0">
-              <a:solidFill>
-                <a:schemeClr val="bg1"/>
-              </a:solidFill>
-            </a:endParaRPr>
-          </a:p>
-          <a:p>
-            <a:r>
-              <a:rPr lang="en-GB" dirty="0">
-                <a:solidFill>
-                  <a:schemeClr val="bg1"/>
-                </a:solidFill>
-              </a:rPr>
-              <a:t>mov byte REG_B,0x2	</a:t>
-            </a:r>
-            <a:r>
-              <a:rPr lang="en-GB" sz="1400" dirty="0">
-                <a:solidFill>
-                  <a:schemeClr val="accent3">
-                    <a:lumMod val="50000"/>
-                  </a:schemeClr>
-                </a:solidFill>
-              </a:rPr>
-              <a:t>; move 0x2 into “Register B”</a:t>
-            </a:r>
-          </a:p>
-          <a:p>
-            <a:r>
-              <a:rPr lang="en-GB" dirty="0">
-                <a:solidFill>
-                  <a:schemeClr val="bg1"/>
-                </a:solidFill>
-              </a:rPr>
-              <a:t>add REG_A,REG_B </a:t>
-            </a:r>
-            <a:r>
-              <a:rPr lang="en-GB" sz="1400" dirty="0">
-                <a:solidFill>
-                  <a:schemeClr val="bg1"/>
-                </a:solidFill>
-              </a:rPr>
-              <a:t> 		</a:t>
-            </a:r>
-            <a:r>
-              <a:rPr lang="en-GB" sz="1400" dirty="0">
-                <a:solidFill>
-                  <a:schemeClr val="accent3">
-                    <a:lumMod val="50000"/>
-                  </a:schemeClr>
-                </a:solidFill>
-              </a:rPr>
-              <a:t>; perform an assignment addition (REG_A += REG_B)</a:t>
-            </a:r>
-          </a:p>
-          <a:p>
-            <a:endParaRPr lang="en-GB" dirty="0">
-              <a:solidFill>
-                <a:schemeClr val="accent3">
-                  <a:lumMod val="50000"/>
-                </a:schemeClr>
-              </a:solidFill>
-            </a:endParaRPr>
-          </a:p>
-          <a:p>
-            <a:pPr lvl="0"/>
-            <a:r>
-              <a:rPr lang="en-GB" dirty="0">
-                <a:solidFill>
-                  <a:prstClr val="white"/>
-                </a:solidFill>
-              </a:rPr>
-              <a:t>mov </a:t>
-            </a:r>
-            <a:r>
-              <a:rPr lang="en-GB" dirty="0">
-                <a:solidFill>
-                  <a:schemeClr val="bg1"/>
-                </a:solidFill>
-              </a:rPr>
-              <a:t>byte </a:t>
-            </a:r>
-            <a:r>
-              <a:rPr lang="en-GB" dirty="0">
-                <a:solidFill>
-                  <a:prstClr val="white"/>
-                </a:solidFill>
-              </a:rPr>
-              <a:t>REG_B,0x3	</a:t>
-            </a:r>
-            <a:r>
-              <a:rPr lang="en-GB" sz="1400" dirty="0">
-                <a:solidFill>
-                  <a:srgbClr val="9BBB59">
-                    <a:lumMod val="50000"/>
-                  </a:srgbClr>
-                </a:solidFill>
-              </a:rPr>
-              <a:t>; move 0x3 into “Register B”</a:t>
-            </a:r>
-          </a:p>
-          <a:p>
-            <a:pPr lvl="0"/>
-            <a:r>
-              <a:rPr lang="en-GB" dirty="0">
-                <a:solidFill>
-                  <a:prstClr val="white"/>
-                </a:solidFill>
-              </a:rPr>
-              <a:t>add REG_A,REG_B 		</a:t>
-            </a:r>
-            <a:r>
-              <a:rPr lang="en-GB" sz="1400" dirty="0">
-                <a:solidFill>
-                  <a:prstClr val="white"/>
-                </a:solidFill>
-              </a:rPr>
-              <a:t> </a:t>
-            </a:r>
-            <a:r>
-              <a:rPr lang="en-GB" sz="1400" dirty="0">
-                <a:solidFill>
-                  <a:srgbClr val="9BBB59">
-                    <a:lumMod val="50000"/>
-                  </a:srgbClr>
-                </a:solidFill>
-              </a:rPr>
-              <a:t>; perform an assignment addition (REG_A += REG_B)</a:t>
-            </a:r>
-          </a:p>
-          <a:p>
-            <a:endParaRPr lang="en-GB" dirty="0">
-              <a:solidFill>
-                <a:schemeClr val="accent3">
-                  <a:lumMod val="50000"/>
-                </a:schemeClr>
-              </a:solidFill>
-            </a:endParaRPr>
-          </a:p>
-          <a:p>
-            <a:endParaRPr lang="en-GB" dirty="0">
-              <a:solidFill>
-                <a:schemeClr val="accent3">
-                  <a:lumMod val="50000"/>
-                </a:schemeClr>
               </a:solidFill>
             </a:endParaRPr>
           </a:p>
@@ -13902,6 +13379,223 @@
                 </a:solidFill>
               </a:rPr>
               <a:t>+=</a:t>
+            </a:r>
+          </a:p>
+        </p:txBody>
+      </p:sp>
+      <p:sp>
+        <p:nvSpPr>
+          <p:cNvPr id="16" name="TextBox 15">
+            <a:extLst>
+              <a:ext uri="{FF2B5EF4-FFF2-40B4-BE49-F238E27FC236}">
+                <a16:creationId xmlns:a16="http://schemas.microsoft.com/office/drawing/2014/main" id="{80AD4457-D6AC-4B7F-8A7A-3E435FDC4BD7}"/>
+              </a:ext>
+            </a:extLst>
+          </p:cNvPr>
+          <p:cNvSpPr txBox="1"/>
+          <p:nvPr/>
+        </p:nvSpPr>
+        <p:spPr>
+          <a:xfrm>
+            <a:off x="609600" y="928670"/>
+            <a:ext cx="7924800" cy="2585323"/>
+          </a:xfrm>
+          <a:prstGeom prst="rect">
+            <a:avLst/>
+          </a:prstGeom>
+          <a:noFill/>
+        </p:spPr>
+        <p:txBody>
+          <a:bodyPr wrap="square" rtlCol="0">
+            <a:spAutoFit/>
+          </a:bodyPr>
+          <a:lstStyle/>
+          <a:p>
+            <a:r>
+              <a:rPr lang="en-GB" dirty="0">
+                <a:solidFill>
+                  <a:schemeClr val="bg1"/>
+                </a:solidFill>
+              </a:rPr>
+              <a:t>mov REG_A,0x0		</a:t>
+            </a:r>
+            <a:r>
+              <a:rPr lang="en-GB" sz="1400" dirty="0">
+                <a:solidFill>
+                  <a:schemeClr val="accent3">
+                    <a:lumMod val="50000"/>
+                  </a:schemeClr>
+                </a:solidFill>
+              </a:rPr>
+              <a:t>; move 0x0 into “Register A”</a:t>
+            </a:r>
+            <a:endParaRPr lang="en-GB" sz="2000" dirty="0">
+              <a:solidFill>
+                <a:schemeClr val="accent3">
+                  <a:lumMod val="50000"/>
+                </a:schemeClr>
+              </a:solidFill>
+            </a:endParaRPr>
+          </a:p>
+          <a:p>
+            <a:r>
+              <a:rPr lang="en-GB" dirty="0">
+                <a:solidFill>
+                  <a:schemeClr val="bg1"/>
+                </a:solidFill>
+              </a:rPr>
+              <a:t>mov REG_B,0x1		</a:t>
+            </a:r>
+            <a:r>
+              <a:rPr lang="en-GB" sz="1400" dirty="0">
+                <a:solidFill>
+                  <a:schemeClr val="accent3">
+                    <a:lumMod val="50000"/>
+                  </a:schemeClr>
+                </a:solidFill>
+              </a:rPr>
+              <a:t>; move 0x1 into “Register B”</a:t>
+            </a:r>
+            <a:endParaRPr lang="en-GB" sz="2000" dirty="0">
+              <a:solidFill>
+                <a:schemeClr val="accent3">
+                  <a:lumMod val="50000"/>
+                </a:schemeClr>
+              </a:solidFill>
+            </a:endParaRPr>
+          </a:p>
+          <a:p>
+            <a:r>
+              <a:rPr lang="en-GB" dirty="0">
+                <a:solidFill>
+                  <a:schemeClr val="bg1"/>
+                </a:solidFill>
+              </a:rPr>
+              <a:t>add REG_A,REG_B  		</a:t>
+            </a:r>
+            <a:r>
+              <a:rPr lang="en-GB" sz="1400" dirty="0">
+                <a:solidFill>
+                  <a:schemeClr val="accent3">
+                    <a:lumMod val="50000"/>
+                  </a:schemeClr>
+                </a:solidFill>
+              </a:rPr>
+              <a:t>; perform an assignment addition (REG_A += REG_B)</a:t>
+            </a:r>
+          </a:p>
+          <a:p>
+            <a:endParaRPr lang="en-GB" dirty="0">
+              <a:solidFill>
+                <a:schemeClr val="bg1"/>
+              </a:solidFill>
+            </a:endParaRPr>
+          </a:p>
+          <a:p>
+            <a:r>
+              <a:rPr lang="en-GB" dirty="0">
+                <a:solidFill>
+                  <a:schemeClr val="bg1"/>
+                </a:solidFill>
+              </a:rPr>
+              <a:t>mov REG_B,0x2		</a:t>
+            </a:r>
+            <a:r>
+              <a:rPr lang="en-GB" sz="1400" dirty="0">
+                <a:solidFill>
+                  <a:schemeClr val="accent3">
+                    <a:lumMod val="50000"/>
+                  </a:schemeClr>
+                </a:solidFill>
+              </a:rPr>
+              <a:t>; move 0x2 into “Register B”</a:t>
+            </a:r>
+          </a:p>
+          <a:p>
+            <a:r>
+              <a:rPr lang="en-GB" dirty="0">
+                <a:solidFill>
+                  <a:schemeClr val="bg1"/>
+                </a:solidFill>
+              </a:rPr>
+              <a:t>add REG_A,REG_B </a:t>
+            </a:r>
+            <a:r>
+              <a:rPr lang="en-GB" sz="1400" dirty="0">
+                <a:solidFill>
+                  <a:schemeClr val="bg1"/>
+                </a:solidFill>
+              </a:rPr>
+              <a:t> 		</a:t>
+            </a:r>
+            <a:r>
+              <a:rPr lang="en-GB" sz="1400" dirty="0">
+                <a:solidFill>
+                  <a:schemeClr val="accent3">
+                    <a:lumMod val="50000"/>
+                  </a:schemeClr>
+                </a:solidFill>
+              </a:rPr>
+              <a:t>; perform an assignment addition (REG_A += REG_B)</a:t>
+            </a:r>
+          </a:p>
+          <a:p>
+            <a:endParaRPr lang="en-GB" dirty="0">
+              <a:solidFill>
+                <a:schemeClr val="accent3">
+                  <a:lumMod val="50000"/>
+                </a:schemeClr>
+              </a:solidFill>
+            </a:endParaRPr>
+          </a:p>
+          <a:p>
+            <a:pPr lvl="0"/>
+            <a:r>
+              <a:rPr lang="en-GB" dirty="0">
+                <a:solidFill>
+                  <a:prstClr val="white"/>
+                </a:solidFill>
+              </a:rPr>
+              <a:t>mov REG_B,0x3		</a:t>
+            </a:r>
+            <a:r>
+              <a:rPr lang="en-GB" sz="1400" dirty="0">
+                <a:solidFill>
+                  <a:srgbClr val="9BBB59">
+                    <a:lumMod val="50000"/>
+                  </a:srgbClr>
+                </a:solidFill>
+              </a:rPr>
+              <a:t>; move 0x3 into “Register B”</a:t>
+            </a:r>
+          </a:p>
+          <a:p>
+            <a:pPr lvl="0"/>
+            <a:r>
+              <a:rPr lang="en-GB" dirty="0">
+                <a:solidFill>
+                  <a:prstClr val="white"/>
+                </a:solidFill>
+              </a:rPr>
+              <a:t>add REG_A,REG_B 		</a:t>
+            </a:r>
+            <a:r>
+              <a:rPr lang="en-GB" sz="1400" dirty="0">
+                <a:solidFill>
+                  <a:prstClr val="white"/>
+                </a:solidFill>
+              </a:rPr>
+              <a:t> </a:t>
+            </a:r>
+            <a:r>
+              <a:rPr lang="en-GB" sz="1400" dirty="0">
+                <a:solidFill>
+                  <a:srgbClr val="9BBB59">
+                    <a:lumMod val="50000"/>
+                  </a:srgbClr>
+                </a:solidFill>
+              </a:rPr>
+              <a:t>; perform an assignment addition (REG_A += REG_B)</a:t>
             </a:r>
           </a:p>
         </p:txBody>

--- a/Imperial_College_29-01-2020/Presentation.pptx
+++ b/Imperial_College_29-01-2020/Presentation.pptx
@@ -15183,7 +15183,7 @@
                   </a:schemeClr>
                 </a:solidFill>
               </a:rPr>
-              <a:t>; push 0x4 on the stack</a:t>
+              <a:t>; push 0x2 on the stack</a:t>
             </a:r>
             <a:endParaRPr lang="en-GB" sz="1400" dirty="0">
               <a:solidFill>
@@ -15716,204 +15716,6 @@
             <a:endParaRPr lang="en-US" dirty="0">
               <a:solidFill>
                 <a:schemeClr val="bg1"/>
-              </a:solidFill>
-            </a:endParaRPr>
-          </a:p>
-        </p:txBody>
-      </p:sp>
-      <p:sp>
-        <p:nvSpPr>
-          <p:cNvPr id="13" name="TextBox 12">
-            <a:extLst>
-              <a:ext uri="{FF2B5EF4-FFF2-40B4-BE49-F238E27FC236}">
-                <a16:creationId xmlns:a16="http://schemas.microsoft.com/office/drawing/2014/main" id="{15267C53-BA1B-48E1-9221-57248D42053E}"/>
-              </a:ext>
-            </a:extLst>
-          </p:cNvPr>
-          <p:cNvSpPr txBox="1"/>
-          <p:nvPr/>
-        </p:nvSpPr>
-        <p:spPr>
-          <a:xfrm>
-            <a:off x="609600" y="928670"/>
-            <a:ext cx="6934200" cy="2031325"/>
-          </a:xfrm>
-          <a:prstGeom prst="rect">
-            <a:avLst/>
-          </a:prstGeom>
-          <a:noFill/>
-        </p:spPr>
-        <p:txBody>
-          <a:bodyPr wrap="square" rtlCol="0">
-            <a:spAutoFit/>
-          </a:bodyPr>
-          <a:lstStyle/>
-          <a:p>
-            <a:r>
-              <a:rPr lang="en-GB" dirty="0">
-                <a:solidFill>
-                  <a:schemeClr val="bg1"/>
-                </a:solidFill>
-              </a:rPr>
-              <a:t>push 0x0	</a:t>
-            </a:r>
-            <a:r>
-              <a:rPr lang="en-GB" sz="1400" dirty="0">
-                <a:solidFill>
-                  <a:schemeClr val="accent3">
-                    <a:lumMod val="50000"/>
-                  </a:schemeClr>
-                </a:solidFill>
-              </a:rPr>
-              <a:t>; push 0x0 on the stack</a:t>
-            </a:r>
-            <a:endParaRPr lang="en-GB" dirty="0">
-              <a:solidFill>
-                <a:schemeClr val="bg1"/>
-              </a:solidFill>
-            </a:endParaRPr>
-          </a:p>
-          <a:p>
-            <a:r>
-              <a:rPr lang="en-GB" dirty="0">
-                <a:solidFill>
-                  <a:schemeClr val="bg1"/>
-                </a:solidFill>
-              </a:rPr>
-              <a:t>push 0x1	</a:t>
-            </a:r>
-            <a:r>
-              <a:rPr lang="en-GB" sz="1400" dirty="0">
-                <a:solidFill>
-                  <a:schemeClr val="accent3">
-                    <a:lumMod val="50000"/>
-                  </a:schemeClr>
-                </a:solidFill>
-              </a:rPr>
-              <a:t>; push 0x1 on the stack</a:t>
-            </a:r>
-          </a:p>
-          <a:p>
-            <a:r>
-              <a:rPr lang="en-GB" dirty="0">
-                <a:solidFill>
-                  <a:schemeClr val="bg1"/>
-                </a:solidFill>
-              </a:rPr>
-              <a:t>push 0x2	</a:t>
-            </a:r>
-            <a:r>
-              <a:rPr lang="en-GB" sz="1400" dirty="0">
-                <a:solidFill>
-                  <a:schemeClr val="accent3">
-                    <a:lumMod val="50000"/>
-                  </a:schemeClr>
-                </a:solidFill>
-              </a:rPr>
-              <a:t>; push 0x4 on the stack</a:t>
-            </a:r>
-            <a:endParaRPr lang="en-GB" sz="1400" dirty="0">
-              <a:solidFill>
-                <a:schemeClr val="bg1"/>
-              </a:solidFill>
-            </a:endParaRPr>
-          </a:p>
-          <a:p>
-            <a:r>
-              <a:rPr lang="en-GB" dirty="0">
-                <a:solidFill>
-                  <a:schemeClr val="bg1"/>
-                </a:solidFill>
-              </a:rPr>
-              <a:t>push 0x3	</a:t>
-            </a:r>
-            <a:r>
-              <a:rPr lang="en-GB" sz="1400" dirty="0">
-                <a:solidFill>
-                  <a:schemeClr val="accent3">
-                    <a:lumMod val="50000"/>
-                  </a:schemeClr>
-                </a:solidFill>
-              </a:rPr>
-              <a:t>; push 0x3 on the stack</a:t>
-            </a:r>
-            <a:endParaRPr lang="en-GB" dirty="0">
-              <a:solidFill>
-                <a:schemeClr val="bg1"/>
-              </a:solidFill>
-            </a:endParaRPr>
-          </a:p>
-          <a:p>
-            <a:r>
-              <a:rPr lang="en-GB" dirty="0">
-                <a:solidFill>
-                  <a:schemeClr val="bg1"/>
-                </a:solidFill>
-              </a:rPr>
-              <a:t>add 	</a:t>
-            </a:r>
-            <a:r>
-              <a:rPr lang="en-GB" sz="1400" dirty="0">
-                <a:solidFill>
-                  <a:schemeClr val="accent3">
-                    <a:lumMod val="50000"/>
-                  </a:schemeClr>
-                </a:solidFill>
-              </a:rPr>
-              <a:t>; pop two values, perform an addition, then push the result</a:t>
-            </a:r>
-          </a:p>
-          <a:p>
-            <a:r>
-              <a:rPr lang="en-GB" dirty="0">
-                <a:solidFill>
-                  <a:schemeClr val="bg1"/>
-                </a:solidFill>
-              </a:rPr>
-              <a:t>add 	</a:t>
-            </a:r>
-            <a:r>
-              <a:rPr lang="en-GB" sz="1400" dirty="0">
-                <a:solidFill>
-                  <a:schemeClr val="accent3">
-                    <a:lumMod val="50000"/>
-                  </a:schemeClr>
-                </a:solidFill>
-              </a:rPr>
-              <a:t>; pop two values, perform an addition, then push the result</a:t>
-            </a:r>
-            <a:endParaRPr lang="en-GB" dirty="0">
-              <a:solidFill>
-                <a:schemeClr val="accent3">
-                  <a:lumMod val="50000"/>
-                </a:schemeClr>
-              </a:solidFill>
-            </a:endParaRPr>
-          </a:p>
-          <a:p>
-            <a:r>
-              <a:rPr lang="en-GB" dirty="0">
-                <a:solidFill>
-                  <a:schemeClr val="bg1"/>
-                </a:solidFill>
-              </a:rPr>
-              <a:t>add 	</a:t>
-            </a:r>
-            <a:r>
-              <a:rPr lang="en-GB" sz="1400" dirty="0">
-                <a:solidFill>
-                  <a:schemeClr val="accent3">
-                    <a:lumMod val="50000"/>
-                  </a:schemeClr>
-                </a:solidFill>
-              </a:rPr>
-              <a:t>; pop two values, perform an addition, then push the result</a:t>
-            </a:r>
-            <a:endParaRPr lang="en-GB" dirty="0">
-              <a:solidFill>
-                <a:schemeClr val="accent3">
-                  <a:lumMod val="50000"/>
-                </a:schemeClr>
               </a:solidFill>
             </a:endParaRPr>
           </a:p>
@@ -16162,6 +15964,204 @@
           </a:p>
         </p:txBody>
       </p:sp>
+      <p:sp>
+        <p:nvSpPr>
+          <p:cNvPr id="8" name="TextBox 7">
+            <a:extLst>
+              <a:ext uri="{FF2B5EF4-FFF2-40B4-BE49-F238E27FC236}">
+                <a16:creationId xmlns:a16="http://schemas.microsoft.com/office/drawing/2014/main" id="{4D4764C7-26F6-424D-BD02-3DE376CCA8A8}"/>
+              </a:ext>
+            </a:extLst>
+          </p:cNvPr>
+          <p:cNvSpPr txBox="1"/>
+          <p:nvPr/>
+        </p:nvSpPr>
+        <p:spPr>
+          <a:xfrm>
+            <a:off x="609600" y="928670"/>
+            <a:ext cx="6934200" cy="2031325"/>
+          </a:xfrm>
+          <a:prstGeom prst="rect">
+            <a:avLst/>
+          </a:prstGeom>
+          <a:noFill/>
+        </p:spPr>
+        <p:txBody>
+          <a:bodyPr wrap="square" rtlCol="0">
+            <a:spAutoFit/>
+          </a:bodyPr>
+          <a:lstStyle/>
+          <a:p>
+            <a:r>
+              <a:rPr lang="en-GB" dirty="0">
+                <a:solidFill>
+                  <a:schemeClr val="bg1"/>
+                </a:solidFill>
+              </a:rPr>
+              <a:t>push 0x0	</a:t>
+            </a:r>
+            <a:r>
+              <a:rPr lang="en-GB" sz="1400" dirty="0">
+                <a:solidFill>
+                  <a:schemeClr val="accent3">
+                    <a:lumMod val="50000"/>
+                  </a:schemeClr>
+                </a:solidFill>
+              </a:rPr>
+              <a:t>; push 0x0 on the stack</a:t>
+            </a:r>
+            <a:endParaRPr lang="en-GB" dirty="0">
+              <a:solidFill>
+                <a:schemeClr val="bg1"/>
+              </a:solidFill>
+            </a:endParaRPr>
+          </a:p>
+          <a:p>
+            <a:r>
+              <a:rPr lang="en-GB" dirty="0">
+                <a:solidFill>
+                  <a:schemeClr val="bg1"/>
+                </a:solidFill>
+              </a:rPr>
+              <a:t>push 0x1	</a:t>
+            </a:r>
+            <a:r>
+              <a:rPr lang="en-GB" sz="1400" dirty="0">
+                <a:solidFill>
+                  <a:schemeClr val="accent3">
+                    <a:lumMod val="50000"/>
+                  </a:schemeClr>
+                </a:solidFill>
+              </a:rPr>
+              <a:t>; push 0x1 on the stack</a:t>
+            </a:r>
+          </a:p>
+          <a:p>
+            <a:r>
+              <a:rPr lang="en-GB" dirty="0">
+                <a:solidFill>
+                  <a:schemeClr val="bg1"/>
+                </a:solidFill>
+              </a:rPr>
+              <a:t>push 0x2	</a:t>
+            </a:r>
+            <a:r>
+              <a:rPr lang="en-GB" sz="1400" dirty="0">
+                <a:solidFill>
+                  <a:schemeClr val="accent3">
+                    <a:lumMod val="50000"/>
+                  </a:schemeClr>
+                </a:solidFill>
+              </a:rPr>
+              <a:t>; push 0x2 on the stack</a:t>
+            </a:r>
+            <a:endParaRPr lang="en-GB" sz="1400" dirty="0">
+              <a:solidFill>
+                <a:schemeClr val="bg1"/>
+              </a:solidFill>
+            </a:endParaRPr>
+          </a:p>
+          <a:p>
+            <a:r>
+              <a:rPr lang="en-GB" dirty="0">
+                <a:solidFill>
+                  <a:schemeClr val="bg1"/>
+                </a:solidFill>
+              </a:rPr>
+              <a:t>push 0x3	</a:t>
+            </a:r>
+            <a:r>
+              <a:rPr lang="en-GB" sz="1400" dirty="0">
+                <a:solidFill>
+                  <a:schemeClr val="accent3">
+                    <a:lumMod val="50000"/>
+                  </a:schemeClr>
+                </a:solidFill>
+              </a:rPr>
+              <a:t>; push 0x3 on the stack</a:t>
+            </a:r>
+            <a:endParaRPr lang="en-GB" dirty="0">
+              <a:solidFill>
+                <a:schemeClr val="bg1"/>
+              </a:solidFill>
+            </a:endParaRPr>
+          </a:p>
+          <a:p>
+            <a:r>
+              <a:rPr lang="en-GB" dirty="0">
+                <a:solidFill>
+                  <a:schemeClr val="bg1"/>
+                </a:solidFill>
+              </a:rPr>
+              <a:t>add 	</a:t>
+            </a:r>
+            <a:r>
+              <a:rPr lang="en-GB" sz="1400" dirty="0">
+                <a:solidFill>
+                  <a:schemeClr val="accent3">
+                    <a:lumMod val="50000"/>
+                  </a:schemeClr>
+                </a:solidFill>
+              </a:rPr>
+              <a:t>; pop two values, perform an addition, then push the result</a:t>
+            </a:r>
+          </a:p>
+          <a:p>
+            <a:r>
+              <a:rPr lang="en-GB" dirty="0">
+                <a:solidFill>
+                  <a:schemeClr val="bg1"/>
+                </a:solidFill>
+              </a:rPr>
+              <a:t>add 	</a:t>
+            </a:r>
+            <a:r>
+              <a:rPr lang="en-GB" sz="1400" dirty="0">
+                <a:solidFill>
+                  <a:schemeClr val="accent3">
+                    <a:lumMod val="50000"/>
+                  </a:schemeClr>
+                </a:solidFill>
+              </a:rPr>
+              <a:t>; pop two values, perform an addition, then push the result</a:t>
+            </a:r>
+            <a:endParaRPr lang="en-GB" dirty="0">
+              <a:solidFill>
+                <a:schemeClr val="accent3">
+                  <a:lumMod val="50000"/>
+                </a:schemeClr>
+              </a:solidFill>
+            </a:endParaRPr>
+          </a:p>
+          <a:p>
+            <a:r>
+              <a:rPr lang="en-GB" dirty="0">
+                <a:solidFill>
+                  <a:schemeClr val="bg1"/>
+                </a:solidFill>
+              </a:rPr>
+              <a:t>add 	</a:t>
+            </a:r>
+            <a:r>
+              <a:rPr lang="en-GB" sz="1400" dirty="0">
+                <a:solidFill>
+                  <a:schemeClr val="accent3">
+                    <a:lumMod val="50000"/>
+                  </a:schemeClr>
+                </a:solidFill>
+              </a:rPr>
+              <a:t>; pop two values, perform an addition, then push the result</a:t>
+            </a:r>
+            <a:endParaRPr lang="en-GB" dirty="0">
+              <a:solidFill>
+                <a:schemeClr val="accent3">
+                  <a:lumMod val="50000"/>
+                </a:schemeClr>
+              </a:solidFill>
+            </a:endParaRPr>
+          </a:p>
+        </p:txBody>
+      </p:sp>
     </p:spTree>
     <p:extLst>
       <p:ext uri="{BB962C8B-B14F-4D97-AF65-F5344CB8AC3E}">
@@ -16586,204 +16586,6 @@
             <a:endParaRPr lang="en-US" dirty="0">
               <a:solidFill>
                 <a:schemeClr val="bg1"/>
-              </a:solidFill>
-            </a:endParaRPr>
-          </a:p>
-        </p:txBody>
-      </p:sp>
-      <p:sp>
-        <p:nvSpPr>
-          <p:cNvPr id="13" name="TextBox 12">
-            <a:extLst>
-              <a:ext uri="{FF2B5EF4-FFF2-40B4-BE49-F238E27FC236}">
-                <a16:creationId xmlns:a16="http://schemas.microsoft.com/office/drawing/2014/main" id="{15267C53-BA1B-48E1-9221-57248D42053E}"/>
-              </a:ext>
-            </a:extLst>
-          </p:cNvPr>
-          <p:cNvSpPr txBox="1"/>
-          <p:nvPr/>
-        </p:nvSpPr>
-        <p:spPr>
-          <a:xfrm>
-            <a:off x="609600" y="928670"/>
-            <a:ext cx="6934200" cy="2031325"/>
-          </a:xfrm>
-          <a:prstGeom prst="rect">
-            <a:avLst/>
-          </a:prstGeom>
-          <a:noFill/>
-        </p:spPr>
-        <p:txBody>
-          <a:bodyPr wrap="square" rtlCol="0">
-            <a:spAutoFit/>
-          </a:bodyPr>
-          <a:lstStyle/>
-          <a:p>
-            <a:r>
-              <a:rPr lang="en-GB" dirty="0">
-                <a:solidFill>
-                  <a:schemeClr val="bg1"/>
-                </a:solidFill>
-              </a:rPr>
-              <a:t>push 0x0	</a:t>
-            </a:r>
-            <a:r>
-              <a:rPr lang="en-GB" sz="1400" dirty="0">
-                <a:solidFill>
-                  <a:schemeClr val="accent3">
-                    <a:lumMod val="50000"/>
-                  </a:schemeClr>
-                </a:solidFill>
-              </a:rPr>
-              <a:t>; push 0x0 on the stack</a:t>
-            </a:r>
-            <a:endParaRPr lang="en-GB" dirty="0">
-              <a:solidFill>
-                <a:schemeClr val="bg1"/>
-              </a:solidFill>
-            </a:endParaRPr>
-          </a:p>
-          <a:p>
-            <a:r>
-              <a:rPr lang="en-GB" dirty="0">
-                <a:solidFill>
-                  <a:schemeClr val="bg1"/>
-                </a:solidFill>
-              </a:rPr>
-              <a:t>push 0x1	</a:t>
-            </a:r>
-            <a:r>
-              <a:rPr lang="en-GB" sz="1400" dirty="0">
-                <a:solidFill>
-                  <a:schemeClr val="accent3">
-                    <a:lumMod val="50000"/>
-                  </a:schemeClr>
-                </a:solidFill>
-              </a:rPr>
-              <a:t>; push 0x1 on the stack</a:t>
-            </a:r>
-          </a:p>
-          <a:p>
-            <a:r>
-              <a:rPr lang="en-GB" dirty="0">
-                <a:solidFill>
-                  <a:schemeClr val="bg1"/>
-                </a:solidFill>
-              </a:rPr>
-              <a:t>push 0x2	</a:t>
-            </a:r>
-            <a:r>
-              <a:rPr lang="en-GB" sz="1400" dirty="0">
-                <a:solidFill>
-                  <a:schemeClr val="accent3">
-                    <a:lumMod val="50000"/>
-                  </a:schemeClr>
-                </a:solidFill>
-              </a:rPr>
-              <a:t>; push 0x4 on the stack</a:t>
-            </a:r>
-            <a:endParaRPr lang="en-GB" sz="1400" dirty="0">
-              <a:solidFill>
-                <a:schemeClr val="bg1"/>
-              </a:solidFill>
-            </a:endParaRPr>
-          </a:p>
-          <a:p>
-            <a:r>
-              <a:rPr lang="en-GB" dirty="0">
-                <a:solidFill>
-                  <a:schemeClr val="bg1"/>
-                </a:solidFill>
-              </a:rPr>
-              <a:t>push 0x3	</a:t>
-            </a:r>
-            <a:r>
-              <a:rPr lang="en-GB" sz="1400" dirty="0">
-                <a:solidFill>
-                  <a:schemeClr val="accent3">
-                    <a:lumMod val="50000"/>
-                  </a:schemeClr>
-                </a:solidFill>
-              </a:rPr>
-              <a:t>; push 0x3 on the stack</a:t>
-            </a:r>
-            <a:endParaRPr lang="en-GB" dirty="0">
-              <a:solidFill>
-                <a:schemeClr val="bg1"/>
-              </a:solidFill>
-            </a:endParaRPr>
-          </a:p>
-          <a:p>
-            <a:r>
-              <a:rPr lang="en-GB" dirty="0">
-                <a:solidFill>
-                  <a:schemeClr val="bg1"/>
-                </a:solidFill>
-              </a:rPr>
-              <a:t>add 	</a:t>
-            </a:r>
-            <a:r>
-              <a:rPr lang="en-GB" sz="1400" dirty="0">
-                <a:solidFill>
-                  <a:schemeClr val="accent3">
-                    <a:lumMod val="50000"/>
-                  </a:schemeClr>
-                </a:solidFill>
-              </a:rPr>
-              <a:t>; pop two values, perform an addition, then push the result</a:t>
-            </a:r>
-          </a:p>
-          <a:p>
-            <a:r>
-              <a:rPr lang="en-GB" dirty="0">
-                <a:solidFill>
-                  <a:schemeClr val="bg1"/>
-                </a:solidFill>
-              </a:rPr>
-              <a:t>add 	</a:t>
-            </a:r>
-            <a:r>
-              <a:rPr lang="en-GB" sz="1400" dirty="0">
-                <a:solidFill>
-                  <a:schemeClr val="accent3">
-                    <a:lumMod val="50000"/>
-                  </a:schemeClr>
-                </a:solidFill>
-              </a:rPr>
-              <a:t>; pop two values, perform an addition, then push the result</a:t>
-            </a:r>
-            <a:endParaRPr lang="en-GB" dirty="0">
-              <a:solidFill>
-                <a:schemeClr val="accent3">
-                  <a:lumMod val="50000"/>
-                </a:schemeClr>
-              </a:solidFill>
-            </a:endParaRPr>
-          </a:p>
-          <a:p>
-            <a:r>
-              <a:rPr lang="en-GB" dirty="0">
-                <a:solidFill>
-                  <a:schemeClr val="bg1"/>
-                </a:solidFill>
-              </a:rPr>
-              <a:t>add 	</a:t>
-            </a:r>
-            <a:r>
-              <a:rPr lang="en-GB" sz="1400" dirty="0">
-                <a:solidFill>
-                  <a:schemeClr val="accent3">
-                    <a:lumMod val="50000"/>
-                  </a:schemeClr>
-                </a:solidFill>
-              </a:rPr>
-              <a:t>; pop two values, perform an addition, then push the result</a:t>
-            </a:r>
-            <a:endParaRPr lang="en-GB" dirty="0">
-              <a:solidFill>
-                <a:schemeClr val="accent3">
-                  <a:lumMod val="50000"/>
-                </a:schemeClr>
               </a:solidFill>
             </a:endParaRPr>
           </a:p>
@@ -17208,6 +17010,204 @@
           </a:fontRef>
         </p:style>
       </p:cxnSp>
+      <p:sp>
+        <p:nvSpPr>
+          <p:cNvPr id="21" name="TextBox 20">
+            <a:extLst>
+              <a:ext uri="{FF2B5EF4-FFF2-40B4-BE49-F238E27FC236}">
+                <a16:creationId xmlns:a16="http://schemas.microsoft.com/office/drawing/2014/main" id="{76429BB6-556F-46CF-8743-5ACF2122AD0A}"/>
+              </a:ext>
+            </a:extLst>
+          </p:cNvPr>
+          <p:cNvSpPr txBox="1"/>
+          <p:nvPr/>
+        </p:nvSpPr>
+        <p:spPr>
+          <a:xfrm>
+            <a:off x="609600" y="928670"/>
+            <a:ext cx="6934200" cy="2031325"/>
+          </a:xfrm>
+          <a:prstGeom prst="rect">
+            <a:avLst/>
+          </a:prstGeom>
+          <a:noFill/>
+        </p:spPr>
+        <p:txBody>
+          <a:bodyPr wrap="square" rtlCol="0">
+            <a:spAutoFit/>
+          </a:bodyPr>
+          <a:lstStyle/>
+          <a:p>
+            <a:r>
+              <a:rPr lang="en-GB" dirty="0">
+                <a:solidFill>
+                  <a:schemeClr val="bg1"/>
+                </a:solidFill>
+              </a:rPr>
+              <a:t>push 0x0	</a:t>
+            </a:r>
+            <a:r>
+              <a:rPr lang="en-GB" sz="1400" dirty="0">
+                <a:solidFill>
+                  <a:schemeClr val="accent3">
+                    <a:lumMod val="50000"/>
+                  </a:schemeClr>
+                </a:solidFill>
+              </a:rPr>
+              <a:t>; push 0x0 on the stack</a:t>
+            </a:r>
+            <a:endParaRPr lang="en-GB" dirty="0">
+              <a:solidFill>
+                <a:schemeClr val="bg1"/>
+              </a:solidFill>
+            </a:endParaRPr>
+          </a:p>
+          <a:p>
+            <a:r>
+              <a:rPr lang="en-GB" dirty="0">
+                <a:solidFill>
+                  <a:schemeClr val="bg1"/>
+                </a:solidFill>
+              </a:rPr>
+              <a:t>push 0x1	</a:t>
+            </a:r>
+            <a:r>
+              <a:rPr lang="en-GB" sz="1400" dirty="0">
+                <a:solidFill>
+                  <a:schemeClr val="accent3">
+                    <a:lumMod val="50000"/>
+                  </a:schemeClr>
+                </a:solidFill>
+              </a:rPr>
+              <a:t>; push 0x1 on the stack</a:t>
+            </a:r>
+          </a:p>
+          <a:p>
+            <a:r>
+              <a:rPr lang="en-GB" dirty="0">
+                <a:solidFill>
+                  <a:schemeClr val="bg1"/>
+                </a:solidFill>
+              </a:rPr>
+              <a:t>push 0x2	</a:t>
+            </a:r>
+            <a:r>
+              <a:rPr lang="en-GB" sz="1400" dirty="0">
+                <a:solidFill>
+                  <a:schemeClr val="accent3">
+                    <a:lumMod val="50000"/>
+                  </a:schemeClr>
+                </a:solidFill>
+              </a:rPr>
+              <a:t>; push 0x2 on the stack</a:t>
+            </a:r>
+            <a:endParaRPr lang="en-GB" sz="1400" dirty="0">
+              <a:solidFill>
+                <a:schemeClr val="bg1"/>
+              </a:solidFill>
+            </a:endParaRPr>
+          </a:p>
+          <a:p>
+            <a:r>
+              <a:rPr lang="en-GB" dirty="0">
+                <a:solidFill>
+                  <a:schemeClr val="bg1"/>
+                </a:solidFill>
+              </a:rPr>
+              <a:t>push 0x3	</a:t>
+            </a:r>
+            <a:r>
+              <a:rPr lang="en-GB" sz="1400" dirty="0">
+                <a:solidFill>
+                  <a:schemeClr val="accent3">
+                    <a:lumMod val="50000"/>
+                  </a:schemeClr>
+                </a:solidFill>
+              </a:rPr>
+              <a:t>; push 0x3 on the stack</a:t>
+            </a:r>
+            <a:endParaRPr lang="en-GB" dirty="0">
+              <a:solidFill>
+                <a:schemeClr val="bg1"/>
+              </a:solidFill>
+            </a:endParaRPr>
+          </a:p>
+          <a:p>
+            <a:r>
+              <a:rPr lang="en-GB" dirty="0">
+                <a:solidFill>
+                  <a:schemeClr val="bg1"/>
+                </a:solidFill>
+              </a:rPr>
+              <a:t>add 	</a:t>
+            </a:r>
+            <a:r>
+              <a:rPr lang="en-GB" sz="1400" dirty="0">
+                <a:solidFill>
+                  <a:schemeClr val="accent3">
+                    <a:lumMod val="50000"/>
+                  </a:schemeClr>
+                </a:solidFill>
+              </a:rPr>
+              <a:t>; pop two values, perform an addition, then push the result</a:t>
+            </a:r>
+          </a:p>
+          <a:p>
+            <a:r>
+              <a:rPr lang="en-GB" dirty="0">
+                <a:solidFill>
+                  <a:schemeClr val="bg1"/>
+                </a:solidFill>
+              </a:rPr>
+              <a:t>add 	</a:t>
+            </a:r>
+            <a:r>
+              <a:rPr lang="en-GB" sz="1400" dirty="0">
+                <a:solidFill>
+                  <a:schemeClr val="accent3">
+                    <a:lumMod val="50000"/>
+                  </a:schemeClr>
+                </a:solidFill>
+              </a:rPr>
+              <a:t>; pop two values, perform an addition, then push the result</a:t>
+            </a:r>
+            <a:endParaRPr lang="en-GB" dirty="0">
+              <a:solidFill>
+                <a:schemeClr val="accent3">
+                  <a:lumMod val="50000"/>
+                </a:schemeClr>
+              </a:solidFill>
+            </a:endParaRPr>
+          </a:p>
+          <a:p>
+            <a:r>
+              <a:rPr lang="en-GB" dirty="0">
+                <a:solidFill>
+                  <a:schemeClr val="bg1"/>
+                </a:solidFill>
+              </a:rPr>
+              <a:t>add 	</a:t>
+            </a:r>
+            <a:r>
+              <a:rPr lang="en-GB" sz="1400" dirty="0">
+                <a:solidFill>
+                  <a:schemeClr val="accent3">
+                    <a:lumMod val="50000"/>
+                  </a:schemeClr>
+                </a:solidFill>
+              </a:rPr>
+              <a:t>; pop two values, perform an addition, then push the result</a:t>
+            </a:r>
+            <a:endParaRPr lang="en-GB" dirty="0">
+              <a:solidFill>
+                <a:schemeClr val="accent3">
+                  <a:lumMod val="50000"/>
+                </a:schemeClr>
+              </a:solidFill>
+            </a:endParaRPr>
+          </a:p>
+        </p:txBody>
+      </p:sp>
     </p:spTree>
     <p:extLst>
       <p:ext uri="{BB962C8B-B14F-4D97-AF65-F5344CB8AC3E}">
@@ -17632,204 +17632,6 @@
             <a:endParaRPr lang="en-US" dirty="0">
               <a:solidFill>
                 <a:schemeClr val="bg1"/>
-              </a:solidFill>
-            </a:endParaRPr>
-          </a:p>
-        </p:txBody>
-      </p:sp>
-      <p:sp>
-        <p:nvSpPr>
-          <p:cNvPr id="13" name="TextBox 12">
-            <a:extLst>
-              <a:ext uri="{FF2B5EF4-FFF2-40B4-BE49-F238E27FC236}">
-                <a16:creationId xmlns:a16="http://schemas.microsoft.com/office/drawing/2014/main" id="{15267C53-BA1B-48E1-9221-57248D42053E}"/>
-              </a:ext>
-            </a:extLst>
-          </p:cNvPr>
-          <p:cNvSpPr txBox="1"/>
-          <p:nvPr/>
-        </p:nvSpPr>
-        <p:spPr>
-          <a:xfrm>
-            <a:off x="609600" y="928670"/>
-            <a:ext cx="6934200" cy="2031325"/>
-          </a:xfrm>
-          <a:prstGeom prst="rect">
-            <a:avLst/>
-          </a:prstGeom>
-          <a:noFill/>
-        </p:spPr>
-        <p:txBody>
-          <a:bodyPr wrap="square" rtlCol="0">
-            <a:spAutoFit/>
-          </a:bodyPr>
-          <a:lstStyle/>
-          <a:p>
-            <a:r>
-              <a:rPr lang="en-GB" dirty="0">
-                <a:solidFill>
-                  <a:schemeClr val="bg1"/>
-                </a:solidFill>
-              </a:rPr>
-              <a:t>push 0x0	</a:t>
-            </a:r>
-            <a:r>
-              <a:rPr lang="en-GB" sz="1400" dirty="0">
-                <a:solidFill>
-                  <a:schemeClr val="accent3">
-                    <a:lumMod val="50000"/>
-                  </a:schemeClr>
-                </a:solidFill>
-              </a:rPr>
-              <a:t>; push 0x0 on the stack</a:t>
-            </a:r>
-            <a:endParaRPr lang="en-GB" dirty="0">
-              <a:solidFill>
-                <a:schemeClr val="bg1"/>
-              </a:solidFill>
-            </a:endParaRPr>
-          </a:p>
-          <a:p>
-            <a:r>
-              <a:rPr lang="en-GB" dirty="0">
-                <a:solidFill>
-                  <a:schemeClr val="bg1"/>
-                </a:solidFill>
-              </a:rPr>
-              <a:t>push 0x1	</a:t>
-            </a:r>
-            <a:r>
-              <a:rPr lang="en-GB" sz="1400" dirty="0">
-                <a:solidFill>
-                  <a:schemeClr val="accent3">
-                    <a:lumMod val="50000"/>
-                  </a:schemeClr>
-                </a:solidFill>
-              </a:rPr>
-              <a:t>; push 0x1 on the stack</a:t>
-            </a:r>
-          </a:p>
-          <a:p>
-            <a:r>
-              <a:rPr lang="en-GB" dirty="0">
-                <a:solidFill>
-                  <a:schemeClr val="bg1"/>
-                </a:solidFill>
-              </a:rPr>
-              <a:t>push 0x2	</a:t>
-            </a:r>
-            <a:r>
-              <a:rPr lang="en-GB" sz="1400" dirty="0">
-                <a:solidFill>
-                  <a:schemeClr val="accent3">
-                    <a:lumMod val="50000"/>
-                  </a:schemeClr>
-                </a:solidFill>
-              </a:rPr>
-              <a:t>; push 0x4 on the stack</a:t>
-            </a:r>
-            <a:endParaRPr lang="en-GB" sz="1400" dirty="0">
-              <a:solidFill>
-                <a:schemeClr val="bg1"/>
-              </a:solidFill>
-            </a:endParaRPr>
-          </a:p>
-          <a:p>
-            <a:r>
-              <a:rPr lang="en-GB" dirty="0">
-                <a:solidFill>
-                  <a:schemeClr val="bg1"/>
-                </a:solidFill>
-              </a:rPr>
-              <a:t>push 0x3	</a:t>
-            </a:r>
-            <a:r>
-              <a:rPr lang="en-GB" sz="1400" dirty="0">
-                <a:solidFill>
-                  <a:schemeClr val="accent3">
-                    <a:lumMod val="50000"/>
-                  </a:schemeClr>
-                </a:solidFill>
-              </a:rPr>
-              <a:t>; push 0x3 on the stack</a:t>
-            </a:r>
-            <a:endParaRPr lang="en-GB" dirty="0">
-              <a:solidFill>
-                <a:schemeClr val="bg1"/>
-              </a:solidFill>
-            </a:endParaRPr>
-          </a:p>
-          <a:p>
-            <a:r>
-              <a:rPr lang="en-GB" dirty="0">
-                <a:solidFill>
-                  <a:schemeClr val="bg1"/>
-                </a:solidFill>
-              </a:rPr>
-              <a:t>add 	</a:t>
-            </a:r>
-            <a:r>
-              <a:rPr lang="en-GB" sz="1400" dirty="0">
-                <a:solidFill>
-                  <a:schemeClr val="accent3">
-                    <a:lumMod val="50000"/>
-                  </a:schemeClr>
-                </a:solidFill>
-              </a:rPr>
-              <a:t>; pop two values, perform an addition, then push the result</a:t>
-            </a:r>
-          </a:p>
-          <a:p>
-            <a:r>
-              <a:rPr lang="en-GB" dirty="0">
-                <a:solidFill>
-                  <a:schemeClr val="bg1"/>
-                </a:solidFill>
-              </a:rPr>
-              <a:t>add 	</a:t>
-            </a:r>
-            <a:r>
-              <a:rPr lang="en-GB" sz="1400" dirty="0">
-                <a:solidFill>
-                  <a:schemeClr val="accent3">
-                    <a:lumMod val="50000"/>
-                  </a:schemeClr>
-                </a:solidFill>
-              </a:rPr>
-              <a:t>; pop two values, perform an addition, then push the result</a:t>
-            </a:r>
-            <a:endParaRPr lang="en-GB" dirty="0">
-              <a:solidFill>
-                <a:schemeClr val="accent3">
-                  <a:lumMod val="50000"/>
-                </a:schemeClr>
-              </a:solidFill>
-            </a:endParaRPr>
-          </a:p>
-          <a:p>
-            <a:r>
-              <a:rPr lang="en-GB" dirty="0">
-                <a:solidFill>
-                  <a:schemeClr val="bg1"/>
-                </a:solidFill>
-              </a:rPr>
-              <a:t>add 	</a:t>
-            </a:r>
-            <a:r>
-              <a:rPr lang="en-GB" sz="1400" dirty="0">
-                <a:solidFill>
-                  <a:schemeClr val="accent3">
-                    <a:lumMod val="50000"/>
-                  </a:schemeClr>
-                </a:solidFill>
-              </a:rPr>
-              <a:t>; pop two values, perform an addition, then push the result</a:t>
-            </a:r>
-            <a:endParaRPr lang="en-GB" dirty="0">
-              <a:solidFill>
-                <a:schemeClr val="accent3">
-                  <a:lumMod val="50000"/>
-                </a:schemeClr>
               </a:solidFill>
             </a:endParaRPr>
           </a:p>
@@ -18304,6 +18106,204 @@
           </a:fontRef>
         </p:style>
       </p:cxnSp>
+      <p:sp>
+        <p:nvSpPr>
+          <p:cNvPr id="21" name="TextBox 20">
+            <a:extLst>
+              <a:ext uri="{FF2B5EF4-FFF2-40B4-BE49-F238E27FC236}">
+                <a16:creationId xmlns:a16="http://schemas.microsoft.com/office/drawing/2014/main" id="{4178A0C2-95E1-48DD-BF4E-FD431C7B9D1C}"/>
+              </a:ext>
+            </a:extLst>
+          </p:cNvPr>
+          <p:cNvSpPr txBox="1"/>
+          <p:nvPr/>
+        </p:nvSpPr>
+        <p:spPr>
+          <a:xfrm>
+            <a:off x="609600" y="928670"/>
+            <a:ext cx="6934200" cy="2031325"/>
+          </a:xfrm>
+          <a:prstGeom prst="rect">
+            <a:avLst/>
+          </a:prstGeom>
+          <a:noFill/>
+        </p:spPr>
+        <p:txBody>
+          <a:bodyPr wrap="square" rtlCol="0">
+            <a:spAutoFit/>
+          </a:bodyPr>
+          <a:lstStyle/>
+          <a:p>
+            <a:r>
+              <a:rPr lang="en-GB" dirty="0">
+                <a:solidFill>
+                  <a:schemeClr val="bg1"/>
+                </a:solidFill>
+              </a:rPr>
+              <a:t>push 0x0	</a:t>
+            </a:r>
+            <a:r>
+              <a:rPr lang="en-GB" sz="1400" dirty="0">
+                <a:solidFill>
+                  <a:schemeClr val="accent3">
+                    <a:lumMod val="50000"/>
+                  </a:schemeClr>
+                </a:solidFill>
+              </a:rPr>
+              <a:t>; push 0x0 on the stack</a:t>
+            </a:r>
+            <a:endParaRPr lang="en-GB" dirty="0">
+              <a:solidFill>
+                <a:schemeClr val="bg1"/>
+              </a:solidFill>
+            </a:endParaRPr>
+          </a:p>
+          <a:p>
+            <a:r>
+              <a:rPr lang="en-GB" dirty="0">
+                <a:solidFill>
+                  <a:schemeClr val="bg1"/>
+                </a:solidFill>
+              </a:rPr>
+              <a:t>push 0x1	</a:t>
+            </a:r>
+            <a:r>
+              <a:rPr lang="en-GB" sz="1400" dirty="0">
+                <a:solidFill>
+                  <a:schemeClr val="accent3">
+                    <a:lumMod val="50000"/>
+                  </a:schemeClr>
+                </a:solidFill>
+              </a:rPr>
+              <a:t>; push 0x1 on the stack</a:t>
+            </a:r>
+          </a:p>
+          <a:p>
+            <a:r>
+              <a:rPr lang="en-GB" dirty="0">
+                <a:solidFill>
+                  <a:schemeClr val="bg1"/>
+                </a:solidFill>
+              </a:rPr>
+              <a:t>push 0x2	</a:t>
+            </a:r>
+            <a:r>
+              <a:rPr lang="en-GB" sz="1400" dirty="0">
+                <a:solidFill>
+                  <a:schemeClr val="accent3">
+                    <a:lumMod val="50000"/>
+                  </a:schemeClr>
+                </a:solidFill>
+              </a:rPr>
+              <a:t>; push 0x2 on the stack</a:t>
+            </a:r>
+            <a:endParaRPr lang="en-GB" sz="1400" dirty="0">
+              <a:solidFill>
+                <a:schemeClr val="bg1"/>
+              </a:solidFill>
+            </a:endParaRPr>
+          </a:p>
+          <a:p>
+            <a:r>
+              <a:rPr lang="en-GB" dirty="0">
+                <a:solidFill>
+                  <a:schemeClr val="bg1"/>
+                </a:solidFill>
+              </a:rPr>
+              <a:t>push 0x3	</a:t>
+            </a:r>
+            <a:r>
+              <a:rPr lang="en-GB" sz="1400" dirty="0">
+                <a:solidFill>
+                  <a:schemeClr val="accent3">
+                    <a:lumMod val="50000"/>
+                  </a:schemeClr>
+                </a:solidFill>
+              </a:rPr>
+              <a:t>; push 0x3 on the stack</a:t>
+            </a:r>
+            <a:endParaRPr lang="en-GB" dirty="0">
+              <a:solidFill>
+                <a:schemeClr val="bg1"/>
+              </a:solidFill>
+            </a:endParaRPr>
+          </a:p>
+          <a:p>
+            <a:r>
+              <a:rPr lang="en-GB" dirty="0">
+                <a:solidFill>
+                  <a:schemeClr val="bg1"/>
+                </a:solidFill>
+              </a:rPr>
+              <a:t>add 	</a:t>
+            </a:r>
+            <a:r>
+              <a:rPr lang="en-GB" sz="1400" dirty="0">
+                <a:solidFill>
+                  <a:schemeClr val="accent3">
+                    <a:lumMod val="50000"/>
+                  </a:schemeClr>
+                </a:solidFill>
+              </a:rPr>
+              <a:t>; pop two values, perform an addition, then push the result</a:t>
+            </a:r>
+          </a:p>
+          <a:p>
+            <a:r>
+              <a:rPr lang="en-GB" dirty="0">
+                <a:solidFill>
+                  <a:schemeClr val="bg1"/>
+                </a:solidFill>
+              </a:rPr>
+              <a:t>add 	</a:t>
+            </a:r>
+            <a:r>
+              <a:rPr lang="en-GB" sz="1400" dirty="0">
+                <a:solidFill>
+                  <a:schemeClr val="accent3">
+                    <a:lumMod val="50000"/>
+                  </a:schemeClr>
+                </a:solidFill>
+              </a:rPr>
+              <a:t>; pop two values, perform an addition, then push the result</a:t>
+            </a:r>
+            <a:endParaRPr lang="en-GB" dirty="0">
+              <a:solidFill>
+                <a:schemeClr val="accent3">
+                  <a:lumMod val="50000"/>
+                </a:schemeClr>
+              </a:solidFill>
+            </a:endParaRPr>
+          </a:p>
+          <a:p>
+            <a:r>
+              <a:rPr lang="en-GB" dirty="0">
+                <a:solidFill>
+                  <a:schemeClr val="bg1"/>
+                </a:solidFill>
+              </a:rPr>
+              <a:t>add 	</a:t>
+            </a:r>
+            <a:r>
+              <a:rPr lang="en-GB" sz="1400" dirty="0">
+                <a:solidFill>
+                  <a:schemeClr val="accent3">
+                    <a:lumMod val="50000"/>
+                  </a:schemeClr>
+                </a:solidFill>
+              </a:rPr>
+              <a:t>; pop two values, perform an addition, then push the result</a:t>
+            </a:r>
+            <a:endParaRPr lang="en-GB" dirty="0">
+              <a:solidFill>
+                <a:schemeClr val="accent3">
+                  <a:lumMod val="50000"/>
+                </a:schemeClr>
+              </a:solidFill>
+            </a:endParaRPr>
+          </a:p>
+        </p:txBody>
+      </p:sp>
     </p:spTree>
     <p:extLst>
       <p:ext uri="{BB962C8B-B14F-4D97-AF65-F5344CB8AC3E}">
@@ -18728,204 +18728,6 @@
             <a:endParaRPr lang="en-US" dirty="0">
               <a:solidFill>
                 <a:schemeClr val="bg1"/>
-              </a:solidFill>
-            </a:endParaRPr>
-          </a:p>
-        </p:txBody>
-      </p:sp>
-      <p:sp>
-        <p:nvSpPr>
-          <p:cNvPr id="13" name="TextBox 12">
-            <a:extLst>
-              <a:ext uri="{FF2B5EF4-FFF2-40B4-BE49-F238E27FC236}">
-                <a16:creationId xmlns:a16="http://schemas.microsoft.com/office/drawing/2014/main" id="{15267C53-BA1B-48E1-9221-57248D42053E}"/>
-              </a:ext>
-            </a:extLst>
-          </p:cNvPr>
-          <p:cNvSpPr txBox="1"/>
-          <p:nvPr/>
-        </p:nvSpPr>
-        <p:spPr>
-          <a:xfrm>
-            <a:off x="609600" y="928670"/>
-            <a:ext cx="6934200" cy="2031325"/>
-          </a:xfrm>
-          <a:prstGeom prst="rect">
-            <a:avLst/>
-          </a:prstGeom>
-          <a:noFill/>
-        </p:spPr>
-        <p:txBody>
-          <a:bodyPr wrap="square" rtlCol="0">
-            <a:spAutoFit/>
-          </a:bodyPr>
-          <a:lstStyle/>
-          <a:p>
-            <a:r>
-              <a:rPr lang="en-GB" dirty="0">
-                <a:solidFill>
-                  <a:schemeClr val="bg1"/>
-                </a:solidFill>
-              </a:rPr>
-              <a:t>push 0x0	</a:t>
-            </a:r>
-            <a:r>
-              <a:rPr lang="en-GB" sz="1400" dirty="0">
-                <a:solidFill>
-                  <a:schemeClr val="accent3">
-                    <a:lumMod val="50000"/>
-                  </a:schemeClr>
-                </a:solidFill>
-              </a:rPr>
-              <a:t>; push 0x0 on the stack</a:t>
-            </a:r>
-            <a:endParaRPr lang="en-GB" dirty="0">
-              <a:solidFill>
-                <a:schemeClr val="bg1"/>
-              </a:solidFill>
-            </a:endParaRPr>
-          </a:p>
-          <a:p>
-            <a:r>
-              <a:rPr lang="en-GB" dirty="0">
-                <a:solidFill>
-                  <a:schemeClr val="bg1"/>
-                </a:solidFill>
-              </a:rPr>
-              <a:t>push 0x1	</a:t>
-            </a:r>
-            <a:r>
-              <a:rPr lang="en-GB" sz="1400" dirty="0">
-                <a:solidFill>
-                  <a:schemeClr val="accent3">
-                    <a:lumMod val="50000"/>
-                  </a:schemeClr>
-                </a:solidFill>
-              </a:rPr>
-              <a:t>; push 0x1 on the stack</a:t>
-            </a:r>
-          </a:p>
-          <a:p>
-            <a:r>
-              <a:rPr lang="en-GB" dirty="0">
-                <a:solidFill>
-                  <a:schemeClr val="bg1"/>
-                </a:solidFill>
-              </a:rPr>
-              <a:t>push 0x2	</a:t>
-            </a:r>
-            <a:r>
-              <a:rPr lang="en-GB" sz="1400" dirty="0">
-                <a:solidFill>
-                  <a:schemeClr val="accent3">
-                    <a:lumMod val="50000"/>
-                  </a:schemeClr>
-                </a:solidFill>
-              </a:rPr>
-              <a:t>; push 0x4 on the stack</a:t>
-            </a:r>
-            <a:endParaRPr lang="en-GB" sz="1400" dirty="0">
-              <a:solidFill>
-                <a:schemeClr val="bg1"/>
-              </a:solidFill>
-            </a:endParaRPr>
-          </a:p>
-          <a:p>
-            <a:r>
-              <a:rPr lang="en-GB" dirty="0">
-                <a:solidFill>
-                  <a:schemeClr val="bg1"/>
-                </a:solidFill>
-              </a:rPr>
-              <a:t>push 0x3	</a:t>
-            </a:r>
-            <a:r>
-              <a:rPr lang="en-GB" sz="1400" dirty="0">
-                <a:solidFill>
-                  <a:schemeClr val="accent3">
-                    <a:lumMod val="50000"/>
-                  </a:schemeClr>
-                </a:solidFill>
-              </a:rPr>
-              <a:t>; push 0x3 on the stack</a:t>
-            </a:r>
-            <a:endParaRPr lang="en-GB" dirty="0">
-              <a:solidFill>
-                <a:schemeClr val="bg1"/>
-              </a:solidFill>
-            </a:endParaRPr>
-          </a:p>
-          <a:p>
-            <a:r>
-              <a:rPr lang="en-GB" dirty="0">
-                <a:solidFill>
-                  <a:schemeClr val="bg1"/>
-                </a:solidFill>
-              </a:rPr>
-              <a:t>add 	</a:t>
-            </a:r>
-            <a:r>
-              <a:rPr lang="en-GB" sz="1400" dirty="0">
-                <a:solidFill>
-                  <a:schemeClr val="accent3">
-                    <a:lumMod val="50000"/>
-                  </a:schemeClr>
-                </a:solidFill>
-              </a:rPr>
-              <a:t>; pop two values, perform an addition, then push the result</a:t>
-            </a:r>
-          </a:p>
-          <a:p>
-            <a:r>
-              <a:rPr lang="en-GB" dirty="0">
-                <a:solidFill>
-                  <a:schemeClr val="bg1"/>
-                </a:solidFill>
-              </a:rPr>
-              <a:t>add 	</a:t>
-            </a:r>
-            <a:r>
-              <a:rPr lang="en-GB" sz="1400" dirty="0">
-                <a:solidFill>
-                  <a:schemeClr val="accent3">
-                    <a:lumMod val="50000"/>
-                  </a:schemeClr>
-                </a:solidFill>
-              </a:rPr>
-              <a:t>; pop two values, perform an addition, then push the result</a:t>
-            </a:r>
-            <a:endParaRPr lang="en-GB" dirty="0">
-              <a:solidFill>
-                <a:schemeClr val="accent3">
-                  <a:lumMod val="50000"/>
-                </a:schemeClr>
-              </a:solidFill>
-            </a:endParaRPr>
-          </a:p>
-          <a:p>
-            <a:r>
-              <a:rPr lang="en-GB" dirty="0">
-                <a:solidFill>
-                  <a:schemeClr val="bg1"/>
-                </a:solidFill>
-              </a:rPr>
-              <a:t>add 	</a:t>
-            </a:r>
-            <a:r>
-              <a:rPr lang="en-GB" sz="1400" dirty="0">
-                <a:solidFill>
-                  <a:schemeClr val="accent3">
-                    <a:lumMod val="50000"/>
-                  </a:schemeClr>
-                </a:solidFill>
-              </a:rPr>
-              <a:t>; pop two values, perform an addition, then push the result</a:t>
-            </a:r>
-            <a:endParaRPr lang="en-GB" dirty="0">
-              <a:solidFill>
-                <a:schemeClr val="accent3">
-                  <a:lumMod val="50000"/>
-                </a:schemeClr>
               </a:solidFill>
             </a:endParaRPr>
           </a:p>
@@ -19449,6 +19251,204 @@
           </a:fontRef>
         </p:style>
       </p:cxnSp>
+      <p:sp>
+        <p:nvSpPr>
+          <p:cNvPr id="21" name="TextBox 20">
+            <a:extLst>
+              <a:ext uri="{FF2B5EF4-FFF2-40B4-BE49-F238E27FC236}">
+                <a16:creationId xmlns:a16="http://schemas.microsoft.com/office/drawing/2014/main" id="{A0AB805C-C70A-49D7-AED2-0DA9EBEEC0C6}"/>
+              </a:ext>
+            </a:extLst>
+          </p:cNvPr>
+          <p:cNvSpPr txBox="1"/>
+          <p:nvPr/>
+        </p:nvSpPr>
+        <p:spPr>
+          <a:xfrm>
+            <a:off x="609600" y="928670"/>
+            <a:ext cx="6934200" cy="2031325"/>
+          </a:xfrm>
+          <a:prstGeom prst="rect">
+            <a:avLst/>
+          </a:prstGeom>
+          <a:noFill/>
+        </p:spPr>
+        <p:txBody>
+          <a:bodyPr wrap="square" rtlCol="0">
+            <a:spAutoFit/>
+          </a:bodyPr>
+          <a:lstStyle/>
+          <a:p>
+            <a:r>
+              <a:rPr lang="en-GB" dirty="0">
+                <a:solidFill>
+                  <a:schemeClr val="bg1"/>
+                </a:solidFill>
+              </a:rPr>
+              <a:t>push 0x0	</a:t>
+            </a:r>
+            <a:r>
+              <a:rPr lang="en-GB" sz="1400" dirty="0">
+                <a:solidFill>
+                  <a:schemeClr val="accent3">
+                    <a:lumMod val="50000"/>
+                  </a:schemeClr>
+                </a:solidFill>
+              </a:rPr>
+              <a:t>; push 0x0 on the stack</a:t>
+            </a:r>
+            <a:endParaRPr lang="en-GB" dirty="0">
+              <a:solidFill>
+                <a:schemeClr val="bg1"/>
+              </a:solidFill>
+            </a:endParaRPr>
+          </a:p>
+          <a:p>
+            <a:r>
+              <a:rPr lang="en-GB" dirty="0">
+                <a:solidFill>
+                  <a:schemeClr val="bg1"/>
+                </a:solidFill>
+              </a:rPr>
+              <a:t>push 0x1	</a:t>
+            </a:r>
+            <a:r>
+              <a:rPr lang="en-GB" sz="1400" dirty="0">
+                <a:solidFill>
+                  <a:schemeClr val="accent3">
+                    <a:lumMod val="50000"/>
+                  </a:schemeClr>
+                </a:solidFill>
+              </a:rPr>
+              <a:t>; push 0x1 on the stack</a:t>
+            </a:r>
+          </a:p>
+          <a:p>
+            <a:r>
+              <a:rPr lang="en-GB" dirty="0">
+                <a:solidFill>
+                  <a:schemeClr val="bg1"/>
+                </a:solidFill>
+              </a:rPr>
+              <a:t>push 0x2	</a:t>
+            </a:r>
+            <a:r>
+              <a:rPr lang="en-GB" sz="1400" dirty="0">
+                <a:solidFill>
+                  <a:schemeClr val="accent3">
+                    <a:lumMod val="50000"/>
+                  </a:schemeClr>
+                </a:solidFill>
+              </a:rPr>
+              <a:t>; push 0x2 on the stack</a:t>
+            </a:r>
+            <a:endParaRPr lang="en-GB" sz="1400" dirty="0">
+              <a:solidFill>
+                <a:schemeClr val="bg1"/>
+              </a:solidFill>
+            </a:endParaRPr>
+          </a:p>
+          <a:p>
+            <a:r>
+              <a:rPr lang="en-GB" dirty="0">
+                <a:solidFill>
+                  <a:schemeClr val="bg1"/>
+                </a:solidFill>
+              </a:rPr>
+              <a:t>push 0x3	</a:t>
+            </a:r>
+            <a:r>
+              <a:rPr lang="en-GB" sz="1400" dirty="0">
+                <a:solidFill>
+                  <a:schemeClr val="accent3">
+                    <a:lumMod val="50000"/>
+                  </a:schemeClr>
+                </a:solidFill>
+              </a:rPr>
+              <a:t>; push 0x3 on the stack</a:t>
+            </a:r>
+            <a:endParaRPr lang="en-GB" dirty="0">
+              <a:solidFill>
+                <a:schemeClr val="bg1"/>
+              </a:solidFill>
+            </a:endParaRPr>
+          </a:p>
+          <a:p>
+            <a:r>
+              <a:rPr lang="en-GB" dirty="0">
+                <a:solidFill>
+                  <a:schemeClr val="bg1"/>
+                </a:solidFill>
+              </a:rPr>
+              <a:t>add 	</a:t>
+            </a:r>
+            <a:r>
+              <a:rPr lang="en-GB" sz="1400" dirty="0">
+                <a:solidFill>
+                  <a:schemeClr val="accent3">
+                    <a:lumMod val="50000"/>
+                  </a:schemeClr>
+                </a:solidFill>
+              </a:rPr>
+              <a:t>; pop two values, perform an addition, then push the result</a:t>
+            </a:r>
+          </a:p>
+          <a:p>
+            <a:r>
+              <a:rPr lang="en-GB" dirty="0">
+                <a:solidFill>
+                  <a:schemeClr val="bg1"/>
+                </a:solidFill>
+              </a:rPr>
+              <a:t>add 	</a:t>
+            </a:r>
+            <a:r>
+              <a:rPr lang="en-GB" sz="1400" dirty="0">
+                <a:solidFill>
+                  <a:schemeClr val="accent3">
+                    <a:lumMod val="50000"/>
+                  </a:schemeClr>
+                </a:solidFill>
+              </a:rPr>
+              <a:t>; pop two values, perform an addition, then push the result</a:t>
+            </a:r>
+            <a:endParaRPr lang="en-GB" dirty="0">
+              <a:solidFill>
+                <a:schemeClr val="accent3">
+                  <a:lumMod val="50000"/>
+                </a:schemeClr>
+              </a:solidFill>
+            </a:endParaRPr>
+          </a:p>
+          <a:p>
+            <a:r>
+              <a:rPr lang="en-GB" dirty="0">
+                <a:solidFill>
+                  <a:schemeClr val="bg1"/>
+                </a:solidFill>
+              </a:rPr>
+              <a:t>add 	</a:t>
+            </a:r>
+            <a:r>
+              <a:rPr lang="en-GB" sz="1400" dirty="0">
+                <a:solidFill>
+                  <a:schemeClr val="accent3">
+                    <a:lumMod val="50000"/>
+                  </a:schemeClr>
+                </a:solidFill>
+              </a:rPr>
+              <a:t>; pop two values, perform an addition, then push the result</a:t>
+            </a:r>
+            <a:endParaRPr lang="en-GB" dirty="0">
+              <a:solidFill>
+                <a:schemeClr val="accent3">
+                  <a:lumMod val="50000"/>
+                </a:schemeClr>
+              </a:solidFill>
+            </a:endParaRPr>
+          </a:p>
+        </p:txBody>
+      </p:sp>
     </p:spTree>
     <p:extLst>
       <p:ext uri="{BB962C8B-B14F-4D97-AF65-F5344CB8AC3E}">
@@ -19873,204 +19873,6 @@
             <a:endParaRPr lang="en-US" dirty="0">
               <a:solidFill>
                 <a:schemeClr val="bg1"/>
-              </a:solidFill>
-            </a:endParaRPr>
-          </a:p>
-        </p:txBody>
-      </p:sp>
-      <p:sp>
-        <p:nvSpPr>
-          <p:cNvPr id="13" name="TextBox 12">
-            <a:extLst>
-              <a:ext uri="{FF2B5EF4-FFF2-40B4-BE49-F238E27FC236}">
-                <a16:creationId xmlns:a16="http://schemas.microsoft.com/office/drawing/2014/main" id="{15267C53-BA1B-48E1-9221-57248D42053E}"/>
-              </a:ext>
-            </a:extLst>
-          </p:cNvPr>
-          <p:cNvSpPr txBox="1"/>
-          <p:nvPr/>
-        </p:nvSpPr>
-        <p:spPr>
-          <a:xfrm>
-            <a:off x="609600" y="928670"/>
-            <a:ext cx="6934200" cy="2031325"/>
-          </a:xfrm>
-          <a:prstGeom prst="rect">
-            <a:avLst/>
-          </a:prstGeom>
-          <a:noFill/>
-        </p:spPr>
-        <p:txBody>
-          <a:bodyPr wrap="square" rtlCol="0">
-            <a:spAutoFit/>
-          </a:bodyPr>
-          <a:lstStyle/>
-          <a:p>
-            <a:r>
-              <a:rPr lang="en-GB" dirty="0">
-                <a:solidFill>
-                  <a:schemeClr val="bg1"/>
-                </a:solidFill>
-              </a:rPr>
-              <a:t>push 0x0	</a:t>
-            </a:r>
-            <a:r>
-              <a:rPr lang="en-GB" sz="1400" dirty="0">
-                <a:solidFill>
-                  <a:schemeClr val="accent3">
-                    <a:lumMod val="50000"/>
-                  </a:schemeClr>
-                </a:solidFill>
-              </a:rPr>
-              <a:t>; push 0x0 on the stack</a:t>
-            </a:r>
-            <a:endParaRPr lang="en-GB" dirty="0">
-              <a:solidFill>
-                <a:schemeClr val="bg1"/>
-              </a:solidFill>
-            </a:endParaRPr>
-          </a:p>
-          <a:p>
-            <a:r>
-              <a:rPr lang="en-GB" dirty="0">
-                <a:solidFill>
-                  <a:schemeClr val="bg1"/>
-                </a:solidFill>
-              </a:rPr>
-              <a:t>push 0x1	</a:t>
-            </a:r>
-            <a:r>
-              <a:rPr lang="en-GB" sz="1400" dirty="0">
-                <a:solidFill>
-                  <a:schemeClr val="accent3">
-                    <a:lumMod val="50000"/>
-                  </a:schemeClr>
-                </a:solidFill>
-              </a:rPr>
-              <a:t>; push 0x1 on the stack</a:t>
-            </a:r>
-          </a:p>
-          <a:p>
-            <a:r>
-              <a:rPr lang="en-GB" dirty="0">
-                <a:solidFill>
-                  <a:schemeClr val="bg1"/>
-                </a:solidFill>
-              </a:rPr>
-              <a:t>push 0x2	</a:t>
-            </a:r>
-            <a:r>
-              <a:rPr lang="en-GB" sz="1400" dirty="0">
-                <a:solidFill>
-                  <a:schemeClr val="accent3">
-                    <a:lumMod val="50000"/>
-                  </a:schemeClr>
-                </a:solidFill>
-              </a:rPr>
-              <a:t>; push 0x4 on the stack</a:t>
-            </a:r>
-            <a:endParaRPr lang="en-GB" sz="1400" dirty="0">
-              <a:solidFill>
-                <a:schemeClr val="bg1"/>
-              </a:solidFill>
-            </a:endParaRPr>
-          </a:p>
-          <a:p>
-            <a:r>
-              <a:rPr lang="en-GB" dirty="0">
-                <a:solidFill>
-                  <a:schemeClr val="bg1"/>
-                </a:solidFill>
-              </a:rPr>
-              <a:t>push 0x3	</a:t>
-            </a:r>
-            <a:r>
-              <a:rPr lang="en-GB" sz="1400" dirty="0">
-                <a:solidFill>
-                  <a:schemeClr val="accent3">
-                    <a:lumMod val="50000"/>
-                  </a:schemeClr>
-                </a:solidFill>
-              </a:rPr>
-              <a:t>; push 0x3 on the stack</a:t>
-            </a:r>
-            <a:endParaRPr lang="en-GB" dirty="0">
-              <a:solidFill>
-                <a:schemeClr val="bg1"/>
-              </a:solidFill>
-            </a:endParaRPr>
-          </a:p>
-          <a:p>
-            <a:r>
-              <a:rPr lang="en-GB" dirty="0">
-                <a:solidFill>
-                  <a:schemeClr val="bg1"/>
-                </a:solidFill>
-              </a:rPr>
-              <a:t>add 	</a:t>
-            </a:r>
-            <a:r>
-              <a:rPr lang="en-GB" sz="1400" dirty="0">
-                <a:solidFill>
-                  <a:schemeClr val="accent3">
-                    <a:lumMod val="50000"/>
-                  </a:schemeClr>
-                </a:solidFill>
-              </a:rPr>
-              <a:t>; pop two values, perform an addition, then push the result</a:t>
-            </a:r>
-          </a:p>
-          <a:p>
-            <a:r>
-              <a:rPr lang="en-GB" dirty="0">
-                <a:solidFill>
-                  <a:schemeClr val="bg1"/>
-                </a:solidFill>
-              </a:rPr>
-              <a:t>add 	</a:t>
-            </a:r>
-            <a:r>
-              <a:rPr lang="en-GB" sz="1400" dirty="0">
-                <a:solidFill>
-                  <a:schemeClr val="accent3">
-                    <a:lumMod val="50000"/>
-                  </a:schemeClr>
-                </a:solidFill>
-              </a:rPr>
-              <a:t>; pop two values, perform an addition, then push the result</a:t>
-            </a:r>
-            <a:endParaRPr lang="en-GB" dirty="0">
-              <a:solidFill>
-                <a:schemeClr val="accent3">
-                  <a:lumMod val="50000"/>
-                </a:schemeClr>
-              </a:solidFill>
-            </a:endParaRPr>
-          </a:p>
-          <a:p>
-            <a:r>
-              <a:rPr lang="en-GB" dirty="0">
-                <a:solidFill>
-                  <a:schemeClr val="bg1"/>
-                </a:solidFill>
-              </a:rPr>
-              <a:t>add 	</a:t>
-            </a:r>
-            <a:r>
-              <a:rPr lang="en-GB" sz="1400" dirty="0">
-                <a:solidFill>
-                  <a:schemeClr val="accent3">
-                    <a:lumMod val="50000"/>
-                  </a:schemeClr>
-                </a:solidFill>
-              </a:rPr>
-              <a:t>; pop two values, perform an addition, then push the result</a:t>
-            </a:r>
-            <a:endParaRPr lang="en-GB" dirty="0">
-              <a:solidFill>
-                <a:schemeClr val="accent3">
-                  <a:lumMod val="50000"/>
-                </a:schemeClr>
               </a:solidFill>
             </a:endParaRPr>
           </a:p>
@@ -20643,6 +20445,204 @@
           </a:fontRef>
         </p:style>
       </p:cxnSp>
+      <p:sp>
+        <p:nvSpPr>
+          <p:cNvPr id="21" name="TextBox 20">
+            <a:extLst>
+              <a:ext uri="{FF2B5EF4-FFF2-40B4-BE49-F238E27FC236}">
+                <a16:creationId xmlns:a16="http://schemas.microsoft.com/office/drawing/2014/main" id="{0A97962C-ACE0-4EAF-B952-2DF177C2D825}"/>
+              </a:ext>
+            </a:extLst>
+          </p:cNvPr>
+          <p:cNvSpPr txBox="1"/>
+          <p:nvPr/>
+        </p:nvSpPr>
+        <p:spPr>
+          <a:xfrm>
+            <a:off x="609600" y="928670"/>
+            <a:ext cx="6934200" cy="2031325"/>
+          </a:xfrm>
+          <a:prstGeom prst="rect">
+            <a:avLst/>
+          </a:prstGeom>
+          <a:noFill/>
+        </p:spPr>
+        <p:txBody>
+          <a:bodyPr wrap="square" rtlCol="0">
+            <a:spAutoFit/>
+          </a:bodyPr>
+          <a:lstStyle/>
+          <a:p>
+            <a:r>
+              <a:rPr lang="en-GB" dirty="0">
+                <a:solidFill>
+                  <a:schemeClr val="bg1"/>
+                </a:solidFill>
+              </a:rPr>
+              <a:t>push 0x0	</a:t>
+            </a:r>
+            <a:r>
+              <a:rPr lang="en-GB" sz="1400" dirty="0">
+                <a:solidFill>
+                  <a:schemeClr val="accent3">
+                    <a:lumMod val="50000"/>
+                  </a:schemeClr>
+                </a:solidFill>
+              </a:rPr>
+              <a:t>; push 0x0 on the stack</a:t>
+            </a:r>
+            <a:endParaRPr lang="en-GB" dirty="0">
+              <a:solidFill>
+                <a:schemeClr val="bg1"/>
+              </a:solidFill>
+            </a:endParaRPr>
+          </a:p>
+          <a:p>
+            <a:r>
+              <a:rPr lang="en-GB" dirty="0">
+                <a:solidFill>
+                  <a:schemeClr val="bg1"/>
+                </a:solidFill>
+              </a:rPr>
+              <a:t>push 0x1	</a:t>
+            </a:r>
+            <a:r>
+              <a:rPr lang="en-GB" sz="1400" dirty="0">
+                <a:solidFill>
+                  <a:schemeClr val="accent3">
+                    <a:lumMod val="50000"/>
+                  </a:schemeClr>
+                </a:solidFill>
+              </a:rPr>
+              <a:t>; push 0x1 on the stack</a:t>
+            </a:r>
+          </a:p>
+          <a:p>
+            <a:r>
+              <a:rPr lang="en-GB" dirty="0">
+                <a:solidFill>
+                  <a:schemeClr val="bg1"/>
+                </a:solidFill>
+              </a:rPr>
+              <a:t>push 0x2	</a:t>
+            </a:r>
+            <a:r>
+              <a:rPr lang="en-GB" sz="1400" dirty="0">
+                <a:solidFill>
+                  <a:schemeClr val="accent3">
+                    <a:lumMod val="50000"/>
+                  </a:schemeClr>
+                </a:solidFill>
+              </a:rPr>
+              <a:t>; push 0x2 on the stack</a:t>
+            </a:r>
+            <a:endParaRPr lang="en-GB" sz="1400" dirty="0">
+              <a:solidFill>
+                <a:schemeClr val="bg1"/>
+              </a:solidFill>
+            </a:endParaRPr>
+          </a:p>
+          <a:p>
+            <a:r>
+              <a:rPr lang="en-GB" dirty="0">
+                <a:solidFill>
+                  <a:schemeClr val="bg1"/>
+                </a:solidFill>
+              </a:rPr>
+              <a:t>push 0x3	</a:t>
+            </a:r>
+            <a:r>
+              <a:rPr lang="en-GB" sz="1400" dirty="0">
+                <a:solidFill>
+                  <a:schemeClr val="accent3">
+                    <a:lumMod val="50000"/>
+                  </a:schemeClr>
+                </a:solidFill>
+              </a:rPr>
+              <a:t>; push 0x3 on the stack</a:t>
+            </a:r>
+            <a:endParaRPr lang="en-GB" dirty="0">
+              <a:solidFill>
+                <a:schemeClr val="bg1"/>
+              </a:solidFill>
+            </a:endParaRPr>
+          </a:p>
+          <a:p>
+            <a:r>
+              <a:rPr lang="en-GB" dirty="0">
+                <a:solidFill>
+                  <a:schemeClr val="bg1"/>
+                </a:solidFill>
+              </a:rPr>
+              <a:t>add 	</a:t>
+            </a:r>
+            <a:r>
+              <a:rPr lang="en-GB" sz="1400" dirty="0">
+                <a:solidFill>
+                  <a:schemeClr val="accent3">
+                    <a:lumMod val="50000"/>
+                  </a:schemeClr>
+                </a:solidFill>
+              </a:rPr>
+              <a:t>; pop two values, perform an addition, then push the result</a:t>
+            </a:r>
+          </a:p>
+          <a:p>
+            <a:r>
+              <a:rPr lang="en-GB" dirty="0">
+                <a:solidFill>
+                  <a:schemeClr val="bg1"/>
+                </a:solidFill>
+              </a:rPr>
+              <a:t>add 	</a:t>
+            </a:r>
+            <a:r>
+              <a:rPr lang="en-GB" sz="1400" dirty="0">
+                <a:solidFill>
+                  <a:schemeClr val="accent3">
+                    <a:lumMod val="50000"/>
+                  </a:schemeClr>
+                </a:solidFill>
+              </a:rPr>
+              <a:t>; pop two values, perform an addition, then push the result</a:t>
+            </a:r>
+            <a:endParaRPr lang="en-GB" dirty="0">
+              <a:solidFill>
+                <a:schemeClr val="accent3">
+                  <a:lumMod val="50000"/>
+                </a:schemeClr>
+              </a:solidFill>
+            </a:endParaRPr>
+          </a:p>
+          <a:p>
+            <a:r>
+              <a:rPr lang="en-GB" dirty="0">
+                <a:solidFill>
+                  <a:schemeClr val="bg1"/>
+                </a:solidFill>
+              </a:rPr>
+              <a:t>add 	</a:t>
+            </a:r>
+            <a:r>
+              <a:rPr lang="en-GB" sz="1400" dirty="0">
+                <a:solidFill>
+                  <a:schemeClr val="accent3">
+                    <a:lumMod val="50000"/>
+                  </a:schemeClr>
+                </a:solidFill>
+              </a:rPr>
+              <a:t>; pop two values, perform an addition, then push the result</a:t>
+            </a:r>
+            <a:endParaRPr lang="en-GB" dirty="0">
+              <a:solidFill>
+                <a:schemeClr val="accent3">
+                  <a:lumMod val="50000"/>
+                </a:schemeClr>
+              </a:solidFill>
+            </a:endParaRPr>
+          </a:p>
+        </p:txBody>
+      </p:sp>
     </p:spTree>
     <p:extLst>
       <p:ext uri="{BB962C8B-B14F-4D97-AF65-F5344CB8AC3E}">
@@ -21067,204 +21067,6 @@
             <a:endParaRPr lang="en-US" dirty="0">
               <a:solidFill>
                 <a:schemeClr val="bg1"/>
-              </a:solidFill>
-            </a:endParaRPr>
-          </a:p>
-        </p:txBody>
-      </p:sp>
-      <p:sp>
-        <p:nvSpPr>
-          <p:cNvPr id="13" name="TextBox 12">
-            <a:extLst>
-              <a:ext uri="{FF2B5EF4-FFF2-40B4-BE49-F238E27FC236}">
-                <a16:creationId xmlns:a16="http://schemas.microsoft.com/office/drawing/2014/main" id="{15267C53-BA1B-48E1-9221-57248D42053E}"/>
-              </a:ext>
-            </a:extLst>
-          </p:cNvPr>
-          <p:cNvSpPr txBox="1"/>
-          <p:nvPr/>
-        </p:nvSpPr>
-        <p:spPr>
-          <a:xfrm>
-            <a:off x="609600" y="928670"/>
-            <a:ext cx="6934200" cy="2031325"/>
-          </a:xfrm>
-          <a:prstGeom prst="rect">
-            <a:avLst/>
-          </a:prstGeom>
-          <a:noFill/>
-        </p:spPr>
-        <p:txBody>
-          <a:bodyPr wrap="square" rtlCol="0">
-            <a:spAutoFit/>
-          </a:bodyPr>
-          <a:lstStyle/>
-          <a:p>
-            <a:r>
-              <a:rPr lang="en-GB" dirty="0">
-                <a:solidFill>
-                  <a:schemeClr val="bg1"/>
-                </a:solidFill>
-              </a:rPr>
-              <a:t>push 0x0	</a:t>
-            </a:r>
-            <a:r>
-              <a:rPr lang="en-GB" sz="1400" dirty="0">
-                <a:solidFill>
-                  <a:schemeClr val="accent3">
-                    <a:lumMod val="50000"/>
-                  </a:schemeClr>
-                </a:solidFill>
-              </a:rPr>
-              <a:t>; push 0x0 on the stack</a:t>
-            </a:r>
-            <a:endParaRPr lang="en-GB" dirty="0">
-              <a:solidFill>
-                <a:schemeClr val="bg1"/>
-              </a:solidFill>
-            </a:endParaRPr>
-          </a:p>
-          <a:p>
-            <a:r>
-              <a:rPr lang="en-GB" dirty="0">
-                <a:solidFill>
-                  <a:schemeClr val="bg1"/>
-                </a:solidFill>
-              </a:rPr>
-              <a:t>push 0x1	</a:t>
-            </a:r>
-            <a:r>
-              <a:rPr lang="en-GB" sz="1400" dirty="0">
-                <a:solidFill>
-                  <a:schemeClr val="accent3">
-                    <a:lumMod val="50000"/>
-                  </a:schemeClr>
-                </a:solidFill>
-              </a:rPr>
-              <a:t>; push 0x1 on the stack</a:t>
-            </a:r>
-          </a:p>
-          <a:p>
-            <a:r>
-              <a:rPr lang="en-GB" dirty="0">
-                <a:solidFill>
-                  <a:schemeClr val="bg1"/>
-                </a:solidFill>
-              </a:rPr>
-              <a:t>push 0x2	</a:t>
-            </a:r>
-            <a:r>
-              <a:rPr lang="en-GB" sz="1400" dirty="0">
-                <a:solidFill>
-                  <a:schemeClr val="accent3">
-                    <a:lumMod val="50000"/>
-                  </a:schemeClr>
-                </a:solidFill>
-              </a:rPr>
-              <a:t>; push 0x4 on the stack</a:t>
-            </a:r>
-            <a:endParaRPr lang="en-GB" sz="1400" dirty="0">
-              <a:solidFill>
-                <a:schemeClr val="bg1"/>
-              </a:solidFill>
-            </a:endParaRPr>
-          </a:p>
-          <a:p>
-            <a:r>
-              <a:rPr lang="en-GB" dirty="0">
-                <a:solidFill>
-                  <a:schemeClr val="bg1"/>
-                </a:solidFill>
-              </a:rPr>
-              <a:t>push 0x3	</a:t>
-            </a:r>
-            <a:r>
-              <a:rPr lang="en-GB" sz="1400" dirty="0">
-                <a:solidFill>
-                  <a:schemeClr val="accent3">
-                    <a:lumMod val="50000"/>
-                  </a:schemeClr>
-                </a:solidFill>
-              </a:rPr>
-              <a:t>; push 0x3 on the stack</a:t>
-            </a:r>
-            <a:endParaRPr lang="en-GB" dirty="0">
-              <a:solidFill>
-                <a:schemeClr val="bg1"/>
-              </a:solidFill>
-            </a:endParaRPr>
-          </a:p>
-          <a:p>
-            <a:r>
-              <a:rPr lang="en-GB" dirty="0">
-                <a:solidFill>
-                  <a:schemeClr val="bg1"/>
-                </a:solidFill>
-              </a:rPr>
-              <a:t>add 	</a:t>
-            </a:r>
-            <a:r>
-              <a:rPr lang="en-GB" sz="1400" dirty="0">
-                <a:solidFill>
-                  <a:schemeClr val="accent3">
-                    <a:lumMod val="50000"/>
-                  </a:schemeClr>
-                </a:solidFill>
-              </a:rPr>
-              <a:t>; pop two values, perform an addition, then push the result</a:t>
-            </a:r>
-          </a:p>
-          <a:p>
-            <a:r>
-              <a:rPr lang="en-GB" dirty="0">
-                <a:solidFill>
-                  <a:schemeClr val="bg1"/>
-                </a:solidFill>
-              </a:rPr>
-              <a:t>add 	</a:t>
-            </a:r>
-            <a:r>
-              <a:rPr lang="en-GB" sz="1400" dirty="0">
-                <a:solidFill>
-                  <a:schemeClr val="accent3">
-                    <a:lumMod val="50000"/>
-                  </a:schemeClr>
-                </a:solidFill>
-              </a:rPr>
-              <a:t>; pop two values, perform an addition, then push the result</a:t>
-            </a:r>
-            <a:endParaRPr lang="en-GB" dirty="0">
-              <a:solidFill>
-                <a:schemeClr val="accent3">
-                  <a:lumMod val="50000"/>
-                </a:schemeClr>
-              </a:solidFill>
-            </a:endParaRPr>
-          </a:p>
-          <a:p>
-            <a:r>
-              <a:rPr lang="en-GB" dirty="0">
-                <a:solidFill>
-                  <a:schemeClr val="bg1"/>
-                </a:solidFill>
-              </a:rPr>
-              <a:t>add 	</a:t>
-            </a:r>
-            <a:r>
-              <a:rPr lang="en-GB" sz="1400" dirty="0">
-                <a:solidFill>
-                  <a:schemeClr val="accent3">
-                    <a:lumMod val="50000"/>
-                  </a:schemeClr>
-                </a:solidFill>
-              </a:rPr>
-              <a:t>; pop two values, perform an addition, then push the result</a:t>
-            </a:r>
-            <a:endParaRPr lang="en-GB" dirty="0">
-              <a:solidFill>
-                <a:schemeClr val="accent3">
-                  <a:lumMod val="50000"/>
-                </a:schemeClr>
               </a:solidFill>
             </a:endParaRPr>
           </a:p>
@@ -21962,6 +21764,204 @@
           </a:fontRef>
         </p:style>
       </p:cxnSp>
+      <p:sp>
+        <p:nvSpPr>
+          <p:cNvPr id="34" name="TextBox 33">
+            <a:extLst>
+              <a:ext uri="{FF2B5EF4-FFF2-40B4-BE49-F238E27FC236}">
+                <a16:creationId xmlns:a16="http://schemas.microsoft.com/office/drawing/2014/main" id="{FFEB35F3-4E48-4EE0-B607-369EC77B5EED}"/>
+              </a:ext>
+            </a:extLst>
+          </p:cNvPr>
+          <p:cNvSpPr txBox="1"/>
+          <p:nvPr/>
+        </p:nvSpPr>
+        <p:spPr>
+          <a:xfrm>
+            <a:off x="609600" y="928670"/>
+            <a:ext cx="6934200" cy="2031325"/>
+          </a:xfrm>
+          <a:prstGeom prst="rect">
+            <a:avLst/>
+          </a:prstGeom>
+          <a:noFill/>
+        </p:spPr>
+        <p:txBody>
+          <a:bodyPr wrap="square" rtlCol="0">
+            <a:spAutoFit/>
+          </a:bodyPr>
+          <a:lstStyle/>
+          <a:p>
+            <a:r>
+              <a:rPr lang="en-GB" dirty="0">
+                <a:solidFill>
+                  <a:schemeClr val="bg1"/>
+                </a:solidFill>
+              </a:rPr>
+              <a:t>push 0x0	</a:t>
+            </a:r>
+            <a:r>
+              <a:rPr lang="en-GB" sz="1400" dirty="0">
+                <a:solidFill>
+                  <a:schemeClr val="accent3">
+                    <a:lumMod val="50000"/>
+                  </a:schemeClr>
+                </a:solidFill>
+              </a:rPr>
+              <a:t>; push 0x0 on the stack</a:t>
+            </a:r>
+            <a:endParaRPr lang="en-GB" dirty="0">
+              <a:solidFill>
+                <a:schemeClr val="bg1"/>
+              </a:solidFill>
+            </a:endParaRPr>
+          </a:p>
+          <a:p>
+            <a:r>
+              <a:rPr lang="en-GB" dirty="0">
+                <a:solidFill>
+                  <a:schemeClr val="bg1"/>
+                </a:solidFill>
+              </a:rPr>
+              <a:t>push 0x1	</a:t>
+            </a:r>
+            <a:r>
+              <a:rPr lang="en-GB" sz="1400" dirty="0">
+                <a:solidFill>
+                  <a:schemeClr val="accent3">
+                    <a:lumMod val="50000"/>
+                  </a:schemeClr>
+                </a:solidFill>
+              </a:rPr>
+              <a:t>; push 0x1 on the stack</a:t>
+            </a:r>
+          </a:p>
+          <a:p>
+            <a:r>
+              <a:rPr lang="en-GB" dirty="0">
+                <a:solidFill>
+                  <a:schemeClr val="bg1"/>
+                </a:solidFill>
+              </a:rPr>
+              <a:t>push 0x2	</a:t>
+            </a:r>
+            <a:r>
+              <a:rPr lang="en-GB" sz="1400" dirty="0">
+                <a:solidFill>
+                  <a:schemeClr val="accent3">
+                    <a:lumMod val="50000"/>
+                  </a:schemeClr>
+                </a:solidFill>
+              </a:rPr>
+              <a:t>; push 0x2 on the stack</a:t>
+            </a:r>
+            <a:endParaRPr lang="en-GB" sz="1400" dirty="0">
+              <a:solidFill>
+                <a:schemeClr val="bg1"/>
+              </a:solidFill>
+            </a:endParaRPr>
+          </a:p>
+          <a:p>
+            <a:r>
+              <a:rPr lang="en-GB" dirty="0">
+                <a:solidFill>
+                  <a:schemeClr val="bg1"/>
+                </a:solidFill>
+              </a:rPr>
+              <a:t>push 0x3	</a:t>
+            </a:r>
+            <a:r>
+              <a:rPr lang="en-GB" sz="1400" dirty="0">
+                <a:solidFill>
+                  <a:schemeClr val="accent3">
+                    <a:lumMod val="50000"/>
+                  </a:schemeClr>
+                </a:solidFill>
+              </a:rPr>
+              <a:t>; push 0x3 on the stack</a:t>
+            </a:r>
+            <a:endParaRPr lang="en-GB" dirty="0">
+              <a:solidFill>
+                <a:schemeClr val="bg1"/>
+              </a:solidFill>
+            </a:endParaRPr>
+          </a:p>
+          <a:p>
+            <a:r>
+              <a:rPr lang="en-GB" dirty="0">
+                <a:solidFill>
+                  <a:schemeClr val="bg1"/>
+                </a:solidFill>
+              </a:rPr>
+              <a:t>add 	</a:t>
+            </a:r>
+            <a:r>
+              <a:rPr lang="en-GB" sz="1400" dirty="0">
+                <a:solidFill>
+                  <a:schemeClr val="accent3">
+                    <a:lumMod val="50000"/>
+                  </a:schemeClr>
+                </a:solidFill>
+              </a:rPr>
+              <a:t>; pop two values, perform an addition, then push the result</a:t>
+            </a:r>
+          </a:p>
+          <a:p>
+            <a:r>
+              <a:rPr lang="en-GB" dirty="0">
+                <a:solidFill>
+                  <a:schemeClr val="bg1"/>
+                </a:solidFill>
+              </a:rPr>
+              <a:t>add 	</a:t>
+            </a:r>
+            <a:r>
+              <a:rPr lang="en-GB" sz="1400" dirty="0">
+                <a:solidFill>
+                  <a:schemeClr val="accent3">
+                    <a:lumMod val="50000"/>
+                  </a:schemeClr>
+                </a:solidFill>
+              </a:rPr>
+              <a:t>; pop two values, perform an addition, then push the result</a:t>
+            </a:r>
+            <a:endParaRPr lang="en-GB" dirty="0">
+              <a:solidFill>
+                <a:schemeClr val="accent3">
+                  <a:lumMod val="50000"/>
+                </a:schemeClr>
+              </a:solidFill>
+            </a:endParaRPr>
+          </a:p>
+          <a:p>
+            <a:r>
+              <a:rPr lang="en-GB" dirty="0">
+                <a:solidFill>
+                  <a:schemeClr val="bg1"/>
+                </a:solidFill>
+              </a:rPr>
+              <a:t>add 	</a:t>
+            </a:r>
+            <a:r>
+              <a:rPr lang="en-GB" sz="1400" dirty="0">
+                <a:solidFill>
+                  <a:schemeClr val="accent3">
+                    <a:lumMod val="50000"/>
+                  </a:schemeClr>
+                </a:solidFill>
+              </a:rPr>
+              <a:t>; pop two values, perform an addition, then push the result</a:t>
+            </a:r>
+            <a:endParaRPr lang="en-GB" dirty="0">
+              <a:solidFill>
+                <a:schemeClr val="accent3">
+                  <a:lumMod val="50000"/>
+                </a:schemeClr>
+              </a:solidFill>
+            </a:endParaRPr>
+          </a:p>
+        </p:txBody>
+      </p:sp>
     </p:spTree>
     <p:extLst>
       <p:ext uri="{BB962C8B-B14F-4D97-AF65-F5344CB8AC3E}">
@@ -22386,204 +22386,6 @@
             <a:endParaRPr lang="en-US" dirty="0">
               <a:solidFill>
                 <a:schemeClr val="bg1"/>
-              </a:solidFill>
-            </a:endParaRPr>
-          </a:p>
-        </p:txBody>
-      </p:sp>
-      <p:sp>
-        <p:nvSpPr>
-          <p:cNvPr id="13" name="TextBox 12">
-            <a:extLst>
-              <a:ext uri="{FF2B5EF4-FFF2-40B4-BE49-F238E27FC236}">
-                <a16:creationId xmlns:a16="http://schemas.microsoft.com/office/drawing/2014/main" id="{15267C53-BA1B-48E1-9221-57248D42053E}"/>
-              </a:ext>
-            </a:extLst>
-          </p:cNvPr>
-          <p:cNvSpPr txBox="1"/>
-          <p:nvPr/>
-        </p:nvSpPr>
-        <p:spPr>
-          <a:xfrm>
-            <a:off x="609600" y="928670"/>
-            <a:ext cx="6934200" cy="2031325"/>
-          </a:xfrm>
-          <a:prstGeom prst="rect">
-            <a:avLst/>
-          </a:prstGeom>
-          <a:noFill/>
-        </p:spPr>
-        <p:txBody>
-          <a:bodyPr wrap="square" rtlCol="0">
-            <a:spAutoFit/>
-          </a:bodyPr>
-          <a:lstStyle/>
-          <a:p>
-            <a:r>
-              <a:rPr lang="en-GB" dirty="0">
-                <a:solidFill>
-                  <a:schemeClr val="bg1"/>
-                </a:solidFill>
-              </a:rPr>
-              <a:t>push 0x0	</a:t>
-            </a:r>
-            <a:r>
-              <a:rPr lang="en-GB" sz="1400" dirty="0">
-                <a:solidFill>
-                  <a:schemeClr val="accent3">
-                    <a:lumMod val="50000"/>
-                  </a:schemeClr>
-                </a:solidFill>
-              </a:rPr>
-              <a:t>; push 0x0 on the stack</a:t>
-            </a:r>
-            <a:endParaRPr lang="en-GB" dirty="0">
-              <a:solidFill>
-                <a:schemeClr val="bg1"/>
-              </a:solidFill>
-            </a:endParaRPr>
-          </a:p>
-          <a:p>
-            <a:r>
-              <a:rPr lang="en-GB" dirty="0">
-                <a:solidFill>
-                  <a:schemeClr val="bg1"/>
-                </a:solidFill>
-              </a:rPr>
-              <a:t>push 0x1	</a:t>
-            </a:r>
-            <a:r>
-              <a:rPr lang="en-GB" sz="1400" dirty="0">
-                <a:solidFill>
-                  <a:schemeClr val="accent3">
-                    <a:lumMod val="50000"/>
-                  </a:schemeClr>
-                </a:solidFill>
-              </a:rPr>
-              <a:t>; push 0x1 on the stack</a:t>
-            </a:r>
-          </a:p>
-          <a:p>
-            <a:r>
-              <a:rPr lang="en-GB" dirty="0">
-                <a:solidFill>
-                  <a:schemeClr val="bg1"/>
-                </a:solidFill>
-              </a:rPr>
-              <a:t>push 0x2	</a:t>
-            </a:r>
-            <a:r>
-              <a:rPr lang="en-GB" sz="1400" dirty="0">
-                <a:solidFill>
-                  <a:schemeClr val="accent3">
-                    <a:lumMod val="50000"/>
-                  </a:schemeClr>
-                </a:solidFill>
-              </a:rPr>
-              <a:t>; push 0x4 on the stack</a:t>
-            </a:r>
-            <a:endParaRPr lang="en-GB" sz="1400" dirty="0">
-              <a:solidFill>
-                <a:schemeClr val="bg1"/>
-              </a:solidFill>
-            </a:endParaRPr>
-          </a:p>
-          <a:p>
-            <a:r>
-              <a:rPr lang="en-GB" dirty="0">
-                <a:solidFill>
-                  <a:schemeClr val="bg1"/>
-                </a:solidFill>
-              </a:rPr>
-              <a:t>push 0x3	</a:t>
-            </a:r>
-            <a:r>
-              <a:rPr lang="en-GB" sz="1400" dirty="0">
-                <a:solidFill>
-                  <a:schemeClr val="accent3">
-                    <a:lumMod val="50000"/>
-                  </a:schemeClr>
-                </a:solidFill>
-              </a:rPr>
-              <a:t>; push 0x3 on the stack</a:t>
-            </a:r>
-            <a:endParaRPr lang="en-GB" dirty="0">
-              <a:solidFill>
-                <a:schemeClr val="bg1"/>
-              </a:solidFill>
-            </a:endParaRPr>
-          </a:p>
-          <a:p>
-            <a:r>
-              <a:rPr lang="en-GB" dirty="0">
-                <a:solidFill>
-                  <a:schemeClr val="bg1"/>
-                </a:solidFill>
-              </a:rPr>
-              <a:t>add 	</a:t>
-            </a:r>
-            <a:r>
-              <a:rPr lang="en-GB" sz="1400" dirty="0">
-                <a:solidFill>
-                  <a:schemeClr val="accent3">
-                    <a:lumMod val="50000"/>
-                  </a:schemeClr>
-                </a:solidFill>
-              </a:rPr>
-              <a:t>; pop two values, perform an addition, then push the result</a:t>
-            </a:r>
-          </a:p>
-          <a:p>
-            <a:r>
-              <a:rPr lang="en-GB" dirty="0">
-                <a:solidFill>
-                  <a:schemeClr val="bg1"/>
-                </a:solidFill>
-              </a:rPr>
-              <a:t>add 	</a:t>
-            </a:r>
-            <a:r>
-              <a:rPr lang="en-GB" sz="1400" dirty="0">
-                <a:solidFill>
-                  <a:schemeClr val="accent3">
-                    <a:lumMod val="50000"/>
-                  </a:schemeClr>
-                </a:solidFill>
-              </a:rPr>
-              <a:t>; pop two values, perform an addition, then push the result</a:t>
-            </a:r>
-            <a:endParaRPr lang="en-GB" dirty="0">
-              <a:solidFill>
-                <a:schemeClr val="accent3">
-                  <a:lumMod val="50000"/>
-                </a:schemeClr>
-              </a:solidFill>
-            </a:endParaRPr>
-          </a:p>
-          <a:p>
-            <a:r>
-              <a:rPr lang="en-GB" dirty="0">
-                <a:solidFill>
-                  <a:schemeClr val="bg1"/>
-                </a:solidFill>
-              </a:rPr>
-              <a:t>add 	</a:t>
-            </a:r>
-            <a:r>
-              <a:rPr lang="en-GB" sz="1400" dirty="0">
-                <a:solidFill>
-                  <a:schemeClr val="accent3">
-                    <a:lumMod val="50000"/>
-                  </a:schemeClr>
-                </a:solidFill>
-              </a:rPr>
-              <a:t>; pop two values, perform an addition, then push the result</a:t>
-            </a:r>
-            <a:endParaRPr lang="en-GB" dirty="0">
-              <a:solidFill>
-                <a:schemeClr val="accent3">
-                  <a:lumMod val="50000"/>
-                </a:schemeClr>
               </a:solidFill>
             </a:endParaRPr>
           </a:p>
@@ -23285,6 +23087,204 @@
           </a:p>
         </p:txBody>
       </p:sp>
+      <p:sp>
+        <p:nvSpPr>
+          <p:cNvPr id="24" name="TextBox 23">
+            <a:extLst>
+              <a:ext uri="{FF2B5EF4-FFF2-40B4-BE49-F238E27FC236}">
+                <a16:creationId xmlns:a16="http://schemas.microsoft.com/office/drawing/2014/main" id="{3DC5A954-8738-49D6-8FF5-2C11A0272D7A}"/>
+              </a:ext>
+            </a:extLst>
+          </p:cNvPr>
+          <p:cNvSpPr txBox="1"/>
+          <p:nvPr/>
+        </p:nvSpPr>
+        <p:spPr>
+          <a:xfrm>
+            <a:off x="609600" y="928670"/>
+            <a:ext cx="6934200" cy="2031325"/>
+          </a:xfrm>
+          <a:prstGeom prst="rect">
+            <a:avLst/>
+          </a:prstGeom>
+          <a:noFill/>
+        </p:spPr>
+        <p:txBody>
+          <a:bodyPr wrap="square" rtlCol="0">
+            <a:spAutoFit/>
+          </a:bodyPr>
+          <a:lstStyle/>
+          <a:p>
+            <a:r>
+              <a:rPr lang="en-GB" dirty="0">
+                <a:solidFill>
+                  <a:schemeClr val="bg1"/>
+                </a:solidFill>
+              </a:rPr>
+              <a:t>push 0x0	</a:t>
+            </a:r>
+            <a:r>
+              <a:rPr lang="en-GB" sz="1400" dirty="0">
+                <a:solidFill>
+                  <a:schemeClr val="accent3">
+                    <a:lumMod val="50000"/>
+                  </a:schemeClr>
+                </a:solidFill>
+              </a:rPr>
+              <a:t>; push 0x0 on the stack</a:t>
+            </a:r>
+            <a:endParaRPr lang="en-GB" dirty="0">
+              <a:solidFill>
+                <a:schemeClr val="bg1"/>
+              </a:solidFill>
+            </a:endParaRPr>
+          </a:p>
+          <a:p>
+            <a:r>
+              <a:rPr lang="en-GB" dirty="0">
+                <a:solidFill>
+                  <a:schemeClr val="bg1"/>
+                </a:solidFill>
+              </a:rPr>
+              <a:t>push 0x1	</a:t>
+            </a:r>
+            <a:r>
+              <a:rPr lang="en-GB" sz="1400" dirty="0">
+                <a:solidFill>
+                  <a:schemeClr val="accent3">
+                    <a:lumMod val="50000"/>
+                  </a:schemeClr>
+                </a:solidFill>
+              </a:rPr>
+              <a:t>; push 0x1 on the stack</a:t>
+            </a:r>
+          </a:p>
+          <a:p>
+            <a:r>
+              <a:rPr lang="en-GB" dirty="0">
+                <a:solidFill>
+                  <a:schemeClr val="bg1"/>
+                </a:solidFill>
+              </a:rPr>
+              <a:t>push 0x2	</a:t>
+            </a:r>
+            <a:r>
+              <a:rPr lang="en-GB" sz="1400" dirty="0">
+                <a:solidFill>
+                  <a:schemeClr val="accent3">
+                    <a:lumMod val="50000"/>
+                  </a:schemeClr>
+                </a:solidFill>
+              </a:rPr>
+              <a:t>; push 0x2 on the stack</a:t>
+            </a:r>
+            <a:endParaRPr lang="en-GB" sz="1400" dirty="0">
+              <a:solidFill>
+                <a:schemeClr val="bg1"/>
+              </a:solidFill>
+            </a:endParaRPr>
+          </a:p>
+          <a:p>
+            <a:r>
+              <a:rPr lang="en-GB" dirty="0">
+                <a:solidFill>
+                  <a:schemeClr val="bg1"/>
+                </a:solidFill>
+              </a:rPr>
+              <a:t>push 0x3	</a:t>
+            </a:r>
+            <a:r>
+              <a:rPr lang="en-GB" sz="1400" dirty="0">
+                <a:solidFill>
+                  <a:schemeClr val="accent3">
+                    <a:lumMod val="50000"/>
+                  </a:schemeClr>
+                </a:solidFill>
+              </a:rPr>
+              <a:t>; push 0x3 on the stack</a:t>
+            </a:r>
+            <a:endParaRPr lang="en-GB" dirty="0">
+              <a:solidFill>
+                <a:schemeClr val="bg1"/>
+              </a:solidFill>
+            </a:endParaRPr>
+          </a:p>
+          <a:p>
+            <a:r>
+              <a:rPr lang="en-GB" dirty="0">
+                <a:solidFill>
+                  <a:schemeClr val="bg1"/>
+                </a:solidFill>
+              </a:rPr>
+              <a:t>add 	</a:t>
+            </a:r>
+            <a:r>
+              <a:rPr lang="en-GB" sz="1400" dirty="0">
+                <a:solidFill>
+                  <a:schemeClr val="accent3">
+                    <a:lumMod val="50000"/>
+                  </a:schemeClr>
+                </a:solidFill>
+              </a:rPr>
+              <a:t>; pop two values, perform an addition, then push the result</a:t>
+            </a:r>
+          </a:p>
+          <a:p>
+            <a:r>
+              <a:rPr lang="en-GB" dirty="0">
+                <a:solidFill>
+                  <a:schemeClr val="bg1"/>
+                </a:solidFill>
+              </a:rPr>
+              <a:t>add 	</a:t>
+            </a:r>
+            <a:r>
+              <a:rPr lang="en-GB" sz="1400" dirty="0">
+                <a:solidFill>
+                  <a:schemeClr val="accent3">
+                    <a:lumMod val="50000"/>
+                  </a:schemeClr>
+                </a:solidFill>
+              </a:rPr>
+              <a:t>; pop two values, perform an addition, then push the result</a:t>
+            </a:r>
+            <a:endParaRPr lang="en-GB" dirty="0">
+              <a:solidFill>
+                <a:schemeClr val="accent3">
+                  <a:lumMod val="50000"/>
+                </a:schemeClr>
+              </a:solidFill>
+            </a:endParaRPr>
+          </a:p>
+          <a:p>
+            <a:r>
+              <a:rPr lang="en-GB" dirty="0">
+                <a:solidFill>
+                  <a:schemeClr val="bg1"/>
+                </a:solidFill>
+              </a:rPr>
+              <a:t>add 	</a:t>
+            </a:r>
+            <a:r>
+              <a:rPr lang="en-GB" sz="1400" dirty="0">
+                <a:solidFill>
+                  <a:schemeClr val="accent3">
+                    <a:lumMod val="50000"/>
+                  </a:schemeClr>
+                </a:solidFill>
+              </a:rPr>
+              <a:t>; pop two values, perform an addition, then push the result</a:t>
+            </a:r>
+            <a:endParaRPr lang="en-GB" dirty="0">
+              <a:solidFill>
+                <a:schemeClr val="accent3">
+                  <a:lumMod val="50000"/>
+                </a:schemeClr>
+              </a:solidFill>
+            </a:endParaRPr>
+          </a:p>
+        </p:txBody>
+      </p:sp>
     </p:spTree>
     <p:extLst>
       <p:ext uri="{BB962C8B-B14F-4D97-AF65-F5344CB8AC3E}">
@@ -23709,204 +23709,6 @@
             <a:endParaRPr lang="en-US" dirty="0">
               <a:solidFill>
                 <a:schemeClr val="bg1"/>
-              </a:solidFill>
-            </a:endParaRPr>
-          </a:p>
-        </p:txBody>
-      </p:sp>
-      <p:sp>
-        <p:nvSpPr>
-          <p:cNvPr id="13" name="TextBox 12">
-            <a:extLst>
-              <a:ext uri="{FF2B5EF4-FFF2-40B4-BE49-F238E27FC236}">
-                <a16:creationId xmlns:a16="http://schemas.microsoft.com/office/drawing/2014/main" id="{15267C53-BA1B-48E1-9221-57248D42053E}"/>
-              </a:ext>
-            </a:extLst>
-          </p:cNvPr>
-          <p:cNvSpPr txBox="1"/>
-          <p:nvPr/>
-        </p:nvSpPr>
-        <p:spPr>
-          <a:xfrm>
-            <a:off x="609600" y="928670"/>
-            <a:ext cx="6934200" cy="2031325"/>
-          </a:xfrm>
-          <a:prstGeom prst="rect">
-            <a:avLst/>
-          </a:prstGeom>
-          <a:noFill/>
-        </p:spPr>
-        <p:txBody>
-          <a:bodyPr wrap="square" rtlCol="0">
-            <a:spAutoFit/>
-          </a:bodyPr>
-          <a:lstStyle/>
-          <a:p>
-            <a:r>
-              <a:rPr lang="en-GB" dirty="0">
-                <a:solidFill>
-                  <a:schemeClr val="bg1"/>
-                </a:solidFill>
-              </a:rPr>
-              <a:t>push 0x0	</a:t>
-            </a:r>
-            <a:r>
-              <a:rPr lang="en-GB" sz="1400" dirty="0">
-                <a:solidFill>
-                  <a:schemeClr val="accent3">
-                    <a:lumMod val="50000"/>
-                  </a:schemeClr>
-                </a:solidFill>
-              </a:rPr>
-              <a:t>; push 0x0 on the stack</a:t>
-            </a:r>
-            <a:endParaRPr lang="en-GB" dirty="0">
-              <a:solidFill>
-                <a:schemeClr val="bg1"/>
-              </a:solidFill>
-            </a:endParaRPr>
-          </a:p>
-          <a:p>
-            <a:r>
-              <a:rPr lang="en-GB" dirty="0">
-                <a:solidFill>
-                  <a:schemeClr val="bg1"/>
-                </a:solidFill>
-              </a:rPr>
-              <a:t>push 0x1	</a:t>
-            </a:r>
-            <a:r>
-              <a:rPr lang="en-GB" sz="1400" dirty="0">
-                <a:solidFill>
-                  <a:schemeClr val="accent3">
-                    <a:lumMod val="50000"/>
-                  </a:schemeClr>
-                </a:solidFill>
-              </a:rPr>
-              <a:t>; push 0x1 on the stack</a:t>
-            </a:r>
-          </a:p>
-          <a:p>
-            <a:r>
-              <a:rPr lang="en-GB" dirty="0">
-                <a:solidFill>
-                  <a:schemeClr val="bg1"/>
-                </a:solidFill>
-              </a:rPr>
-              <a:t>push 0x2	</a:t>
-            </a:r>
-            <a:r>
-              <a:rPr lang="en-GB" sz="1400" dirty="0">
-                <a:solidFill>
-                  <a:schemeClr val="accent3">
-                    <a:lumMod val="50000"/>
-                  </a:schemeClr>
-                </a:solidFill>
-              </a:rPr>
-              <a:t>; push 0x4 on the stack</a:t>
-            </a:r>
-            <a:endParaRPr lang="en-GB" sz="1400" dirty="0">
-              <a:solidFill>
-                <a:schemeClr val="bg1"/>
-              </a:solidFill>
-            </a:endParaRPr>
-          </a:p>
-          <a:p>
-            <a:r>
-              <a:rPr lang="en-GB" dirty="0">
-                <a:solidFill>
-                  <a:schemeClr val="bg1"/>
-                </a:solidFill>
-              </a:rPr>
-              <a:t>push 0x3	</a:t>
-            </a:r>
-            <a:r>
-              <a:rPr lang="en-GB" sz="1400" dirty="0">
-                <a:solidFill>
-                  <a:schemeClr val="accent3">
-                    <a:lumMod val="50000"/>
-                  </a:schemeClr>
-                </a:solidFill>
-              </a:rPr>
-              <a:t>; push 0x3 on the stack</a:t>
-            </a:r>
-            <a:endParaRPr lang="en-GB" dirty="0">
-              <a:solidFill>
-                <a:schemeClr val="bg1"/>
-              </a:solidFill>
-            </a:endParaRPr>
-          </a:p>
-          <a:p>
-            <a:r>
-              <a:rPr lang="en-GB" dirty="0">
-                <a:solidFill>
-                  <a:schemeClr val="bg1"/>
-                </a:solidFill>
-              </a:rPr>
-              <a:t>add 	</a:t>
-            </a:r>
-            <a:r>
-              <a:rPr lang="en-GB" sz="1400" dirty="0">
-                <a:solidFill>
-                  <a:schemeClr val="accent3">
-                    <a:lumMod val="50000"/>
-                  </a:schemeClr>
-                </a:solidFill>
-              </a:rPr>
-              <a:t>; pop two values, perform an addition, then push the result</a:t>
-            </a:r>
-          </a:p>
-          <a:p>
-            <a:r>
-              <a:rPr lang="en-GB" dirty="0">
-                <a:solidFill>
-                  <a:schemeClr val="bg1"/>
-                </a:solidFill>
-              </a:rPr>
-              <a:t>add 	</a:t>
-            </a:r>
-            <a:r>
-              <a:rPr lang="en-GB" sz="1400" dirty="0">
-                <a:solidFill>
-                  <a:schemeClr val="accent3">
-                    <a:lumMod val="50000"/>
-                  </a:schemeClr>
-                </a:solidFill>
-              </a:rPr>
-              <a:t>; pop two values, perform an addition, then push the result</a:t>
-            </a:r>
-            <a:endParaRPr lang="en-GB" dirty="0">
-              <a:solidFill>
-                <a:schemeClr val="accent3">
-                  <a:lumMod val="50000"/>
-                </a:schemeClr>
-              </a:solidFill>
-            </a:endParaRPr>
-          </a:p>
-          <a:p>
-            <a:r>
-              <a:rPr lang="en-GB" dirty="0">
-                <a:solidFill>
-                  <a:schemeClr val="bg1"/>
-                </a:solidFill>
-              </a:rPr>
-              <a:t>add 	</a:t>
-            </a:r>
-            <a:r>
-              <a:rPr lang="en-GB" sz="1400" dirty="0">
-                <a:solidFill>
-                  <a:schemeClr val="accent3">
-                    <a:lumMod val="50000"/>
-                  </a:schemeClr>
-                </a:solidFill>
-              </a:rPr>
-              <a:t>; pop two values, perform an addition, then push the result</a:t>
-            </a:r>
-            <a:endParaRPr lang="en-GB" dirty="0">
-              <a:solidFill>
-                <a:schemeClr val="accent3">
-                  <a:lumMod val="50000"/>
-                </a:schemeClr>
               </a:solidFill>
             </a:endParaRPr>
           </a:p>
@@ -24336,6 +24138,204 @@
           </a:p>
         </p:txBody>
       </p:sp>
+      <p:sp>
+        <p:nvSpPr>
+          <p:cNvPr id="21" name="TextBox 20">
+            <a:extLst>
+              <a:ext uri="{FF2B5EF4-FFF2-40B4-BE49-F238E27FC236}">
+                <a16:creationId xmlns:a16="http://schemas.microsoft.com/office/drawing/2014/main" id="{736BDF5E-0E42-4785-9E67-BF625CC7AA80}"/>
+              </a:ext>
+            </a:extLst>
+          </p:cNvPr>
+          <p:cNvSpPr txBox="1"/>
+          <p:nvPr/>
+        </p:nvSpPr>
+        <p:spPr>
+          <a:xfrm>
+            <a:off x="609600" y="928670"/>
+            <a:ext cx="6934200" cy="2031325"/>
+          </a:xfrm>
+          <a:prstGeom prst="rect">
+            <a:avLst/>
+          </a:prstGeom>
+          <a:noFill/>
+        </p:spPr>
+        <p:txBody>
+          <a:bodyPr wrap="square" rtlCol="0">
+            <a:spAutoFit/>
+          </a:bodyPr>
+          <a:lstStyle/>
+          <a:p>
+            <a:r>
+              <a:rPr lang="en-GB" dirty="0">
+                <a:solidFill>
+                  <a:schemeClr val="bg1"/>
+                </a:solidFill>
+              </a:rPr>
+              <a:t>push 0x0	</a:t>
+            </a:r>
+            <a:r>
+              <a:rPr lang="en-GB" sz="1400" dirty="0">
+                <a:solidFill>
+                  <a:schemeClr val="accent3">
+                    <a:lumMod val="50000"/>
+                  </a:schemeClr>
+                </a:solidFill>
+              </a:rPr>
+              <a:t>; push 0x0 on the stack</a:t>
+            </a:r>
+            <a:endParaRPr lang="en-GB" dirty="0">
+              <a:solidFill>
+                <a:schemeClr val="bg1"/>
+              </a:solidFill>
+            </a:endParaRPr>
+          </a:p>
+          <a:p>
+            <a:r>
+              <a:rPr lang="en-GB" dirty="0">
+                <a:solidFill>
+                  <a:schemeClr val="bg1"/>
+                </a:solidFill>
+              </a:rPr>
+              <a:t>push 0x1	</a:t>
+            </a:r>
+            <a:r>
+              <a:rPr lang="en-GB" sz="1400" dirty="0">
+                <a:solidFill>
+                  <a:schemeClr val="accent3">
+                    <a:lumMod val="50000"/>
+                  </a:schemeClr>
+                </a:solidFill>
+              </a:rPr>
+              <a:t>; push 0x1 on the stack</a:t>
+            </a:r>
+          </a:p>
+          <a:p>
+            <a:r>
+              <a:rPr lang="en-GB" dirty="0">
+                <a:solidFill>
+                  <a:schemeClr val="bg1"/>
+                </a:solidFill>
+              </a:rPr>
+              <a:t>push 0x2	</a:t>
+            </a:r>
+            <a:r>
+              <a:rPr lang="en-GB" sz="1400" dirty="0">
+                <a:solidFill>
+                  <a:schemeClr val="accent3">
+                    <a:lumMod val="50000"/>
+                  </a:schemeClr>
+                </a:solidFill>
+              </a:rPr>
+              <a:t>; push 0x2 on the stack</a:t>
+            </a:r>
+            <a:endParaRPr lang="en-GB" sz="1400" dirty="0">
+              <a:solidFill>
+                <a:schemeClr val="bg1"/>
+              </a:solidFill>
+            </a:endParaRPr>
+          </a:p>
+          <a:p>
+            <a:r>
+              <a:rPr lang="en-GB" dirty="0">
+                <a:solidFill>
+                  <a:schemeClr val="bg1"/>
+                </a:solidFill>
+              </a:rPr>
+              <a:t>push 0x3	</a:t>
+            </a:r>
+            <a:r>
+              <a:rPr lang="en-GB" sz="1400" dirty="0">
+                <a:solidFill>
+                  <a:schemeClr val="accent3">
+                    <a:lumMod val="50000"/>
+                  </a:schemeClr>
+                </a:solidFill>
+              </a:rPr>
+              <a:t>; push 0x3 on the stack</a:t>
+            </a:r>
+            <a:endParaRPr lang="en-GB" dirty="0">
+              <a:solidFill>
+                <a:schemeClr val="bg1"/>
+              </a:solidFill>
+            </a:endParaRPr>
+          </a:p>
+          <a:p>
+            <a:r>
+              <a:rPr lang="en-GB" dirty="0">
+                <a:solidFill>
+                  <a:schemeClr val="bg1"/>
+                </a:solidFill>
+              </a:rPr>
+              <a:t>add 	</a:t>
+            </a:r>
+            <a:r>
+              <a:rPr lang="en-GB" sz="1400" dirty="0">
+                <a:solidFill>
+                  <a:schemeClr val="accent3">
+                    <a:lumMod val="50000"/>
+                  </a:schemeClr>
+                </a:solidFill>
+              </a:rPr>
+              <a:t>; pop two values, perform an addition, then push the result</a:t>
+            </a:r>
+          </a:p>
+          <a:p>
+            <a:r>
+              <a:rPr lang="en-GB" dirty="0">
+                <a:solidFill>
+                  <a:schemeClr val="bg1"/>
+                </a:solidFill>
+              </a:rPr>
+              <a:t>add 	</a:t>
+            </a:r>
+            <a:r>
+              <a:rPr lang="en-GB" sz="1400" dirty="0">
+                <a:solidFill>
+                  <a:schemeClr val="accent3">
+                    <a:lumMod val="50000"/>
+                  </a:schemeClr>
+                </a:solidFill>
+              </a:rPr>
+              <a:t>; pop two values, perform an addition, then push the result</a:t>
+            </a:r>
+            <a:endParaRPr lang="en-GB" dirty="0">
+              <a:solidFill>
+                <a:schemeClr val="accent3">
+                  <a:lumMod val="50000"/>
+                </a:schemeClr>
+              </a:solidFill>
+            </a:endParaRPr>
+          </a:p>
+          <a:p>
+            <a:r>
+              <a:rPr lang="en-GB" dirty="0">
+                <a:solidFill>
+                  <a:schemeClr val="bg1"/>
+                </a:solidFill>
+              </a:rPr>
+              <a:t>add 	</a:t>
+            </a:r>
+            <a:r>
+              <a:rPr lang="en-GB" sz="1400" dirty="0">
+                <a:solidFill>
+                  <a:schemeClr val="accent3">
+                    <a:lumMod val="50000"/>
+                  </a:schemeClr>
+                </a:solidFill>
+              </a:rPr>
+              <a:t>; pop two values, perform an addition, then push the result</a:t>
+            </a:r>
+            <a:endParaRPr lang="en-GB" dirty="0">
+              <a:solidFill>
+                <a:schemeClr val="accent3">
+                  <a:lumMod val="50000"/>
+                </a:schemeClr>
+              </a:solidFill>
+            </a:endParaRPr>
+          </a:p>
+        </p:txBody>
+      </p:sp>
     </p:spTree>
     <p:extLst>
       <p:ext uri="{BB962C8B-B14F-4D97-AF65-F5344CB8AC3E}">
@@ -24760,204 +24760,6 @@
             <a:endParaRPr lang="en-US" dirty="0">
               <a:solidFill>
                 <a:schemeClr val="bg1"/>
-              </a:solidFill>
-            </a:endParaRPr>
-          </a:p>
-        </p:txBody>
-      </p:sp>
-      <p:sp>
-        <p:nvSpPr>
-          <p:cNvPr id="13" name="TextBox 12">
-            <a:extLst>
-              <a:ext uri="{FF2B5EF4-FFF2-40B4-BE49-F238E27FC236}">
-                <a16:creationId xmlns:a16="http://schemas.microsoft.com/office/drawing/2014/main" id="{15267C53-BA1B-48E1-9221-57248D42053E}"/>
-              </a:ext>
-            </a:extLst>
-          </p:cNvPr>
-          <p:cNvSpPr txBox="1"/>
-          <p:nvPr/>
-        </p:nvSpPr>
-        <p:spPr>
-          <a:xfrm>
-            <a:off x="609600" y="928670"/>
-            <a:ext cx="6934200" cy="2031325"/>
-          </a:xfrm>
-          <a:prstGeom prst="rect">
-            <a:avLst/>
-          </a:prstGeom>
-          <a:noFill/>
-        </p:spPr>
-        <p:txBody>
-          <a:bodyPr wrap="square" rtlCol="0">
-            <a:spAutoFit/>
-          </a:bodyPr>
-          <a:lstStyle/>
-          <a:p>
-            <a:r>
-              <a:rPr lang="en-GB" dirty="0">
-                <a:solidFill>
-                  <a:schemeClr val="bg1"/>
-                </a:solidFill>
-              </a:rPr>
-              <a:t>push 0x0	</a:t>
-            </a:r>
-            <a:r>
-              <a:rPr lang="en-GB" sz="1400" dirty="0">
-                <a:solidFill>
-                  <a:schemeClr val="accent3">
-                    <a:lumMod val="50000"/>
-                  </a:schemeClr>
-                </a:solidFill>
-              </a:rPr>
-              <a:t>; push 0x0 on the stack</a:t>
-            </a:r>
-            <a:endParaRPr lang="en-GB" dirty="0">
-              <a:solidFill>
-                <a:schemeClr val="bg1"/>
-              </a:solidFill>
-            </a:endParaRPr>
-          </a:p>
-          <a:p>
-            <a:r>
-              <a:rPr lang="en-GB" dirty="0">
-                <a:solidFill>
-                  <a:schemeClr val="bg1"/>
-                </a:solidFill>
-              </a:rPr>
-              <a:t>push 0x1	</a:t>
-            </a:r>
-            <a:r>
-              <a:rPr lang="en-GB" sz="1400" dirty="0">
-                <a:solidFill>
-                  <a:schemeClr val="accent3">
-                    <a:lumMod val="50000"/>
-                  </a:schemeClr>
-                </a:solidFill>
-              </a:rPr>
-              <a:t>; push 0x1 on the stack</a:t>
-            </a:r>
-          </a:p>
-          <a:p>
-            <a:r>
-              <a:rPr lang="en-GB" dirty="0">
-                <a:solidFill>
-                  <a:schemeClr val="bg1"/>
-                </a:solidFill>
-              </a:rPr>
-              <a:t>push 0x2	</a:t>
-            </a:r>
-            <a:r>
-              <a:rPr lang="en-GB" sz="1400" dirty="0">
-                <a:solidFill>
-                  <a:schemeClr val="accent3">
-                    <a:lumMod val="50000"/>
-                  </a:schemeClr>
-                </a:solidFill>
-              </a:rPr>
-              <a:t>; push 0x4 on the stack</a:t>
-            </a:r>
-            <a:endParaRPr lang="en-GB" sz="1400" dirty="0">
-              <a:solidFill>
-                <a:schemeClr val="bg1"/>
-              </a:solidFill>
-            </a:endParaRPr>
-          </a:p>
-          <a:p>
-            <a:r>
-              <a:rPr lang="en-GB" dirty="0">
-                <a:solidFill>
-                  <a:schemeClr val="bg1"/>
-                </a:solidFill>
-              </a:rPr>
-              <a:t>push 0x3	</a:t>
-            </a:r>
-            <a:r>
-              <a:rPr lang="en-GB" sz="1400" dirty="0">
-                <a:solidFill>
-                  <a:schemeClr val="accent3">
-                    <a:lumMod val="50000"/>
-                  </a:schemeClr>
-                </a:solidFill>
-              </a:rPr>
-              <a:t>; push 0x3 on the stack</a:t>
-            </a:r>
-            <a:endParaRPr lang="en-GB" dirty="0">
-              <a:solidFill>
-                <a:schemeClr val="bg1"/>
-              </a:solidFill>
-            </a:endParaRPr>
-          </a:p>
-          <a:p>
-            <a:r>
-              <a:rPr lang="en-GB" dirty="0">
-                <a:solidFill>
-                  <a:schemeClr val="bg1"/>
-                </a:solidFill>
-              </a:rPr>
-              <a:t>add 	</a:t>
-            </a:r>
-            <a:r>
-              <a:rPr lang="en-GB" sz="1400" dirty="0">
-                <a:solidFill>
-                  <a:schemeClr val="accent3">
-                    <a:lumMod val="50000"/>
-                  </a:schemeClr>
-                </a:solidFill>
-              </a:rPr>
-              <a:t>; pop two values, perform an addition, then push the result</a:t>
-            </a:r>
-          </a:p>
-          <a:p>
-            <a:r>
-              <a:rPr lang="en-GB" dirty="0">
-                <a:solidFill>
-                  <a:schemeClr val="bg1"/>
-                </a:solidFill>
-              </a:rPr>
-              <a:t>add 	</a:t>
-            </a:r>
-            <a:r>
-              <a:rPr lang="en-GB" sz="1400" dirty="0">
-                <a:solidFill>
-                  <a:schemeClr val="accent3">
-                    <a:lumMod val="50000"/>
-                  </a:schemeClr>
-                </a:solidFill>
-              </a:rPr>
-              <a:t>; pop two values, perform an addition, then push the result</a:t>
-            </a:r>
-            <a:endParaRPr lang="en-GB" dirty="0">
-              <a:solidFill>
-                <a:schemeClr val="accent3">
-                  <a:lumMod val="50000"/>
-                </a:schemeClr>
-              </a:solidFill>
-            </a:endParaRPr>
-          </a:p>
-          <a:p>
-            <a:r>
-              <a:rPr lang="en-GB" dirty="0">
-                <a:solidFill>
-                  <a:schemeClr val="bg1"/>
-                </a:solidFill>
-              </a:rPr>
-              <a:t>add 	</a:t>
-            </a:r>
-            <a:r>
-              <a:rPr lang="en-GB" sz="1400" dirty="0">
-                <a:solidFill>
-                  <a:schemeClr val="accent3">
-                    <a:lumMod val="50000"/>
-                  </a:schemeClr>
-                </a:solidFill>
-              </a:rPr>
-              <a:t>; pop two values, perform an addition, then push the result</a:t>
-            </a:r>
-            <a:endParaRPr lang="en-GB" dirty="0">
-              <a:solidFill>
-                <a:schemeClr val="accent3">
-                  <a:lumMod val="50000"/>
-                </a:schemeClr>
               </a:solidFill>
             </a:endParaRPr>
           </a:p>
@@ -25335,6 +25137,204 @@
           <a:p>
             <a:pPr algn="ctr"/>
             <a:endParaRPr lang="en-GB"/>
+          </a:p>
+        </p:txBody>
+      </p:sp>
+      <p:sp>
+        <p:nvSpPr>
+          <p:cNvPr id="17" name="TextBox 16">
+            <a:extLst>
+              <a:ext uri="{FF2B5EF4-FFF2-40B4-BE49-F238E27FC236}">
+                <a16:creationId xmlns:a16="http://schemas.microsoft.com/office/drawing/2014/main" id="{06FB6675-1884-49D3-AFB9-BD59D6D2F521}"/>
+              </a:ext>
+            </a:extLst>
+          </p:cNvPr>
+          <p:cNvSpPr txBox="1"/>
+          <p:nvPr/>
+        </p:nvSpPr>
+        <p:spPr>
+          <a:xfrm>
+            <a:off x="609600" y="928670"/>
+            <a:ext cx="6934200" cy="2031325"/>
+          </a:xfrm>
+          <a:prstGeom prst="rect">
+            <a:avLst/>
+          </a:prstGeom>
+          <a:noFill/>
+        </p:spPr>
+        <p:txBody>
+          <a:bodyPr wrap="square" rtlCol="0">
+            <a:spAutoFit/>
+          </a:bodyPr>
+          <a:lstStyle/>
+          <a:p>
+            <a:r>
+              <a:rPr lang="en-GB" dirty="0">
+                <a:solidFill>
+                  <a:schemeClr val="bg1"/>
+                </a:solidFill>
+              </a:rPr>
+              <a:t>push 0x0	</a:t>
+            </a:r>
+            <a:r>
+              <a:rPr lang="en-GB" sz="1400" dirty="0">
+                <a:solidFill>
+                  <a:schemeClr val="accent3">
+                    <a:lumMod val="50000"/>
+                  </a:schemeClr>
+                </a:solidFill>
+              </a:rPr>
+              <a:t>; push 0x0 on the stack</a:t>
+            </a:r>
+            <a:endParaRPr lang="en-GB" dirty="0">
+              <a:solidFill>
+                <a:schemeClr val="bg1"/>
+              </a:solidFill>
+            </a:endParaRPr>
+          </a:p>
+          <a:p>
+            <a:r>
+              <a:rPr lang="en-GB" dirty="0">
+                <a:solidFill>
+                  <a:schemeClr val="bg1"/>
+                </a:solidFill>
+              </a:rPr>
+              <a:t>push 0x1	</a:t>
+            </a:r>
+            <a:r>
+              <a:rPr lang="en-GB" sz="1400" dirty="0">
+                <a:solidFill>
+                  <a:schemeClr val="accent3">
+                    <a:lumMod val="50000"/>
+                  </a:schemeClr>
+                </a:solidFill>
+              </a:rPr>
+              <a:t>; push 0x1 on the stack</a:t>
+            </a:r>
+          </a:p>
+          <a:p>
+            <a:r>
+              <a:rPr lang="en-GB" dirty="0">
+                <a:solidFill>
+                  <a:schemeClr val="bg1"/>
+                </a:solidFill>
+              </a:rPr>
+              <a:t>push 0x2	</a:t>
+            </a:r>
+            <a:r>
+              <a:rPr lang="en-GB" sz="1400" dirty="0">
+                <a:solidFill>
+                  <a:schemeClr val="accent3">
+                    <a:lumMod val="50000"/>
+                  </a:schemeClr>
+                </a:solidFill>
+              </a:rPr>
+              <a:t>; push 0x2 on the stack</a:t>
+            </a:r>
+            <a:endParaRPr lang="en-GB" sz="1400" dirty="0">
+              <a:solidFill>
+                <a:schemeClr val="bg1"/>
+              </a:solidFill>
+            </a:endParaRPr>
+          </a:p>
+          <a:p>
+            <a:r>
+              <a:rPr lang="en-GB" dirty="0">
+                <a:solidFill>
+                  <a:schemeClr val="bg1"/>
+                </a:solidFill>
+              </a:rPr>
+              <a:t>push 0x3	</a:t>
+            </a:r>
+            <a:r>
+              <a:rPr lang="en-GB" sz="1400" dirty="0">
+                <a:solidFill>
+                  <a:schemeClr val="accent3">
+                    <a:lumMod val="50000"/>
+                  </a:schemeClr>
+                </a:solidFill>
+              </a:rPr>
+              <a:t>; push 0x3 on the stack</a:t>
+            </a:r>
+            <a:endParaRPr lang="en-GB" dirty="0">
+              <a:solidFill>
+                <a:schemeClr val="bg1"/>
+              </a:solidFill>
+            </a:endParaRPr>
+          </a:p>
+          <a:p>
+            <a:r>
+              <a:rPr lang="en-GB" dirty="0">
+                <a:solidFill>
+                  <a:schemeClr val="bg1"/>
+                </a:solidFill>
+              </a:rPr>
+              <a:t>add 	</a:t>
+            </a:r>
+            <a:r>
+              <a:rPr lang="en-GB" sz="1400" dirty="0">
+                <a:solidFill>
+                  <a:schemeClr val="accent3">
+                    <a:lumMod val="50000"/>
+                  </a:schemeClr>
+                </a:solidFill>
+              </a:rPr>
+              <a:t>; pop two values, perform an addition, then push the result</a:t>
+            </a:r>
+          </a:p>
+          <a:p>
+            <a:r>
+              <a:rPr lang="en-GB" dirty="0">
+                <a:solidFill>
+                  <a:schemeClr val="bg1"/>
+                </a:solidFill>
+              </a:rPr>
+              <a:t>add 	</a:t>
+            </a:r>
+            <a:r>
+              <a:rPr lang="en-GB" sz="1400" dirty="0">
+                <a:solidFill>
+                  <a:schemeClr val="accent3">
+                    <a:lumMod val="50000"/>
+                  </a:schemeClr>
+                </a:solidFill>
+              </a:rPr>
+              <a:t>; pop two values, perform an addition, then push the result</a:t>
+            </a:r>
+            <a:endParaRPr lang="en-GB" dirty="0">
+              <a:solidFill>
+                <a:schemeClr val="accent3">
+                  <a:lumMod val="50000"/>
+                </a:schemeClr>
+              </a:solidFill>
+            </a:endParaRPr>
+          </a:p>
+          <a:p>
+            <a:r>
+              <a:rPr lang="en-GB" dirty="0">
+                <a:solidFill>
+                  <a:schemeClr val="bg1"/>
+                </a:solidFill>
+              </a:rPr>
+              <a:t>add 	</a:t>
+            </a:r>
+            <a:r>
+              <a:rPr lang="en-GB" sz="1400" dirty="0">
+                <a:solidFill>
+                  <a:schemeClr val="accent3">
+                    <a:lumMod val="50000"/>
+                  </a:schemeClr>
+                </a:solidFill>
+              </a:rPr>
+              <a:t>; pop two values, perform an addition, then push the result</a:t>
+            </a:r>
+            <a:endParaRPr lang="en-GB" dirty="0">
+              <a:solidFill>
+                <a:schemeClr val="accent3">
+                  <a:lumMod val="50000"/>
+                </a:schemeClr>
+              </a:solidFill>
+            </a:endParaRPr>
           </a:p>
         </p:txBody>
       </p:sp>
